--- a/josh-corrick/UsingDbatoolsToAutomateDeployments.pptx
+++ b/josh-corrick/UsingDbatoolsToAutomateDeployments.pptx
@@ -1,27 +1,29 @@
 
 <file path=ppt/presentation.xml><?xml version="1.0" encoding="utf-8"?>
-<p:presentation xmlns:a="http://schemas.openxmlformats.org/drawingml/2006/main" xmlns:r="http://schemas.openxmlformats.org/officeDocument/2006/relationships" xmlns:p="http://schemas.openxmlformats.org/presentationml/2006/main" saveSubsetFonts="1" autoCompressPictures="0">
+<p:presentation xmlns:a="http://schemas.openxmlformats.org/drawingml/2006/main" xmlns:r="http://schemas.openxmlformats.org/officeDocument/2006/relationships" xmlns:p="http://schemas.openxmlformats.org/presentationml/2006/main" saveSubsetFonts="1">
   <p:sldMasterIdLst>
     <p:sldMasterId id="2147483648" r:id="rId1"/>
   </p:sldMasterIdLst>
   <p:notesMasterIdLst>
-    <p:notesMasterId r:id="rId8"/>
+    <p:notesMasterId r:id="rId10"/>
   </p:notesMasterIdLst>
   <p:sldIdLst>
-    <p:sldId id="270" r:id="rId2"/>
-    <p:sldId id="271" r:id="rId3"/>
-    <p:sldId id="273" r:id="rId4"/>
-    <p:sldId id="274" r:id="rId5"/>
-    <p:sldId id="275" r:id="rId6"/>
-    <p:sldId id="272" r:id="rId7"/>
+    <p:sldId id="275" r:id="rId2"/>
+    <p:sldId id="268" r:id="rId3"/>
+    <p:sldId id="271" r:id="rId4"/>
+    <p:sldId id="273" r:id="rId5"/>
+    <p:sldId id="277" r:id="rId6"/>
+    <p:sldId id="278" r:id="rId7"/>
+    <p:sldId id="282" r:id="rId8"/>
+    <p:sldId id="274" r:id="rId9"/>
   </p:sldIdLst>
-  <p:sldSz cx="11520488" cy="6480175"/>
+  <p:sldSz cx="12192000" cy="6858000"/>
   <p:notesSz cx="6858000" cy="9144000"/>
   <p:defaultTextStyle>
     <a:defPPr>
       <a:defRPr lang="en-US"/>
     </a:defPPr>
-    <a:lvl1pPr marL="0" algn="l" defTabSz="457200" rtl="0" eaLnBrk="1" latinLnBrk="0" hangingPunct="1">
+    <a:lvl1pPr marL="0" algn="l" defTabSz="914400" rtl="0" eaLnBrk="1" latinLnBrk="0" hangingPunct="1">
       <a:defRPr sz="1800" kern="1200">
         <a:solidFill>
           <a:schemeClr val="tx1"/>
@@ -31,7 +33,7 @@
         <a:cs typeface="+mn-cs"/>
       </a:defRPr>
     </a:lvl1pPr>
-    <a:lvl2pPr marL="457200" algn="l" defTabSz="457200" rtl="0" eaLnBrk="1" latinLnBrk="0" hangingPunct="1">
+    <a:lvl2pPr marL="457200" algn="l" defTabSz="914400" rtl="0" eaLnBrk="1" latinLnBrk="0" hangingPunct="1">
       <a:defRPr sz="1800" kern="1200">
         <a:solidFill>
           <a:schemeClr val="tx1"/>
@@ -41,7 +43,7 @@
         <a:cs typeface="+mn-cs"/>
       </a:defRPr>
     </a:lvl2pPr>
-    <a:lvl3pPr marL="914400" algn="l" defTabSz="457200" rtl="0" eaLnBrk="1" latinLnBrk="0" hangingPunct="1">
+    <a:lvl3pPr marL="914400" algn="l" defTabSz="914400" rtl="0" eaLnBrk="1" latinLnBrk="0" hangingPunct="1">
       <a:defRPr sz="1800" kern="1200">
         <a:solidFill>
           <a:schemeClr val="tx1"/>
@@ -51,7 +53,7 @@
         <a:cs typeface="+mn-cs"/>
       </a:defRPr>
     </a:lvl3pPr>
-    <a:lvl4pPr marL="1371600" algn="l" defTabSz="457200" rtl="0" eaLnBrk="1" latinLnBrk="0" hangingPunct="1">
+    <a:lvl4pPr marL="1371600" algn="l" defTabSz="914400" rtl="0" eaLnBrk="1" latinLnBrk="0" hangingPunct="1">
       <a:defRPr sz="1800" kern="1200">
         <a:solidFill>
           <a:schemeClr val="tx1"/>
@@ -61,7 +63,7 @@
         <a:cs typeface="+mn-cs"/>
       </a:defRPr>
     </a:lvl4pPr>
-    <a:lvl5pPr marL="1828800" algn="l" defTabSz="457200" rtl="0" eaLnBrk="1" latinLnBrk="0" hangingPunct="1">
+    <a:lvl5pPr marL="1828800" algn="l" defTabSz="914400" rtl="0" eaLnBrk="1" latinLnBrk="0" hangingPunct="1">
       <a:defRPr sz="1800" kern="1200">
         <a:solidFill>
           <a:schemeClr val="tx1"/>
@@ -71,7 +73,7 @@
         <a:cs typeface="+mn-cs"/>
       </a:defRPr>
     </a:lvl5pPr>
-    <a:lvl6pPr marL="2286000" algn="l" defTabSz="457200" rtl="0" eaLnBrk="1" latinLnBrk="0" hangingPunct="1">
+    <a:lvl6pPr marL="2286000" algn="l" defTabSz="914400" rtl="0" eaLnBrk="1" latinLnBrk="0" hangingPunct="1">
       <a:defRPr sz="1800" kern="1200">
         <a:solidFill>
           <a:schemeClr val="tx1"/>
@@ -81,7 +83,7 @@
         <a:cs typeface="+mn-cs"/>
       </a:defRPr>
     </a:lvl6pPr>
-    <a:lvl7pPr marL="2743200" algn="l" defTabSz="457200" rtl="0" eaLnBrk="1" latinLnBrk="0" hangingPunct="1">
+    <a:lvl7pPr marL="2743200" algn="l" defTabSz="914400" rtl="0" eaLnBrk="1" latinLnBrk="0" hangingPunct="1">
       <a:defRPr sz="1800" kern="1200">
         <a:solidFill>
           <a:schemeClr val="tx1"/>
@@ -91,7 +93,7 @@
         <a:cs typeface="+mn-cs"/>
       </a:defRPr>
     </a:lvl7pPr>
-    <a:lvl8pPr marL="3200400" algn="l" defTabSz="457200" rtl="0" eaLnBrk="1" latinLnBrk="0" hangingPunct="1">
+    <a:lvl8pPr marL="3200400" algn="l" defTabSz="914400" rtl="0" eaLnBrk="1" latinLnBrk="0" hangingPunct="1">
       <a:defRPr sz="1800" kern="1200">
         <a:solidFill>
           <a:schemeClr val="tx1"/>
@@ -101,7 +103,7 @@
         <a:cs typeface="+mn-cs"/>
       </a:defRPr>
     </a:lvl8pPr>
-    <a:lvl9pPr marL="3657600" algn="l" defTabSz="457200" rtl="0" eaLnBrk="1" latinLnBrk="0" hangingPunct="1">
+    <a:lvl9pPr marL="3657600" algn="l" defTabSz="914400" rtl="0" eaLnBrk="1" latinLnBrk="0" hangingPunct="1">
       <a:defRPr sz="1800" kern="1200">
         <a:solidFill>
           <a:schemeClr val="tx1"/>
@@ -115,12 +117,12 @@
   <p:extLst>
     <p:ext uri="{EFAFB233-063F-42B5-8137-9DF3F51BA10A}">
       <p15:sldGuideLst xmlns:p15="http://schemas.microsoft.com/office/powerpoint/2012/main">
-        <p15:guide id="1" orient="horz" pos="2041" userDrawn="1">
+        <p15:guide id="1" orient="horz" pos="2160" userDrawn="1">
           <p15:clr>
             <a:srgbClr val="A4A3A4"/>
           </p15:clr>
         </p15:guide>
-        <p15:guide id="2" pos="3629" userDrawn="1">
+        <p15:guide id="2" pos="3288" userDrawn="1">
           <p15:clr>
             <a:srgbClr val="A4A3A4"/>
           </p15:clr>
@@ -211,9 +213,9 @@
             </a:lvl1pPr>
           </a:lstStyle>
           <a:p>
-            <a:fld id="{AF6405DF-AEA4-4F82-890A-6C05651BD785}" type="datetimeFigureOut">
+            <a:fld id="{7F89AD86-B2B5-448B-B855-EA789EC8799F}" type="datetimeFigureOut">
               <a:rPr lang="en-US" smtClean="0"/>
-              <a:t>5/8/2019</a:t>
+              <a:t>9/9/2019</a:t>
             </a:fld>
             <a:endParaRPr lang="en-US"/>
           </a:p>
@@ -369,7 +371,7 @@
             </a:lvl1pPr>
           </a:lstStyle>
           <a:p>
-            <a:fld id="{1D3CE819-F866-464B-B848-26E7DB5953B2}" type="slidenum">
+            <a:fld id="{1D440B6A-7462-41EA-A626-F8445C28255B}" type="slidenum">
               <a:rPr lang="en-US" smtClean="0"/>
               <a:t>‹#›</a:t>
             </a:fld>
@@ -380,7 +382,7 @@
     </p:spTree>
     <p:extLst>
       <p:ext uri="{BB962C8B-B14F-4D97-AF65-F5344CB8AC3E}">
-        <p14:creationId xmlns:p14="http://schemas.microsoft.com/office/powerpoint/2010/main" val="2772059873"/>
+        <p14:creationId xmlns:p14="http://schemas.microsoft.com/office/powerpoint/2010/main" val="2421678237"/>
       </p:ext>
     </p:extLst>
   </p:cSld>
@@ -580,7 +582,7 @@
           <a:p>
             <a:fld id="{1D3CE819-F866-464B-B848-26E7DB5953B2}" type="slidenum">
               <a:rPr lang="en-US" smtClean="0"/>
-              <a:t>4</a:t>
+              <a:t>5</a:t>
             </a:fld>
             <a:endParaRPr lang="en-US"/>
           </a:p>
@@ -841,7 +843,7 @@
           <a:p>
             <a:fld id="{1D3CE819-F866-464B-B848-26E7DB5953B2}" type="slidenum">
               <a:rPr lang="en-US" smtClean="0"/>
-              <a:t>5</a:t>
+              <a:t>6</a:t>
             </a:fld>
             <a:endParaRPr lang="en-US"/>
           </a:p>
@@ -860,9 +862,9 @@
 </p:notes>
 </file>
 
-<file path=ppt/slideLayouts/slideLayout1.xml><?xml version="1.0" encoding="utf-8"?>
-<p:sldLayout xmlns:a="http://schemas.openxmlformats.org/drawingml/2006/main" xmlns:r="http://schemas.openxmlformats.org/officeDocument/2006/relationships" xmlns:p="http://schemas.openxmlformats.org/presentationml/2006/main" showMasterSp="0" preserve="1" userDrawn="1">
-  <p:cSld name="Title">
+<file path=ppt/notesSlides/notesSlide3.xml><?xml version="1.0" encoding="utf-8"?>
+<p:notes xmlns:a="http://schemas.openxmlformats.org/drawingml/2006/main" xmlns:r="http://schemas.openxmlformats.org/officeDocument/2006/relationships" xmlns:p="http://schemas.openxmlformats.org/presentationml/2006/main">
+  <p:cSld>
     <p:spTree>
       <p:nvGrpSpPr>
         <p:cNvPr id="1" name=""/>
@@ -877,155 +879,81 @@
           <a:chExt cx="0" cy="0"/>
         </a:xfrm>
       </p:grpSpPr>
-      <p:pic>
-        <p:nvPicPr>
-          <p:cNvPr id="7" name="Picture 6">
-            <a:extLst>
-              <a:ext uri="{FF2B5EF4-FFF2-40B4-BE49-F238E27FC236}">
-                <a16:creationId xmlns:a16="http://schemas.microsoft.com/office/drawing/2014/main" id="{682245BA-3E6C-4FAA-8C55-9232354DEFFB}"/>
-              </a:ext>
-            </a:extLst>
-          </p:cNvPr>
-          <p:cNvPicPr>
-            <a:picLocks noChangeAspect="1"/>
-          </p:cNvPicPr>
-          <p:nvPr userDrawn="1"/>
-        </p:nvPicPr>
-        <p:blipFill>
-          <a:blip r:embed="rId2"/>
-          <a:stretch>
-            <a:fillRect/>
-          </a:stretch>
-        </p:blipFill>
+      <p:sp>
+        <p:nvSpPr>
+          <p:cNvPr id="2" name="Slide Image Placeholder 1"/>
+          <p:cNvSpPr>
+            <a:spLocks noGrp="1" noRot="1" noChangeAspect="1"/>
+          </p:cNvSpPr>
+          <p:nvPr>
+            <p:ph type="sldImg"/>
+          </p:nvPr>
+        </p:nvSpPr>
         <p:spPr>
           <a:xfrm>
-            <a:off x="6555600" y="-359912"/>
-            <a:ext cx="5324400" cy="7200000"/>
+            <a:off x="685800" y="1143000"/>
+            <a:ext cx="5486400" cy="3086100"/>
           </a:xfrm>
-          <a:prstGeom prst="rect">
-            <a:avLst/>
-          </a:prstGeom>
         </p:spPr>
-      </p:pic>
+      </p:sp>
       <p:sp>
         <p:nvSpPr>
-          <p:cNvPr id="2" name="Title 1"/>
+          <p:cNvPr id="3" name="Notes Placeholder 2"/>
           <p:cNvSpPr>
             <a:spLocks noGrp="1"/>
           </p:cNvSpPr>
           <p:nvPr>
-            <p:ph type="ctrTitle" hasCustomPrompt="1"/>
+            <p:ph type="body" idx="1"/>
           </p:nvPr>
         </p:nvSpPr>
-        <p:spPr>
-          <a:xfrm>
-            <a:off x="359907" y="3779838"/>
-            <a:ext cx="10800218" cy="2339975"/>
-          </a:xfrm>
-        </p:spPr>
+        <p:spPr/>
         <p:txBody>
-          <a:bodyPr anchor="b">
-            <a:noAutofit/>
-          </a:bodyPr>
-          <a:lstStyle>
-            <a:lvl1pPr algn="l">
-              <a:defRPr sz="6000">
-                <a:solidFill>
-                  <a:schemeClr val="tx1"/>
-                </a:solidFill>
-                <a:latin typeface="+mn-lt"/>
-              </a:defRPr>
-            </a:lvl1pPr>
-          </a:lstStyle>
-          <a:p>
-            <a:r>
-              <a:rPr lang="en-US" dirty="0"/>
-              <a:t>Presentation Title</a:t>
-            </a:r>
+          <a:bodyPr/>
+          <a:lstStyle/>
+          <a:p>
+            <a:endParaRPr lang="en-US" dirty="0"/>
           </a:p>
         </p:txBody>
       </p:sp>
       <p:sp>
         <p:nvSpPr>
-          <p:cNvPr id="14" name="Text Placeholder 13"/>
+          <p:cNvPr id="4" name="Slide Number Placeholder 3"/>
           <p:cNvSpPr>
             <a:spLocks noGrp="1"/>
           </p:cNvSpPr>
           <p:nvPr>
-            <p:ph type="body" sz="quarter" idx="10" hasCustomPrompt="1"/>
+            <p:ph type="sldNum" sz="quarter" idx="5"/>
           </p:nvPr>
         </p:nvSpPr>
-        <p:spPr>
-          <a:xfrm>
-            <a:off x="361157" y="360588"/>
-            <a:ext cx="10799762" cy="1079500"/>
-          </a:xfrm>
-        </p:spPr>
+        <p:spPr/>
         <p:txBody>
-          <a:bodyPr anchor="t">
-            <a:noAutofit/>
-          </a:bodyPr>
-          <a:lstStyle>
-            <a:lvl1pPr algn="l">
-              <a:defRPr lang="en-US" sz="4000" b="0" kern="1200" dirty="0" smtClean="0">
-                <a:solidFill>
-                  <a:schemeClr val="accent1"/>
-                </a:solidFill>
-                <a:latin typeface="+mj-lt"/>
-                <a:ea typeface="+mn-ea"/>
-                <a:cs typeface="+mn-cs"/>
-              </a:defRPr>
-            </a:lvl1pPr>
-          </a:lstStyle>
-          <a:p>
-            <a:pPr lvl="0"/>
-            <a:r>
-              <a:rPr lang="en-US" dirty="0"/>
-              <a:t>Speaker Name</a:t>
-            </a:r>
+          <a:bodyPr/>
+          <a:lstStyle/>
+          <a:p>
+            <a:fld id="{1D3CE819-F866-464B-B848-26E7DB5953B2}" type="slidenum">
+              <a:rPr lang="en-US" smtClean="0"/>
+              <a:t>7</a:t>
+            </a:fld>
+            <a:endParaRPr lang="en-US"/>
           </a:p>
         </p:txBody>
       </p:sp>
-      <p:pic>
-        <p:nvPicPr>
-          <p:cNvPr id="6" name="Picture 5"/>
-          <p:cNvPicPr>
-            <a:picLocks noChangeAspect="1"/>
-          </p:cNvPicPr>
-          <p:nvPr userDrawn="1"/>
-        </p:nvPicPr>
-        <p:blipFill>
-          <a:blip r:embed="rId3"/>
-          <a:stretch>
-            <a:fillRect/>
-          </a:stretch>
-        </p:blipFill>
-        <p:spPr>
-          <a:xfrm>
-            <a:off x="8673244" y="3060087"/>
-            <a:ext cx="2486881" cy="360000"/>
-          </a:xfrm>
-          <a:prstGeom prst="rect">
-            <a:avLst/>
-          </a:prstGeom>
-        </p:spPr>
-      </p:pic>
     </p:spTree>
     <p:extLst>
       <p:ext uri="{BB962C8B-B14F-4D97-AF65-F5344CB8AC3E}">
-        <p14:creationId xmlns:p14="http://schemas.microsoft.com/office/powerpoint/2010/main" val="800730336"/>
+        <p14:creationId xmlns:p14="http://schemas.microsoft.com/office/powerpoint/2010/main" val="294551968"/>
       </p:ext>
     </p:extLst>
   </p:cSld>
   <p:clrMapOvr>
     <a:masterClrMapping/>
   </p:clrMapOvr>
-</p:sldLayout>
+</p:notes>
 </file>
 
-<file path=ppt/slideLayouts/slideLayout2.xml><?xml version="1.0" encoding="utf-8"?>
-<p:sldLayout xmlns:a="http://schemas.openxmlformats.org/drawingml/2006/main" xmlns:r="http://schemas.openxmlformats.org/officeDocument/2006/relationships" xmlns:p="http://schemas.openxmlformats.org/presentationml/2006/main" showMasterSp="0" preserve="1" userDrawn="1">
-  <p:cSld name="Section Header">
+<file path=ppt/slideLayouts/slideLayout1.xml><?xml version="1.0" encoding="utf-8"?>
+<p:sldLayout xmlns:a="http://schemas.openxmlformats.org/drawingml/2006/main" xmlns:r="http://schemas.openxmlformats.org/officeDocument/2006/relationships" xmlns:p="http://schemas.openxmlformats.org/presentationml/2006/main" type="title" preserve="1">
+  <p:cSld name="Title Slide">
     <p:spTree>
       <p:nvGrpSpPr>
         <p:cNvPr id="1" name=""/>
@@ -1040,77 +968,361 @@
           <a:chExt cx="0" cy="0"/>
         </a:xfrm>
       </p:grpSpPr>
-      <p:pic>
-        <p:nvPicPr>
-          <p:cNvPr id="4" name="Picture 3">
-            <a:extLst>
-              <a:ext uri="{FF2B5EF4-FFF2-40B4-BE49-F238E27FC236}">
-                <a16:creationId xmlns:a16="http://schemas.microsoft.com/office/drawing/2014/main" id="{097E2290-D773-46C2-A868-25CAA97A1972}"/>
-              </a:ext>
-            </a:extLst>
-          </p:cNvPr>
-          <p:cNvPicPr>
-            <a:picLocks noChangeAspect="1"/>
-          </p:cNvPicPr>
-          <p:nvPr userDrawn="1"/>
-        </p:nvPicPr>
-        <p:blipFill>
-          <a:blip r:embed="rId2"/>
-          <a:stretch>
-            <a:fillRect/>
-          </a:stretch>
-        </p:blipFill>
+      <p:sp>
+        <p:nvSpPr>
+          <p:cNvPr id="2" name="Title 1">
+            <a:extLst>
+              <a:ext uri="{FF2B5EF4-FFF2-40B4-BE49-F238E27FC236}">
+                <a16:creationId xmlns:a16="http://schemas.microsoft.com/office/drawing/2014/main" id="{FDF169CC-849C-41E4-ABE8-6DC2DE376834}"/>
+              </a:ext>
+            </a:extLst>
+          </p:cNvPr>
+          <p:cNvSpPr>
+            <a:spLocks noGrp="1"/>
+          </p:cNvSpPr>
+          <p:nvPr>
+            <p:ph type="ctrTitle"/>
+          </p:nvPr>
+        </p:nvSpPr>
         <p:spPr>
           <a:xfrm>
-            <a:off x="-360000" y="-359912"/>
-            <a:ext cx="5328001" cy="7200000"/>
+            <a:off x="1524000" y="1122363"/>
+            <a:ext cx="9144000" cy="2387600"/>
+          </a:xfrm>
+        </p:spPr>
+        <p:txBody>
+          <a:bodyPr anchor="b"/>
+          <a:lstStyle>
+            <a:lvl1pPr algn="ctr">
+              <a:defRPr sz="6000"/>
+            </a:lvl1pPr>
+          </a:lstStyle>
+          <a:p>
+            <a:r>
+              <a:rPr lang="en-US"/>
+              <a:t>Click to edit Master title style</a:t>
+            </a:r>
+          </a:p>
+        </p:txBody>
+      </p:sp>
+      <p:sp>
+        <p:nvSpPr>
+          <p:cNvPr id="3" name="Subtitle 2">
+            <a:extLst>
+              <a:ext uri="{FF2B5EF4-FFF2-40B4-BE49-F238E27FC236}">
+                <a16:creationId xmlns:a16="http://schemas.microsoft.com/office/drawing/2014/main" id="{E836602C-4BA4-4DAE-B915-58E4DF946597}"/>
+              </a:ext>
+            </a:extLst>
+          </p:cNvPr>
+          <p:cNvSpPr>
+            <a:spLocks noGrp="1"/>
+          </p:cNvSpPr>
+          <p:nvPr>
+            <p:ph type="subTitle" idx="1"/>
+          </p:nvPr>
+        </p:nvSpPr>
+        <p:spPr>
+          <a:xfrm>
+            <a:off x="1524000" y="3602038"/>
+            <a:ext cx="9144000" cy="1655762"/>
+          </a:xfrm>
+        </p:spPr>
+        <p:txBody>
+          <a:bodyPr/>
+          <a:lstStyle>
+            <a:lvl1pPr marL="0" indent="0" algn="ctr">
+              <a:buNone/>
+              <a:defRPr sz="2400"/>
+            </a:lvl1pPr>
+            <a:lvl2pPr marL="457200" indent="0" algn="ctr">
+              <a:buNone/>
+              <a:defRPr sz="2000"/>
+            </a:lvl2pPr>
+            <a:lvl3pPr marL="914400" indent="0" algn="ctr">
+              <a:buNone/>
+              <a:defRPr sz="1800"/>
+            </a:lvl3pPr>
+            <a:lvl4pPr marL="1371600" indent="0" algn="ctr">
+              <a:buNone/>
+              <a:defRPr sz="1600"/>
+            </a:lvl4pPr>
+            <a:lvl5pPr marL="1828800" indent="0" algn="ctr">
+              <a:buNone/>
+              <a:defRPr sz="1600"/>
+            </a:lvl5pPr>
+            <a:lvl6pPr marL="2286000" indent="0" algn="ctr">
+              <a:buNone/>
+              <a:defRPr sz="1600"/>
+            </a:lvl6pPr>
+            <a:lvl7pPr marL="2743200" indent="0" algn="ctr">
+              <a:buNone/>
+              <a:defRPr sz="1600"/>
+            </a:lvl7pPr>
+            <a:lvl8pPr marL="3200400" indent="0" algn="ctr">
+              <a:buNone/>
+              <a:defRPr sz="1600"/>
+            </a:lvl8pPr>
+            <a:lvl9pPr marL="3657600" indent="0" algn="ctr">
+              <a:buNone/>
+              <a:defRPr sz="1600"/>
+            </a:lvl9pPr>
+          </a:lstStyle>
+          <a:p>
+            <a:r>
+              <a:rPr lang="en-US"/>
+              <a:t>Click to edit Master subtitle style</a:t>
+            </a:r>
+          </a:p>
+        </p:txBody>
+      </p:sp>
+      <p:sp>
+        <p:nvSpPr>
+          <p:cNvPr id="4" name="Date Placeholder 3">
+            <a:extLst>
+              <a:ext uri="{FF2B5EF4-FFF2-40B4-BE49-F238E27FC236}">
+                <a16:creationId xmlns:a16="http://schemas.microsoft.com/office/drawing/2014/main" id="{201492DC-8461-4836-9E21-524DCC85E2F8}"/>
+              </a:ext>
+            </a:extLst>
+          </p:cNvPr>
+          <p:cNvSpPr>
+            <a:spLocks noGrp="1"/>
+          </p:cNvSpPr>
+          <p:nvPr>
+            <p:ph type="dt" sz="half" idx="10"/>
+          </p:nvPr>
+        </p:nvSpPr>
+        <p:spPr/>
+        <p:txBody>
+          <a:bodyPr/>
+          <a:lstStyle/>
+          <a:p>
+            <a:fld id="{A8B89F18-586E-4B97-8EEA-25E99A190A89}" type="datetimeFigureOut">
+              <a:rPr lang="en-US" smtClean="0"/>
+              <a:t>9/9/2019</a:t>
+            </a:fld>
+            <a:endParaRPr lang="en-US"/>
+          </a:p>
+        </p:txBody>
+      </p:sp>
+      <p:sp>
+        <p:nvSpPr>
+          <p:cNvPr id="5" name="Footer Placeholder 4">
+            <a:extLst>
+              <a:ext uri="{FF2B5EF4-FFF2-40B4-BE49-F238E27FC236}">
+                <a16:creationId xmlns:a16="http://schemas.microsoft.com/office/drawing/2014/main" id="{054C7D34-A0FD-4074-B078-B3BA75038B8D}"/>
+              </a:ext>
+            </a:extLst>
+          </p:cNvPr>
+          <p:cNvSpPr>
+            <a:spLocks noGrp="1"/>
+          </p:cNvSpPr>
+          <p:nvPr>
+            <p:ph type="ftr" sz="quarter" idx="11"/>
+          </p:nvPr>
+        </p:nvSpPr>
+        <p:spPr/>
+        <p:txBody>
+          <a:bodyPr/>
+          <a:lstStyle/>
+          <a:p>
+            <a:endParaRPr lang="en-US"/>
+          </a:p>
+        </p:txBody>
+      </p:sp>
+      <p:sp>
+        <p:nvSpPr>
+          <p:cNvPr id="6" name="Slide Number Placeholder 5">
+            <a:extLst>
+              <a:ext uri="{FF2B5EF4-FFF2-40B4-BE49-F238E27FC236}">
+                <a16:creationId xmlns:a16="http://schemas.microsoft.com/office/drawing/2014/main" id="{E0DA2DEB-DB21-407E-8413-111EE54232B8}"/>
+              </a:ext>
+            </a:extLst>
+          </p:cNvPr>
+          <p:cNvSpPr>
+            <a:spLocks noGrp="1"/>
+          </p:cNvSpPr>
+          <p:nvPr>
+            <p:ph type="sldNum" sz="quarter" idx="12"/>
+          </p:nvPr>
+        </p:nvSpPr>
+        <p:spPr/>
+        <p:txBody>
+          <a:bodyPr/>
+          <a:lstStyle/>
+          <a:p>
+            <a:fld id="{734DA83B-C71A-4208-9071-1761995F3B54}" type="slidenum">
+              <a:rPr lang="en-US" smtClean="0"/>
+              <a:t>‹#›</a:t>
+            </a:fld>
+            <a:endParaRPr lang="en-US"/>
+          </a:p>
+        </p:txBody>
+      </p:sp>
+      <p:sp>
+        <p:nvSpPr>
+          <p:cNvPr id="7" name="Rectangle 6">
+            <a:extLst>
+              <a:ext uri="{FF2B5EF4-FFF2-40B4-BE49-F238E27FC236}">
+                <a16:creationId xmlns:a16="http://schemas.microsoft.com/office/drawing/2014/main" id="{9A60F4BD-D618-46FE-A21E-4D01A7E8252A}"/>
+              </a:ext>
+            </a:extLst>
+          </p:cNvPr>
+          <p:cNvSpPr/>
+          <p:nvPr userDrawn="1"/>
+        </p:nvSpPr>
+        <p:spPr>
+          <a:xfrm>
+            <a:off x="0" y="2000352"/>
+            <a:ext cx="12192001" cy="4095647"/>
           </a:xfrm>
           <a:prstGeom prst="rect">
             <a:avLst/>
           </a:prstGeom>
+          <a:solidFill>
+            <a:schemeClr val="accent1">
+              <a:lumMod val="75000"/>
+            </a:schemeClr>
+          </a:solidFill>
+          <a:ln>
+            <a:noFill/>
+          </a:ln>
         </p:spPr>
-      </p:pic>
-      <p:sp>
-        <p:nvSpPr>
-          <p:cNvPr id="2" name="Title 1"/>
-          <p:cNvSpPr>
-            <a:spLocks noGrp="1"/>
-          </p:cNvSpPr>
-          <p:nvPr>
-            <p:ph type="title" hasCustomPrompt="1"/>
-          </p:nvPr>
-        </p:nvSpPr>
-        <p:spPr>
-          <a:xfrm>
-            <a:off x="360364" y="360363"/>
-            <a:ext cx="10799762" cy="5759449"/>
-          </a:xfrm>
-        </p:spPr>
+        <p:style>
+          <a:lnRef idx="2">
+            <a:schemeClr val="accent1">
+              <a:shade val="50000"/>
+            </a:schemeClr>
+          </a:lnRef>
+          <a:fillRef idx="1">
+            <a:schemeClr val="accent1"/>
+          </a:fillRef>
+          <a:effectRef idx="0">
+            <a:schemeClr val="accent1"/>
+          </a:effectRef>
+          <a:fontRef idx="minor">
+            <a:schemeClr val="lt1"/>
+          </a:fontRef>
+        </p:style>
         <p:txBody>
-          <a:bodyPr anchor="ctr"/>
-          <a:lstStyle>
-            <a:lvl1pPr algn="r">
-              <a:defRPr sz="6000" b="0" i="0" cap="none">
-                <a:solidFill>
-                  <a:schemeClr val="accent1"/>
-                </a:solidFill>
-                <a:latin typeface="+mj-lt"/>
-                <a:cs typeface="Arial"/>
-              </a:defRPr>
-            </a:lvl1pPr>
-          </a:lstStyle>
-          <a:p>
-            <a:r>
-              <a:rPr lang="en-US" dirty="0"/>
-              <a:t>Section Title</a:t>
-            </a:r>
+          <a:bodyPr rtlCol="0" anchor="ctr"/>
+          <a:lstStyle/>
+          <a:p>
+            <a:pPr algn="ctr"/>
+            <a:endParaRPr lang="en-US"/>
           </a:p>
         </p:txBody>
       </p:sp>
+      <p:grpSp>
+        <p:nvGrpSpPr>
+          <p:cNvPr id="8" name="Group 7">
+            <a:extLst>
+              <a:ext uri="{FF2B5EF4-FFF2-40B4-BE49-F238E27FC236}">
+                <a16:creationId xmlns:a16="http://schemas.microsoft.com/office/drawing/2014/main" id="{66A8E738-65A4-408A-B7B1-B63AB06DB398}"/>
+              </a:ext>
+            </a:extLst>
+          </p:cNvPr>
+          <p:cNvGrpSpPr/>
+          <p:nvPr userDrawn="1"/>
+        </p:nvGrpSpPr>
+        <p:grpSpPr>
+          <a:xfrm>
+            <a:off x="2650114" y="2314574"/>
+            <a:ext cx="6891772" cy="3800475"/>
+            <a:chOff x="705301" y="2052365"/>
+            <a:chExt cx="5603844" cy="3090246"/>
+          </a:xfrm>
+        </p:grpSpPr>
+        <p:pic>
+          <p:nvPicPr>
+            <p:cNvPr id="9" name="Picture 8">
+              <a:extLst>
+                <a:ext uri="{FF2B5EF4-FFF2-40B4-BE49-F238E27FC236}">
+                  <a16:creationId xmlns:a16="http://schemas.microsoft.com/office/drawing/2014/main" id="{3E917C65-B15F-44F1-B244-F15B84D43898}"/>
+                </a:ext>
+              </a:extLst>
+            </p:cNvPr>
+            <p:cNvPicPr>
+              <a:picLocks noChangeAspect="1"/>
+            </p:cNvPicPr>
+            <p:nvPr/>
+          </p:nvPicPr>
+          <p:blipFill>
+            <a:blip r:embed="rId2">
+              <a:extLst>
+                <a:ext uri="{28A0092B-C50C-407E-A947-70E740481C1C}">
+                  <a14:useLocalDpi xmlns:a14="http://schemas.microsoft.com/office/drawing/2010/main" val="0"/>
+                </a:ext>
+              </a:extLst>
+            </a:blip>
+            <a:stretch>
+              <a:fillRect/>
+            </a:stretch>
+          </p:blipFill>
+          <p:spPr>
+            <a:xfrm>
+              <a:off x="705301" y="2052365"/>
+              <a:ext cx="5603844" cy="3090246"/>
+            </a:xfrm>
+            <a:prstGeom prst="rect">
+              <a:avLst/>
+            </a:prstGeom>
+            <a:effectLst>
+              <a:outerShdw blurRad="50800" dist="38100" dir="5400000" algn="t" rotWithShape="0">
+                <a:prstClr val="black">
+                  <a:alpha val="40000"/>
+                </a:prstClr>
+              </a:outerShdw>
+            </a:effectLst>
+          </p:spPr>
+        </p:pic>
+        <p:pic>
+          <p:nvPicPr>
+            <p:cNvPr id="10" name="Picture 9">
+              <a:extLst>
+                <a:ext uri="{FF2B5EF4-FFF2-40B4-BE49-F238E27FC236}">
+                  <a16:creationId xmlns:a16="http://schemas.microsoft.com/office/drawing/2014/main" id="{2BB851EE-FA6A-48C5-BC65-7F259D86C208}"/>
+                </a:ext>
+              </a:extLst>
+            </p:cNvPr>
+            <p:cNvPicPr>
+              <a:picLocks noChangeAspect="1"/>
+            </p:cNvPicPr>
+            <p:nvPr/>
+          </p:nvPicPr>
+          <p:blipFill>
+            <a:blip r:embed="rId3">
+              <a:extLst>
+                <a:ext uri="{28A0092B-C50C-407E-A947-70E740481C1C}">
+                  <a14:useLocalDpi xmlns:a14="http://schemas.microsoft.com/office/drawing/2010/main" val="0"/>
+                </a:ext>
+              </a:extLst>
+            </a:blip>
+            <a:stretch>
+              <a:fillRect/>
+            </a:stretch>
+          </p:blipFill>
+          <p:spPr>
+            <a:xfrm>
+              <a:off x="1264843" y="2298120"/>
+              <a:ext cx="4484760" cy="2473126"/>
+            </a:xfrm>
+            <a:prstGeom prst="rect">
+              <a:avLst/>
+            </a:prstGeom>
+            <a:effectLst>
+              <a:outerShdw blurRad="50800" dist="38100" dir="2700000" algn="tl" rotWithShape="0">
+                <a:schemeClr val="bg1">
+                  <a:alpha val="40000"/>
+                </a:schemeClr>
+              </a:outerShdw>
+            </a:effectLst>
+          </p:spPr>
+        </p:pic>
+      </p:grpSp>
     </p:spTree>
     <p:extLst>
       <p:ext uri="{BB962C8B-B14F-4D97-AF65-F5344CB8AC3E}">
-        <p14:creationId xmlns:p14="http://schemas.microsoft.com/office/powerpoint/2010/main" val="3510596381"/>
+        <p14:creationId xmlns:p14="http://schemas.microsoft.com/office/powerpoint/2010/main" val="3665776186"/>
       </p:ext>
     </p:extLst>
   </p:cSld>
@@ -1120,7 +1332,801 @@
 </p:sldLayout>
 </file>
 
-<file path=ppt/slideLayouts/slideLayout3.xml><?xml version="1.0" encoding="utf-8"?>
+<file path=ppt/slideLayouts/slideLayout10.xml><?xml version="1.0" encoding="utf-8"?>
+<p:sldLayout xmlns:a="http://schemas.openxmlformats.org/drawingml/2006/main" xmlns:r="http://schemas.openxmlformats.org/officeDocument/2006/relationships" xmlns:p="http://schemas.openxmlformats.org/presentationml/2006/main" type="vertTx" preserve="1">
+  <p:cSld name="Title and Vertical Text">
+    <p:spTree>
+      <p:nvGrpSpPr>
+        <p:cNvPr id="1" name=""/>
+        <p:cNvGrpSpPr/>
+        <p:nvPr/>
+      </p:nvGrpSpPr>
+      <p:grpSpPr>
+        <a:xfrm>
+          <a:off x="0" y="0"/>
+          <a:ext cx="0" cy="0"/>
+          <a:chOff x="0" y="0"/>
+          <a:chExt cx="0" cy="0"/>
+        </a:xfrm>
+      </p:grpSpPr>
+      <p:sp>
+        <p:nvSpPr>
+          <p:cNvPr id="2" name="Title 1">
+            <a:extLst>
+              <a:ext uri="{FF2B5EF4-FFF2-40B4-BE49-F238E27FC236}">
+                <a16:creationId xmlns:a16="http://schemas.microsoft.com/office/drawing/2014/main" id="{5815DB23-F30D-4CC5-8411-7C44E06D5F33}"/>
+              </a:ext>
+            </a:extLst>
+          </p:cNvPr>
+          <p:cNvSpPr>
+            <a:spLocks noGrp="1"/>
+          </p:cNvSpPr>
+          <p:nvPr>
+            <p:ph type="title"/>
+          </p:nvPr>
+        </p:nvSpPr>
+        <p:spPr/>
+        <p:txBody>
+          <a:bodyPr/>
+          <a:lstStyle/>
+          <a:p>
+            <a:r>
+              <a:rPr lang="en-US"/>
+              <a:t>Click to edit Master title style</a:t>
+            </a:r>
+          </a:p>
+        </p:txBody>
+      </p:sp>
+      <p:sp>
+        <p:nvSpPr>
+          <p:cNvPr id="3" name="Vertical Text Placeholder 2">
+            <a:extLst>
+              <a:ext uri="{FF2B5EF4-FFF2-40B4-BE49-F238E27FC236}">
+                <a16:creationId xmlns:a16="http://schemas.microsoft.com/office/drawing/2014/main" id="{8CA3A959-CC93-4F3C-8A3F-8E784D74F891}"/>
+              </a:ext>
+            </a:extLst>
+          </p:cNvPr>
+          <p:cNvSpPr>
+            <a:spLocks noGrp="1"/>
+          </p:cNvSpPr>
+          <p:nvPr>
+            <p:ph type="body" orient="vert" idx="1"/>
+          </p:nvPr>
+        </p:nvSpPr>
+        <p:spPr/>
+        <p:txBody>
+          <a:bodyPr vert="eaVert"/>
+          <a:lstStyle/>
+          <a:p>
+            <a:pPr lvl="0"/>
+            <a:r>
+              <a:rPr lang="en-US"/>
+              <a:t>Edit Master text styles</a:t>
+            </a:r>
+          </a:p>
+          <a:p>
+            <a:pPr lvl="1"/>
+            <a:r>
+              <a:rPr lang="en-US"/>
+              <a:t>Second level</a:t>
+            </a:r>
+          </a:p>
+          <a:p>
+            <a:pPr lvl="2"/>
+            <a:r>
+              <a:rPr lang="en-US"/>
+              <a:t>Third level</a:t>
+            </a:r>
+          </a:p>
+          <a:p>
+            <a:pPr lvl="3"/>
+            <a:r>
+              <a:rPr lang="en-US"/>
+              <a:t>Fourth level</a:t>
+            </a:r>
+          </a:p>
+          <a:p>
+            <a:pPr lvl="4"/>
+            <a:r>
+              <a:rPr lang="en-US"/>
+              <a:t>Fifth level</a:t>
+            </a:r>
+          </a:p>
+        </p:txBody>
+      </p:sp>
+      <p:sp>
+        <p:nvSpPr>
+          <p:cNvPr id="4" name="Date Placeholder 3">
+            <a:extLst>
+              <a:ext uri="{FF2B5EF4-FFF2-40B4-BE49-F238E27FC236}">
+                <a16:creationId xmlns:a16="http://schemas.microsoft.com/office/drawing/2014/main" id="{2D9B013D-64E4-4C06-BFA8-F16F9F1D8335}"/>
+              </a:ext>
+            </a:extLst>
+          </p:cNvPr>
+          <p:cNvSpPr>
+            <a:spLocks noGrp="1"/>
+          </p:cNvSpPr>
+          <p:nvPr>
+            <p:ph type="dt" sz="half" idx="10"/>
+          </p:nvPr>
+        </p:nvSpPr>
+        <p:spPr/>
+        <p:txBody>
+          <a:bodyPr/>
+          <a:lstStyle/>
+          <a:p>
+            <a:fld id="{A8B89F18-586E-4B97-8EEA-25E99A190A89}" type="datetimeFigureOut">
+              <a:rPr lang="en-US" smtClean="0"/>
+              <a:t>9/9/2019</a:t>
+            </a:fld>
+            <a:endParaRPr lang="en-US"/>
+          </a:p>
+        </p:txBody>
+      </p:sp>
+      <p:sp>
+        <p:nvSpPr>
+          <p:cNvPr id="5" name="Footer Placeholder 4">
+            <a:extLst>
+              <a:ext uri="{FF2B5EF4-FFF2-40B4-BE49-F238E27FC236}">
+                <a16:creationId xmlns:a16="http://schemas.microsoft.com/office/drawing/2014/main" id="{F3AA2ED4-C5D4-4EF7-9D54-03E2F42333D1}"/>
+              </a:ext>
+            </a:extLst>
+          </p:cNvPr>
+          <p:cNvSpPr>
+            <a:spLocks noGrp="1"/>
+          </p:cNvSpPr>
+          <p:nvPr>
+            <p:ph type="ftr" sz="quarter" idx="11"/>
+          </p:nvPr>
+        </p:nvSpPr>
+        <p:spPr/>
+        <p:txBody>
+          <a:bodyPr/>
+          <a:lstStyle/>
+          <a:p>
+            <a:endParaRPr lang="en-US"/>
+          </a:p>
+        </p:txBody>
+      </p:sp>
+      <p:sp>
+        <p:nvSpPr>
+          <p:cNvPr id="6" name="Slide Number Placeholder 5">
+            <a:extLst>
+              <a:ext uri="{FF2B5EF4-FFF2-40B4-BE49-F238E27FC236}">
+                <a16:creationId xmlns:a16="http://schemas.microsoft.com/office/drawing/2014/main" id="{4A1CB409-BD9C-4D48-8465-FF82F459094F}"/>
+              </a:ext>
+            </a:extLst>
+          </p:cNvPr>
+          <p:cNvSpPr>
+            <a:spLocks noGrp="1"/>
+          </p:cNvSpPr>
+          <p:nvPr>
+            <p:ph type="sldNum" sz="quarter" idx="12"/>
+          </p:nvPr>
+        </p:nvSpPr>
+        <p:spPr/>
+        <p:txBody>
+          <a:bodyPr/>
+          <a:lstStyle/>
+          <a:p>
+            <a:fld id="{734DA83B-C71A-4208-9071-1761995F3B54}" type="slidenum">
+              <a:rPr lang="en-US" smtClean="0"/>
+              <a:t>‹#›</a:t>
+            </a:fld>
+            <a:endParaRPr lang="en-US"/>
+          </a:p>
+        </p:txBody>
+      </p:sp>
+      <p:grpSp>
+        <p:nvGrpSpPr>
+          <p:cNvPr id="7" name="Group 6">
+            <a:extLst>
+              <a:ext uri="{FF2B5EF4-FFF2-40B4-BE49-F238E27FC236}">
+                <a16:creationId xmlns:a16="http://schemas.microsoft.com/office/drawing/2014/main" id="{19F06454-F795-403D-9076-E42B98BD12A4}"/>
+              </a:ext>
+            </a:extLst>
+          </p:cNvPr>
+          <p:cNvGrpSpPr/>
+          <p:nvPr userDrawn="1"/>
+        </p:nvGrpSpPr>
+        <p:grpSpPr>
+          <a:xfrm>
+            <a:off x="0" y="5776566"/>
+            <a:ext cx="12192001" cy="1081434"/>
+            <a:chOff x="0" y="5776566"/>
+            <a:chExt cx="12192001" cy="1081434"/>
+          </a:xfrm>
+        </p:grpSpPr>
+        <p:sp>
+          <p:nvSpPr>
+            <p:cNvPr id="8" name="Rectangle 7">
+              <a:extLst>
+                <a:ext uri="{FF2B5EF4-FFF2-40B4-BE49-F238E27FC236}">
+                  <a16:creationId xmlns:a16="http://schemas.microsoft.com/office/drawing/2014/main" id="{8A5B04B4-88E1-4325-AD07-B54AB6179D2A}"/>
+                </a:ext>
+              </a:extLst>
+            </p:cNvPr>
+            <p:cNvSpPr/>
+            <p:nvPr/>
+          </p:nvSpPr>
+          <p:spPr>
+            <a:xfrm>
+              <a:off x="0" y="6098596"/>
+              <a:ext cx="12192001" cy="759404"/>
+            </a:xfrm>
+            <a:prstGeom prst="rect">
+              <a:avLst/>
+            </a:prstGeom>
+            <a:gradFill flip="none" rotWithShape="1">
+              <a:gsLst>
+                <a:gs pos="0">
+                  <a:schemeClr val="bg1"/>
+                </a:gs>
+                <a:gs pos="0">
+                  <a:srgbClr val="0070C0"/>
+                </a:gs>
+                <a:gs pos="90000">
+                  <a:schemeClr val="bg1"/>
+                </a:gs>
+              </a:gsLst>
+              <a:path path="circle">
+                <a:fillToRect l="100000" t="100000"/>
+              </a:path>
+              <a:tileRect r="-100000" b="-100000"/>
+            </a:gradFill>
+            <a:ln>
+              <a:noFill/>
+            </a:ln>
+          </p:spPr>
+          <p:style>
+            <a:lnRef idx="2">
+              <a:schemeClr val="accent1">
+                <a:shade val="50000"/>
+              </a:schemeClr>
+            </a:lnRef>
+            <a:fillRef idx="1">
+              <a:schemeClr val="accent1"/>
+            </a:fillRef>
+            <a:effectRef idx="0">
+              <a:schemeClr val="accent1"/>
+            </a:effectRef>
+            <a:fontRef idx="minor">
+              <a:schemeClr val="lt1"/>
+            </a:fontRef>
+          </p:style>
+          <p:txBody>
+            <a:bodyPr rtlCol="0" anchor="ctr"/>
+            <a:lstStyle/>
+            <a:p>
+              <a:pPr algn="ctr"/>
+              <a:endParaRPr lang="en-US"/>
+            </a:p>
+          </p:txBody>
+        </p:sp>
+        <p:grpSp>
+          <p:nvGrpSpPr>
+            <p:cNvPr id="9" name="Group 8">
+              <a:extLst>
+                <a:ext uri="{FF2B5EF4-FFF2-40B4-BE49-F238E27FC236}">
+                  <a16:creationId xmlns:a16="http://schemas.microsoft.com/office/drawing/2014/main" id="{2D223A44-F2B7-44CC-BDC7-16983D25995A}"/>
+                </a:ext>
+              </a:extLst>
+            </p:cNvPr>
+            <p:cNvGrpSpPr/>
+            <p:nvPr/>
+          </p:nvGrpSpPr>
+          <p:grpSpPr>
+            <a:xfrm>
+              <a:off x="136116" y="5776566"/>
+              <a:ext cx="1766413" cy="974090"/>
+              <a:chOff x="705301" y="2052365"/>
+              <a:chExt cx="5603844" cy="3090246"/>
+            </a:xfrm>
+          </p:grpSpPr>
+          <p:pic>
+            <p:nvPicPr>
+              <p:cNvPr id="10" name="Picture 9">
+                <a:extLst>
+                  <a:ext uri="{FF2B5EF4-FFF2-40B4-BE49-F238E27FC236}">
+                    <a16:creationId xmlns:a16="http://schemas.microsoft.com/office/drawing/2014/main" id="{55462190-5DA2-476E-A460-8FD4B29BCD23}"/>
+                  </a:ext>
+                </a:extLst>
+              </p:cNvPr>
+              <p:cNvPicPr>
+                <a:picLocks noChangeAspect="1"/>
+              </p:cNvPicPr>
+              <p:nvPr/>
+            </p:nvPicPr>
+            <p:blipFill>
+              <a:blip r:embed="rId2">
+                <a:extLst>
+                  <a:ext uri="{28A0092B-C50C-407E-A947-70E740481C1C}">
+                    <a14:useLocalDpi xmlns:a14="http://schemas.microsoft.com/office/drawing/2010/main" val="0"/>
+                  </a:ext>
+                </a:extLst>
+              </a:blip>
+              <a:stretch>
+                <a:fillRect/>
+              </a:stretch>
+            </p:blipFill>
+            <p:spPr>
+              <a:xfrm>
+                <a:off x="705301" y="2052365"/>
+                <a:ext cx="5603844" cy="3090246"/>
+              </a:xfrm>
+              <a:prstGeom prst="rect">
+                <a:avLst/>
+              </a:prstGeom>
+              <a:effectLst>
+                <a:outerShdw blurRad="50800" dist="38100" dir="5400000" algn="t" rotWithShape="0">
+                  <a:prstClr val="black">
+                    <a:alpha val="40000"/>
+                  </a:prstClr>
+                </a:outerShdw>
+              </a:effectLst>
+            </p:spPr>
+          </p:pic>
+          <p:pic>
+            <p:nvPicPr>
+              <p:cNvPr id="11" name="Picture 10">
+                <a:extLst>
+                  <a:ext uri="{FF2B5EF4-FFF2-40B4-BE49-F238E27FC236}">
+                    <a16:creationId xmlns:a16="http://schemas.microsoft.com/office/drawing/2014/main" id="{22152774-1778-4CAB-BF76-26F46FF7F763}"/>
+                  </a:ext>
+                </a:extLst>
+              </p:cNvPr>
+              <p:cNvPicPr>
+                <a:picLocks noChangeAspect="1"/>
+              </p:cNvPicPr>
+              <p:nvPr/>
+            </p:nvPicPr>
+            <p:blipFill>
+              <a:blip r:embed="rId3">
+                <a:extLst>
+                  <a:ext uri="{28A0092B-C50C-407E-A947-70E740481C1C}">
+                    <a14:useLocalDpi xmlns:a14="http://schemas.microsoft.com/office/drawing/2010/main" val="0"/>
+                  </a:ext>
+                </a:extLst>
+              </a:blip>
+              <a:stretch>
+                <a:fillRect/>
+              </a:stretch>
+            </p:blipFill>
+            <p:spPr>
+              <a:xfrm>
+                <a:off x="1264843" y="2298120"/>
+                <a:ext cx="4484760" cy="2473126"/>
+              </a:xfrm>
+              <a:prstGeom prst="rect">
+                <a:avLst/>
+              </a:prstGeom>
+              <a:effectLst>
+                <a:outerShdw blurRad="50800" dist="38100" dir="2700000" algn="tl" rotWithShape="0">
+                  <a:schemeClr val="bg1">
+                    <a:alpha val="40000"/>
+                  </a:schemeClr>
+                </a:outerShdw>
+              </a:effectLst>
+            </p:spPr>
+          </p:pic>
+        </p:grpSp>
+      </p:grpSp>
+    </p:spTree>
+    <p:extLst>
+      <p:ext uri="{BB962C8B-B14F-4D97-AF65-F5344CB8AC3E}">
+        <p14:creationId xmlns:p14="http://schemas.microsoft.com/office/powerpoint/2010/main" val="851452715"/>
+      </p:ext>
+    </p:extLst>
+  </p:cSld>
+  <p:clrMapOvr>
+    <a:masterClrMapping/>
+  </p:clrMapOvr>
+</p:sldLayout>
+</file>
+
+<file path=ppt/slideLayouts/slideLayout11.xml><?xml version="1.0" encoding="utf-8"?>
+<p:sldLayout xmlns:a="http://schemas.openxmlformats.org/drawingml/2006/main" xmlns:r="http://schemas.openxmlformats.org/officeDocument/2006/relationships" xmlns:p="http://schemas.openxmlformats.org/presentationml/2006/main" type="vertTitleAndTx" preserve="1">
+  <p:cSld name="Vertical Title and Text">
+    <p:spTree>
+      <p:nvGrpSpPr>
+        <p:cNvPr id="1" name=""/>
+        <p:cNvGrpSpPr/>
+        <p:nvPr/>
+      </p:nvGrpSpPr>
+      <p:grpSpPr>
+        <a:xfrm>
+          <a:off x="0" y="0"/>
+          <a:ext cx="0" cy="0"/>
+          <a:chOff x="0" y="0"/>
+          <a:chExt cx="0" cy="0"/>
+        </a:xfrm>
+      </p:grpSpPr>
+      <p:sp>
+        <p:nvSpPr>
+          <p:cNvPr id="2" name="Vertical Title 1">
+            <a:extLst>
+              <a:ext uri="{FF2B5EF4-FFF2-40B4-BE49-F238E27FC236}">
+                <a16:creationId xmlns:a16="http://schemas.microsoft.com/office/drawing/2014/main" id="{E2357770-8BAD-4844-961C-A1622014AA89}"/>
+              </a:ext>
+            </a:extLst>
+          </p:cNvPr>
+          <p:cNvSpPr>
+            <a:spLocks noGrp="1"/>
+          </p:cNvSpPr>
+          <p:nvPr>
+            <p:ph type="title" orient="vert"/>
+          </p:nvPr>
+        </p:nvSpPr>
+        <p:spPr>
+          <a:xfrm>
+            <a:off x="8724900" y="365125"/>
+            <a:ext cx="2628900" cy="5811838"/>
+          </a:xfrm>
+        </p:spPr>
+        <p:txBody>
+          <a:bodyPr vert="eaVert"/>
+          <a:lstStyle/>
+          <a:p>
+            <a:r>
+              <a:rPr lang="en-US"/>
+              <a:t>Click to edit Master title style</a:t>
+            </a:r>
+          </a:p>
+        </p:txBody>
+      </p:sp>
+      <p:sp>
+        <p:nvSpPr>
+          <p:cNvPr id="3" name="Vertical Text Placeholder 2">
+            <a:extLst>
+              <a:ext uri="{FF2B5EF4-FFF2-40B4-BE49-F238E27FC236}">
+                <a16:creationId xmlns:a16="http://schemas.microsoft.com/office/drawing/2014/main" id="{9A9F6C07-159E-44FC-99AA-A00C2D1C8EF4}"/>
+              </a:ext>
+            </a:extLst>
+          </p:cNvPr>
+          <p:cNvSpPr>
+            <a:spLocks noGrp="1"/>
+          </p:cNvSpPr>
+          <p:nvPr>
+            <p:ph type="body" orient="vert" idx="1"/>
+          </p:nvPr>
+        </p:nvSpPr>
+        <p:spPr>
+          <a:xfrm>
+            <a:off x="838200" y="365125"/>
+            <a:ext cx="7734300" cy="5811838"/>
+          </a:xfrm>
+        </p:spPr>
+        <p:txBody>
+          <a:bodyPr vert="eaVert"/>
+          <a:lstStyle/>
+          <a:p>
+            <a:pPr lvl="0"/>
+            <a:r>
+              <a:rPr lang="en-US"/>
+              <a:t>Edit Master text styles</a:t>
+            </a:r>
+          </a:p>
+          <a:p>
+            <a:pPr lvl="1"/>
+            <a:r>
+              <a:rPr lang="en-US"/>
+              <a:t>Second level</a:t>
+            </a:r>
+          </a:p>
+          <a:p>
+            <a:pPr lvl="2"/>
+            <a:r>
+              <a:rPr lang="en-US"/>
+              <a:t>Third level</a:t>
+            </a:r>
+          </a:p>
+          <a:p>
+            <a:pPr lvl="3"/>
+            <a:r>
+              <a:rPr lang="en-US"/>
+              <a:t>Fourth level</a:t>
+            </a:r>
+          </a:p>
+          <a:p>
+            <a:pPr lvl="4"/>
+            <a:r>
+              <a:rPr lang="en-US"/>
+              <a:t>Fifth level</a:t>
+            </a:r>
+          </a:p>
+        </p:txBody>
+      </p:sp>
+      <p:sp>
+        <p:nvSpPr>
+          <p:cNvPr id="4" name="Date Placeholder 3">
+            <a:extLst>
+              <a:ext uri="{FF2B5EF4-FFF2-40B4-BE49-F238E27FC236}">
+                <a16:creationId xmlns:a16="http://schemas.microsoft.com/office/drawing/2014/main" id="{5FDBECF2-A395-401A-81FE-39567DB2BBBB}"/>
+              </a:ext>
+            </a:extLst>
+          </p:cNvPr>
+          <p:cNvSpPr>
+            <a:spLocks noGrp="1"/>
+          </p:cNvSpPr>
+          <p:nvPr>
+            <p:ph type="dt" sz="half" idx="10"/>
+          </p:nvPr>
+        </p:nvSpPr>
+        <p:spPr/>
+        <p:txBody>
+          <a:bodyPr/>
+          <a:lstStyle/>
+          <a:p>
+            <a:fld id="{A8B89F18-586E-4B97-8EEA-25E99A190A89}" type="datetimeFigureOut">
+              <a:rPr lang="en-US" smtClean="0"/>
+              <a:t>9/9/2019</a:t>
+            </a:fld>
+            <a:endParaRPr lang="en-US"/>
+          </a:p>
+        </p:txBody>
+      </p:sp>
+      <p:sp>
+        <p:nvSpPr>
+          <p:cNvPr id="5" name="Footer Placeholder 4">
+            <a:extLst>
+              <a:ext uri="{FF2B5EF4-FFF2-40B4-BE49-F238E27FC236}">
+                <a16:creationId xmlns:a16="http://schemas.microsoft.com/office/drawing/2014/main" id="{52B1C221-93CC-4CB3-8072-CF99F731688A}"/>
+              </a:ext>
+            </a:extLst>
+          </p:cNvPr>
+          <p:cNvSpPr>
+            <a:spLocks noGrp="1"/>
+          </p:cNvSpPr>
+          <p:nvPr>
+            <p:ph type="ftr" sz="quarter" idx="11"/>
+          </p:nvPr>
+        </p:nvSpPr>
+        <p:spPr/>
+        <p:txBody>
+          <a:bodyPr/>
+          <a:lstStyle/>
+          <a:p>
+            <a:endParaRPr lang="en-US"/>
+          </a:p>
+        </p:txBody>
+      </p:sp>
+      <p:sp>
+        <p:nvSpPr>
+          <p:cNvPr id="6" name="Slide Number Placeholder 5">
+            <a:extLst>
+              <a:ext uri="{FF2B5EF4-FFF2-40B4-BE49-F238E27FC236}">
+                <a16:creationId xmlns:a16="http://schemas.microsoft.com/office/drawing/2014/main" id="{A254B178-2CD0-406F-8352-F427C7776CEB}"/>
+              </a:ext>
+            </a:extLst>
+          </p:cNvPr>
+          <p:cNvSpPr>
+            <a:spLocks noGrp="1"/>
+          </p:cNvSpPr>
+          <p:nvPr>
+            <p:ph type="sldNum" sz="quarter" idx="12"/>
+          </p:nvPr>
+        </p:nvSpPr>
+        <p:spPr/>
+        <p:txBody>
+          <a:bodyPr/>
+          <a:lstStyle/>
+          <a:p>
+            <a:fld id="{734DA83B-C71A-4208-9071-1761995F3B54}" type="slidenum">
+              <a:rPr lang="en-US" smtClean="0"/>
+              <a:t>‹#›</a:t>
+            </a:fld>
+            <a:endParaRPr lang="en-US"/>
+          </a:p>
+        </p:txBody>
+      </p:sp>
+      <p:grpSp>
+        <p:nvGrpSpPr>
+          <p:cNvPr id="7" name="Group 6">
+            <a:extLst>
+              <a:ext uri="{FF2B5EF4-FFF2-40B4-BE49-F238E27FC236}">
+                <a16:creationId xmlns:a16="http://schemas.microsoft.com/office/drawing/2014/main" id="{7D800DB2-FCD1-4F4E-8982-9040BD5C83B1}"/>
+              </a:ext>
+            </a:extLst>
+          </p:cNvPr>
+          <p:cNvGrpSpPr/>
+          <p:nvPr userDrawn="1"/>
+        </p:nvGrpSpPr>
+        <p:grpSpPr>
+          <a:xfrm>
+            <a:off x="0" y="5776566"/>
+            <a:ext cx="12192001" cy="1081434"/>
+            <a:chOff x="0" y="5776566"/>
+            <a:chExt cx="12192001" cy="1081434"/>
+          </a:xfrm>
+        </p:grpSpPr>
+        <p:sp>
+          <p:nvSpPr>
+            <p:cNvPr id="8" name="Rectangle 7">
+              <a:extLst>
+                <a:ext uri="{FF2B5EF4-FFF2-40B4-BE49-F238E27FC236}">
+                  <a16:creationId xmlns:a16="http://schemas.microsoft.com/office/drawing/2014/main" id="{777EE9BE-265B-403E-9148-E040253F2BED}"/>
+                </a:ext>
+              </a:extLst>
+            </p:cNvPr>
+            <p:cNvSpPr/>
+            <p:nvPr/>
+          </p:nvSpPr>
+          <p:spPr>
+            <a:xfrm>
+              <a:off x="0" y="6098596"/>
+              <a:ext cx="12192001" cy="759404"/>
+            </a:xfrm>
+            <a:prstGeom prst="rect">
+              <a:avLst/>
+            </a:prstGeom>
+            <a:gradFill flip="none" rotWithShape="1">
+              <a:gsLst>
+                <a:gs pos="0">
+                  <a:schemeClr val="bg1"/>
+                </a:gs>
+                <a:gs pos="0">
+                  <a:srgbClr val="0070C0"/>
+                </a:gs>
+                <a:gs pos="90000">
+                  <a:schemeClr val="bg1"/>
+                </a:gs>
+              </a:gsLst>
+              <a:path path="circle">
+                <a:fillToRect l="100000" t="100000"/>
+              </a:path>
+              <a:tileRect r="-100000" b="-100000"/>
+            </a:gradFill>
+            <a:ln>
+              <a:noFill/>
+            </a:ln>
+          </p:spPr>
+          <p:style>
+            <a:lnRef idx="2">
+              <a:schemeClr val="accent1">
+                <a:shade val="50000"/>
+              </a:schemeClr>
+            </a:lnRef>
+            <a:fillRef idx="1">
+              <a:schemeClr val="accent1"/>
+            </a:fillRef>
+            <a:effectRef idx="0">
+              <a:schemeClr val="accent1"/>
+            </a:effectRef>
+            <a:fontRef idx="minor">
+              <a:schemeClr val="lt1"/>
+            </a:fontRef>
+          </p:style>
+          <p:txBody>
+            <a:bodyPr rtlCol="0" anchor="ctr"/>
+            <a:lstStyle/>
+            <a:p>
+              <a:pPr algn="ctr"/>
+              <a:endParaRPr lang="en-US"/>
+            </a:p>
+          </p:txBody>
+        </p:sp>
+        <p:grpSp>
+          <p:nvGrpSpPr>
+            <p:cNvPr id="9" name="Group 8">
+              <a:extLst>
+                <a:ext uri="{FF2B5EF4-FFF2-40B4-BE49-F238E27FC236}">
+                  <a16:creationId xmlns:a16="http://schemas.microsoft.com/office/drawing/2014/main" id="{39F59F1F-CE37-45C2-814D-969418F30935}"/>
+                </a:ext>
+              </a:extLst>
+            </p:cNvPr>
+            <p:cNvGrpSpPr/>
+            <p:nvPr/>
+          </p:nvGrpSpPr>
+          <p:grpSpPr>
+            <a:xfrm>
+              <a:off x="136116" y="5776566"/>
+              <a:ext cx="1766413" cy="974090"/>
+              <a:chOff x="705301" y="2052365"/>
+              <a:chExt cx="5603844" cy="3090246"/>
+            </a:xfrm>
+          </p:grpSpPr>
+          <p:pic>
+            <p:nvPicPr>
+              <p:cNvPr id="10" name="Picture 9">
+                <a:extLst>
+                  <a:ext uri="{FF2B5EF4-FFF2-40B4-BE49-F238E27FC236}">
+                    <a16:creationId xmlns:a16="http://schemas.microsoft.com/office/drawing/2014/main" id="{E49F4CB4-5F23-4C71-9C19-48DBA8A4CE3B}"/>
+                  </a:ext>
+                </a:extLst>
+              </p:cNvPr>
+              <p:cNvPicPr>
+                <a:picLocks noChangeAspect="1"/>
+              </p:cNvPicPr>
+              <p:nvPr/>
+            </p:nvPicPr>
+            <p:blipFill>
+              <a:blip r:embed="rId2">
+                <a:extLst>
+                  <a:ext uri="{28A0092B-C50C-407E-A947-70E740481C1C}">
+                    <a14:useLocalDpi xmlns:a14="http://schemas.microsoft.com/office/drawing/2010/main" val="0"/>
+                  </a:ext>
+                </a:extLst>
+              </a:blip>
+              <a:stretch>
+                <a:fillRect/>
+              </a:stretch>
+            </p:blipFill>
+            <p:spPr>
+              <a:xfrm>
+                <a:off x="705301" y="2052365"/>
+                <a:ext cx="5603844" cy="3090246"/>
+              </a:xfrm>
+              <a:prstGeom prst="rect">
+                <a:avLst/>
+              </a:prstGeom>
+              <a:effectLst>
+                <a:outerShdw blurRad="50800" dist="38100" dir="5400000" algn="t" rotWithShape="0">
+                  <a:prstClr val="black">
+                    <a:alpha val="40000"/>
+                  </a:prstClr>
+                </a:outerShdw>
+              </a:effectLst>
+            </p:spPr>
+          </p:pic>
+          <p:pic>
+            <p:nvPicPr>
+              <p:cNvPr id="11" name="Picture 10">
+                <a:extLst>
+                  <a:ext uri="{FF2B5EF4-FFF2-40B4-BE49-F238E27FC236}">
+                    <a16:creationId xmlns:a16="http://schemas.microsoft.com/office/drawing/2014/main" id="{5755F92A-2289-459F-9399-87883D40DCE5}"/>
+                  </a:ext>
+                </a:extLst>
+              </p:cNvPr>
+              <p:cNvPicPr>
+                <a:picLocks noChangeAspect="1"/>
+              </p:cNvPicPr>
+              <p:nvPr/>
+            </p:nvPicPr>
+            <p:blipFill>
+              <a:blip r:embed="rId3">
+                <a:extLst>
+                  <a:ext uri="{28A0092B-C50C-407E-A947-70E740481C1C}">
+                    <a14:useLocalDpi xmlns:a14="http://schemas.microsoft.com/office/drawing/2010/main" val="0"/>
+                  </a:ext>
+                </a:extLst>
+              </a:blip>
+              <a:stretch>
+                <a:fillRect/>
+              </a:stretch>
+            </p:blipFill>
+            <p:spPr>
+              <a:xfrm>
+                <a:off x="1264843" y="2298120"/>
+                <a:ext cx="4484760" cy="2473126"/>
+              </a:xfrm>
+              <a:prstGeom prst="rect">
+                <a:avLst/>
+              </a:prstGeom>
+              <a:effectLst>
+                <a:outerShdw blurRad="50800" dist="38100" dir="2700000" algn="tl" rotWithShape="0">
+                  <a:schemeClr val="bg1">
+                    <a:alpha val="40000"/>
+                  </a:schemeClr>
+                </a:outerShdw>
+              </a:effectLst>
+            </p:spPr>
+          </p:pic>
+        </p:grpSp>
+      </p:grpSp>
+    </p:spTree>
+    <p:extLst>
+      <p:ext uri="{BB962C8B-B14F-4D97-AF65-F5344CB8AC3E}">
+        <p14:creationId xmlns:p14="http://schemas.microsoft.com/office/powerpoint/2010/main" val="2012849990"/>
+      </p:ext>
+    </p:extLst>
+  </p:cSld>
+  <p:clrMapOvr>
+    <a:masterClrMapping/>
+  </p:clrMapOvr>
+</p:sldLayout>
+</file>
+
+<file path=ppt/slideLayouts/slideLayout2.xml><?xml version="1.0" encoding="utf-8"?>
 <p:sldLayout xmlns:a="http://schemas.openxmlformats.org/drawingml/2006/main" xmlns:r="http://schemas.openxmlformats.org/officeDocument/2006/relationships" xmlns:p="http://schemas.openxmlformats.org/presentationml/2006/main" type="obj" preserve="1">
   <p:cSld name="Title and Content">
     <p:spTree>
@@ -1139,7 +2145,13 @@
       </p:grpSpPr>
       <p:sp>
         <p:nvSpPr>
-          <p:cNvPr id="2" name="Title 1"/>
+          <p:cNvPr id="2" name="Title 1">
+            <a:extLst>
+              <a:ext uri="{FF2B5EF4-FFF2-40B4-BE49-F238E27FC236}">
+                <a16:creationId xmlns:a16="http://schemas.microsoft.com/office/drawing/2014/main" id="{C8F32522-E4AF-4110-82D8-00BB58DD34C8}"/>
+              </a:ext>
+            </a:extLst>
+          </p:cNvPr>
           <p:cNvSpPr>
             <a:spLocks noGrp="1"/>
           </p:cNvSpPr>
@@ -1153,7 +2165,7 @@
           <a:lstStyle/>
           <a:p>
             <a:r>
-              <a:rPr lang="en-US" dirty="0"/>
+              <a:rPr lang="en-US"/>
               <a:t>Click to edit Master title style</a:t>
             </a:r>
           </a:p>
@@ -1161,7 +2173,13 @@
       </p:sp>
       <p:sp>
         <p:nvSpPr>
-          <p:cNvPr id="3" name="Content Placeholder 2"/>
+          <p:cNvPr id="3" name="Content Placeholder 2">
+            <a:extLst>
+              <a:ext uri="{FF2B5EF4-FFF2-40B4-BE49-F238E27FC236}">
+                <a16:creationId xmlns:a16="http://schemas.microsoft.com/office/drawing/2014/main" id="{C0CFAC4F-7C3C-40D0-9D30-C3A0A6558689}"/>
+              </a:ext>
+            </a:extLst>
+          </p:cNvPr>
           <p:cNvSpPr>
             <a:spLocks noGrp="1"/>
           </p:cNvSpPr>
@@ -1172,94 +2190,809 @@
         <p:spPr/>
         <p:txBody>
           <a:bodyPr/>
+          <a:lstStyle/>
+          <a:p>
+            <a:pPr lvl="0"/>
+            <a:r>
+              <a:rPr lang="en-US"/>
+              <a:t>Edit Master text styles</a:t>
+            </a:r>
+          </a:p>
+          <a:p>
+            <a:pPr lvl="1"/>
+            <a:r>
+              <a:rPr lang="en-US"/>
+              <a:t>Second level</a:t>
+            </a:r>
+          </a:p>
+          <a:p>
+            <a:pPr lvl="2"/>
+            <a:r>
+              <a:rPr lang="en-US"/>
+              <a:t>Third level</a:t>
+            </a:r>
+          </a:p>
+          <a:p>
+            <a:pPr lvl="3"/>
+            <a:r>
+              <a:rPr lang="en-US"/>
+              <a:t>Fourth level</a:t>
+            </a:r>
+          </a:p>
+          <a:p>
+            <a:pPr lvl="4"/>
+            <a:r>
+              <a:rPr lang="en-US"/>
+              <a:t>Fifth level</a:t>
+            </a:r>
+          </a:p>
+        </p:txBody>
+      </p:sp>
+      <p:sp>
+        <p:nvSpPr>
+          <p:cNvPr id="4" name="Date Placeholder 3">
+            <a:extLst>
+              <a:ext uri="{FF2B5EF4-FFF2-40B4-BE49-F238E27FC236}">
+                <a16:creationId xmlns:a16="http://schemas.microsoft.com/office/drawing/2014/main" id="{9C4BD227-04A8-4603-B3B3-17A54A808CEC}"/>
+              </a:ext>
+            </a:extLst>
+          </p:cNvPr>
+          <p:cNvSpPr>
+            <a:spLocks noGrp="1"/>
+          </p:cNvSpPr>
+          <p:nvPr>
+            <p:ph type="dt" sz="half" idx="10"/>
+          </p:nvPr>
+        </p:nvSpPr>
+        <p:spPr/>
+        <p:txBody>
+          <a:bodyPr/>
+          <a:lstStyle/>
+          <a:p>
+            <a:fld id="{A8B89F18-586E-4B97-8EEA-25E99A190A89}" type="datetimeFigureOut">
+              <a:rPr lang="en-US" smtClean="0"/>
+              <a:t>9/9/2019</a:t>
+            </a:fld>
+            <a:endParaRPr lang="en-US"/>
+          </a:p>
+        </p:txBody>
+      </p:sp>
+      <p:sp>
+        <p:nvSpPr>
+          <p:cNvPr id="5" name="Footer Placeholder 4">
+            <a:extLst>
+              <a:ext uri="{FF2B5EF4-FFF2-40B4-BE49-F238E27FC236}">
+                <a16:creationId xmlns:a16="http://schemas.microsoft.com/office/drawing/2014/main" id="{65B5252B-9A7B-455A-9C62-75D03789D749}"/>
+              </a:ext>
+            </a:extLst>
+          </p:cNvPr>
+          <p:cNvSpPr>
+            <a:spLocks noGrp="1"/>
+          </p:cNvSpPr>
+          <p:nvPr>
+            <p:ph type="ftr" sz="quarter" idx="11"/>
+          </p:nvPr>
+        </p:nvSpPr>
+        <p:spPr/>
+        <p:txBody>
+          <a:bodyPr/>
+          <a:lstStyle/>
+          <a:p>
+            <a:endParaRPr lang="en-US"/>
+          </a:p>
+        </p:txBody>
+      </p:sp>
+      <p:sp>
+        <p:nvSpPr>
+          <p:cNvPr id="6" name="Slide Number Placeholder 5">
+            <a:extLst>
+              <a:ext uri="{FF2B5EF4-FFF2-40B4-BE49-F238E27FC236}">
+                <a16:creationId xmlns:a16="http://schemas.microsoft.com/office/drawing/2014/main" id="{C1C0A3AC-E733-415D-9487-7BAF75BA2990}"/>
+              </a:ext>
+            </a:extLst>
+          </p:cNvPr>
+          <p:cNvSpPr>
+            <a:spLocks noGrp="1"/>
+          </p:cNvSpPr>
+          <p:nvPr>
+            <p:ph type="sldNum" sz="quarter" idx="12"/>
+          </p:nvPr>
+        </p:nvSpPr>
+        <p:spPr/>
+        <p:txBody>
+          <a:bodyPr/>
+          <a:lstStyle/>
+          <a:p>
+            <a:fld id="{734DA83B-C71A-4208-9071-1761995F3B54}" type="slidenum">
+              <a:rPr lang="en-US" smtClean="0"/>
+              <a:t>‹#›</a:t>
+            </a:fld>
+            <a:endParaRPr lang="en-US"/>
+          </a:p>
+        </p:txBody>
+      </p:sp>
+      <p:grpSp>
+        <p:nvGrpSpPr>
+          <p:cNvPr id="17" name="Group 16">
+            <a:extLst>
+              <a:ext uri="{FF2B5EF4-FFF2-40B4-BE49-F238E27FC236}">
+                <a16:creationId xmlns:a16="http://schemas.microsoft.com/office/drawing/2014/main" id="{F1EA1FDA-A5E1-49F8-9CB7-D0B41296E005}"/>
+              </a:ext>
+            </a:extLst>
+          </p:cNvPr>
+          <p:cNvGrpSpPr/>
+          <p:nvPr userDrawn="1"/>
+        </p:nvGrpSpPr>
+        <p:grpSpPr>
+          <a:xfrm>
+            <a:off x="0" y="5776566"/>
+            <a:ext cx="12192001" cy="1081434"/>
+            <a:chOff x="0" y="5776566"/>
+            <a:chExt cx="12192001" cy="1081434"/>
+          </a:xfrm>
+        </p:grpSpPr>
+        <p:sp>
+          <p:nvSpPr>
+            <p:cNvPr id="18" name="Rectangle 17">
+              <a:extLst>
+                <a:ext uri="{FF2B5EF4-FFF2-40B4-BE49-F238E27FC236}">
+                  <a16:creationId xmlns:a16="http://schemas.microsoft.com/office/drawing/2014/main" id="{6F1D0881-B55D-4210-9F2F-2C428AACDA81}"/>
+                </a:ext>
+              </a:extLst>
+            </p:cNvPr>
+            <p:cNvSpPr/>
+            <p:nvPr/>
+          </p:nvSpPr>
+          <p:spPr>
+            <a:xfrm>
+              <a:off x="0" y="6098596"/>
+              <a:ext cx="12192001" cy="759404"/>
+            </a:xfrm>
+            <a:prstGeom prst="rect">
+              <a:avLst/>
+            </a:prstGeom>
+            <a:gradFill flip="none" rotWithShape="1">
+              <a:gsLst>
+                <a:gs pos="0">
+                  <a:schemeClr val="bg1"/>
+                </a:gs>
+                <a:gs pos="0">
+                  <a:srgbClr val="0070C0"/>
+                </a:gs>
+                <a:gs pos="90000">
+                  <a:schemeClr val="bg1"/>
+                </a:gs>
+              </a:gsLst>
+              <a:path path="circle">
+                <a:fillToRect l="100000" t="100000"/>
+              </a:path>
+              <a:tileRect r="-100000" b="-100000"/>
+            </a:gradFill>
+            <a:ln>
+              <a:noFill/>
+            </a:ln>
+          </p:spPr>
+          <p:style>
+            <a:lnRef idx="2">
+              <a:schemeClr val="accent1">
+                <a:shade val="50000"/>
+              </a:schemeClr>
+            </a:lnRef>
+            <a:fillRef idx="1">
+              <a:schemeClr val="accent1"/>
+            </a:fillRef>
+            <a:effectRef idx="0">
+              <a:schemeClr val="accent1"/>
+            </a:effectRef>
+            <a:fontRef idx="minor">
+              <a:schemeClr val="lt1"/>
+            </a:fontRef>
+          </p:style>
+          <p:txBody>
+            <a:bodyPr rtlCol="0" anchor="ctr"/>
+            <a:lstStyle/>
+            <a:p>
+              <a:pPr algn="ctr"/>
+              <a:endParaRPr lang="en-US"/>
+            </a:p>
+          </p:txBody>
+        </p:sp>
+        <p:grpSp>
+          <p:nvGrpSpPr>
+            <p:cNvPr id="19" name="Group 18">
+              <a:extLst>
+                <a:ext uri="{FF2B5EF4-FFF2-40B4-BE49-F238E27FC236}">
+                  <a16:creationId xmlns:a16="http://schemas.microsoft.com/office/drawing/2014/main" id="{05EFD77D-7805-4576-9F40-A7E70B96B358}"/>
+                </a:ext>
+              </a:extLst>
+            </p:cNvPr>
+            <p:cNvGrpSpPr/>
+            <p:nvPr/>
+          </p:nvGrpSpPr>
+          <p:grpSpPr>
+            <a:xfrm>
+              <a:off x="136116" y="5776566"/>
+              <a:ext cx="1766413" cy="974090"/>
+              <a:chOff x="705301" y="2052365"/>
+              <a:chExt cx="5603844" cy="3090246"/>
+            </a:xfrm>
+          </p:grpSpPr>
+          <p:pic>
+            <p:nvPicPr>
+              <p:cNvPr id="20" name="Picture 19">
+                <a:extLst>
+                  <a:ext uri="{FF2B5EF4-FFF2-40B4-BE49-F238E27FC236}">
+                    <a16:creationId xmlns:a16="http://schemas.microsoft.com/office/drawing/2014/main" id="{CDBB4F94-A864-48D5-B145-2D484AE6E2EF}"/>
+                  </a:ext>
+                </a:extLst>
+              </p:cNvPr>
+              <p:cNvPicPr>
+                <a:picLocks noChangeAspect="1"/>
+              </p:cNvPicPr>
+              <p:nvPr/>
+            </p:nvPicPr>
+            <p:blipFill>
+              <a:blip r:embed="rId2">
+                <a:extLst>
+                  <a:ext uri="{28A0092B-C50C-407E-A947-70E740481C1C}">
+                    <a14:useLocalDpi xmlns:a14="http://schemas.microsoft.com/office/drawing/2010/main" val="0"/>
+                  </a:ext>
+                </a:extLst>
+              </a:blip>
+              <a:stretch>
+                <a:fillRect/>
+              </a:stretch>
+            </p:blipFill>
+            <p:spPr>
+              <a:xfrm>
+                <a:off x="705301" y="2052365"/>
+                <a:ext cx="5603844" cy="3090246"/>
+              </a:xfrm>
+              <a:prstGeom prst="rect">
+                <a:avLst/>
+              </a:prstGeom>
+              <a:effectLst>
+                <a:outerShdw blurRad="50800" dist="38100" dir="5400000" algn="t" rotWithShape="0">
+                  <a:prstClr val="black">
+                    <a:alpha val="40000"/>
+                  </a:prstClr>
+                </a:outerShdw>
+              </a:effectLst>
+            </p:spPr>
+          </p:pic>
+          <p:pic>
+            <p:nvPicPr>
+              <p:cNvPr id="21" name="Picture 20">
+                <a:extLst>
+                  <a:ext uri="{FF2B5EF4-FFF2-40B4-BE49-F238E27FC236}">
+                    <a16:creationId xmlns:a16="http://schemas.microsoft.com/office/drawing/2014/main" id="{E4482EDC-4E6D-46C1-B948-D663712ECACD}"/>
+                  </a:ext>
+                </a:extLst>
+              </p:cNvPr>
+              <p:cNvPicPr>
+                <a:picLocks noChangeAspect="1"/>
+              </p:cNvPicPr>
+              <p:nvPr/>
+            </p:nvPicPr>
+            <p:blipFill>
+              <a:blip r:embed="rId3">
+                <a:extLst>
+                  <a:ext uri="{28A0092B-C50C-407E-A947-70E740481C1C}">
+                    <a14:useLocalDpi xmlns:a14="http://schemas.microsoft.com/office/drawing/2010/main" val="0"/>
+                  </a:ext>
+                </a:extLst>
+              </a:blip>
+              <a:stretch>
+                <a:fillRect/>
+              </a:stretch>
+            </p:blipFill>
+            <p:spPr>
+              <a:xfrm>
+                <a:off x="1264843" y="2298120"/>
+                <a:ext cx="4484760" cy="2473126"/>
+              </a:xfrm>
+              <a:prstGeom prst="rect">
+                <a:avLst/>
+              </a:prstGeom>
+              <a:effectLst>
+                <a:outerShdw blurRad="50800" dist="38100" dir="2700000" algn="tl" rotWithShape="0">
+                  <a:schemeClr val="bg1">
+                    <a:alpha val="40000"/>
+                  </a:schemeClr>
+                </a:outerShdw>
+              </a:effectLst>
+            </p:spPr>
+          </p:pic>
+        </p:grpSp>
+      </p:grpSp>
+    </p:spTree>
+    <p:extLst>
+      <p:ext uri="{BB962C8B-B14F-4D97-AF65-F5344CB8AC3E}">
+        <p14:creationId xmlns:p14="http://schemas.microsoft.com/office/powerpoint/2010/main" val="2761051037"/>
+      </p:ext>
+    </p:extLst>
+  </p:cSld>
+  <p:clrMapOvr>
+    <a:masterClrMapping/>
+  </p:clrMapOvr>
+</p:sldLayout>
+</file>
+
+<file path=ppt/slideLayouts/slideLayout3.xml><?xml version="1.0" encoding="utf-8"?>
+<p:sldLayout xmlns:a="http://schemas.openxmlformats.org/drawingml/2006/main" xmlns:r="http://schemas.openxmlformats.org/officeDocument/2006/relationships" xmlns:p="http://schemas.openxmlformats.org/presentationml/2006/main" preserve="1" userDrawn="1">
+  <p:cSld name="Section Header">
+    <p:spTree>
+      <p:nvGrpSpPr>
+        <p:cNvPr id="1" name=""/>
+        <p:cNvGrpSpPr/>
+        <p:nvPr/>
+      </p:nvGrpSpPr>
+      <p:grpSpPr>
+        <a:xfrm>
+          <a:off x="0" y="0"/>
+          <a:ext cx="0" cy="0"/>
+          <a:chOff x="0" y="0"/>
+          <a:chExt cx="0" cy="0"/>
+        </a:xfrm>
+      </p:grpSpPr>
+      <p:sp>
+        <p:nvSpPr>
+          <p:cNvPr id="2" name="Title 1">
+            <a:extLst>
+              <a:ext uri="{FF2B5EF4-FFF2-40B4-BE49-F238E27FC236}">
+                <a16:creationId xmlns:a16="http://schemas.microsoft.com/office/drawing/2014/main" id="{AC98AB70-778D-4C38-AFFB-AA297DBCD746}"/>
+              </a:ext>
+            </a:extLst>
+          </p:cNvPr>
+          <p:cNvSpPr>
+            <a:spLocks noGrp="1"/>
+          </p:cNvSpPr>
+          <p:nvPr>
+            <p:ph type="title"/>
+          </p:nvPr>
+        </p:nvSpPr>
+        <p:spPr>
+          <a:xfrm>
+            <a:off x="831850" y="1709738"/>
+            <a:ext cx="10515600" cy="2852737"/>
+          </a:xfrm>
+        </p:spPr>
+        <p:txBody>
+          <a:bodyPr anchor="b"/>
+          <a:lstStyle>
+            <a:lvl1pPr>
+              <a:defRPr sz="6000"/>
+            </a:lvl1pPr>
+          </a:lstStyle>
+          <a:p>
+            <a:r>
+              <a:rPr lang="en-US"/>
+              <a:t>Click to edit Master title style</a:t>
+            </a:r>
+          </a:p>
+        </p:txBody>
+      </p:sp>
+      <p:sp>
+        <p:nvSpPr>
+          <p:cNvPr id="3" name="Text Placeholder 2">
+            <a:extLst>
+              <a:ext uri="{FF2B5EF4-FFF2-40B4-BE49-F238E27FC236}">
+                <a16:creationId xmlns:a16="http://schemas.microsoft.com/office/drawing/2014/main" id="{9D1E1E48-E90B-48CC-ADB4-7A4456D292A4}"/>
+              </a:ext>
+            </a:extLst>
+          </p:cNvPr>
+          <p:cNvSpPr>
+            <a:spLocks noGrp="1"/>
+          </p:cNvSpPr>
+          <p:nvPr>
+            <p:ph type="body" idx="1"/>
+          </p:nvPr>
+        </p:nvSpPr>
+        <p:spPr>
+          <a:xfrm>
+            <a:off x="831850" y="4589463"/>
+            <a:ext cx="10515600" cy="1500187"/>
+          </a:xfrm>
+        </p:spPr>
+        <p:txBody>
+          <a:bodyPr/>
           <a:lstStyle>
             <a:lvl1pPr marL="0" indent="0">
-              <a:buFont typeface="Wingdings" charset="2"/>
               <a:buNone/>
-              <a:defRPr>
+              <a:defRPr sz="2400">
                 <a:solidFill>
-                  <a:schemeClr val="tx2"/>
+                  <a:schemeClr val="tx1">
+                    <a:tint val="75000"/>
+                  </a:schemeClr>
                 </a:solidFill>
               </a:defRPr>
             </a:lvl1pPr>
-            <a:lvl2pPr marL="576027" indent="0">
-              <a:buFont typeface="Wingdings" charset="2"/>
+            <a:lvl2pPr marL="457200" indent="0">
               <a:buNone/>
-              <a:defRPr>
+              <a:defRPr sz="2000">
                 <a:solidFill>
-                  <a:srgbClr val="474947"/>
+                  <a:schemeClr val="tx1">
+                    <a:tint val="75000"/>
+                  </a:schemeClr>
                 </a:solidFill>
               </a:defRPr>
             </a:lvl2pPr>
-            <a:lvl3pPr marL="1152053" indent="0">
-              <a:buFont typeface="Wingdings" charset="2"/>
+            <a:lvl3pPr marL="914400" indent="0">
               <a:buNone/>
-              <a:defRPr>
+              <a:defRPr sz="1800">
                 <a:solidFill>
-                  <a:srgbClr val="474947"/>
+                  <a:schemeClr val="tx1">
+                    <a:tint val="75000"/>
+                  </a:schemeClr>
                 </a:solidFill>
               </a:defRPr>
             </a:lvl3pPr>
-            <a:lvl4pPr marL="1728079" indent="0">
-              <a:buFont typeface="Wingdings" charset="2"/>
+            <a:lvl4pPr marL="1371600" indent="0">
               <a:buNone/>
-              <a:defRPr>
+              <a:defRPr sz="1600">
                 <a:solidFill>
-                  <a:srgbClr val="474947"/>
+                  <a:schemeClr val="tx1">
+                    <a:tint val="75000"/>
+                  </a:schemeClr>
                 </a:solidFill>
               </a:defRPr>
             </a:lvl4pPr>
-            <a:lvl5pPr marL="2304105" indent="0">
-              <a:buFont typeface="Wingdings" charset="2"/>
+            <a:lvl5pPr marL="1828800" indent="0">
               <a:buNone/>
-              <a:defRPr>
+              <a:defRPr sz="1600">
                 <a:solidFill>
-                  <a:srgbClr val="474947"/>
+                  <a:schemeClr val="tx1">
+                    <a:tint val="75000"/>
+                  </a:schemeClr>
                 </a:solidFill>
               </a:defRPr>
             </a:lvl5pPr>
+            <a:lvl6pPr marL="2286000" indent="0">
+              <a:buNone/>
+              <a:defRPr sz="1600">
+                <a:solidFill>
+                  <a:schemeClr val="tx1">
+                    <a:tint val="75000"/>
+                  </a:schemeClr>
+                </a:solidFill>
+              </a:defRPr>
+            </a:lvl6pPr>
+            <a:lvl7pPr marL="2743200" indent="0">
+              <a:buNone/>
+              <a:defRPr sz="1600">
+                <a:solidFill>
+                  <a:schemeClr val="tx1">
+                    <a:tint val="75000"/>
+                  </a:schemeClr>
+                </a:solidFill>
+              </a:defRPr>
+            </a:lvl7pPr>
+            <a:lvl8pPr marL="3200400" indent="0">
+              <a:buNone/>
+              <a:defRPr sz="1600">
+                <a:solidFill>
+                  <a:schemeClr val="tx1">
+                    <a:tint val="75000"/>
+                  </a:schemeClr>
+                </a:solidFill>
+              </a:defRPr>
+            </a:lvl8pPr>
+            <a:lvl9pPr marL="3657600" indent="0">
+              <a:buNone/>
+              <a:defRPr sz="1600">
+                <a:solidFill>
+                  <a:schemeClr val="tx1">
+                    <a:tint val="75000"/>
+                  </a:schemeClr>
+                </a:solidFill>
+              </a:defRPr>
+            </a:lvl9pPr>
           </a:lstStyle>
           <a:p>
             <a:pPr lvl="0"/>
             <a:r>
-              <a:rPr lang="en-US" dirty="0"/>
-              <a:t>Click to edit Master text styles</a:t>
-            </a:r>
-          </a:p>
-          <a:p>
-            <a:pPr lvl="1"/>
-            <a:r>
-              <a:rPr lang="en-US" dirty="0"/>
-              <a:t>Second level</a:t>
-            </a:r>
-          </a:p>
-          <a:p>
-            <a:pPr lvl="2"/>
-            <a:r>
-              <a:rPr lang="en-US" dirty="0"/>
-              <a:t>Third level</a:t>
-            </a:r>
-          </a:p>
-          <a:p>
-            <a:pPr lvl="3"/>
-            <a:r>
-              <a:rPr lang="en-US" dirty="0"/>
-              <a:t>Fourth level</a:t>
-            </a:r>
-          </a:p>
-          <a:p>
-            <a:pPr lvl="4"/>
-            <a:r>
-              <a:rPr lang="en-US" dirty="0"/>
-              <a:t>Fifth level</a:t>
-            </a:r>
+              <a:rPr lang="en-US"/>
+              <a:t>Edit Master text styles</a:t>
+            </a:r>
+          </a:p>
+        </p:txBody>
+      </p:sp>
+      <p:sp>
+        <p:nvSpPr>
+          <p:cNvPr id="4" name="Date Placeholder 3">
+            <a:extLst>
+              <a:ext uri="{FF2B5EF4-FFF2-40B4-BE49-F238E27FC236}">
+                <a16:creationId xmlns:a16="http://schemas.microsoft.com/office/drawing/2014/main" id="{DF107637-4C97-4DFC-A029-AE50699E47EE}"/>
+              </a:ext>
+            </a:extLst>
+          </p:cNvPr>
+          <p:cNvSpPr>
+            <a:spLocks noGrp="1"/>
+          </p:cNvSpPr>
+          <p:nvPr>
+            <p:ph type="dt" sz="half" idx="10"/>
+          </p:nvPr>
+        </p:nvSpPr>
+        <p:spPr>
+          <a:xfrm>
+            <a:off x="838200" y="6356350"/>
+            <a:ext cx="2743200" cy="365125"/>
+          </a:xfrm>
+        </p:spPr>
+        <p:txBody>
+          <a:bodyPr/>
+          <a:lstStyle/>
+          <a:p>
+            <a:fld id="{A8B89F18-586E-4B97-8EEA-25E99A190A89}" type="datetimeFigureOut">
+              <a:rPr lang="en-US" smtClean="0"/>
+              <a:t>9/9/2019</a:t>
+            </a:fld>
+            <a:endParaRPr lang="en-US"/>
+          </a:p>
+        </p:txBody>
+      </p:sp>
+      <p:sp>
+        <p:nvSpPr>
+          <p:cNvPr id="5" name="Footer Placeholder 4">
+            <a:extLst>
+              <a:ext uri="{FF2B5EF4-FFF2-40B4-BE49-F238E27FC236}">
+                <a16:creationId xmlns:a16="http://schemas.microsoft.com/office/drawing/2014/main" id="{A0B2CF88-A562-4F05-BECB-EEE320A17897}"/>
+              </a:ext>
+            </a:extLst>
+          </p:cNvPr>
+          <p:cNvSpPr>
+            <a:spLocks noGrp="1"/>
+          </p:cNvSpPr>
+          <p:nvPr>
+            <p:ph type="ftr" sz="quarter" idx="11"/>
+          </p:nvPr>
+        </p:nvSpPr>
+        <p:spPr>
+          <a:xfrm>
+            <a:off x="4038600" y="6356350"/>
+            <a:ext cx="4114800" cy="365125"/>
+          </a:xfrm>
+        </p:spPr>
+        <p:txBody>
+          <a:bodyPr/>
+          <a:lstStyle/>
+          <a:p>
+            <a:endParaRPr lang="en-US"/>
+          </a:p>
+        </p:txBody>
+      </p:sp>
+      <p:sp>
+        <p:nvSpPr>
+          <p:cNvPr id="6" name="Slide Number Placeholder 5">
+            <a:extLst>
+              <a:ext uri="{FF2B5EF4-FFF2-40B4-BE49-F238E27FC236}">
+                <a16:creationId xmlns:a16="http://schemas.microsoft.com/office/drawing/2014/main" id="{07C4FAFF-3B0C-4ED6-B0D8-848974837405}"/>
+              </a:ext>
+            </a:extLst>
+          </p:cNvPr>
+          <p:cNvSpPr>
+            <a:spLocks noGrp="1"/>
+          </p:cNvSpPr>
+          <p:nvPr>
+            <p:ph type="sldNum" sz="quarter" idx="12"/>
+          </p:nvPr>
+        </p:nvSpPr>
+        <p:spPr>
+          <a:xfrm>
+            <a:off x="8610600" y="6356350"/>
+            <a:ext cx="2743200" cy="365125"/>
+          </a:xfrm>
+        </p:spPr>
+        <p:txBody>
+          <a:bodyPr/>
+          <a:lstStyle/>
+          <a:p>
+            <a:fld id="{734DA83B-C71A-4208-9071-1761995F3B54}" type="slidenum">
+              <a:rPr lang="en-US" smtClean="0"/>
+              <a:t>‹#›</a:t>
+            </a:fld>
+            <a:endParaRPr lang="en-US"/>
+          </a:p>
+        </p:txBody>
+      </p:sp>
+      <p:sp>
+        <p:nvSpPr>
+          <p:cNvPr id="12" name="Rectangle 11">
+            <a:extLst>
+              <a:ext uri="{FF2B5EF4-FFF2-40B4-BE49-F238E27FC236}">
+                <a16:creationId xmlns:a16="http://schemas.microsoft.com/office/drawing/2014/main" id="{27BC5258-447E-4367-9DE8-EE70BF66D945}"/>
+              </a:ext>
+            </a:extLst>
+          </p:cNvPr>
+          <p:cNvSpPr/>
+          <p:nvPr userDrawn="1"/>
+        </p:nvSpPr>
+        <p:spPr>
+          <a:xfrm>
+            <a:off x="0" y="2000352"/>
+            <a:ext cx="12192001" cy="4095647"/>
+          </a:xfrm>
+          <a:prstGeom prst="rect">
+            <a:avLst/>
+          </a:prstGeom>
+          <a:solidFill>
+            <a:schemeClr val="accent1">
+              <a:lumMod val="75000"/>
+            </a:schemeClr>
+          </a:solidFill>
+          <a:ln>
+            <a:noFill/>
+          </a:ln>
+        </p:spPr>
+        <p:style>
+          <a:lnRef idx="2">
+            <a:schemeClr val="accent1">
+              <a:shade val="50000"/>
+            </a:schemeClr>
+          </a:lnRef>
+          <a:fillRef idx="1">
+            <a:schemeClr val="accent1"/>
+          </a:fillRef>
+          <a:effectRef idx="0">
+            <a:schemeClr val="accent1"/>
+          </a:effectRef>
+          <a:fontRef idx="minor">
+            <a:schemeClr val="lt1"/>
+          </a:fontRef>
+        </p:style>
+        <p:txBody>
+          <a:bodyPr rtlCol="0" anchor="ctr"/>
+          <a:lstStyle/>
+          <a:p>
+            <a:pPr algn="ctr"/>
+            <a:endParaRPr lang="en-US"/>
+          </a:p>
+        </p:txBody>
+      </p:sp>
+      <p:grpSp>
+        <p:nvGrpSpPr>
+          <p:cNvPr id="13" name="Group 12">
+            <a:extLst>
+              <a:ext uri="{FF2B5EF4-FFF2-40B4-BE49-F238E27FC236}">
+                <a16:creationId xmlns:a16="http://schemas.microsoft.com/office/drawing/2014/main" id="{B98FF68E-82E2-473E-831A-1AB5C45D9B15}"/>
+              </a:ext>
+            </a:extLst>
+          </p:cNvPr>
+          <p:cNvGrpSpPr/>
+          <p:nvPr userDrawn="1"/>
+        </p:nvGrpSpPr>
+        <p:grpSpPr>
+          <a:xfrm>
+            <a:off x="2650114" y="2314574"/>
+            <a:ext cx="6891772" cy="3800475"/>
+            <a:chOff x="705301" y="2052365"/>
+            <a:chExt cx="5603844" cy="3090246"/>
+          </a:xfrm>
+        </p:grpSpPr>
+        <p:pic>
+          <p:nvPicPr>
+            <p:cNvPr id="14" name="Picture 13">
+              <a:extLst>
+                <a:ext uri="{FF2B5EF4-FFF2-40B4-BE49-F238E27FC236}">
+                  <a16:creationId xmlns:a16="http://schemas.microsoft.com/office/drawing/2014/main" id="{62C066DC-C313-4EE1-87F8-E03000A4DA9F}"/>
+                </a:ext>
+              </a:extLst>
+            </p:cNvPr>
+            <p:cNvPicPr>
+              <a:picLocks noChangeAspect="1"/>
+            </p:cNvPicPr>
+            <p:nvPr/>
+          </p:nvPicPr>
+          <p:blipFill>
+            <a:blip r:embed="rId2">
+              <a:extLst>
+                <a:ext uri="{28A0092B-C50C-407E-A947-70E740481C1C}">
+                  <a14:useLocalDpi xmlns:a14="http://schemas.microsoft.com/office/drawing/2010/main" val="0"/>
+                </a:ext>
+              </a:extLst>
+            </a:blip>
+            <a:stretch>
+              <a:fillRect/>
+            </a:stretch>
+          </p:blipFill>
+          <p:spPr>
+            <a:xfrm>
+              <a:off x="705301" y="2052365"/>
+              <a:ext cx="5603844" cy="3090246"/>
+            </a:xfrm>
+            <a:prstGeom prst="rect">
+              <a:avLst/>
+            </a:prstGeom>
+            <a:effectLst>
+              <a:outerShdw blurRad="50800" dist="38100" dir="5400000" algn="t" rotWithShape="0">
+                <a:prstClr val="black">
+                  <a:alpha val="40000"/>
+                </a:prstClr>
+              </a:outerShdw>
+            </a:effectLst>
+          </p:spPr>
+        </p:pic>
+        <p:pic>
+          <p:nvPicPr>
+            <p:cNvPr id="15" name="Picture 14">
+              <a:extLst>
+                <a:ext uri="{FF2B5EF4-FFF2-40B4-BE49-F238E27FC236}">
+                  <a16:creationId xmlns:a16="http://schemas.microsoft.com/office/drawing/2014/main" id="{FD3C7616-A17C-40B7-83FA-E7BDDF866C97}"/>
+                </a:ext>
+              </a:extLst>
+            </p:cNvPr>
+            <p:cNvPicPr>
+              <a:picLocks noChangeAspect="1"/>
+            </p:cNvPicPr>
+            <p:nvPr/>
+          </p:nvPicPr>
+          <p:blipFill>
+            <a:blip r:embed="rId3">
+              <a:extLst>
+                <a:ext uri="{28A0092B-C50C-407E-A947-70E740481C1C}">
+                  <a14:useLocalDpi xmlns:a14="http://schemas.microsoft.com/office/drawing/2010/main" val="0"/>
+                </a:ext>
+              </a:extLst>
+            </a:blip>
+            <a:stretch>
+              <a:fillRect/>
+            </a:stretch>
+          </p:blipFill>
+          <p:spPr>
+            <a:xfrm>
+              <a:off x="1264843" y="2298120"/>
+              <a:ext cx="4484760" cy="2473126"/>
+            </a:xfrm>
+            <a:prstGeom prst="rect">
+              <a:avLst/>
+            </a:prstGeom>
+            <a:effectLst>
+              <a:outerShdw blurRad="50800" dist="38100" dir="2700000" algn="tl" rotWithShape="0">
+                <a:schemeClr val="bg1">
+                  <a:alpha val="40000"/>
+                </a:schemeClr>
+              </a:outerShdw>
+            </a:effectLst>
+          </p:spPr>
+        </p:pic>
+      </p:grpSp>
+      <p:sp>
+        <p:nvSpPr>
+          <p:cNvPr id="16" name="Subtitle 2">
+            <a:extLst>
+              <a:ext uri="{FF2B5EF4-FFF2-40B4-BE49-F238E27FC236}">
+                <a16:creationId xmlns:a16="http://schemas.microsoft.com/office/drawing/2014/main" id="{F1566320-9AD8-453A-80ED-5CDD2FCE8FAD}"/>
+              </a:ext>
+            </a:extLst>
+          </p:cNvPr>
+          <p:cNvSpPr>
+            <a:spLocks noGrp="1"/>
+          </p:cNvSpPr>
+          <p:nvPr>
+            <p:ph type="subTitle" idx="13"/>
+          </p:nvPr>
+        </p:nvSpPr>
+        <p:spPr>
+          <a:xfrm>
+            <a:off x="1009649" y="1409700"/>
+            <a:ext cx="10553699" cy="441146"/>
+          </a:xfrm>
+        </p:spPr>
+        <p:txBody>
+          <a:bodyPr/>
+          <a:lstStyle/>
+          <a:p>
+            <a:pPr algn="l"/>
+            <a:endParaRPr lang="en-US" dirty="0">
+              <a:latin typeface="Candara" panose="020E0502030303020204" pitchFamily="34" charset="0"/>
+            </a:endParaRPr>
           </a:p>
         </p:txBody>
       </p:sp>
     </p:spTree>
     <p:extLst>
       <p:ext uri="{BB962C8B-B14F-4D97-AF65-F5344CB8AC3E}">
-        <p14:creationId xmlns:p14="http://schemas.microsoft.com/office/powerpoint/2010/main" val="4065140645"/>
+        <p14:creationId xmlns:p14="http://schemas.microsoft.com/office/powerpoint/2010/main" val="526799521"/>
       </p:ext>
     </p:extLst>
   </p:cSld>
@@ -1270,6 +3003,1071 @@
 </file>
 
 <file path=ppt/slideLayouts/slideLayout4.xml><?xml version="1.0" encoding="utf-8"?>
+<p:sldLayout xmlns:a="http://schemas.openxmlformats.org/drawingml/2006/main" xmlns:r="http://schemas.openxmlformats.org/officeDocument/2006/relationships" xmlns:p="http://schemas.openxmlformats.org/presentationml/2006/main" type="twoObj" preserve="1">
+  <p:cSld name="Two Content">
+    <p:spTree>
+      <p:nvGrpSpPr>
+        <p:cNvPr id="1" name=""/>
+        <p:cNvGrpSpPr/>
+        <p:nvPr/>
+      </p:nvGrpSpPr>
+      <p:grpSpPr>
+        <a:xfrm>
+          <a:off x="0" y="0"/>
+          <a:ext cx="0" cy="0"/>
+          <a:chOff x="0" y="0"/>
+          <a:chExt cx="0" cy="0"/>
+        </a:xfrm>
+      </p:grpSpPr>
+      <p:sp>
+        <p:nvSpPr>
+          <p:cNvPr id="2" name="Title 1">
+            <a:extLst>
+              <a:ext uri="{FF2B5EF4-FFF2-40B4-BE49-F238E27FC236}">
+                <a16:creationId xmlns:a16="http://schemas.microsoft.com/office/drawing/2014/main" id="{7CA1EB98-C781-4ECC-A85F-ADEB22CA8C27}"/>
+              </a:ext>
+            </a:extLst>
+          </p:cNvPr>
+          <p:cNvSpPr>
+            <a:spLocks noGrp="1"/>
+          </p:cNvSpPr>
+          <p:nvPr>
+            <p:ph type="title"/>
+          </p:nvPr>
+        </p:nvSpPr>
+        <p:spPr/>
+        <p:txBody>
+          <a:bodyPr/>
+          <a:lstStyle/>
+          <a:p>
+            <a:r>
+              <a:rPr lang="en-US"/>
+              <a:t>Click to edit Master title style</a:t>
+            </a:r>
+          </a:p>
+        </p:txBody>
+      </p:sp>
+      <p:sp>
+        <p:nvSpPr>
+          <p:cNvPr id="3" name="Content Placeholder 2">
+            <a:extLst>
+              <a:ext uri="{FF2B5EF4-FFF2-40B4-BE49-F238E27FC236}">
+                <a16:creationId xmlns:a16="http://schemas.microsoft.com/office/drawing/2014/main" id="{2D563F44-0817-4D47-989B-721D72F13B22}"/>
+              </a:ext>
+            </a:extLst>
+          </p:cNvPr>
+          <p:cNvSpPr>
+            <a:spLocks noGrp="1"/>
+          </p:cNvSpPr>
+          <p:nvPr>
+            <p:ph sz="half" idx="1"/>
+          </p:nvPr>
+        </p:nvSpPr>
+        <p:spPr>
+          <a:xfrm>
+            <a:off x="838200" y="1825625"/>
+            <a:ext cx="5181600" cy="4351338"/>
+          </a:xfrm>
+        </p:spPr>
+        <p:txBody>
+          <a:bodyPr/>
+          <a:lstStyle/>
+          <a:p>
+            <a:pPr lvl="0"/>
+            <a:r>
+              <a:rPr lang="en-US"/>
+              <a:t>Edit Master text styles</a:t>
+            </a:r>
+          </a:p>
+          <a:p>
+            <a:pPr lvl="1"/>
+            <a:r>
+              <a:rPr lang="en-US"/>
+              <a:t>Second level</a:t>
+            </a:r>
+          </a:p>
+          <a:p>
+            <a:pPr lvl="2"/>
+            <a:r>
+              <a:rPr lang="en-US"/>
+              <a:t>Third level</a:t>
+            </a:r>
+          </a:p>
+          <a:p>
+            <a:pPr lvl="3"/>
+            <a:r>
+              <a:rPr lang="en-US"/>
+              <a:t>Fourth level</a:t>
+            </a:r>
+          </a:p>
+          <a:p>
+            <a:pPr lvl="4"/>
+            <a:r>
+              <a:rPr lang="en-US"/>
+              <a:t>Fifth level</a:t>
+            </a:r>
+          </a:p>
+        </p:txBody>
+      </p:sp>
+      <p:sp>
+        <p:nvSpPr>
+          <p:cNvPr id="4" name="Content Placeholder 3">
+            <a:extLst>
+              <a:ext uri="{FF2B5EF4-FFF2-40B4-BE49-F238E27FC236}">
+                <a16:creationId xmlns:a16="http://schemas.microsoft.com/office/drawing/2014/main" id="{3EFA1D0E-578E-4031-BA4B-B614AE22ECBA}"/>
+              </a:ext>
+            </a:extLst>
+          </p:cNvPr>
+          <p:cNvSpPr>
+            <a:spLocks noGrp="1"/>
+          </p:cNvSpPr>
+          <p:nvPr>
+            <p:ph sz="half" idx="2"/>
+          </p:nvPr>
+        </p:nvSpPr>
+        <p:spPr>
+          <a:xfrm>
+            <a:off x="6172200" y="1825625"/>
+            <a:ext cx="5181600" cy="4351338"/>
+          </a:xfrm>
+        </p:spPr>
+        <p:txBody>
+          <a:bodyPr/>
+          <a:lstStyle/>
+          <a:p>
+            <a:pPr lvl="0"/>
+            <a:r>
+              <a:rPr lang="en-US"/>
+              <a:t>Edit Master text styles</a:t>
+            </a:r>
+          </a:p>
+          <a:p>
+            <a:pPr lvl="1"/>
+            <a:r>
+              <a:rPr lang="en-US"/>
+              <a:t>Second level</a:t>
+            </a:r>
+          </a:p>
+          <a:p>
+            <a:pPr lvl="2"/>
+            <a:r>
+              <a:rPr lang="en-US"/>
+              <a:t>Third level</a:t>
+            </a:r>
+          </a:p>
+          <a:p>
+            <a:pPr lvl="3"/>
+            <a:r>
+              <a:rPr lang="en-US"/>
+              <a:t>Fourth level</a:t>
+            </a:r>
+          </a:p>
+          <a:p>
+            <a:pPr lvl="4"/>
+            <a:r>
+              <a:rPr lang="en-US"/>
+              <a:t>Fifth level</a:t>
+            </a:r>
+          </a:p>
+        </p:txBody>
+      </p:sp>
+      <p:sp>
+        <p:nvSpPr>
+          <p:cNvPr id="5" name="Date Placeholder 4">
+            <a:extLst>
+              <a:ext uri="{FF2B5EF4-FFF2-40B4-BE49-F238E27FC236}">
+                <a16:creationId xmlns:a16="http://schemas.microsoft.com/office/drawing/2014/main" id="{EED5F6AE-8C1E-4B79-B78C-3BB16F7B4C5F}"/>
+              </a:ext>
+            </a:extLst>
+          </p:cNvPr>
+          <p:cNvSpPr>
+            <a:spLocks noGrp="1"/>
+          </p:cNvSpPr>
+          <p:nvPr>
+            <p:ph type="dt" sz="half" idx="10"/>
+          </p:nvPr>
+        </p:nvSpPr>
+        <p:spPr/>
+        <p:txBody>
+          <a:bodyPr/>
+          <a:lstStyle/>
+          <a:p>
+            <a:fld id="{A8B89F18-586E-4B97-8EEA-25E99A190A89}" type="datetimeFigureOut">
+              <a:rPr lang="en-US" smtClean="0"/>
+              <a:t>9/9/2019</a:t>
+            </a:fld>
+            <a:endParaRPr lang="en-US"/>
+          </a:p>
+        </p:txBody>
+      </p:sp>
+      <p:sp>
+        <p:nvSpPr>
+          <p:cNvPr id="6" name="Footer Placeholder 5">
+            <a:extLst>
+              <a:ext uri="{FF2B5EF4-FFF2-40B4-BE49-F238E27FC236}">
+                <a16:creationId xmlns:a16="http://schemas.microsoft.com/office/drawing/2014/main" id="{35E300D3-FA5A-461B-A5C7-F45CE9584325}"/>
+              </a:ext>
+            </a:extLst>
+          </p:cNvPr>
+          <p:cNvSpPr>
+            <a:spLocks noGrp="1"/>
+          </p:cNvSpPr>
+          <p:nvPr>
+            <p:ph type="ftr" sz="quarter" idx="11"/>
+          </p:nvPr>
+        </p:nvSpPr>
+        <p:spPr/>
+        <p:txBody>
+          <a:bodyPr/>
+          <a:lstStyle/>
+          <a:p>
+            <a:endParaRPr lang="en-US"/>
+          </a:p>
+        </p:txBody>
+      </p:sp>
+      <p:sp>
+        <p:nvSpPr>
+          <p:cNvPr id="7" name="Slide Number Placeholder 6">
+            <a:extLst>
+              <a:ext uri="{FF2B5EF4-FFF2-40B4-BE49-F238E27FC236}">
+                <a16:creationId xmlns:a16="http://schemas.microsoft.com/office/drawing/2014/main" id="{28E9474D-8B5E-4F79-9B4A-48B297C6ED31}"/>
+              </a:ext>
+            </a:extLst>
+          </p:cNvPr>
+          <p:cNvSpPr>
+            <a:spLocks noGrp="1"/>
+          </p:cNvSpPr>
+          <p:nvPr>
+            <p:ph type="sldNum" sz="quarter" idx="12"/>
+          </p:nvPr>
+        </p:nvSpPr>
+        <p:spPr/>
+        <p:txBody>
+          <a:bodyPr/>
+          <a:lstStyle/>
+          <a:p>
+            <a:fld id="{734DA83B-C71A-4208-9071-1761995F3B54}" type="slidenum">
+              <a:rPr lang="en-US" smtClean="0"/>
+              <a:t>‹#›</a:t>
+            </a:fld>
+            <a:endParaRPr lang="en-US"/>
+          </a:p>
+        </p:txBody>
+      </p:sp>
+      <p:grpSp>
+        <p:nvGrpSpPr>
+          <p:cNvPr id="8" name="Group 7">
+            <a:extLst>
+              <a:ext uri="{FF2B5EF4-FFF2-40B4-BE49-F238E27FC236}">
+                <a16:creationId xmlns:a16="http://schemas.microsoft.com/office/drawing/2014/main" id="{B59B8E6D-D02E-4A54-A6B0-1965B397A6C5}"/>
+              </a:ext>
+            </a:extLst>
+          </p:cNvPr>
+          <p:cNvGrpSpPr/>
+          <p:nvPr userDrawn="1"/>
+        </p:nvGrpSpPr>
+        <p:grpSpPr>
+          <a:xfrm>
+            <a:off x="0" y="5776566"/>
+            <a:ext cx="12192001" cy="1081434"/>
+            <a:chOff x="0" y="5776566"/>
+            <a:chExt cx="12192001" cy="1081434"/>
+          </a:xfrm>
+        </p:grpSpPr>
+        <p:sp>
+          <p:nvSpPr>
+            <p:cNvPr id="9" name="Rectangle 8">
+              <a:extLst>
+                <a:ext uri="{FF2B5EF4-FFF2-40B4-BE49-F238E27FC236}">
+                  <a16:creationId xmlns:a16="http://schemas.microsoft.com/office/drawing/2014/main" id="{E98F744A-0CD9-4178-A01D-661C43A8E098}"/>
+                </a:ext>
+              </a:extLst>
+            </p:cNvPr>
+            <p:cNvSpPr/>
+            <p:nvPr/>
+          </p:nvSpPr>
+          <p:spPr>
+            <a:xfrm>
+              <a:off x="0" y="6098596"/>
+              <a:ext cx="12192001" cy="759404"/>
+            </a:xfrm>
+            <a:prstGeom prst="rect">
+              <a:avLst/>
+            </a:prstGeom>
+            <a:gradFill flip="none" rotWithShape="1">
+              <a:gsLst>
+                <a:gs pos="0">
+                  <a:schemeClr val="bg1"/>
+                </a:gs>
+                <a:gs pos="0">
+                  <a:srgbClr val="0070C0"/>
+                </a:gs>
+                <a:gs pos="90000">
+                  <a:schemeClr val="bg1"/>
+                </a:gs>
+              </a:gsLst>
+              <a:path path="circle">
+                <a:fillToRect l="100000" t="100000"/>
+              </a:path>
+              <a:tileRect r="-100000" b="-100000"/>
+            </a:gradFill>
+            <a:ln>
+              <a:noFill/>
+            </a:ln>
+          </p:spPr>
+          <p:style>
+            <a:lnRef idx="2">
+              <a:schemeClr val="accent1">
+                <a:shade val="50000"/>
+              </a:schemeClr>
+            </a:lnRef>
+            <a:fillRef idx="1">
+              <a:schemeClr val="accent1"/>
+            </a:fillRef>
+            <a:effectRef idx="0">
+              <a:schemeClr val="accent1"/>
+            </a:effectRef>
+            <a:fontRef idx="minor">
+              <a:schemeClr val="lt1"/>
+            </a:fontRef>
+          </p:style>
+          <p:txBody>
+            <a:bodyPr rtlCol="0" anchor="ctr"/>
+            <a:lstStyle/>
+            <a:p>
+              <a:pPr algn="ctr"/>
+              <a:endParaRPr lang="en-US"/>
+            </a:p>
+          </p:txBody>
+        </p:sp>
+        <p:grpSp>
+          <p:nvGrpSpPr>
+            <p:cNvPr id="10" name="Group 9">
+              <a:extLst>
+                <a:ext uri="{FF2B5EF4-FFF2-40B4-BE49-F238E27FC236}">
+                  <a16:creationId xmlns:a16="http://schemas.microsoft.com/office/drawing/2014/main" id="{AA9EBDEB-98EC-4755-8D29-2FBDBFA22EF9}"/>
+                </a:ext>
+              </a:extLst>
+            </p:cNvPr>
+            <p:cNvGrpSpPr/>
+            <p:nvPr/>
+          </p:nvGrpSpPr>
+          <p:grpSpPr>
+            <a:xfrm>
+              <a:off x="136116" y="5776566"/>
+              <a:ext cx="1766413" cy="974090"/>
+              <a:chOff x="705301" y="2052365"/>
+              <a:chExt cx="5603844" cy="3090246"/>
+            </a:xfrm>
+          </p:grpSpPr>
+          <p:pic>
+            <p:nvPicPr>
+              <p:cNvPr id="11" name="Picture 10">
+                <a:extLst>
+                  <a:ext uri="{FF2B5EF4-FFF2-40B4-BE49-F238E27FC236}">
+                    <a16:creationId xmlns:a16="http://schemas.microsoft.com/office/drawing/2014/main" id="{36C1BC84-059B-4E4D-AA31-3A366D73E49E}"/>
+                  </a:ext>
+                </a:extLst>
+              </p:cNvPr>
+              <p:cNvPicPr>
+                <a:picLocks noChangeAspect="1"/>
+              </p:cNvPicPr>
+              <p:nvPr/>
+            </p:nvPicPr>
+            <p:blipFill>
+              <a:blip r:embed="rId2">
+                <a:extLst>
+                  <a:ext uri="{28A0092B-C50C-407E-A947-70E740481C1C}">
+                    <a14:useLocalDpi xmlns:a14="http://schemas.microsoft.com/office/drawing/2010/main" val="0"/>
+                  </a:ext>
+                </a:extLst>
+              </a:blip>
+              <a:stretch>
+                <a:fillRect/>
+              </a:stretch>
+            </p:blipFill>
+            <p:spPr>
+              <a:xfrm>
+                <a:off x="705301" y="2052365"/>
+                <a:ext cx="5603844" cy="3090246"/>
+              </a:xfrm>
+              <a:prstGeom prst="rect">
+                <a:avLst/>
+              </a:prstGeom>
+              <a:effectLst>
+                <a:outerShdw blurRad="50800" dist="38100" dir="5400000" algn="t" rotWithShape="0">
+                  <a:prstClr val="black">
+                    <a:alpha val="40000"/>
+                  </a:prstClr>
+                </a:outerShdw>
+              </a:effectLst>
+            </p:spPr>
+          </p:pic>
+          <p:pic>
+            <p:nvPicPr>
+              <p:cNvPr id="12" name="Picture 11">
+                <a:extLst>
+                  <a:ext uri="{FF2B5EF4-FFF2-40B4-BE49-F238E27FC236}">
+                    <a16:creationId xmlns:a16="http://schemas.microsoft.com/office/drawing/2014/main" id="{B47D49E1-132D-46C0-B89B-913B947442B4}"/>
+                  </a:ext>
+                </a:extLst>
+              </p:cNvPr>
+              <p:cNvPicPr>
+                <a:picLocks noChangeAspect="1"/>
+              </p:cNvPicPr>
+              <p:nvPr/>
+            </p:nvPicPr>
+            <p:blipFill>
+              <a:blip r:embed="rId3">
+                <a:extLst>
+                  <a:ext uri="{28A0092B-C50C-407E-A947-70E740481C1C}">
+                    <a14:useLocalDpi xmlns:a14="http://schemas.microsoft.com/office/drawing/2010/main" val="0"/>
+                  </a:ext>
+                </a:extLst>
+              </a:blip>
+              <a:stretch>
+                <a:fillRect/>
+              </a:stretch>
+            </p:blipFill>
+            <p:spPr>
+              <a:xfrm>
+                <a:off x="1264843" y="2298120"/>
+                <a:ext cx="4484760" cy="2473126"/>
+              </a:xfrm>
+              <a:prstGeom prst="rect">
+                <a:avLst/>
+              </a:prstGeom>
+              <a:effectLst>
+                <a:outerShdw blurRad="50800" dist="38100" dir="2700000" algn="tl" rotWithShape="0">
+                  <a:schemeClr val="bg1">
+                    <a:alpha val="40000"/>
+                  </a:schemeClr>
+                </a:outerShdw>
+              </a:effectLst>
+            </p:spPr>
+          </p:pic>
+        </p:grpSp>
+      </p:grpSp>
+    </p:spTree>
+    <p:extLst>
+      <p:ext uri="{BB962C8B-B14F-4D97-AF65-F5344CB8AC3E}">
+        <p14:creationId xmlns:p14="http://schemas.microsoft.com/office/powerpoint/2010/main" val="1174701574"/>
+      </p:ext>
+    </p:extLst>
+  </p:cSld>
+  <p:clrMapOvr>
+    <a:masterClrMapping/>
+  </p:clrMapOvr>
+</p:sldLayout>
+</file>
+
+<file path=ppt/slideLayouts/slideLayout5.xml><?xml version="1.0" encoding="utf-8"?>
+<p:sldLayout xmlns:a="http://schemas.openxmlformats.org/drawingml/2006/main" xmlns:r="http://schemas.openxmlformats.org/officeDocument/2006/relationships" xmlns:p="http://schemas.openxmlformats.org/presentationml/2006/main" type="twoTxTwoObj" preserve="1">
+  <p:cSld name="Comparison">
+    <p:spTree>
+      <p:nvGrpSpPr>
+        <p:cNvPr id="1" name=""/>
+        <p:cNvGrpSpPr/>
+        <p:nvPr/>
+      </p:nvGrpSpPr>
+      <p:grpSpPr>
+        <a:xfrm>
+          <a:off x="0" y="0"/>
+          <a:ext cx="0" cy="0"/>
+          <a:chOff x="0" y="0"/>
+          <a:chExt cx="0" cy="0"/>
+        </a:xfrm>
+      </p:grpSpPr>
+      <p:sp>
+        <p:nvSpPr>
+          <p:cNvPr id="2" name="Title 1">
+            <a:extLst>
+              <a:ext uri="{FF2B5EF4-FFF2-40B4-BE49-F238E27FC236}">
+                <a16:creationId xmlns:a16="http://schemas.microsoft.com/office/drawing/2014/main" id="{795F92CE-B015-44DA-95CE-CBE302B5AFC7}"/>
+              </a:ext>
+            </a:extLst>
+          </p:cNvPr>
+          <p:cNvSpPr>
+            <a:spLocks noGrp="1"/>
+          </p:cNvSpPr>
+          <p:nvPr>
+            <p:ph type="title"/>
+          </p:nvPr>
+        </p:nvSpPr>
+        <p:spPr>
+          <a:xfrm>
+            <a:off x="839788" y="365125"/>
+            <a:ext cx="10515600" cy="1325563"/>
+          </a:xfrm>
+        </p:spPr>
+        <p:txBody>
+          <a:bodyPr/>
+          <a:lstStyle/>
+          <a:p>
+            <a:r>
+              <a:rPr lang="en-US"/>
+              <a:t>Click to edit Master title style</a:t>
+            </a:r>
+          </a:p>
+        </p:txBody>
+      </p:sp>
+      <p:sp>
+        <p:nvSpPr>
+          <p:cNvPr id="3" name="Text Placeholder 2">
+            <a:extLst>
+              <a:ext uri="{FF2B5EF4-FFF2-40B4-BE49-F238E27FC236}">
+                <a16:creationId xmlns:a16="http://schemas.microsoft.com/office/drawing/2014/main" id="{8A67F506-A8DA-4C86-A544-3DE6F8A13695}"/>
+              </a:ext>
+            </a:extLst>
+          </p:cNvPr>
+          <p:cNvSpPr>
+            <a:spLocks noGrp="1"/>
+          </p:cNvSpPr>
+          <p:nvPr>
+            <p:ph type="body" idx="1"/>
+          </p:nvPr>
+        </p:nvSpPr>
+        <p:spPr>
+          <a:xfrm>
+            <a:off x="839788" y="1681163"/>
+            <a:ext cx="5157787" cy="823912"/>
+          </a:xfrm>
+        </p:spPr>
+        <p:txBody>
+          <a:bodyPr anchor="b"/>
+          <a:lstStyle>
+            <a:lvl1pPr marL="0" indent="0">
+              <a:buNone/>
+              <a:defRPr sz="2400" b="1"/>
+            </a:lvl1pPr>
+            <a:lvl2pPr marL="457200" indent="0">
+              <a:buNone/>
+              <a:defRPr sz="2000" b="1"/>
+            </a:lvl2pPr>
+            <a:lvl3pPr marL="914400" indent="0">
+              <a:buNone/>
+              <a:defRPr sz="1800" b="1"/>
+            </a:lvl3pPr>
+            <a:lvl4pPr marL="1371600" indent="0">
+              <a:buNone/>
+              <a:defRPr sz="1600" b="1"/>
+            </a:lvl4pPr>
+            <a:lvl5pPr marL="1828800" indent="0">
+              <a:buNone/>
+              <a:defRPr sz="1600" b="1"/>
+            </a:lvl5pPr>
+            <a:lvl6pPr marL="2286000" indent="0">
+              <a:buNone/>
+              <a:defRPr sz="1600" b="1"/>
+            </a:lvl6pPr>
+            <a:lvl7pPr marL="2743200" indent="0">
+              <a:buNone/>
+              <a:defRPr sz="1600" b="1"/>
+            </a:lvl7pPr>
+            <a:lvl8pPr marL="3200400" indent="0">
+              <a:buNone/>
+              <a:defRPr sz="1600" b="1"/>
+            </a:lvl8pPr>
+            <a:lvl9pPr marL="3657600" indent="0">
+              <a:buNone/>
+              <a:defRPr sz="1600" b="1"/>
+            </a:lvl9pPr>
+          </a:lstStyle>
+          <a:p>
+            <a:pPr lvl="0"/>
+            <a:r>
+              <a:rPr lang="en-US"/>
+              <a:t>Edit Master text styles</a:t>
+            </a:r>
+          </a:p>
+        </p:txBody>
+      </p:sp>
+      <p:sp>
+        <p:nvSpPr>
+          <p:cNvPr id="4" name="Content Placeholder 3">
+            <a:extLst>
+              <a:ext uri="{FF2B5EF4-FFF2-40B4-BE49-F238E27FC236}">
+                <a16:creationId xmlns:a16="http://schemas.microsoft.com/office/drawing/2014/main" id="{AED6EA68-0452-4A44-83DE-98684E391253}"/>
+              </a:ext>
+            </a:extLst>
+          </p:cNvPr>
+          <p:cNvSpPr>
+            <a:spLocks noGrp="1"/>
+          </p:cNvSpPr>
+          <p:nvPr>
+            <p:ph sz="half" idx="2"/>
+          </p:nvPr>
+        </p:nvSpPr>
+        <p:spPr>
+          <a:xfrm>
+            <a:off x="839788" y="2505075"/>
+            <a:ext cx="5157787" cy="3684588"/>
+          </a:xfrm>
+        </p:spPr>
+        <p:txBody>
+          <a:bodyPr/>
+          <a:lstStyle/>
+          <a:p>
+            <a:pPr lvl="0"/>
+            <a:r>
+              <a:rPr lang="en-US"/>
+              <a:t>Edit Master text styles</a:t>
+            </a:r>
+          </a:p>
+          <a:p>
+            <a:pPr lvl="1"/>
+            <a:r>
+              <a:rPr lang="en-US"/>
+              <a:t>Second level</a:t>
+            </a:r>
+          </a:p>
+          <a:p>
+            <a:pPr lvl="2"/>
+            <a:r>
+              <a:rPr lang="en-US"/>
+              <a:t>Third level</a:t>
+            </a:r>
+          </a:p>
+          <a:p>
+            <a:pPr lvl="3"/>
+            <a:r>
+              <a:rPr lang="en-US"/>
+              <a:t>Fourth level</a:t>
+            </a:r>
+          </a:p>
+          <a:p>
+            <a:pPr lvl="4"/>
+            <a:r>
+              <a:rPr lang="en-US"/>
+              <a:t>Fifth level</a:t>
+            </a:r>
+          </a:p>
+        </p:txBody>
+      </p:sp>
+      <p:sp>
+        <p:nvSpPr>
+          <p:cNvPr id="5" name="Text Placeholder 4">
+            <a:extLst>
+              <a:ext uri="{FF2B5EF4-FFF2-40B4-BE49-F238E27FC236}">
+                <a16:creationId xmlns:a16="http://schemas.microsoft.com/office/drawing/2014/main" id="{8DC6B579-AEBB-4D9C-89B7-D82862A51A54}"/>
+              </a:ext>
+            </a:extLst>
+          </p:cNvPr>
+          <p:cNvSpPr>
+            <a:spLocks noGrp="1"/>
+          </p:cNvSpPr>
+          <p:nvPr>
+            <p:ph type="body" sz="quarter" idx="3"/>
+          </p:nvPr>
+        </p:nvSpPr>
+        <p:spPr>
+          <a:xfrm>
+            <a:off x="6172200" y="1681163"/>
+            <a:ext cx="5183188" cy="823912"/>
+          </a:xfrm>
+        </p:spPr>
+        <p:txBody>
+          <a:bodyPr anchor="b"/>
+          <a:lstStyle>
+            <a:lvl1pPr marL="0" indent="0">
+              <a:buNone/>
+              <a:defRPr sz="2400" b="1"/>
+            </a:lvl1pPr>
+            <a:lvl2pPr marL="457200" indent="0">
+              <a:buNone/>
+              <a:defRPr sz="2000" b="1"/>
+            </a:lvl2pPr>
+            <a:lvl3pPr marL="914400" indent="0">
+              <a:buNone/>
+              <a:defRPr sz="1800" b="1"/>
+            </a:lvl3pPr>
+            <a:lvl4pPr marL="1371600" indent="0">
+              <a:buNone/>
+              <a:defRPr sz="1600" b="1"/>
+            </a:lvl4pPr>
+            <a:lvl5pPr marL="1828800" indent="0">
+              <a:buNone/>
+              <a:defRPr sz="1600" b="1"/>
+            </a:lvl5pPr>
+            <a:lvl6pPr marL="2286000" indent="0">
+              <a:buNone/>
+              <a:defRPr sz="1600" b="1"/>
+            </a:lvl6pPr>
+            <a:lvl7pPr marL="2743200" indent="0">
+              <a:buNone/>
+              <a:defRPr sz="1600" b="1"/>
+            </a:lvl7pPr>
+            <a:lvl8pPr marL="3200400" indent="0">
+              <a:buNone/>
+              <a:defRPr sz="1600" b="1"/>
+            </a:lvl8pPr>
+            <a:lvl9pPr marL="3657600" indent="0">
+              <a:buNone/>
+              <a:defRPr sz="1600" b="1"/>
+            </a:lvl9pPr>
+          </a:lstStyle>
+          <a:p>
+            <a:pPr lvl="0"/>
+            <a:r>
+              <a:rPr lang="en-US"/>
+              <a:t>Edit Master text styles</a:t>
+            </a:r>
+          </a:p>
+        </p:txBody>
+      </p:sp>
+      <p:sp>
+        <p:nvSpPr>
+          <p:cNvPr id="6" name="Content Placeholder 5">
+            <a:extLst>
+              <a:ext uri="{FF2B5EF4-FFF2-40B4-BE49-F238E27FC236}">
+                <a16:creationId xmlns:a16="http://schemas.microsoft.com/office/drawing/2014/main" id="{F1C2B7B2-FAE5-4B76-B45C-95B38E3E455F}"/>
+              </a:ext>
+            </a:extLst>
+          </p:cNvPr>
+          <p:cNvSpPr>
+            <a:spLocks noGrp="1"/>
+          </p:cNvSpPr>
+          <p:nvPr>
+            <p:ph sz="quarter" idx="4"/>
+          </p:nvPr>
+        </p:nvSpPr>
+        <p:spPr>
+          <a:xfrm>
+            <a:off x="6172200" y="2505075"/>
+            <a:ext cx="5183188" cy="3684588"/>
+          </a:xfrm>
+        </p:spPr>
+        <p:txBody>
+          <a:bodyPr/>
+          <a:lstStyle/>
+          <a:p>
+            <a:pPr lvl="0"/>
+            <a:r>
+              <a:rPr lang="en-US"/>
+              <a:t>Edit Master text styles</a:t>
+            </a:r>
+          </a:p>
+          <a:p>
+            <a:pPr lvl="1"/>
+            <a:r>
+              <a:rPr lang="en-US"/>
+              <a:t>Second level</a:t>
+            </a:r>
+          </a:p>
+          <a:p>
+            <a:pPr lvl="2"/>
+            <a:r>
+              <a:rPr lang="en-US"/>
+              <a:t>Third level</a:t>
+            </a:r>
+          </a:p>
+          <a:p>
+            <a:pPr lvl="3"/>
+            <a:r>
+              <a:rPr lang="en-US"/>
+              <a:t>Fourth level</a:t>
+            </a:r>
+          </a:p>
+          <a:p>
+            <a:pPr lvl="4"/>
+            <a:r>
+              <a:rPr lang="en-US"/>
+              <a:t>Fifth level</a:t>
+            </a:r>
+          </a:p>
+        </p:txBody>
+      </p:sp>
+      <p:sp>
+        <p:nvSpPr>
+          <p:cNvPr id="7" name="Date Placeholder 6">
+            <a:extLst>
+              <a:ext uri="{FF2B5EF4-FFF2-40B4-BE49-F238E27FC236}">
+                <a16:creationId xmlns:a16="http://schemas.microsoft.com/office/drawing/2014/main" id="{144455E2-850C-4232-A524-4B1569D73E80}"/>
+              </a:ext>
+            </a:extLst>
+          </p:cNvPr>
+          <p:cNvSpPr>
+            <a:spLocks noGrp="1"/>
+          </p:cNvSpPr>
+          <p:nvPr>
+            <p:ph type="dt" sz="half" idx="10"/>
+          </p:nvPr>
+        </p:nvSpPr>
+        <p:spPr/>
+        <p:txBody>
+          <a:bodyPr/>
+          <a:lstStyle/>
+          <a:p>
+            <a:fld id="{A8B89F18-586E-4B97-8EEA-25E99A190A89}" type="datetimeFigureOut">
+              <a:rPr lang="en-US" smtClean="0"/>
+              <a:t>9/9/2019</a:t>
+            </a:fld>
+            <a:endParaRPr lang="en-US"/>
+          </a:p>
+        </p:txBody>
+      </p:sp>
+      <p:sp>
+        <p:nvSpPr>
+          <p:cNvPr id="8" name="Footer Placeholder 7">
+            <a:extLst>
+              <a:ext uri="{FF2B5EF4-FFF2-40B4-BE49-F238E27FC236}">
+                <a16:creationId xmlns:a16="http://schemas.microsoft.com/office/drawing/2014/main" id="{64C9CEFA-AF40-4C9F-9699-79E0572C39DC}"/>
+              </a:ext>
+            </a:extLst>
+          </p:cNvPr>
+          <p:cNvSpPr>
+            <a:spLocks noGrp="1"/>
+          </p:cNvSpPr>
+          <p:nvPr>
+            <p:ph type="ftr" sz="quarter" idx="11"/>
+          </p:nvPr>
+        </p:nvSpPr>
+        <p:spPr/>
+        <p:txBody>
+          <a:bodyPr/>
+          <a:lstStyle/>
+          <a:p>
+            <a:endParaRPr lang="en-US"/>
+          </a:p>
+        </p:txBody>
+      </p:sp>
+      <p:sp>
+        <p:nvSpPr>
+          <p:cNvPr id="9" name="Slide Number Placeholder 8">
+            <a:extLst>
+              <a:ext uri="{FF2B5EF4-FFF2-40B4-BE49-F238E27FC236}">
+                <a16:creationId xmlns:a16="http://schemas.microsoft.com/office/drawing/2014/main" id="{5594AD01-BBEC-44DA-9E06-12EAC953441D}"/>
+              </a:ext>
+            </a:extLst>
+          </p:cNvPr>
+          <p:cNvSpPr>
+            <a:spLocks noGrp="1"/>
+          </p:cNvSpPr>
+          <p:nvPr>
+            <p:ph type="sldNum" sz="quarter" idx="12"/>
+          </p:nvPr>
+        </p:nvSpPr>
+        <p:spPr/>
+        <p:txBody>
+          <a:bodyPr/>
+          <a:lstStyle/>
+          <a:p>
+            <a:fld id="{734DA83B-C71A-4208-9071-1761995F3B54}" type="slidenum">
+              <a:rPr lang="en-US" smtClean="0"/>
+              <a:t>‹#›</a:t>
+            </a:fld>
+            <a:endParaRPr lang="en-US"/>
+          </a:p>
+        </p:txBody>
+      </p:sp>
+      <p:grpSp>
+        <p:nvGrpSpPr>
+          <p:cNvPr id="10" name="Group 9">
+            <a:extLst>
+              <a:ext uri="{FF2B5EF4-FFF2-40B4-BE49-F238E27FC236}">
+                <a16:creationId xmlns:a16="http://schemas.microsoft.com/office/drawing/2014/main" id="{623E0F42-2B37-4972-9BC2-B16A65FF631A}"/>
+              </a:ext>
+            </a:extLst>
+          </p:cNvPr>
+          <p:cNvGrpSpPr/>
+          <p:nvPr userDrawn="1"/>
+        </p:nvGrpSpPr>
+        <p:grpSpPr>
+          <a:xfrm>
+            <a:off x="0" y="5776566"/>
+            <a:ext cx="12192001" cy="1081434"/>
+            <a:chOff x="0" y="5776566"/>
+            <a:chExt cx="12192001" cy="1081434"/>
+          </a:xfrm>
+        </p:grpSpPr>
+        <p:sp>
+          <p:nvSpPr>
+            <p:cNvPr id="11" name="Rectangle 10">
+              <a:extLst>
+                <a:ext uri="{FF2B5EF4-FFF2-40B4-BE49-F238E27FC236}">
+                  <a16:creationId xmlns:a16="http://schemas.microsoft.com/office/drawing/2014/main" id="{A12B1617-DF0C-4EC1-A665-1BC2B2EBFB96}"/>
+                </a:ext>
+              </a:extLst>
+            </p:cNvPr>
+            <p:cNvSpPr/>
+            <p:nvPr/>
+          </p:nvSpPr>
+          <p:spPr>
+            <a:xfrm>
+              <a:off x="0" y="6098596"/>
+              <a:ext cx="12192001" cy="759404"/>
+            </a:xfrm>
+            <a:prstGeom prst="rect">
+              <a:avLst/>
+            </a:prstGeom>
+            <a:gradFill flip="none" rotWithShape="1">
+              <a:gsLst>
+                <a:gs pos="0">
+                  <a:schemeClr val="bg1"/>
+                </a:gs>
+                <a:gs pos="0">
+                  <a:srgbClr val="0070C0"/>
+                </a:gs>
+                <a:gs pos="90000">
+                  <a:schemeClr val="bg1"/>
+                </a:gs>
+              </a:gsLst>
+              <a:path path="circle">
+                <a:fillToRect l="100000" t="100000"/>
+              </a:path>
+              <a:tileRect r="-100000" b="-100000"/>
+            </a:gradFill>
+            <a:ln>
+              <a:noFill/>
+            </a:ln>
+          </p:spPr>
+          <p:style>
+            <a:lnRef idx="2">
+              <a:schemeClr val="accent1">
+                <a:shade val="50000"/>
+              </a:schemeClr>
+            </a:lnRef>
+            <a:fillRef idx="1">
+              <a:schemeClr val="accent1"/>
+            </a:fillRef>
+            <a:effectRef idx="0">
+              <a:schemeClr val="accent1"/>
+            </a:effectRef>
+            <a:fontRef idx="minor">
+              <a:schemeClr val="lt1"/>
+            </a:fontRef>
+          </p:style>
+          <p:txBody>
+            <a:bodyPr rtlCol="0" anchor="ctr"/>
+            <a:lstStyle/>
+            <a:p>
+              <a:pPr algn="ctr"/>
+              <a:endParaRPr lang="en-US"/>
+            </a:p>
+          </p:txBody>
+        </p:sp>
+        <p:grpSp>
+          <p:nvGrpSpPr>
+            <p:cNvPr id="12" name="Group 11">
+              <a:extLst>
+                <a:ext uri="{FF2B5EF4-FFF2-40B4-BE49-F238E27FC236}">
+                  <a16:creationId xmlns:a16="http://schemas.microsoft.com/office/drawing/2014/main" id="{4DA8F3E3-3343-4CFC-94EB-314B7C696D0A}"/>
+                </a:ext>
+              </a:extLst>
+            </p:cNvPr>
+            <p:cNvGrpSpPr/>
+            <p:nvPr/>
+          </p:nvGrpSpPr>
+          <p:grpSpPr>
+            <a:xfrm>
+              <a:off x="136116" y="5776566"/>
+              <a:ext cx="1766413" cy="974090"/>
+              <a:chOff x="705301" y="2052365"/>
+              <a:chExt cx="5603844" cy="3090246"/>
+            </a:xfrm>
+          </p:grpSpPr>
+          <p:pic>
+            <p:nvPicPr>
+              <p:cNvPr id="13" name="Picture 12">
+                <a:extLst>
+                  <a:ext uri="{FF2B5EF4-FFF2-40B4-BE49-F238E27FC236}">
+                    <a16:creationId xmlns:a16="http://schemas.microsoft.com/office/drawing/2014/main" id="{C117E61D-AC5F-4391-B1D4-7706FD96635B}"/>
+                  </a:ext>
+                </a:extLst>
+              </p:cNvPr>
+              <p:cNvPicPr>
+                <a:picLocks noChangeAspect="1"/>
+              </p:cNvPicPr>
+              <p:nvPr/>
+            </p:nvPicPr>
+            <p:blipFill>
+              <a:blip r:embed="rId2">
+                <a:extLst>
+                  <a:ext uri="{28A0092B-C50C-407E-A947-70E740481C1C}">
+                    <a14:useLocalDpi xmlns:a14="http://schemas.microsoft.com/office/drawing/2010/main" val="0"/>
+                  </a:ext>
+                </a:extLst>
+              </a:blip>
+              <a:stretch>
+                <a:fillRect/>
+              </a:stretch>
+            </p:blipFill>
+            <p:spPr>
+              <a:xfrm>
+                <a:off x="705301" y="2052365"/>
+                <a:ext cx="5603844" cy="3090246"/>
+              </a:xfrm>
+              <a:prstGeom prst="rect">
+                <a:avLst/>
+              </a:prstGeom>
+              <a:effectLst>
+                <a:outerShdw blurRad="50800" dist="38100" dir="5400000" algn="t" rotWithShape="0">
+                  <a:prstClr val="black">
+                    <a:alpha val="40000"/>
+                  </a:prstClr>
+                </a:outerShdw>
+              </a:effectLst>
+            </p:spPr>
+          </p:pic>
+          <p:pic>
+            <p:nvPicPr>
+              <p:cNvPr id="14" name="Picture 13">
+                <a:extLst>
+                  <a:ext uri="{FF2B5EF4-FFF2-40B4-BE49-F238E27FC236}">
+                    <a16:creationId xmlns:a16="http://schemas.microsoft.com/office/drawing/2014/main" id="{0B862DA2-B617-4735-A124-DF4CB0482707}"/>
+                  </a:ext>
+                </a:extLst>
+              </p:cNvPr>
+              <p:cNvPicPr>
+                <a:picLocks noChangeAspect="1"/>
+              </p:cNvPicPr>
+              <p:nvPr/>
+            </p:nvPicPr>
+            <p:blipFill>
+              <a:blip r:embed="rId3">
+                <a:extLst>
+                  <a:ext uri="{28A0092B-C50C-407E-A947-70E740481C1C}">
+                    <a14:useLocalDpi xmlns:a14="http://schemas.microsoft.com/office/drawing/2010/main" val="0"/>
+                  </a:ext>
+                </a:extLst>
+              </a:blip>
+              <a:stretch>
+                <a:fillRect/>
+              </a:stretch>
+            </p:blipFill>
+            <p:spPr>
+              <a:xfrm>
+                <a:off x="1264843" y="2298120"/>
+                <a:ext cx="4484760" cy="2473126"/>
+              </a:xfrm>
+              <a:prstGeom prst="rect">
+                <a:avLst/>
+              </a:prstGeom>
+              <a:effectLst>
+                <a:outerShdw blurRad="50800" dist="38100" dir="2700000" algn="tl" rotWithShape="0">
+                  <a:schemeClr val="bg1">
+                    <a:alpha val="40000"/>
+                  </a:schemeClr>
+                </a:outerShdw>
+              </a:effectLst>
+            </p:spPr>
+          </p:pic>
+        </p:grpSp>
+      </p:grpSp>
+    </p:spTree>
+    <p:extLst>
+      <p:ext uri="{BB962C8B-B14F-4D97-AF65-F5344CB8AC3E}">
+        <p14:creationId xmlns:p14="http://schemas.microsoft.com/office/powerpoint/2010/main" val="3255616129"/>
+      </p:ext>
+    </p:extLst>
+  </p:cSld>
+  <p:clrMapOvr>
+    <a:masterClrMapping/>
+  </p:clrMapOvr>
+</p:sldLayout>
+</file>
+
+<file path=ppt/slideLayouts/slideLayout6.xml><?xml version="1.0" encoding="utf-8"?>
 <p:sldLayout xmlns:a="http://schemas.openxmlformats.org/drawingml/2006/main" xmlns:r="http://schemas.openxmlformats.org/officeDocument/2006/relationships" xmlns:p="http://schemas.openxmlformats.org/presentationml/2006/main" type="titleOnly" preserve="1">
   <p:cSld name="Title Only">
     <p:spTree>
@@ -1288,7 +4086,13 @@
       </p:grpSpPr>
       <p:sp>
         <p:nvSpPr>
-          <p:cNvPr id="2" name="Title 1"/>
+          <p:cNvPr id="2" name="Title 1">
+            <a:extLst>
+              <a:ext uri="{FF2B5EF4-FFF2-40B4-BE49-F238E27FC236}">
+                <a16:creationId xmlns:a16="http://schemas.microsoft.com/office/drawing/2014/main" id="{959F66BF-9800-4D30-B1CB-5CFB6DA7DB89}"/>
+              </a:ext>
+            </a:extLst>
+          </p:cNvPr>
           <p:cNvSpPr>
             <a:spLocks noGrp="1"/>
           </p:cNvSpPr>
@@ -1308,370 +4112,287 @@
           </a:p>
         </p:txBody>
       </p:sp>
-    </p:spTree>
-    <p:extLst>
-      <p:ext uri="{BB962C8B-B14F-4D97-AF65-F5344CB8AC3E}">
-        <p14:creationId xmlns:p14="http://schemas.microsoft.com/office/powerpoint/2010/main" val="1721537737"/>
-      </p:ext>
-    </p:extLst>
-  </p:cSld>
-  <p:clrMapOvr>
-    <a:masterClrMapping/>
-  </p:clrMapOvr>
-</p:sldLayout>
-</file>
-
-<file path=ppt/slideLayouts/slideLayout5.xml><?xml version="1.0" encoding="utf-8"?>
-<p:sldLayout xmlns:a="http://schemas.openxmlformats.org/drawingml/2006/main" xmlns:r="http://schemas.openxmlformats.org/officeDocument/2006/relationships" xmlns:p="http://schemas.openxmlformats.org/presentationml/2006/main" preserve="1" userDrawn="1">
-  <p:cSld name="Content Only">
-    <p:spTree>
-      <p:nvGrpSpPr>
-        <p:cNvPr id="1" name=""/>
-        <p:cNvGrpSpPr/>
-        <p:nvPr/>
-      </p:nvGrpSpPr>
-      <p:grpSpPr>
-        <a:xfrm>
-          <a:off x="0" y="0"/>
-          <a:ext cx="0" cy="0"/>
-          <a:chOff x="0" y="0"/>
-          <a:chExt cx="0" cy="0"/>
-        </a:xfrm>
-      </p:grpSpPr>
       <p:sp>
         <p:nvSpPr>
-          <p:cNvPr id="3" name="Content Placeholder 2"/>
+          <p:cNvPr id="3" name="Date Placeholder 2">
+            <a:extLst>
+              <a:ext uri="{FF2B5EF4-FFF2-40B4-BE49-F238E27FC236}">
+                <a16:creationId xmlns:a16="http://schemas.microsoft.com/office/drawing/2014/main" id="{738CC377-CE04-47B5-9E02-FE68E981A12C}"/>
+              </a:ext>
+            </a:extLst>
+          </p:cNvPr>
           <p:cNvSpPr>
             <a:spLocks noGrp="1"/>
           </p:cNvSpPr>
           <p:nvPr>
-            <p:ph idx="1"/>
-          </p:nvPr>
-        </p:nvSpPr>
-        <p:spPr>
-          <a:xfrm>
-            <a:off x="360125" y="360363"/>
-            <a:ext cx="10800000" cy="5759450"/>
-          </a:xfrm>
-        </p:spPr>
-        <p:txBody>
-          <a:bodyPr/>
-          <a:lstStyle>
-            <a:lvl1pPr marL="0" indent="0">
-              <a:buFont typeface="Wingdings" charset="2"/>
-              <a:buNone/>
-              <a:defRPr>
-                <a:solidFill>
-                  <a:schemeClr val="tx2"/>
-                </a:solidFill>
-              </a:defRPr>
-            </a:lvl1pPr>
-            <a:lvl2pPr marL="576027" indent="0">
-              <a:buFont typeface="Wingdings" charset="2"/>
-              <a:buNone/>
-              <a:defRPr>
-                <a:solidFill>
-                  <a:srgbClr val="474947"/>
-                </a:solidFill>
-              </a:defRPr>
-            </a:lvl2pPr>
-            <a:lvl3pPr marL="1152053" indent="0">
-              <a:buFont typeface="Wingdings" charset="2"/>
-              <a:buNone/>
-              <a:defRPr>
-                <a:solidFill>
-                  <a:srgbClr val="474947"/>
-                </a:solidFill>
-              </a:defRPr>
-            </a:lvl3pPr>
-            <a:lvl4pPr marL="1728079" indent="0">
-              <a:buFont typeface="Wingdings" charset="2"/>
-              <a:buNone/>
-              <a:defRPr>
-                <a:solidFill>
-                  <a:srgbClr val="474947"/>
-                </a:solidFill>
-              </a:defRPr>
-            </a:lvl4pPr>
-            <a:lvl5pPr marL="2304105" indent="0">
-              <a:buFont typeface="Wingdings" charset="2"/>
-              <a:buNone/>
-              <a:defRPr>
-                <a:solidFill>
-                  <a:srgbClr val="474947"/>
-                </a:solidFill>
-              </a:defRPr>
-            </a:lvl5pPr>
-          </a:lstStyle>
-          <a:p>
-            <a:pPr lvl="0"/>
-            <a:r>
-              <a:rPr lang="en-US" dirty="0"/>
-              <a:t>Click to edit Master text styles</a:t>
-            </a:r>
-          </a:p>
-          <a:p>
-            <a:pPr lvl="1"/>
-            <a:r>
-              <a:rPr lang="en-US" dirty="0"/>
-              <a:t>Second level</a:t>
-            </a:r>
-          </a:p>
-          <a:p>
-            <a:pPr lvl="2"/>
-            <a:r>
-              <a:rPr lang="en-US" dirty="0"/>
-              <a:t>Third level</a:t>
-            </a:r>
-          </a:p>
-          <a:p>
-            <a:pPr lvl="3"/>
-            <a:r>
-              <a:rPr lang="en-US" dirty="0"/>
-              <a:t>Fourth level</a:t>
-            </a:r>
-          </a:p>
-          <a:p>
-            <a:pPr lvl="4"/>
-            <a:r>
-              <a:rPr lang="en-US" dirty="0"/>
-              <a:t>Fifth level</a:t>
-            </a:r>
-          </a:p>
-        </p:txBody>
-      </p:sp>
-    </p:spTree>
-    <p:extLst>
-      <p:ext uri="{BB962C8B-B14F-4D97-AF65-F5344CB8AC3E}">
-        <p14:creationId xmlns:p14="http://schemas.microsoft.com/office/powerpoint/2010/main" val="1890547697"/>
-      </p:ext>
-    </p:extLst>
-  </p:cSld>
-  <p:clrMapOvr>
-    <a:masterClrMapping/>
-  </p:clrMapOvr>
-</p:sldLayout>
-</file>
-
-<file path=ppt/slideLayouts/slideLayout6.xml><?xml version="1.0" encoding="utf-8"?>
-<p:sldLayout xmlns:a="http://schemas.openxmlformats.org/drawingml/2006/main" xmlns:r="http://schemas.openxmlformats.org/officeDocument/2006/relationships" xmlns:p="http://schemas.openxmlformats.org/presentationml/2006/main" type="twoObj" preserve="1">
-  <p:cSld name="Two Content">
-    <p:spTree>
-      <p:nvGrpSpPr>
-        <p:cNvPr id="1" name=""/>
-        <p:cNvGrpSpPr/>
-        <p:nvPr/>
-      </p:nvGrpSpPr>
-      <p:grpSpPr>
-        <a:xfrm>
-          <a:off x="0" y="0"/>
-          <a:ext cx="0" cy="0"/>
-          <a:chOff x="0" y="0"/>
-          <a:chExt cx="0" cy="0"/>
-        </a:xfrm>
-      </p:grpSpPr>
-      <p:sp>
-        <p:nvSpPr>
-          <p:cNvPr id="2" name="Title 1"/>
-          <p:cNvSpPr>
-            <a:spLocks noGrp="1"/>
-          </p:cNvSpPr>
-          <p:nvPr>
-            <p:ph type="title"/>
+            <p:ph type="dt" sz="half" idx="10"/>
           </p:nvPr>
         </p:nvSpPr>
         <p:spPr/>
         <p:txBody>
           <a:bodyPr/>
-          <a:lstStyle>
-            <a:lvl1pPr algn="l">
-              <a:defRPr/>
-            </a:lvl1pPr>
-          </a:lstStyle>
-          <a:p>
-            <a:r>
-              <a:rPr lang="en-US" dirty="0"/>
-              <a:t>Click to edit Master title style</a:t>
-            </a:r>
+          <a:lstStyle/>
+          <a:p>
+            <a:fld id="{A8B89F18-586E-4B97-8EEA-25E99A190A89}" type="datetimeFigureOut">
+              <a:rPr lang="en-US" smtClean="0"/>
+              <a:t>9/9/2019</a:t>
+            </a:fld>
+            <a:endParaRPr lang="en-US"/>
           </a:p>
         </p:txBody>
       </p:sp>
       <p:sp>
         <p:nvSpPr>
-          <p:cNvPr id="3" name="Content Placeholder 2"/>
+          <p:cNvPr id="4" name="Footer Placeholder 3">
+            <a:extLst>
+              <a:ext uri="{FF2B5EF4-FFF2-40B4-BE49-F238E27FC236}">
+                <a16:creationId xmlns:a16="http://schemas.microsoft.com/office/drawing/2014/main" id="{5033F141-3B64-4A16-96AE-4666D326F09F}"/>
+              </a:ext>
+            </a:extLst>
+          </p:cNvPr>
           <p:cNvSpPr>
             <a:spLocks noGrp="1"/>
           </p:cNvSpPr>
           <p:nvPr>
-            <p:ph sz="half" idx="1"/>
+            <p:ph type="ftr" sz="quarter" idx="11"/>
           </p:nvPr>
         </p:nvSpPr>
-        <p:spPr>
-          <a:xfrm>
-            <a:off x="361038" y="1439863"/>
-            <a:ext cx="5397726" cy="4679950"/>
-          </a:xfrm>
-        </p:spPr>
+        <p:spPr/>
         <p:txBody>
-          <a:bodyPr rIns="180000">
-            <a:normAutofit/>
-          </a:bodyPr>
-          <a:lstStyle>
-            <a:lvl1pPr>
-              <a:defRPr sz="2800"/>
-            </a:lvl1pPr>
-            <a:lvl2pPr>
-              <a:defRPr sz="2400"/>
-            </a:lvl2pPr>
-            <a:lvl3pPr>
-              <a:defRPr sz="2000"/>
-            </a:lvl3pPr>
-            <a:lvl4pPr>
-              <a:defRPr sz="1800"/>
-            </a:lvl4pPr>
-            <a:lvl5pPr>
-              <a:defRPr sz="1800"/>
-            </a:lvl5pPr>
-            <a:lvl6pPr>
-              <a:defRPr sz="2268"/>
-            </a:lvl6pPr>
-            <a:lvl7pPr>
-              <a:defRPr sz="2268"/>
-            </a:lvl7pPr>
-            <a:lvl8pPr>
-              <a:defRPr sz="2268"/>
-            </a:lvl8pPr>
-            <a:lvl9pPr>
-              <a:defRPr sz="2268"/>
-            </a:lvl9pPr>
-          </a:lstStyle>
-          <a:p>
-            <a:pPr lvl="0"/>
-            <a:r>
-              <a:rPr lang="en-US" dirty="0"/>
-              <a:t>Click to edit Master text styles</a:t>
-            </a:r>
-          </a:p>
-          <a:p>
-            <a:pPr lvl="1"/>
-            <a:r>
-              <a:rPr lang="en-US" dirty="0"/>
-              <a:t>Second level</a:t>
-            </a:r>
-          </a:p>
-          <a:p>
-            <a:pPr lvl="2"/>
-            <a:r>
-              <a:rPr lang="en-US" dirty="0"/>
-              <a:t>Third level</a:t>
-            </a:r>
-          </a:p>
-          <a:p>
-            <a:pPr lvl="3"/>
-            <a:r>
-              <a:rPr lang="en-US" dirty="0"/>
-              <a:t>Fourth level</a:t>
-            </a:r>
-          </a:p>
-          <a:p>
-            <a:pPr lvl="4"/>
-            <a:r>
-              <a:rPr lang="en-US" dirty="0"/>
-              <a:t>Fifth level</a:t>
-            </a:r>
+          <a:bodyPr/>
+          <a:lstStyle/>
+          <a:p>
+            <a:endParaRPr lang="en-US"/>
           </a:p>
         </p:txBody>
       </p:sp>
       <p:sp>
         <p:nvSpPr>
-          <p:cNvPr id="4" name="Content Placeholder 3"/>
+          <p:cNvPr id="5" name="Slide Number Placeholder 4">
+            <a:extLst>
+              <a:ext uri="{FF2B5EF4-FFF2-40B4-BE49-F238E27FC236}">
+                <a16:creationId xmlns:a16="http://schemas.microsoft.com/office/drawing/2014/main" id="{910FCD43-7B66-4352-98E0-D14124E35A05}"/>
+              </a:ext>
+            </a:extLst>
+          </p:cNvPr>
           <p:cNvSpPr>
             <a:spLocks noGrp="1"/>
           </p:cNvSpPr>
           <p:nvPr>
-            <p:ph sz="half" idx="2" hasCustomPrompt="1"/>
+            <p:ph type="sldNum" sz="quarter" idx="12"/>
           </p:nvPr>
         </p:nvSpPr>
-        <p:spPr>
-          <a:xfrm>
-            <a:off x="5761038" y="1439863"/>
-            <a:ext cx="5399087" cy="4679950"/>
-          </a:xfrm>
-        </p:spPr>
+        <p:spPr/>
         <p:txBody>
-          <a:bodyPr lIns="180000">
-            <a:normAutofit/>
-          </a:bodyPr>
-          <a:lstStyle>
-            <a:lvl1pPr>
-              <a:defRPr sz="2800"/>
-            </a:lvl1pPr>
-            <a:lvl2pPr>
-              <a:defRPr sz="2400"/>
-            </a:lvl2pPr>
-            <a:lvl3pPr>
-              <a:defRPr sz="2000"/>
-            </a:lvl3pPr>
-            <a:lvl4pPr>
-              <a:defRPr sz="1800"/>
-            </a:lvl4pPr>
-            <a:lvl5pPr>
-              <a:defRPr sz="1800"/>
-            </a:lvl5pPr>
-            <a:lvl6pPr>
-              <a:defRPr sz="2268"/>
-            </a:lvl6pPr>
-            <a:lvl7pPr>
-              <a:defRPr sz="2268"/>
-            </a:lvl7pPr>
-            <a:lvl8pPr>
-              <a:defRPr sz="2268"/>
-            </a:lvl8pPr>
-            <a:lvl9pPr>
-              <a:defRPr sz="2268"/>
-            </a:lvl9pPr>
-          </a:lstStyle>
-          <a:p>
-            <a:pPr lvl="0"/>
-            <a:r>
-              <a:rPr lang="en-US" dirty="0"/>
-              <a:t>Click to edit Master text styles</a:t>
-            </a:r>
-          </a:p>
-          <a:p>
-            <a:pPr lvl="1"/>
-            <a:r>
-              <a:rPr lang="en-US" dirty="0"/>
-              <a:t>Second level</a:t>
-            </a:r>
-          </a:p>
-          <a:p>
-            <a:pPr lvl="2"/>
-            <a:r>
-              <a:rPr lang="en-US" dirty="0"/>
-              <a:t>Third level</a:t>
-            </a:r>
-          </a:p>
-          <a:p>
-            <a:pPr lvl="3"/>
-            <a:r>
-              <a:rPr lang="en-US" dirty="0"/>
-              <a:t>Fourth level</a:t>
-            </a:r>
-          </a:p>
-          <a:p>
-            <a:pPr lvl="4"/>
-            <a:r>
-              <a:rPr lang="en-US" dirty="0"/>
-              <a:t>Fifth level</a:t>
-            </a:r>
+          <a:bodyPr/>
+          <a:lstStyle/>
+          <a:p>
+            <a:fld id="{734DA83B-C71A-4208-9071-1761995F3B54}" type="slidenum">
+              <a:rPr lang="en-US" smtClean="0"/>
+              <a:t>‹#›</a:t>
+            </a:fld>
+            <a:endParaRPr lang="en-US"/>
           </a:p>
         </p:txBody>
       </p:sp>
+      <p:grpSp>
+        <p:nvGrpSpPr>
+          <p:cNvPr id="6" name="Group 5">
+            <a:extLst>
+              <a:ext uri="{FF2B5EF4-FFF2-40B4-BE49-F238E27FC236}">
+                <a16:creationId xmlns:a16="http://schemas.microsoft.com/office/drawing/2014/main" id="{FF79D422-689D-4E55-B5EA-8E5A5255EDC1}"/>
+              </a:ext>
+            </a:extLst>
+          </p:cNvPr>
+          <p:cNvGrpSpPr/>
+          <p:nvPr userDrawn="1"/>
+        </p:nvGrpSpPr>
+        <p:grpSpPr>
+          <a:xfrm>
+            <a:off x="0" y="5776566"/>
+            <a:ext cx="12192001" cy="1081434"/>
+            <a:chOff x="0" y="5776566"/>
+            <a:chExt cx="12192001" cy="1081434"/>
+          </a:xfrm>
+        </p:grpSpPr>
+        <p:sp>
+          <p:nvSpPr>
+            <p:cNvPr id="7" name="Rectangle 6">
+              <a:extLst>
+                <a:ext uri="{FF2B5EF4-FFF2-40B4-BE49-F238E27FC236}">
+                  <a16:creationId xmlns:a16="http://schemas.microsoft.com/office/drawing/2014/main" id="{53966F15-8002-456C-9577-6D49FC7D1CB7}"/>
+                </a:ext>
+              </a:extLst>
+            </p:cNvPr>
+            <p:cNvSpPr/>
+            <p:nvPr/>
+          </p:nvSpPr>
+          <p:spPr>
+            <a:xfrm>
+              <a:off x="0" y="6098596"/>
+              <a:ext cx="12192001" cy="759404"/>
+            </a:xfrm>
+            <a:prstGeom prst="rect">
+              <a:avLst/>
+            </a:prstGeom>
+            <a:gradFill flip="none" rotWithShape="1">
+              <a:gsLst>
+                <a:gs pos="0">
+                  <a:schemeClr val="bg1"/>
+                </a:gs>
+                <a:gs pos="0">
+                  <a:srgbClr val="0070C0"/>
+                </a:gs>
+                <a:gs pos="90000">
+                  <a:schemeClr val="bg1"/>
+                </a:gs>
+              </a:gsLst>
+              <a:path path="circle">
+                <a:fillToRect l="100000" t="100000"/>
+              </a:path>
+              <a:tileRect r="-100000" b="-100000"/>
+            </a:gradFill>
+            <a:ln>
+              <a:noFill/>
+            </a:ln>
+          </p:spPr>
+          <p:style>
+            <a:lnRef idx="2">
+              <a:schemeClr val="accent1">
+                <a:shade val="50000"/>
+              </a:schemeClr>
+            </a:lnRef>
+            <a:fillRef idx="1">
+              <a:schemeClr val="accent1"/>
+            </a:fillRef>
+            <a:effectRef idx="0">
+              <a:schemeClr val="accent1"/>
+            </a:effectRef>
+            <a:fontRef idx="minor">
+              <a:schemeClr val="lt1"/>
+            </a:fontRef>
+          </p:style>
+          <p:txBody>
+            <a:bodyPr rtlCol="0" anchor="ctr"/>
+            <a:lstStyle/>
+            <a:p>
+              <a:pPr algn="ctr"/>
+              <a:endParaRPr lang="en-US"/>
+            </a:p>
+          </p:txBody>
+        </p:sp>
+        <p:grpSp>
+          <p:nvGrpSpPr>
+            <p:cNvPr id="8" name="Group 7">
+              <a:extLst>
+                <a:ext uri="{FF2B5EF4-FFF2-40B4-BE49-F238E27FC236}">
+                  <a16:creationId xmlns:a16="http://schemas.microsoft.com/office/drawing/2014/main" id="{CDEB3100-8839-4966-97EC-7CC0A918F0A8}"/>
+                </a:ext>
+              </a:extLst>
+            </p:cNvPr>
+            <p:cNvGrpSpPr/>
+            <p:nvPr/>
+          </p:nvGrpSpPr>
+          <p:grpSpPr>
+            <a:xfrm>
+              <a:off x="136116" y="5776566"/>
+              <a:ext cx="1766413" cy="974090"/>
+              <a:chOff x="705301" y="2052365"/>
+              <a:chExt cx="5603844" cy="3090246"/>
+            </a:xfrm>
+          </p:grpSpPr>
+          <p:pic>
+            <p:nvPicPr>
+              <p:cNvPr id="9" name="Picture 8">
+                <a:extLst>
+                  <a:ext uri="{FF2B5EF4-FFF2-40B4-BE49-F238E27FC236}">
+                    <a16:creationId xmlns:a16="http://schemas.microsoft.com/office/drawing/2014/main" id="{A41E8894-14C0-4F7E-968F-C73F27DD83CA}"/>
+                  </a:ext>
+                </a:extLst>
+              </p:cNvPr>
+              <p:cNvPicPr>
+                <a:picLocks noChangeAspect="1"/>
+              </p:cNvPicPr>
+              <p:nvPr/>
+            </p:nvPicPr>
+            <p:blipFill>
+              <a:blip r:embed="rId2">
+                <a:extLst>
+                  <a:ext uri="{28A0092B-C50C-407E-A947-70E740481C1C}">
+                    <a14:useLocalDpi xmlns:a14="http://schemas.microsoft.com/office/drawing/2010/main" val="0"/>
+                  </a:ext>
+                </a:extLst>
+              </a:blip>
+              <a:stretch>
+                <a:fillRect/>
+              </a:stretch>
+            </p:blipFill>
+            <p:spPr>
+              <a:xfrm>
+                <a:off x="705301" y="2052365"/>
+                <a:ext cx="5603844" cy="3090246"/>
+              </a:xfrm>
+              <a:prstGeom prst="rect">
+                <a:avLst/>
+              </a:prstGeom>
+              <a:effectLst>
+                <a:outerShdw blurRad="50800" dist="38100" dir="5400000" algn="t" rotWithShape="0">
+                  <a:prstClr val="black">
+                    <a:alpha val="40000"/>
+                  </a:prstClr>
+                </a:outerShdw>
+              </a:effectLst>
+            </p:spPr>
+          </p:pic>
+          <p:pic>
+            <p:nvPicPr>
+              <p:cNvPr id="10" name="Picture 9">
+                <a:extLst>
+                  <a:ext uri="{FF2B5EF4-FFF2-40B4-BE49-F238E27FC236}">
+                    <a16:creationId xmlns:a16="http://schemas.microsoft.com/office/drawing/2014/main" id="{EC439C5E-7129-4704-B381-0F3A8636858D}"/>
+                  </a:ext>
+                </a:extLst>
+              </p:cNvPr>
+              <p:cNvPicPr>
+                <a:picLocks noChangeAspect="1"/>
+              </p:cNvPicPr>
+              <p:nvPr/>
+            </p:nvPicPr>
+            <p:blipFill>
+              <a:blip r:embed="rId3">
+                <a:extLst>
+                  <a:ext uri="{28A0092B-C50C-407E-A947-70E740481C1C}">
+                    <a14:useLocalDpi xmlns:a14="http://schemas.microsoft.com/office/drawing/2010/main" val="0"/>
+                  </a:ext>
+                </a:extLst>
+              </a:blip>
+              <a:stretch>
+                <a:fillRect/>
+              </a:stretch>
+            </p:blipFill>
+            <p:spPr>
+              <a:xfrm>
+                <a:off x="1264843" y="2298120"/>
+                <a:ext cx="4484760" cy="2473126"/>
+              </a:xfrm>
+              <a:prstGeom prst="rect">
+                <a:avLst/>
+              </a:prstGeom>
+              <a:effectLst>
+                <a:outerShdw blurRad="50800" dist="38100" dir="2700000" algn="tl" rotWithShape="0">
+                  <a:schemeClr val="bg1">
+                    <a:alpha val="40000"/>
+                  </a:schemeClr>
+                </a:outerShdw>
+              </a:effectLst>
+            </p:spPr>
+          </p:pic>
+        </p:grpSp>
+      </p:grpSp>
     </p:spTree>
     <p:extLst>
       <p:ext uri="{BB962C8B-B14F-4D97-AF65-F5344CB8AC3E}">
-        <p14:creationId xmlns:p14="http://schemas.microsoft.com/office/powerpoint/2010/main" val="2062983015"/>
+        <p14:creationId xmlns:p14="http://schemas.microsoft.com/office/powerpoint/2010/main" val="710545777"/>
       </p:ext>
     </p:extLst>
   </p:cSld>
@@ -1698,10 +4419,1277 @@
           <a:chExt cx="0" cy="0"/>
         </a:xfrm>
       </p:grpSpPr>
+      <p:sp>
+        <p:nvSpPr>
+          <p:cNvPr id="2" name="Date Placeholder 1">
+            <a:extLst>
+              <a:ext uri="{FF2B5EF4-FFF2-40B4-BE49-F238E27FC236}">
+                <a16:creationId xmlns:a16="http://schemas.microsoft.com/office/drawing/2014/main" id="{9AA92E29-7716-48FC-8C08-1853C6D8DB0C}"/>
+              </a:ext>
+            </a:extLst>
+          </p:cNvPr>
+          <p:cNvSpPr>
+            <a:spLocks noGrp="1"/>
+          </p:cNvSpPr>
+          <p:nvPr>
+            <p:ph type="dt" sz="half" idx="10"/>
+          </p:nvPr>
+        </p:nvSpPr>
+        <p:spPr/>
+        <p:txBody>
+          <a:bodyPr/>
+          <a:lstStyle/>
+          <a:p>
+            <a:fld id="{A8B89F18-586E-4B97-8EEA-25E99A190A89}" type="datetimeFigureOut">
+              <a:rPr lang="en-US" smtClean="0"/>
+              <a:t>9/9/2019</a:t>
+            </a:fld>
+            <a:endParaRPr lang="en-US"/>
+          </a:p>
+        </p:txBody>
+      </p:sp>
+      <p:sp>
+        <p:nvSpPr>
+          <p:cNvPr id="3" name="Footer Placeholder 2">
+            <a:extLst>
+              <a:ext uri="{FF2B5EF4-FFF2-40B4-BE49-F238E27FC236}">
+                <a16:creationId xmlns:a16="http://schemas.microsoft.com/office/drawing/2014/main" id="{B9D6D73A-B50C-4071-9E97-EAB1330EF664}"/>
+              </a:ext>
+            </a:extLst>
+          </p:cNvPr>
+          <p:cNvSpPr>
+            <a:spLocks noGrp="1"/>
+          </p:cNvSpPr>
+          <p:nvPr>
+            <p:ph type="ftr" sz="quarter" idx="11"/>
+          </p:nvPr>
+        </p:nvSpPr>
+        <p:spPr/>
+        <p:txBody>
+          <a:bodyPr/>
+          <a:lstStyle/>
+          <a:p>
+            <a:endParaRPr lang="en-US"/>
+          </a:p>
+        </p:txBody>
+      </p:sp>
+      <p:sp>
+        <p:nvSpPr>
+          <p:cNvPr id="4" name="Slide Number Placeholder 3">
+            <a:extLst>
+              <a:ext uri="{FF2B5EF4-FFF2-40B4-BE49-F238E27FC236}">
+                <a16:creationId xmlns:a16="http://schemas.microsoft.com/office/drawing/2014/main" id="{CA8D7809-C288-43E4-A5F6-A3206DD20185}"/>
+              </a:ext>
+            </a:extLst>
+          </p:cNvPr>
+          <p:cNvSpPr>
+            <a:spLocks noGrp="1"/>
+          </p:cNvSpPr>
+          <p:nvPr>
+            <p:ph type="sldNum" sz="quarter" idx="12"/>
+          </p:nvPr>
+        </p:nvSpPr>
+        <p:spPr/>
+        <p:txBody>
+          <a:bodyPr/>
+          <a:lstStyle/>
+          <a:p>
+            <a:fld id="{734DA83B-C71A-4208-9071-1761995F3B54}" type="slidenum">
+              <a:rPr lang="en-US" smtClean="0"/>
+              <a:t>‹#›</a:t>
+            </a:fld>
+            <a:endParaRPr lang="en-US"/>
+          </a:p>
+        </p:txBody>
+      </p:sp>
+      <p:grpSp>
+        <p:nvGrpSpPr>
+          <p:cNvPr id="5" name="Group 4">
+            <a:extLst>
+              <a:ext uri="{FF2B5EF4-FFF2-40B4-BE49-F238E27FC236}">
+                <a16:creationId xmlns:a16="http://schemas.microsoft.com/office/drawing/2014/main" id="{43CA8A79-A0DD-4B8A-9ADE-F846B2619FEE}"/>
+              </a:ext>
+            </a:extLst>
+          </p:cNvPr>
+          <p:cNvGrpSpPr/>
+          <p:nvPr userDrawn="1"/>
+        </p:nvGrpSpPr>
+        <p:grpSpPr>
+          <a:xfrm>
+            <a:off x="0" y="5776566"/>
+            <a:ext cx="12192001" cy="1081434"/>
+            <a:chOff x="0" y="5776566"/>
+            <a:chExt cx="12192001" cy="1081434"/>
+          </a:xfrm>
+        </p:grpSpPr>
+        <p:sp>
+          <p:nvSpPr>
+            <p:cNvPr id="6" name="Rectangle 5">
+              <a:extLst>
+                <a:ext uri="{FF2B5EF4-FFF2-40B4-BE49-F238E27FC236}">
+                  <a16:creationId xmlns:a16="http://schemas.microsoft.com/office/drawing/2014/main" id="{D867D514-198A-4178-A7AF-22CE24DC949B}"/>
+                </a:ext>
+              </a:extLst>
+            </p:cNvPr>
+            <p:cNvSpPr/>
+            <p:nvPr/>
+          </p:nvSpPr>
+          <p:spPr>
+            <a:xfrm>
+              <a:off x="0" y="6098596"/>
+              <a:ext cx="12192001" cy="759404"/>
+            </a:xfrm>
+            <a:prstGeom prst="rect">
+              <a:avLst/>
+            </a:prstGeom>
+            <a:gradFill flip="none" rotWithShape="1">
+              <a:gsLst>
+                <a:gs pos="0">
+                  <a:schemeClr val="bg1"/>
+                </a:gs>
+                <a:gs pos="0">
+                  <a:srgbClr val="0070C0"/>
+                </a:gs>
+                <a:gs pos="90000">
+                  <a:schemeClr val="bg1"/>
+                </a:gs>
+              </a:gsLst>
+              <a:path path="circle">
+                <a:fillToRect l="100000" t="100000"/>
+              </a:path>
+              <a:tileRect r="-100000" b="-100000"/>
+            </a:gradFill>
+            <a:ln>
+              <a:noFill/>
+            </a:ln>
+          </p:spPr>
+          <p:style>
+            <a:lnRef idx="2">
+              <a:schemeClr val="accent1">
+                <a:shade val="50000"/>
+              </a:schemeClr>
+            </a:lnRef>
+            <a:fillRef idx="1">
+              <a:schemeClr val="accent1"/>
+            </a:fillRef>
+            <a:effectRef idx="0">
+              <a:schemeClr val="accent1"/>
+            </a:effectRef>
+            <a:fontRef idx="minor">
+              <a:schemeClr val="lt1"/>
+            </a:fontRef>
+          </p:style>
+          <p:txBody>
+            <a:bodyPr rtlCol="0" anchor="ctr"/>
+            <a:lstStyle/>
+            <a:p>
+              <a:pPr algn="ctr"/>
+              <a:endParaRPr lang="en-US"/>
+            </a:p>
+          </p:txBody>
+        </p:sp>
+        <p:grpSp>
+          <p:nvGrpSpPr>
+            <p:cNvPr id="7" name="Group 6">
+              <a:extLst>
+                <a:ext uri="{FF2B5EF4-FFF2-40B4-BE49-F238E27FC236}">
+                  <a16:creationId xmlns:a16="http://schemas.microsoft.com/office/drawing/2014/main" id="{8B20ED1C-80FC-4415-8C15-A2399DB33F27}"/>
+                </a:ext>
+              </a:extLst>
+            </p:cNvPr>
+            <p:cNvGrpSpPr/>
+            <p:nvPr/>
+          </p:nvGrpSpPr>
+          <p:grpSpPr>
+            <a:xfrm>
+              <a:off x="136116" y="5776566"/>
+              <a:ext cx="1766413" cy="974090"/>
+              <a:chOff x="705301" y="2052365"/>
+              <a:chExt cx="5603844" cy="3090246"/>
+            </a:xfrm>
+          </p:grpSpPr>
+          <p:pic>
+            <p:nvPicPr>
+              <p:cNvPr id="8" name="Picture 7">
+                <a:extLst>
+                  <a:ext uri="{FF2B5EF4-FFF2-40B4-BE49-F238E27FC236}">
+                    <a16:creationId xmlns:a16="http://schemas.microsoft.com/office/drawing/2014/main" id="{8D0BB832-B428-4EA3-9E0A-A3F87A175A73}"/>
+                  </a:ext>
+                </a:extLst>
+              </p:cNvPr>
+              <p:cNvPicPr>
+                <a:picLocks noChangeAspect="1"/>
+              </p:cNvPicPr>
+              <p:nvPr/>
+            </p:nvPicPr>
+            <p:blipFill>
+              <a:blip r:embed="rId2">
+                <a:extLst>
+                  <a:ext uri="{28A0092B-C50C-407E-A947-70E740481C1C}">
+                    <a14:useLocalDpi xmlns:a14="http://schemas.microsoft.com/office/drawing/2010/main" val="0"/>
+                  </a:ext>
+                </a:extLst>
+              </a:blip>
+              <a:stretch>
+                <a:fillRect/>
+              </a:stretch>
+            </p:blipFill>
+            <p:spPr>
+              <a:xfrm>
+                <a:off x="705301" y="2052365"/>
+                <a:ext cx="5603844" cy="3090246"/>
+              </a:xfrm>
+              <a:prstGeom prst="rect">
+                <a:avLst/>
+              </a:prstGeom>
+              <a:effectLst>
+                <a:outerShdw blurRad="50800" dist="38100" dir="5400000" algn="t" rotWithShape="0">
+                  <a:prstClr val="black">
+                    <a:alpha val="40000"/>
+                  </a:prstClr>
+                </a:outerShdw>
+              </a:effectLst>
+            </p:spPr>
+          </p:pic>
+          <p:pic>
+            <p:nvPicPr>
+              <p:cNvPr id="9" name="Picture 8">
+                <a:extLst>
+                  <a:ext uri="{FF2B5EF4-FFF2-40B4-BE49-F238E27FC236}">
+                    <a16:creationId xmlns:a16="http://schemas.microsoft.com/office/drawing/2014/main" id="{023AED9E-4396-44BB-82AD-41C090D9320A}"/>
+                  </a:ext>
+                </a:extLst>
+              </p:cNvPr>
+              <p:cNvPicPr>
+                <a:picLocks noChangeAspect="1"/>
+              </p:cNvPicPr>
+              <p:nvPr/>
+            </p:nvPicPr>
+            <p:blipFill>
+              <a:blip r:embed="rId3">
+                <a:extLst>
+                  <a:ext uri="{28A0092B-C50C-407E-A947-70E740481C1C}">
+                    <a14:useLocalDpi xmlns:a14="http://schemas.microsoft.com/office/drawing/2010/main" val="0"/>
+                  </a:ext>
+                </a:extLst>
+              </a:blip>
+              <a:stretch>
+                <a:fillRect/>
+              </a:stretch>
+            </p:blipFill>
+            <p:spPr>
+              <a:xfrm>
+                <a:off x="1264843" y="2298120"/>
+                <a:ext cx="4484760" cy="2473126"/>
+              </a:xfrm>
+              <a:prstGeom prst="rect">
+                <a:avLst/>
+              </a:prstGeom>
+              <a:effectLst>
+                <a:outerShdw blurRad="50800" dist="38100" dir="2700000" algn="tl" rotWithShape="0">
+                  <a:schemeClr val="bg1">
+                    <a:alpha val="40000"/>
+                  </a:schemeClr>
+                </a:outerShdw>
+              </a:effectLst>
+            </p:spPr>
+          </p:pic>
+        </p:grpSp>
+      </p:grpSp>
     </p:spTree>
     <p:extLst>
       <p:ext uri="{BB962C8B-B14F-4D97-AF65-F5344CB8AC3E}">
-        <p14:creationId xmlns:p14="http://schemas.microsoft.com/office/powerpoint/2010/main" val="4186986387"/>
+        <p14:creationId xmlns:p14="http://schemas.microsoft.com/office/powerpoint/2010/main" val="3651941495"/>
+      </p:ext>
+    </p:extLst>
+  </p:cSld>
+  <p:clrMapOvr>
+    <a:masterClrMapping/>
+  </p:clrMapOvr>
+</p:sldLayout>
+</file>
+
+<file path=ppt/slideLayouts/slideLayout8.xml><?xml version="1.0" encoding="utf-8"?>
+<p:sldLayout xmlns:a="http://schemas.openxmlformats.org/drawingml/2006/main" xmlns:r="http://schemas.openxmlformats.org/officeDocument/2006/relationships" xmlns:p="http://schemas.openxmlformats.org/presentationml/2006/main" type="objTx" preserve="1">
+  <p:cSld name="Content with Caption">
+    <p:spTree>
+      <p:nvGrpSpPr>
+        <p:cNvPr id="1" name=""/>
+        <p:cNvGrpSpPr/>
+        <p:nvPr/>
+      </p:nvGrpSpPr>
+      <p:grpSpPr>
+        <a:xfrm>
+          <a:off x="0" y="0"/>
+          <a:ext cx="0" cy="0"/>
+          <a:chOff x="0" y="0"/>
+          <a:chExt cx="0" cy="0"/>
+        </a:xfrm>
+      </p:grpSpPr>
+      <p:sp>
+        <p:nvSpPr>
+          <p:cNvPr id="2" name="Title 1">
+            <a:extLst>
+              <a:ext uri="{FF2B5EF4-FFF2-40B4-BE49-F238E27FC236}">
+                <a16:creationId xmlns:a16="http://schemas.microsoft.com/office/drawing/2014/main" id="{508FE8D4-817F-48CD-B1EB-AFDB7E525794}"/>
+              </a:ext>
+            </a:extLst>
+          </p:cNvPr>
+          <p:cNvSpPr>
+            <a:spLocks noGrp="1"/>
+          </p:cNvSpPr>
+          <p:nvPr>
+            <p:ph type="title"/>
+          </p:nvPr>
+        </p:nvSpPr>
+        <p:spPr>
+          <a:xfrm>
+            <a:off x="839788" y="457200"/>
+            <a:ext cx="3932237" cy="1600200"/>
+          </a:xfrm>
+        </p:spPr>
+        <p:txBody>
+          <a:bodyPr anchor="b"/>
+          <a:lstStyle>
+            <a:lvl1pPr>
+              <a:defRPr sz="3200"/>
+            </a:lvl1pPr>
+          </a:lstStyle>
+          <a:p>
+            <a:r>
+              <a:rPr lang="en-US"/>
+              <a:t>Click to edit Master title style</a:t>
+            </a:r>
+          </a:p>
+        </p:txBody>
+      </p:sp>
+      <p:sp>
+        <p:nvSpPr>
+          <p:cNvPr id="3" name="Content Placeholder 2">
+            <a:extLst>
+              <a:ext uri="{FF2B5EF4-FFF2-40B4-BE49-F238E27FC236}">
+                <a16:creationId xmlns:a16="http://schemas.microsoft.com/office/drawing/2014/main" id="{B0F6FE33-F70F-41E7-A3C6-8632C4D29377}"/>
+              </a:ext>
+            </a:extLst>
+          </p:cNvPr>
+          <p:cNvSpPr>
+            <a:spLocks noGrp="1"/>
+          </p:cNvSpPr>
+          <p:nvPr>
+            <p:ph idx="1"/>
+          </p:nvPr>
+        </p:nvSpPr>
+        <p:spPr>
+          <a:xfrm>
+            <a:off x="5183188" y="987425"/>
+            <a:ext cx="6172200" cy="4873625"/>
+          </a:xfrm>
+        </p:spPr>
+        <p:txBody>
+          <a:bodyPr/>
+          <a:lstStyle>
+            <a:lvl1pPr>
+              <a:defRPr sz="3200"/>
+            </a:lvl1pPr>
+            <a:lvl2pPr>
+              <a:defRPr sz="2800"/>
+            </a:lvl2pPr>
+            <a:lvl3pPr>
+              <a:defRPr sz="2400"/>
+            </a:lvl3pPr>
+            <a:lvl4pPr>
+              <a:defRPr sz="2000"/>
+            </a:lvl4pPr>
+            <a:lvl5pPr>
+              <a:defRPr sz="2000"/>
+            </a:lvl5pPr>
+            <a:lvl6pPr>
+              <a:defRPr sz="2000"/>
+            </a:lvl6pPr>
+            <a:lvl7pPr>
+              <a:defRPr sz="2000"/>
+            </a:lvl7pPr>
+            <a:lvl8pPr>
+              <a:defRPr sz="2000"/>
+            </a:lvl8pPr>
+            <a:lvl9pPr>
+              <a:defRPr sz="2000"/>
+            </a:lvl9pPr>
+          </a:lstStyle>
+          <a:p>
+            <a:pPr lvl="0"/>
+            <a:r>
+              <a:rPr lang="en-US"/>
+              <a:t>Edit Master text styles</a:t>
+            </a:r>
+          </a:p>
+          <a:p>
+            <a:pPr lvl="1"/>
+            <a:r>
+              <a:rPr lang="en-US"/>
+              <a:t>Second level</a:t>
+            </a:r>
+          </a:p>
+          <a:p>
+            <a:pPr lvl="2"/>
+            <a:r>
+              <a:rPr lang="en-US"/>
+              <a:t>Third level</a:t>
+            </a:r>
+          </a:p>
+          <a:p>
+            <a:pPr lvl="3"/>
+            <a:r>
+              <a:rPr lang="en-US"/>
+              <a:t>Fourth level</a:t>
+            </a:r>
+          </a:p>
+          <a:p>
+            <a:pPr lvl="4"/>
+            <a:r>
+              <a:rPr lang="en-US"/>
+              <a:t>Fifth level</a:t>
+            </a:r>
+          </a:p>
+        </p:txBody>
+      </p:sp>
+      <p:sp>
+        <p:nvSpPr>
+          <p:cNvPr id="4" name="Text Placeholder 3">
+            <a:extLst>
+              <a:ext uri="{FF2B5EF4-FFF2-40B4-BE49-F238E27FC236}">
+                <a16:creationId xmlns:a16="http://schemas.microsoft.com/office/drawing/2014/main" id="{F7A21AB8-60D2-4AEC-ACF0-929DAEFA7592}"/>
+              </a:ext>
+            </a:extLst>
+          </p:cNvPr>
+          <p:cNvSpPr>
+            <a:spLocks noGrp="1"/>
+          </p:cNvSpPr>
+          <p:nvPr>
+            <p:ph type="body" sz="half" idx="2"/>
+          </p:nvPr>
+        </p:nvSpPr>
+        <p:spPr>
+          <a:xfrm>
+            <a:off x="839788" y="2057400"/>
+            <a:ext cx="3932237" cy="3811588"/>
+          </a:xfrm>
+        </p:spPr>
+        <p:txBody>
+          <a:bodyPr/>
+          <a:lstStyle>
+            <a:lvl1pPr marL="0" indent="0">
+              <a:buNone/>
+              <a:defRPr sz="1600"/>
+            </a:lvl1pPr>
+            <a:lvl2pPr marL="457200" indent="0">
+              <a:buNone/>
+              <a:defRPr sz="1400"/>
+            </a:lvl2pPr>
+            <a:lvl3pPr marL="914400" indent="0">
+              <a:buNone/>
+              <a:defRPr sz="1200"/>
+            </a:lvl3pPr>
+            <a:lvl4pPr marL="1371600" indent="0">
+              <a:buNone/>
+              <a:defRPr sz="1000"/>
+            </a:lvl4pPr>
+            <a:lvl5pPr marL="1828800" indent="0">
+              <a:buNone/>
+              <a:defRPr sz="1000"/>
+            </a:lvl5pPr>
+            <a:lvl6pPr marL="2286000" indent="0">
+              <a:buNone/>
+              <a:defRPr sz="1000"/>
+            </a:lvl6pPr>
+            <a:lvl7pPr marL="2743200" indent="0">
+              <a:buNone/>
+              <a:defRPr sz="1000"/>
+            </a:lvl7pPr>
+            <a:lvl8pPr marL="3200400" indent="0">
+              <a:buNone/>
+              <a:defRPr sz="1000"/>
+            </a:lvl8pPr>
+            <a:lvl9pPr marL="3657600" indent="0">
+              <a:buNone/>
+              <a:defRPr sz="1000"/>
+            </a:lvl9pPr>
+          </a:lstStyle>
+          <a:p>
+            <a:pPr lvl="0"/>
+            <a:r>
+              <a:rPr lang="en-US"/>
+              <a:t>Edit Master text styles</a:t>
+            </a:r>
+          </a:p>
+        </p:txBody>
+      </p:sp>
+      <p:sp>
+        <p:nvSpPr>
+          <p:cNvPr id="5" name="Date Placeholder 4">
+            <a:extLst>
+              <a:ext uri="{FF2B5EF4-FFF2-40B4-BE49-F238E27FC236}">
+                <a16:creationId xmlns:a16="http://schemas.microsoft.com/office/drawing/2014/main" id="{AAB93258-5737-4D9D-8337-D1C4983DEE4D}"/>
+              </a:ext>
+            </a:extLst>
+          </p:cNvPr>
+          <p:cNvSpPr>
+            <a:spLocks noGrp="1"/>
+          </p:cNvSpPr>
+          <p:nvPr>
+            <p:ph type="dt" sz="half" idx="10"/>
+          </p:nvPr>
+        </p:nvSpPr>
+        <p:spPr/>
+        <p:txBody>
+          <a:bodyPr/>
+          <a:lstStyle/>
+          <a:p>
+            <a:fld id="{A8B89F18-586E-4B97-8EEA-25E99A190A89}" type="datetimeFigureOut">
+              <a:rPr lang="en-US" smtClean="0"/>
+              <a:t>9/9/2019</a:t>
+            </a:fld>
+            <a:endParaRPr lang="en-US"/>
+          </a:p>
+        </p:txBody>
+      </p:sp>
+      <p:sp>
+        <p:nvSpPr>
+          <p:cNvPr id="6" name="Footer Placeholder 5">
+            <a:extLst>
+              <a:ext uri="{FF2B5EF4-FFF2-40B4-BE49-F238E27FC236}">
+                <a16:creationId xmlns:a16="http://schemas.microsoft.com/office/drawing/2014/main" id="{453ED91D-1D4A-47B1-80CE-59BAA331B1C4}"/>
+              </a:ext>
+            </a:extLst>
+          </p:cNvPr>
+          <p:cNvSpPr>
+            <a:spLocks noGrp="1"/>
+          </p:cNvSpPr>
+          <p:nvPr>
+            <p:ph type="ftr" sz="quarter" idx="11"/>
+          </p:nvPr>
+        </p:nvSpPr>
+        <p:spPr/>
+        <p:txBody>
+          <a:bodyPr/>
+          <a:lstStyle/>
+          <a:p>
+            <a:endParaRPr lang="en-US"/>
+          </a:p>
+        </p:txBody>
+      </p:sp>
+      <p:sp>
+        <p:nvSpPr>
+          <p:cNvPr id="7" name="Slide Number Placeholder 6">
+            <a:extLst>
+              <a:ext uri="{FF2B5EF4-FFF2-40B4-BE49-F238E27FC236}">
+                <a16:creationId xmlns:a16="http://schemas.microsoft.com/office/drawing/2014/main" id="{8E596577-D9D0-4FEB-B1D2-85D387298194}"/>
+              </a:ext>
+            </a:extLst>
+          </p:cNvPr>
+          <p:cNvSpPr>
+            <a:spLocks noGrp="1"/>
+          </p:cNvSpPr>
+          <p:nvPr>
+            <p:ph type="sldNum" sz="quarter" idx="12"/>
+          </p:nvPr>
+        </p:nvSpPr>
+        <p:spPr/>
+        <p:txBody>
+          <a:bodyPr/>
+          <a:lstStyle/>
+          <a:p>
+            <a:fld id="{734DA83B-C71A-4208-9071-1761995F3B54}" type="slidenum">
+              <a:rPr lang="en-US" smtClean="0"/>
+              <a:t>‹#›</a:t>
+            </a:fld>
+            <a:endParaRPr lang="en-US"/>
+          </a:p>
+        </p:txBody>
+      </p:sp>
+      <p:grpSp>
+        <p:nvGrpSpPr>
+          <p:cNvPr id="8" name="Group 7">
+            <a:extLst>
+              <a:ext uri="{FF2B5EF4-FFF2-40B4-BE49-F238E27FC236}">
+                <a16:creationId xmlns:a16="http://schemas.microsoft.com/office/drawing/2014/main" id="{3A98B59B-18D3-491E-A498-9A92A04B7F9A}"/>
+              </a:ext>
+            </a:extLst>
+          </p:cNvPr>
+          <p:cNvGrpSpPr/>
+          <p:nvPr userDrawn="1"/>
+        </p:nvGrpSpPr>
+        <p:grpSpPr>
+          <a:xfrm>
+            <a:off x="0" y="5776566"/>
+            <a:ext cx="12192001" cy="1081434"/>
+            <a:chOff x="0" y="5776566"/>
+            <a:chExt cx="12192001" cy="1081434"/>
+          </a:xfrm>
+        </p:grpSpPr>
+        <p:sp>
+          <p:nvSpPr>
+            <p:cNvPr id="9" name="Rectangle 8">
+              <a:extLst>
+                <a:ext uri="{FF2B5EF4-FFF2-40B4-BE49-F238E27FC236}">
+                  <a16:creationId xmlns:a16="http://schemas.microsoft.com/office/drawing/2014/main" id="{0212025C-0679-4994-A16A-1E1F6E6109B8}"/>
+                </a:ext>
+              </a:extLst>
+            </p:cNvPr>
+            <p:cNvSpPr/>
+            <p:nvPr/>
+          </p:nvSpPr>
+          <p:spPr>
+            <a:xfrm>
+              <a:off x="0" y="6098596"/>
+              <a:ext cx="12192001" cy="759404"/>
+            </a:xfrm>
+            <a:prstGeom prst="rect">
+              <a:avLst/>
+            </a:prstGeom>
+            <a:gradFill flip="none" rotWithShape="1">
+              <a:gsLst>
+                <a:gs pos="0">
+                  <a:schemeClr val="bg1"/>
+                </a:gs>
+                <a:gs pos="0">
+                  <a:srgbClr val="0070C0"/>
+                </a:gs>
+                <a:gs pos="90000">
+                  <a:schemeClr val="bg1"/>
+                </a:gs>
+              </a:gsLst>
+              <a:path path="circle">
+                <a:fillToRect l="100000" t="100000"/>
+              </a:path>
+              <a:tileRect r="-100000" b="-100000"/>
+            </a:gradFill>
+            <a:ln>
+              <a:noFill/>
+            </a:ln>
+          </p:spPr>
+          <p:style>
+            <a:lnRef idx="2">
+              <a:schemeClr val="accent1">
+                <a:shade val="50000"/>
+              </a:schemeClr>
+            </a:lnRef>
+            <a:fillRef idx="1">
+              <a:schemeClr val="accent1"/>
+            </a:fillRef>
+            <a:effectRef idx="0">
+              <a:schemeClr val="accent1"/>
+            </a:effectRef>
+            <a:fontRef idx="minor">
+              <a:schemeClr val="lt1"/>
+            </a:fontRef>
+          </p:style>
+          <p:txBody>
+            <a:bodyPr rtlCol="0" anchor="ctr"/>
+            <a:lstStyle/>
+            <a:p>
+              <a:pPr algn="ctr"/>
+              <a:endParaRPr lang="en-US"/>
+            </a:p>
+          </p:txBody>
+        </p:sp>
+        <p:grpSp>
+          <p:nvGrpSpPr>
+            <p:cNvPr id="10" name="Group 9">
+              <a:extLst>
+                <a:ext uri="{FF2B5EF4-FFF2-40B4-BE49-F238E27FC236}">
+                  <a16:creationId xmlns:a16="http://schemas.microsoft.com/office/drawing/2014/main" id="{A8B5FA30-F5B3-4ECC-B5B6-164939C712B7}"/>
+                </a:ext>
+              </a:extLst>
+            </p:cNvPr>
+            <p:cNvGrpSpPr/>
+            <p:nvPr/>
+          </p:nvGrpSpPr>
+          <p:grpSpPr>
+            <a:xfrm>
+              <a:off x="136116" y="5776566"/>
+              <a:ext cx="1766413" cy="974090"/>
+              <a:chOff x="705301" y="2052365"/>
+              <a:chExt cx="5603844" cy="3090246"/>
+            </a:xfrm>
+          </p:grpSpPr>
+          <p:pic>
+            <p:nvPicPr>
+              <p:cNvPr id="11" name="Picture 10">
+                <a:extLst>
+                  <a:ext uri="{FF2B5EF4-FFF2-40B4-BE49-F238E27FC236}">
+                    <a16:creationId xmlns:a16="http://schemas.microsoft.com/office/drawing/2014/main" id="{E0D2184D-8269-4A62-BD60-69B6EDBE8635}"/>
+                  </a:ext>
+                </a:extLst>
+              </p:cNvPr>
+              <p:cNvPicPr>
+                <a:picLocks noChangeAspect="1"/>
+              </p:cNvPicPr>
+              <p:nvPr/>
+            </p:nvPicPr>
+            <p:blipFill>
+              <a:blip r:embed="rId2">
+                <a:extLst>
+                  <a:ext uri="{28A0092B-C50C-407E-A947-70E740481C1C}">
+                    <a14:useLocalDpi xmlns:a14="http://schemas.microsoft.com/office/drawing/2010/main" val="0"/>
+                  </a:ext>
+                </a:extLst>
+              </a:blip>
+              <a:stretch>
+                <a:fillRect/>
+              </a:stretch>
+            </p:blipFill>
+            <p:spPr>
+              <a:xfrm>
+                <a:off x="705301" y="2052365"/>
+                <a:ext cx="5603844" cy="3090246"/>
+              </a:xfrm>
+              <a:prstGeom prst="rect">
+                <a:avLst/>
+              </a:prstGeom>
+              <a:effectLst>
+                <a:outerShdw blurRad="50800" dist="38100" dir="5400000" algn="t" rotWithShape="0">
+                  <a:prstClr val="black">
+                    <a:alpha val="40000"/>
+                  </a:prstClr>
+                </a:outerShdw>
+              </a:effectLst>
+            </p:spPr>
+          </p:pic>
+          <p:pic>
+            <p:nvPicPr>
+              <p:cNvPr id="12" name="Picture 11">
+                <a:extLst>
+                  <a:ext uri="{FF2B5EF4-FFF2-40B4-BE49-F238E27FC236}">
+                    <a16:creationId xmlns:a16="http://schemas.microsoft.com/office/drawing/2014/main" id="{EDC8774D-A03D-410F-90EB-F1D27AA7CE18}"/>
+                  </a:ext>
+                </a:extLst>
+              </p:cNvPr>
+              <p:cNvPicPr>
+                <a:picLocks noChangeAspect="1"/>
+              </p:cNvPicPr>
+              <p:nvPr/>
+            </p:nvPicPr>
+            <p:blipFill>
+              <a:blip r:embed="rId3">
+                <a:extLst>
+                  <a:ext uri="{28A0092B-C50C-407E-A947-70E740481C1C}">
+                    <a14:useLocalDpi xmlns:a14="http://schemas.microsoft.com/office/drawing/2010/main" val="0"/>
+                  </a:ext>
+                </a:extLst>
+              </a:blip>
+              <a:stretch>
+                <a:fillRect/>
+              </a:stretch>
+            </p:blipFill>
+            <p:spPr>
+              <a:xfrm>
+                <a:off x="1264843" y="2298120"/>
+                <a:ext cx="4484760" cy="2473126"/>
+              </a:xfrm>
+              <a:prstGeom prst="rect">
+                <a:avLst/>
+              </a:prstGeom>
+              <a:effectLst>
+                <a:outerShdw blurRad="50800" dist="38100" dir="2700000" algn="tl" rotWithShape="0">
+                  <a:schemeClr val="bg1">
+                    <a:alpha val="40000"/>
+                  </a:schemeClr>
+                </a:outerShdw>
+              </a:effectLst>
+            </p:spPr>
+          </p:pic>
+        </p:grpSp>
+      </p:grpSp>
+    </p:spTree>
+    <p:extLst>
+      <p:ext uri="{BB962C8B-B14F-4D97-AF65-F5344CB8AC3E}">
+        <p14:creationId xmlns:p14="http://schemas.microsoft.com/office/powerpoint/2010/main" val="3558881930"/>
+      </p:ext>
+    </p:extLst>
+  </p:cSld>
+  <p:clrMapOvr>
+    <a:masterClrMapping/>
+  </p:clrMapOvr>
+</p:sldLayout>
+</file>
+
+<file path=ppt/slideLayouts/slideLayout9.xml><?xml version="1.0" encoding="utf-8"?>
+<p:sldLayout xmlns:a="http://schemas.openxmlformats.org/drawingml/2006/main" xmlns:r="http://schemas.openxmlformats.org/officeDocument/2006/relationships" xmlns:p="http://schemas.openxmlformats.org/presentationml/2006/main" type="picTx" preserve="1">
+  <p:cSld name="Picture with Caption">
+    <p:spTree>
+      <p:nvGrpSpPr>
+        <p:cNvPr id="1" name=""/>
+        <p:cNvGrpSpPr/>
+        <p:nvPr/>
+      </p:nvGrpSpPr>
+      <p:grpSpPr>
+        <a:xfrm>
+          <a:off x="0" y="0"/>
+          <a:ext cx="0" cy="0"/>
+          <a:chOff x="0" y="0"/>
+          <a:chExt cx="0" cy="0"/>
+        </a:xfrm>
+      </p:grpSpPr>
+      <p:sp>
+        <p:nvSpPr>
+          <p:cNvPr id="2" name="Title 1">
+            <a:extLst>
+              <a:ext uri="{FF2B5EF4-FFF2-40B4-BE49-F238E27FC236}">
+                <a16:creationId xmlns:a16="http://schemas.microsoft.com/office/drawing/2014/main" id="{88DA0CD0-D887-4BC2-A1F5-275928164CA3}"/>
+              </a:ext>
+            </a:extLst>
+          </p:cNvPr>
+          <p:cNvSpPr>
+            <a:spLocks noGrp="1"/>
+          </p:cNvSpPr>
+          <p:nvPr>
+            <p:ph type="title"/>
+          </p:nvPr>
+        </p:nvSpPr>
+        <p:spPr>
+          <a:xfrm>
+            <a:off x="839788" y="457200"/>
+            <a:ext cx="3932237" cy="1600200"/>
+          </a:xfrm>
+        </p:spPr>
+        <p:txBody>
+          <a:bodyPr anchor="b"/>
+          <a:lstStyle>
+            <a:lvl1pPr>
+              <a:defRPr sz="3200"/>
+            </a:lvl1pPr>
+          </a:lstStyle>
+          <a:p>
+            <a:r>
+              <a:rPr lang="en-US"/>
+              <a:t>Click to edit Master title style</a:t>
+            </a:r>
+          </a:p>
+        </p:txBody>
+      </p:sp>
+      <p:sp>
+        <p:nvSpPr>
+          <p:cNvPr id="3" name="Picture Placeholder 2">
+            <a:extLst>
+              <a:ext uri="{FF2B5EF4-FFF2-40B4-BE49-F238E27FC236}">
+                <a16:creationId xmlns:a16="http://schemas.microsoft.com/office/drawing/2014/main" id="{2CDE5C1D-EA03-4237-886C-949CEE7AE668}"/>
+              </a:ext>
+            </a:extLst>
+          </p:cNvPr>
+          <p:cNvSpPr>
+            <a:spLocks noGrp="1"/>
+          </p:cNvSpPr>
+          <p:nvPr>
+            <p:ph type="pic" idx="1"/>
+          </p:nvPr>
+        </p:nvSpPr>
+        <p:spPr>
+          <a:xfrm>
+            <a:off x="5183188" y="987425"/>
+            <a:ext cx="6172200" cy="4873625"/>
+          </a:xfrm>
+        </p:spPr>
+        <p:txBody>
+          <a:bodyPr/>
+          <a:lstStyle>
+            <a:lvl1pPr marL="0" indent="0">
+              <a:buNone/>
+              <a:defRPr sz="3200"/>
+            </a:lvl1pPr>
+            <a:lvl2pPr marL="457200" indent="0">
+              <a:buNone/>
+              <a:defRPr sz="2800"/>
+            </a:lvl2pPr>
+            <a:lvl3pPr marL="914400" indent="0">
+              <a:buNone/>
+              <a:defRPr sz="2400"/>
+            </a:lvl3pPr>
+            <a:lvl4pPr marL="1371600" indent="0">
+              <a:buNone/>
+              <a:defRPr sz="2000"/>
+            </a:lvl4pPr>
+            <a:lvl5pPr marL="1828800" indent="0">
+              <a:buNone/>
+              <a:defRPr sz="2000"/>
+            </a:lvl5pPr>
+            <a:lvl6pPr marL="2286000" indent="0">
+              <a:buNone/>
+              <a:defRPr sz="2000"/>
+            </a:lvl6pPr>
+            <a:lvl7pPr marL="2743200" indent="0">
+              <a:buNone/>
+              <a:defRPr sz="2000"/>
+            </a:lvl7pPr>
+            <a:lvl8pPr marL="3200400" indent="0">
+              <a:buNone/>
+              <a:defRPr sz="2000"/>
+            </a:lvl8pPr>
+            <a:lvl9pPr marL="3657600" indent="0">
+              <a:buNone/>
+              <a:defRPr sz="2000"/>
+            </a:lvl9pPr>
+          </a:lstStyle>
+          <a:p>
+            <a:r>
+              <a:rPr lang="en-US"/>
+              <a:t>Click icon to add picture</a:t>
+            </a:r>
+          </a:p>
+        </p:txBody>
+      </p:sp>
+      <p:sp>
+        <p:nvSpPr>
+          <p:cNvPr id="4" name="Text Placeholder 3">
+            <a:extLst>
+              <a:ext uri="{FF2B5EF4-FFF2-40B4-BE49-F238E27FC236}">
+                <a16:creationId xmlns:a16="http://schemas.microsoft.com/office/drawing/2014/main" id="{54C4E72B-5097-48C2-9CA5-9D1777F28DB5}"/>
+              </a:ext>
+            </a:extLst>
+          </p:cNvPr>
+          <p:cNvSpPr>
+            <a:spLocks noGrp="1"/>
+          </p:cNvSpPr>
+          <p:nvPr>
+            <p:ph type="body" sz="half" idx="2"/>
+          </p:nvPr>
+        </p:nvSpPr>
+        <p:spPr>
+          <a:xfrm>
+            <a:off x="839788" y="2057400"/>
+            <a:ext cx="3932237" cy="3811588"/>
+          </a:xfrm>
+        </p:spPr>
+        <p:txBody>
+          <a:bodyPr/>
+          <a:lstStyle>
+            <a:lvl1pPr marL="0" indent="0">
+              <a:buNone/>
+              <a:defRPr sz="1600"/>
+            </a:lvl1pPr>
+            <a:lvl2pPr marL="457200" indent="0">
+              <a:buNone/>
+              <a:defRPr sz="1400"/>
+            </a:lvl2pPr>
+            <a:lvl3pPr marL="914400" indent="0">
+              <a:buNone/>
+              <a:defRPr sz="1200"/>
+            </a:lvl3pPr>
+            <a:lvl4pPr marL="1371600" indent="0">
+              <a:buNone/>
+              <a:defRPr sz="1000"/>
+            </a:lvl4pPr>
+            <a:lvl5pPr marL="1828800" indent="0">
+              <a:buNone/>
+              <a:defRPr sz="1000"/>
+            </a:lvl5pPr>
+            <a:lvl6pPr marL="2286000" indent="0">
+              <a:buNone/>
+              <a:defRPr sz="1000"/>
+            </a:lvl6pPr>
+            <a:lvl7pPr marL="2743200" indent="0">
+              <a:buNone/>
+              <a:defRPr sz="1000"/>
+            </a:lvl7pPr>
+            <a:lvl8pPr marL="3200400" indent="0">
+              <a:buNone/>
+              <a:defRPr sz="1000"/>
+            </a:lvl8pPr>
+            <a:lvl9pPr marL="3657600" indent="0">
+              <a:buNone/>
+              <a:defRPr sz="1000"/>
+            </a:lvl9pPr>
+          </a:lstStyle>
+          <a:p>
+            <a:pPr lvl="0"/>
+            <a:r>
+              <a:rPr lang="en-US"/>
+              <a:t>Edit Master text styles</a:t>
+            </a:r>
+          </a:p>
+        </p:txBody>
+      </p:sp>
+      <p:sp>
+        <p:nvSpPr>
+          <p:cNvPr id="5" name="Date Placeholder 4">
+            <a:extLst>
+              <a:ext uri="{FF2B5EF4-FFF2-40B4-BE49-F238E27FC236}">
+                <a16:creationId xmlns:a16="http://schemas.microsoft.com/office/drawing/2014/main" id="{4F84D5C7-9D66-4C1E-A8BA-8FF532E5DBB7}"/>
+              </a:ext>
+            </a:extLst>
+          </p:cNvPr>
+          <p:cNvSpPr>
+            <a:spLocks noGrp="1"/>
+          </p:cNvSpPr>
+          <p:nvPr>
+            <p:ph type="dt" sz="half" idx="10"/>
+          </p:nvPr>
+        </p:nvSpPr>
+        <p:spPr/>
+        <p:txBody>
+          <a:bodyPr/>
+          <a:lstStyle/>
+          <a:p>
+            <a:fld id="{A8B89F18-586E-4B97-8EEA-25E99A190A89}" type="datetimeFigureOut">
+              <a:rPr lang="en-US" smtClean="0"/>
+              <a:t>9/9/2019</a:t>
+            </a:fld>
+            <a:endParaRPr lang="en-US"/>
+          </a:p>
+        </p:txBody>
+      </p:sp>
+      <p:sp>
+        <p:nvSpPr>
+          <p:cNvPr id="6" name="Footer Placeholder 5">
+            <a:extLst>
+              <a:ext uri="{FF2B5EF4-FFF2-40B4-BE49-F238E27FC236}">
+                <a16:creationId xmlns:a16="http://schemas.microsoft.com/office/drawing/2014/main" id="{73F58843-4054-4BFE-B199-4C84BAA4FE18}"/>
+              </a:ext>
+            </a:extLst>
+          </p:cNvPr>
+          <p:cNvSpPr>
+            <a:spLocks noGrp="1"/>
+          </p:cNvSpPr>
+          <p:nvPr>
+            <p:ph type="ftr" sz="quarter" idx="11"/>
+          </p:nvPr>
+        </p:nvSpPr>
+        <p:spPr/>
+        <p:txBody>
+          <a:bodyPr/>
+          <a:lstStyle/>
+          <a:p>
+            <a:endParaRPr lang="en-US"/>
+          </a:p>
+        </p:txBody>
+      </p:sp>
+      <p:sp>
+        <p:nvSpPr>
+          <p:cNvPr id="7" name="Slide Number Placeholder 6">
+            <a:extLst>
+              <a:ext uri="{FF2B5EF4-FFF2-40B4-BE49-F238E27FC236}">
+                <a16:creationId xmlns:a16="http://schemas.microsoft.com/office/drawing/2014/main" id="{2FC156A9-14E7-4D12-9561-F9BD770B6481}"/>
+              </a:ext>
+            </a:extLst>
+          </p:cNvPr>
+          <p:cNvSpPr>
+            <a:spLocks noGrp="1"/>
+          </p:cNvSpPr>
+          <p:nvPr>
+            <p:ph type="sldNum" sz="quarter" idx="12"/>
+          </p:nvPr>
+        </p:nvSpPr>
+        <p:spPr/>
+        <p:txBody>
+          <a:bodyPr/>
+          <a:lstStyle/>
+          <a:p>
+            <a:fld id="{734DA83B-C71A-4208-9071-1761995F3B54}" type="slidenum">
+              <a:rPr lang="en-US" smtClean="0"/>
+              <a:t>‹#›</a:t>
+            </a:fld>
+            <a:endParaRPr lang="en-US"/>
+          </a:p>
+        </p:txBody>
+      </p:sp>
+      <p:grpSp>
+        <p:nvGrpSpPr>
+          <p:cNvPr id="8" name="Group 7">
+            <a:extLst>
+              <a:ext uri="{FF2B5EF4-FFF2-40B4-BE49-F238E27FC236}">
+                <a16:creationId xmlns:a16="http://schemas.microsoft.com/office/drawing/2014/main" id="{69C4504D-9DDC-487F-8038-5E2DCBEFB007}"/>
+              </a:ext>
+            </a:extLst>
+          </p:cNvPr>
+          <p:cNvGrpSpPr/>
+          <p:nvPr userDrawn="1"/>
+        </p:nvGrpSpPr>
+        <p:grpSpPr>
+          <a:xfrm>
+            <a:off x="0" y="5776566"/>
+            <a:ext cx="12192001" cy="1081434"/>
+            <a:chOff x="0" y="5776566"/>
+            <a:chExt cx="12192001" cy="1081434"/>
+          </a:xfrm>
+        </p:grpSpPr>
+        <p:sp>
+          <p:nvSpPr>
+            <p:cNvPr id="9" name="Rectangle 8">
+              <a:extLst>
+                <a:ext uri="{FF2B5EF4-FFF2-40B4-BE49-F238E27FC236}">
+                  <a16:creationId xmlns:a16="http://schemas.microsoft.com/office/drawing/2014/main" id="{E224382B-F502-455F-86E1-7B9398F0A9F7}"/>
+                </a:ext>
+              </a:extLst>
+            </p:cNvPr>
+            <p:cNvSpPr/>
+            <p:nvPr/>
+          </p:nvSpPr>
+          <p:spPr>
+            <a:xfrm>
+              <a:off x="0" y="6098596"/>
+              <a:ext cx="12192001" cy="759404"/>
+            </a:xfrm>
+            <a:prstGeom prst="rect">
+              <a:avLst/>
+            </a:prstGeom>
+            <a:gradFill flip="none" rotWithShape="1">
+              <a:gsLst>
+                <a:gs pos="0">
+                  <a:schemeClr val="bg1"/>
+                </a:gs>
+                <a:gs pos="0">
+                  <a:srgbClr val="0070C0"/>
+                </a:gs>
+                <a:gs pos="90000">
+                  <a:schemeClr val="bg1"/>
+                </a:gs>
+              </a:gsLst>
+              <a:path path="circle">
+                <a:fillToRect l="100000" t="100000"/>
+              </a:path>
+              <a:tileRect r="-100000" b="-100000"/>
+            </a:gradFill>
+            <a:ln>
+              <a:noFill/>
+            </a:ln>
+          </p:spPr>
+          <p:style>
+            <a:lnRef idx="2">
+              <a:schemeClr val="accent1">
+                <a:shade val="50000"/>
+              </a:schemeClr>
+            </a:lnRef>
+            <a:fillRef idx="1">
+              <a:schemeClr val="accent1"/>
+            </a:fillRef>
+            <a:effectRef idx="0">
+              <a:schemeClr val="accent1"/>
+            </a:effectRef>
+            <a:fontRef idx="minor">
+              <a:schemeClr val="lt1"/>
+            </a:fontRef>
+          </p:style>
+          <p:txBody>
+            <a:bodyPr rtlCol="0" anchor="ctr"/>
+            <a:lstStyle/>
+            <a:p>
+              <a:pPr algn="ctr"/>
+              <a:endParaRPr lang="en-US"/>
+            </a:p>
+          </p:txBody>
+        </p:sp>
+        <p:grpSp>
+          <p:nvGrpSpPr>
+            <p:cNvPr id="10" name="Group 9">
+              <a:extLst>
+                <a:ext uri="{FF2B5EF4-FFF2-40B4-BE49-F238E27FC236}">
+                  <a16:creationId xmlns:a16="http://schemas.microsoft.com/office/drawing/2014/main" id="{2E1678F7-D339-4169-BCDF-F3135F40BBB0}"/>
+                </a:ext>
+              </a:extLst>
+            </p:cNvPr>
+            <p:cNvGrpSpPr/>
+            <p:nvPr/>
+          </p:nvGrpSpPr>
+          <p:grpSpPr>
+            <a:xfrm>
+              <a:off x="136116" y="5776566"/>
+              <a:ext cx="1766413" cy="974090"/>
+              <a:chOff x="705301" y="2052365"/>
+              <a:chExt cx="5603844" cy="3090246"/>
+            </a:xfrm>
+          </p:grpSpPr>
+          <p:pic>
+            <p:nvPicPr>
+              <p:cNvPr id="11" name="Picture 10">
+                <a:extLst>
+                  <a:ext uri="{FF2B5EF4-FFF2-40B4-BE49-F238E27FC236}">
+                    <a16:creationId xmlns:a16="http://schemas.microsoft.com/office/drawing/2014/main" id="{29710856-EDD0-4DE8-9140-CEA037FFE419}"/>
+                  </a:ext>
+                </a:extLst>
+              </p:cNvPr>
+              <p:cNvPicPr>
+                <a:picLocks noChangeAspect="1"/>
+              </p:cNvPicPr>
+              <p:nvPr/>
+            </p:nvPicPr>
+            <p:blipFill>
+              <a:blip r:embed="rId2">
+                <a:extLst>
+                  <a:ext uri="{28A0092B-C50C-407E-A947-70E740481C1C}">
+                    <a14:useLocalDpi xmlns:a14="http://schemas.microsoft.com/office/drawing/2010/main" val="0"/>
+                  </a:ext>
+                </a:extLst>
+              </a:blip>
+              <a:stretch>
+                <a:fillRect/>
+              </a:stretch>
+            </p:blipFill>
+            <p:spPr>
+              <a:xfrm>
+                <a:off x="705301" y="2052365"/>
+                <a:ext cx="5603844" cy="3090246"/>
+              </a:xfrm>
+              <a:prstGeom prst="rect">
+                <a:avLst/>
+              </a:prstGeom>
+              <a:effectLst>
+                <a:outerShdw blurRad="50800" dist="38100" dir="5400000" algn="t" rotWithShape="0">
+                  <a:prstClr val="black">
+                    <a:alpha val="40000"/>
+                  </a:prstClr>
+                </a:outerShdw>
+              </a:effectLst>
+            </p:spPr>
+          </p:pic>
+          <p:pic>
+            <p:nvPicPr>
+              <p:cNvPr id="12" name="Picture 11">
+                <a:extLst>
+                  <a:ext uri="{FF2B5EF4-FFF2-40B4-BE49-F238E27FC236}">
+                    <a16:creationId xmlns:a16="http://schemas.microsoft.com/office/drawing/2014/main" id="{66D782CC-EE1D-4D92-B829-82F15B6306DA}"/>
+                  </a:ext>
+                </a:extLst>
+              </p:cNvPr>
+              <p:cNvPicPr>
+                <a:picLocks noChangeAspect="1"/>
+              </p:cNvPicPr>
+              <p:nvPr/>
+            </p:nvPicPr>
+            <p:blipFill>
+              <a:blip r:embed="rId3">
+                <a:extLst>
+                  <a:ext uri="{28A0092B-C50C-407E-A947-70E740481C1C}">
+                    <a14:useLocalDpi xmlns:a14="http://schemas.microsoft.com/office/drawing/2010/main" val="0"/>
+                  </a:ext>
+                </a:extLst>
+              </a:blip>
+              <a:stretch>
+                <a:fillRect/>
+              </a:stretch>
+            </p:blipFill>
+            <p:spPr>
+              <a:xfrm>
+                <a:off x="1264843" y="2298120"/>
+                <a:ext cx="4484760" cy="2473126"/>
+              </a:xfrm>
+              <a:prstGeom prst="rect">
+                <a:avLst/>
+              </a:prstGeom>
+              <a:effectLst>
+                <a:outerShdw blurRad="50800" dist="38100" dir="2700000" algn="tl" rotWithShape="0">
+                  <a:schemeClr val="bg1">
+                    <a:alpha val="40000"/>
+                  </a:schemeClr>
+                </a:outerShdw>
+              </a:effectLst>
+            </p:spPr>
+          </p:pic>
+        </p:grpSp>
+      </p:grpSp>
+    </p:spTree>
+    <p:extLst>
+      <p:ext uri="{BB962C8B-B14F-4D97-AF65-F5344CB8AC3E}">
+        <p14:creationId xmlns:p14="http://schemas.microsoft.com/office/powerpoint/2010/main" val="2463799612"/>
       </p:ext>
     </p:extLst>
   </p:cSld>
@@ -1735,7 +5723,13 @@
       </p:grpSpPr>
       <p:sp>
         <p:nvSpPr>
-          <p:cNvPr id="2" name="Title Placeholder 1"/>
+          <p:cNvPr id="2" name="Title Placeholder 1">
+            <a:extLst>
+              <a:ext uri="{FF2B5EF4-FFF2-40B4-BE49-F238E27FC236}">
+                <a16:creationId xmlns:a16="http://schemas.microsoft.com/office/drawing/2014/main" id="{B47D7DD8-4D23-454A-B933-0935B2DBF9DE}"/>
+              </a:ext>
+            </a:extLst>
+          </p:cNvPr>
           <p:cNvSpPr>
             <a:spLocks noGrp="1"/>
           </p:cNvSpPr>
@@ -1745,21 +5739,21 @@
         </p:nvSpPr>
         <p:spPr>
           <a:xfrm>
-            <a:off x="361038" y="360363"/>
-            <a:ext cx="10800000" cy="720000"/>
+            <a:off x="838200" y="365125"/>
+            <a:ext cx="10515600" cy="1325563"/>
           </a:xfrm>
           <a:prstGeom prst="rect">
             <a:avLst/>
           </a:prstGeom>
         </p:spPr>
         <p:txBody>
-          <a:bodyPr vert="horz" lIns="0" tIns="0" rIns="0" bIns="0" rtlCol="0" anchor="ctr">
-            <a:noAutofit/>
+          <a:bodyPr vert="horz" lIns="91440" tIns="45720" rIns="91440" bIns="45720" rtlCol="0" anchor="ctr">
+            <a:normAutofit/>
           </a:bodyPr>
           <a:lstStyle/>
           <a:p>
             <a:r>
-              <a:rPr lang="en-US" dirty="0"/>
+              <a:rPr lang="en-US"/>
               <a:t>Click to edit Master title style</a:t>
             </a:r>
           </a:p>
@@ -1767,7 +5761,13 @@
       </p:sp>
       <p:sp>
         <p:nvSpPr>
-          <p:cNvPr id="3" name="Text Placeholder 2"/>
+          <p:cNvPr id="3" name="Text Placeholder 2">
+            <a:extLst>
+              <a:ext uri="{FF2B5EF4-FFF2-40B4-BE49-F238E27FC236}">
+                <a16:creationId xmlns:a16="http://schemas.microsoft.com/office/drawing/2014/main" id="{FBF16DFF-F004-431E-AFC4-618987C4E850}"/>
+              </a:ext>
+            </a:extLst>
+          </p:cNvPr>
           <p:cNvSpPr>
             <a:spLocks noGrp="1"/>
           </p:cNvSpPr>
@@ -1777,50 +5777,50 @@
         </p:nvSpPr>
         <p:spPr>
           <a:xfrm>
-            <a:off x="360125" y="1439813"/>
-            <a:ext cx="10800000" cy="4680000"/>
+            <a:off x="838200" y="1825625"/>
+            <a:ext cx="10515600" cy="4351338"/>
           </a:xfrm>
           <a:prstGeom prst="rect">
             <a:avLst/>
           </a:prstGeom>
         </p:spPr>
         <p:txBody>
-          <a:bodyPr vert="horz" lIns="0" tIns="0" rIns="0" bIns="0" rtlCol="0" anchor="t">
+          <a:bodyPr vert="horz" lIns="91440" tIns="45720" rIns="91440" bIns="45720" rtlCol="0">
             <a:normAutofit/>
           </a:bodyPr>
           <a:lstStyle/>
           <a:p>
             <a:pPr lvl="0"/>
             <a:r>
-              <a:rPr lang="en-US" dirty="0"/>
-              <a:t>Click to edit Master text styles</a:t>
+              <a:rPr lang="en-US"/>
+              <a:t>Edit Master text styles</a:t>
             </a:r>
           </a:p>
           <a:p>
             <a:pPr lvl="1"/>
             <a:r>
-              <a:rPr lang="en-US" dirty="0"/>
+              <a:rPr lang="en-US"/>
               <a:t>Second level</a:t>
             </a:r>
           </a:p>
           <a:p>
             <a:pPr lvl="2"/>
             <a:r>
-              <a:rPr lang="en-US" dirty="0"/>
+              <a:rPr lang="en-US"/>
               <a:t>Third level</a:t>
             </a:r>
           </a:p>
           <a:p>
             <a:pPr lvl="3"/>
             <a:r>
-              <a:rPr lang="en-US" dirty="0"/>
+              <a:rPr lang="en-US"/>
               <a:t>Fourth level</a:t>
             </a:r>
           </a:p>
           <a:p>
             <a:pPr lvl="4"/>
             <a:r>
-              <a:rPr lang="en-US" dirty="0"/>
+              <a:rPr lang="en-US"/>
               <a:t>Fifth level</a:t>
             </a:r>
           </a:p>
@@ -1828,114 +5828,175 @@
       </p:sp>
       <p:sp>
         <p:nvSpPr>
-          <p:cNvPr id="7" name="TextBox 6"/>
-          <p:cNvSpPr txBox="1"/>
-          <p:nvPr userDrawn="1"/>
+          <p:cNvPr id="4" name="Date Placeholder 3">
+            <a:extLst>
+              <a:ext uri="{FF2B5EF4-FFF2-40B4-BE49-F238E27FC236}">
+                <a16:creationId xmlns:a16="http://schemas.microsoft.com/office/drawing/2014/main" id="{CC41F69B-4654-462F-B497-900A8AE5B2AD}"/>
+              </a:ext>
+            </a:extLst>
+          </p:cNvPr>
+          <p:cNvSpPr>
+            <a:spLocks noGrp="1"/>
+          </p:cNvSpPr>
+          <p:nvPr>
+            <p:ph type="dt" sz="half" idx="2"/>
+          </p:nvPr>
         </p:nvSpPr>
         <p:spPr>
           <a:xfrm>
-            <a:off x="1587525" y="1153073"/>
-            <a:ext cx="184731" cy="441339"/>
+            <a:off x="838200" y="6356350"/>
+            <a:ext cx="2743200" cy="365125"/>
           </a:xfrm>
           <a:prstGeom prst="rect">
             <a:avLst/>
           </a:prstGeom>
-          <a:noFill/>
         </p:spPr>
         <p:txBody>
-          <a:bodyPr wrap="none" rtlCol="0">
-            <a:spAutoFit/>
-          </a:bodyPr>
-          <a:lstStyle/>
-          <a:p>
-            <a:endParaRPr lang="en-US" sz="2268" dirty="0"/>
+          <a:bodyPr vert="horz" lIns="91440" tIns="45720" rIns="91440" bIns="45720" rtlCol="0" anchor="ctr"/>
+          <a:lstStyle>
+            <a:lvl1pPr algn="l">
+              <a:defRPr sz="1200">
+                <a:solidFill>
+                  <a:schemeClr val="tx1">
+                    <a:tint val="75000"/>
+                  </a:schemeClr>
+                </a:solidFill>
+              </a:defRPr>
+            </a:lvl1pPr>
+          </a:lstStyle>
+          <a:p>
+            <a:fld id="{A8B89F18-586E-4B97-8EEA-25E99A190A89}" type="datetimeFigureOut">
+              <a:rPr lang="en-US" smtClean="0"/>
+              <a:t>9/9/2019</a:t>
+            </a:fld>
+            <a:endParaRPr lang="en-US"/>
           </a:p>
         </p:txBody>
       </p:sp>
-      <p:graphicFrame>
-        <p:nvGraphicFramePr>
-          <p:cNvPr id="9" name="Object 8"/>
-          <p:cNvGraphicFramePr>
-            <a:graphicFrameLocks noChangeAspect="1"/>
-          </p:cNvGraphicFramePr>
-          <p:nvPr userDrawn="1">
-            <p:extLst>
-              <p:ext uri="{D42A27DB-BD31-4B8C-83A1-F6EECF244321}">
-                <p14:modId xmlns:p14="http://schemas.microsoft.com/office/powerpoint/2010/main" val="1855242954"/>
-              </p:ext>
-            </p:extLst>
+      <p:sp>
+        <p:nvSpPr>
+          <p:cNvPr id="5" name="Footer Placeholder 4">
+            <a:extLst>
+              <a:ext uri="{FF2B5EF4-FFF2-40B4-BE49-F238E27FC236}">
+                <a16:creationId xmlns:a16="http://schemas.microsoft.com/office/drawing/2014/main" id="{75202C0D-9C7F-412A-857B-84E528E59B2D}"/>
+              </a:ext>
+            </a:extLst>
+          </p:cNvPr>
+          <p:cNvSpPr>
+            <a:spLocks noGrp="1"/>
+          </p:cNvSpPr>
+          <p:nvPr>
+            <p:ph type="ftr" sz="quarter" idx="3"/>
           </p:nvPr>
-        </p:nvGraphicFramePr>
-        <p:xfrm>
-          <a:off x="10713600" y="5940175"/>
-          <a:ext cx="626616" cy="360000"/>
-        </p:xfrm>
-        <a:graphic>
-          <a:graphicData uri="http://schemas.openxmlformats.org/presentationml/2006/ole">
-            <mc:AlternateContent xmlns:mc="http://schemas.openxmlformats.org/markup-compatibility/2006">
-              <mc:Choice xmlns:v="urn:schemas-microsoft-com:vml" Requires="v">
-                <p:oleObj spid="_x0000_s1046" name="Image" r:id="rId10" imgW="2279520" imgH="1310400" progId="Photoshop.Image.18">
-                  <p:embed/>
-                </p:oleObj>
-              </mc:Choice>
-              <mc:Fallback>
-                <p:oleObj name="Image" r:id="rId10" imgW="2279520" imgH="1310400" progId="Photoshop.Image.18">
-                  <p:embed/>
-                  <p:pic>
-                    <p:nvPicPr>
-                      <p:cNvPr id="9" name="Object 8"/>
-                      <p:cNvPicPr/>
-                      <p:nvPr/>
-                    </p:nvPicPr>
-                    <p:blipFill>
-                      <a:blip r:embed="rId11"/>
-                      <a:stretch>
-                        <a:fillRect/>
-                      </a:stretch>
-                    </p:blipFill>
-                    <p:spPr>
-                      <a:xfrm>
-                        <a:off x="10713600" y="5940175"/>
-                        <a:ext cx="626616" cy="360000"/>
-                      </a:xfrm>
-                      <a:prstGeom prst="rect">
-                        <a:avLst/>
-                      </a:prstGeom>
-                    </p:spPr>
-                  </p:pic>
-                </p:oleObj>
-              </mc:Fallback>
-            </mc:AlternateContent>
-          </a:graphicData>
-        </a:graphic>
-      </p:graphicFrame>
+        </p:nvSpPr>
+        <p:spPr>
+          <a:xfrm>
+            <a:off x="4038600" y="6356350"/>
+            <a:ext cx="4114800" cy="365125"/>
+          </a:xfrm>
+          <a:prstGeom prst="rect">
+            <a:avLst/>
+          </a:prstGeom>
+        </p:spPr>
+        <p:txBody>
+          <a:bodyPr vert="horz" lIns="91440" tIns="45720" rIns="91440" bIns="45720" rtlCol="0" anchor="ctr"/>
+          <a:lstStyle>
+            <a:lvl1pPr algn="ctr">
+              <a:defRPr sz="1200">
+                <a:solidFill>
+                  <a:schemeClr val="tx1">
+                    <a:tint val="75000"/>
+                  </a:schemeClr>
+                </a:solidFill>
+              </a:defRPr>
+            </a:lvl1pPr>
+          </a:lstStyle>
+          <a:p>
+            <a:endParaRPr lang="en-US"/>
+          </a:p>
+        </p:txBody>
+      </p:sp>
+      <p:sp>
+        <p:nvSpPr>
+          <p:cNvPr id="6" name="Slide Number Placeholder 5">
+            <a:extLst>
+              <a:ext uri="{FF2B5EF4-FFF2-40B4-BE49-F238E27FC236}">
+                <a16:creationId xmlns:a16="http://schemas.microsoft.com/office/drawing/2014/main" id="{AFDB224E-E3E8-4709-954D-A192023702F0}"/>
+              </a:ext>
+            </a:extLst>
+          </p:cNvPr>
+          <p:cNvSpPr>
+            <a:spLocks noGrp="1"/>
+          </p:cNvSpPr>
+          <p:nvPr>
+            <p:ph type="sldNum" sz="quarter" idx="4"/>
+          </p:nvPr>
+        </p:nvSpPr>
+        <p:spPr>
+          <a:xfrm>
+            <a:off x="8610600" y="6356350"/>
+            <a:ext cx="2743200" cy="365125"/>
+          </a:xfrm>
+          <a:prstGeom prst="rect">
+            <a:avLst/>
+          </a:prstGeom>
+        </p:spPr>
+        <p:txBody>
+          <a:bodyPr vert="horz" lIns="91440" tIns="45720" rIns="91440" bIns="45720" rtlCol="0" anchor="ctr"/>
+          <a:lstStyle>
+            <a:lvl1pPr algn="r">
+              <a:defRPr sz="1200">
+                <a:solidFill>
+                  <a:schemeClr val="tx1">
+                    <a:tint val="75000"/>
+                  </a:schemeClr>
+                </a:solidFill>
+              </a:defRPr>
+            </a:lvl1pPr>
+          </a:lstStyle>
+          <a:p>
+            <a:fld id="{734DA83B-C71A-4208-9071-1761995F3B54}" type="slidenum">
+              <a:rPr lang="en-US" smtClean="0"/>
+              <a:t>‹#›</a:t>
+            </a:fld>
+            <a:endParaRPr lang="en-US"/>
+          </a:p>
+        </p:txBody>
+      </p:sp>
     </p:spTree>
     <p:extLst>
       <p:ext uri="{BB962C8B-B14F-4D97-AF65-F5344CB8AC3E}">
-        <p14:creationId xmlns:p14="http://schemas.microsoft.com/office/powerpoint/2010/main" val="517766698"/>
+        <p14:creationId xmlns:p14="http://schemas.microsoft.com/office/powerpoint/2010/main" val="4102208497"/>
       </p:ext>
     </p:extLst>
   </p:cSld>
   <p:clrMap bg1="lt1" tx1="dk1" bg2="lt2" tx2="dk2" accent1="accent1" accent2="accent2" accent3="accent3" accent4="accent4" accent5="accent5" accent6="accent6" hlink="hlink" folHlink="folHlink"/>
   <p:sldLayoutIdLst>
     <p:sldLayoutId id="2147483649" r:id="rId1"/>
-    <p:sldLayoutId id="2147483651" r:id="rId2"/>
-    <p:sldLayoutId id="2147483650" r:id="rId3"/>
-    <p:sldLayoutId id="2147483654" r:id="rId4"/>
-    <p:sldLayoutId id="2147483656" r:id="rId5"/>
-    <p:sldLayoutId id="2147483652" r:id="rId6"/>
+    <p:sldLayoutId id="2147483650" r:id="rId2"/>
+    <p:sldLayoutId id="2147483651" r:id="rId3"/>
+    <p:sldLayoutId id="2147483652" r:id="rId4"/>
+    <p:sldLayoutId id="2147483653" r:id="rId5"/>
+    <p:sldLayoutId id="2147483654" r:id="rId6"/>
     <p:sldLayoutId id="2147483655" r:id="rId7"/>
+    <p:sldLayoutId id="2147483656" r:id="rId8"/>
+    <p:sldLayoutId id="2147483657" r:id="rId9"/>
+    <p:sldLayoutId id="2147483658" r:id="rId10"/>
+    <p:sldLayoutId id="2147483659" r:id="rId11"/>
   </p:sldLayoutIdLst>
   <p:txStyles>
     <p:titleStyle>
-      <a:lvl1pPr algn="l" defTabSz="576026" rtl="0" eaLnBrk="1" latinLnBrk="0" hangingPunct="1">
+      <a:lvl1pPr algn="l" defTabSz="914400" rtl="0" eaLnBrk="1" latinLnBrk="0" hangingPunct="1">
+        <a:lnSpc>
+          <a:spcPct val="90000"/>
+        </a:lnSpc>
         <a:spcBef>
           <a:spcPct val="0"/>
         </a:spcBef>
         <a:buNone/>
         <a:defRPr sz="4400" kern="1200">
           <a:solidFill>
-            <a:schemeClr val="accent1"/>
+            <a:schemeClr val="tx1"/>
           </a:solidFill>
           <a:latin typeface="+mj-lt"/>
           <a:ea typeface="+mj-ea"/>
@@ -1944,88 +6005,106 @@
       </a:lvl1pPr>
     </p:titleStyle>
     <p:bodyStyle>
-      <a:lvl1pPr marL="0" indent="0" algn="l" defTabSz="576026" rtl="0" eaLnBrk="1" latinLnBrk="0" hangingPunct="1">
+      <a:lvl1pPr marL="228600" indent="-228600" algn="l" defTabSz="914400" rtl="0" eaLnBrk="1" latinLnBrk="0" hangingPunct="1">
+        <a:lnSpc>
+          <a:spcPct val="90000"/>
+        </a:lnSpc>
         <a:spcBef>
-          <a:spcPct val="20000"/>
+          <a:spcPts val="1000"/>
         </a:spcBef>
-        <a:buFont typeface="Wingdings" charset="2"/>
-        <a:buNone/>
-        <a:defRPr sz="3600" kern="1200">
+        <a:buFont typeface="Arial" panose="020B0604020202020204" pitchFamily="34" charset="0"/>
+        <a:buChar char="•"/>
+        <a:defRPr sz="2800" kern="1200">
           <a:solidFill>
-            <a:schemeClr val="tx2"/>
+            <a:schemeClr val="tx1"/>
           </a:solidFill>
           <a:latin typeface="+mn-lt"/>
           <a:ea typeface="+mn-ea"/>
           <a:cs typeface="+mn-cs"/>
         </a:defRPr>
       </a:lvl1pPr>
-      <a:lvl2pPr marL="576027" indent="0" algn="l" defTabSz="576026" rtl="0" eaLnBrk="1" latinLnBrk="0" hangingPunct="1">
+      <a:lvl2pPr marL="685800" indent="-228600" algn="l" defTabSz="914400" rtl="0" eaLnBrk="1" latinLnBrk="0" hangingPunct="1">
+        <a:lnSpc>
+          <a:spcPct val="90000"/>
+        </a:lnSpc>
         <a:spcBef>
-          <a:spcPct val="20000"/>
+          <a:spcPts val="500"/>
         </a:spcBef>
-        <a:buFont typeface="Wingdings" charset="2"/>
-        <a:buNone/>
-        <a:defRPr sz="3200" kern="1200">
+        <a:buFont typeface="Arial" panose="020B0604020202020204" pitchFamily="34" charset="0"/>
+        <a:buChar char="•"/>
+        <a:defRPr sz="2400" kern="1200">
           <a:solidFill>
-            <a:schemeClr val="tx2"/>
+            <a:schemeClr val="tx1"/>
           </a:solidFill>
           <a:latin typeface="+mn-lt"/>
           <a:ea typeface="+mn-ea"/>
           <a:cs typeface="+mn-cs"/>
         </a:defRPr>
       </a:lvl2pPr>
-      <a:lvl3pPr marL="1152053" indent="0" algn="l" defTabSz="576026" rtl="0" eaLnBrk="1" latinLnBrk="0" hangingPunct="1">
+      <a:lvl3pPr marL="1143000" indent="-228600" algn="l" defTabSz="914400" rtl="0" eaLnBrk="1" latinLnBrk="0" hangingPunct="1">
+        <a:lnSpc>
+          <a:spcPct val="90000"/>
+        </a:lnSpc>
         <a:spcBef>
-          <a:spcPct val="20000"/>
+          <a:spcPts val="500"/>
         </a:spcBef>
-        <a:buFont typeface="Wingdings" charset="2"/>
-        <a:buNone/>
-        <a:defRPr sz="2400" kern="1200">
+        <a:buFont typeface="Arial" panose="020B0604020202020204" pitchFamily="34" charset="0"/>
+        <a:buChar char="•"/>
+        <a:defRPr sz="2000" kern="1200">
           <a:solidFill>
-            <a:schemeClr val="tx2"/>
+            <a:schemeClr val="tx1"/>
           </a:solidFill>
           <a:latin typeface="+mn-lt"/>
           <a:ea typeface="+mn-ea"/>
           <a:cs typeface="+mn-cs"/>
         </a:defRPr>
       </a:lvl3pPr>
-      <a:lvl4pPr marL="1728079" indent="0" algn="l" defTabSz="576026" rtl="0" eaLnBrk="1" latinLnBrk="0" hangingPunct="1">
+      <a:lvl4pPr marL="1600200" indent="-228600" algn="l" defTabSz="914400" rtl="0" eaLnBrk="1" latinLnBrk="0" hangingPunct="1">
+        <a:lnSpc>
+          <a:spcPct val="90000"/>
+        </a:lnSpc>
         <a:spcBef>
-          <a:spcPct val="20000"/>
+          <a:spcPts val="500"/>
         </a:spcBef>
-        <a:buFont typeface="Wingdings" charset="2"/>
-        <a:buNone/>
-        <a:defRPr sz="2400" kern="1200">
+        <a:buFont typeface="Arial" panose="020B0604020202020204" pitchFamily="34" charset="0"/>
+        <a:buChar char="•"/>
+        <a:defRPr sz="1800" kern="1200">
           <a:solidFill>
-            <a:schemeClr val="tx2"/>
+            <a:schemeClr val="tx1"/>
           </a:solidFill>
           <a:latin typeface="+mn-lt"/>
           <a:ea typeface="+mn-ea"/>
           <a:cs typeface="+mn-cs"/>
         </a:defRPr>
       </a:lvl4pPr>
-      <a:lvl5pPr marL="2304105" indent="0" algn="l" defTabSz="576026" rtl="0" eaLnBrk="1" latinLnBrk="0" hangingPunct="1">
+      <a:lvl5pPr marL="2057400" indent="-228600" algn="l" defTabSz="914400" rtl="0" eaLnBrk="1" latinLnBrk="0" hangingPunct="1">
+        <a:lnSpc>
+          <a:spcPct val="90000"/>
+        </a:lnSpc>
         <a:spcBef>
-          <a:spcPct val="20000"/>
+          <a:spcPts val="500"/>
         </a:spcBef>
-        <a:buFont typeface="Wingdings" charset="2"/>
-        <a:buNone/>
-        <a:defRPr sz="2000" kern="1200">
+        <a:buFont typeface="Arial" panose="020B0604020202020204" pitchFamily="34" charset="0"/>
+        <a:buChar char="•"/>
+        <a:defRPr sz="1800" kern="1200">
           <a:solidFill>
-            <a:schemeClr val="tx2"/>
+            <a:schemeClr val="tx1"/>
           </a:solidFill>
           <a:latin typeface="+mn-lt"/>
           <a:ea typeface="+mn-ea"/>
           <a:cs typeface="+mn-cs"/>
         </a:defRPr>
       </a:lvl5pPr>
-      <a:lvl6pPr marL="3168145" indent="-288013" algn="l" defTabSz="576026" rtl="0" eaLnBrk="1" latinLnBrk="0" hangingPunct="1">
+      <a:lvl6pPr marL="2514600" indent="-228600" algn="l" defTabSz="914400" rtl="0" eaLnBrk="1" latinLnBrk="0" hangingPunct="1">
+        <a:lnSpc>
+          <a:spcPct val="90000"/>
+        </a:lnSpc>
         <a:spcBef>
-          <a:spcPct val="20000"/>
+          <a:spcPts val="500"/>
         </a:spcBef>
-        <a:buFont typeface="Arial"/>
+        <a:buFont typeface="Arial" panose="020B0604020202020204" pitchFamily="34" charset="0"/>
         <a:buChar char="•"/>
-        <a:defRPr sz="2520" kern="1200">
+        <a:defRPr sz="1800" kern="1200">
           <a:solidFill>
             <a:schemeClr val="tx1"/>
           </a:solidFill>
@@ -2034,13 +6113,16 @@
           <a:cs typeface="+mn-cs"/>
         </a:defRPr>
       </a:lvl6pPr>
-      <a:lvl7pPr marL="3744171" indent="-288013" algn="l" defTabSz="576026" rtl="0" eaLnBrk="1" latinLnBrk="0" hangingPunct="1">
+      <a:lvl7pPr marL="2971800" indent="-228600" algn="l" defTabSz="914400" rtl="0" eaLnBrk="1" latinLnBrk="0" hangingPunct="1">
+        <a:lnSpc>
+          <a:spcPct val="90000"/>
+        </a:lnSpc>
         <a:spcBef>
-          <a:spcPct val="20000"/>
+          <a:spcPts val="500"/>
         </a:spcBef>
-        <a:buFont typeface="Arial"/>
+        <a:buFont typeface="Arial" panose="020B0604020202020204" pitchFamily="34" charset="0"/>
         <a:buChar char="•"/>
-        <a:defRPr sz="2520" kern="1200">
+        <a:defRPr sz="1800" kern="1200">
           <a:solidFill>
             <a:schemeClr val="tx1"/>
           </a:solidFill>
@@ -2049,13 +6131,16 @@
           <a:cs typeface="+mn-cs"/>
         </a:defRPr>
       </a:lvl7pPr>
-      <a:lvl8pPr marL="4320197" indent="-288013" algn="l" defTabSz="576026" rtl="0" eaLnBrk="1" latinLnBrk="0" hangingPunct="1">
+      <a:lvl8pPr marL="3429000" indent="-228600" algn="l" defTabSz="914400" rtl="0" eaLnBrk="1" latinLnBrk="0" hangingPunct="1">
+        <a:lnSpc>
+          <a:spcPct val="90000"/>
+        </a:lnSpc>
         <a:spcBef>
-          <a:spcPct val="20000"/>
+          <a:spcPts val="500"/>
         </a:spcBef>
-        <a:buFont typeface="Arial"/>
+        <a:buFont typeface="Arial" panose="020B0604020202020204" pitchFamily="34" charset="0"/>
         <a:buChar char="•"/>
-        <a:defRPr sz="2520" kern="1200">
+        <a:defRPr sz="1800" kern="1200">
           <a:solidFill>
             <a:schemeClr val="tx1"/>
           </a:solidFill>
@@ -2064,13 +6149,16 @@
           <a:cs typeface="+mn-cs"/>
         </a:defRPr>
       </a:lvl8pPr>
-      <a:lvl9pPr marL="4896223" indent="-288013" algn="l" defTabSz="576026" rtl="0" eaLnBrk="1" latinLnBrk="0" hangingPunct="1">
+      <a:lvl9pPr marL="3886200" indent="-228600" algn="l" defTabSz="914400" rtl="0" eaLnBrk="1" latinLnBrk="0" hangingPunct="1">
+        <a:lnSpc>
+          <a:spcPct val="90000"/>
+        </a:lnSpc>
         <a:spcBef>
-          <a:spcPct val="20000"/>
+          <a:spcPts val="500"/>
         </a:spcBef>
-        <a:buFont typeface="Arial"/>
+        <a:buFont typeface="Arial" panose="020B0604020202020204" pitchFamily="34" charset="0"/>
         <a:buChar char="•"/>
-        <a:defRPr sz="2520" kern="1200">
+        <a:defRPr sz="1800" kern="1200">
           <a:solidFill>
             <a:schemeClr val="tx1"/>
           </a:solidFill>
@@ -2084,8 +6172,8 @@
       <a:defPPr>
         <a:defRPr lang="en-US"/>
       </a:defPPr>
-      <a:lvl1pPr marL="0" algn="l" defTabSz="576026" rtl="0" eaLnBrk="1" latinLnBrk="0" hangingPunct="1">
-        <a:defRPr sz="2268" kern="1200">
+      <a:lvl1pPr marL="0" algn="l" defTabSz="914400" rtl="0" eaLnBrk="1" latinLnBrk="0" hangingPunct="1">
+        <a:defRPr sz="1800" kern="1200">
           <a:solidFill>
             <a:schemeClr val="tx1"/>
           </a:solidFill>
@@ -2094,8 +6182,8 @@
           <a:cs typeface="+mn-cs"/>
         </a:defRPr>
       </a:lvl1pPr>
-      <a:lvl2pPr marL="576026" algn="l" defTabSz="576026" rtl="0" eaLnBrk="1" latinLnBrk="0" hangingPunct="1">
-        <a:defRPr sz="2268" kern="1200">
+      <a:lvl2pPr marL="457200" algn="l" defTabSz="914400" rtl="0" eaLnBrk="1" latinLnBrk="0" hangingPunct="1">
+        <a:defRPr sz="1800" kern="1200">
           <a:solidFill>
             <a:schemeClr val="tx1"/>
           </a:solidFill>
@@ -2104,8 +6192,8 @@
           <a:cs typeface="+mn-cs"/>
         </a:defRPr>
       </a:lvl2pPr>
-      <a:lvl3pPr marL="1152053" algn="l" defTabSz="576026" rtl="0" eaLnBrk="1" latinLnBrk="0" hangingPunct="1">
-        <a:defRPr sz="2268" kern="1200">
+      <a:lvl3pPr marL="914400" algn="l" defTabSz="914400" rtl="0" eaLnBrk="1" latinLnBrk="0" hangingPunct="1">
+        <a:defRPr sz="1800" kern="1200">
           <a:solidFill>
             <a:schemeClr val="tx1"/>
           </a:solidFill>
@@ -2114,8 +6202,8 @@
           <a:cs typeface="+mn-cs"/>
         </a:defRPr>
       </a:lvl3pPr>
-      <a:lvl4pPr marL="1728079" algn="l" defTabSz="576026" rtl="0" eaLnBrk="1" latinLnBrk="0" hangingPunct="1">
-        <a:defRPr sz="2268" kern="1200">
+      <a:lvl4pPr marL="1371600" algn="l" defTabSz="914400" rtl="0" eaLnBrk="1" latinLnBrk="0" hangingPunct="1">
+        <a:defRPr sz="1800" kern="1200">
           <a:solidFill>
             <a:schemeClr val="tx1"/>
           </a:solidFill>
@@ -2124,8 +6212,8 @@
           <a:cs typeface="+mn-cs"/>
         </a:defRPr>
       </a:lvl4pPr>
-      <a:lvl5pPr marL="2304105" algn="l" defTabSz="576026" rtl="0" eaLnBrk="1" latinLnBrk="0" hangingPunct="1">
-        <a:defRPr sz="2268" kern="1200">
+      <a:lvl5pPr marL="1828800" algn="l" defTabSz="914400" rtl="0" eaLnBrk="1" latinLnBrk="0" hangingPunct="1">
+        <a:defRPr sz="1800" kern="1200">
           <a:solidFill>
             <a:schemeClr val="tx1"/>
           </a:solidFill>
@@ -2134,8 +6222,8 @@
           <a:cs typeface="+mn-cs"/>
         </a:defRPr>
       </a:lvl5pPr>
-      <a:lvl6pPr marL="2880131" algn="l" defTabSz="576026" rtl="0" eaLnBrk="1" latinLnBrk="0" hangingPunct="1">
-        <a:defRPr sz="2268" kern="1200">
+      <a:lvl6pPr marL="2286000" algn="l" defTabSz="914400" rtl="0" eaLnBrk="1" latinLnBrk="0" hangingPunct="1">
+        <a:defRPr sz="1800" kern="1200">
           <a:solidFill>
             <a:schemeClr val="tx1"/>
           </a:solidFill>
@@ -2144,8 +6232,8 @@
           <a:cs typeface="+mn-cs"/>
         </a:defRPr>
       </a:lvl6pPr>
-      <a:lvl7pPr marL="3456158" algn="l" defTabSz="576026" rtl="0" eaLnBrk="1" latinLnBrk="0" hangingPunct="1">
-        <a:defRPr sz="2268" kern="1200">
+      <a:lvl7pPr marL="2743200" algn="l" defTabSz="914400" rtl="0" eaLnBrk="1" latinLnBrk="0" hangingPunct="1">
+        <a:defRPr sz="1800" kern="1200">
           <a:solidFill>
             <a:schemeClr val="tx1"/>
           </a:solidFill>
@@ -2154,8 +6242,8 @@
           <a:cs typeface="+mn-cs"/>
         </a:defRPr>
       </a:lvl7pPr>
-      <a:lvl8pPr marL="4032184" algn="l" defTabSz="576026" rtl="0" eaLnBrk="1" latinLnBrk="0" hangingPunct="1">
-        <a:defRPr sz="2268" kern="1200">
+      <a:lvl8pPr marL="3200400" algn="l" defTabSz="914400" rtl="0" eaLnBrk="1" latinLnBrk="0" hangingPunct="1">
+        <a:defRPr sz="1800" kern="1200">
           <a:solidFill>
             <a:schemeClr val="tx1"/>
           </a:solidFill>
@@ -2164,8 +6252,8 @@
           <a:cs typeface="+mn-cs"/>
         </a:defRPr>
       </a:lvl8pPr>
-      <a:lvl9pPr marL="4608210" algn="l" defTabSz="576026" rtl="0" eaLnBrk="1" latinLnBrk="0" hangingPunct="1">
-        <a:defRPr sz="2268" kern="1200">
+      <a:lvl9pPr marL="3657600" algn="l" defTabSz="914400" rtl="0" eaLnBrk="1" latinLnBrk="0" hangingPunct="1">
+        <a:defRPr sz="1800" kern="1200">
           <a:solidFill>
             <a:schemeClr val="tx1"/>
           </a:solidFill>
@@ -2176,57 +6264,6 @@
       </a:lvl9pPr>
     </p:otherStyle>
   </p:txStyles>
-  <p:extLst mod="1">
-    <p:ext uri="{27BBF7A9-308A-43DC-89C8-2F10F3537804}">
-      <p15:sldGuideLst xmlns:p15="http://schemas.microsoft.com/office/powerpoint/2012/main">
-        <p15:guide id="1" orient="horz" pos="2381" userDrawn="1">
-          <p15:clr>
-            <a:srgbClr val="F26B43"/>
-          </p15:clr>
-        </p15:guide>
-        <p15:guide id="2" pos="3629" userDrawn="1">
-          <p15:clr>
-            <a:srgbClr val="F26B43"/>
-          </p15:clr>
-        </p15:guide>
-        <p15:guide id="3" pos="7030" userDrawn="1">
-          <p15:clr>
-            <a:srgbClr val="F26B43"/>
-          </p15:clr>
-        </p15:guide>
-        <p15:guide id="4" pos="227" userDrawn="1">
-          <p15:clr>
-            <a:srgbClr val="F26B43"/>
-          </p15:clr>
-        </p15:guide>
-        <p15:guide id="5" orient="horz" pos="227" userDrawn="1">
-          <p15:clr>
-            <a:srgbClr val="F26B43"/>
-          </p15:clr>
-        </p15:guide>
-        <p15:guide id="7" orient="horz" pos="680" userDrawn="1">
-          <p15:clr>
-            <a:srgbClr val="F26B43"/>
-          </p15:clr>
-        </p15:guide>
-        <p15:guide id="8" orient="horz" pos="907" userDrawn="1">
-          <p15:clr>
-            <a:srgbClr val="F26B43"/>
-          </p15:clr>
-        </p15:guide>
-        <p15:guide id="9" orient="horz" pos="3855" userDrawn="1">
-          <p15:clr>
-            <a:srgbClr val="F26B43"/>
-          </p15:clr>
-        </p15:guide>
-        <p15:guide id="10" orient="horz" pos="2041" userDrawn="1">
-          <p15:clr>
-            <a:srgbClr val="F26B43"/>
-          </p15:clr>
-        </p15:guide>
-      </p15:sldGuideLst>
-    </p:ext>
-  </p:extLst>
 </p:sldMaster>
 </file>
 
@@ -2249,10 +6286,171 @@
       </p:grpSpPr>
       <p:sp>
         <p:nvSpPr>
+          <p:cNvPr id="5" name="Rectangle 4">
+            <a:extLst>
+              <a:ext uri="{FF2B5EF4-FFF2-40B4-BE49-F238E27FC236}">
+                <a16:creationId xmlns:a16="http://schemas.microsoft.com/office/drawing/2014/main" id="{66BC37A6-A9E2-430F-B464-546F39511A47}"/>
+              </a:ext>
+            </a:extLst>
+          </p:cNvPr>
+          <p:cNvSpPr/>
+          <p:nvPr/>
+        </p:nvSpPr>
+        <p:spPr>
+          <a:xfrm>
+            <a:off x="0" y="2000352"/>
+            <a:ext cx="12192001" cy="4095647"/>
+          </a:xfrm>
+          <a:prstGeom prst="rect">
+            <a:avLst/>
+          </a:prstGeom>
+          <a:solidFill>
+            <a:schemeClr val="accent1">
+              <a:lumMod val="75000"/>
+            </a:schemeClr>
+          </a:solidFill>
+          <a:ln>
+            <a:noFill/>
+          </a:ln>
+        </p:spPr>
+        <p:style>
+          <a:lnRef idx="2">
+            <a:schemeClr val="accent1">
+              <a:shade val="50000"/>
+            </a:schemeClr>
+          </a:lnRef>
+          <a:fillRef idx="1">
+            <a:schemeClr val="accent1"/>
+          </a:fillRef>
+          <a:effectRef idx="0">
+            <a:schemeClr val="accent1"/>
+          </a:effectRef>
+          <a:fontRef idx="minor">
+            <a:schemeClr val="lt1"/>
+          </a:fontRef>
+        </p:style>
+        <p:txBody>
+          <a:bodyPr rtlCol="0" anchor="ctr"/>
+          <a:lstStyle/>
+          <a:p>
+            <a:pPr algn="ctr"/>
+            <a:endParaRPr lang="en-US"/>
+          </a:p>
+        </p:txBody>
+      </p:sp>
+      <p:grpSp>
+        <p:nvGrpSpPr>
+          <p:cNvPr id="6" name="Group 5">
+            <a:extLst>
+              <a:ext uri="{FF2B5EF4-FFF2-40B4-BE49-F238E27FC236}">
+                <a16:creationId xmlns:a16="http://schemas.microsoft.com/office/drawing/2014/main" id="{446F31B2-E486-4766-BC02-00A2EC939551}"/>
+              </a:ext>
+            </a:extLst>
+          </p:cNvPr>
+          <p:cNvGrpSpPr/>
+          <p:nvPr/>
+        </p:nvGrpSpPr>
+        <p:grpSpPr>
+          <a:xfrm>
+            <a:off x="2650114" y="2314574"/>
+            <a:ext cx="6891772" cy="3800475"/>
+            <a:chOff x="705301" y="2052365"/>
+            <a:chExt cx="5603844" cy="3090246"/>
+          </a:xfrm>
+        </p:grpSpPr>
+        <p:pic>
+          <p:nvPicPr>
+            <p:cNvPr id="7" name="Picture 6">
+              <a:extLst>
+                <a:ext uri="{FF2B5EF4-FFF2-40B4-BE49-F238E27FC236}">
+                  <a16:creationId xmlns:a16="http://schemas.microsoft.com/office/drawing/2014/main" id="{CCD50E36-125B-4889-9742-7A02261A6820}"/>
+                </a:ext>
+              </a:extLst>
+            </p:cNvPr>
+            <p:cNvPicPr>
+              <a:picLocks noChangeAspect="1"/>
+            </p:cNvPicPr>
+            <p:nvPr/>
+          </p:nvPicPr>
+          <p:blipFill>
+            <a:blip r:embed="rId2">
+              <a:extLst>
+                <a:ext uri="{28A0092B-C50C-407E-A947-70E740481C1C}">
+                  <a14:useLocalDpi xmlns:a14="http://schemas.microsoft.com/office/drawing/2010/main" val="0"/>
+                </a:ext>
+              </a:extLst>
+            </a:blip>
+            <a:stretch>
+              <a:fillRect/>
+            </a:stretch>
+          </p:blipFill>
+          <p:spPr>
+            <a:xfrm>
+              <a:off x="705301" y="2052365"/>
+              <a:ext cx="5603844" cy="3090246"/>
+            </a:xfrm>
+            <a:prstGeom prst="rect">
+              <a:avLst/>
+            </a:prstGeom>
+            <a:effectLst>
+              <a:outerShdw blurRad="50800" dist="38100" dir="5400000" algn="t" rotWithShape="0">
+                <a:prstClr val="black">
+                  <a:alpha val="40000"/>
+                </a:prstClr>
+              </a:outerShdw>
+            </a:effectLst>
+          </p:spPr>
+        </p:pic>
+        <p:pic>
+          <p:nvPicPr>
+            <p:cNvPr id="8" name="Picture 7">
+              <a:extLst>
+                <a:ext uri="{FF2B5EF4-FFF2-40B4-BE49-F238E27FC236}">
+                  <a16:creationId xmlns:a16="http://schemas.microsoft.com/office/drawing/2014/main" id="{12DA39CA-79F5-4FF0-983B-DC4190F8F32F}"/>
+                </a:ext>
+              </a:extLst>
+            </p:cNvPr>
+            <p:cNvPicPr>
+              <a:picLocks noChangeAspect="1"/>
+            </p:cNvPicPr>
+            <p:nvPr/>
+          </p:nvPicPr>
+          <p:blipFill>
+            <a:blip r:embed="rId3">
+              <a:extLst>
+                <a:ext uri="{28A0092B-C50C-407E-A947-70E740481C1C}">
+                  <a14:useLocalDpi xmlns:a14="http://schemas.microsoft.com/office/drawing/2010/main" val="0"/>
+                </a:ext>
+              </a:extLst>
+            </a:blip>
+            <a:stretch>
+              <a:fillRect/>
+            </a:stretch>
+          </p:blipFill>
+          <p:spPr>
+            <a:xfrm>
+              <a:off x="1264843" y="2298120"/>
+              <a:ext cx="4484760" cy="2473126"/>
+            </a:xfrm>
+            <a:prstGeom prst="rect">
+              <a:avLst/>
+            </a:prstGeom>
+            <a:effectLst>
+              <a:outerShdw blurRad="50800" dist="38100" dir="2700000" algn="tl" rotWithShape="0">
+                <a:schemeClr val="bg1">
+                  <a:alpha val="40000"/>
+                </a:schemeClr>
+              </a:outerShdw>
+            </a:effectLst>
+          </p:spPr>
+        </p:pic>
+      </p:grpSp>
+      <p:sp>
+        <p:nvSpPr>
           <p:cNvPr id="2" name="Title 1">
             <a:extLst>
               <a:ext uri="{FF2B5EF4-FFF2-40B4-BE49-F238E27FC236}">
-                <a16:creationId xmlns:a16="http://schemas.microsoft.com/office/drawing/2014/main" id="{173E300E-7D29-4602-BEC8-DE0049F99262}"/>
+                <a16:creationId xmlns:a16="http://schemas.microsoft.com/office/drawing/2014/main" id="{C794B1EF-931E-4417-B3C4-DC026D1A543B}"/>
               </a:ext>
             </a:extLst>
           </p:cNvPr>
@@ -2263,32 +6461,45 @@
             <p:ph type="ctrTitle"/>
           </p:nvPr>
         </p:nvSpPr>
-        <p:spPr/>
+        <p:spPr>
+          <a:xfrm>
+            <a:off x="1009650" y="295275"/>
+            <a:ext cx="10553700" cy="1114425"/>
+          </a:xfrm>
+        </p:spPr>
         <p:txBody>
-          <a:bodyPr/>
+          <a:bodyPr>
+            <a:noAutofit/>
+          </a:bodyPr>
           <a:lstStyle/>
           <a:p>
-            <a:r>
-              <a:rPr lang="en-US" dirty="0"/>
+            <a:pPr algn="l"/>
+            <a:r>
+              <a:rPr lang="en-US" sz="4000" dirty="0"/>
               <a:t>Using </a:t>
             </a:r>
             <a:r>
-              <a:rPr lang="en-US" dirty="0" err="1"/>
+              <a:rPr lang="en-US" sz="4000" dirty="0" err="1"/>
               <a:t>Dbatools</a:t>
             </a:r>
             <a:r>
-              <a:rPr lang="en-US" dirty="0"/>
-              <a:t> to Automate Database Migrations</a:t>
-            </a:r>
+              <a:rPr lang="en-US" sz="4000" dirty="0"/>
+              <a:t> To Automate Database Migrations</a:t>
+            </a:r>
+            <a:endParaRPr lang="en-US" sz="4000" dirty="0">
+              <a:latin typeface="Candara" panose="020E0502030303020204" pitchFamily="34" charset="0"/>
+              <a:ea typeface="Arial Unicode MS" panose="020B0604020202020204" pitchFamily="34" charset="-128"/>
+              <a:cs typeface="Arial Unicode MS" panose="020B0604020202020204" pitchFamily="34" charset="-128"/>
+            </a:endParaRPr>
           </a:p>
         </p:txBody>
       </p:sp>
       <p:sp>
         <p:nvSpPr>
-          <p:cNvPr id="3" name="Text Placeholder 2">
-            <a:extLst>
-              <a:ext uri="{FF2B5EF4-FFF2-40B4-BE49-F238E27FC236}">
-                <a16:creationId xmlns:a16="http://schemas.microsoft.com/office/drawing/2014/main" id="{4EF2CD67-7E60-478B-B8AC-77C3C8A3B962}"/>
+          <p:cNvPr id="3" name="Subtitle 2">
+            <a:extLst>
+              <a:ext uri="{FF2B5EF4-FFF2-40B4-BE49-F238E27FC236}">
+                <a16:creationId xmlns:a16="http://schemas.microsoft.com/office/drawing/2014/main" id="{A3180490-B370-4519-A6A4-9CF3BB0C7A52}"/>
               </a:ext>
             </a:extLst>
           </p:cNvPr>
@@ -2296,33 +6507,30 @@
             <a:spLocks noGrp="1"/>
           </p:cNvSpPr>
           <p:nvPr>
-            <p:ph type="body" sz="quarter" idx="10"/>
+            <p:ph type="subTitle" idx="1"/>
           </p:nvPr>
         </p:nvSpPr>
-        <p:spPr/>
+        <p:spPr>
+          <a:xfrm>
+            <a:off x="1009649" y="1409700"/>
+            <a:ext cx="10553699" cy="441146"/>
+          </a:xfrm>
+        </p:spPr>
         <p:txBody>
           <a:bodyPr/>
           <a:lstStyle/>
           <a:p>
-            <a:r>
-              <a:rPr lang="en-US" dirty="0"/>
-              <a:t>Joshua Corrick (@</a:t>
-            </a:r>
-            <a:r>
-              <a:rPr lang="en-US" dirty="0" err="1"/>
-              <a:t>JoshCorr</a:t>
-            </a:r>
-            <a:r>
-              <a:rPr lang="en-US" dirty="0"/>
-              <a:t>)</a:t>
-            </a:r>
+            <a:pPr algn="l"/>
+            <a:endParaRPr lang="en-US" dirty="0">
+              <a:latin typeface="Candara" panose="020E0502030303020204" pitchFamily="34" charset="0"/>
+            </a:endParaRPr>
           </a:p>
         </p:txBody>
       </p:sp>
     </p:spTree>
     <p:extLst>
       <p:ext uri="{BB962C8B-B14F-4D97-AF65-F5344CB8AC3E}">
-        <p14:creationId xmlns:p14="http://schemas.microsoft.com/office/powerpoint/2010/main" val="1968302502"/>
+        <p14:creationId xmlns:p14="http://schemas.microsoft.com/office/powerpoint/2010/main" val="3276336989"/>
       </p:ext>
     </p:extLst>
   </p:cSld>
@@ -2351,10 +6559,10 @@
       </p:grpSpPr>
       <p:sp>
         <p:nvSpPr>
-          <p:cNvPr id="2" name="Title 1">
-            <a:extLst>
-              <a:ext uri="{FF2B5EF4-FFF2-40B4-BE49-F238E27FC236}">
-                <a16:creationId xmlns:a16="http://schemas.microsoft.com/office/drawing/2014/main" id="{1AF04810-A269-4151-B371-BDBE6DF2EDC6}"/>
+          <p:cNvPr id="3" name="Title 2">
+            <a:extLst>
+              <a:ext uri="{FF2B5EF4-FFF2-40B4-BE49-F238E27FC236}">
+                <a16:creationId xmlns:a16="http://schemas.microsoft.com/office/drawing/2014/main" id="{F7404CC7-B4E9-4814-845C-ECE4EF3629D8}"/>
               </a:ext>
             </a:extLst>
           </p:cNvPr>
@@ -2367,23 +6575,27 @@
         </p:nvSpPr>
         <p:spPr/>
         <p:txBody>
-          <a:bodyPr/>
+          <a:bodyPr>
+            <a:normAutofit/>
+          </a:bodyPr>
           <a:lstStyle/>
           <a:p>
-            <a:r>
-              <a:rPr lang="en-US" dirty="0" err="1"/>
-              <a:t>whoami</a:t>
-            </a:r>
-            <a:endParaRPr lang="en-US" dirty="0"/>
+            <a:pPr algn="ctr"/>
+            <a:r>
+              <a:rPr lang="en-US" sz="5400" dirty="0">
+                <a:latin typeface="Candara" panose="020E0502030303020204" pitchFamily="34" charset="0"/>
+              </a:rPr>
+              <a:t>Sponsors</a:t>
+            </a:r>
           </a:p>
         </p:txBody>
       </p:sp>
       <p:sp>
         <p:nvSpPr>
-          <p:cNvPr id="3" name="Content Placeholder 2">
-            <a:extLst>
-              <a:ext uri="{FF2B5EF4-FFF2-40B4-BE49-F238E27FC236}">
-                <a16:creationId xmlns:a16="http://schemas.microsoft.com/office/drawing/2014/main" id="{0ED70AA7-07CF-411A-8CF2-9EAEAABE0E58}"/>
+          <p:cNvPr id="4" name="Content Placeholder 3">
+            <a:extLst>
+              <a:ext uri="{FF2B5EF4-FFF2-40B4-BE49-F238E27FC236}">
+                <a16:creationId xmlns:a16="http://schemas.microsoft.com/office/drawing/2014/main" id="{BC1A9042-1151-4C23-8A0F-8381C4BEF04A}"/>
               </a:ext>
             </a:extLst>
           </p:cNvPr>
@@ -2391,109 +6603,235 @@
             <a:spLocks noGrp="1"/>
           </p:cNvSpPr>
           <p:nvPr>
-            <p:ph sz="half" idx="1"/>
+            <p:ph idx="1"/>
           </p:nvPr>
         </p:nvSpPr>
-        <p:spPr/>
+        <p:spPr>
+          <a:xfrm>
+            <a:off x="838200" y="1825625"/>
+            <a:ext cx="10515600" cy="4149047"/>
+          </a:xfrm>
+        </p:spPr>
         <p:txBody>
           <a:bodyPr>
             <a:normAutofit/>
           </a:bodyPr>
           <a:lstStyle/>
           <a:p>
-            <a:r>
-              <a:rPr lang="en-US" b="1" dirty="0"/>
-              <a:t>Joshua Corrick </a:t>
-            </a:r>
-            <a:r>
-              <a:rPr lang="en-US" dirty="0"/>
-              <a:t>(@</a:t>
-            </a:r>
-            <a:r>
-              <a:rPr lang="en-US" dirty="0" err="1"/>
-              <a:t>joshCorr</a:t>
-            </a:r>
-            <a:r>
-              <a:rPr lang="en-US" dirty="0"/>
-              <a:t>)</a:t>
-            </a:r>
-          </a:p>
-          <a:p>
-            <a:r>
-              <a:rPr lang="en-US" dirty="0"/>
-              <a:t>https://Corrick.io/blog</a:t>
-            </a:r>
-          </a:p>
-          <a:p>
-            <a:endParaRPr lang="en-US" dirty="0"/>
-          </a:p>
-          <a:p>
-            <a:r>
-              <a:rPr lang="en-US" dirty="0"/>
-              <a:t>Sr. Systems Engineer</a:t>
-            </a:r>
-          </a:p>
-          <a:p>
-            <a:r>
-              <a:rPr lang="en-US" dirty="0"/>
-              <a:t>Accidental DBA</a:t>
-            </a:r>
-          </a:p>
-          <a:p>
-            <a:r>
-              <a:rPr lang="en-US" dirty="0"/>
-              <a:t>Passionate about PowerShell</a:t>
-            </a:r>
-          </a:p>
-          <a:p>
-            <a:r>
-              <a:rPr lang="en-US" dirty="0"/>
-              <a:t>Major Contributor to </a:t>
-            </a:r>
-            <a:r>
-              <a:rPr lang="en-US" dirty="0" err="1"/>
-              <a:t>Dbatools</a:t>
-            </a:r>
-            <a:endParaRPr lang="en-US" dirty="0"/>
-          </a:p>
-          <a:p>
-            <a:endParaRPr lang="en-US" dirty="0"/>
+            <a:pPr algn="ctr"/>
+            <a:endParaRPr lang="en-US" sz="4400" dirty="0"/>
+          </a:p>
+          <a:p>
+            <a:pPr algn="ctr"/>
+            <a:endParaRPr lang="en-US" sz="4400" dirty="0"/>
+          </a:p>
+          <a:p>
+            <a:pPr algn="ctr"/>
+            <a:r>
+              <a:rPr lang="en-US" sz="4400" dirty="0"/>
+              <a:t>~~ Place Holder ~~</a:t>
+            </a:r>
           </a:p>
         </p:txBody>
       </p:sp>
-      <p:pic>
-        <p:nvPicPr>
-          <p:cNvPr id="9" name="Content Placeholder 8">
-            <a:extLst>
-              <a:ext uri="{FF2B5EF4-FFF2-40B4-BE49-F238E27FC236}">
-                <a16:creationId xmlns:a16="http://schemas.microsoft.com/office/drawing/2014/main" id="{EA45156B-664E-406E-97B3-C1BDAF4D109C}"/>
-              </a:ext>
-            </a:extLst>
-          </p:cNvPr>
-          <p:cNvPicPr>
-            <a:picLocks noGrp="1" noChangeAspect="1"/>
-          </p:cNvPicPr>
-          <p:nvPr>
-            <p:ph sz="half" idx="2"/>
-          </p:nvPr>
-        </p:nvPicPr>
-        <p:blipFill>
-          <a:blip r:embed="rId2"/>
-          <a:stretch>
-            <a:fillRect/>
-          </a:stretch>
-        </p:blipFill>
-        <p:spPr>
+      <p:grpSp>
+        <p:nvGrpSpPr>
+          <p:cNvPr id="10" name="Group 9">
+            <a:extLst>
+              <a:ext uri="{FF2B5EF4-FFF2-40B4-BE49-F238E27FC236}">
+                <a16:creationId xmlns:a16="http://schemas.microsoft.com/office/drawing/2014/main" id="{6D6AC5E9-D4EA-4ED0-B9FD-B9B4A54B47C9}"/>
+              </a:ext>
+            </a:extLst>
+          </p:cNvPr>
+          <p:cNvGrpSpPr/>
+          <p:nvPr/>
+        </p:nvGrpSpPr>
+        <p:grpSpPr>
           <a:xfrm>
-            <a:off x="6315159" y="1439863"/>
-            <a:ext cx="3509777" cy="3509777"/>
+            <a:off x="0" y="5776566"/>
+            <a:ext cx="12192001" cy="1081434"/>
+            <a:chOff x="0" y="5776566"/>
+            <a:chExt cx="12192001" cy="1081434"/>
           </a:xfrm>
-        </p:spPr>
-      </p:pic>
+        </p:grpSpPr>
+        <p:sp>
+          <p:nvSpPr>
+            <p:cNvPr id="2" name="Rectangle 1">
+              <a:extLst>
+                <a:ext uri="{FF2B5EF4-FFF2-40B4-BE49-F238E27FC236}">
+                  <a16:creationId xmlns:a16="http://schemas.microsoft.com/office/drawing/2014/main" id="{A18E372D-460F-4F58-9B1E-01822DDF4080}"/>
+                </a:ext>
+              </a:extLst>
+            </p:cNvPr>
+            <p:cNvSpPr/>
+            <p:nvPr/>
+          </p:nvSpPr>
+          <p:spPr>
+            <a:xfrm>
+              <a:off x="0" y="6098596"/>
+              <a:ext cx="12192001" cy="759404"/>
+            </a:xfrm>
+            <a:prstGeom prst="rect">
+              <a:avLst/>
+            </a:prstGeom>
+            <a:gradFill flip="none" rotWithShape="1">
+              <a:gsLst>
+                <a:gs pos="0">
+                  <a:schemeClr val="bg1"/>
+                </a:gs>
+                <a:gs pos="0">
+                  <a:srgbClr val="0070C0"/>
+                </a:gs>
+                <a:gs pos="90000">
+                  <a:schemeClr val="bg1"/>
+                </a:gs>
+              </a:gsLst>
+              <a:path path="circle">
+                <a:fillToRect l="100000" t="100000"/>
+              </a:path>
+              <a:tileRect r="-100000" b="-100000"/>
+            </a:gradFill>
+            <a:ln>
+              <a:noFill/>
+            </a:ln>
+          </p:spPr>
+          <p:style>
+            <a:lnRef idx="2">
+              <a:schemeClr val="accent1">
+                <a:shade val="50000"/>
+              </a:schemeClr>
+            </a:lnRef>
+            <a:fillRef idx="1">
+              <a:schemeClr val="accent1"/>
+            </a:fillRef>
+            <a:effectRef idx="0">
+              <a:schemeClr val="accent1"/>
+            </a:effectRef>
+            <a:fontRef idx="minor">
+              <a:schemeClr val="lt1"/>
+            </a:fontRef>
+          </p:style>
+          <p:txBody>
+            <a:bodyPr rtlCol="0" anchor="ctr"/>
+            <a:lstStyle/>
+            <a:p>
+              <a:pPr algn="ctr"/>
+              <a:endParaRPr lang="en-US"/>
+            </a:p>
+          </p:txBody>
+        </p:sp>
+        <p:grpSp>
+          <p:nvGrpSpPr>
+            <p:cNvPr id="7" name="Group 6">
+              <a:extLst>
+                <a:ext uri="{FF2B5EF4-FFF2-40B4-BE49-F238E27FC236}">
+                  <a16:creationId xmlns:a16="http://schemas.microsoft.com/office/drawing/2014/main" id="{56FEA87E-4279-4BD8-B714-F0C49A8582BB}"/>
+                </a:ext>
+              </a:extLst>
+            </p:cNvPr>
+            <p:cNvGrpSpPr/>
+            <p:nvPr/>
+          </p:nvGrpSpPr>
+          <p:grpSpPr>
+            <a:xfrm>
+              <a:off x="136116" y="5776566"/>
+              <a:ext cx="1766413" cy="974090"/>
+              <a:chOff x="705301" y="2052365"/>
+              <a:chExt cx="5603844" cy="3090246"/>
+            </a:xfrm>
+          </p:grpSpPr>
+          <p:pic>
+            <p:nvPicPr>
+              <p:cNvPr id="8" name="Picture 7">
+                <a:extLst>
+                  <a:ext uri="{FF2B5EF4-FFF2-40B4-BE49-F238E27FC236}">
+                    <a16:creationId xmlns:a16="http://schemas.microsoft.com/office/drawing/2014/main" id="{459F3D5C-B7C9-4C51-8ADA-B4574802A63C}"/>
+                  </a:ext>
+                </a:extLst>
+              </p:cNvPr>
+              <p:cNvPicPr>
+                <a:picLocks noChangeAspect="1"/>
+              </p:cNvPicPr>
+              <p:nvPr/>
+            </p:nvPicPr>
+            <p:blipFill>
+              <a:blip r:embed="rId2">
+                <a:extLst>
+                  <a:ext uri="{28A0092B-C50C-407E-A947-70E740481C1C}">
+                    <a14:useLocalDpi xmlns:a14="http://schemas.microsoft.com/office/drawing/2010/main" val="0"/>
+                  </a:ext>
+                </a:extLst>
+              </a:blip>
+              <a:stretch>
+                <a:fillRect/>
+              </a:stretch>
+            </p:blipFill>
+            <p:spPr>
+              <a:xfrm>
+                <a:off x="705301" y="2052365"/>
+                <a:ext cx="5603844" cy="3090246"/>
+              </a:xfrm>
+              <a:prstGeom prst="rect">
+                <a:avLst/>
+              </a:prstGeom>
+              <a:effectLst>
+                <a:outerShdw blurRad="50800" dist="38100" dir="5400000" algn="t" rotWithShape="0">
+                  <a:prstClr val="black">
+                    <a:alpha val="40000"/>
+                  </a:prstClr>
+                </a:outerShdw>
+              </a:effectLst>
+            </p:spPr>
+          </p:pic>
+          <p:pic>
+            <p:nvPicPr>
+              <p:cNvPr id="9" name="Picture 8">
+                <a:extLst>
+                  <a:ext uri="{FF2B5EF4-FFF2-40B4-BE49-F238E27FC236}">
+                    <a16:creationId xmlns:a16="http://schemas.microsoft.com/office/drawing/2014/main" id="{22DA66F6-432B-4CA3-9BC5-1425710C16BA}"/>
+                  </a:ext>
+                </a:extLst>
+              </p:cNvPr>
+              <p:cNvPicPr>
+                <a:picLocks noChangeAspect="1"/>
+              </p:cNvPicPr>
+              <p:nvPr/>
+            </p:nvPicPr>
+            <p:blipFill>
+              <a:blip r:embed="rId3">
+                <a:extLst>
+                  <a:ext uri="{28A0092B-C50C-407E-A947-70E740481C1C}">
+                    <a14:useLocalDpi xmlns:a14="http://schemas.microsoft.com/office/drawing/2010/main" val="0"/>
+                  </a:ext>
+                </a:extLst>
+              </a:blip>
+              <a:stretch>
+                <a:fillRect/>
+              </a:stretch>
+            </p:blipFill>
+            <p:spPr>
+              <a:xfrm>
+                <a:off x="1264843" y="2298120"/>
+                <a:ext cx="4484760" cy="2473126"/>
+              </a:xfrm>
+              <a:prstGeom prst="rect">
+                <a:avLst/>
+              </a:prstGeom>
+              <a:effectLst>
+                <a:outerShdw blurRad="50800" dist="38100" dir="2700000" algn="tl" rotWithShape="0">
+                  <a:schemeClr val="bg1">
+                    <a:alpha val="40000"/>
+                  </a:schemeClr>
+                </a:outerShdw>
+              </a:effectLst>
+            </p:spPr>
+          </p:pic>
+        </p:grpSp>
+      </p:grpSp>
     </p:spTree>
     <p:extLst>
       <p:ext uri="{BB962C8B-B14F-4D97-AF65-F5344CB8AC3E}">
-        <p14:creationId xmlns:p14="http://schemas.microsoft.com/office/powerpoint/2010/main" val="2880307414"/>
+        <p14:creationId xmlns:p14="http://schemas.microsoft.com/office/powerpoint/2010/main" val="1065579072"/>
       </p:ext>
     </p:extLst>
   </p:cSld>
@@ -2525,7 +6863,7 @@
           <p:cNvPr id="2" name="Title 1">
             <a:extLst>
               <a:ext uri="{FF2B5EF4-FFF2-40B4-BE49-F238E27FC236}">
-                <a16:creationId xmlns:a16="http://schemas.microsoft.com/office/drawing/2014/main" id="{1A6B59CE-210D-4CCD-A27D-8E7FFB895A6B}"/>
+                <a16:creationId xmlns:a16="http://schemas.microsoft.com/office/drawing/2014/main" id="{1AF04810-A269-4151-B371-BDBE6DF2EDC6}"/>
               </a:ext>
             </a:extLst>
           </p:cNvPr>
@@ -2542,17 +6880,10 @@
           <a:lstStyle/>
           <a:p>
             <a:r>
-              <a:rPr lang="en-US" dirty="0"/>
-              <a:t>What is </a:t>
-            </a:r>
-            <a:r>
               <a:rPr lang="en-US" dirty="0" err="1"/>
-              <a:t>Dbatools</a:t>
-            </a:r>
-            <a:r>
-              <a:rPr lang="en-US" dirty="0"/>
-              <a:t>?</a:t>
-            </a:r>
+              <a:t>whoami</a:t>
+            </a:r>
+            <a:endParaRPr lang="en-US" dirty="0"/>
           </a:p>
         </p:txBody>
       </p:sp>
@@ -2561,7 +6892,7 @@
           <p:cNvPr id="3" name="Content Placeholder 2">
             <a:extLst>
               <a:ext uri="{FF2B5EF4-FFF2-40B4-BE49-F238E27FC236}">
-                <a16:creationId xmlns:a16="http://schemas.microsoft.com/office/drawing/2014/main" id="{0BACA5E0-76B5-4562-8D99-76A9116D312F}"/>
+                <a16:creationId xmlns:a16="http://schemas.microsoft.com/office/drawing/2014/main" id="{0ED70AA7-07CF-411A-8CF2-9EAEAABE0E58}"/>
               </a:ext>
             </a:extLst>
           </p:cNvPr>
@@ -2579,30 +6910,199 @@
           </a:bodyPr>
           <a:lstStyle/>
           <a:p>
-            <a:pPr marL="285750" indent="-285750">
-              <a:buFont typeface="Arial" panose="020B0604020202020204" pitchFamily="34" charset="0"/>
-              <a:buChar char="•"/>
-            </a:pPr>
+            <a:r>
+              <a:rPr lang="en-US" b="1" dirty="0"/>
+              <a:t>Joshua Corrick </a:t>
+            </a:r>
+            <a:r>
+              <a:rPr lang="en-US" dirty="0"/>
+              <a:t>(@</a:t>
+            </a:r>
+            <a:r>
+              <a:rPr lang="en-US" dirty="0" err="1"/>
+              <a:t>joshCorr</a:t>
+            </a:r>
+            <a:r>
+              <a:rPr lang="en-US" dirty="0"/>
+              <a:t>)</a:t>
+            </a:r>
+          </a:p>
+          <a:p>
+            <a:r>
+              <a:rPr lang="en-US" dirty="0"/>
+              <a:t>https://Corrick.io/blog</a:t>
+            </a:r>
+          </a:p>
+          <a:p>
+            <a:endParaRPr lang="en-US" dirty="0"/>
+          </a:p>
+          <a:p>
+            <a:r>
+              <a:rPr lang="en-US" dirty="0"/>
+              <a:t>Sr. Systems Engineer</a:t>
+            </a:r>
+          </a:p>
+          <a:p>
+            <a:r>
+              <a:rPr lang="en-US" dirty="0"/>
+              <a:t>Accidental DBA</a:t>
+            </a:r>
+          </a:p>
+          <a:p>
+            <a:r>
+              <a:rPr lang="en-US" dirty="0"/>
+              <a:t>Passionate about PowerShell</a:t>
+            </a:r>
+          </a:p>
+          <a:p>
+            <a:r>
+              <a:rPr lang="en-US" dirty="0"/>
+              <a:t>Major Contributor to </a:t>
+            </a:r>
+            <a:r>
+              <a:rPr lang="en-US" dirty="0" err="1"/>
+              <a:t>Dbatools</a:t>
+            </a:r>
+            <a:endParaRPr lang="en-US" dirty="0"/>
+          </a:p>
+          <a:p>
+            <a:endParaRPr lang="en-US" dirty="0"/>
+          </a:p>
+        </p:txBody>
+      </p:sp>
+      <p:pic>
+        <p:nvPicPr>
+          <p:cNvPr id="9" name="Content Placeholder 8">
+            <a:extLst>
+              <a:ext uri="{FF2B5EF4-FFF2-40B4-BE49-F238E27FC236}">
+                <a16:creationId xmlns:a16="http://schemas.microsoft.com/office/drawing/2014/main" id="{EA45156B-664E-406E-97B3-C1BDAF4D109C}"/>
+              </a:ext>
+            </a:extLst>
+          </p:cNvPr>
+          <p:cNvPicPr>
+            <a:picLocks noGrp="1" noChangeAspect="1"/>
+          </p:cNvPicPr>
+          <p:nvPr>
+            <p:ph sz="half" idx="2"/>
+          </p:nvPr>
+        </p:nvPicPr>
+        <p:blipFill>
+          <a:blip r:embed="rId2"/>
+          <a:stretch>
+            <a:fillRect/>
+          </a:stretch>
+        </p:blipFill>
+        <p:spPr>
+          <a:xfrm>
+            <a:off x="6683261" y="1523844"/>
+            <a:ext cx="3714357" cy="3714357"/>
+          </a:xfrm>
+        </p:spPr>
+      </p:pic>
+    </p:spTree>
+    <p:extLst>
+      <p:ext uri="{BB962C8B-B14F-4D97-AF65-F5344CB8AC3E}">
+        <p14:creationId xmlns:p14="http://schemas.microsoft.com/office/powerpoint/2010/main" val="2880307414"/>
+      </p:ext>
+    </p:extLst>
+  </p:cSld>
+  <p:clrMapOvr>
+    <a:masterClrMapping/>
+  </p:clrMapOvr>
+</p:sld>
+</file>
+
+<file path=ppt/slides/slide4.xml><?xml version="1.0" encoding="utf-8"?>
+<p:sld xmlns:a="http://schemas.openxmlformats.org/drawingml/2006/main" xmlns:r="http://schemas.openxmlformats.org/officeDocument/2006/relationships" xmlns:p="http://schemas.openxmlformats.org/presentationml/2006/main">
+  <p:cSld>
+    <p:spTree>
+      <p:nvGrpSpPr>
+        <p:cNvPr id="1" name=""/>
+        <p:cNvGrpSpPr/>
+        <p:nvPr/>
+      </p:nvGrpSpPr>
+      <p:grpSpPr>
+        <a:xfrm>
+          <a:off x="0" y="0"/>
+          <a:ext cx="0" cy="0"/>
+          <a:chOff x="0" y="0"/>
+          <a:chExt cx="0" cy="0"/>
+        </a:xfrm>
+      </p:grpSpPr>
+      <p:sp>
+        <p:nvSpPr>
+          <p:cNvPr id="2" name="Title 1">
+            <a:extLst>
+              <a:ext uri="{FF2B5EF4-FFF2-40B4-BE49-F238E27FC236}">
+                <a16:creationId xmlns:a16="http://schemas.microsoft.com/office/drawing/2014/main" id="{1A6B59CE-210D-4CCD-A27D-8E7FFB895A6B}"/>
+              </a:ext>
+            </a:extLst>
+          </p:cNvPr>
+          <p:cNvSpPr>
+            <a:spLocks noGrp="1"/>
+          </p:cNvSpPr>
+          <p:nvPr>
+            <p:ph type="title"/>
+          </p:nvPr>
+        </p:nvSpPr>
+        <p:spPr/>
+        <p:txBody>
+          <a:bodyPr/>
+          <a:lstStyle/>
+          <a:p>
+            <a:r>
+              <a:rPr lang="en-US" dirty="0"/>
+              <a:t>What is </a:t>
+            </a:r>
+            <a:r>
+              <a:rPr lang="en-US" dirty="0" err="1"/>
+              <a:t>Dbatools</a:t>
+            </a:r>
+            <a:r>
+              <a:rPr lang="en-US" dirty="0"/>
+              <a:t>?</a:t>
+            </a:r>
+          </a:p>
+        </p:txBody>
+      </p:sp>
+      <p:sp>
+        <p:nvSpPr>
+          <p:cNvPr id="3" name="Content Placeholder 2">
+            <a:extLst>
+              <a:ext uri="{FF2B5EF4-FFF2-40B4-BE49-F238E27FC236}">
+                <a16:creationId xmlns:a16="http://schemas.microsoft.com/office/drawing/2014/main" id="{0BACA5E0-76B5-4562-8D99-76A9116D312F}"/>
+              </a:ext>
+            </a:extLst>
+          </p:cNvPr>
+          <p:cNvSpPr>
+            <a:spLocks noGrp="1"/>
+          </p:cNvSpPr>
+          <p:nvPr>
+            <p:ph sz="half" idx="1"/>
+          </p:nvPr>
+        </p:nvSpPr>
+        <p:spPr/>
+        <p:txBody>
+          <a:bodyPr>
+            <a:normAutofit/>
+          </a:bodyPr>
+          <a:lstStyle/>
+          <a:p>
+            <a:pPr marL="302409" indent="-302409"/>
             <a:r>
               <a:rPr lang="en-US" dirty="0"/>
               <a:t>A tool set for managing MS SQL Servers</a:t>
             </a:r>
           </a:p>
           <a:p>
-            <a:pPr marL="285750" indent="-285750">
-              <a:buFont typeface="Arial" panose="020B0604020202020204" pitchFamily="34" charset="0"/>
-              <a:buChar char="•"/>
-            </a:pPr>
+            <a:pPr marL="302409" indent="-302409"/>
             <a:r>
               <a:rPr lang="en-US" dirty="0"/>
               <a:t>It is written in PowerShell and is an open sourced module</a:t>
             </a:r>
           </a:p>
           <a:p>
-            <a:pPr marL="285750" indent="-285750">
-              <a:buFont typeface="Arial" panose="020B0604020202020204" pitchFamily="34" charset="0"/>
-              <a:buChar char="•"/>
-            </a:pPr>
+            <a:pPr marL="302409" indent="-302409"/>
             <a:r>
               <a:rPr lang="en-US" dirty="0">
                 <a:hlinkClick r:id="rId2"/>
@@ -2612,10 +7112,7 @@
             <a:endParaRPr lang="en-US" dirty="0"/>
           </a:p>
           <a:p>
-            <a:pPr marL="285750" indent="-285750">
-              <a:buFont typeface="Arial" panose="020B0604020202020204" pitchFamily="34" charset="0"/>
-              <a:buChar char="•"/>
-            </a:pPr>
+            <a:pPr marL="302409" indent="-302409"/>
             <a:r>
               <a:rPr lang="en-US" dirty="0"/>
               <a:t>Written by @cl (Chrissy </a:t>
@@ -2672,14 +7169,48 @@
         </p:blipFill>
         <p:spPr>
           <a:xfrm>
-            <a:off x="5761038" y="1439863"/>
-            <a:ext cx="5399087" cy="4049315"/>
+            <a:off x="6096841" y="1523844"/>
+            <a:ext cx="5713792" cy="4285344"/>
           </a:xfrm>
           <a:prstGeom prst="rect">
             <a:avLst/>
           </a:prstGeom>
         </p:spPr>
       </p:pic>
+      <p:sp>
+        <p:nvSpPr>
+          <p:cNvPr id="4" name="Rectangle 3">
+            <a:extLst>
+              <a:ext uri="{FF2B5EF4-FFF2-40B4-BE49-F238E27FC236}">
+                <a16:creationId xmlns:a16="http://schemas.microsoft.com/office/drawing/2014/main" id="{17B65C95-E142-48D6-B7FC-F6CC0ADE0CB7}"/>
+              </a:ext>
+            </a:extLst>
+          </p:cNvPr>
+          <p:cNvSpPr/>
+          <p:nvPr/>
+        </p:nvSpPr>
+        <p:spPr>
+          <a:xfrm>
+            <a:off x="1636451" y="6033077"/>
+            <a:ext cx="4897514" cy="287771"/>
+          </a:xfrm>
+          <a:prstGeom prst="rect">
+            <a:avLst/>
+          </a:prstGeom>
+        </p:spPr>
+        <p:txBody>
+          <a:bodyPr wrap="square">
+            <a:spAutoFit/>
+          </a:bodyPr>
+          <a:lstStyle/>
+          <a:p>
+            <a:r>
+              <a:rPr lang="en-US" sz="1270" dirty="0"/>
+              <a:t>https://twitter.com/sqldbawithbeard/status/986235166560419841</a:t>
+            </a:r>
+          </a:p>
+        </p:txBody>
+      </p:sp>
     </p:spTree>
     <p:extLst>
       <p:ext uri="{BB962C8B-B14F-4D97-AF65-F5344CB8AC3E}">
@@ -2779,7 +7310,7 @@
 </p:sld>
 </file>
 
-<file path=ppt/slides/slide4.xml><?xml version="1.0" encoding="utf-8"?>
+<file path=ppt/slides/slide5.xml><?xml version="1.0" encoding="utf-8"?>
 <p:sld xmlns:a="http://schemas.openxmlformats.org/drawingml/2006/main" xmlns:r="http://schemas.openxmlformats.org/officeDocument/2006/relationships" xmlns:p="http://schemas.openxmlformats.org/presentationml/2006/main">
   <p:cSld>
     <p:spTree>
@@ -2848,8 +7379,8 @@
         </p:blipFill>
         <p:spPr>
           <a:xfrm>
-            <a:off x="360363" y="1856393"/>
-            <a:ext cx="5399087" cy="2767387"/>
+            <a:off x="381368" y="1964653"/>
+            <a:ext cx="5713792" cy="2928694"/>
           </a:xfrm>
         </p:spPr>
       </p:pic>
@@ -2874,20 +7405,14 @@
           <a:bodyPr/>
           <a:lstStyle/>
           <a:p>
-            <a:pPr marL="457200" indent="-457200">
-              <a:buFont typeface="Arial" panose="020B0604020202020204" pitchFamily="34" charset="0"/>
-              <a:buChar char="•"/>
-            </a:pPr>
+            <a:pPr marL="483855" indent="-483855"/>
             <a:r>
               <a:rPr lang="en-US" dirty="0"/>
               <a:t>Yup..</a:t>
             </a:r>
           </a:p>
           <a:p>
-            <a:pPr marL="457200" indent="-457200">
-              <a:buFont typeface="Arial" panose="020B0604020202020204" pitchFamily="34" charset="0"/>
-              <a:buChar char="•"/>
-            </a:pPr>
+            <a:pPr marL="483855" indent="-483855"/>
             <a:r>
               <a:rPr lang="en-US" dirty="0" err="1"/>
               <a:t>Sqlcmd</a:t>
@@ -2898,10 +7423,7 @@
             </a:r>
           </a:p>
           <a:p>
-            <a:pPr marL="457200" indent="-457200">
-              <a:buFont typeface="Arial" panose="020B0604020202020204" pitchFamily="34" charset="0"/>
-              <a:buChar char="•"/>
-            </a:pPr>
+            <a:pPr marL="483855" indent="-483855"/>
             <a:r>
               <a:rPr lang="en-US" dirty="0" err="1"/>
               <a:t>Minishell</a:t>
@@ -2912,10 +7434,7 @@
             </a:r>
           </a:p>
           <a:p>
-            <a:pPr marL="457200" indent="-457200">
-              <a:buFont typeface="Arial" panose="020B0604020202020204" pitchFamily="34" charset="0"/>
-              <a:buChar char="•"/>
-            </a:pPr>
+            <a:pPr marL="483855" indent="-483855"/>
             <a:r>
               <a:rPr lang="en-US" dirty="0" err="1"/>
               <a:t>SQLServer</a:t>
@@ -2931,20 +7450,14 @@
             <a:endParaRPr lang="en-US" dirty="0"/>
           </a:p>
           <a:p>
-            <a:pPr marL="457200" indent="-457200">
-              <a:buFont typeface="Arial" panose="020B0604020202020204" pitchFamily="34" charset="0"/>
-              <a:buChar char="•"/>
-            </a:pPr>
+            <a:pPr marL="483855" indent="-483855"/>
             <a:r>
               <a:rPr lang="en-US" dirty="0"/>
               <a:t>SMO</a:t>
             </a:r>
           </a:p>
           <a:p>
-            <a:pPr marL="457200" indent="-457200">
-              <a:buFont typeface="Arial" panose="020B0604020202020204" pitchFamily="34" charset="0"/>
-              <a:buChar char="•"/>
-            </a:pPr>
+            <a:pPr marL="483855" indent="-483855"/>
             <a:r>
               <a:rPr lang="en-US" dirty="0" err="1"/>
               <a:t>SQLServer</a:t>
@@ -2970,8 +7483,8 @@
         </p:nvSpPr>
         <p:spPr>
           <a:xfrm>
-            <a:off x="360363" y="5710219"/>
-            <a:ext cx="10491841" cy="276999"/>
+            <a:off x="1615364" y="6033077"/>
+            <a:ext cx="7013731" cy="287771"/>
           </a:xfrm>
           <a:prstGeom prst="rect">
             <a:avLst/>
@@ -2984,7 +7497,7 @@
           <a:lstStyle/>
           <a:p>
             <a:r>
-              <a:rPr lang="en-US" sz="1200" dirty="0"/>
+              <a:rPr lang="en-US" sz="1270" dirty="0"/>
               <a:t>https://github.com/ashleymcnamara/Developer-Advocate-Bit/blob/master/This_Is_Fine_Bit_Flat.png</a:t>
             </a:r>
           </a:p>
@@ -3508,7 +8021,7 @@
 </p:sld>
 </file>
 
-<file path=ppt/slides/slide5.xml><?xml version="1.0" encoding="utf-8"?>
+<file path=ppt/slides/slide6.xml><?xml version="1.0" encoding="utf-8"?>
 <p:sld xmlns:a="http://schemas.openxmlformats.org/drawingml/2006/main" xmlns:r="http://schemas.openxmlformats.org/officeDocument/2006/relationships" xmlns:p="http://schemas.openxmlformats.org/presentationml/2006/main">
   <p:cSld>
     <p:spTree>
@@ -3579,40 +8092,42 @@
           <a:bodyPr/>
           <a:lstStyle/>
           <a:p>
-            <a:pPr marL="457200" indent="-457200">
-              <a:buFont typeface="Arial" panose="020B0604020202020204" pitchFamily="34" charset="0"/>
-              <a:buChar char="•"/>
-            </a:pPr>
+            <a:pPr marL="362880" indent="-362880"/>
             <a:r>
               <a:rPr lang="en-US" dirty="0"/>
               <a:t>Community built</a:t>
             </a:r>
           </a:p>
           <a:p>
-            <a:pPr marL="457200" indent="-457200">
-              <a:buFont typeface="Arial" panose="020B0604020202020204" pitchFamily="34" charset="0"/>
-              <a:buChar char="•"/>
-            </a:pPr>
+            <a:pPr marL="362880" indent="-362880"/>
             <a:r>
               <a:rPr lang="en-US" dirty="0"/>
               <a:t>Open to user review</a:t>
             </a:r>
           </a:p>
           <a:p>
-            <a:pPr marL="457200" indent="-457200">
-              <a:buFont typeface="Arial" panose="020B0604020202020204" pitchFamily="34" charset="0"/>
-              <a:buChar char="•"/>
-            </a:pPr>
+            <a:pPr marL="362880" indent="-362880"/>
             <a:r>
               <a:rPr lang="en-US" dirty="0"/>
               <a:t>Codifying best practices</a:t>
             </a:r>
           </a:p>
           <a:p>
-            <a:pPr marL="457200" indent="-457200">
-              <a:buFont typeface="Arial" panose="020B0604020202020204" pitchFamily="34" charset="0"/>
-              <a:buChar char="•"/>
-            </a:pPr>
+            <a:pPr marL="362880" indent="-362880"/>
+            <a:r>
+              <a:rPr lang="en-US" dirty="0"/>
+              <a:t>Easy to use if you don’t know PowerShell</a:t>
+            </a:r>
+          </a:p>
+          <a:p>
+            <a:pPr marL="362880" indent="-362880"/>
+            <a:r>
+              <a:rPr lang="en-US" dirty="0"/>
+              <a:t>Code Signed</a:t>
+            </a:r>
+          </a:p>
+          <a:p>
+            <a:pPr marL="362880" indent="-362880"/>
             <a:r>
               <a:rPr lang="en-US" dirty="0"/>
               <a:t>Automates all the things</a:t>
@@ -3644,8 +8159,8 @@
         </p:blipFill>
         <p:spPr>
           <a:xfrm>
-            <a:off x="6450390" y="1341060"/>
-            <a:ext cx="2211609" cy="2211609"/>
+            <a:off x="6826374" y="1419282"/>
+            <a:ext cx="2340520" cy="2340520"/>
           </a:xfrm>
         </p:spPr>
       </p:pic>
@@ -3911,6 +8426,128 @@
                       </p:childTnLst>
                     </p:cTn>
                   </p:par>
+                  <p:par>
+                    <p:cTn id="23" fill="hold">
+                      <p:stCondLst>
+                        <p:cond delay="indefinite"/>
+                      </p:stCondLst>
+                      <p:childTnLst>
+                        <p:par>
+                          <p:cTn id="24" fill="hold">
+                            <p:stCondLst>
+                              <p:cond delay="0"/>
+                            </p:stCondLst>
+                            <p:childTnLst>
+                              <p:par>
+                                <p:cTn id="25" presetID="10" presetClass="entr" presetSubtype="0" fill="hold" nodeType="clickEffect">
+                                  <p:stCondLst>
+                                    <p:cond delay="0"/>
+                                  </p:stCondLst>
+                                  <p:childTnLst>
+                                    <p:set>
+                                      <p:cBhvr>
+                                        <p:cTn id="26" dur="1" fill="hold">
+                                          <p:stCondLst>
+                                            <p:cond delay="0"/>
+                                          </p:stCondLst>
+                                        </p:cTn>
+                                        <p:tgtEl>
+                                          <p:spTgt spid="3">
+                                            <p:txEl>
+                                              <p:pRg st="4" end="4"/>
+                                            </p:txEl>
+                                          </p:spTgt>
+                                        </p:tgtEl>
+                                        <p:attrNameLst>
+                                          <p:attrName>style.visibility</p:attrName>
+                                        </p:attrNameLst>
+                                      </p:cBhvr>
+                                      <p:to>
+                                        <p:strVal val="visible"/>
+                                      </p:to>
+                                    </p:set>
+                                    <p:animEffect transition="in" filter="fade">
+                                      <p:cBhvr>
+                                        <p:cTn id="27" dur="500"/>
+                                        <p:tgtEl>
+                                          <p:spTgt spid="3">
+                                            <p:txEl>
+                                              <p:pRg st="4" end="4"/>
+                                            </p:txEl>
+                                          </p:spTgt>
+                                        </p:tgtEl>
+                                      </p:cBhvr>
+                                    </p:animEffect>
+                                  </p:childTnLst>
+                                </p:cTn>
+                              </p:par>
+                            </p:childTnLst>
+                          </p:cTn>
+                        </p:par>
+                      </p:childTnLst>
+                    </p:cTn>
+                  </p:par>
+                  <p:par>
+                    <p:cTn id="28" fill="hold">
+                      <p:stCondLst>
+                        <p:cond delay="indefinite"/>
+                      </p:stCondLst>
+                      <p:childTnLst>
+                        <p:par>
+                          <p:cTn id="29" fill="hold">
+                            <p:stCondLst>
+                              <p:cond delay="0"/>
+                            </p:stCondLst>
+                            <p:childTnLst>
+                              <p:par>
+                                <p:cTn id="30" presetID="10" presetClass="entr" presetSubtype="0" fill="hold" nodeType="clickEffect">
+                                  <p:stCondLst>
+                                    <p:cond delay="0"/>
+                                  </p:stCondLst>
+                                  <p:childTnLst>
+                                    <p:set>
+                                      <p:cBhvr>
+                                        <p:cTn id="31" dur="1" fill="hold">
+                                          <p:stCondLst>
+                                            <p:cond delay="0"/>
+                                          </p:stCondLst>
+                                        </p:cTn>
+                                        <p:tgtEl>
+                                          <p:spTgt spid="3">
+                                            <p:txEl>
+                                              <p:pRg st="5" end="5"/>
+                                            </p:txEl>
+                                          </p:spTgt>
+                                        </p:tgtEl>
+                                        <p:attrNameLst>
+                                          <p:attrName>style.visibility</p:attrName>
+                                        </p:attrNameLst>
+                                      </p:cBhvr>
+                                      <p:to>
+                                        <p:strVal val="visible"/>
+                                      </p:to>
+                                    </p:set>
+                                    <p:animEffect transition="in" filter="fade">
+                                      <p:cBhvr>
+                                        <p:cTn id="32" dur="500"/>
+                                        <p:tgtEl>
+                                          <p:spTgt spid="3">
+                                            <p:txEl>
+                                              <p:pRg st="5" end="5"/>
+                                            </p:txEl>
+                                          </p:spTgt>
+                                        </p:tgtEl>
+                                      </p:cBhvr>
+                                    </p:animEffect>
+                                  </p:childTnLst>
+                                </p:cTn>
+                              </p:par>
+                            </p:childTnLst>
+                          </p:cTn>
+                        </p:par>
+                      </p:childTnLst>
+                    </p:cTn>
+                  </p:par>
                 </p:childTnLst>
               </p:cTn>
               <p:prevCondLst>
@@ -3936,7 +8573,7 @@
 </p:sld>
 </file>
 
-<file path=ppt/slides/slide6.xml><?xml version="1.0" encoding="utf-8"?>
+<file path=ppt/slides/slide7.xml><?xml version="1.0" encoding="utf-8"?>
 <p:sld xmlns:a="http://schemas.openxmlformats.org/drawingml/2006/main" xmlns:r="http://schemas.openxmlformats.org/officeDocument/2006/relationships" xmlns:p="http://schemas.openxmlformats.org/presentationml/2006/main">
   <p:cSld>
     <p:spTree>
@@ -3958,7 +8595,7 @@
           <p:cNvPr id="2" name="Title 1">
             <a:extLst>
               <a:ext uri="{FF2B5EF4-FFF2-40B4-BE49-F238E27FC236}">
-                <a16:creationId xmlns:a16="http://schemas.microsoft.com/office/drawing/2014/main" id="{8E49794A-C4DE-4C36-84DF-73AF39B44BAD}"/>
+                <a16:creationId xmlns:a16="http://schemas.microsoft.com/office/drawing/2014/main" id="{09AEEBCC-CDAF-42A7-8B6F-52761B7B7884}"/>
               </a:ext>
             </a:extLst>
           </p:cNvPr>
@@ -3976,15 +8613,752 @@
           <a:p>
             <a:r>
               <a:rPr lang="en-US" dirty="0"/>
-              <a:t>Demo</a:t>
-            </a:r>
+              <a:t>Resources</a:t>
+            </a:r>
+          </a:p>
+        </p:txBody>
+      </p:sp>
+      <p:sp>
+        <p:nvSpPr>
+          <p:cNvPr id="3" name="Content Placeholder 2">
+            <a:extLst>
+              <a:ext uri="{FF2B5EF4-FFF2-40B4-BE49-F238E27FC236}">
+                <a16:creationId xmlns:a16="http://schemas.microsoft.com/office/drawing/2014/main" id="{39AA43DC-22A0-4AAD-9D1A-9515DB1EAD57}"/>
+              </a:ext>
+            </a:extLst>
+          </p:cNvPr>
+          <p:cNvSpPr>
+            <a:spLocks noGrp="1"/>
+          </p:cNvSpPr>
+          <p:nvPr>
+            <p:ph sz="half" idx="1"/>
+          </p:nvPr>
+        </p:nvSpPr>
+        <p:spPr>
+          <a:xfrm>
+            <a:off x="2152650" y="1825625"/>
+            <a:ext cx="4269921" cy="4351338"/>
+          </a:xfrm>
+        </p:spPr>
+        <p:txBody>
+          <a:bodyPr/>
+          <a:lstStyle/>
+          <a:p>
+            <a:pPr marL="362880" indent="-362880"/>
+            <a:r>
+              <a:rPr lang="en-US" dirty="0"/>
+              <a:t>Dbatools.io</a:t>
+            </a:r>
+          </a:p>
+          <a:p>
+            <a:pPr marL="362880" indent="-362880"/>
+            <a:r>
+              <a:rPr lang="en-US" dirty="0"/>
+              <a:t>Dbatools.io/</a:t>
+            </a:r>
+            <a:r>
+              <a:rPr lang="en-US" dirty="0" err="1"/>
+              <a:t>Github</a:t>
+            </a:r>
+            <a:endParaRPr lang="en-US" dirty="0"/>
+          </a:p>
+          <a:p>
+            <a:pPr marL="362880" indent="-362880"/>
+            <a:r>
+              <a:rPr lang="en-US" dirty="0"/>
+              <a:t>Aka.ms/</a:t>
+            </a:r>
+            <a:r>
+              <a:rPr lang="en-US" dirty="0" err="1"/>
+              <a:t>sqlslack</a:t>
+            </a:r>
+            <a:endParaRPr lang="en-US" dirty="0"/>
+          </a:p>
+          <a:p>
+            <a:pPr marL="820080" lvl="1" indent="-362880"/>
+            <a:r>
+              <a:rPr lang="en-US" dirty="0"/>
+              <a:t>#</a:t>
+            </a:r>
+            <a:r>
+              <a:rPr lang="en-US" dirty="0" err="1"/>
+              <a:t>Dbatools</a:t>
+            </a:r>
+            <a:endParaRPr lang="en-US" dirty="0"/>
+          </a:p>
+          <a:p>
+            <a:pPr marL="820080" lvl="1" indent="-362880"/>
+            <a:r>
+              <a:rPr lang="en-US" dirty="0"/>
+              <a:t>#</a:t>
+            </a:r>
+            <a:r>
+              <a:rPr lang="en-US" dirty="0" err="1"/>
+              <a:t>Dbatools</a:t>
+            </a:r>
+            <a:r>
+              <a:rPr lang="en-US" dirty="0"/>
+              <a:t>-Dev</a:t>
+            </a:r>
+          </a:p>
+          <a:p>
+            <a:pPr marL="362880" indent="-362880"/>
+            <a:r>
+              <a:rPr lang="en-US" dirty="0"/>
+              <a:t>Manning MEAP (coming soon)</a:t>
+            </a:r>
+          </a:p>
+        </p:txBody>
+      </p:sp>
+      <p:sp>
+        <p:nvSpPr>
+          <p:cNvPr id="4" name="Content Placeholder 3">
+            <a:extLst>
+              <a:ext uri="{FF2B5EF4-FFF2-40B4-BE49-F238E27FC236}">
+                <a16:creationId xmlns:a16="http://schemas.microsoft.com/office/drawing/2014/main" id="{1DAB6B01-FCB9-433D-AFAB-534841F4A283}"/>
+              </a:ext>
+            </a:extLst>
+          </p:cNvPr>
+          <p:cNvSpPr>
+            <a:spLocks noGrp="1"/>
+          </p:cNvSpPr>
+          <p:nvPr>
+            <p:ph sz="half" idx="2"/>
+          </p:nvPr>
+        </p:nvSpPr>
+        <p:spPr/>
+        <p:txBody>
+          <a:bodyPr/>
+          <a:lstStyle/>
+          <a:p>
+            <a:endParaRPr lang="en-US"/>
           </a:p>
         </p:txBody>
       </p:sp>
     </p:spTree>
     <p:extLst>
       <p:ext uri="{BB962C8B-B14F-4D97-AF65-F5344CB8AC3E}">
-        <p14:creationId xmlns:p14="http://schemas.microsoft.com/office/powerpoint/2010/main" val="651605138"/>
+        <p14:creationId xmlns:p14="http://schemas.microsoft.com/office/powerpoint/2010/main" val="4251054578"/>
+      </p:ext>
+    </p:extLst>
+  </p:cSld>
+  <p:clrMapOvr>
+    <a:masterClrMapping/>
+  </p:clrMapOvr>
+  <p:timing>
+    <p:tnLst>
+      <p:par>
+        <p:cTn id="1" dur="indefinite" restart="never" nodeType="tmRoot">
+          <p:childTnLst>
+            <p:seq concurrent="1" nextAc="seek">
+              <p:cTn id="2" dur="indefinite" nodeType="mainSeq">
+                <p:childTnLst>
+                  <p:par>
+                    <p:cTn id="3" fill="hold">
+                      <p:stCondLst>
+                        <p:cond delay="indefinite"/>
+                      </p:stCondLst>
+                      <p:childTnLst>
+                        <p:par>
+                          <p:cTn id="4" fill="hold">
+                            <p:stCondLst>
+                              <p:cond delay="0"/>
+                            </p:stCondLst>
+                            <p:childTnLst>
+                              <p:par>
+                                <p:cTn id="5" presetID="10" presetClass="entr" presetSubtype="0" fill="hold" nodeType="clickEffect">
+                                  <p:stCondLst>
+                                    <p:cond delay="0"/>
+                                  </p:stCondLst>
+                                  <p:childTnLst>
+                                    <p:set>
+                                      <p:cBhvr>
+                                        <p:cTn id="6" dur="1" fill="hold">
+                                          <p:stCondLst>
+                                            <p:cond delay="0"/>
+                                          </p:stCondLst>
+                                        </p:cTn>
+                                        <p:tgtEl>
+                                          <p:spTgt spid="3">
+                                            <p:txEl>
+                                              <p:pRg st="0" end="0"/>
+                                            </p:txEl>
+                                          </p:spTgt>
+                                        </p:tgtEl>
+                                        <p:attrNameLst>
+                                          <p:attrName>style.visibility</p:attrName>
+                                        </p:attrNameLst>
+                                      </p:cBhvr>
+                                      <p:to>
+                                        <p:strVal val="visible"/>
+                                      </p:to>
+                                    </p:set>
+                                    <p:animEffect transition="in" filter="fade">
+                                      <p:cBhvr>
+                                        <p:cTn id="7" dur="500"/>
+                                        <p:tgtEl>
+                                          <p:spTgt spid="3">
+                                            <p:txEl>
+                                              <p:pRg st="0" end="0"/>
+                                            </p:txEl>
+                                          </p:spTgt>
+                                        </p:tgtEl>
+                                      </p:cBhvr>
+                                    </p:animEffect>
+                                  </p:childTnLst>
+                                </p:cTn>
+                              </p:par>
+                            </p:childTnLst>
+                          </p:cTn>
+                        </p:par>
+                      </p:childTnLst>
+                    </p:cTn>
+                  </p:par>
+                  <p:par>
+                    <p:cTn id="8" fill="hold">
+                      <p:stCondLst>
+                        <p:cond delay="indefinite"/>
+                      </p:stCondLst>
+                      <p:childTnLst>
+                        <p:par>
+                          <p:cTn id="9" fill="hold">
+                            <p:stCondLst>
+                              <p:cond delay="0"/>
+                            </p:stCondLst>
+                            <p:childTnLst>
+                              <p:par>
+                                <p:cTn id="10" presetID="10" presetClass="entr" presetSubtype="0" fill="hold" nodeType="clickEffect">
+                                  <p:stCondLst>
+                                    <p:cond delay="0"/>
+                                  </p:stCondLst>
+                                  <p:childTnLst>
+                                    <p:set>
+                                      <p:cBhvr>
+                                        <p:cTn id="11" dur="1" fill="hold">
+                                          <p:stCondLst>
+                                            <p:cond delay="0"/>
+                                          </p:stCondLst>
+                                        </p:cTn>
+                                        <p:tgtEl>
+                                          <p:spTgt spid="3">
+                                            <p:txEl>
+                                              <p:pRg st="1" end="1"/>
+                                            </p:txEl>
+                                          </p:spTgt>
+                                        </p:tgtEl>
+                                        <p:attrNameLst>
+                                          <p:attrName>style.visibility</p:attrName>
+                                        </p:attrNameLst>
+                                      </p:cBhvr>
+                                      <p:to>
+                                        <p:strVal val="visible"/>
+                                      </p:to>
+                                    </p:set>
+                                    <p:animEffect transition="in" filter="fade">
+                                      <p:cBhvr>
+                                        <p:cTn id="12" dur="500"/>
+                                        <p:tgtEl>
+                                          <p:spTgt spid="3">
+                                            <p:txEl>
+                                              <p:pRg st="1" end="1"/>
+                                            </p:txEl>
+                                          </p:spTgt>
+                                        </p:tgtEl>
+                                      </p:cBhvr>
+                                    </p:animEffect>
+                                  </p:childTnLst>
+                                </p:cTn>
+                              </p:par>
+                            </p:childTnLst>
+                          </p:cTn>
+                        </p:par>
+                      </p:childTnLst>
+                    </p:cTn>
+                  </p:par>
+                  <p:par>
+                    <p:cTn id="13" fill="hold">
+                      <p:stCondLst>
+                        <p:cond delay="indefinite"/>
+                      </p:stCondLst>
+                      <p:childTnLst>
+                        <p:par>
+                          <p:cTn id="14" fill="hold">
+                            <p:stCondLst>
+                              <p:cond delay="0"/>
+                            </p:stCondLst>
+                            <p:childTnLst>
+                              <p:par>
+                                <p:cTn id="15" presetID="10" presetClass="entr" presetSubtype="0" fill="hold" nodeType="clickEffect">
+                                  <p:stCondLst>
+                                    <p:cond delay="0"/>
+                                  </p:stCondLst>
+                                  <p:childTnLst>
+                                    <p:set>
+                                      <p:cBhvr>
+                                        <p:cTn id="16" dur="1" fill="hold">
+                                          <p:stCondLst>
+                                            <p:cond delay="0"/>
+                                          </p:stCondLst>
+                                        </p:cTn>
+                                        <p:tgtEl>
+                                          <p:spTgt spid="3">
+                                            <p:txEl>
+                                              <p:pRg st="2" end="2"/>
+                                            </p:txEl>
+                                          </p:spTgt>
+                                        </p:tgtEl>
+                                        <p:attrNameLst>
+                                          <p:attrName>style.visibility</p:attrName>
+                                        </p:attrNameLst>
+                                      </p:cBhvr>
+                                      <p:to>
+                                        <p:strVal val="visible"/>
+                                      </p:to>
+                                    </p:set>
+                                    <p:animEffect transition="in" filter="fade">
+                                      <p:cBhvr>
+                                        <p:cTn id="17" dur="500"/>
+                                        <p:tgtEl>
+                                          <p:spTgt spid="3">
+                                            <p:txEl>
+                                              <p:pRg st="2" end="2"/>
+                                            </p:txEl>
+                                          </p:spTgt>
+                                        </p:tgtEl>
+                                      </p:cBhvr>
+                                    </p:animEffect>
+                                  </p:childTnLst>
+                                </p:cTn>
+                              </p:par>
+                            </p:childTnLst>
+                          </p:cTn>
+                        </p:par>
+                      </p:childTnLst>
+                    </p:cTn>
+                  </p:par>
+                  <p:par>
+                    <p:cTn id="18" fill="hold">
+                      <p:stCondLst>
+                        <p:cond delay="indefinite"/>
+                      </p:stCondLst>
+                      <p:childTnLst>
+                        <p:par>
+                          <p:cTn id="19" fill="hold">
+                            <p:stCondLst>
+                              <p:cond delay="0"/>
+                            </p:stCondLst>
+                            <p:childTnLst>
+                              <p:par>
+                                <p:cTn id="20" presetID="10" presetClass="entr" presetSubtype="0" fill="hold" nodeType="clickEffect">
+                                  <p:stCondLst>
+                                    <p:cond delay="0"/>
+                                  </p:stCondLst>
+                                  <p:childTnLst>
+                                    <p:set>
+                                      <p:cBhvr>
+                                        <p:cTn id="21" dur="1" fill="hold">
+                                          <p:stCondLst>
+                                            <p:cond delay="0"/>
+                                          </p:stCondLst>
+                                        </p:cTn>
+                                        <p:tgtEl>
+                                          <p:spTgt spid="3">
+                                            <p:txEl>
+                                              <p:pRg st="3" end="3"/>
+                                            </p:txEl>
+                                          </p:spTgt>
+                                        </p:tgtEl>
+                                        <p:attrNameLst>
+                                          <p:attrName>style.visibility</p:attrName>
+                                        </p:attrNameLst>
+                                      </p:cBhvr>
+                                      <p:to>
+                                        <p:strVal val="visible"/>
+                                      </p:to>
+                                    </p:set>
+                                    <p:animEffect transition="in" filter="fade">
+                                      <p:cBhvr>
+                                        <p:cTn id="22" dur="500"/>
+                                        <p:tgtEl>
+                                          <p:spTgt spid="3">
+                                            <p:txEl>
+                                              <p:pRg st="3" end="3"/>
+                                            </p:txEl>
+                                          </p:spTgt>
+                                        </p:tgtEl>
+                                      </p:cBhvr>
+                                    </p:animEffect>
+                                  </p:childTnLst>
+                                </p:cTn>
+                              </p:par>
+                            </p:childTnLst>
+                          </p:cTn>
+                        </p:par>
+                      </p:childTnLst>
+                    </p:cTn>
+                  </p:par>
+                  <p:par>
+                    <p:cTn id="23" fill="hold">
+                      <p:stCondLst>
+                        <p:cond delay="indefinite"/>
+                      </p:stCondLst>
+                      <p:childTnLst>
+                        <p:par>
+                          <p:cTn id="24" fill="hold">
+                            <p:stCondLst>
+                              <p:cond delay="0"/>
+                            </p:stCondLst>
+                            <p:childTnLst>
+                              <p:par>
+                                <p:cTn id="25" presetID="10" presetClass="entr" presetSubtype="0" fill="hold" nodeType="clickEffect">
+                                  <p:stCondLst>
+                                    <p:cond delay="0"/>
+                                  </p:stCondLst>
+                                  <p:childTnLst>
+                                    <p:set>
+                                      <p:cBhvr>
+                                        <p:cTn id="26" dur="1" fill="hold">
+                                          <p:stCondLst>
+                                            <p:cond delay="0"/>
+                                          </p:stCondLst>
+                                        </p:cTn>
+                                        <p:tgtEl>
+                                          <p:spTgt spid="3">
+                                            <p:txEl>
+                                              <p:pRg st="4" end="4"/>
+                                            </p:txEl>
+                                          </p:spTgt>
+                                        </p:tgtEl>
+                                        <p:attrNameLst>
+                                          <p:attrName>style.visibility</p:attrName>
+                                        </p:attrNameLst>
+                                      </p:cBhvr>
+                                      <p:to>
+                                        <p:strVal val="visible"/>
+                                      </p:to>
+                                    </p:set>
+                                    <p:animEffect transition="in" filter="fade">
+                                      <p:cBhvr>
+                                        <p:cTn id="27" dur="500"/>
+                                        <p:tgtEl>
+                                          <p:spTgt spid="3">
+                                            <p:txEl>
+                                              <p:pRg st="4" end="4"/>
+                                            </p:txEl>
+                                          </p:spTgt>
+                                        </p:tgtEl>
+                                      </p:cBhvr>
+                                    </p:animEffect>
+                                  </p:childTnLst>
+                                </p:cTn>
+                              </p:par>
+                            </p:childTnLst>
+                          </p:cTn>
+                        </p:par>
+                      </p:childTnLst>
+                    </p:cTn>
+                  </p:par>
+                  <p:par>
+                    <p:cTn id="28" fill="hold">
+                      <p:stCondLst>
+                        <p:cond delay="indefinite"/>
+                      </p:stCondLst>
+                      <p:childTnLst>
+                        <p:par>
+                          <p:cTn id="29" fill="hold">
+                            <p:stCondLst>
+                              <p:cond delay="0"/>
+                            </p:stCondLst>
+                            <p:childTnLst>
+                              <p:par>
+                                <p:cTn id="30" presetID="10" presetClass="entr" presetSubtype="0" fill="hold" nodeType="clickEffect">
+                                  <p:stCondLst>
+                                    <p:cond delay="0"/>
+                                  </p:stCondLst>
+                                  <p:childTnLst>
+                                    <p:set>
+                                      <p:cBhvr>
+                                        <p:cTn id="31" dur="1" fill="hold">
+                                          <p:stCondLst>
+                                            <p:cond delay="0"/>
+                                          </p:stCondLst>
+                                        </p:cTn>
+                                        <p:tgtEl>
+                                          <p:spTgt spid="3">
+                                            <p:txEl>
+                                              <p:pRg st="5" end="5"/>
+                                            </p:txEl>
+                                          </p:spTgt>
+                                        </p:tgtEl>
+                                        <p:attrNameLst>
+                                          <p:attrName>style.visibility</p:attrName>
+                                        </p:attrNameLst>
+                                      </p:cBhvr>
+                                      <p:to>
+                                        <p:strVal val="visible"/>
+                                      </p:to>
+                                    </p:set>
+                                    <p:animEffect transition="in" filter="fade">
+                                      <p:cBhvr>
+                                        <p:cTn id="32" dur="500"/>
+                                        <p:tgtEl>
+                                          <p:spTgt spid="3">
+                                            <p:txEl>
+                                              <p:pRg st="5" end="5"/>
+                                            </p:txEl>
+                                          </p:spTgt>
+                                        </p:tgtEl>
+                                      </p:cBhvr>
+                                    </p:animEffect>
+                                  </p:childTnLst>
+                                </p:cTn>
+                              </p:par>
+                            </p:childTnLst>
+                          </p:cTn>
+                        </p:par>
+                      </p:childTnLst>
+                    </p:cTn>
+                  </p:par>
+                </p:childTnLst>
+              </p:cTn>
+              <p:prevCondLst>
+                <p:cond evt="onPrev" delay="0">
+                  <p:tgtEl>
+                    <p:sldTgt/>
+                  </p:tgtEl>
+                </p:cond>
+              </p:prevCondLst>
+              <p:nextCondLst>
+                <p:cond evt="onNext" delay="0">
+                  <p:tgtEl>
+                    <p:sldTgt/>
+                  </p:tgtEl>
+                </p:cond>
+              </p:nextCondLst>
+            </p:seq>
+          </p:childTnLst>
+        </p:cTn>
+      </p:par>
+    </p:tnLst>
+  </p:timing>
+</p:sld>
+</file>
+
+<file path=ppt/slides/slide8.xml><?xml version="1.0" encoding="utf-8"?>
+<p:sld xmlns:a="http://schemas.openxmlformats.org/drawingml/2006/main" xmlns:r="http://schemas.openxmlformats.org/officeDocument/2006/relationships" xmlns:p="http://schemas.openxmlformats.org/presentationml/2006/main">
+  <p:cSld>
+    <p:spTree>
+      <p:nvGrpSpPr>
+        <p:cNvPr id="1" name=""/>
+        <p:cNvGrpSpPr/>
+        <p:nvPr/>
+      </p:nvGrpSpPr>
+      <p:grpSpPr>
+        <a:xfrm>
+          <a:off x="0" y="0"/>
+          <a:ext cx="0" cy="0"/>
+          <a:chOff x="0" y="0"/>
+          <a:chExt cx="0" cy="0"/>
+        </a:xfrm>
+      </p:grpSpPr>
+      <p:grpSp>
+        <p:nvGrpSpPr>
+          <p:cNvPr id="2" name="Group 1">
+            <a:extLst>
+              <a:ext uri="{FF2B5EF4-FFF2-40B4-BE49-F238E27FC236}">
+                <a16:creationId xmlns:a16="http://schemas.microsoft.com/office/drawing/2014/main" id="{AC447038-DA2B-4C15-A2B1-1E857D7FE9E7}"/>
+              </a:ext>
+            </a:extLst>
+          </p:cNvPr>
+          <p:cNvGrpSpPr/>
+          <p:nvPr/>
+        </p:nvGrpSpPr>
+        <p:grpSpPr>
+          <a:xfrm>
+            <a:off x="0" y="5776566"/>
+            <a:ext cx="12192001" cy="1081434"/>
+            <a:chOff x="0" y="5776566"/>
+            <a:chExt cx="12192001" cy="1081434"/>
+          </a:xfrm>
+        </p:grpSpPr>
+        <p:sp>
+          <p:nvSpPr>
+            <p:cNvPr id="3" name="Rectangle 2">
+              <a:extLst>
+                <a:ext uri="{FF2B5EF4-FFF2-40B4-BE49-F238E27FC236}">
+                  <a16:creationId xmlns:a16="http://schemas.microsoft.com/office/drawing/2014/main" id="{C459A57F-1F79-4689-BAA7-3AECC5DE0406}"/>
+                </a:ext>
+              </a:extLst>
+            </p:cNvPr>
+            <p:cNvSpPr/>
+            <p:nvPr/>
+          </p:nvSpPr>
+          <p:spPr>
+            <a:xfrm>
+              <a:off x="0" y="6098596"/>
+              <a:ext cx="12192001" cy="759404"/>
+            </a:xfrm>
+            <a:prstGeom prst="rect">
+              <a:avLst/>
+            </a:prstGeom>
+            <a:gradFill flip="none" rotWithShape="1">
+              <a:gsLst>
+                <a:gs pos="0">
+                  <a:schemeClr val="bg1"/>
+                </a:gs>
+                <a:gs pos="0">
+                  <a:srgbClr val="0070C0"/>
+                </a:gs>
+                <a:gs pos="90000">
+                  <a:schemeClr val="bg1"/>
+                </a:gs>
+              </a:gsLst>
+              <a:path path="circle">
+                <a:fillToRect l="100000" t="100000"/>
+              </a:path>
+              <a:tileRect r="-100000" b="-100000"/>
+            </a:gradFill>
+            <a:ln>
+              <a:noFill/>
+            </a:ln>
+          </p:spPr>
+          <p:style>
+            <a:lnRef idx="2">
+              <a:schemeClr val="accent1">
+                <a:shade val="50000"/>
+              </a:schemeClr>
+            </a:lnRef>
+            <a:fillRef idx="1">
+              <a:schemeClr val="accent1"/>
+            </a:fillRef>
+            <a:effectRef idx="0">
+              <a:schemeClr val="accent1"/>
+            </a:effectRef>
+            <a:fontRef idx="minor">
+              <a:schemeClr val="lt1"/>
+            </a:fontRef>
+          </p:style>
+          <p:txBody>
+            <a:bodyPr rtlCol="0" anchor="ctr"/>
+            <a:lstStyle/>
+            <a:p>
+              <a:pPr algn="ctr"/>
+              <a:endParaRPr lang="en-US"/>
+            </a:p>
+          </p:txBody>
+        </p:sp>
+        <p:grpSp>
+          <p:nvGrpSpPr>
+            <p:cNvPr id="4" name="Group 3">
+              <a:extLst>
+                <a:ext uri="{FF2B5EF4-FFF2-40B4-BE49-F238E27FC236}">
+                  <a16:creationId xmlns:a16="http://schemas.microsoft.com/office/drawing/2014/main" id="{30A206EC-BAD9-461C-80CF-C7CBE535263B}"/>
+                </a:ext>
+              </a:extLst>
+            </p:cNvPr>
+            <p:cNvGrpSpPr/>
+            <p:nvPr/>
+          </p:nvGrpSpPr>
+          <p:grpSpPr>
+            <a:xfrm>
+              <a:off x="136116" y="5776566"/>
+              <a:ext cx="1766413" cy="974090"/>
+              <a:chOff x="705301" y="2052365"/>
+              <a:chExt cx="5603844" cy="3090246"/>
+            </a:xfrm>
+          </p:grpSpPr>
+          <p:pic>
+            <p:nvPicPr>
+              <p:cNvPr id="5" name="Picture 4">
+                <a:extLst>
+                  <a:ext uri="{FF2B5EF4-FFF2-40B4-BE49-F238E27FC236}">
+                    <a16:creationId xmlns:a16="http://schemas.microsoft.com/office/drawing/2014/main" id="{179E48C2-A268-41DE-AA38-79B36A6DACEE}"/>
+                  </a:ext>
+                </a:extLst>
+              </p:cNvPr>
+              <p:cNvPicPr>
+                <a:picLocks noChangeAspect="1"/>
+              </p:cNvPicPr>
+              <p:nvPr/>
+            </p:nvPicPr>
+            <p:blipFill>
+              <a:blip r:embed="rId2">
+                <a:extLst>
+                  <a:ext uri="{28A0092B-C50C-407E-A947-70E740481C1C}">
+                    <a14:useLocalDpi xmlns:a14="http://schemas.microsoft.com/office/drawing/2010/main" val="0"/>
+                  </a:ext>
+                </a:extLst>
+              </a:blip>
+              <a:stretch>
+                <a:fillRect/>
+              </a:stretch>
+            </p:blipFill>
+            <p:spPr>
+              <a:xfrm>
+                <a:off x="705301" y="2052365"/>
+                <a:ext cx="5603844" cy="3090246"/>
+              </a:xfrm>
+              <a:prstGeom prst="rect">
+                <a:avLst/>
+              </a:prstGeom>
+              <a:effectLst>
+                <a:outerShdw blurRad="50800" dist="38100" dir="5400000" algn="t" rotWithShape="0">
+                  <a:prstClr val="black">
+                    <a:alpha val="40000"/>
+                  </a:prstClr>
+                </a:outerShdw>
+              </a:effectLst>
+            </p:spPr>
+          </p:pic>
+          <p:pic>
+            <p:nvPicPr>
+              <p:cNvPr id="6" name="Picture 5">
+                <a:extLst>
+                  <a:ext uri="{FF2B5EF4-FFF2-40B4-BE49-F238E27FC236}">
+                    <a16:creationId xmlns:a16="http://schemas.microsoft.com/office/drawing/2014/main" id="{EBE1F437-5C0F-4D7C-8F84-CF664F011C65}"/>
+                  </a:ext>
+                </a:extLst>
+              </p:cNvPr>
+              <p:cNvPicPr>
+                <a:picLocks noChangeAspect="1"/>
+              </p:cNvPicPr>
+              <p:nvPr/>
+            </p:nvPicPr>
+            <p:blipFill>
+              <a:blip r:embed="rId3">
+                <a:extLst>
+                  <a:ext uri="{28A0092B-C50C-407E-A947-70E740481C1C}">
+                    <a14:useLocalDpi xmlns:a14="http://schemas.microsoft.com/office/drawing/2010/main" val="0"/>
+                  </a:ext>
+                </a:extLst>
+              </a:blip>
+              <a:stretch>
+                <a:fillRect/>
+              </a:stretch>
+            </p:blipFill>
+            <p:spPr>
+              <a:xfrm>
+                <a:off x="1264843" y="2298120"/>
+                <a:ext cx="4484760" cy="2473126"/>
+              </a:xfrm>
+              <a:prstGeom prst="rect">
+                <a:avLst/>
+              </a:prstGeom>
+              <a:effectLst>
+                <a:outerShdw blurRad="50800" dist="38100" dir="2700000" algn="tl" rotWithShape="0">
+                  <a:schemeClr val="bg1">
+                    <a:alpha val="40000"/>
+                  </a:schemeClr>
+                </a:outerShdw>
+              </a:effectLst>
+            </p:spPr>
+          </p:pic>
+        </p:grpSp>
+      </p:grpSp>
+    </p:spTree>
+    <p:extLst>
+      <p:ext uri="{BB962C8B-B14F-4D97-AF65-F5344CB8AC3E}">
+        <p14:creationId xmlns:p14="http://schemas.microsoft.com/office/powerpoint/2010/main" val="2878183223"/>
       </p:ext>
     </p:extLst>
   </p:cSld>
@@ -3995,56 +9369,150 @@
 </file>
 
 <file path=ppt/theme/theme1.xml><?xml version="1.0" encoding="utf-8"?>
-<a:theme xmlns:a="http://schemas.openxmlformats.org/drawingml/2006/main" name="SQLSatOslo 2016">
+<a:theme xmlns:a="http://schemas.openxmlformats.org/drawingml/2006/main" name="Office Theme">
   <a:themeElements>
-    <a:clrScheme name="PASS SQLSaturday">
+    <a:clrScheme name="Office">
       <a:dk1>
-        <a:srgbClr val="101820"/>
+        <a:sysClr val="windowText" lastClr="000000"/>
       </a:dk1>
       <a:lt1>
-        <a:srgbClr val="FFFFFF"/>
+        <a:sysClr val="window" lastClr="FFFFFF"/>
       </a:lt1>
       <a:dk2>
-        <a:srgbClr val="414A54"/>
+        <a:srgbClr val="44546A"/>
       </a:dk2>
       <a:lt2>
-        <a:srgbClr val="F2F2F2"/>
+        <a:srgbClr val="E7E6E6"/>
       </a:lt2>
       <a:accent1>
-        <a:srgbClr val="007A3E"/>
+        <a:srgbClr val="4472C4"/>
       </a:accent1>
       <a:accent2>
-        <a:srgbClr val="00BF6F"/>
+        <a:srgbClr val="ED7D31"/>
       </a:accent2>
       <a:accent3>
-        <a:srgbClr val="2DCCD3"/>
+        <a:srgbClr val="A5A5A5"/>
       </a:accent3>
       <a:accent4>
-        <a:srgbClr val="007377"/>
+        <a:srgbClr val="FFC000"/>
       </a:accent4>
       <a:accent5>
-        <a:srgbClr val="6558B1"/>
+        <a:srgbClr val="5B9BD5"/>
       </a:accent5>
       <a:accent6>
-        <a:srgbClr val="AF272F"/>
+        <a:srgbClr val="70AD47"/>
       </a:accent6>
       <a:hlink>
-        <a:srgbClr val="00BF6F"/>
+        <a:srgbClr val="0563C1"/>
       </a:hlink>
       <a:folHlink>
-        <a:srgbClr val="2DCCD3"/>
+        <a:srgbClr val="954F72"/>
       </a:folHlink>
     </a:clrScheme>
-    <a:fontScheme name="PASS SQLSaturday">
+    <a:fontScheme name="Office">
       <a:majorFont>
-        <a:latin typeface="Segoe UI"/>
+        <a:latin typeface="Calibri Light" panose="020F0302020204030204"/>
         <a:ea typeface=""/>
         <a:cs typeface=""/>
+        <a:font script="Jpan" typeface="游ゴシック Light"/>
+        <a:font script="Hang" typeface="맑은 고딕"/>
+        <a:font script="Hans" typeface="等线 Light"/>
+        <a:font script="Hant" typeface="新細明體"/>
+        <a:font script="Arab" typeface="Times New Roman"/>
+        <a:font script="Hebr" typeface="Times New Roman"/>
+        <a:font script="Thai" typeface="Angsana New"/>
+        <a:font script="Ethi" typeface="Nyala"/>
+        <a:font script="Beng" typeface="Vrinda"/>
+        <a:font script="Gujr" typeface="Shruti"/>
+        <a:font script="Khmr" typeface="MoolBoran"/>
+        <a:font script="Knda" typeface="Tunga"/>
+        <a:font script="Guru" typeface="Raavi"/>
+        <a:font script="Cans" typeface="Euphemia"/>
+        <a:font script="Cher" typeface="Plantagenet Cherokee"/>
+        <a:font script="Yiii" typeface="Microsoft Yi Baiti"/>
+        <a:font script="Tibt" typeface="Microsoft Himalaya"/>
+        <a:font script="Thaa" typeface="MV Boli"/>
+        <a:font script="Deva" typeface="Mangal"/>
+        <a:font script="Telu" typeface="Gautami"/>
+        <a:font script="Taml" typeface="Latha"/>
+        <a:font script="Syrc" typeface="Estrangelo Edessa"/>
+        <a:font script="Orya" typeface="Kalinga"/>
+        <a:font script="Mlym" typeface="Kartika"/>
+        <a:font script="Laoo" typeface="DokChampa"/>
+        <a:font script="Sinh" typeface="Iskoola Pota"/>
+        <a:font script="Mong" typeface="Mongolian Baiti"/>
+        <a:font script="Viet" typeface="Times New Roman"/>
+        <a:font script="Uigh" typeface="Microsoft Uighur"/>
+        <a:font script="Geor" typeface="Sylfaen"/>
+        <a:font script="Armn" typeface="Arial"/>
+        <a:font script="Bugi" typeface="Leelawadee UI"/>
+        <a:font script="Bopo" typeface="Microsoft JhengHei"/>
+        <a:font script="Java" typeface="Javanese Text"/>
+        <a:font script="Lisu" typeface="Segoe UI"/>
+        <a:font script="Mymr" typeface="Myanmar Text"/>
+        <a:font script="Nkoo" typeface="Ebrima"/>
+        <a:font script="Olck" typeface="Nirmala UI"/>
+        <a:font script="Osma" typeface="Ebrima"/>
+        <a:font script="Phag" typeface="Phagspa"/>
+        <a:font script="Syrn" typeface="Estrangelo Edessa"/>
+        <a:font script="Syrj" typeface="Estrangelo Edessa"/>
+        <a:font script="Syre" typeface="Estrangelo Edessa"/>
+        <a:font script="Sora" typeface="Nirmala UI"/>
+        <a:font script="Tale" typeface="Microsoft Tai Le"/>
+        <a:font script="Talu" typeface="Microsoft New Tai Lue"/>
+        <a:font script="Tfng" typeface="Ebrima"/>
       </a:majorFont>
       <a:minorFont>
-        <a:latin typeface="Segoe UI"/>
+        <a:latin typeface="Calibri" panose="020F0502020204030204"/>
         <a:ea typeface=""/>
         <a:cs typeface=""/>
+        <a:font script="Jpan" typeface="游ゴシック"/>
+        <a:font script="Hang" typeface="맑은 고딕"/>
+        <a:font script="Hans" typeface="等线"/>
+        <a:font script="Hant" typeface="新細明體"/>
+        <a:font script="Arab" typeface="Arial"/>
+        <a:font script="Hebr" typeface="Arial"/>
+        <a:font script="Thai" typeface="Cordia New"/>
+        <a:font script="Ethi" typeface="Nyala"/>
+        <a:font script="Beng" typeface="Vrinda"/>
+        <a:font script="Gujr" typeface="Shruti"/>
+        <a:font script="Khmr" typeface="DaunPenh"/>
+        <a:font script="Knda" typeface="Tunga"/>
+        <a:font script="Guru" typeface="Raavi"/>
+        <a:font script="Cans" typeface="Euphemia"/>
+        <a:font script="Cher" typeface="Plantagenet Cherokee"/>
+        <a:font script="Yiii" typeface="Microsoft Yi Baiti"/>
+        <a:font script="Tibt" typeface="Microsoft Himalaya"/>
+        <a:font script="Thaa" typeface="MV Boli"/>
+        <a:font script="Deva" typeface="Mangal"/>
+        <a:font script="Telu" typeface="Gautami"/>
+        <a:font script="Taml" typeface="Latha"/>
+        <a:font script="Syrc" typeface="Estrangelo Edessa"/>
+        <a:font script="Orya" typeface="Kalinga"/>
+        <a:font script="Mlym" typeface="Kartika"/>
+        <a:font script="Laoo" typeface="DokChampa"/>
+        <a:font script="Sinh" typeface="Iskoola Pota"/>
+        <a:font script="Mong" typeface="Mongolian Baiti"/>
+        <a:font script="Viet" typeface="Arial"/>
+        <a:font script="Uigh" typeface="Microsoft Uighur"/>
+        <a:font script="Geor" typeface="Sylfaen"/>
+        <a:font script="Armn" typeface="Arial"/>
+        <a:font script="Bugi" typeface="Leelawadee UI"/>
+        <a:font script="Bopo" typeface="Microsoft JhengHei"/>
+        <a:font script="Java" typeface="Javanese Text"/>
+        <a:font script="Lisu" typeface="Segoe UI"/>
+        <a:font script="Mymr" typeface="Myanmar Text"/>
+        <a:font script="Nkoo" typeface="Ebrima"/>
+        <a:font script="Olck" typeface="Nirmala UI"/>
+        <a:font script="Osma" typeface="Ebrima"/>
+        <a:font script="Phag" typeface="Phagspa"/>
+        <a:font script="Syrn" typeface="Estrangelo Edessa"/>
+        <a:font script="Syrj" typeface="Estrangelo Edessa"/>
+        <a:font script="Syre" typeface="Estrangelo Edessa"/>
+        <a:font script="Sora" typeface="Nirmala UI"/>
+        <a:font script="Tale" typeface="Microsoft Tai Le"/>
+        <a:font script="Talu" typeface="Microsoft New Tai Lue"/>
+        <a:font script="Tfng" typeface="Ebrima"/>
       </a:minorFont>
     </a:fontScheme>
     <a:fmtScheme name="Office">
@@ -4056,197 +9524,142 @@
           <a:gsLst>
             <a:gs pos="0">
               <a:schemeClr val="phClr">
-                <a:tint val="50000"/>
-                <a:satMod val="300000"/>
+                <a:lumMod val="110000"/>
+                <a:satMod val="105000"/>
+                <a:tint val="67000"/>
               </a:schemeClr>
             </a:gs>
-            <a:gs pos="35000">
+            <a:gs pos="50000">
               <a:schemeClr val="phClr">
-                <a:tint val="37000"/>
-                <a:satMod val="300000"/>
+                <a:lumMod val="105000"/>
+                <a:satMod val="103000"/>
+                <a:tint val="73000"/>
               </a:schemeClr>
             </a:gs>
             <a:gs pos="100000">
               <a:schemeClr val="phClr">
-                <a:tint val="15000"/>
-                <a:satMod val="350000"/>
+                <a:lumMod val="105000"/>
+                <a:satMod val="109000"/>
+                <a:tint val="81000"/>
               </a:schemeClr>
             </a:gs>
           </a:gsLst>
-          <a:lin ang="16200000" scaled="1"/>
+          <a:lin ang="5400000" scaled="0"/>
         </a:gradFill>
         <a:gradFill rotWithShape="1">
           <a:gsLst>
             <a:gs pos="0">
               <a:schemeClr val="phClr">
-                <a:tint val="100000"/>
+                <a:satMod val="103000"/>
+                <a:lumMod val="102000"/>
+                <a:tint val="94000"/>
+              </a:schemeClr>
+            </a:gs>
+            <a:gs pos="50000">
+              <a:schemeClr val="phClr">
+                <a:satMod val="110000"/>
+                <a:lumMod val="100000"/>
                 <a:shade val="100000"/>
-                <a:satMod val="130000"/>
               </a:schemeClr>
             </a:gs>
             <a:gs pos="100000">
               <a:schemeClr val="phClr">
-                <a:tint val="50000"/>
-                <a:shade val="100000"/>
-                <a:satMod val="350000"/>
+                <a:lumMod val="99000"/>
+                <a:satMod val="120000"/>
+                <a:shade val="78000"/>
               </a:schemeClr>
             </a:gs>
           </a:gsLst>
-          <a:lin ang="16200000" scaled="0"/>
+          <a:lin ang="5400000" scaled="0"/>
         </a:gradFill>
       </a:fillStyleLst>
       <a:lnStyleLst>
-        <a:ln w="9525" cap="flat" cmpd="sng" algn="ctr">
-          <a:solidFill>
-            <a:schemeClr val="phClr">
-              <a:shade val="95000"/>
-              <a:satMod val="105000"/>
-            </a:schemeClr>
-          </a:solidFill>
-          <a:prstDash val="solid"/>
-        </a:ln>
-        <a:ln w="25400" cap="flat" cmpd="sng" algn="ctr">
+        <a:ln w="6350" cap="flat" cmpd="sng" algn="ctr">
           <a:solidFill>
             <a:schemeClr val="phClr"/>
           </a:solidFill>
           <a:prstDash val="solid"/>
+          <a:miter lim="800000"/>
         </a:ln>
-        <a:ln w="38100" cap="flat" cmpd="sng" algn="ctr">
+        <a:ln w="12700" cap="flat" cmpd="sng" algn="ctr">
           <a:solidFill>
             <a:schemeClr val="phClr"/>
           </a:solidFill>
           <a:prstDash val="solid"/>
+          <a:miter lim="800000"/>
+        </a:ln>
+        <a:ln w="19050" cap="flat" cmpd="sng" algn="ctr">
+          <a:solidFill>
+            <a:schemeClr val="phClr"/>
+          </a:solidFill>
+          <a:prstDash val="solid"/>
+          <a:miter lim="800000"/>
         </a:ln>
       </a:lnStyleLst>
       <a:effectStyleLst>
         <a:effectStyle>
+          <a:effectLst/>
+        </a:effectStyle>
+        <a:effectStyle>
+          <a:effectLst/>
+        </a:effectStyle>
+        <a:effectStyle>
           <a:effectLst>
-            <a:outerShdw blurRad="40000" dist="20000" dir="5400000" rotWithShape="0">
+            <a:outerShdw blurRad="57150" dist="19050" dir="5400000" algn="ctr" rotWithShape="0">
               <a:srgbClr val="000000">
-                <a:alpha val="38000"/>
+                <a:alpha val="63000"/>
               </a:srgbClr>
             </a:outerShdw>
           </a:effectLst>
-        </a:effectStyle>
-        <a:effectStyle>
-          <a:effectLst>
-            <a:outerShdw blurRad="40000" dist="23000" dir="5400000" rotWithShape="0">
-              <a:srgbClr val="000000">
-                <a:alpha val="35000"/>
-              </a:srgbClr>
-            </a:outerShdw>
-          </a:effectLst>
-        </a:effectStyle>
-        <a:effectStyle>
-          <a:effectLst>
-            <a:outerShdw blurRad="40000" dist="23000" dir="5400000" rotWithShape="0">
-              <a:srgbClr val="000000">
-                <a:alpha val="35000"/>
-              </a:srgbClr>
-            </a:outerShdw>
-          </a:effectLst>
-          <a:scene3d>
-            <a:camera prst="orthographicFront">
-              <a:rot lat="0" lon="0" rev="0"/>
-            </a:camera>
-            <a:lightRig rig="threePt" dir="t">
-              <a:rot lat="0" lon="0" rev="1200000"/>
-            </a:lightRig>
-          </a:scene3d>
-          <a:sp3d>
-            <a:bevelT w="63500" h="25400"/>
-          </a:sp3d>
         </a:effectStyle>
       </a:effectStyleLst>
       <a:bgFillStyleLst>
         <a:solidFill>
           <a:schemeClr val="phClr"/>
         </a:solidFill>
+        <a:solidFill>
+          <a:schemeClr val="phClr">
+            <a:tint val="95000"/>
+            <a:satMod val="170000"/>
+          </a:schemeClr>
+        </a:solidFill>
         <a:gradFill rotWithShape="1">
           <a:gsLst>
             <a:gs pos="0">
               <a:schemeClr val="phClr">
-                <a:tint val="40000"/>
-                <a:satMod val="350000"/>
+                <a:tint val="93000"/>
+                <a:satMod val="150000"/>
+                <a:shade val="98000"/>
+                <a:lumMod val="102000"/>
               </a:schemeClr>
             </a:gs>
-            <a:gs pos="40000">
+            <a:gs pos="50000">
               <a:schemeClr val="phClr">
-                <a:tint val="45000"/>
-                <a:shade val="99000"/>
-                <a:satMod val="350000"/>
+                <a:tint val="98000"/>
+                <a:satMod val="130000"/>
+                <a:shade val="90000"/>
+                <a:lumMod val="103000"/>
               </a:schemeClr>
             </a:gs>
             <a:gs pos="100000">
               <a:schemeClr val="phClr">
-                <a:shade val="20000"/>
-                <a:satMod val="255000"/>
+                <a:shade val="63000"/>
+                <a:satMod val="120000"/>
               </a:schemeClr>
             </a:gs>
           </a:gsLst>
-          <a:path path="circle">
-            <a:fillToRect l="50000" t="-80000" r="50000" b="180000"/>
-          </a:path>
-        </a:gradFill>
-        <a:gradFill rotWithShape="1">
-          <a:gsLst>
-            <a:gs pos="0">
-              <a:schemeClr val="phClr">
-                <a:tint val="80000"/>
-                <a:satMod val="300000"/>
-              </a:schemeClr>
-            </a:gs>
-            <a:gs pos="100000">
-              <a:schemeClr val="phClr">
-                <a:shade val="30000"/>
-                <a:satMod val="200000"/>
-              </a:schemeClr>
-            </a:gs>
-          </a:gsLst>
-          <a:path path="circle">
-            <a:fillToRect l="50000" t="50000" r="50000" b="50000"/>
-          </a:path>
+          <a:lin ang="5400000" scaled="0"/>
         </a:gradFill>
       </a:bgFillStyleLst>
     </a:fmtScheme>
   </a:themeElements>
-  <a:objectDefaults>
-    <a:spDef>
-      <a:spPr/>
-      <a:bodyPr lIns="0" tIns="0" rIns="0" bIns="0" anchor="ctr">
-        <a:spAutoFit/>
-      </a:bodyPr>
-      <a:lstStyle>
-        <a:defPPr algn="l">
-          <a:defRPr sz="2400" dirty="0" smtClean="0">
-            <a:solidFill>
-              <a:schemeClr val="accent1"/>
-            </a:solidFill>
-          </a:defRPr>
-        </a:defPPr>
-      </a:lstStyle>
-    </a:spDef>
-    <a:lnDef>
-      <a:spPr/>
-      <a:bodyPr/>
-      <a:lstStyle/>
-      <a:style>
-        <a:lnRef idx="2">
-          <a:schemeClr val="accent1"/>
-        </a:lnRef>
-        <a:fillRef idx="0">
-          <a:schemeClr val="accent1"/>
-        </a:fillRef>
-        <a:effectRef idx="1">
-          <a:schemeClr val="accent1"/>
-        </a:effectRef>
-        <a:fontRef idx="minor">
-          <a:schemeClr val="tx1"/>
-        </a:fontRef>
-      </a:style>
-    </a:lnDef>
-  </a:objectDefaults>
+  <a:objectDefaults/>
   <a:extraClrSchemeLst/>
+  <a:extLst>
+    <a:ext uri="{05A4C25C-085E-4340-85A3-A5531E510DB2}">
+      <thm15:themeFamily xmlns:thm15="http://schemas.microsoft.com/office/thememl/2012/main" name="PSSaturday_template.potx" id="{1558A2F7-93A1-4304-84BF-EB460CFE8176}" vid="{2059604E-30DD-4E58-AC2A-4D963846C196}"/>
+    </a:ext>
+  </a:extLst>
 </a:theme>
 </file>
 

--- a/josh-corrick/UsingDbatoolsToAutomateDeployments.pptx
+++ b/josh-corrick/UsingDbatoolsToAutomateDeployments.pptx
@@ -5,17 +5,19 @@
     <p:sldMasterId id="2147483648" r:id="rId1"/>
   </p:sldMasterIdLst>
   <p:notesMasterIdLst>
-    <p:notesMasterId r:id="rId10"/>
+    <p:notesMasterId r:id="rId12"/>
   </p:notesMasterIdLst>
   <p:sldIdLst>
     <p:sldId id="275" r:id="rId2"/>
     <p:sldId id="268" r:id="rId3"/>
     <p:sldId id="271" r:id="rId4"/>
-    <p:sldId id="273" r:id="rId5"/>
-    <p:sldId id="277" r:id="rId6"/>
-    <p:sldId id="278" r:id="rId7"/>
-    <p:sldId id="282" r:id="rId8"/>
-    <p:sldId id="274" r:id="rId9"/>
+    <p:sldId id="283" r:id="rId5"/>
+    <p:sldId id="273" r:id="rId6"/>
+    <p:sldId id="277" r:id="rId7"/>
+    <p:sldId id="278" r:id="rId8"/>
+    <p:sldId id="284" r:id="rId9"/>
+    <p:sldId id="282" r:id="rId10"/>
+    <p:sldId id="274" r:id="rId11"/>
   </p:sldIdLst>
   <p:sldSz cx="12192000" cy="6858000"/>
   <p:notesSz cx="6858000" cy="9144000"/>
@@ -215,7 +217,7 @@
           <a:p>
             <a:fld id="{7F89AD86-B2B5-448B-B855-EA789EC8799F}" type="datetimeFigureOut">
               <a:rPr lang="en-US" smtClean="0"/>
-              <a:t>9/9/2019</a:t>
+              <a:t>9/18/2019</a:t>
             </a:fld>
             <a:endParaRPr lang="en-US"/>
           </a:p>
@@ -528,39 +530,7 @@
           <a:p>
             <a:r>
               <a:rPr lang="en-US" dirty="0"/>
-              <a:t>SQLCMD tool originally designed for interacting with the database only. </a:t>
-            </a:r>
-            <a:r>
-              <a:rPr lang="en-US" dirty="0" err="1"/>
-              <a:t>Minishell</a:t>
-            </a:r>
-            <a:r>
-              <a:rPr lang="en-US" dirty="0"/>
-              <a:t> was not a fan favorite as it was restrictive and buggy. </a:t>
-            </a:r>
-            <a:r>
-              <a:rPr lang="en-US" dirty="0" err="1"/>
-              <a:t>Snapins</a:t>
-            </a:r>
-            <a:r>
-              <a:rPr lang="en-US" dirty="0"/>
-              <a:t> were a PowerShell 2.0 method. SMO objects are the preferred objects used by SSMS for any custom plugins (Also used by PowerShell). </a:t>
-            </a:r>
-            <a:r>
-              <a:rPr lang="en-US" dirty="0" err="1"/>
-              <a:t>SQLServer</a:t>
-            </a:r>
-            <a:r>
-              <a:rPr lang="en-US" dirty="0"/>
-              <a:t> Module was buggy, Slowly developed, Invoke-</a:t>
-            </a:r>
-            <a:r>
-              <a:rPr lang="en-US" dirty="0" err="1"/>
-              <a:t>SQLCmd</a:t>
-            </a:r>
-            <a:r>
-              <a:rPr lang="en-US" dirty="0"/>
-              <a:t> was slow,</a:t>
+              <a:t>Benevolent Dictator for Life.. </a:t>
             </a:r>
           </a:p>
         </p:txBody>
@@ -580,7 +550,7 @@
           <a:bodyPr/>
           <a:lstStyle/>
           <a:p>
-            <a:fld id="{1D3CE819-F866-464B-B848-26E7DB5953B2}" type="slidenum">
+            <a:fld id="{1D440B6A-7462-41EA-A626-F8445C28255B}" type="slidenum">
               <a:rPr lang="en-US" smtClean="0"/>
               <a:t>5</a:t>
             </a:fld>
@@ -591,7 +561,7 @@
     </p:spTree>
     <p:extLst>
       <p:ext uri="{BB962C8B-B14F-4D97-AF65-F5344CB8AC3E}">
-        <p14:creationId xmlns:p14="http://schemas.microsoft.com/office/powerpoint/2010/main" val="2349757171"/>
+        <p14:creationId xmlns:p14="http://schemas.microsoft.com/office/powerpoint/2010/main" val="606088129"/>
       </p:ext>
     </p:extLst>
   </p:cSld>
@@ -647,7 +617,23 @@
           <a:p>
             <a:r>
               <a:rPr lang="en-US" dirty="0"/>
-              <a:t>Community built means that actual product users create the tools they need. The code is not compiled (like the </a:t>
+              <a:t>SQLCMD tool originally designed for interacting with the database only. </a:t>
+            </a:r>
+            <a:r>
+              <a:rPr lang="en-US" dirty="0" err="1"/>
+              <a:t>Minishell</a:t>
+            </a:r>
+            <a:r>
+              <a:rPr lang="en-US" dirty="0"/>
+              <a:t> was not a fan favorite as it was restrictive and buggy. </a:t>
+            </a:r>
+            <a:r>
+              <a:rPr lang="en-US" dirty="0" err="1"/>
+              <a:t>Snapins</a:t>
+            </a:r>
+            <a:r>
+              <a:rPr lang="en-US" dirty="0"/>
+              <a:t> were a PowerShell 2.0 method. SQL Management Objects (SMO) objects are the preferred objects used by SSMS for any custom plugins (Also used by PowerShell). </a:t>
             </a:r>
             <a:r>
               <a:rPr lang="en-US" dirty="0" err="1"/>
@@ -655,174 +641,16 @@
             </a:r>
             <a:r>
               <a:rPr lang="en-US" dirty="0"/>
-              <a:t> module) so security teams may review each cmdlet. By writing cmdlets like Test-</a:t>
+              <a:t> Module was buggy, Slowly developed, Invoke-</a:t>
             </a:r>
             <a:r>
               <a:rPr lang="en-US" dirty="0" err="1"/>
-              <a:t>DbaPowerPlan</a:t>
+              <a:t>SQLCmd</a:t>
             </a:r>
             <a:r>
               <a:rPr lang="en-US" dirty="0"/>
-              <a:t> it reminds the community of best practices. One of the best things to automate is Database migrations</a:t>
-            </a:r>
-          </a:p>
-          <a:p>
-            <a:endParaRPr lang="en-US" dirty="0"/>
-          </a:p>
-          <a:p>
-            <a:r>
-              <a:rPr lang="en-US" sz="1200" b="0" kern="1200" dirty="0" err="1">
-                <a:solidFill>
-                  <a:schemeClr val="tx1"/>
-                </a:solidFill>
-                <a:effectLst/>
-                <a:latin typeface="+mn-lt"/>
-                <a:ea typeface="+mn-ea"/>
-                <a:cs typeface="+mn-cs"/>
-              </a:rPr>
-              <a:t>dbatools</a:t>
-            </a:r>
-            <a:r>
-              <a:rPr lang="en-US" sz="1200" b="0" kern="1200" dirty="0">
-                <a:solidFill>
-                  <a:schemeClr val="tx1"/>
-                </a:solidFill>
-                <a:effectLst/>
-                <a:latin typeface="+mn-lt"/>
-                <a:ea typeface="+mn-ea"/>
-                <a:cs typeface="+mn-cs"/>
-              </a:rPr>
-              <a:t> aims to support as many configurations as possible, including</a:t>
-            </a:r>
-          </a:p>
-          <a:p>
-            <a:r>
-              <a:rPr lang="en-US" sz="1200" b="0" kern="1200" dirty="0">
-                <a:solidFill>
-                  <a:schemeClr val="tx1"/>
-                </a:solidFill>
-                <a:effectLst/>
-                <a:latin typeface="+mn-lt"/>
-                <a:ea typeface="+mn-ea"/>
-                <a:cs typeface="+mn-cs"/>
-              </a:rPr>
-              <a:t>PowerShell v3 and above</a:t>
-            </a:r>
-          </a:p>
-          <a:p>
-            <a:r>
-              <a:rPr lang="en-US" sz="1200" b="0" kern="1200" dirty="0">
-                <a:solidFill>
-                  <a:schemeClr val="tx1"/>
-                </a:solidFill>
-                <a:effectLst/>
-                <a:latin typeface="+mn-lt"/>
-                <a:ea typeface="+mn-ea"/>
-                <a:cs typeface="+mn-cs"/>
-              </a:rPr>
-              <a:t>Windows, macOS and Linux</a:t>
-            </a:r>
-          </a:p>
-          <a:p>
-            <a:r>
-              <a:rPr lang="en-US" sz="1200" b="0" kern="1200" dirty="0">
-                <a:solidFill>
-                  <a:schemeClr val="tx1"/>
-                </a:solidFill>
-                <a:effectLst/>
-                <a:latin typeface="+mn-lt"/>
-                <a:ea typeface="+mn-ea"/>
-                <a:cs typeface="+mn-cs"/>
-              </a:rPr>
-              <a:t>SQL Server 2000 - 2017</a:t>
-            </a:r>
-          </a:p>
-          <a:p>
-            <a:r>
-              <a:rPr lang="en-US" sz="1200" b="0" kern="1200" dirty="0">
-                <a:solidFill>
-                  <a:schemeClr val="tx1"/>
-                </a:solidFill>
-                <a:effectLst/>
-                <a:latin typeface="+mn-lt"/>
-                <a:ea typeface="+mn-ea"/>
-                <a:cs typeface="+mn-cs"/>
-              </a:rPr>
-              <a:t>Express - Datacenter Edition</a:t>
-            </a:r>
-          </a:p>
-          <a:p>
-            <a:r>
-              <a:rPr lang="en-US" sz="1200" b="0" kern="1200" dirty="0">
-                <a:solidFill>
-                  <a:schemeClr val="tx1"/>
-                </a:solidFill>
-                <a:effectLst/>
-                <a:latin typeface="+mn-lt"/>
-                <a:ea typeface="+mn-ea"/>
-                <a:cs typeface="+mn-cs"/>
-              </a:rPr>
-              <a:t>Clustered and stand-alone instances</a:t>
-            </a:r>
-          </a:p>
-          <a:p>
-            <a:r>
-              <a:rPr lang="en-US" sz="1200" b="0" kern="1200" dirty="0">
-                <a:solidFill>
-                  <a:schemeClr val="tx1"/>
-                </a:solidFill>
-                <a:effectLst/>
-                <a:latin typeface="+mn-lt"/>
-                <a:ea typeface="+mn-ea"/>
-                <a:cs typeface="+mn-cs"/>
-              </a:rPr>
-              <a:t>Windows and SQL authentication</a:t>
-            </a:r>
-          </a:p>
-          <a:p>
-            <a:r>
-              <a:rPr lang="en-US" sz="1200" b="0" kern="1200" dirty="0">
-                <a:solidFill>
-                  <a:schemeClr val="tx1"/>
-                </a:solidFill>
-                <a:effectLst/>
-                <a:latin typeface="+mn-lt"/>
-                <a:ea typeface="+mn-ea"/>
-                <a:cs typeface="+mn-cs"/>
-              </a:rPr>
-              <a:t>Default and named instances</a:t>
-            </a:r>
-          </a:p>
-          <a:p>
-            <a:r>
-              <a:rPr lang="en-US" sz="1200" b="0" kern="1200" dirty="0">
-                <a:solidFill>
-                  <a:schemeClr val="tx1"/>
-                </a:solidFill>
-                <a:effectLst/>
-                <a:latin typeface="+mn-lt"/>
-                <a:ea typeface="+mn-ea"/>
-                <a:cs typeface="+mn-cs"/>
-              </a:rPr>
-              <a:t>Multiple instances on one server</a:t>
-            </a:r>
-          </a:p>
-          <a:p>
-            <a:r>
-              <a:rPr lang="en-US" sz="1200" b="0" kern="1200" dirty="0">
-                <a:solidFill>
-                  <a:schemeClr val="tx1"/>
-                </a:solidFill>
-                <a:effectLst/>
-                <a:latin typeface="+mn-lt"/>
-                <a:ea typeface="+mn-ea"/>
-                <a:cs typeface="+mn-cs"/>
-              </a:rPr>
-              <a:t>Auto-populated parameters for command-line completion (think -Database and -Login)</a:t>
-            </a:r>
-          </a:p>
-          <a:p>
-            <a:endParaRPr lang="en-US" dirty="0"/>
+              <a:t> was slow,</a:t>
+            </a:r>
           </a:p>
         </p:txBody>
       </p:sp>
@@ -852,7 +680,7 @@
     </p:spTree>
     <p:extLst>
       <p:ext uri="{BB962C8B-B14F-4D97-AF65-F5344CB8AC3E}">
-        <p14:creationId xmlns:p14="http://schemas.microsoft.com/office/powerpoint/2010/main" val="4179753502"/>
+        <p14:creationId xmlns:p14="http://schemas.microsoft.com/office/powerpoint/2010/main" val="2349757171"/>
       </p:ext>
     </p:extLst>
   </p:cSld>
@@ -889,6 +717,267 @@
             <p:ph type="sldImg"/>
           </p:nvPr>
         </p:nvSpPr>
+        <p:spPr/>
+      </p:sp>
+      <p:sp>
+        <p:nvSpPr>
+          <p:cNvPr id="3" name="Notes Placeholder 2"/>
+          <p:cNvSpPr>
+            <a:spLocks noGrp="1"/>
+          </p:cNvSpPr>
+          <p:nvPr>
+            <p:ph type="body" idx="1"/>
+          </p:nvPr>
+        </p:nvSpPr>
+        <p:spPr/>
+        <p:txBody>
+          <a:bodyPr/>
+          <a:lstStyle/>
+          <a:p>
+            <a:r>
+              <a:rPr lang="en-US" dirty="0"/>
+              <a:t>Community built means that actual product users create the tools they need. The code is not compiled (like the </a:t>
+            </a:r>
+            <a:r>
+              <a:rPr lang="en-US" dirty="0" err="1"/>
+              <a:t>SQLServer</a:t>
+            </a:r>
+            <a:r>
+              <a:rPr lang="en-US" dirty="0"/>
+              <a:t> module) so security teams may review each cmdlet. By writing cmdlets like Test-</a:t>
+            </a:r>
+            <a:r>
+              <a:rPr lang="en-US" dirty="0" err="1"/>
+              <a:t>DbaPowerPlan</a:t>
+            </a:r>
+            <a:r>
+              <a:rPr lang="en-US" dirty="0"/>
+              <a:t> it reminds the community of best practices. One of the best things to automate is Database migrations</a:t>
+            </a:r>
+          </a:p>
+          <a:p>
+            <a:endParaRPr lang="en-US" dirty="0"/>
+          </a:p>
+          <a:p>
+            <a:r>
+              <a:rPr lang="en-US" sz="1200" b="0" kern="1200" dirty="0" err="1">
+                <a:solidFill>
+                  <a:schemeClr val="tx1"/>
+                </a:solidFill>
+                <a:effectLst/>
+                <a:latin typeface="+mn-lt"/>
+                <a:ea typeface="+mn-ea"/>
+                <a:cs typeface="+mn-cs"/>
+              </a:rPr>
+              <a:t>dbatools</a:t>
+            </a:r>
+            <a:r>
+              <a:rPr lang="en-US" sz="1200" b="0" kern="1200" dirty="0">
+                <a:solidFill>
+                  <a:schemeClr val="tx1"/>
+                </a:solidFill>
+                <a:effectLst/>
+                <a:latin typeface="+mn-lt"/>
+                <a:ea typeface="+mn-ea"/>
+                <a:cs typeface="+mn-cs"/>
+              </a:rPr>
+              <a:t> aims to support as many configurations as possible, including</a:t>
+            </a:r>
+          </a:p>
+          <a:p>
+            <a:r>
+              <a:rPr lang="en-US" sz="1200" b="0" kern="1200" dirty="0">
+                <a:solidFill>
+                  <a:schemeClr val="tx1"/>
+                </a:solidFill>
+                <a:effectLst/>
+                <a:latin typeface="+mn-lt"/>
+                <a:ea typeface="+mn-ea"/>
+                <a:cs typeface="+mn-cs"/>
+              </a:rPr>
+              <a:t>PowerShell v3 and above</a:t>
+            </a:r>
+          </a:p>
+          <a:p>
+            <a:r>
+              <a:rPr lang="en-US" sz="1200" b="0" kern="1200" dirty="0">
+                <a:solidFill>
+                  <a:schemeClr val="tx1"/>
+                </a:solidFill>
+                <a:effectLst/>
+                <a:latin typeface="+mn-lt"/>
+                <a:ea typeface="+mn-ea"/>
+                <a:cs typeface="+mn-cs"/>
+              </a:rPr>
+              <a:t>Windows, macOS and Linux</a:t>
+            </a:r>
+          </a:p>
+          <a:p>
+            <a:r>
+              <a:rPr lang="en-US" sz="1200" b="0" kern="1200" dirty="0">
+                <a:solidFill>
+                  <a:schemeClr val="tx1"/>
+                </a:solidFill>
+                <a:effectLst/>
+                <a:latin typeface="+mn-lt"/>
+                <a:ea typeface="+mn-ea"/>
+                <a:cs typeface="+mn-cs"/>
+              </a:rPr>
+              <a:t>SQL Server 2000 - 2017</a:t>
+            </a:r>
+          </a:p>
+          <a:p>
+            <a:r>
+              <a:rPr lang="en-US" sz="1200" b="0" kern="1200" dirty="0">
+                <a:solidFill>
+                  <a:schemeClr val="tx1"/>
+                </a:solidFill>
+                <a:effectLst/>
+                <a:latin typeface="+mn-lt"/>
+                <a:ea typeface="+mn-ea"/>
+                <a:cs typeface="+mn-cs"/>
+              </a:rPr>
+              <a:t>Express - Datacenter Edition</a:t>
+            </a:r>
+          </a:p>
+          <a:p>
+            <a:r>
+              <a:rPr lang="en-US" sz="1200" b="0" kern="1200" dirty="0">
+                <a:solidFill>
+                  <a:schemeClr val="tx1"/>
+                </a:solidFill>
+                <a:effectLst/>
+                <a:latin typeface="+mn-lt"/>
+                <a:ea typeface="+mn-ea"/>
+                <a:cs typeface="+mn-cs"/>
+              </a:rPr>
+              <a:t>Clustered and stand-alone instances</a:t>
+            </a:r>
+          </a:p>
+          <a:p>
+            <a:r>
+              <a:rPr lang="en-US" sz="1200" b="0" kern="1200" dirty="0">
+                <a:solidFill>
+                  <a:schemeClr val="tx1"/>
+                </a:solidFill>
+                <a:effectLst/>
+                <a:latin typeface="+mn-lt"/>
+                <a:ea typeface="+mn-ea"/>
+                <a:cs typeface="+mn-cs"/>
+              </a:rPr>
+              <a:t>Windows and SQL authentication</a:t>
+            </a:r>
+          </a:p>
+          <a:p>
+            <a:r>
+              <a:rPr lang="en-US" sz="1200" b="0" kern="1200" dirty="0">
+                <a:solidFill>
+                  <a:schemeClr val="tx1"/>
+                </a:solidFill>
+                <a:effectLst/>
+                <a:latin typeface="+mn-lt"/>
+                <a:ea typeface="+mn-ea"/>
+                <a:cs typeface="+mn-cs"/>
+              </a:rPr>
+              <a:t>Default and named instances</a:t>
+            </a:r>
+          </a:p>
+          <a:p>
+            <a:r>
+              <a:rPr lang="en-US" sz="1200" b="0" kern="1200" dirty="0">
+                <a:solidFill>
+                  <a:schemeClr val="tx1"/>
+                </a:solidFill>
+                <a:effectLst/>
+                <a:latin typeface="+mn-lt"/>
+                <a:ea typeface="+mn-ea"/>
+                <a:cs typeface="+mn-cs"/>
+              </a:rPr>
+              <a:t>Multiple instances on one server</a:t>
+            </a:r>
+          </a:p>
+          <a:p>
+            <a:r>
+              <a:rPr lang="en-US" sz="1200" b="0" kern="1200" dirty="0">
+                <a:solidFill>
+                  <a:schemeClr val="tx1"/>
+                </a:solidFill>
+                <a:effectLst/>
+                <a:latin typeface="+mn-lt"/>
+                <a:ea typeface="+mn-ea"/>
+                <a:cs typeface="+mn-cs"/>
+              </a:rPr>
+              <a:t>Auto-populated parameters for command-line completion (think -Database and -Login)</a:t>
+            </a:r>
+          </a:p>
+          <a:p>
+            <a:endParaRPr lang="en-US" dirty="0"/>
+          </a:p>
+        </p:txBody>
+      </p:sp>
+      <p:sp>
+        <p:nvSpPr>
+          <p:cNvPr id="4" name="Slide Number Placeholder 3"/>
+          <p:cNvSpPr>
+            <a:spLocks noGrp="1"/>
+          </p:cNvSpPr>
+          <p:nvPr>
+            <p:ph type="sldNum" sz="quarter" idx="5"/>
+          </p:nvPr>
+        </p:nvSpPr>
+        <p:spPr/>
+        <p:txBody>
+          <a:bodyPr/>
+          <a:lstStyle/>
+          <a:p>
+            <a:fld id="{1D3CE819-F866-464B-B848-26E7DB5953B2}" type="slidenum">
+              <a:rPr lang="en-US" smtClean="0"/>
+              <a:t>7</a:t>
+            </a:fld>
+            <a:endParaRPr lang="en-US"/>
+          </a:p>
+        </p:txBody>
+      </p:sp>
+    </p:spTree>
+    <p:extLst>
+      <p:ext uri="{BB962C8B-B14F-4D97-AF65-F5344CB8AC3E}">
+        <p14:creationId xmlns:p14="http://schemas.microsoft.com/office/powerpoint/2010/main" val="4179753502"/>
+      </p:ext>
+    </p:extLst>
+  </p:cSld>
+  <p:clrMapOvr>
+    <a:masterClrMapping/>
+  </p:clrMapOvr>
+</p:notes>
+</file>
+
+<file path=ppt/notesSlides/notesSlide4.xml><?xml version="1.0" encoding="utf-8"?>
+<p:notes xmlns:a="http://schemas.openxmlformats.org/drawingml/2006/main" xmlns:r="http://schemas.openxmlformats.org/officeDocument/2006/relationships" xmlns:p="http://schemas.openxmlformats.org/presentationml/2006/main">
+  <p:cSld>
+    <p:spTree>
+      <p:nvGrpSpPr>
+        <p:cNvPr id="1" name=""/>
+        <p:cNvGrpSpPr/>
+        <p:nvPr/>
+      </p:nvGrpSpPr>
+      <p:grpSpPr>
+        <a:xfrm>
+          <a:off x="0" y="0"/>
+          <a:ext cx="0" cy="0"/>
+          <a:chOff x="0" y="0"/>
+          <a:chExt cx="0" cy="0"/>
+        </a:xfrm>
+      </p:grpSpPr>
+      <p:sp>
+        <p:nvSpPr>
+          <p:cNvPr id="2" name="Slide Image Placeholder 1"/>
+          <p:cNvSpPr>
+            <a:spLocks noGrp="1" noRot="1" noChangeAspect="1"/>
+          </p:cNvSpPr>
+          <p:nvPr>
+            <p:ph type="sldImg"/>
+          </p:nvPr>
+        </p:nvSpPr>
         <p:spPr>
           <a:xfrm>
             <a:off x="685800" y="1143000"/>
@@ -932,7 +1021,7 @@
           <a:p>
             <a:fld id="{1D3CE819-F866-464B-B848-26E7DB5953B2}" type="slidenum">
               <a:rPr lang="en-US" smtClean="0"/>
-              <a:t>7</a:t>
+              <a:t>9</a:t>
             </a:fld>
             <a:endParaRPr lang="en-US"/>
           </a:p>
@@ -1098,7 +1187,7 @@
           <a:p>
             <a:fld id="{A8B89F18-586E-4B97-8EEA-25E99A190A89}" type="datetimeFigureOut">
               <a:rPr lang="en-US" smtClean="0"/>
-              <a:t>9/9/2019</a:t>
+              <a:t>9/18/2019</a:t>
             </a:fld>
             <a:endParaRPr lang="en-US"/>
           </a:p>
@@ -1457,7 +1546,7 @@
           <a:p>
             <a:fld id="{A8B89F18-586E-4B97-8EEA-25E99A190A89}" type="datetimeFigureOut">
               <a:rPr lang="en-US" smtClean="0"/>
-              <a:t>9/9/2019</a:t>
+              <a:t>9/18/2019</a:t>
             </a:fld>
             <a:endParaRPr lang="en-US"/>
           </a:p>
@@ -1859,7 +1948,7 @@
           <a:p>
             <a:fld id="{A8B89F18-586E-4B97-8EEA-25E99A190A89}" type="datetimeFigureOut">
               <a:rPr lang="en-US" smtClean="0"/>
-              <a:t>9/9/2019</a:t>
+              <a:t>9/18/2019</a:t>
             </a:fld>
             <a:endParaRPr lang="en-US"/>
           </a:p>
@@ -2251,7 +2340,7 @@
           <a:p>
             <a:fld id="{A8B89F18-586E-4B97-8EEA-25E99A190A89}" type="datetimeFigureOut">
               <a:rPr lang="en-US" smtClean="0"/>
-              <a:t>9/9/2019</a:t>
+              <a:t>9/18/2019</a:t>
             </a:fld>
             <a:endParaRPr lang="en-US"/>
           </a:p>
@@ -2725,7 +2814,7 @@
           <a:p>
             <a:fld id="{A8B89F18-586E-4B97-8EEA-25E99A190A89}" type="datetimeFigureOut">
               <a:rPr lang="en-US" smtClean="0"/>
-              <a:t>9/9/2019</a:t>
+              <a:t>9/18/2019</a:t>
             </a:fld>
             <a:endParaRPr lang="en-US"/>
           </a:p>
@@ -3194,7 +3283,7 @@
           <a:p>
             <a:fld id="{A8B89F18-586E-4B97-8EEA-25E99A190A89}" type="datetimeFigureOut">
               <a:rPr lang="en-US" smtClean="0"/>
-              <a:t>9/9/2019</a:t>
+              <a:t>9/18/2019</a:t>
             </a:fld>
             <a:endParaRPr lang="en-US"/>
           </a:p>
@@ -3800,7 +3889,7 @@
           <a:p>
             <a:fld id="{A8B89F18-586E-4B97-8EEA-25E99A190A89}" type="datetimeFigureOut">
               <a:rPr lang="en-US" smtClean="0"/>
-              <a:t>9/9/2019</a:t>
+              <a:t>9/18/2019</a:t>
             </a:fld>
             <a:endParaRPr lang="en-US"/>
           </a:p>
@@ -4135,7 +4224,7 @@
           <a:p>
             <a:fld id="{A8B89F18-586E-4B97-8EEA-25E99A190A89}" type="datetimeFigureOut">
               <a:rPr lang="en-US" smtClean="0"/>
-              <a:t>9/9/2019</a:t>
+              <a:t>9/18/2019</a:t>
             </a:fld>
             <a:endParaRPr lang="en-US"/>
           </a:p>
@@ -4442,7 +4531,7 @@
           <a:p>
             <a:fld id="{A8B89F18-586E-4B97-8EEA-25E99A190A89}" type="datetimeFigureOut">
               <a:rPr lang="en-US" smtClean="0"/>
-              <a:t>9/9/2019</a:t>
+              <a:t>9/18/2019</a:t>
             </a:fld>
             <a:endParaRPr lang="en-US"/>
           </a:p>
@@ -4947,7 +5036,7 @@
           <a:p>
             <a:fld id="{A8B89F18-586E-4B97-8EEA-25E99A190A89}" type="datetimeFigureOut">
               <a:rPr lang="en-US" smtClean="0"/>
-              <a:t>9/9/2019</a:t>
+              <a:t>9/18/2019</a:t>
             </a:fld>
             <a:endParaRPr lang="en-US"/>
           </a:p>
@@ -5432,7 +5521,7 @@
           <a:p>
             <a:fld id="{A8B89F18-586E-4B97-8EEA-25E99A190A89}" type="datetimeFigureOut">
               <a:rPr lang="en-US" smtClean="0"/>
-              <a:t>9/9/2019</a:t>
+              <a:t>9/18/2019</a:t>
             </a:fld>
             <a:endParaRPr lang="en-US"/>
           </a:p>
@@ -5867,7 +5956,7 @@
           <a:p>
             <a:fld id="{A8B89F18-586E-4B97-8EEA-25E99A190A89}" type="datetimeFigureOut">
               <a:rPr lang="en-US" smtClean="0"/>
-              <a:t>9/9/2019</a:t>
+              <a:t>9/18/2019</a:t>
             </a:fld>
             <a:endParaRPr lang="en-US"/>
           </a:p>
@@ -6540,6 +6629,230 @@
 </p:sld>
 </file>
 
+<file path=ppt/slides/slide10.xml><?xml version="1.0" encoding="utf-8"?>
+<p:sld xmlns:a="http://schemas.openxmlformats.org/drawingml/2006/main" xmlns:r="http://schemas.openxmlformats.org/officeDocument/2006/relationships" xmlns:p="http://schemas.openxmlformats.org/presentationml/2006/main">
+  <p:cSld>
+    <p:spTree>
+      <p:nvGrpSpPr>
+        <p:cNvPr id="1" name=""/>
+        <p:cNvGrpSpPr/>
+        <p:nvPr/>
+      </p:nvGrpSpPr>
+      <p:grpSpPr>
+        <a:xfrm>
+          <a:off x="0" y="0"/>
+          <a:ext cx="0" cy="0"/>
+          <a:chOff x="0" y="0"/>
+          <a:chExt cx="0" cy="0"/>
+        </a:xfrm>
+      </p:grpSpPr>
+      <p:grpSp>
+        <p:nvGrpSpPr>
+          <p:cNvPr id="2" name="Group 1">
+            <a:extLst>
+              <a:ext uri="{FF2B5EF4-FFF2-40B4-BE49-F238E27FC236}">
+                <a16:creationId xmlns:a16="http://schemas.microsoft.com/office/drawing/2014/main" id="{AC447038-DA2B-4C15-A2B1-1E857D7FE9E7}"/>
+              </a:ext>
+            </a:extLst>
+          </p:cNvPr>
+          <p:cNvGrpSpPr/>
+          <p:nvPr/>
+        </p:nvGrpSpPr>
+        <p:grpSpPr>
+          <a:xfrm>
+            <a:off x="0" y="5776566"/>
+            <a:ext cx="12192001" cy="1081434"/>
+            <a:chOff x="0" y="5776566"/>
+            <a:chExt cx="12192001" cy="1081434"/>
+          </a:xfrm>
+        </p:grpSpPr>
+        <p:sp>
+          <p:nvSpPr>
+            <p:cNvPr id="3" name="Rectangle 2">
+              <a:extLst>
+                <a:ext uri="{FF2B5EF4-FFF2-40B4-BE49-F238E27FC236}">
+                  <a16:creationId xmlns:a16="http://schemas.microsoft.com/office/drawing/2014/main" id="{C459A57F-1F79-4689-BAA7-3AECC5DE0406}"/>
+                </a:ext>
+              </a:extLst>
+            </p:cNvPr>
+            <p:cNvSpPr/>
+            <p:nvPr/>
+          </p:nvSpPr>
+          <p:spPr>
+            <a:xfrm>
+              <a:off x="0" y="6098596"/>
+              <a:ext cx="12192001" cy="759404"/>
+            </a:xfrm>
+            <a:prstGeom prst="rect">
+              <a:avLst/>
+            </a:prstGeom>
+            <a:gradFill flip="none" rotWithShape="1">
+              <a:gsLst>
+                <a:gs pos="0">
+                  <a:schemeClr val="bg1"/>
+                </a:gs>
+                <a:gs pos="0">
+                  <a:srgbClr val="0070C0"/>
+                </a:gs>
+                <a:gs pos="90000">
+                  <a:schemeClr val="bg1"/>
+                </a:gs>
+              </a:gsLst>
+              <a:path path="circle">
+                <a:fillToRect l="100000" t="100000"/>
+              </a:path>
+              <a:tileRect r="-100000" b="-100000"/>
+            </a:gradFill>
+            <a:ln>
+              <a:noFill/>
+            </a:ln>
+          </p:spPr>
+          <p:style>
+            <a:lnRef idx="2">
+              <a:schemeClr val="accent1">
+                <a:shade val="50000"/>
+              </a:schemeClr>
+            </a:lnRef>
+            <a:fillRef idx="1">
+              <a:schemeClr val="accent1"/>
+            </a:fillRef>
+            <a:effectRef idx="0">
+              <a:schemeClr val="accent1"/>
+            </a:effectRef>
+            <a:fontRef idx="minor">
+              <a:schemeClr val="lt1"/>
+            </a:fontRef>
+          </p:style>
+          <p:txBody>
+            <a:bodyPr rtlCol="0" anchor="ctr"/>
+            <a:lstStyle/>
+            <a:p>
+              <a:pPr algn="ctr"/>
+              <a:endParaRPr lang="en-US"/>
+            </a:p>
+          </p:txBody>
+        </p:sp>
+        <p:grpSp>
+          <p:nvGrpSpPr>
+            <p:cNvPr id="4" name="Group 3">
+              <a:extLst>
+                <a:ext uri="{FF2B5EF4-FFF2-40B4-BE49-F238E27FC236}">
+                  <a16:creationId xmlns:a16="http://schemas.microsoft.com/office/drawing/2014/main" id="{30A206EC-BAD9-461C-80CF-C7CBE535263B}"/>
+                </a:ext>
+              </a:extLst>
+            </p:cNvPr>
+            <p:cNvGrpSpPr/>
+            <p:nvPr/>
+          </p:nvGrpSpPr>
+          <p:grpSpPr>
+            <a:xfrm>
+              <a:off x="136116" y="5776566"/>
+              <a:ext cx="1766413" cy="974090"/>
+              <a:chOff x="705301" y="2052365"/>
+              <a:chExt cx="5603844" cy="3090246"/>
+            </a:xfrm>
+          </p:grpSpPr>
+          <p:pic>
+            <p:nvPicPr>
+              <p:cNvPr id="5" name="Picture 4">
+                <a:extLst>
+                  <a:ext uri="{FF2B5EF4-FFF2-40B4-BE49-F238E27FC236}">
+                    <a16:creationId xmlns:a16="http://schemas.microsoft.com/office/drawing/2014/main" id="{179E48C2-A268-41DE-AA38-79B36A6DACEE}"/>
+                  </a:ext>
+                </a:extLst>
+              </p:cNvPr>
+              <p:cNvPicPr>
+                <a:picLocks noChangeAspect="1"/>
+              </p:cNvPicPr>
+              <p:nvPr/>
+            </p:nvPicPr>
+            <p:blipFill>
+              <a:blip r:embed="rId2">
+                <a:extLst>
+                  <a:ext uri="{28A0092B-C50C-407E-A947-70E740481C1C}">
+                    <a14:useLocalDpi xmlns:a14="http://schemas.microsoft.com/office/drawing/2010/main" val="0"/>
+                  </a:ext>
+                </a:extLst>
+              </a:blip>
+              <a:stretch>
+                <a:fillRect/>
+              </a:stretch>
+            </p:blipFill>
+            <p:spPr>
+              <a:xfrm>
+                <a:off x="705301" y="2052365"/>
+                <a:ext cx="5603844" cy="3090246"/>
+              </a:xfrm>
+              <a:prstGeom prst="rect">
+                <a:avLst/>
+              </a:prstGeom>
+              <a:effectLst>
+                <a:outerShdw blurRad="50800" dist="38100" dir="5400000" algn="t" rotWithShape="0">
+                  <a:prstClr val="black">
+                    <a:alpha val="40000"/>
+                  </a:prstClr>
+                </a:outerShdw>
+              </a:effectLst>
+            </p:spPr>
+          </p:pic>
+          <p:pic>
+            <p:nvPicPr>
+              <p:cNvPr id="6" name="Picture 5">
+                <a:extLst>
+                  <a:ext uri="{FF2B5EF4-FFF2-40B4-BE49-F238E27FC236}">
+                    <a16:creationId xmlns:a16="http://schemas.microsoft.com/office/drawing/2014/main" id="{EBE1F437-5C0F-4D7C-8F84-CF664F011C65}"/>
+                  </a:ext>
+                </a:extLst>
+              </p:cNvPr>
+              <p:cNvPicPr>
+                <a:picLocks noChangeAspect="1"/>
+              </p:cNvPicPr>
+              <p:nvPr/>
+            </p:nvPicPr>
+            <p:blipFill>
+              <a:blip r:embed="rId3">
+                <a:extLst>
+                  <a:ext uri="{28A0092B-C50C-407E-A947-70E740481C1C}">
+                    <a14:useLocalDpi xmlns:a14="http://schemas.microsoft.com/office/drawing/2010/main" val="0"/>
+                  </a:ext>
+                </a:extLst>
+              </a:blip>
+              <a:stretch>
+                <a:fillRect/>
+              </a:stretch>
+            </p:blipFill>
+            <p:spPr>
+              <a:xfrm>
+                <a:off x="1264843" y="2298120"/>
+                <a:ext cx="4484760" cy="2473126"/>
+              </a:xfrm>
+              <a:prstGeom prst="rect">
+                <a:avLst/>
+              </a:prstGeom>
+              <a:effectLst>
+                <a:outerShdw blurRad="50800" dist="38100" dir="2700000" algn="tl" rotWithShape="0">
+                  <a:schemeClr val="bg1">
+                    <a:alpha val="40000"/>
+                  </a:schemeClr>
+                </a:outerShdw>
+              </a:effectLst>
+            </p:spPr>
+          </p:pic>
+        </p:grpSp>
+      </p:grpSp>
+    </p:spTree>
+    <p:extLst>
+      <p:ext uri="{BB962C8B-B14F-4D97-AF65-F5344CB8AC3E}">
+        <p14:creationId xmlns:p14="http://schemas.microsoft.com/office/powerpoint/2010/main" val="2878183223"/>
+      </p:ext>
+    </p:extLst>
+  </p:cSld>
+  <p:clrMapOvr>
+    <a:masterClrMapping/>
+  </p:clrMapOvr>
+</p:sld>
+</file>
+
 <file path=ppt/slides/slide2.xml><?xml version="1.0" encoding="utf-8"?>
 <p:sld xmlns:a="http://schemas.openxmlformats.org/drawingml/2006/main" xmlns:r="http://schemas.openxmlformats.org/officeDocument/2006/relationships" xmlns:p="http://schemas.openxmlformats.org/presentationml/2006/main">
   <p:cSld>
@@ -6939,7 +7252,7 @@
           <a:p>
             <a:r>
               <a:rPr lang="en-US" dirty="0"/>
-              <a:t>Sr. Systems Engineer</a:t>
+              <a:t>Systems Engineer</a:t>
             </a:r>
           </a:p>
           <a:p>
@@ -7034,6 +7347,114 @@
           <p:cNvPr id="2" name="Title 1">
             <a:extLst>
               <a:ext uri="{FF2B5EF4-FFF2-40B4-BE49-F238E27FC236}">
+                <a16:creationId xmlns:a16="http://schemas.microsoft.com/office/drawing/2014/main" id="{EBBC7C4E-D2F1-4627-915E-F8B903A5ED4A}"/>
+              </a:ext>
+            </a:extLst>
+          </p:cNvPr>
+          <p:cNvSpPr>
+            <a:spLocks noGrp="1"/>
+          </p:cNvSpPr>
+          <p:nvPr>
+            <p:ph type="title"/>
+          </p:nvPr>
+        </p:nvSpPr>
+        <p:spPr/>
+        <p:txBody>
+          <a:bodyPr/>
+          <a:lstStyle/>
+          <a:p>
+            <a:r>
+              <a:rPr lang="en-US" dirty="0"/>
+              <a:t>Who are you?</a:t>
+            </a:r>
+          </a:p>
+        </p:txBody>
+      </p:sp>
+      <p:sp>
+        <p:nvSpPr>
+          <p:cNvPr id="3" name="Content Placeholder 2">
+            <a:extLst>
+              <a:ext uri="{FF2B5EF4-FFF2-40B4-BE49-F238E27FC236}">
+                <a16:creationId xmlns:a16="http://schemas.microsoft.com/office/drawing/2014/main" id="{0EC327D7-65E9-46CB-9BF7-FDBA2E3D4EA0}"/>
+              </a:ext>
+            </a:extLst>
+          </p:cNvPr>
+          <p:cNvSpPr>
+            <a:spLocks noGrp="1"/>
+          </p:cNvSpPr>
+          <p:nvPr>
+            <p:ph sz="half" idx="1"/>
+          </p:nvPr>
+        </p:nvSpPr>
+        <p:spPr/>
+        <p:txBody>
+          <a:bodyPr/>
+          <a:lstStyle/>
+          <a:p>
+            <a:endParaRPr lang="en-US" dirty="0"/>
+          </a:p>
+        </p:txBody>
+      </p:sp>
+      <p:sp>
+        <p:nvSpPr>
+          <p:cNvPr id="4" name="Content Placeholder 3">
+            <a:extLst>
+              <a:ext uri="{FF2B5EF4-FFF2-40B4-BE49-F238E27FC236}">
+                <a16:creationId xmlns:a16="http://schemas.microsoft.com/office/drawing/2014/main" id="{D77854D3-5CA8-4DF8-9980-6B488C9E0F38}"/>
+              </a:ext>
+            </a:extLst>
+          </p:cNvPr>
+          <p:cNvSpPr>
+            <a:spLocks noGrp="1"/>
+          </p:cNvSpPr>
+          <p:nvPr>
+            <p:ph sz="half" idx="2"/>
+          </p:nvPr>
+        </p:nvSpPr>
+        <p:spPr/>
+        <p:txBody>
+          <a:bodyPr/>
+          <a:lstStyle/>
+          <a:p>
+            <a:endParaRPr lang="en-US"/>
+          </a:p>
+        </p:txBody>
+      </p:sp>
+    </p:spTree>
+    <p:extLst>
+      <p:ext uri="{BB962C8B-B14F-4D97-AF65-F5344CB8AC3E}">
+        <p14:creationId xmlns:p14="http://schemas.microsoft.com/office/powerpoint/2010/main" val="183058823"/>
+      </p:ext>
+    </p:extLst>
+  </p:cSld>
+  <p:clrMapOvr>
+    <a:masterClrMapping/>
+  </p:clrMapOvr>
+</p:sld>
+</file>
+
+<file path=ppt/slides/slide5.xml><?xml version="1.0" encoding="utf-8"?>
+<p:sld xmlns:a="http://schemas.openxmlformats.org/drawingml/2006/main" xmlns:r="http://schemas.openxmlformats.org/officeDocument/2006/relationships" xmlns:p="http://schemas.openxmlformats.org/presentationml/2006/main">
+  <p:cSld>
+    <p:spTree>
+      <p:nvGrpSpPr>
+        <p:cNvPr id="1" name=""/>
+        <p:cNvGrpSpPr/>
+        <p:nvPr/>
+      </p:nvGrpSpPr>
+      <p:grpSpPr>
+        <a:xfrm>
+          <a:off x="0" y="0"/>
+          <a:ext cx="0" cy="0"/>
+          <a:chOff x="0" y="0"/>
+          <a:chExt cx="0" cy="0"/>
+        </a:xfrm>
+      </p:grpSpPr>
+      <p:sp>
+        <p:nvSpPr>
+          <p:cNvPr id="2" name="Title 1">
+            <a:extLst>
+              <a:ext uri="{FF2B5EF4-FFF2-40B4-BE49-F238E27FC236}">
                 <a16:creationId xmlns:a16="http://schemas.microsoft.com/office/drawing/2014/main" id="{1A6B59CE-210D-4CCD-A27D-8E7FFB895A6B}"/>
               </a:ext>
             </a:extLst>
@@ -7105,7 +7526,7 @@
             <a:pPr marL="302409" indent="-302409"/>
             <a:r>
               <a:rPr lang="en-US" dirty="0">
-                <a:hlinkClick r:id="rId2"/>
+                <a:hlinkClick r:id="rId3"/>
               </a:rPr>
               <a:t>https://Dbatools.io</a:t>
             </a:r>
@@ -7156,7 +7577,7 @@
           </p:nvPr>
         </p:nvPicPr>
         <p:blipFill>
-          <a:blip r:embed="rId3" cstate="print">
+          <a:blip r:embed="rId4" cstate="print">
             <a:extLst>
               <a:ext uri="{28A0092B-C50C-407E-A947-70E740481C1C}">
                 <a14:useLocalDpi xmlns:a14="http://schemas.microsoft.com/office/drawing/2010/main" val="0"/>
@@ -7310,7 +7731,7 @@
 </p:sld>
 </file>
 
-<file path=ppt/slides/slide5.xml><?xml version="1.0" encoding="utf-8"?>
+<file path=ppt/slides/slide6.xml><?xml version="1.0" encoding="utf-8"?>
 <p:sld xmlns:a="http://schemas.openxmlformats.org/drawingml/2006/main" xmlns:r="http://schemas.openxmlformats.org/officeDocument/2006/relationships" xmlns:p="http://schemas.openxmlformats.org/presentationml/2006/main">
   <p:cSld>
     <p:spTree>
@@ -8021,7 +8442,7 @@
 </p:sld>
 </file>
 
-<file path=ppt/slides/slide6.xml><?xml version="1.0" encoding="utf-8"?>
+<file path=ppt/slides/slide7.xml><?xml version="1.0" encoding="utf-8"?>
 <p:sld xmlns:a="http://schemas.openxmlformats.org/drawingml/2006/main" xmlns:r="http://schemas.openxmlformats.org/officeDocument/2006/relationships" xmlns:p="http://schemas.openxmlformats.org/presentationml/2006/main">
   <p:cSld>
     <p:spTree>
@@ -8061,13 +8482,16 @@
           <a:p>
             <a:r>
               <a:rPr lang="en-US" dirty="0"/>
-              <a:t>Case for </a:t>
+              <a:t>What make </a:t>
             </a:r>
             <a:r>
               <a:rPr lang="en-US" dirty="0" err="1"/>
               <a:t>Dbatools</a:t>
             </a:r>
-            <a:endParaRPr lang="en-US" dirty="0"/>
+            <a:r>
+              <a:rPr lang="en-US" dirty="0"/>
+              <a:t> different?</a:t>
+            </a:r>
           </a:p>
         </p:txBody>
       </p:sp>
@@ -8087,22 +8511,44 @@
             <p:ph sz="half" idx="1"/>
           </p:nvPr>
         </p:nvSpPr>
-        <p:spPr/>
+        <p:spPr>
+          <a:xfrm>
+            <a:off x="838199" y="1825625"/>
+            <a:ext cx="6183923" cy="4351338"/>
+          </a:xfrm>
+        </p:spPr>
         <p:txBody>
-          <a:bodyPr/>
+          <a:bodyPr>
+            <a:normAutofit/>
+          </a:bodyPr>
           <a:lstStyle/>
           <a:p>
             <a:pPr marL="362880" indent="-362880"/>
             <a:r>
               <a:rPr lang="en-US" dirty="0"/>
-              <a:t>Community built</a:t>
+              <a:t>Community built (~160 contributors)</a:t>
             </a:r>
           </a:p>
           <a:p>
             <a:pPr marL="362880" indent="-362880"/>
             <a:r>
               <a:rPr lang="en-US" dirty="0"/>
-              <a:t>Open to user review</a:t>
+              <a:t>Open to user review (on </a:t>
+            </a:r>
+            <a:r>
+              <a:rPr lang="en-US" dirty="0" err="1"/>
+              <a:t>Github</a:t>
+            </a:r>
+            <a:r>
+              <a:rPr lang="en-US" dirty="0"/>
+              <a:t>)</a:t>
+            </a:r>
+          </a:p>
+          <a:p>
+            <a:pPr marL="362880" indent="-362880"/>
+            <a:r>
+              <a:rPr lang="en-US" dirty="0"/>
+              <a:t>Code Signed (only by Chrissy)</a:t>
             </a:r>
           </a:p>
           <a:p>
@@ -8116,15 +8562,13 @@
             <a:pPr marL="362880" indent="-362880"/>
             <a:r>
               <a:rPr lang="en-US" dirty="0"/>
-              <a:t>Easy to use if you don’t know PowerShell</a:t>
-            </a:r>
-          </a:p>
-          <a:p>
-            <a:pPr marL="362880" indent="-362880"/>
-            <a:r>
-              <a:rPr lang="en-US" dirty="0"/>
-              <a:t>Code Signed</a:t>
-            </a:r>
+              <a:t>Focus </a:t>
+            </a:r>
+            <a:r>
+              <a:rPr lang="en-US"/>
+              <a:t>on ease of use </a:t>
+            </a:r>
+            <a:endParaRPr lang="en-US" dirty="0"/>
           </a:p>
           <a:p>
             <a:pPr marL="362880" indent="-362880"/>
@@ -8573,7 +9017,7 @@
 </p:sld>
 </file>
 
-<file path=ppt/slides/slide7.xml><?xml version="1.0" encoding="utf-8"?>
+<file path=ppt/slides/slide8.xml><?xml version="1.0" encoding="utf-8"?>
 <p:sld xmlns:a="http://schemas.openxmlformats.org/drawingml/2006/main" xmlns:r="http://schemas.openxmlformats.org/officeDocument/2006/relationships" xmlns:p="http://schemas.openxmlformats.org/presentationml/2006/main">
   <p:cSld>
     <p:spTree>
@@ -8592,10 +9036,10 @@
       </p:grpSpPr>
       <p:sp>
         <p:nvSpPr>
-          <p:cNvPr id="2" name="Title 1">
-            <a:extLst>
-              <a:ext uri="{FF2B5EF4-FFF2-40B4-BE49-F238E27FC236}">
-                <a16:creationId xmlns:a16="http://schemas.microsoft.com/office/drawing/2014/main" id="{09AEEBCC-CDAF-42A7-8B6F-52761B7B7884}"/>
+          <p:cNvPr id="5" name="Title 4">
+            <a:extLst>
+              <a:ext uri="{FF2B5EF4-FFF2-40B4-BE49-F238E27FC236}">
+                <a16:creationId xmlns:a16="http://schemas.microsoft.com/office/drawing/2014/main" id="{B5DACA65-D701-4E7F-B049-C4A676464957}"/>
               </a:ext>
             </a:extLst>
           </p:cNvPr>
@@ -8604,6 +9048,36 @@
           </p:cNvSpPr>
           <p:nvPr>
             <p:ph type="title"/>
+          </p:nvPr>
+        </p:nvSpPr>
+        <p:spPr/>
+        <p:txBody>
+          <a:bodyPr>
+            <a:normAutofit/>
+          </a:bodyPr>
+          <a:lstStyle/>
+          <a:p>
+            <a:r>
+              <a:rPr lang="en-US" dirty="0"/>
+              <a:t>Demos</a:t>
+            </a:r>
+          </a:p>
+        </p:txBody>
+      </p:sp>
+      <p:sp>
+        <p:nvSpPr>
+          <p:cNvPr id="2" name="Content Placeholder 1">
+            <a:extLst>
+              <a:ext uri="{FF2B5EF4-FFF2-40B4-BE49-F238E27FC236}">
+                <a16:creationId xmlns:a16="http://schemas.microsoft.com/office/drawing/2014/main" id="{1141F781-3BE6-4374-8AD9-5957130BC6AE}"/>
+              </a:ext>
+            </a:extLst>
+          </p:cNvPr>
+          <p:cNvSpPr>
+            <a:spLocks noGrp="1"/>
+          </p:cNvSpPr>
+          <p:nvPr>
+            <p:ph sz="half" idx="1"/>
           </p:nvPr>
         </p:nvSpPr>
         <p:spPr/>
@@ -8613,8 +9087,40 @@
           <a:p>
             <a:r>
               <a:rPr lang="en-US" dirty="0"/>
-              <a:t>Resources</a:t>
-            </a:r>
+              <a:t>Getting </a:t>
+            </a:r>
+            <a:r>
+              <a:rPr lang="en-US" dirty="0" err="1"/>
+              <a:t>Dbatools</a:t>
+            </a:r>
+            <a:endParaRPr lang="en-US" dirty="0"/>
+          </a:p>
+          <a:p>
+            <a:r>
+              <a:rPr lang="en-US" dirty="0"/>
+              <a:t>Migrate some Databases</a:t>
+            </a:r>
+          </a:p>
+          <a:p>
+            <a:r>
+              <a:rPr lang="en-US" dirty="0"/>
+              <a:t>Migrate some more Database</a:t>
+            </a:r>
+          </a:p>
+          <a:p>
+            <a:r>
+              <a:rPr lang="en-US" dirty="0"/>
+              <a:t>Talk about a bit of the internals</a:t>
+            </a:r>
+          </a:p>
+          <a:p>
+            <a:r>
+              <a:rPr lang="en-US" dirty="0"/>
+              <a:t>Some Offline Alternatives</a:t>
+            </a:r>
+          </a:p>
+          <a:p>
+            <a:endParaRPr lang="en-US" dirty="0"/>
           </a:p>
         </p:txBody>
       </p:sp>
@@ -8623,7 +9129,7 @@
           <p:cNvPr id="3" name="Content Placeholder 2">
             <a:extLst>
               <a:ext uri="{FF2B5EF4-FFF2-40B4-BE49-F238E27FC236}">
-                <a16:creationId xmlns:a16="http://schemas.microsoft.com/office/drawing/2014/main" id="{39AA43DC-22A0-4AAD-9D1A-9515DB1EAD57}"/>
+                <a16:creationId xmlns:a16="http://schemas.microsoft.com/office/drawing/2014/main" id="{BE14B0C9-71DF-47C6-955C-0EF17722A942}"/>
               </a:ext>
             </a:extLst>
           </p:cNvPr>
@@ -8631,13 +9137,96 @@
             <a:spLocks noGrp="1"/>
           </p:cNvSpPr>
           <p:nvPr>
+            <p:ph sz="half" idx="2"/>
+          </p:nvPr>
+        </p:nvSpPr>
+        <p:spPr/>
+        <p:txBody>
+          <a:bodyPr/>
+          <a:lstStyle/>
+          <a:p>
+            <a:endParaRPr lang="en-US"/>
+          </a:p>
+        </p:txBody>
+      </p:sp>
+    </p:spTree>
+    <p:extLst>
+      <p:ext uri="{BB962C8B-B14F-4D97-AF65-F5344CB8AC3E}">
+        <p14:creationId xmlns:p14="http://schemas.microsoft.com/office/powerpoint/2010/main" val="3940632237"/>
+      </p:ext>
+    </p:extLst>
+  </p:cSld>
+  <p:clrMapOvr>
+    <a:masterClrMapping/>
+  </p:clrMapOvr>
+</p:sld>
+</file>
+
+<file path=ppt/slides/slide9.xml><?xml version="1.0" encoding="utf-8"?>
+<p:sld xmlns:a="http://schemas.openxmlformats.org/drawingml/2006/main" xmlns:r="http://schemas.openxmlformats.org/officeDocument/2006/relationships" xmlns:p="http://schemas.openxmlformats.org/presentationml/2006/main">
+  <p:cSld>
+    <p:spTree>
+      <p:nvGrpSpPr>
+        <p:cNvPr id="1" name=""/>
+        <p:cNvGrpSpPr/>
+        <p:nvPr/>
+      </p:nvGrpSpPr>
+      <p:grpSpPr>
+        <a:xfrm>
+          <a:off x="0" y="0"/>
+          <a:ext cx="0" cy="0"/>
+          <a:chOff x="0" y="0"/>
+          <a:chExt cx="0" cy="0"/>
+        </a:xfrm>
+      </p:grpSpPr>
+      <p:sp>
+        <p:nvSpPr>
+          <p:cNvPr id="2" name="Title 1">
+            <a:extLst>
+              <a:ext uri="{FF2B5EF4-FFF2-40B4-BE49-F238E27FC236}">
+                <a16:creationId xmlns:a16="http://schemas.microsoft.com/office/drawing/2014/main" id="{09AEEBCC-CDAF-42A7-8B6F-52761B7B7884}"/>
+              </a:ext>
+            </a:extLst>
+          </p:cNvPr>
+          <p:cNvSpPr>
+            <a:spLocks noGrp="1"/>
+          </p:cNvSpPr>
+          <p:nvPr>
+            <p:ph type="title"/>
+          </p:nvPr>
+        </p:nvSpPr>
+        <p:spPr/>
+        <p:txBody>
+          <a:bodyPr/>
+          <a:lstStyle/>
+          <a:p>
+            <a:r>
+              <a:rPr lang="en-US" dirty="0"/>
+              <a:t>Resources</a:t>
+            </a:r>
+          </a:p>
+        </p:txBody>
+      </p:sp>
+      <p:sp>
+        <p:nvSpPr>
+          <p:cNvPr id="3" name="Content Placeholder 2">
+            <a:extLst>
+              <a:ext uri="{FF2B5EF4-FFF2-40B4-BE49-F238E27FC236}">
+                <a16:creationId xmlns:a16="http://schemas.microsoft.com/office/drawing/2014/main" id="{39AA43DC-22A0-4AAD-9D1A-9515DB1EAD57}"/>
+              </a:ext>
+            </a:extLst>
+          </p:cNvPr>
+          <p:cNvSpPr>
+            <a:spLocks noGrp="1"/>
+          </p:cNvSpPr>
+          <p:nvPr>
             <p:ph sz="half" idx="1"/>
           </p:nvPr>
         </p:nvSpPr>
         <p:spPr>
           <a:xfrm>
             <a:off x="2152650" y="1825625"/>
-            <a:ext cx="4269921" cy="4351338"/>
+            <a:ext cx="4922853" cy="4351338"/>
           </a:xfrm>
         </p:spPr>
         <p:txBody>
@@ -8705,7 +9294,7 @@
             <a:pPr marL="362880" indent="-362880"/>
             <a:r>
               <a:rPr lang="en-US" dirty="0"/>
-              <a:t>Manning MEAP (coming soon)</a:t>
+              <a:t>Manning MEAP (Out Now)</a:t>
             </a:r>
           </a:p>
         </p:txBody>
@@ -9141,230 +9730,6 @@
       </p:par>
     </p:tnLst>
   </p:timing>
-</p:sld>
-</file>
-
-<file path=ppt/slides/slide8.xml><?xml version="1.0" encoding="utf-8"?>
-<p:sld xmlns:a="http://schemas.openxmlformats.org/drawingml/2006/main" xmlns:r="http://schemas.openxmlformats.org/officeDocument/2006/relationships" xmlns:p="http://schemas.openxmlformats.org/presentationml/2006/main">
-  <p:cSld>
-    <p:spTree>
-      <p:nvGrpSpPr>
-        <p:cNvPr id="1" name=""/>
-        <p:cNvGrpSpPr/>
-        <p:nvPr/>
-      </p:nvGrpSpPr>
-      <p:grpSpPr>
-        <a:xfrm>
-          <a:off x="0" y="0"/>
-          <a:ext cx="0" cy="0"/>
-          <a:chOff x="0" y="0"/>
-          <a:chExt cx="0" cy="0"/>
-        </a:xfrm>
-      </p:grpSpPr>
-      <p:grpSp>
-        <p:nvGrpSpPr>
-          <p:cNvPr id="2" name="Group 1">
-            <a:extLst>
-              <a:ext uri="{FF2B5EF4-FFF2-40B4-BE49-F238E27FC236}">
-                <a16:creationId xmlns:a16="http://schemas.microsoft.com/office/drawing/2014/main" id="{AC447038-DA2B-4C15-A2B1-1E857D7FE9E7}"/>
-              </a:ext>
-            </a:extLst>
-          </p:cNvPr>
-          <p:cNvGrpSpPr/>
-          <p:nvPr/>
-        </p:nvGrpSpPr>
-        <p:grpSpPr>
-          <a:xfrm>
-            <a:off x="0" y="5776566"/>
-            <a:ext cx="12192001" cy="1081434"/>
-            <a:chOff x="0" y="5776566"/>
-            <a:chExt cx="12192001" cy="1081434"/>
-          </a:xfrm>
-        </p:grpSpPr>
-        <p:sp>
-          <p:nvSpPr>
-            <p:cNvPr id="3" name="Rectangle 2">
-              <a:extLst>
-                <a:ext uri="{FF2B5EF4-FFF2-40B4-BE49-F238E27FC236}">
-                  <a16:creationId xmlns:a16="http://schemas.microsoft.com/office/drawing/2014/main" id="{C459A57F-1F79-4689-BAA7-3AECC5DE0406}"/>
-                </a:ext>
-              </a:extLst>
-            </p:cNvPr>
-            <p:cNvSpPr/>
-            <p:nvPr/>
-          </p:nvSpPr>
-          <p:spPr>
-            <a:xfrm>
-              <a:off x="0" y="6098596"/>
-              <a:ext cx="12192001" cy="759404"/>
-            </a:xfrm>
-            <a:prstGeom prst="rect">
-              <a:avLst/>
-            </a:prstGeom>
-            <a:gradFill flip="none" rotWithShape="1">
-              <a:gsLst>
-                <a:gs pos="0">
-                  <a:schemeClr val="bg1"/>
-                </a:gs>
-                <a:gs pos="0">
-                  <a:srgbClr val="0070C0"/>
-                </a:gs>
-                <a:gs pos="90000">
-                  <a:schemeClr val="bg1"/>
-                </a:gs>
-              </a:gsLst>
-              <a:path path="circle">
-                <a:fillToRect l="100000" t="100000"/>
-              </a:path>
-              <a:tileRect r="-100000" b="-100000"/>
-            </a:gradFill>
-            <a:ln>
-              <a:noFill/>
-            </a:ln>
-          </p:spPr>
-          <p:style>
-            <a:lnRef idx="2">
-              <a:schemeClr val="accent1">
-                <a:shade val="50000"/>
-              </a:schemeClr>
-            </a:lnRef>
-            <a:fillRef idx="1">
-              <a:schemeClr val="accent1"/>
-            </a:fillRef>
-            <a:effectRef idx="0">
-              <a:schemeClr val="accent1"/>
-            </a:effectRef>
-            <a:fontRef idx="minor">
-              <a:schemeClr val="lt1"/>
-            </a:fontRef>
-          </p:style>
-          <p:txBody>
-            <a:bodyPr rtlCol="0" anchor="ctr"/>
-            <a:lstStyle/>
-            <a:p>
-              <a:pPr algn="ctr"/>
-              <a:endParaRPr lang="en-US"/>
-            </a:p>
-          </p:txBody>
-        </p:sp>
-        <p:grpSp>
-          <p:nvGrpSpPr>
-            <p:cNvPr id="4" name="Group 3">
-              <a:extLst>
-                <a:ext uri="{FF2B5EF4-FFF2-40B4-BE49-F238E27FC236}">
-                  <a16:creationId xmlns:a16="http://schemas.microsoft.com/office/drawing/2014/main" id="{30A206EC-BAD9-461C-80CF-C7CBE535263B}"/>
-                </a:ext>
-              </a:extLst>
-            </p:cNvPr>
-            <p:cNvGrpSpPr/>
-            <p:nvPr/>
-          </p:nvGrpSpPr>
-          <p:grpSpPr>
-            <a:xfrm>
-              <a:off x="136116" y="5776566"/>
-              <a:ext cx="1766413" cy="974090"/>
-              <a:chOff x="705301" y="2052365"/>
-              <a:chExt cx="5603844" cy="3090246"/>
-            </a:xfrm>
-          </p:grpSpPr>
-          <p:pic>
-            <p:nvPicPr>
-              <p:cNvPr id="5" name="Picture 4">
-                <a:extLst>
-                  <a:ext uri="{FF2B5EF4-FFF2-40B4-BE49-F238E27FC236}">
-                    <a16:creationId xmlns:a16="http://schemas.microsoft.com/office/drawing/2014/main" id="{179E48C2-A268-41DE-AA38-79B36A6DACEE}"/>
-                  </a:ext>
-                </a:extLst>
-              </p:cNvPr>
-              <p:cNvPicPr>
-                <a:picLocks noChangeAspect="1"/>
-              </p:cNvPicPr>
-              <p:nvPr/>
-            </p:nvPicPr>
-            <p:blipFill>
-              <a:blip r:embed="rId2">
-                <a:extLst>
-                  <a:ext uri="{28A0092B-C50C-407E-A947-70E740481C1C}">
-                    <a14:useLocalDpi xmlns:a14="http://schemas.microsoft.com/office/drawing/2010/main" val="0"/>
-                  </a:ext>
-                </a:extLst>
-              </a:blip>
-              <a:stretch>
-                <a:fillRect/>
-              </a:stretch>
-            </p:blipFill>
-            <p:spPr>
-              <a:xfrm>
-                <a:off x="705301" y="2052365"/>
-                <a:ext cx="5603844" cy="3090246"/>
-              </a:xfrm>
-              <a:prstGeom prst="rect">
-                <a:avLst/>
-              </a:prstGeom>
-              <a:effectLst>
-                <a:outerShdw blurRad="50800" dist="38100" dir="5400000" algn="t" rotWithShape="0">
-                  <a:prstClr val="black">
-                    <a:alpha val="40000"/>
-                  </a:prstClr>
-                </a:outerShdw>
-              </a:effectLst>
-            </p:spPr>
-          </p:pic>
-          <p:pic>
-            <p:nvPicPr>
-              <p:cNvPr id="6" name="Picture 5">
-                <a:extLst>
-                  <a:ext uri="{FF2B5EF4-FFF2-40B4-BE49-F238E27FC236}">
-                    <a16:creationId xmlns:a16="http://schemas.microsoft.com/office/drawing/2014/main" id="{EBE1F437-5C0F-4D7C-8F84-CF664F011C65}"/>
-                  </a:ext>
-                </a:extLst>
-              </p:cNvPr>
-              <p:cNvPicPr>
-                <a:picLocks noChangeAspect="1"/>
-              </p:cNvPicPr>
-              <p:nvPr/>
-            </p:nvPicPr>
-            <p:blipFill>
-              <a:blip r:embed="rId3">
-                <a:extLst>
-                  <a:ext uri="{28A0092B-C50C-407E-A947-70E740481C1C}">
-                    <a14:useLocalDpi xmlns:a14="http://schemas.microsoft.com/office/drawing/2010/main" val="0"/>
-                  </a:ext>
-                </a:extLst>
-              </a:blip>
-              <a:stretch>
-                <a:fillRect/>
-              </a:stretch>
-            </p:blipFill>
-            <p:spPr>
-              <a:xfrm>
-                <a:off x="1264843" y="2298120"/>
-                <a:ext cx="4484760" cy="2473126"/>
-              </a:xfrm>
-              <a:prstGeom prst="rect">
-                <a:avLst/>
-              </a:prstGeom>
-              <a:effectLst>
-                <a:outerShdw blurRad="50800" dist="38100" dir="2700000" algn="tl" rotWithShape="0">
-                  <a:schemeClr val="bg1">
-                    <a:alpha val="40000"/>
-                  </a:schemeClr>
-                </a:outerShdw>
-              </a:effectLst>
-            </p:spPr>
-          </p:pic>
-        </p:grpSp>
-      </p:grpSp>
-    </p:spTree>
-    <p:extLst>
-      <p:ext uri="{BB962C8B-B14F-4D97-AF65-F5344CB8AC3E}">
-        <p14:creationId xmlns:p14="http://schemas.microsoft.com/office/powerpoint/2010/main" val="2878183223"/>
-      </p:ext>
-    </p:extLst>
-  </p:cSld>
-  <p:clrMapOvr>
-    <a:masterClrMapping/>
-  </p:clrMapOvr>
 </p:sld>
 </file>
 

--- a/josh-corrick/UsingDbatoolsToAutomateDeployments.pptx
+++ b/josh-corrick/UsingDbatoolsToAutomateDeployments.pptx
@@ -5,7 +5,7 @@
     <p:sldMasterId id="2147483648" r:id="rId1"/>
   </p:sldMasterIdLst>
   <p:notesMasterIdLst>
-    <p:notesMasterId r:id="rId12"/>
+    <p:notesMasterId r:id="rId11"/>
   </p:notesMasterIdLst>
   <p:sldIdLst>
     <p:sldId id="275" r:id="rId2"/>
@@ -17,7 +17,6 @@
     <p:sldId id="278" r:id="rId8"/>
     <p:sldId id="284" r:id="rId9"/>
     <p:sldId id="282" r:id="rId10"/>
-    <p:sldId id="274" r:id="rId11"/>
   </p:sldIdLst>
   <p:sldSz cx="12192000" cy="6858000"/>
   <p:notesSz cx="6858000" cy="9144000"/>
@@ -217,7 +216,7 @@
           <a:p>
             <a:fld id="{7F89AD86-B2B5-448B-B855-EA789EC8799F}" type="datetimeFigureOut">
               <a:rPr lang="en-US" smtClean="0"/>
-              <a:t>9/18/2019</a:t>
+              <a:t>9/20/2019</a:t>
             </a:fld>
             <a:endParaRPr lang="en-US"/>
           </a:p>
@@ -617,7 +616,7 @@
           <a:p>
             <a:r>
               <a:rPr lang="en-US" dirty="0"/>
-              <a:t>SQLCMD tool originally designed for interacting with the database only. </a:t>
+              <a:t>SQLCMD tool originally designed for interacting with the database only, used OBDC driver. </a:t>
             </a:r>
             <a:r>
               <a:rPr lang="en-US" dirty="0" err="1"/>
@@ -625,7 +624,7 @@
             </a:r>
             <a:r>
               <a:rPr lang="en-US" dirty="0"/>
-              <a:t> was not a fan favorite as it was restrictive and buggy. </a:t>
+              <a:t> was not a fan favorite as it was restrictive and buggy (based on PowerShell2.0). </a:t>
             </a:r>
             <a:r>
               <a:rPr lang="en-US" dirty="0" err="1"/>
@@ -649,7 +648,7 @@
             </a:r>
             <a:r>
               <a:rPr lang="en-US" dirty="0"/>
-              <a:t> was slow,</a:t>
+              <a:t> was slow, and buggy. (Although it has gotten better last release 13 hours ago, but 2 months before).</a:t>
             </a:r>
           </a:p>
         </p:txBody>
@@ -1187,7 +1186,7 @@
           <a:p>
             <a:fld id="{A8B89F18-586E-4B97-8EEA-25E99A190A89}" type="datetimeFigureOut">
               <a:rPr lang="en-US" smtClean="0"/>
-              <a:t>9/18/2019</a:t>
+              <a:t>9/20/2019</a:t>
             </a:fld>
             <a:endParaRPr lang="en-US"/>
           </a:p>
@@ -1546,7 +1545,7 @@
           <a:p>
             <a:fld id="{A8B89F18-586E-4B97-8EEA-25E99A190A89}" type="datetimeFigureOut">
               <a:rPr lang="en-US" smtClean="0"/>
-              <a:t>9/18/2019</a:t>
+              <a:t>9/20/2019</a:t>
             </a:fld>
             <a:endParaRPr lang="en-US"/>
           </a:p>
@@ -1948,7 +1947,7 @@
           <a:p>
             <a:fld id="{A8B89F18-586E-4B97-8EEA-25E99A190A89}" type="datetimeFigureOut">
               <a:rPr lang="en-US" smtClean="0"/>
-              <a:t>9/18/2019</a:t>
+              <a:t>9/20/2019</a:t>
             </a:fld>
             <a:endParaRPr lang="en-US"/>
           </a:p>
@@ -2340,7 +2339,7 @@
           <a:p>
             <a:fld id="{A8B89F18-586E-4B97-8EEA-25E99A190A89}" type="datetimeFigureOut">
               <a:rPr lang="en-US" smtClean="0"/>
-              <a:t>9/18/2019</a:t>
+              <a:t>9/20/2019</a:t>
             </a:fld>
             <a:endParaRPr lang="en-US"/>
           </a:p>
@@ -2814,7 +2813,7 @@
           <a:p>
             <a:fld id="{A8B89F18-586E-4B97-8EEA-25E99A190A89}" type="datetimeFigureOut">
               <a:rPr lang="en-US" smtClean="0"/>
-              <a:t>9/18/2019</a:t>
+              <a:t>9/20/2019</a:t>
             </a:fld>
             <a:endParaRPr lang="en-US"/>
           </a:p>
@@ -3283,7 +3282,7 @@
           <a:p>
             <a:fld id="{A8B89F18-586E-4B97-8EEA-25E99A190A89}" type="datetimeFigureOut">
               <a:rPr lang="en-US" smtClean="0"/>
-              <a:t>9/18/2019</a:t>
+              <a:t>9/20/2019</a:t>
             </a:fld>
             <a:endParaRPr lang="en-US"/>
           </a:p>
@@ -3889,7 +3888,7 @@
           <a:p>
             <a:fld id="{A8B89F18-586E-4B97-8EEA-25E99A190A89}" type="datetimeFigureOut">
               <a:rPr lang="en-US" smtClean="0"/>
-              <a:t>9/18/2019</a:t>
+              <a:t>9/20/2019</a:t>
             </a:fld>
             <a:endParaRPr lang="en-US"/>
           </a:p>
@@ -4224,7 +4223,7 @@
           <a:p>
             <a:fld id="{A8B89F18-586E-4B97-8EEA-25E99A190A89}" type="datetimeFigureOut">
               <a:rPr lang="en-US" smtClean="0"/>
-              <a:t>9/18/2019</a:t>
+              <a:t>9/20/2019</a:t>
             </a:fld>
             <a:endParaRPr lang="en-US"/>
           </a:p>
@@ -4531,7 +4530,7 @@
           <a:p>
             <a:fld id="{A8B89F18-586E-4B97-8EEA-25E99A190A89}" type="datetimeFigureOut">
               <a:rPr lang="en-US" smtClean="0"/>
-              <a:t>9/18/2019</a:t>
+              <a:t>9/20/2019</a:t>
             </a:fld>
             <a:endParaRPr lang="en-US"/>
           </a:p>
@@ -5036,7 +5035,7 @@
           <a:p>
             <a:fld id="{A8B89F18-586E-4B97-8EEA-25E99A190A89}" type="datetimeFigureOut">
               <a:rPr lang="en-US" smtClean="0"/>
-              <a:t>9/18/2019</a:t>
+              <a:t>9/20/2019</a:t>
             </a:fld>
             <a:endParaRPr lang="en-US"/>
           </a:p>
@@ -5521,7 +5520,7 @@
           <a:p>
             <a:fld id="{A8B89F18-586E-4B97-8EEA-25E99A190A89}" type="datetimeFigureOut">
               <a:rPr lang="en-US" smtClean="0"/>
-              <a:t>9/18/2019</a:t>
+              <a:t>9/20/2019</a:t>
             </a:fld>
             <a:endParaRPr lang="en-US"/>
           </a:p>
@@ -5956,7 +5955,7 @@
           <a:p>
             <a:fld id="{A8B89F18-586E-4B97-8EEA-25E99A190A89}" type="datetimeFigureOut">
               <a:rPr lang="en-US" smtClean="0"/>
-              <a:t>9/18/2019</a:t>
+              <a:t>9/20/2019</a:t>
             </a:fld>
             <a:endParaRPr lang="en-US"/>
           </a:p>
@@ -6629,230 +6628,6 @@
 </p:sld>
 </file>
 
-<file path=ppt/slides/slide10.xml><?xml version="1.0" encoding="utf-8"?>
-<p:sld xmlns:a="http://schemas.openxmlformats.org/drawingml/2006/main" xmlns:r="http://schemas.openxmlformats.org/officeDocument/2006/relationships" xmlns:p="http://schemas.openxmlformats.org/presentationml/2006/main">
-  <p:cSld>
-    <p:spTree>
-      <p:nvGrpSpPr>
-        <p:cNvPr id="1" name=""/>
-        <p:cNvGrpSpPr/>
-        <p:nvPr/>
-      </p:nvGrpSpPr>
-      <p:grpSpPr>
-        <a:xfrm>
-          <a:off x="0" y="0"/>
-          <a:ext cx="0" cy="0"/>
-          <a:chOff x="0" y="0"/>
-          <a:chExt cx="0" cy="0"/>
-        </a:xfrm>
-      </p:grpSpPr>
-      <p:grpSp>
-        <p:nvGrpSpPr>
-          <p:cNvPr id="2" name="Group 1">
-            <a:extLst>
-              <a:ext uri="{FF2B5EF4-FFF2-40B4-BE49-F238E27FC236}">
-                <a16:creationId xmlns:a16="http://schemas.microsoft.com/office/drawing/2014/main" id="{AC447038-DA2B-4C15-A2B1-1E857D7FE9E7}"/>
-              </a:ext>
-            </a:extLst>
-          </p:cNvPr>
-          <p:cNvGrpSpPr/>
-          <p:nvPr/>
-        </p:nvGrpSpPr>
-        <p:grpSpPr>
-          <a:xfrm>
-            <a:off x="0" y="5776566"/>
-            <a:ext cx="12192001" cy="1081434"/>
-            <a:chOff x="0" y="5776566"/>
-            <a:chExt cx="12192001" cy="1081434"/>
-          </a:xfrm>
-        </p:grpSpPr>
-        <p:sp>
-          <p:nvSpPr>
-            <p:cNvPr id="3" name="Rectangle 2">
-              <a:extLst>
-                <a:ext uri="{FF2B5EF4-FFF2-40B4-BE49-F238E27FC236}">
-                  <a16:creationId xmlns:a16="http://schemas.microsoft.com/office/drawing/2014/main" id="{C459A57F-1F79-4689-BAA7-3AECC5DE0406}"/>
-                </a:ext>
-              </a:extLst>
-            </p:cNvPr>
-            <p:cNvSpPr/>
-            <p:nvPr/>
-          </p:nvSpPr>
-          <p:spPr>
-            <a:xfrm>
-              <a:off x="0" y="6098596"/>
-              <a:ext cx="12192001" cy="759404"/>
-            </a:xfrm>
-            <a:prstGeom prst="rect">
-              <a:avLst/>
-            </a:prstGeom>
-            <a:gradFill flip="none" rotWithShape="1">
-              <a:gsLst>
-                <a:gs pos="0">
-                  <a:schemeClr val="bg1"/>
-                </a:gs>
-                <a:gs pos="0">
-                  <a:srgbClr val="0070C0"/>
-                </a:gs>
-                <a:gs pos="90000">
-                  <a:schemeClr val="bg1"/>
-                </a:gs>
-              </a:gsLst>
-              <a:path path="circle">
-                <a:fillToRect l="100000" t="100000"/>
-              </a:path>
-              <a:tileRect r="-100000" b="-100000"/>
-            </a:gradFill>
-            <a:ln>
-              <a:noFill/>
-            </a:ln>
-          </p:spPr>
-          <p:style>
-            <a:lnRef idx="2">
-              <a:schemeClr val="accent1">
-                <a:shade val="50000"/>
-              </a:schemeClr>
-            </a:lnRef>
-            <a:fillRef idx="1">
-              <a:schemeClr val="accent1"/>
-            </a:fillRef>
-            <a:effectRef idx="0">
-              <a:schemeClr val="accent1"/>
-            </a:effectRef>
-            <a:fontRef idx="minor">
-              <a:schemeClr val="lt1"/>
-            </a:fontRef>
-          </p:style>
-          <p:txBody>
-            <a:bodyPr rtlCol="0" anchor="ctr"/>
-            <a:lstStyle/>
-            <a:p>
-              <a:pPr algn="ctr"/>
-              <a:endParaRPr lang="en-US"/>
-            </a:p>
-          </p:txBody>
-        </p:sp>
-        <p:grpSp>
-          <p:nvGrpSpPr>
-            <p:cNvPr id="4" name="Group 3">
-              <a:extLst>
-                <a:ext uri="{FF2B5EF4-FFF2-40B4-BE49-F238E27FC236}">
-                  <a16:creationId xmlns:a16="http://schemas.microsoft.com/office/drawing/2014/main" id="{30A206EC-BAD9-461C-80CF-C7CBE535263B}"/>
-                </a:ext>
-              </a:extLst>
-            </p:cNvPr>
-            <p:cNvGrpSpPr/>
-            <p:nvPr/>
-          </p:nvGrpSpPr>
-          <p:grpSpPr>
-            <a:xfrm>
-              <a:off x="136116" y="5776566"/>
-              <a:ext cx="1766413" cy="974090"/>
-              <a:chOff x="705301" y="2052365"/>
-              <a:chExt cx="5603844" cy="3090246"/>
-            </a:xfrm>
-          </p:grpSpPr>
-          <p:pic>
-            <p:nvPicPr>
-              <p:cNvPr id="5" name="Picture 4">
-                <a:extLst>
-                  <a:ext uri="{FF2B5EF4-FFF2-40B4-BE49-F238E27FC236}">
-                    <a16:creationId xmlns:a16="http://schemas.microsoft.com/office/drawing/2014/main" id="{179E48C2-A268-41DE-AA38-79B36A6DACEE}"/>
-                  </a:ext>
-                </a:extLst>
-              </p:cNvPr>
-              <p:cNvPicPr>
-                <a:picLocks noChangeAspect="1"/>
-              </p:cNvPicPr>
-              <p:nvPr/>
-            </p:nvPicPr>
-            <p:blipFill>
-              <a:blip r:embed="rId2">
-                <a:extLst>
-                  <a:ext uri="{28A0092B-C50C-407E-A947-70E740481C1C}">
-                    <a14:useLocalDpi xmlns:a14="http://schemas.microsoft.com/office/drawing/2010/main" val="0"/>
-                  </a:ext>
-                </a:extLst>
-              </a:blip>
-              <a:stretch>
-                <a:fillRect/>
-              </a:stretch>
-            </p:blipFill>
-            <p:spPr>
-              <a:xfrm>
-                <a:off x="705301" y="2052365"/>
-                <a:ext cx="5603844" cy="3090246"/>
-              </a:xfrm>
-              <a:prstGeom prst="rect">
-                <a:avLst/>
-              </a:prstGeom>
-              <a:effectLst>
-                <a:outerShdw blurRad="50800" dist="38100" dir="5400000" algn="t" rotWithShape="0">
-                  <a:prstClr val="black">
-                    <a:alpha val="40000"/>
-                  </a:prstClr>
-                </a:outerShdw>
-              </a:effectLst>
-            </p:spPr>
-          </p:pic>
-          <p:pic>
-            <p:nvPicPr>
-              <p:cNvPr id="6" name="Picture 5">
-                <a:extLst>
-                  <a:ext uri="{FF2B5EF4-FFF2-40B4-BE49-F238E27FC236}">
-                    <a16:creationId xmlns:a16="http://schemas.microsoft.com/office/drawing/2014/main" id="{EBE1F437-5C0F-4D7C-8F84-CF664F011C65}"/>
-                  </a:ext>
-                </a:extLst>
-              </p:cNvPr>
-              <p:cNvPicPr>
-                <a:picLocks noChangeAspect="1"/>
-              </p:cNvPicPr>
-              <p:nvPr/>
-            </p:nvPicPr>
-            <p:blipFill>
-              <a:blip r:embed="rId3">
-                <a:extLst>
-                  <a:ext uri="{28A0092B-C50C-407E-A947-70E740481C1C}">
-                    <a14:useLocalDpi xmlns:a14="http://schemas.microsoft.com/office/drawing/2010/main" val="0"/>
-                  </a:ext>
-                </a:extLst>
-              </a:blip>
-              <a:stretch>
-                <a:fillRect/>
-              </a:stretch>
-            </p:blipFill>
-            <p:spPr>
-              <a:xfrm>
-                <a:off x="1264843" y="2298120"/>
-                <a:ext cx="4484760" cy="2473126"/>
-              </a:xfrm>
-              <a:prstGeom prst="rect">
-                <a:avLst/>
-              </a:prstGeom>
-              <a:effectLst>
-                <a:outerShdw blurRad="50800" dist="38100" dir="2700000" algn="tl" rotWithShape="0">
-                  <a:schemeClr val="bg1">
-                    <a:alpha val="40000"/>
-                  </a:schemeClr>
-                </a:outerShdw>
-              </a:effectLst>
-            </p:spPr>
-          </p:pic>
-        </p:grpSp>
-      </p:grpSp>
-    </p:spTree>
-    <p:extLst>
-      <p:ext uri="{BB962C8B-B14F-4D97-AF65-F5344CB8AC3E}">
-        <p14:creationId xmlns:p14="http://schemas.microsoft.com/office/powerpoint/2010/main" val="2878183223"/>
-      </p:ext>
-    </p:extLst>
-  </p:cSld>
-  <p:clrMapOvr>
-    <a:masterClrMapping/>
-  </p:clrMapOvr>
-</p:sld>
-</file>
-
 <file path=ppt/slides/slide2.xml><?xml version="1.0" encoding="utf-8"?>
 <p:sld xmlns:a="http://schemas.openxmlformats.org/drawingml/2006/main" xmlns:r="http://schemas.openxmlformats.org/officeDocument/2006/relationships" xmlns:p="http://schemas.openxmlformats.org/presentationml/2006/main">
   <p:cSld>
@@ -6870,83 +6645,6 @@
           <a:chExt cx="0" cy="0"/>
         </a:xfrm>
       </p:grpSpPr>
-      <p:sp>
-        <p:nvSpPr>
-          <p:cNvPr id="3" name="Title 2">
-            <a:extLst>
-              <a:ext uri="{FF2B5EF4-FFF2-40B4-BE49-F238E27FC236}">
-                <a16:creationId xmlns:a16="http://schemas.microsoft.com/office/drawing/2014/main" id="{F7404CC7-B4E9-4814-845C-ECE4EF3629D8}"/>
-              </a:ext>
-            </a:extLst>
-          </p:cNvPr>
-          <p:cNvSpPr>
-            <a:spLocks noGrp="1"/>
-          </p:cNvSpPr>
-          <p:nvPr>
-            <p:ph type="title"/>
-          </p:nvPr>
-        </p:nvSpPr>
-        <p:spPr/>
-        <p:txBody>
-          <a:bodyPr>
-            <a:normAutofit/>
-          </a:bodyPr>
-          <a:lstStyle/>
-          <a:p>
-            <a:pPr algn="ctr"/>
-            <a:r>
-              <a:rPr lang="en-US" sz="5400" dirty="0">
-                <a:latin typeface="Candara" panose="020E0502030303020204" pitchFamily="34" charset="0"/>
-              </a:rPr>
-              <a:t>Sponsors</a:t>
-            </a:r>
-          </a:p>
-        </p:txBody>
-      </p:sp>
-      <p:sp>
-        <p:nvSpPr>
-          <p:cNvPr id="4" name="Content Placeholder 3">
-            <a:extLst>
-              <a:ext uri="{FF2B5EF4-FFF2-40B4-BE49-F238E27FC236}">
-                <a16:creationId xmlns:a16="http://schemas.microsoft.com/office/drawing/2014/main" id="{BC1A9042-1151-4C23-8A0F-8381C4BEF04A}"/>
-              </a:ext>
-            </a:extLst>
-          </p:cNvPr>
-          <p:cNvSpPr>
-            <a:spLocks noGrp="1"/>
-          </p:cNvSpPr>
-          <p:nvPr>
-            <p:ph idx="1"/>
-          </p:nvPr>
-        </p:nvSpPr>
-        <p:spPr>
-          <a:xfrm>
-            <a:off x="838200" y="1825625"/>
-            <a:ext cx="10515600" cy="4149047"/>
-          </a:xfrm>
-        </p:spPr>
-        <p:txBody>
-          <a:bodyPr>
-            <a:normAutofit/>
-          </a:bodyPr>
-          <a:lstStyle/>
-          <a:p>
-            <a:pPr algn="ctr"/>
-            <a:endParaRPr lang="en-US" sz="4400" dirty="0"/>
-          </a:p>
-          <a:p>
-            <a:pPr algn="ctr"/>
-            <a:endParaRPr lang="en-US" sz="4400" dirty="0"/>
-          </a:p>
-          <a:p>
-            <a:pPr algn="ctr"/>
-            <a:r>
-              <a:rPr lang="en-US" sz="4400" dirty="0"/>
-              <a:t>~~ Place Holder ~~</a:t>
-            </a:r>
-          </a:p>
-        </p:txBody>
-      </p:sp>
       <p:grpSp>
         <p:nvGrpSpPr>
           <p:cNvPr id="10" name="Group 9">
@@ -7141,6 +6839,66 @@
           </p:pic>
         </p:grpSp>
       </p:grpSp>
+      <p:pic>
+        <p:nvPicPr>
+          <p:cNvPr id="12" name="Content Placeholder 11" descr="A screenshot of a cell phone&#10;&#10;Description automatically generated">
+            <a:extLst>
+              <a:ext uri="{FF2B5EF4-FFF2-40B4-BE49-F238E27FC236}">
+                <a16:creationId xmlns:a16="http://schemas.microsoft.com/office/drawing/2014/main" id="{B099F1A0-CF36-41F0-B428-E25839CEBFCA}"/>
+              </a:ext>
+            </a:extLst>
+          </p:cNvPr>
+          <p:cNvPicPr>
+            <a:picLocks noGrp="1" noChangeAspect="1"/>
+          </p:cNvPicPr>
+          <p:nvPr>
+            <p:ph idx="1"/>
+          </p:nvPr>
+        </p:nvPicPr>
+        <p:blipFill>
+          <a:blip r:embed="rId4">
+            <a:extLst>
+              <a:ext uri="{28A0092B-C50C-407E-A947-70E740481C1C}">
+                <a14:useLocalDpi xmlns:a14="http://schemas.microsoft.com/office/drawing/2010/main" val="0"/>
+              </a:ext>
+            </a:extLst>
+          </a:blip>
+          <a:stretch>
+            <a:fillRect/>
+          </a:stretch>
+        </p:blipFill>
+        <p:spPr>
+          <a:xfrm>
+            <a:off x="1166092" y="45980"/>
+            <a:ext cx="10187708" cy="5730586"/>
+          </a:xfrm>
+        </p:spPr>
+      </p:pic>
+      <p:sp>
+        <p:nvSpPr>
+          <p:cNvPr id="14" name="Title 13">
+            <a:extLst>
+              <a:ext uri="{FF2B5EF4-FFF2-40B4-BE49-F238E27FC236}">
+                <a16:creationId xmlns:a16="http://schemas.microsoft.com/office/drawing/2014/main" id="{A453B2E6-BC1C-47A8-A041-D5A9F1A856AA}"/>
+              </a:ext>
+            </a:extLst>
+          </p:cNvPr>
+          <p:cNvSpPr>
+            <a:spLocks noGrp="1"/>
+          </p:cNvSpPr>
+          <p:nvPr>
+            <p:ph type="title"/>
+          </p:nvPr>
+        </p:nvSpPr>
+        <p:spPr/>
+        <p:txBody>
+          <a:bodyPr/>
+          <a:lstStyle/>
+          <a:p>
+            <a:endParaRPr lang="en-US" dirty="0"/>
+          </a:p>
+        </p:txBody>
+      </p:sp>
     </p:spTree>
     <p:extLst>
       <p:ext uri="{BB962C8B-B14F-4D97-AF65-F5344CB8AC3E}">
@@ -9225,12 +8983,14 @@
         </p:nvSpPr>
         <p:spPr>
           <a:xfrm>
-            <a:off x="2152650" y="1825625"/>
-            <a:ext cx="4922853" cy="4351338"/>
+            <a:off x="838200" y="1532548"/>
+            <a:ext cx="8386396" cy="4351338"/>
           </a:xfrm>
         </p:spPr>
         <p:txBody>
-          <a:bodyPr/>
+          <a:bodyPr>
+            <a:normAutofit/>
+          </a:bodyPr>
           <a:lstStyle/>
           <a:p>
             <a:pPr marL="362880" indent="-362880"/>
@@ -9294,36 +9054,73 @@
             <a:pPr marL="362880" indent="-362880"/>
             <a:r>
               <a:rPr lang="en-US" dirty="0"/>
-              <a:t>Manning MEAP (Out Now)</a:t>
+              <a:t>“</a:t>
+            </a:r>
+            <a:r>
+              <a:rPr lang="en-US" dirty="0" err="1"/>
+              <a:t>Dbatools</a:t>
+            </a:r>
+            <a:r>
+              <a:rPr lang="en-US" dirty="0"/>
+              <a:t> in a month of lunches”</a:t>
+            </a:r>
+          </a:p>
+          <a:p>
+            <a:pPr marL="820080" lvl="1" indent="-362880"/>
+            <a:r>
+              <a:rPr lang="en-US" dirty="0"/>
+              <a:t>Manning MEAP</a:t>
+            </a:r>
+          </a:p>
+          <a:p>
+            <a:pPr marL="362880" indent="-362880"/>
+            <a:r>
+              <a:rPr lang="en-US" sz="2400"/>
+              <a:t>https</a:t>
+            </a:r>
+            <a:r>
+              <a:rPr lang="en-US" sz="2400" dirty="0"/>
+              <a:t>://github.com/sqlcollaborative/community-presentations</a:t>
             </a:r>
           </a:p>
         </p:txBody>
       </p:sp>
-      <p:sp>
-        <p:nvSpPr>
-          <p:cNvPr id="4" name="Content Placeholder 3">
-            <a:extLst>
-              <a:ext uri="{FF2B5EF4-FFF2-40B4-BE49-F238E27FC236}">
-                <a16:creationId xmlns:a16="http://schemas.microsoft.com/office/drawing/2014/main" id="{1DAB6B01-FCB9-433D-AFAB-534841F4A283}"/>
-              </a:ext>
-            </a:extLst>
-          </p:cNvPr>
-          <p:cNvSpPr>
-            <a:spLocks noGrp="1"/>
-          </p:cNvSpPr>
-          <p:nvPr>
-            <p:ph sz="half" idx="2"/>
-          </p:nvPr>
-        </p:nvSpPr>
-        <p:spPr/>
-        <p:txBody>
-          <a:bodyPr/>
-          <a:lstStyle/>
-          <a:p>
-            <a:endParaRPr lang="en-US"/>
-          </a:p>
-        </p:txBody>
-      </p:sp>
+      <p:pic>
+        <p:nvPicPr>
+          <p:cNvPr id="5" name="Picture 4" descr="A close up of a sign&#10;&#10;Description automatically generated">
+            <a:extLst>
+              <a:ext uri="{FF2B5EF4-FFF2-40B4-BE49-F238E27FC236}">
+                <a16:creationId xmlns:a16="http://schemas.microsoft.com/office/drawing/2014/main" id="{28644433-72A7-4845-9C7A-326015BD1805}"/>
+              </a:ext>
+            </a:extLst>
+          </p:cNvPr>
+          <p:cNvPicPr>
+            <a:picLocks noChangeAspect="1"/>
+          </p:cNvPicPr>
+          <p:nvPr/>
+        </p:nvPicPr>
+        <p:blipFill>
+          <a:blip r:embed="rId3">
+            <a:extLst>
+              <a:ext uri="{28A0092B-C50C-407E-A947-70E740481C1C}">
+                <a14:useLocalDpi xmlns:a14="http://schemas.microsoft.com/office/drawing/2010/main" val="0"/>
+              </a:ext>
+            </a:extLst>
+          </a:blip>
+          <a:stretch>
+            <a:fillRect/>
+          </a:stretch>
+        </p:blipFill>
+        <p:spPr>
+          <a:xfrm>
+            <a:off x="7101702" y="974114"/>
+            <a:ext cx="3311804" cy="4162754"/>
+          </a:xfrm>
+          <a:prstGeom prst="rect">
+            <a:avLst/>
+          </a:prstGeom>
+        </p:spPr>
+      </p:pic>
     </p:spTree>
     <p:extLst>
       <p:ext uri="{BB962C8B-B14F-4D97-AF65-F5344CB8AC3E}">
@@ -9694,6 +9491,173 @@
                                           <p:spTgt spid="3">
                                             <p:txEl>
                                               <p:pRg st="5" end="5"/>
+                                            </p:txEl>
+                                          </p:spTgt>
+                                        </p:tgtEl>
+                                      </p:cBhvr>
+                                    </p:animEffect>
+                                  </p:childTnLst>
+                                </p:cTn>
+                              </p:par>
+                            </p:childTnLst>
+                          </p:cTn>
+                        </p:par>
+                      </p:childTnLst>
+                    </p:cTn>
+                  </p:par>
+                  <p:par>
+                    <p:cTn id="33" fill="hold">
+                      <p:stCondLst>
+                        <p:cond delay="indefinite"/>
+                      </p:stCondLst>
+                      <p:childTnLst>
+                        <p:par>
+                          <p:cTn id="34" fill="hold">
+                            <p:stCondLst>
+                              <p:cond delay="0"/>
+                            </p:stCondLst>
+                            <p:childTnLst>
+                              <p:par>
+                                <p:cTn id="35" presetID="1" presetClass="entr" presetSubtype="0" fill="hold" nodeType="clickEffect">
+                                  <p:stCondLst>
+                                    <p:cond delay="0"/>
+                                  </p:stCondLst>
+                                  <p:childTnLst>
+                                    <p:set>
+                                      <p:cBhvr>
+                                        <p:cTn id="36" dur="1" fill="hold">
+                                          <p:stCondLst>
+                                            <p:cond delay="0"/>
+                                          </p:stCondLst>
+                                        </p:cTn>
+                                        <p:tgtEl>
+                                          <p:spTgt spid="5"/>
+                                        </p:tgtEl>
+                                        <p:attrNameLst>
+                                          <p:attrName>style.visibility</p:attrName>
+                                        </p:attrNameLst>
+                                      </p:cBhvr>
+                                      <p:to>
+                                        <p:strVal val="visible"/>
+                                      </p:to>
+                                    </p:set>
+                                  </p:childTnLst>
+                                </p:cTn>
+                              </p:par>
+                            </p:childTnLst>
+                          </p:cTn>
+                        </p:par>
+                      </p:childTnLst>
+                    </p:cTn>
+                  </p:par>
+                  <p:par>
+                    <p:cTn id="37" fill="hold">
+                      <p:stCondLst>
+                        <p:cond delay="indefinite"/>
+                      </p:stCondLst>
+                      <p:childTnLst>
+                        <p:par>
+                          <p:cTn id="38" fill="hold">
+                            <p:stCondLst>
+                              <p:cond delay="0"/>
+                            </p:stCondLst>
+                            <p:childTnLst>
+                              <p:par>
+                                <p:cTn id="39" presetID="10" presetClass="entr" presetSubtype="0" fill="hold" nodeType="clickEffect">
+                                  <p:stCondLst>
+                                    <p:cond delay="0"/>
+                                  </p:stCondLst>
+                                  <p:childTnLst>
+                                    <p:set>
+                                      <p:cBhvr>
+                                        <p:cTn id="40" dur="1" fill="hold">
+                                          <p:stCondLst>
+                                            <p:cond delay="0"/>
+                                          </p:stCondLst>
+                                        </p:cTn>
+                                        <p:tgtEl>
+                                          <p:spTgt spid="3">
+                                            <p:txEl>
+                                              <p:pRg st="6" end="6"/>
+                                            </p:txEl>
+                                          </p:spTgt>
+                                        </p:tgtEl>
+                                        <p:attrNameLst>
+                                          <p:attrName>style.visibility</p:attrName>
+                                        </p:attrNameLst>
+                                      </p:cBhvr>
+                                      <p:to>
+                                        <p:strVal val="visible"/>
+                                      </p:to>
+                                    </p:set>
+                                    <p:animEffect transition="in" filter="fade">
+                                      <p:cBhvr>
+                                        <p:cTn id="41" dur="500"/>
+                                        <p:tgtEl>
+                                          <p:spTgt spid="3">
+                                            <p:txEl>
+                                              <p:pRg st="6" end="6"/>
+                                            </p:txEl>
+                                          </p:spTgt>
+                                        </p:tgtEl>
+                                      </p:cBhvr>
+                                    </p:animEffect>
+                                  </p:childTnLst>
+                                </p:cTn>
+                              </p:par>
+                            </p:childTnLst>
+                          </p:cTn>
+                        </p:par>
+                      </p:childTnLst>
+                    </p:cTn>
+                  </p:par>
+                  <p:par>
+                    <p:cTn id="42" fill="hold">
+                      <p:stCondLst>
+                        <p:cond delay="indefinite"/>
+                      </p:stCondLst>
+                      <p:childTnLst>
+                        <p:par>
+                          <p:cTn id="43" fill="hold">
+                            <p:stCondLst>
+                              <p:cond delay="0"/>
+                            </p:stCondLst>
+                            <p:childTnLst>
+                              <p:par>
+                                <p:cTn id="44" presetID="10" presetClass="entr" presetSubtype="0" fill="hold" nodeType="clickEffect">
+                                  <p:stCondLst>
+                                    <p:cond delay="0"/>
+                                  </p:stCondLst>
+                                  <p:childTnLst>
+                                    <p:set>
+                                      <p:cBhvr>
+                                        <p:cTn id="45" dur="1" fill="hold">
+                                          <p:stCondLst>
+                                            <p:cond delay="0"/>
+                                          </p:stCondLst>
+                                        </p:cTn>
+                                        <p:tgtEl>
+                                          <p:spTgt spid="3">
+                                            <p:txEl>
+                                              <p:pRg st="7" end="7"/>
+                                            </p:txEl>
+                                          </p:spTgt>
+                                        </p:tgtEl>
+                                        <p:attrNameLst>
+                                          <p:attrName>style.visibility</p:attrName>
+                                        </p:attrNameLst>
+                                      </p:cBhvr>
+                                      <p:to>
+                                        <p:strVal val="visible"/>
+                                      </p:to>
+                                    </p:set>
+                                    <p:animEffect transition="in" filter="fade">
+                                      <p:cBhvr>
+                                        <p:cTn id="46" dur="500"/>
+                                        <p:tgtEl>
+                                          <p:spTgt spid="3">
+                                            <p:txEl>
+                                              <p:pRg st="7" end="7"/>
                                             </p:txEl>
                                           </p:spTgt>
                                         </p:tgtEl>

--- a/josh-corrick/UsingDbatoolsToAutomateDeployments.pptx
+++ b/josh-corrick/UsingDbatoolsToAutomateDeployments.pptx
@@ -1,27 +1,30 @@
 
 <file path=ppt/presentation.xml><?xml version="1.0" encoding="utf-8"?>
-<p:presentation xmlns:a="http://schemas.openxmlformats.org/drawingml/2006/main" xmlns:r="http://schemas.openxmlformats.org/officeDocument/2006/relationships" xmlns:p="http://schemas.openxmlformats.org/presentationml/2006/main" saveSubsetFonts="1" autoCompressPictures="0">
+<p:presentation xmlns:a="http://schemas.openxmlformats.org/drawingml/2006/main" xmlns:r="http://schemas.openxmlformats.org/officeDocument/2006/relationships" xmlns:p="http://schemas.openxmlformats.org/presentationml/2006/main" saveSubsetFonts="1">
   <p:sldMasterIdLst>
     <p:sldMasterId id="2147483648" r:id="rId1"/>
   </p:sldMasterIdLst>
   <p:notesMasterIdLst>
-    <p:notesMasterId r:id="rId8"/>
+    <p:notesMasterId r:id="rId11"/>
   </p:notesMasterIdLst>
   <p:sldIdLst>
-    <p:sldId id="270" r:id="rId2"/>
-    <p:sldId id="271" r:id="rId3"/>
-    <p:sldId id="273" r:id="rId4"/>
-    <p:sldId id="274" r:id="rId5"/>
-    <p:sldId id="275" r:id="rId6"/>
-    <p:sldId id="272" r:id="rId7"/>
+    <p:sldId id="275" r:id="rId2"/>
+    <p:sldId id="268" r:id="rId3"/>
+    <p:sldId id="271" r:id="rId4"/>
+    <p:sldId id="283" r:id="rId5"/>
+    <p:sldId id="273" r:id="rId6"/>
+    <p:sldId id="277" r:id="rId7"/>
+    <p:sldId id="278" r:id="rId8"/>
+    <p:sldId id="284" r:id="rId9"/>
+    <p:sldId id="282" r:id="rId10"/>
   </p:sldIdLst>
-  <p:sldSz cx="11520488" cy="6480175"/>
+  <p:sldSz cx="12192000" cy="6858000"/>
   <p:notesSz cx="6858000" cy="9144000"/>
   <p:defaultTextStyle>
     <a:defPPr>
       <a:defRPr lang="en-US"/>
     </a:defPPr>
-    <a:lvl1pPr marL="0" algn="l" defTabSz="457200" rtl="0" eaLnBrk="1" latinLnBrk="0" hangingPunct="1">
+    <a:lvl1pPr marL="0" algn="l" defTabSz="914400" rtl="0" eaLnBrk="1" latinLnBrk="0" hangingPunct="1">
       <a:defRPr sz="1800" kern="1200">
         <a:solidFill>
           <a:schemeClr val="tx1"/>
@@ -31,7 +34,7 @@
         <a:cs typeface="+mn-cs"/>
       </a:defRPr>
     </a:lvl1pPr>
-    <a:lvl2pPr marL="457200" algn="l" defTabSz="457200" rtl="0" eaLnBrk="1" latinLnBrk="0" hangingPunct="1">
+    <a:lvl2pPr marL="457200" algn="l" defTabSz="914400" rtl="0" eaLnBrk="1" latinLnBrk="0" hangingPunct="1">
       <a:defRPr sz="1800" kern="1200">
         <a:solidFill>
           <a:schemeClr val="tx1"/>
@@ -41,7 +44,7 @@
         <a:cs typeface="+mn-cs"/>
       </a:defRPr>
     </a:lvl2pPr>
-    <a:lvl3pPr marL="914400" algn="l" defTabSz="457200" rtl="0" eaLnBrk="1" latinLnBrk="0" hangingPunct="1">
+    <a:lvl3pPr marL="914400" algn="l" defTabSz="914400" rtl="0" eaLnBrk="1" latinLnBrk="0" hangingPunct="1">
       <a:defRPr sz="1800" kern="1200">
         <a:solidFill>
           <a:schemeClr val="tx1"/>
@@ -51,7 +54,7 @@
         <a:cs typeface="+mn-cs"/>
       </a:defRPr>
     </a:lvl3pPr>
-    <a:lvl4pPr marL="1371600" algn="l" defTabSz="457200" rtl="0" eaLnBrk="1" latinLnBrk="0" hangingPunct="1">
+    <a:lvl4pPr marL="1371600" algn="l" defTabSz="914400" rtl="0" eaLnBrk="1" latinLnBrk="0" hangingPunct="1">
       <a:defRPr sz="1800" kern="1200">
         <a:solidFill>
           <a:schemeClr val="tx1"/>
@@ -61,7 +64,7 @@
         <a:cs typeface="+mn-cs"/>
       </a:defRPr>
     </a:lvl4pPr>
-    <a:lvl5pPr marL="1828800" algn="l" defTabSz="457200" rtl="0" eaLnBrk="1" latinLnBrk="0" hangingPunct="1">
+    <a:lvl5pPr marL="1828800" algn="l" defTabSz="914400" rtl="0" eaLnBrk="1" latinLnBrk="0" hangingPunct="1">
       <a:defRPr sz="1800" kern="1200">
         <a:solidFill>
           <a:schemeClr val="tx1"/>
@@ -71,7 +74,7 @@
         <a:cs typeface="+mn-cs"/>
       </a:defRPr>
     </a:lvl5pPr>
-    <a:lvl6pPr marL="2286000" algn="l" defTabSz="457200" rtl="0" eaLnBrk="1" latinLnBrk="0" hangingPunct="1">
+    <a:lvl6pPr marL="2286000" algn="l" defTabSz="914400" rtl="0" eaLnBrk="1" latinLnBrk="0" hangingPunct="1">
       <a:defRPr sz="1800" kern="1200">
         <a:solidFill>
           <a:schemeClr val="tx1"/>
@@ -81,7 +84,7 @@
         <a:cs typeface="+mn-cs"/>
       </a:defRPr>
     </a:lvl6pPr>
-    <a:lvl7pPr marL="2743200" algn="l" defTabSz="457200" rtl="0" eaLnBrk="1" latinLnBrk="0" hangingPunct="1">
+    <a:lvl7pPr marL="2743200" algn="l" defTabSz="914400" rtl="0" eaLnBrk="1" latinLnBrk="0" hangingPunct="1">
       <a:defRPr sz="1800" kern="1200">
         <a:solidFill>
           <a:schemeClr val="tx1"/>
@@ -91,7 +94,7 @@
         <a:cs typeface="+mn-cs"/>
       </a:defRPr>
     </a:lvl7pPr>
-    <a:lvl8pPr marL="3200400" algn="l" defTabSz="457200" rtl="0" eaLnBrk="1" latinLnBrk="0" hangingPunct="1">
+    <a:lvl8pPr marL="3200400" algn="l" defTabSz="914400" rtl="0" eaLnBrk="1" latinLnBrk="0" hangingPunct="1">
       <a:defRPr sz="1800" kern="1200">
         <a:solidFill>
           <a:schemeClr val="tx1"/>
@@ -101,7 +104,7 @@
         <a:cs typeface="+mn-cs"/>
       </a:defRPr>
     </a:lvl8pPr>
-    <a:lvl9pPr marL="3657600" algn="l" defTabSz="457200" rtl="0" eaLnBrk="1" latinLnBrk="0" hangingPunct="1">
+    <a:lvl9pPr marL="3657600" algn="l" defTabSz="914400" rtl="0" eaLnBrk="1" latinLnBrk="0" hangingPunct="1">
       <a:defRPr sz="1800" kern="1200">
         <a:solidFill>
           <a:schemeClr val="tx1"/>
@@ -115,12 +118,12 @@
   <p:extLst>
     <p:ext uri="{EFAFB233-063F-42B5-8137-9DF3F51BA10A}">
       <p15:sldGuideLst xmlns:p15="http://schemas.microsoft.com/office/powerpoint/2012/main">
-        <p15:guide id="1" orient="horz" pos="2041" userDrawn="1">
+        <p15:guide id="1" orient="horz" pos="2160" userDrawn="1">
           <p15:clr>
             <a:srgbClr val="A4A3A4"/>
           </p15:clr>
         </p15:guide>
-        <p15:guide id="2" pos="3629" userDrawn="1">
+        <p15:guide id="2" pos="3288" userDrawn="1">
           <p15:clr>
             <a:srgbClr val="A4A3A4"/>
           </p15:clr>
@@ -211,9 +214,9 @@
             </a:lvl1pPr>
           </a:lstStyle>
           <a:p>
-            <a:fld id="{AF6405DF-AEA4-4F82-890A-6C05651BD785}" type="datetimeFigureOut">
+            <a:fld id="{7F89AD86-B2B5-448B-B855-EA789EC8799F}" type="datetimeFigureOut">
               <a:rPr lang="en-US" smtClean="0"/>
-              <a:t>5/8/2019</a:t>
+              <a:t>9/20/2019</a:t>
             </a:fld>
             <a:endParaRPr lang="en-US"/>
           </a:p>
@@ -369,7 +372,7 @@
             </a:lvl1pPr>
           </a:lstStyle>
           <a:p>
-            <a:fld id="{1D3CE819-F866-464B-B848-26E7DB5953B2}" type="slidenum">
+            <a:fld id="{1D440B6A-7462-41EA-A626-F8445C28255B}" type="slidenum">
               <a:rPr lang="en-US" smtClean="0"/>
               <a:t>‹#›</a:t>
             </a:fld>
@@ -380,7 +383,7 @@
     </p:spTree>
     <p:extLst>
       <p:ext uri="{BB962C8B-B14F-4D97-AF65-F5344CB8AC3E}">
-        <p14:creationId xmlns:p14="http://schemas.microsoft.com/office/powerpoint/2010/main" val="2772059873"/>
+        <p14:creationId xmlns:p14="http://schemas.microsoft.com/office/powerpoint/2010/main" val="2421678237"/>
       </p:ext>
     </p:extLst>
   </p:cSld>
@@ -526,39 +529,7 @@
           <a:p>
             <a:r>
               <a:rPr lang="en-US" dirty="0"/>
-              <a:t>SQLCMD tool originally designed for interacting with the database only. </a:t>
-            </a:r>
-            <a:r>
-              <a:rPr lang="en-US" dirty="0" err="1"/>
-              <a:t>Minishell</a:t>
-            </a:r>
-            <a:r>
-              <a:rPr lang="en-US" dirty="0"/>
-              <a:t> was not a fan favorite as it was restrictive and buggy. </a:t>
-            </a:r>
-            <a:r>
-              <a:rPr lang="en-US" dirty="0" err="1"/>
-              <a:t>Snapins</a:t>
-            </a:r>
-            <a:r>
-              <a:rPr lang="en-US" dirty="0"/>
-              <a:t> were a PowerShell 2.0 method. SMO objects are the preferred objects used by SSMS for any custom plugins (Also used by PowerShell). </a:t>
-            </a:r>
-            <a:r>
-              <a:rPr lang="en-US" dirty="0" err="1"/>
-              <a:t>SQLServer</a:t>
-            </a:r>
-            <a:r>
-              <a:rPr lang="en-US" dirty="0"/>
-              <a:t> Module was buggy, Slowly developed, Invoke-</a:t>
-            </a:r>
-            <a:r>
-              <a:rPr lang="en-US" dirty="0" err="1"/>
-              <a:t>SQLCmd</a:t>
-            </a:r>
-            <a:r>
-              <a:rPr lang="en-US" dirty="0"/>
-              <a:t> was slow,</a:t>
+              <a:t>Benevolent Dictator for Life.. </a:t>
             </a:r>
           </a:p>
         </p:txBody>
@@ -578,9 +549,9 @@
           <a:bodyPr/>
           <a:lstStyle/>
           <a:p>
-            <a:fld id="{1D3CE819-F866-464B-B848-26E7DB5953B2}" type="slidenum">
+            <a:fld id="{1D440B6A-7462-41EA-A626-F8445C28255B}" type="slidenum">
               <a:rPr lang="en-US" smtClean="0"/>
-              <a:t>4</a:t>
+              <a:t>5</a:t>
             </a:fld>
             <a:endParaRPr lang="en-US"/>
           </a:p>
@@ -589,7 +560,7 @@
     </p:spTree>
     <p:extLst>
       <p:ext uri="{BB962C8B-B14F-4D97-AF65-F5344CB8AC3E}">
-        <p14:creationId xmlns:p14="http://schemas.microsoft.com/office/powerpoint/2010/main" val="2349757171"/>
+        <p14:creationId xmlns:p14="http://schemas.microsoft.com/office/powerpoint/2010/main" val="606088129"/>
       </p:ext>
     </p:extLst>
   </p:cSld>
@@ -645,7 +616,23 @@
           <a:p>
             <a:r>
               <a:rPr lang="en-US" dirty="0"/>
-              <a:t>Community built means that actual product users create the tools they need. The code is not compiled (like the </a:t>
+              <a:t>SQLCMD tool originally designed for interacting with the database only, used OBDC driver. </a:t>
+            </a:r>
+            <a:r>
+              <a:rPr lang="en-US" dirty="0" err="1"/>
+              <a:t>Minishell</a:t>
+            </a:r>
+            <a:r>
+              <a:rPr lang="en-US" dirty="0"/>
+              <a:t> was not a fan favorite as it was restrictive and buggy (based on PowerShell2.0). </a:t>
+            </a:r>
+            <a:r>
+              <a:rPr lang="en-US" dirty="0" err="1"/>
+              <a:t>Snapins</a:t>
+            </a:r>
+            <a:r>
+              <a:rPr lang="en-US" dirty="0"/>
+              <a:t> were a PowerShell 2.0 method. SQL Management Objects (SMO) objects are the preferred objects used by SSMS for any custom plugins (Also used by PowerShell). </a:t>
             </a:r>
             <a:r>
               <a:rPr lang="en-US" dirty="0" err="1"/>
@@ -653,174 +640,16 @@
             </a:r>
             <a:r>
               <a:rPr lang="en-US" dirty="0"/>
-              <a:t> module) so security teams may review each cmdlet. By writing cmdlets like Test-</a:t>
+              <a:t> Module was buggy, Slowly developed, Invoke-</a:t>
             </a:r>
             <a:r>
               <a:rPr lang="en-US" dirty="0" err="1"/>
-              <a:t>DbaPowerPlan</a:t>
+              <a:t>SQLCmd</a:t>
             </a:r>
             <a:r>
               <a:rPr lang="en-US" dirty="0"/>
-              <a:t> it reminds the community of best practices. One of the best things to automate is Database migrations</a:t>
-            </a:r>
-          </a:p>
-          <a:p>
-            <a:endParaRPr lang="en-US" dirty="0"/>
-          </a:p>
-          <a:p>
-            <a:r>
-              <a:rPr lang="en-US" sz="1200" b="0" kern="1200" dirty="0" err="1">
-                <a:solidFill>
-                  <a:schemeClr val="tx1"/>
-                </a:solidFill>
-                <a:effectLst/>
-                <a:latin typeface="+mn-lt"/>
-                <a:ea typeface="+mn-ea"/>
-                <a:cs typeface="+mn-cs"/>
-              </a:rPr>
-              <a:t>dbatools</a:t>
-            </a:r>
-            <a:r>
-              <a:rPr lang="en-US" sz="1200" b="0" kern="1200" dirty="0">
-                <a:solidFill>
-                  <a:schemeClr val="tx1"/>
-                </a:solidFill>
-                <a:effectLst/>
-                <a:latin typeface="+mn-lt"/>
-                <a:ea typeface="+mn-ea"/>
-                <a:cs typeface="+mn-cs"/>
-              </a:rPr>
-              <a:t> aims to support as many configurations as possible, including</a:t>
-            </a:r>
-          </a:p>
-          <a:p>
-            <a:r>
-              <a:rPr lang="en-US" sz="1200" b="0" kern="1200" dirty="0">
-                <a:solidFill>
-                  <a:schemeClr val="tx1"/>
-                </a:solidFill>
-                <a:effectLst/>
-                <a:latin typeface="+mn-lt"/>
-                <a:ea typeface="+mn-ea"/>
-                <a:cs typeface="+mn-cs"/>
-              </a:rPr>
-              <a:t>PowerShell v3 and above</a:t>
-            </a:r>
-          </a:p>
-          <a:p>
-            <a:r>
-              <a:rPr lang="en-US" sz="1200" b="0" kern="1200" dirty="0">
-                <a:solidFill>
-                  <a:schemeClr val="tx1"/>
-                </a:solidFill>
-                <a:effectLst/>
-                <a:latin typeface="+mn-lt"/>
-                <a:ea typeface="+mn-ea"/>
-                <a:cs typeface="+mn-cs"/>
-              </a:rPr>
-              <a:t>Windows, macOS and Linux</a:t>
-            </a:r>
-          </a:p>
-          <a:p>
-            <a:r>
-              <a:rPr lang="en-US" sz="1200" b="0" kern="1200" dirty="0">
-                <a:solidFill>
-                  <a:schemeClr val="tx1"/>
-                </a:solidFill>
-                <a:effectLst/>
-                <a:latin typeface="+mn-lt"/>
-                <a:ea typeface="+mn-ea"/>
-                <a:cs typeface="+mn-cs"/>
-              </a:rPr>
-              <a:t>SQL Server 2000 - 2017</a:t>
-            </a:r>
-          </a:p>
-          <a:p>
-            <a:r>
-              <a:rPr lang="en-US" sz="1200" b="0" kern="1200" dirty="0">
-                <a:solidFill>
-                  <a:schemeClr val="tx1"/>
-                </a:solidFill>
-                <a:effectLst/>
-                <a:latin typeface="+mn-lt"/>
-                <a:ea typeface="+mn-ea"/>
-                <a:cs typeface="+mn-cs"/>
-              </a:rPr>
-              <a:t>Express - Datacenter Edition</a:t>
-            </a:r>
-          </a:p>
-          <a:p>
-            <a:r>
-              <a:rPr lang="en-US" sz="1200" b="0" kern="1200" dirty="0">
-                <a:solidFill>
-                  <a:schemeClr val="tx1"/>
-                </a:solidFill>
-                <a:effectLst/>
-                <a:latin typeface="+mn-lt"/>
-                <a:ea typeface="+mn-ea"/>
-                <a:cs typeface="+mn-cs"/>
-              </a:rPr>
-              <a:t>Clustered and stand-alone instances</a:t>
-            </a:r>
-          </a:p>
-          <a:p>
-            <a:r>
-              <a:rPr lang="en-US" sz="1200" b="0" kern="1200" dirty="0">
-                <a:solidFill>
-                  <a:schemeClr val="tx1"/>
-                </a:solidFill>
-                <a:effectLst/>
-                <a:latin typeface="+mn-lt"/>
-                <a:ea typeface="+mn-ea"/>
-                <a:cs typeface="+mn-cs"/>
-              </a:rPr>
-              <a:t>Windows and SQL authentication</a:t>
-            </a:r>
-          </a:p>
-          <a:p>
-            <a:r>
-              <a:rPr lang="en-US" sz="1200" b="0" kern="1200" dirty="0">
-                <a:solidFill>
-                  <a:schemeClr val="tx1"/>
-                </a:solidFill>
-                <a:effectLst/>
-                <a:latin typeface="+mn-lt"/>
-                <a:ea typeface="+mn-ea"/>
-                <a:cs typeface="+mn-cs"/>
-              </a:rPr>
-              <a:t>Default and named instances</a:t>
-            </a:r>
-          </a:p>
-          <a:p>
-            <a:r>
-              <a:rPr lang="en-US" sz="1200" b="0" kern="1200" dirty="0">
-                <a:solidFill>
-                  <a:schemeClr val="tx1"/>
-                </a:solidFill>
-                <a:effectLst/>
-                <a:latin typeface="+mn-lt"/>
-                <a:ea typeface="+mn-ea"/>
-                <a:cs typeface="+mn-cs"/>
-              </a:rPr>
-              <a:t>Multiple instances on one server</a:t>
-            </a:r>
-          </a:p>
-          <a:p>
-            <a:r>
-              <a:rPr lang="en-US" sz="1200" b="0" kern="1200" dirty="0">
-                <a:solidFill>
-                  <a:schemeClr val="tx1"/>
-                </a:solidFill>
-                <a:effectLst/>
-                <a:latin typeface="+mn-lt"/>
-                <a:ea typeface="+mn-ea"/>
-                <a:cs typeface="+mn-cs"/>
-              </a:rPr>
-              <a:t>Auto-populated parameters for command-line completion (think -Database and -Login)</a:t>
-            </a:r>
-          </a:p>
-          <a:p>
-            <a:endParaRPr lang="en-US" dirty="0"/>
+              <a:t> was slow, and buggy. (Although it has gotten better last release 13 hours ago, but 2 months before).</a:t>
+            </a:r>
           </a:p>
         </p:txBody>
       </p:sp>
@@ -841,7 +670,7 @@
           <a:p>
             <a:fld id="{1D3CE819-F866-464B-B848-26E7DB5953B2}" type="slidenum">
               <a:rPr lang="en-US" smtClean="0"/>
-              <a:t>5</a:t>
+              <a:t>6</a:t>
             </a:fld>
             <a:endParaRPr lang="en-US"/>
           </a:p>
@@ -850,7 +679,7 @@
     </p:spTree>
     <p:extLst>
       <p:ext uri="{BB962C8B-B14F-4D97-AF65-F5344CB8AC3E}">
-        <p14:creationId xmlns:p14="http://schemas.microsoft.com/office/powerpoint/2010/main" val="4179753502"/>
+        <p14:creationId xmlns:p14="http://schemas.microsoft.com/office/powerpoint/2010/main" val="2349757171"/>
       </p:ext>
     </p:extLst>
   </p:cSld>
@@ -860,9 +689,9 @@
 </p:notes>
 </file>
 
-<file path=ppt/slideLayouts/slideLayout1.xml><?xml version="1.0" encoding="utf-8"?>
-<p:sldLayout xmlns:a="http://schemas.openxmlformats.org/drawingml/2006/main" xmlns:r="http://schemas.openxmlformats.org/officeDocument/2006/relationships" xmlns:p="http://schemas.openxmlformats.org/presentationml/2006/main" showMasterSp="0" preserve="1" userDrawn="1">
-  <p:cSld name="Title">
+<file path=ppt/notesSlides/notesSlide3.xml><?xml version="1.0" encoding="utf-8"?>
+<p:notes xmlns:a="http://schemas.openxmlformats.org/drawingml/2006/main" xmlns:r="http://schemas.openxmlformats.org/officeDocument/2006/relationships" xmlns:p="http://schemas.openxmlformats.org/presentationml/2006/main">
+  <p:cSld>
     <p:spTree>
       <p:nvGrpSpPr>
         <p:cNvPr id="1" name=""/>
@@ -877,155 +706,253 @@
           <a:chExt cx="0" cy="0"/>
         </a:xfrm>
       </p:grpSpPr>
-      <p:pic>
-        <p:nvPicPr>
-          <p:cNvPr id="7" name="Picture 6">
-            <a:extLst>
-              <a:ext uri="{FF2B5EF4-FFF2-40B4-BE49-F238E27FC236}">
-                <a16:creationId xmlns:a16="http://schemas.microsoft.com/office/drawing/2014/main" id="{682245BA-3E6C-4FAA-8C55-9232354DEFFB}"/>
-              </a:ext>
-            </a:extLst>
-          </p:cNvPr>
-          <p:cNvPicPr>
-            <a:picLocks noChangeAspect="1"/>
-          </p:cNvPicPr>
-          <p:nvPr userDrawn="1"/>
-        </p:nvPicPr>
-        <p:blipFill>
-          <a:blip r:embed="rId2"/>
-          <a:stretch>
-            <a:fillRect/>
-          </a:stretch>
-        </p:blipFill>
-        <p:spPr>
-          <a:xfrm>
-            <a:off x="6555600" y="-359912"/>
-            <a:ext cx="5324400" cy="7200000"/>
-          </a:xfrm>
-          <a:prstGeom prst="rect">
-            <a:avLst/>
-          </a:prstGeom>
-        </p:spPr>
-      </p:pic>
-      <p:sp>
-        <p:nvSpPr>
-          <p:cNvPr id="2" name="Title 1"/>
+      <p:sp>
+        <p:nvSpPr>
+          <p:cNvPr id="2" name="Slide Image Placeholder 1"/>
+          <p:cNvSpPr>
+            <a:spLocks noGrp="1" noRot="1" noChangeAspect="1"/>
+          </p:cNvSpPr>
+          <p:nvPr>
+            <p:ph type="sldImg"/>
+          </p:nvPr>
+        </p:nvSpPr>
+        <p:spPr/>
+      </p:sp>
+      <p:sp>
+        <p:nvSpPr>
+          <p:cNvPr id="3" name="Notes Placeholder 2"/>
           <p:cNvSpPr>
             <a:spLocks noGrp="1"/>
           </p:cNvSpPr>
           <p:nvPr>
-            <p:ph type="ctrTitle" hasCustomPrompt="1"/>
-          </p:nvPr>
-        </p:nvSpPr>
-        <p:spPr>
-          <a:xfrm>
-            <a:off x="359907" y="3779838"/>
-            <a:ext cx="10800218" cy="2339975"/>
-          </a:xfrm>
-        </p:spPr>
+            <p:ph type="body" idx="1"/>
+          </p:nvPr>
+        </p:nvSpPr>
+        <p:spPr/>
         <p:txBody>
-          <a:bodyPr anchor="b">
-            <a:noAutofit/>
-          </a:bodyPr>
-          <a:lstStyle>
-            <a:lvl1pPr algn="l">
-              <a:defRPr sz="6000">
+          <a:bodyPr/>
+          <a:lstStyle/>
+          <a:p>
+            <a:r>
+              <a:rPr lang="en-US" dirty="0"/>
+              <a:t>Community built means that actual product users create the tools they need. The code is not compiled (like the </a:t>
+            </a:r>
+            <a:r>
+              <a:rPr lang="en-US" dirty="0" err="1"/>
+              <a:t>SQLServer</a:t>
+            </a:r>
+            <a:r>
+              <a:rPr lang="en-US" dirty="0"/>
+              <a:t> module) so security teams may review each cmdlet. By writing cmdlets like Test-</a:t>
+            </a:r>
+            <a:r>
+              <a:rPr lang="en-US" dirty="0" err="1"/>
+              <a:t>DbaPowerPlan</a:t>
+            </a:r>
+            <a:r>
+              <a:rPr lang="en-US" dirty="0"/>
+              <a:t> it reminds the community of best practices. One of the best things to automate is Database migrations</a:t>
+            </a:r>
+          </a:p>
+          <a:p>
+            <a:endParaRPr lang="en-US" dirty="0"/>
+          </a:p>
+          <a:p>
+            <a:r>
+              <a:rPr lang="en-US" sz="1200" b="0" kern="1200" dirty="0" err="1">
                 <a:solidFill>
                   <a:schemeClr val="tx1"/>
                 </a:solidFill>
+                <a:effectLst/>
                 <a:latin typeface="+mn-lt"/>
-              </a:defRPr>
-            </a:lvl1pPr>
-          </a:lstStyle>
-          <a:p>
-            <a:r>
-              <a:rPr lang="en-US" dirty="0"/>
-              <a:t>Presentation Title</a:t>
-            </a:r>
+                <a:ea typeface="+mn-ea"/>
+                <a:cs typeface="+mn-cs"/>
+              </a:rPr>
+              <a:t>dbatools</a:t>
+            </a:r>
+            <a:r>
+              <a:rPr lang="en-US" sz="1200" b="0" kern="1200" dirty="0">
+                <a:solidFill>
+                  <a:schemeClr val="tx1"/>
+                </a:solidFill>
+                <a:effectLst/>
+                <a:latin typeface="+mn-lt"/>
+                <a:ea typeface="+mn-ea"/>
+                <a:cs typeface="+mn-cs"/>
+              </a:rPr>
+              <a:t> aims to support as many configurations as possible, including</a:t>
+            </a:r>
+          </a:p>
+          <a:p>
+            <a:r>
+              <a:rPr lang="en-US" sz="1200" b="0" kern="1200" dirty="0">
+                <a:solidFill>
+                  <a:schemeClr val="tx1"/>
+                </a:solidFill>
+                <a:effectLst/>
+                <a:latin typeface="+mn-lt"/>
+                <a:ea typeface="+mn-ea"/>
+                <a:cs typeface="+mn-cs"/>
+              </a:rPr>
+              <a:t>PowerShell v3 and above</a:t>
+            </a:r>
+          </a:p>
+          <a:p>
+            <a:r>
+              <a:rPr lang="en-US" sz="1200" b="0" kern="1200" dirty="0">
+                <a:solidFill>
+                  <a:schemeClr val="tx1"/>
+                </a:solidFill>
+                <a:effectLst/>
+                <a:latin typeface="+mn-lt"/>
+                <a:ea typeface="+mn-ea"/>
+                <a:cs typeface="+mn-cs"/>
+              </a:rPr>
+              <a:t>Windows, macOS and Linux</a:t>
+            </a:r>
+          </a:p>
+          <a:p>
+            <a:r>
+              <a:rPr lang="en-US" sz="1200" b="0" kern="1200" dirty="0">
+                <a:solidFill>
+                  <a:schemeClr val="tx1"/>
+                </a:solidFill>
+                <a:effectLst/>
+                <a:latin typeface="+mn-lt"/>
+                <a:ea typeface="+mn-ea"/>
+                <a:cs typeface="+mn-cs"/>
+              </a:rPr>
+              <a:t>SQL Server 2000 - 2017</a:t>
+            </a:r>
+          </a:p>
+          <a:p>
+            <a:r>
+              <a:rPr lang="en-US" sz="1200" b="0" kern="1200" dirty="0">
+                <a:solidFill>
+                  <a:schemeClr val="tx1"/>
+                </a:solidFill>
+                <a:effectLst/>
+                <a:latin typeface="+mn-lt"/>
+                <a:ea typeface="+mn-ea"/>
+                <a:cs typeface="+mn-cs"/>
+              </a:rPr>
+              <a:t>Express - Datacenter Edition</a:t>
+            </a:r>
+          </a:p>
+          <a:p>
+            <a:r>
+              <a:rPr lang="en-US" sz="1200" b="0" kern="1200" dirty="0">
+                <a:solidFill>
+                  <a:schemeClr val="tx1"/>
+                </a:solidFill>
+                <a:effectLst/>
+                <a:latin typeface="+mn-lt"/>
+                <a:ea typeface="+mn-ea"/>
+                <a:cs typeface="+mn-cs"/>
+              </a:rPr>
+              <a:t>Clustered and stand-alone instances</a:t>
+            </a:r>
+          </a:p>
+          <a:p>
+            <a:r>
+              <a:rPr lang="en-US" sz="1200" b="0" kern="1200" dirty="0">
+                <a:solidFill>
+                  <a:schemeClr val="tx1"/>
+                </a:solidFill>
+                <a:effectLst/>
+                <a:latin typeface="+mn-lt"/>
+                <a:ea typeface="+mn-ea"/>
+                <a:cs typeface="+mn-cs"/>
+              </a:rPr>
+              <a:t>Windows and SQL authentication</a:t>
+            </a:r>
+          </a:p>
+          <a:p>
+            <a:r>
+              <a:rPr lang="en-US" sz="1200" b="0" kern="1200" dirty="0">
+                <a:solidFill>
+                  <a:schemeClr val="tx1"/>
+                </a:solidFill>
+                <a:effectLst/>
+                <a:latin typeface="+mn-lt"/>
+                <a:ea typeface="+mn-ea"/>
+                <a:cs typeface="+mn-cs"/>
+              </a:rPr>
+              <a:t>Default and named instances</a:t>
+            </a:r>
+          </a:p>
+          <a:p>
+            <a:r>
+              <a:rPr lang="en-US" sz="1200" b="0" kern="1200" dirty="0">
+                <a:solidFill>
+                  <a:schemeClr val="tx1"/>
+                </a:solidFill>
+                <a:effectLst/>
+                <a:latin typeface="+mn-lt"/>
+                <a:ea typeface="+mn-ea"/>
+                <a:cs typeface="+mn-cs"/>
+              </a:rPr>
+              <a:t>Multiple instances on one server</a:t>
+            </a:r>
+          </a:p>
+          <a:p>
+            <a:r>
+              <a:rPr lang="en-US" sz="1200" b="0" kern="1200" dirty="0">
+                <a:solidFill>
+                  <a:schemeClr val="tx1"/>
+                </a:solidFill>
+                <a:effectLst/>
+                <a:latin typeface="+mn-lt"/>
+                <a:ea typeface="+mn-ea"/>
+                <a:cs typeface="+mn-cs"/>
+              </a:rPr>
+              <a:t>Auto-populated parameters for command-line completion (think -Database and -Login)</a:t>
+            </a:r>
+          </a:p>
+          <a:p>
+            <a:endParaRPr lang="en-US" dirty="0"/>
           </a:p>
         </p:txBody>
       </p:sp>
       <p:sp>
         <p:nvSpPr>
-          <p:cNvPr id="14" name="Text Placeholder 13"/>
+          <p:cNvPr id="4" name="Slide Number Placeholder 3"/>
           <p:cNvSpPr>
             <a:spLocks noGrp="1"/>
           </p:cNvSpPr>
           <p:nvPr>
-            <p:ph type="body" sz="quarter" idx="10" hasCustomPrompt="1"/>
-          </p:nvPr>
-        </p:nvSpPr>
-        <p:spPr>
-          <a:xfrm>
-            <a:off x="361157" y="360588"/>
-            <a:ext cx="10799762" cy="1079500"/>
-          </a:xfrm>
-        </p:spPr>
+            <p:ph type="sldNum" sz="quarter" idx="5"/>
+          </p:nvPr>
+        </p:nvSpPr>
+        <p:spPr/>
         <p:txBody>
-          <a:bodyPr anchor="t">
-            <a:noAutofit/>
-          </a:bodyPr>
-          <a:lstStyle>
-            <a:lvl1pPr algn="l">
-              <a:defRPr lang="en-US" sz="4000" b="0" kern="1200" dirty="0" smtClean="0">
-                <a:solidFill>
-                  <a:schemeClr val="accent1"/>
-                </a:solidFill>
-                <a:latin typeface="+mj-lt"/>
-                <a:ea typeface="+mn-ea"/>
-                <a:cs typeface="+mn-cs"/>
-              </a:defRPr>
-            </a:lvl1pPr>
-          </a:lstStyle>
-          <a:p>
-            <a:pPr lvl="0"/>
-            <a:r>
-              <a:rPr lang="en-US" dirty="0"/>
-              <a:t>Speaker Name</a:t>
-            </a:r>
+          <a:bodyPr/>
+          <a:lstStyle/>
+          <a:p>
+            <a:fld id="{1D3CE819-F866-464B-B848-26E7DB5953B2}" type="slidenum">
+              <a:rPr lang="en-US" smtClean="0"/>
+              <a:t>7</a:t>
+            </a:fld>
+            <a:endParaRPr lang="en-US"/>
           </a:p>
         </p:txBody>
       </p:sp>
-      <p:pic>
-        <p:nvPicPr>
-          <p:cNvPr id="6" name="Picture 5"/>
-          <p:cNvPicPr>
-            <a:picLocks noChangeAspect="1"/>
-          </p:cNvPicPr>
-          <p:nvPr userDrawn="1"/>
-        </p:nvPicPr>
-        <p:blipFill>
-          <a:blip r:embed="rId3"/>
-          <a:stretch>
-            <a:fillRect/>
-          </a:stretch>
-        </p:blipFill>
-        <p:spPr>
-          <a:xfrm>
-            <a:off x="8673244" y="3060087"/>
-            <a:ext cx="2486881" cy="360000"/>
-          </a:xfrm>
-          <a:prstGeom prst="rect">
-            <a:avLst/>
-          </a:prstGeom>
-        </p:spPr>
-      </p:pic>
     </p:spTree>
     <p:extLst>
       <p:ext uri="{BB962C8B-B14F-4D97-AF65-F5344CB8AC3E}">
-        <p14:creationId xmlns:p14="http://schemas.microsoft.com/office/powerpoint/2010/main" val="800730336"/>
+        <p14:creationId xmlns:p14="http://schemas.microsoft.com/office/powerpoint/2010/main" val="4179753502"/>
       </p:ext>
     </p:extLst>
   </p:cSld>
   <p:clrMapOvr>
     <a:masterClrMapping/>
   </p:clrMapOvr>
-</p:sldLayout>
+</p:notes>
 </file>
 
-<file path=ppt/slideLayouts/slideLayout2.xml><?xml version="1.0" encoding="utf-8"?>
-<p:sldLayout xmlns:a="http://schemas.openxmlformats.org/drawingml/2006/main" xmlns:r="http://schemas.openxmlformats.org/officeDocument/2006/relationships" xmlns:p="http://schemas.openxmlformats.org/presentationml/2006/main" showMasterSp="0" preserve="1" userDrawn="1">
-  <p:cSld name="Section Header">
+<file path=ppt/notesSlides/notesSlide4.xml><?xml version="1.0" encoding="utf-8"?>
+<p:notes xmlns:a="http://schemas.openxmlformats.org/drawingml/2006/main" xmlns:r="http://schemas.openxmlformats.org/officeDocument/2006/relationships" xmlns:p="http://schemas.openxmlformats.org/presentationml/2006/main">
+  <p:cSld>
     <p:spTree>
       <p:nvGrpSpPr>
         <p:cNvPr id="1" name=""/>
@@ -1040,77 +967,450 @@
           <a:chExt cx="0" cy="0"/>
         </a:xfrm>
       </p:grpSpPr>
-      <p:pic>
-        <p:nvPicPr>
-          <p:cNvPr id="4" name="Picture 3">
-            <a:extLst>
-              <a:ext uri="{FF2B5EF4-FFF2-40B4-BE49-F238E27FC236}">
-                <a16:creationId xmlns:a16="http://schemas.microsoft.com/office/drawing/2014/main" id="{097E2290-D773-46C2-A868-25CAA97A1972}"/>
-              </a:ext>
-            </a:extLst>
-          </p:cNvPr>
-          <p:cNvPicPr>
-            <a:picLocks noChangeAspect="1"/>
-          </p:cNvPicPr>
-          <p:nvPr userDrawn="1"/>
-        </p:nvPicPr>
-        <p:blipFill>
-          <a:blip r:embed="rId2"/>
-          <a:stretch>
-            <a:fillRect/>
-          </a:stretch>
-        </p:blipFill>
+      <p:sp>
+        <p:nvSpPr>
+          <p:cNvPr id="2" name="Slide Image Placeholder 1"/>
+          <p:cNvSpPr>
+            <a:spLocks noGrp="1" noRot="1" noChangeAspect="1"/>
+          </p:cNvSpPr>
+          <p:nvPr>
+            <p:ph type="sldImg"/>
+          </p:nvPr>
+        </p:nvSpPr>
         <p:spPr>
           <a:xfrm>
-            <a:off x="-360000" y="-359912"/>
-            <a:ext cx="5328001" cy="7200000"/>
+            <a:off x="685800" y="1143000"/>
+            <a:ext cx="5486400" cy="3086100"/>
+          </a:xfrm>
+        </p:spPr>
+      </p:sp>
+      <p:sp>
+        <p:nvSpPr>
+          <p:cNvPr id="3" name="Notes Placeholder 2"/>
+          <p:cNvSpPr>
+            <a:spLocks noGrp="1"/>
+          </p:cNvSpPr>
+          <p:nvPr>
+            <p:ph type="body" idx="1"/>
+          </p:nvPr>
+        </p:nvSpPr>
+        <p:spPr/>
+        <p:txBody>
+          <a:bodyPr/>
+          <a:lstStyle/>
+          <a:p>
+            <a:endParaRPr lang="en-US" dirty="0"/>
+          </a:p>
+        </p:txBody>
+      </p:sp>
+      <p:sp>
+        <p:nvSpPr>
+          <p:cNvPr id="4" name="Slide Number Placeholder 3"/>
+          <p:cNvSpPr>
+            <a:spLocks noGrp="1"/>
+          </p:cNvSpPr>
+          <p:nvPr>
+            <p:ph type="sldNum" sz="quarter" idx="5"/>
+          </p:nvPr>
+        </p:nvSpPr>
+        <p:spPr/>
+        <p:txBody>
+          <a:bodyPr/>
+          <a:lstStyle/>
+          <a:p>
+            <a:fld id="{1D3CE819-F866-464B-B848-26E7DB5953B2}" type="slidenum">
+              <a:rPr lang="en-US" smtClean="0"/>
+              <a:t>9</a:t>
+            </a:fld>
+            <a:endParaRPr lang="en-US"/>
+          </a:p>
+        </p:txBody>
+      </p:sp>
+    </p:spTree>
+    <p:extLst>
+      <p:ext uri="{BB962C8B-B14F-4D97-AF65-F5344CB8AC3E}">
+        <p14:creationId xmlns:p14="http://schemas.microsoft.com/office/powerpoint/2010/main" val="294551968"/>
+      </p:ext>
+    </p:extLst>
+  </p:cSld>
+  <p:clrMapOvr>
+    <a:masterClrMapping/>
+  </p:clrMapOvr>
+</p:notes>
+</file>
+
+<file path=ppt/slideLayouts/slideLayout1.xml><?xml version="1.0" encoding="utf-8"?>
+<p:sldLayout xmlns:a="http://schemas.openxmlformats.org/drawingml/2006/main" xmlns:r="http://schemas.openxmlformats.org/officeDocument/2006/relationships" xmlns:p="http://schemas.openxmlformats.org/presentationml/2006/main" type="title" preserve="1">
+  <p:cSld name="Title Slide">
+    <p:spTree>
+      <p:nvGrpSpPr>
+        <p:cNvPr id="1" name=""/>
+        <p:cNvGrpSpPr/>
+        <p:nvPr/>
+      </p:nvGrpSpPr>
+      <p:grpSpPr>
+        <a:xfrm>
+          <a:off x="0" y="0"/>
+          <a:ext cx="0" cy="0"/>
+          <a:chOff x="0" y="0"/>
+          <a:chExt cx="0" cy="0"/>
+        </a:xfrm>
+      </p:grpSpPr>
+      <p:sp>
+        <p:nvSpPr>
+          <p:cNvPr id="2" name="Title 1">
+            <a:extLst>
+              <a:ext uri="{FF2B5EF4-FFF2-40B4-BE49-F238E27FC236}">
+                <a16:creationId xmlns:a16="http://schemas.microsoft.com/office/drawing/2014/main" id="{FDF169CC-849C-41E4-ABE8-6DC2DE376834}"/>
+              </a:ext>
+            </a:extLst>
+          </p:cNvPr>
+          <p:cNvSpPr>
+            <a:spLocks noGrp="1"/>
+          </p:cNvSpPr>
+          <p:nvPr>
+            <p:ph type="ctrTitle"/>
+          </p:nvPr>
+        </p:nvSpPr>
+        <p:spPr>
+          <a:xfrm>
+            <a:off x="1524000" y="1122363"/>
+            <a:ext cx="9144000" cy="2387600"/>
+          </a:xfrm>
+        </p:spPr>
+        <p:txBody>
+          <a:bodyPr anchor="b"/>
+          <a:lstStyle>
+            <a:lvl1pPr algn="ctr">
+              <a:defRPr sz="6000"/>
+            </a:lvl1pPr>
+          </a:lstStyle>
+          <a:p>
+            <a:r>
+              <a:rPr lang="en-US"/>
+              <a:t>Click to edit Master title style</a:t>
+            </a:r>
+          </a:p>
+        </p:txBody>
+      </p:sp>
+      <p:sp>
+        <p:nvSpPr>
+          <p:cNvPr id="3" name="Subtitle 2">
+            <a:extLst>
+              <a:ext uri="{FF2B5EF4-FFF2-40B4-BE49-F238E27FC236}">
+                <a16:creationId xmlns:a16="http://schemas.microsoft.com/office/drawing/2014/main" id="{E836602C-4BA4-4DAE-B915-58E4DF946597}"/>
+              </a:ext>
+            </a:extLst>
+          </p:cNvPr>
+          <p:cNvSpPr>
+            <a:spLocks noGrp="1"/>
+          </p:cNvSpPr>
+          <p:nvPr>
+            <p:ph type="subTitle" idx="1"/>
+          </p:nvPr>
+        </p:nvSpPr>
+        <p:spPr>
+          <a:xfrm>
+            <a:off x="1524000" y="3602038"/>
+            <a:ext cx="9144000" cy="1655762"/>
+          </a:xfrm>
+        </p:spPr>
+        <p:txBody>
+          <a:bodyPr/>
+          <a:lstStyle>
+            <a:lvl1pPr marL="0" indent="0" algn="ctr">
+              <a:buNone/>
+              <a:defRPr sz="2400"/>
+            </a:lvl1pPr>
+            <a:lvl2pPr marL="457200" indent="0" algn="ctr">
+              <a:buNone/>
+              <a:defRPr sz="2000"/>
+            </a:lvl2pPr>
+            <a:lvl3pPr marL="914400" indent="0" algn="ctr">
+              <a:buNone/>
+              <a:defRPr sz="1800"/>
+            </a:lvl3pPr>
+            <a:lvl4pPr marL="1371600" indent="0" algn="ctr">
+              <a:buNone/>
+              <a:defRPr sz="1600"/>
+            </a:lvl4pPr>
+            <a:lvl5pPr marL="1828800" indent="0" algn="ctr">
+              <a:buNone/>
+              <a:defRPr sz="1600"/>
+            </a:lvl5pPr>
+            <a:lvl6pPr marL="2286000" indent="0" algn="ctr">
+              <a:buNone/>
+              <a:defRPr sz="1600"/>
+            </a:lvl6pPr>
+            <a:lvl7pPr marL="2743200" indent="0" algn="ctr">
+              <a:buNone/>
+              <a:defRPr sz="1600"/>
+            </a:lvl7pPr>
+            <a:lvl8pPr marL="3200400" indent="0" algn="ctr">
+              <a:buNone/>
+              <a:defRPr sz="1600"/>
+            </a:lvl8pPr>
+            <a:lvl9pPr marL="3657600" indent="0" algn="ctr">
+              <a:buNone/>
+              <a:defRPr sz="1600"/>
+            </a:lvl9pPr>
+          </a:lstStyle>
+          <a:p>
+            <a:r>
+              <a:rPr lang="en-US"/>
+              <a:t>Click to edit Master subtitle style</a:t>
+            </a:r>
+          </a:p>
+        </p:txBody>
+      </p:sp>
+      <p:sp>
+        <p:nvSpPr>
+          <p:cNvPr id="4" name="Date Placeholder 3">
+            <a:extLst>
+              <a:ext uri="{FF2B5EF4-FFF2-40B4-BE49-F238E27FC236}">
+                <a16:creationId xmlns:a16="http://schemas.microsoft.com/office/drawing/2014/main" id="{201492DC-8461-4836-9E21-524DCC85E2F8}"/>
+              </a:ext>
+            </a:extLst>
+          </p:cNvPr>
+          <p:cNvSpPr>
+            <a:spLocks noGrp="1"/>
+          </p:cNvSpPr>
+          <p:nvPr>
+            <p:ph type="dt" sz="half" idx="10"/>
+          </p:nvPr>
+        </p:nvSpPr>
+        <p:spPr/>
+        <p:txBody>
+          <a:bodyPr/>
+          <a:lstStyle/>
+          <a:p>
+            <a:fld id="{A8B89F18-586E-4B97-8EEA-25E99A190A89}" type="datetimeFigureOut">
+              <a:rPr lang="en-US" smtClean="0"/>
+              <a:t>9/20/2019</a:t>
+            </a:fld>
+            <a:endParaRPr lang="en-US"/>
+          </a:p>
+        </p:txBody>
+      </p:sp>
+      <p:sp>
+        <p:nvSpPr>
+          <p:cNvPr id="5" name="Footer Placeholder 4">
+            <a:extLst>
+              <a:ext uri="{FF2B5EF4-FFF2-40B4-BE49-F238E27FC236}">
+                <a16:creationId xmlns:a16="http://schemas.microsoft.com/office/drawing/2014/main" id="{054C7D34-A0FD-4074-B078-B3BA75038B8D}"/>
+              </a:ext>
+            </a:extLst>
+          </p:cNvPr>
+          <p:cNvSpPr>
+            <a:spLocks noGrp="1"/>
+          </p:cNvSpPr>
+          <p:nvPr>
+            <p:ph type="ftr" sz="quarter" idx="11"/>
+          </p:nvPr>
+        </p:nvSpPr>
+        <p:spPr/>
+        <p:txBody>
+          <a:bodyPr/>
+          <a:lstStyle/>
+          <a:p>
+            <a:endParaRPr lang="en-US"/>
+          </a:p>
+        </p:txBody>
+      </p:sp>
+      <p:sp>
+        <p:nvSpPr>
+          <p:cNvPr id="6" name="Slide Number Placeholder 5">
+            <a:extLst>
+              <a:ext uri="{FF2B5EF4-FFF2-40B4-BE49-F238E27FC236}">
+                <a16:creationId xmlns:a16="http://schemas.microsoft.com/office/drawing/2014/main" id="{E0DA2DEB-DB21-407E-8413-111EE54232B8}"/>
+              </a:ext>
+            </a:extLst>
+          </p:cNvPr>
+          <p:cNvSpPr>
+            <a:spLocks noGrp="1"/>
+          </p:cNvSpPr>
+          <p:nvPr>
+            <p:ph type="sldNum" sz="quarter" idx="12"/>
+          </p:nvPr>
+        </p:nvSpPr>
+        <p:spPr/>
+        <p:txBody>
+          <a:bodyPr/>
+          <a:lstStyle/>
+          <a:p>
+            <a:fld id="{734DA83B-C71A-4208-9071-1761995F3B54}" type="slidenum">
+              <a:rPr lang="en-US" smtClean="0"/>
+              <a:t>‹#›</a:t>
+            </a:fld>
+            <a:endParaRPr lang="en-US"/>
+          </a:p>
+        </p:txBody>
+      </p:sp>
+      <p:sp>
+        <p:nvSpPr>
+          <p:cNvPr id="7" name="Rectangle 6">
+            <a:extLst>
+              <a:ext uri="{FF2B5EF4-FFF2-40B4-BE49-F238E27FC236}">
+                <a16:creationId xmlns:a16="http://schemas.microsoft.com/office/drawing/2014/main" id="{9A60F4BD-D618-46FE-A21E-4D01A7E8252A}"/>
+              </a:ext>
+            </a:extLst>
+          </p:cNvPr>
+          <p:cNvSpPr/>
+          <p:nvPr userDrawn="1"/>
+        </p:nvSpPr>
+        <p:spPr>
+          <a:xfrm>
+            <a:off x="0" y="2000352"/>
+            <a:ext cx="12192001" cy="4095647"/>
           </a:xfrm>
           <a:prstGeom prst="rect">
             <a:avLst/>
           </a:prstGeom>
+          <a:solidFill>
+            <a:schemeClr val="accent1">
+              <a:lumMod val="75000"/>
+            </a:schemeClr>
+          </a:solidFill>
+          <a:ln>
+            <a:noFill/>
+          </a:ln>
         </p:spPr>
-      </p:pic>
-      <p:sp>
-        <p:nvSpPr>
-          <p:cNvPr id="2" name="Title 1"/>
-          <p:cNvSpPr>
-            <a:spLocks noGrp="1"/>
-          </p:cNvSpPr>
-          <p:nvPr>
-            <p:ph type="title" hasCustomPrompt="1"/>
-          </p:nvPr>
-        </p:nvSpPr>
-        <p:spPr>
+        <p:style>
+          <a:lnRef idx="2">
+            <a:schemeClr val="accent1">
+              <a:shade val="50000"/>
+            </a:schemeClr>
+          </a:lnRef>
+          <a:fillRef idx="1">
+            <a:schemeClr val="accent1"/>
+          </a:fillRef>
+          <a:effectRef idx="0">
+            <a:schemeClr val="accent1"/>
+          </a:effectRef>
+          <a:fontRef idx="minor">
+            <a:schemeClr val="lt1"/>
+          </a:fontRef>
+        </p:style>
+        <p:txBody>
+          <a:bodyPr rtlCol="0" anchor="ctr"/>
+          <a:lstStyle/>
+          <a:p>
+            <a:pPr algn="ctr"/>
+            <a:endParaRPr lang="en-US"/>
+          </a:p>
+        </p:txBody>
+      </p:sp>
+      <p:grpSp>
+        <p:nvGrpSpPr>
+          <p:cNvPr id="8" name="Group 7">
+            <a:extLst>
+              <a:ext uri="{FF2B5EF4-FFF2-40B4-BE49-F238E27FC236}">
+                <a16:creationId xmlns:a16="http://schemas.microsoft.com/office/drawing/2014/main" id="{66A8E738-65A4-408A-B7B1-B63AB06DB398}"/>
+              </a:ext>
+            </a:extLst>
+          </p:cNvPr>
+          <p:cNvGrpSpPr/>
+          <p:nvPr userDrawn="1"/>
+        </p:nvGrpSpPr>
+        <p:grpSpPr>
           <a:xfrm>
-            <a:off x="360364" y="360363"/>
-            <a:ext cx="10799762" cy="5759449"/>
+            <a:off x="2650114" y="2314574"/>
+            <a:ext cx="6891772" cy="3800475"/>
+            <a:chOff x="705301" y="2052365"/>
+            <a:chExt cx="5603844" cy="3090246"/>
           </a:xfrm>
-        </p:spPr>
-        <p:txBody>
-          <a:bodyPr anchor="ctr"/>
-          <a:lstStyle>
-            <a:lvl1pPr algn="r">
-              <a:defRPr sz="6000" b="0" i="0" cap="none">
-                <a:solidFill>
-                  <a:schemeClr val="accent1"/>
-                </a:solidFill>
-                <a:latin typeface="+mj-lt"/>
-                <a:cs typeface="Arial"/>
-              </a:defRPr>
-            </a:lvl1pPr>
-          </a:lstStyle>
-          <a:p>
-            <a:r>
-              <a:rPr lang="en-US" dirty="0"/>
-              <a:t>Section Title</a:t>
-            </a:r>
-          </a:p>
-        </p:txBody>
-      </p:sp>
+        </p:grpSpPr>
+        <p:pic>
+          <p:nvPicPr>
+            <p:cNvPr id="9" name="Picture 8">
+              <a:extLst>
+                <a:ext uri="{FF2B5EF4-FFF2-40B4-BE49-F238E27FC236}">
+                  <a16:creationId xmlns:a16="http://schemas.microsoft.com/office/drawing/2014/main" id="{3E917C65-B15F-44F1-B244-F15B84D43898}"/>
+                </a:ext>
+              </a:extLst>
+            </p:cNvPr>
+            <p:cNvPicPr>
+              <a:picLocks noChangeAspect="1"/>
+            </p:cNvPicPr>
+            <p:nvPr/>
+          </p:nvPicPr>
+          <p:blipFill>
+            <a:blip r:embed="rId2">
+              <a:extLst>
+                <a:ext uri="{28A0092B-C50C-407E-A947-70E740481C1C}">
+                  <a14:useLocalDpi xmlns:a14="http://schemas.microsoft.com/office/drawing/2010/main" val="0"/>
+                </a:ext>
+              </a:extLst>
+            </a:blip>
+            <a:stretch>
+              <a:fillRect/>
+            </a:stretch>
+          </p:blipFill>
+          <p:spPr>
+            <a:xfrm>
+              <a:off x="705301" y="2052365"/>
+              <a:ext cx="5603844" cy="3090246"/>
+            </a:xfrm>
+            <a:prstGeom prst="rect">
+              <a:avLst/>
+            </a:prstGeom>
+            <a:effectLst>
+              <a:outerShdw blurRad="50800" dist="38100" dir="5400000" algn="t" rotWithShape="0">
+                <a:prstClr val="black">
+                  <a:alpha val="40000"/>
+                </a:prstClr>
+              </a:outerShdw>
+            </a:effectLst>
+          </p:spPr>
+        </p:pic>
+        <p:pic>
+          <p:nvPicPr>
+            <p:cNvPr id="10" name="Picture 9">
+              <a:extLst>
+                <a:ext uri="{FF2B5EF4-FFF2-40B4-BE49-F238E27FC236}">
+                  <a16:creationId xmlns:a16="http://schemas.microsoft.com/office/drawing/2014/main" id="{2BB851EE-FA6A-48C5-BC65-7F259D86C208}"/>
+                </a:ext>
+              </a:extLst>
+            </p:cNvPr>
+            <p:cNvPicPr>
+              <a:picLocks noChangeAspect="1"/>
+            </p:cNvPicPr>
+            <p:nvPr/>
+          </p:nvPicPr>
+          <p:blipFill>
+            <a:blip r:embed="rId3">
+              <a:extLst>
+                <a:ext uri="{28A0092B-C50C-407E-A947-70E740481C1C}">
+                  <a14:useLocalDpi xmlns:a14="http://schemas.microsoft.com/office/drawing/2010/main" val="0"/>
+                </a:ext>
+              </a:extLst>
+            </a:blip>
+            <a:stretch>
+              <a:fillRect/>
+            </a:stretch>
+          </p:blipFill>
+          <p:spPr>
+            <a:xfrm>
+              <a:off x="1264843" y="2298120"/>
+              <a:ext cx="4484760" cy="2473126"/>
+            </a:xfrm>
+            <a:prstGeom prst="rect">
+              <a:avLst/>
+            </a:prstGeom>
+            <a:effectLst>
+              <a:outerShdw blurRad="50800" dist="38100" dir="2700000" algn="tl" rotWithShape="0">
+                <a:schemeClr val="bg1">
+                  <a:alpha val="40000"/>
+                </a:schemeClr>
+              </a:outerShdw>
+            </a:effectLst>
+          </p:spPr>
+        </p:pic>
+      </p:grpSp>
     </p:spTree>
     <p:extLst>
       <p:ext uri="{BB962C8B-B14F-4D97-AF65-F5344CB8AC3E}">
-        <p14:creationId xmlns:p14="http://schemas.microsoft.com/office/powerpoint/2010/main" val="3510596381"/>
+        <p14:creationId xmlns:p14="http://schemas.microsoft.com/office/powerpoint/2010/main" val="3665776186"/>
       </p:ext>
     </p:extLst>
   </p:cSld>
@@ -1120,7 +1420,801 @@
 </p:sldLayout>
 </file>
 
-<file path=ppt/slideLayouts/slideLayout3.xml><?xml version="1.0" encoding="utf-8"?>
+<file path=ppt/slideLayouts/slideLayout10.xml><?xml version="1.0" encoding="utf-8"?>
+<p:sldLayout xmlns:a="http://schemas.openxmlformats.org/drawingml/2006/main" xmlns:r="http://schemas.openxmlformats.org/officeDocument/2006/relationships" xmlns:p="http://schemas.openxmlformats.org/presentationml/2006/main" type="vertTx" preserve="1">
+  <p:cSld name="Title and Vertical Text">
+    <p:spTree>
+      <p:nvGrpSpPr>
+        <p:cNvPr id="1" name=""/>
+        <p:cNvGrpSpPr/>
+        <p:nvPr/>
+      </p:nvGrpSpPr>
+      <p:grpSpPr>
+        <a:xfrm>
+          <a:off x="0" y="0"/>
+          <a:ext cx="0" cy="0"/>
+          <a:chOff x="0" y="0"/>
+          <a:chExt cx="0" cy="0"/>
+        </a:xfrm>
+      </p:grpSpPr>
+      <p:sp>
+        <p:nvSpPr>
+          <p:cNvPr id="2" name="Title 1">
+            <a:extLst>
+              <a:ext uri="{FF2B5EF4-FFF2-40B4-BE49-F238E27FC236}">
+                <a16:creationId xmlns:a16="http://schemas.microsoft.com/office/drawing/2014/main" id="{5815DB23-F30D-4CC5-8411-7C44E06D5F33}"/>
+              </a:ext>
+            </a:extLst>
+          </p:cNvPr>
+          <p:cNvSpPr>
+            <a:spLocks noGrp="1"/>
+          </p:cNvSpPr>
+          <p:nvPr>
+            <p:ph type="title"/>
+          </p:nvPr>
+        </p:nvSpPr>
+        <p:spPr/>
+        <p:txBody>
+          <a:bodyPr/>
+          <a:lstStyle/>
+          <a:p>
+            <a:r>
+              <a:rPr lang="en-US"/>
+              <a:t>Click to edit Master title style</a:t>
+            </a:r>
+          </a:p>
+        </p:txBody>
+      </p:sp>
+      <p:sp>
+        <p:nvSpPr>
+          <p:cNvPr id="3" name="Vertical Text Placeholder 2">
+            <a:extLst>
+              <a:ext uri="{FF2B5EF4-FFF2-40B4-BE49-F238E27FC236}">
+                <a16:creationId xmlns:a16="http://schemas.microsoft.com/office/drawing/2014/main" id="{8CA3A959-CC93-4F3C-8A3F-8E784D74F891}"/>
+              </a:ext>
+            </a:extLst>
+          </p:cNvPr>
+          <p:cNvSpPr>
+            <a:spLocks noGrp="1"/>
+          </p:cNvSpPr>
+          <p:nvPr>
+            <p:ph type="body" orient="vert" idx="1"/>
+          </p:nvPr>
+        </p:nvSpPr>
+        <p:spPr/>
+        <p:txBody>
+          <a:bodyPr vert="eaVert"/>
+          <a:lstStyle/>
+          <a:p>
+            <a:pPr lvl="0"/>
+            <a:r>
+              <a:rPr lang="en-US"/>
+              <a:t>Edit Master text styles</a:t>
+            </a:r>
+          </a:p>
+          <a:p>
+            <a:pPr lvl="1"/>
+            <a:r>
+              <a:rPr lang="en-US"/>
+              <a:t>Second level</a:t>
+            </a:r>
+          </a:p>
+          <a:p>
+            <a:pPr lvl="2"/>
+            <a:r>
+              <a:rPr lang="en-US"/>
+              <a:t>Third level</a:t>
+            </a:r>
+          </a:p>
+          <a:p>
+            <a:pPr lvl="3"/>
+            <a:r>
+              <a:rPr lang="en-US"/>
+              <a:t>Fourth level</a:t>
+            </a:r>
+          </a:p>
+          <a:p>
+            <a:pPr lvl="4"/>
+            <a:r>
+              <a:rPr lang="en-US"/>
+              <a:t>Fifth level</a:t>
+            </a:r>
+          </a:p>
+        </p:txBody>
+      </p:sp>
+      <p:sp>
+        <p:nvSpPr>
+          <p:cNvPr id="4" name="Date Placeholder 3">
+            <a:extLst>
+              <a:ext uri="{FF2B5EF4-FFF2-40B4-BE49-F238E27FC236}">
+                <a16:creationId xmlns:a16="http://schemas.microsoft.com/office/drawing/2014/main" id="{2D9B013D-64E4-4C06-BFA8-F16F9F1D8335}"/>
+              </a:ext>
+            </a:extLst>
+          </p:cNvPr>
+          <p:cNvSpPr>
+            <a:spLocks noGrp="1"/>
+          </p:cNvSpPr>
+          <p:nvPr>
+            <p:ph type="dt" sz="half" idx="10"/>
+          </p:nvPr>
+        </p:nvSpPr>
+        <p:spPr/>
+        <p:txBody>
+          <a:bodyPr/>
+          <a:lstStyle/>
+          <a:p>
+            <a:fld id="{A8B89F18-586E-4B97-8EEA-25E99A190A89}" type="datetimeFigureOut">
+              <a:rPr lang="en-US" smtClean="0"/>
+              <a:t>9/20/2019</a:t>
+            </a:fld>
+            <a:endParaRPr lang="en-US"/>
+          </a:p>
+        </p:txBody>
+      </p:sp>
+      <p:sp>
+        <p:nvSpPr>
+          <p:cNvPr id="5" name="Footer Placeholder 4">
+            <a:extLst>
+              <a:ext uri="{FF2B5EF4-FFF2-40B4-BE49-F238E27FC236}">
+                <a16:creationId xmlns:a16="http://schemas.microsoft.com/office/drawing/2014/main" id="{F3AA2ED4-C5D4-4EF7-9D54-03E2F42333D1}"/>
+              </a:ext>
+            </a:extLst>
+          </p:cNvPr>
+          <p:cNvSpPr>
+            <a:spLocks noGrp="1"/>
+          </p:cNvSpPr>
+          <p:nvPr>
+            <p:ph type="ftr" sz="quarter" idx="11"/>
+          </p:nvPr>
+        </p:nvSpPr>
+        <p:spPr/>
+        <p:txBody>
+          <a:bodyPr/>
+          <a:lstStyle/>
+          <a:p>
+            <a:endParaRPr lang="en-US"/>
+          </a:p>
+        </p:txBody>
+      </p:sp>
+      <p:sp>
+        <p:nvSpPr>
+          <p:cNvPr id="6" name="Slide Number Placeholder 5">
+            <a:extLst>
+              <a:ext uri="{FF2B5EF4-FFF2-40B4-BE49-F238E27FC236}">
+                <a16:creationId xmlns:a16="http://schemas.microsoft.com/office/drawing/2014/main" id="{4A1CB409-BD9C-4D48-8465-FF82F459094F}"/>
+              </a:ext>
+            </a:extLst>
+          </p:cNvPr>
+          <p:cNvSpPr>
+            <a:spLocks noGrp="1"/>
+          </p:cNvSpPr>
+          <p:nvPr>
+            <p:ph type="sldNum" sz="quarter" idx="12"/>
+          </p:nvPr>
+        </p:nvSpPr>
+        <p:spPr/>
+        <p:txBody>
+          <a:bodyPr/>
+          <a:lstStyle/>
+          <a:p>
+            <a:fld id="{734DA83B-C71A-4208-9071-1761995F3B54}" type="slidenum">
+              <a:rPr lang="en-US" smtClean="0"/>
+              <a:t>‹#›</a:t>
+            </a:fld>
+            <a:endParaRPr lang="en-US"/>
+          </a:p>
+        </p:txBody>
+      </p:sp>
+      <p:grpSp>
+        <p:nvGrpSpPr>
+          <p:cNvPr id="7" name="Group 6">
+            <a:extLst>
+              <a:ext uri="{FF2B5EF4-FFF2-40B4-BE49-F238E27FC236}">
+                <a16:creationId xmlns:a16="http://schemas.microsoft.com/office/drawing/2014/main" id="{19F06454-F795-403D-9076-E42B98BD12A4}"/>
+              </a:ext>
+            </a:extLst>
+          </p:cNvPr>
+          <p:cNvGrpSpPr/>
+          <p:nvPr userDrawn="1"/>
+        </p:nvGrpSpPr>
+        <p:grpSpPr>
+          <a:xfrm>
+            <a:off x="0" y="5776566"/>
+            <a:ext cx="12192001" cy="1081434"/>
+            <a:chOff x="0" y="5776566"/>
+            <a:chExt cx="12192001" cy="1081434"/>
+          </a:xfrm>
+        </p:grpSpPr>
+        <p:sp>
+          <p:nvSpPr>
+            <p:cNvPr id="8" name="Rectangle 7">
+              <a:extLst>
+                <a:ext uri="{FF2B5EF4-FFF2-40B4-BE49-F238E27FC236}">
+                  <a16:creationId xmlns:a16="http://schemas.microsoft.com/office/drawing/2014/main" id="{8A5B04B4-88E1-4325-AD07-B54AB6179D2A}"/>
+                </a:ext>
+              </a:extLst>
+            </p:cNvPr>
+            <p:cNvSpPr/>
+            <p:nvPr/>
+          </p:nvSpPr>
+          <p:spPr>
+            <a:xfrm>
+              <a:off x="0" y="6098596"/>
+              <a:ext cx="12192001" cy="759404"/>
+            </a:xfrm>
+            <a:prstGeom prst="rect">
+              <a:avLst/>
+            </a:prstGeom>
+            <a:gradFill flip="none" rotWithShape="1">
+              <a:gsLst>
+                <a:gs pos="0">
+                  <a:schemeClr val="bg1"/>
+                </a:gs>
+                <a:gs pos="0">
+                  <a:srgbClr val="0070C0"/>
+                </a:gs>
+                <a:gs pos="90000">
+                  <a:schemeClr val="bg1"/>
+                </a:gs>
+              </a:gsLst>
+              <a:path path="circle">
+                <a:fillToRect l="100000" t="100000"/>
+              </a:path>
+              <a:tileRect r="-100000" b="-100000"/>
+            </a:gradFill>
+            <a:ln>
+              <a:noFill/>
+            </a:ln>
+          </p:spPr>
+          <p:style>
+            <a:lnRef idx="2">
+              <a:schemeClr val="accent1">
+                <a:shade val="50000"/>
+              </a:schemeClr>
+            </a:lnRef>
+            <a:fillRef idx="1">
+              <a:schemeClr val="accent1"/>
+            </a:fillRef>
+            <a:effectRef idx="0">
+              <a:schemeClr val="accent1"/>
+            </a:effectRef>
+            <a:fontRef idx="minor">
+              <a:schemeClr val="lt1"/>
+            </a:fontRef>
+          </p:style>
+          <p:txBody>
+            <a:bodyPr rtlCol="0" anchor="ctr"/>
+            <a:lstStyle/>
+            <a:p>
+              <a:pPr algn="ctr"/>
+              <a:endParaRPr lang="en-US"/>
+            </a:p>
+          </p:txBody>
+        </p:sp>
+        <p:grpSp>
+          <p:nvGrpSpPr>
+            <p:cNvPr id="9" name="Group 8">
+              <a:extLst>
+                <a:ext uri="{FF2B5EF4-FFF2-40B4-BE49-F238E27FC236}">
+                  <a16:creationId xmlns:a16="http://schemas.microsoft.com/office/drawing/2014/main" id="{2D223A44-F2B7-44CC-BDC7-16983D25995A}"/>
+                </a:ext>
+              </a:extLst>
+            </p:cNvPr>
+            <p:cNvGrpSpPr/>
+            <p:nvPr/>
+          </p:nvGrpSpPr>
+          <p:grpSpPr>
+            <a:xfrm>
+              <a:off x="136116" y="5776566"/>
+              <a:ext cx="1766413" cy="974090"/>
+              <a:chOff x="705301" y="2052365"/>
+              <a:chExt cx="5603844" cy="3090246"/>
+            </a:xfrm>
+          </p:grpSpPr>
+          <p:pic>
+            <p:nvPicPr>
+              <p:cNvPr id="10" name="Picture 9">
+                <a:extLst>
+                  <a:ext uri="{FF2B5EF4-FFF2-40B4-BE49-F238E27FC236}">
+                    <a16:creationId xmlns:a16="http://schemas.microsoft.com/office/drawing/2014/main" id="{55462190-5DA2-476E-A460-8FD4B29BCD23}"/>
+                  </a:ext>
+                </a:extLst>
+              </p:cNvPr>
+              <p:cNvPicPr>
+                <a:picLocks noChangeAspect="1"/>
+              </p:cNvPicPr>
+              <p:nvPr/>
+            </p:nvPicPr>
+            <p:blipFill>
+              <a:blip r:embed="rId2">
+                <a:extLst>
+                  <a:ext uri="{28A0092B-C50C-407E-A947-70E740481C1C}">
+                    <a14:useLocalDpi xmlns:a14="http://schemas.microsoft.com/office/drawing/2010/main" val="0"/>
+                  </a:ext>
+                </a:extLst>
+              </a:blip>
+              <a:stretch>
+                <a:fillRect/>
+              </a:stretch>
+            </p:blipFill>
+            <p:spPr>
+              <a:xfrm>
+                <a:off x="705301" y="2052365"/>
+                <a:ext cx="5603844" cy="3090246"/>
+              </a:xfrm>
+              <a:prstGeom prst="rect">
+                <a:avLst/>
+              </a:prstGeom>
+              <a:effectLst>
+                <a:outerShdw blurRad="50800" dist="38100" dir="5400000" algn="t" rotWithShape="0">
+                  <a:prstClr val="black">
+                    <a:alpha val="40000"/>
+                  </a:prstClr>
+                </a:outerShdw>
+              </a:effectLst>
+            </p:spPr>
+          </p:pic>
+          <p:pic>
+            <p:nvPicPr>
+              <p:cNvPr id="11" name="Picture 10">
+                <a:extLst>
+                  <a:ext uri="{FF2B5EF4-FFF2-40B4-BE49-F238E27FC236}">
+                    <a16:creationId xmlns:a16="http://schemas.microsoft.com/office/drawing/2014/main" id="{22152774-1778-4CAB-BF76-26F46FF7F763}"/>
+                  </a:ext>
+                </a:extLst>
+              </p:cNvPr>
+              <p:cNvPicPr>
+                <a:picLocks noChangeAspect="1"/>
+              </p:cNvPicPr>
+              <p:nvPr/>
+            </p:nvPicPr>
+            <p:blipFill>
+              <a:blip r:embed="rId3">
+                <a:extLst>
+                  <a:ext uri="{28A0092B-C50C-407E-A947-70E740481C1C}">
+                    <a14:useLocalDpi xmlns:a14="http://schemas.microsoft.com/office/drawing/2010/main" val="0"/>
+                  </a:ext>
+                </a:extLst>
+              </a:blip>
+              <a:stretch>
+                <a:fillRect/>
+              </a:stretch>
+            </p:blipFill>
+            <p:spPr>
+              <a:xfrm>
+                <a:off x="1264843" y="2298120"/>
+                <a:ext cx="4484760" cy="2473126"/>
+              </a:xfrm>
+              <a:prstGeom prst="rect">
+                <a:avLst/>
+              </a:prstGeom>
+              <a:effectLst>
+                <a:outerShdw blurRad="50800" dist="38100" dir="2700000" algn="tl" rotWithShape="0">
+                  <a:schemeClr val="bg1">
+                    <a:alpha val="40000"/>
+                  </a:schemeClr>
+                </a:outerShdw>
+              </a:effectLst>
+            </p:spPr>
+          </p:pic>
+        </p:grpSp>
+      </p:grpSp>
+    </p:spTree>
+    <p:extLst>
+      <p:ext uri="{BB962C8B-B14F-4D97-AF65-F5344CB8AC3E}">
+        <p14:creationId xmlns:p14="http://schemas.microsoft.com/office/powerpoint/2010/main" val="851452715"/>
+      </p:ext>
+    </p:extLst>
+  </p:cSld>
+  <p:clrMapOvr>
+    <a:masterClrMapping/>
+  </p:clrMapOvr>
+</p:sldLayout>
+</file>
+
+<file path=ppt/slideLayouts/slideLayout11.xml><?xml version="1.0" encoding="utf-8"?>
+<p:sldLayout xmlns:a="http://schemas.openxmlformats.org/drawingml/2006/main" xmlns:r="http://schemas.openxmlformats.org/officeDocument/2006/relationships" xmlns:p="http://schemas.openxmlformats.org/presentationml/2006/main" type="vertTitleAndTx" preserve="1">
+  <p:cSld name="Vertical Title and Text">
+    <p:spTree>
+      <p:nvGrpSpPr>
+        <p:cNvPr id="1" name=""/>
+        <p:cNvGrpSpPr/>
+        <p:nvPr/>
+      </p:nvGrpSpPr>
+      <p:grpSpPr>
+        <a:xfrm>
+          <a:off x="0" y="0"/>
+          <a:ext cx="0" cy="0"/>
+          <a:chOff x="0" y="0"/>
+          <a:chExt cx="0" cy="0"/>
+        </a:xfrm>
+      </p:grpSpPr>
+      <p:sp>
+        <p:nvSpPr>
+          <p:cNvPr id="2" name="Vertical Title 1">
+            <a:extLst>
+              <a:ext uri="{FF2B5EF4-FFF2-40B4-BE49-F238E27FC236}">
+                <a16:creationId xmlns:a16="http://schemas.microsoft.com/office/drawing/2014/main" id="{E2357770-8BAD-4844-961C-A1622014AA89}"/>
+              </a:ext>
+            </a:extLst>
+          </p:cNvPr>
+          <p:cNvSpPr>
+            <a:spLocks noGrp="1"/>
+          </p:cNvSpPr>
+          <p:nvPr>
+            <p:ph type="title" orient="vert"/>
+          </p:nvPr>
+        </p:nvSpPr>
+        <p:spPr>
+          <a:xfrm>
+            <a:off x="8724900" y="365125"/>
+            <a:ext cx="2628900" cy="5811838"/>
+          </a:xfrm>
+        </p:spPr>
+        <p:txBody>
+          <a:bodyPr vert="eaVert"/>
+          <a:lstStyle/>
+          <a:p>
+            <a:r>
+              <a:rPr lang="en-US"/>
+              <a:t>Click to edit Master title style</a:t>
+            </a:r>
+          </a:p>
+        </p:txBody>
+      </p:sp>
+      <p:sp>
+        <p:nvSpPr>
+          <p:cNvPr id="3" name="Vertical Text Placeholder 2">
+            <a:extLst>
+              <a:ext uri="{FF2B5EF4-FFF2-40B4-BE49-F238E27FC236}">
+                <a16:creationId xmlns:a16="http://schemas.microsoft.com/office/drawing/2014/main" id="{9A9F6C07-159E-44FC-99AA-A00C2D1C8EF4}"/>
+              </a:ext>
+            </a:extLst>
+          </p:cNvPr>
+          <p:cNvSpPr>
+            <a:spLocks noGrp="1"/>
+          </p:cNvSpPr>
+          <p:nvPr>
+            <p:ph type="body" orient="vert" idx="1"/>
+          </p:nvPr>
+        </p:nvSpPr>
+        <p:spPr>
+          <a:xfrm>
+            <a:off x="838200" y="365125"/>
+            <a:ext cx="7734300" cy="5811838"/>
+          </a:xfrm>
+        </p:spPr>
+        <p:txBody>
+          <a:bodyPr vert="eaVert"/>
+          <a:lstStyle/>
+          <a:p>
+            <a:pPr lvl="0"/>
+            <a:r>
+              <a:rPr lang="en-US"/>
+              <a:t>Edit Master text styles</a:t>
+            </a:r>
+          </a:p>
+          <a:p>
+            <a:pPr lvl="1"/>
+            <a:r>
+              <a:rPr lang="en-US"/>
+              <a:t>Second level</a:t>
+            </a:r>
+          </a:p>
+          <a:p>
+            <a:pPr lvl="2"/>
+            <a:r>
+              <a:rPr lang="en-US"/>
+              <a:t>Third level</a:t>
+            </a:r>
+          </a:p>
+          <a:p>
+            <a:pPr lvl="3"/>
+            <a:r>
+              <a:rPr lang="en-US"/>
+              <a:t>Fourth level</a:t>
+            </a:r>
+          </a:p>
+          <a:p>
+            <a:pPr lvl="4"/>
+            <a:r>
+              <a:rPr lang="en-US"/>
+              <a:t>Fifth level</a:t>
+            </a:r>
+          </a:p>
+        </p:txBody>
+      </p:sp>
+      <p:sp>
+        <p:nvSpPr>
+          <p:cNvPr id="4" name="Date Placeholder 3">
+            <a:extLst>
+              <a:ext uri="{FF2B5EF4-FFF2-40B4-BE49-F238E27FC236}">
+                <a16:creationId xmlns:a16="http://schemas.microsoft.com/office/drawing/2014/main" id="{5FDBECF2-A395-401A-81FE-39567DB2BBBB}"/>
+              </a:ext>
+            </a:extLst>
+          </p:cNvPr>
+          <p:cNvSpPr>
+            <a:spLocks noGrp="1"/>
+          </p:cNvSpPr>
+          <p:nvPr>
+            <p:ph type="dt" sz="half" idx="10"/>
+          </p:nvPr>
+        </p:nvSpPr>
+        <p:spPr/>
+        <p:txBody>
+          <a:bodyPr/>
+          <a:lstStyle/>
+          <a:p>
+            <a:fld id="{A8B89F18-586E-4B97-8EEA-25E99A190A89}" type="datetimeFigureOut">
+              <a:rPr lang="en-US" smtClean="0"/>
+              <a:t>9/20/2019</a:t>
+            </a:fld>
+            <a:endParaRPr lang="en-US"/>
+          </a:p>
+        </p:txBody>
+      </p:sp>
+      <p:sp>
+        <p:nvSpPr>
+          <p:cNvPr id="5" name="Footer Placeholder 4">
+            <a:extLst>
+              <a:ext uri="{FF2B5EF4-FFF2-40B4-BE49-F238E27FC236}">
+                <a16:creationId xmlns:a16="http://schemas.microsoft.com/office/drawing/2014/main" id="{52B1C221-93CC-4CB3-8072-CF99F731688A}"/>
+              </a:ext>
+            </a:extLst>
+          </p:cNvPr>
+          <p:cNvSpPr>
+            <a:spLocks noGrp="1"/>
+          </p:cNvSpPr>
+          <p:nvPr>
+            <p:ph type="ftr" sz="quarter" idx="11"/>
+          </p:nvPr>
+        </p:nvSpPr>
+        <p:spPr/>
+        <p:txBody>
+          <a:bodyPr/>
+          <a:lstStyle/>
+          <a:p>
+            <a:endParaRPr lang="en-US"/>
+          </a:p>
+        </p:txBody>
+      </p:sp>
+      <p:sp>
+        <p:nvSpPr>
+          <p:cNvPr id="6" name="Slide Number Placeholder 5">
+            <a:extLst>
+              <a:ext uri="{FF2B5EF4-FFF2-40B4-BE49-F238E27FC236}">
+                <a16:creationId xmlns:a16="http://schemas.microsoft.com/office/drawing/2014/main" id="{A254B178-2CD0-406F-8352-F427C7776CEB}"/>
+              </a:ext>
+            </a:extLst>
+          </p:cNvPr>
+          <p:cNvSpPr>
+            <a:spLocks noGrp="1"/>
+          </p:cNvSpPr>
+          <p:nvPr>
+            <p:ph type="sldNum" sz="quarter" idx="12"/>
+          </p:nvPr>
+        </p:nvSpPr>
+        <p:spPr/>
+        <p:txBody>
+          <a:bodyPr/>
+          <a:lstStyle/>
+          <a:p>
+            <a:fld id="{734DA83B-C71A-4208-9071-1761995F3B54}" type="slidenum">
+              <a:rPr lang="en-US" smtClean="0"/>
+              <a:t>‹#›</a:t>
+            </a:fld>
+            <a:endParaRPr lang="en-US"/>
+          </a:p>
+        </p:txBody>
+      </p:sp>
+      <p:grpSp>
+        <p:nvGrpSpPr>
+          <p:cNvPr id="7" name="Group 6">
+            <a:extLst>
+              <a:ext uri="{FF2B5EF4-FFF2-40B4-BE49-F238E27FC236}">
+                <a16:creationId xmlns:a16="http://schemas.microsoft.com/office/drawing/2014/main" id="{7D800DB2-FCD1-4F4E-8982-9040BD5C83B1}"/>
+              </a:ext>
+            </a:extLst>
+          </p:cNvPr>
+          <p:cNvGrpSpPr/>
+          <p:nvPr userDrawn="1"/>
+        </p:nvGrpSpPr>
+        <p:grpSpPr>
+          <a:xfrm>
+            <a:off x="0" y="5776566"/>
+            <a:ext cx="12192001" cy="1081434"/>
+            <a:chOff x="0" y="5776566"/>
+            <a:chExt cx="12192001" cy="1081434"/>
+          </a:xfrm>
+        </p:grpSpPr>
+        <p:sp>
+          <p:nvSpPr>
+            <p:cNvPr id="8" name="Rectangle 7">
+              <a:extLst>
+                <a:ext uri="{FF2B5EF4-FFF2-40B4-BE49-F238E27FC236}">
+                  <a16:creationId xmlns:a16="http://schemas.microsoft.com/office/drawing/2014/main" id="{777EE9BE-265B-403E-9148-E040253F2BED}"/>
+                </a:ext>
+              </a:extLst>
+            </p:cNvPr>
+            <p:cNvSpPr/>
+            <p:nvPr/>
+          </p:nvSpPr>
+          <p:spPr>
+            <a:xfrm>
+              <a:off x="0" y="6098596"/>
+              <a:ext cx="12192001" cy="759404"/>
+            </a:xfrm>
+            <a:prstGeom prst="rect">
+              <a:avLst/>
+            </a:prstGeom>
+            <a:gradFill flip="none" rotWithShape="1">
+              <a:gsLst>
+                <a:gs pos="0">
+                  <a:schemeClr val="bg1"/>
+                </a:gs>
+                <a:gs pos="0">
+                  <a:srgbClr val="0070C0"/>
+                </a:gs>
+                <a:gs pos="90000">
+                  <a:schemeClr val="bg1"/>
+                </a:gs>
+              </a:gsLst>
+              <a:path path="circle">
+                <a:fillToRect l="100000" t="100000"/>
+              </a:path>
+              <a:tileRect r="-100000" b="-100000"/>
+            </a:gradFill>
+            <a:ln>
+              <a:noFill/>
+            </a:ln>
+          </p:spPr>
+          <p:style>
+            <a:lnRef idx="2">
+              <a:schemeClr val="accent1">
+                <a:shade val="50000"/>
+              </a:schemeClr>
+            </a:lnRef>
+            <a:fillRef idx="1">
+              <a:schemeClr val="accent1"/>
+            </a:fillRef>
+            <a:effectRef idx="0">
+              <a:schemeClr val="accent1"/>
+            </a:effectRef>
+            <a:fontRef idx="minor">
+              <a:schemeClr val="lt1"/>
+            </a:fontRef>
+          </p:style>
+          <p:txBody>
+            <a:bodyPr rtlCol="0" anchor="ctr"/>
+            <a:lstStyle/>
+            <a:p>
+              <a:pPr algn="ctr"/>
+              <a:endParaRPr lang="en-US"/>
+            </a:p>
+          </p:txBody>
+        </p:sp>
+        <p:grpSp>
+          <p:nvGrpSpPr>
+            <p:cNvPr id="9" name="Group 8">
+              <a:extLst>
+                <a:ext uri="{FF2B5EF4-FFF2-40B4-BE49-F238E27FC236}">
+                  <a16:creationId xmlns:a16="http://schemas.microsoft.com/office/drawing/2014/main" id="{39F59F1F-CE37-45C2-814D-969418F30935}"/>
+                </a:ext>
+              </a:extLst>
+            </p:cNvPr>
+            <p:cNvGrpSpPr/>
+            <p:nvPr/>
+          </p:nvGrpSpPr>
+          <p:grpSpPr>
+            <a:xfrm>
+              <a:off x="136116" y="5776566"/>
+              <a:ext cx="1766413" cy="974090"/>
+              <a:chOff x="705301" y="2052365"/>
+              <a:chExt cx="5603844" cy="3090246"/>
+            </a:xfrm>
+          </p:grpSpPr>
+          <p:pic>
+            <p:nvPicPr>
+              <p:cNvPr id="10" name="Picture 9">
+                <a:extLst>
+                  <a:ext uri="{FF2B5EF4-FFF2-40B4-BE49-F238E27FC236}">
+                    <a16:creationId xmlns:a16="http://schemas.microsoft.com/office/drawing/2014/main" id="{E49F4CB4-5F23-4C71-9C19-48DBA8A4CE3B}"/>
+                  </a:ext>
+                </a:extLst>
+              </p:cNvPr>
+              <p:cNvPicPr>
+                <a:picLocks noChangeAspect="1"/>
+              </p:cNvPicPr>
+              <p:nvPr/>
+            </p:nvPicPr>
+            <p:blipFill>
+              <a:blip r:embed="rId2">
+                <a:extLst>
+                  <a:ext uri="{28A0092B-C50C-407E-A947-70E740481C1C}">
+                    <a14:useLocalDpi xmlns:a14="http://schemas.microsoft.com/office/drawing/2010/main" val="0"/>
+                  </a:ext>
+                </a:extLst>
+              </a:blip>
+              <a:stretch>
+                <a:fillRect/>
+              </a:stretch>
+            </p:blipFill>
+            <p:spPr>
+              <a:xfrm>
+                <a:off x="705301" y="2052365"/>
+                <a:ext cx="5603844" cy="3090246"/>
+              </a:xfrm>
+              <a:prstGeom prst="rect">
+                <a:avLst/>
+              </a:prstGeom>
+              <a:effectLst>
+                <a:outerShdw blurRad="50800" dist="38100" dir="5400000" algn="t" rotWithShape="0">
+                  <a:prstClr val="black">
+                    <a:alpha val="40000"/>
+                  </a:prstClr>
+                </a:outerShdw>
+              </a:effectLst>
+            </p:spPr>
+          </p:pic>
+          <p:pic>
+            <p:nvPicPr>
+              <p:cNvPr id="11" name="Picture 10">
+                <a:extLst>
+                  <a:ext uri="{FF2B5EF4-FFF2-40B4-BE49-F238E27FC236}">
+                    <a16:creationId xmlns:a16="http://schemas.microsoft.com/office/drawing/2014/main" id="{5755F92A-2289-459F-9399-87883D40DCE5}"/>
+                  </a:ext>
+                </a:extLst>
+              </p:cNvPr>
+              <p:cNvPicPr>
+                <a:picLocks noChangeAspect="1"/>
+              </p:cNvPicPr>
+              <p:nvPr/>
+            </p:nvPicPr>
+            <p:blipFill>
+              <a:blip r:embed="rId3">
+                <a:extLst>
+                  <a:ext uri="{28A0092B-C50C-407E-A947-70E740481C1C}">
+                    <a14:useLocalDpi xmlns:a14="http://schemas.microsoft.com/office/drawing/2010/main" val="0"/>
+                  </a:ext>
+                </a:extLst>
+              </a:blip>
+              <a:stretch>
+                <a:fillRect/>
+              </a:stretch>
+            </p:blipFill>
+            <p:spPr>
+              <a:xfrm>
+                <a:off x="1264843" y="2298120"/>
+                <a:ext cx="4484760" cy="2473126"/>
+              </a:xfrm>
+              <a:prstGeom prst="rect">
+                <a:avLst/>
+              </a:prstGeom>
+              <a:effectLst>
+                <a:outerShdw blurRad="50800" dist="38100" dir="2700000" algn="tl" rotWithShape="0">
+                  <a:schemeClr val="bg1">
+                    <a:alpha val="40000"/>
+                  </a:schemeClr>
+                </a:outerShdw>
+              </a:effectLst>
+            </p:spPr>
+          </p:pic>
+        </p:grpSp>
+      </p:grpSp>
+    </p:spTree>
+    <p:extLst>
+      <p:ext uri="{BB962C8B-B14F-4D97-AF65-F5344CB8AC3E}">
+        <p14:creationId xmlns:p14="http://schemas.microsoft.com/office/powerpoint/2010/main" val="2012849990"/>
+      </p:ext>
+    </p:extLst>
+  </p:cSld>
+  <p:clrMapOvr>
+    <a:masterClrMapping/>
+  </p:clrMapOvr>
+</p:sldLayout>
+</file>
+
+<file path=ppt/slideLayouts/slideLayout2.xml><?xml version="1.0" encoding="utf-8"?>
 <p:sldLayout xmlns:a="http://schemas.openxmlformats.org/drawingml/2006/main" xmlns:r="http://schemas.openxmlformats.org/officeDocument/2006/relationships" xmlns:p="http://schemas.openxmlformats.org/presentationml/2006/main" type="obj" preserve="1">
   <p:cSld name="Title and Content">
     <p:spTree>
@@ -1139,7 +2233,13 @@
       </p:grpSpPr>
       <p:sp>
         <p:nvSpPr>
-          <p:cNvPr id="2" name="Title 1"/>
+          <p:cNvPr id="2" name="Title 1">
+            <a:extLst>
+              <a:ext uri="{FF2B5EF4-FFF2-40B4-BE49-F238E27FC236}">
+                <a16:creationId xmlns:a16="http://schemas.microsoft.com/office/drawing/2014/main" id="{C8F32522-E4AF-4110-82D8-00BB58DD34C8}"/>
+              </a:ext>
+            </a:extLst>
+          </p:cNvPr>
           <p:cNvSpPr>
             <a:spLocks noGrp="1"/>
           </p:cNvSpPr>
@@ -1153,7 +2253,7 @@
           <a:lstStyle/>
           <a:p>
             <a:r>
-              <a:rPr lang="en-US" dirty="0"/>
+              <a:rPr lang="en-US"/>
               <a:t>Click to edit Master title style</a:t>
             </a:r>
           </a:p>
@@ -1161,7 +2261,13 @@
       </p:sp>
       <p:sp>
         <p:nvSpPr>
-          <p:cNvPr id="3" name="Content Placeholder 2"/>
+          <p:cNvPr id="3" name="Content Placeholder 2">
+            <a:extLst>
+              <a:ext uri="{FF2B5EF4-FFF2-40B4-BE49-F238E27FC236}">
+                <a16:creationId xmlns:a16="http://schemas.microsoft.com/office/drawing/2014/main" id="{C0CFAC4F-7C3C-40D0-9D30-C3A0A6558689}"/>
+              </a:ext>
+            </a:extLst>
+          </p:cNvPr>
           <p:cNvSpPr>
             <a:spLocks noGrp="1"/>
           </p:cNvSpPr>
@@ -1170,96 +2276,811 @@
           </p:nvPr>
         </p:nvSpPr>
         <p:spPr/>
+        <p:txBody>
+          <a:bodyPr/>
+          <a:lstStyle/>
+          <a:p>
+            <a:pPr lvl="0"/>
+            <a:r>
+              <a:rPr lang="en-US"/>
+              <a:t>Edit Master text styles</a:t>
+            </a:r>
+          </a:p>
+          <a:p>
+            <a:pPr lvl="1"/>
+            <a:r>
+              <a:rPr lang="en-US"/>
+              <a:t>Second level</a:t>
+            </a:r>
+          </a:p>
+          <a:p>
+            <a:pPr lvl="2"/>
+            <a:r>
+              <a:rPr lang="en-US"/>
+              <a:t>Third level</a:t>
+            </a:r>
+          </a:p>
+          <a:p>
+            <a:pPr lvl="3"/>
+            <a:r>
+              <a:rPr lang="en-US"/>
+              <a:t>Fourth level</a:t>
+            </a:r>
+          </a:p>
+          <a:p>
+            <a:pPr lvl="4"/>
+            <a:r>
+              <a:rPr lang="en-US"/>
+              <a:t>Fifth level</a:t>
+            </a:r>
+          </a:p>
+        </p:txBody>
+      </p:sp>
+      <p:sp>
+        <p:nvSpPr>
+          <p:cNvPr id="4" name="Date Placeholder 3">
+            <a:extLst>
+              <a:ext uri="{FF2B5EF4-FFF2-40B4-BE49-F238E27FC236}">
+                <a16:creationId xmlns:a16="http://schemas.microsoft.com/office/drawing/2014/main" id="{9C4BD227-04A8-4603-B3B3-17A54A808CEC}"/>
+              </a:ext>
+            </a:extLst>
+          </p:cNvPr>
+          <p:cNvSpPr>
+            <a:spLocks noGrp="1"/>
+          </p:cNvSpPr>
+          <p:nvPr>
+            <p:ph type="dt" sz="half" idx="10"/>
+          </p:nvPr>
+        </p:nvSpPr>
+        <p:spPr/>
+        <p:txBody>
+          <a:bodyPr/>
+          <a:lstStyle/>
+          <a:p>
+            <a:fld id="{A8B89F18-586E-4B97-8EEA-25E99A190A89}" type="datetimeFigureOut">
+              <a:rPr lang="en-US" smtClean="0"/>
+              <a:t>9/20/2019</a:t>
+            </a:fld>
+            <a:endParaRPr lang="en-US"/>
+          </a:p>
+        </p:txBody>
+      </p:sp>
+      <p:sp>
+        <p:nvSpPr>
+          <p:cNvPr id="5" name="Footer Placeholder 4">
+            <a:extLst>
+              <a:ext uri="{FF2B5EF4-FFF2-40B4-BE49-F238E27FC236}">
+                <a16:creationId xmlns:a16="http://schemas.microsoft.com/office/drawing/2014/main" id="{65B5252B-9A7B-455A-9C62-75D03789D749}"/>
+              </a:ext>
+            </a:extLst>
+          </p:cNvPr>
+          <p:cNvSpPr>
+            <a:spLocks noGrp="1"/>
+          </p:cNvSpPr>
+          <p:nvPr>
+            <p:ph type="ftr" sz="quarter" idx="11"/>
+          </p:nvPr>
+        </p:nvSpPr>
+        <p:spPr/>
+        <p:txBody>
+          <a:bodyPr/>
+          <a:lstStyle/>
+          <a:p>
+            <a:endParaRPr lang="en-US"/>
+          </a:p>
+        </p:txBody>
+      </p:sp>
+      <p:sp>
+        <p:nvSpPr>
+          <p:cNvPr id="6" name="Slide Number Placeholder 5">
+            <a:extLst>
+              <a:ext uri="{FF2B5EF4-FFF2-40B4-BE49-F238E27FC236}">
+                <a16:creationId xmlns:a16="http://schemas.microsoft.com/office/drawing/2014/main" id="{C1C0A3AC-E733-415D-9487-7BAF75BA2990}"/>
+              </a:ext>
+            </a:extLst>
+          </p:cNvPr>
+          <p:cNvSpPr>
+            <a:spLocks noGrp="1"/>
+          </p:cNvSpPr>
+          <p:nvPr>
+            <p:ph type="sldNum" sz="quarter" idx="12"/>
+          </p:nvPr>
+        </p:nvSpPr>
+        <p:spPr/>
+        <p:txBody>
+          <a:bodyPr/>
+          <a:lstStyle/>
+          <a:p>
+            <a:fld id="{734DA83B-C71A-4208-9071-1761995F3B54}" type="slidenum">
+              <a:rPr lang="en-US" smtClean="0"/>
+              <a:t>‹#›</a:t>
+            </a:fld>
+            <a:endParaRPr lang="en-US"/>
+          </a:p>
+        </p:txBody>
+      </p:sp>
+      <p:grpSp>
+        <p:nvGrpSpPr>
+          <p:cNvPr id="17" name="Group 16">
+            <a:extLst>
+              <a:ext uri="{FF2B5EF4-FFF2-40B4-BE49-F238E27FC236}">
+                <a16:creationId xmlns:a16="http://schemas.microsoft.com/office/drawing/2014/main" id="{F1EA1FDA-A5E1-49F8-9CB7-D0B41296E005}"/>
+              </a:ext>
+            </a:extLst>
+          </p:cNvPr>
+          <p:cNvGrpSpPr/>
+          <p:nvPr userDrawn="1"/>
+        </p:nvGrpSpPr>
+        <p:grpSpPr>
+          <a:xfrm>
+            <a:off x="0" y="5776566"/>
+            <a:ext cx="12192001" cy="1081434"/>
+            <a:chOff x="0" y="5776566"/>
+            <a:chExt cx="12192001" cy="1081434"/>
+          </a:xfrm>
+        </p:grpSpPr>
+        <p:sp>
+          <p:nvSpPr>
+            <p:cNvPr id="18" name="Rectangle 17">
+              <a:extLst>
+                <a:ext uri="{FF2B5EF4-FFF2-40B4-BE49-F238E27FC236}">
+                  <a16:creationId xmlns:a16="http://schemas.microsoft.com/office/drawing/2014/main" id="{6F1D0881-B55D-4210-9F2F-2C428AACDA81}"/>
+                </a:ext>
+              </a:extLst>
+            </p:cNvPr>
+            <p:cNvSpPr/>
+            <p:nvPr/>
+          </p:nvSpPr>
+          <p:spPr>
+            <a:xfrm>
+              <a:off x="0" y="6098596"/>
+              <a:ext cx="12192001" cy="759404"/>
+            </a:xfrm>
+            <a:prstGeom prst="rect">
+              <a:avLst/>
+            </a:prstGeom>
+            <a:gradFill flip="none" rotWithShape="1">
+              <a:gsLst>
+                <a:gs pos="0">
+                  <a:schemeClr val="bg1"/>
+                </a:gs>
+                <a:gs pos="0">
+                  <a:srgbClr val="0070C0"/>
+                </a:gs>
+                <a:gs pos="90000">
+                  <a:schemeClr val="bg1"/>
+                </a:gs>
+              </a:gsLst>
+              <a:path path="circle">
+                <a:fillToRect l="100000" t="100000"/>
+              </a:path>
+              <a:tileRect r="-100000" b="-100000"/>
+            </a:gradFill>
+            <a:ln>
+              <a:noFill/>
+            </a:ln>
+          </p:spPr>
+          <p:style>
+            <a:lnRef idx="2">
+              <a:schemeClr val="accent1">
+                <a:shade val="50000"/>
+              </a:schemeClr>
+            </a:lnRef>
+            <a:fillRef idx="1">
+              <a:schemeClr val="accent1"/>
+            </a:fillRef>
+            <a:effectRef idx="0">
+              <a:schemeClr val="accent1"/>
+            </a:effectRef>
+            <a:fontRef idx="minor">
+              <a:schemeClr val="lt1"/>
+            </a:fontRef>
+          </p:style>
+          <p:txBody>
+            <a:bodyPr rtlCol="0" anchor="ctr"/>
+            <a:lstStyle/>
+            <a:p>
+              <a:pPr algn="ctr"/>
+              <a:endParaRPr lang="en-US"/>
+            </a:p>
+          </p:txBody>
+        </p:sp>
+        <p:grpSp>
+          <p:nvGrpSpPr>
+            <p:cNvPr id="19" name="Group 18">
+              <a:extLst>
+                <a:ext uri="{FF2B5EF4-FFF2-40B4-BE49-F238E27FC236}">
+                  <a16:creationId xmlns:a16="http://schemas.microsoft.com/office/drawing/2014/main" id="{05EFD77D-7805-4576-9F40-A7E70B96B358}"/>
+                </a:ext>
+              </a:extLst>
+            </p:cNvPr>
+            <p:cNvGrpSpPr/>
+            <p:nvPr/>
+          </p:nvGrpSpPr>
+          <p:grpSpPr>
+            <a:xfrm>
+              <a:off x="136116" y="5776566"/>
+              <a:ext cx="1766413" cy="974090"/>
+              <a:chOff x="705301" y="2052365"/>
+              <a:chExt cx="5603844" cy="3090246"/>
+            </a:xfrm>
+          </p:grpSpPr>
+          <p:pic>
+            <p:nvPicPr>
+              <p:cNvPr id="20" name="Picture 19">
+                <a:extLst>
+                  <a:ext uri="{FF2B5EF4-FFF2-40B4-BE49-F238E27FC236}">
+                    <a16:creationId xmlns:a16="http://schemas.microsoft.com/office/drawing/2014/main" id="{CDBB4F94-A864-48D5-B145-2D484AE6E2EF}"/>
+                  </a:ext>
+                </a:extLst>
+              </p:cNvPr>
+              <p:cNvPicPr>
+                <a:picLocks noChangeAspect="1"/>
+              </p:cNvPicPr>
+              <p:nvPr/>
+            </p:nvPicPr>
+            <p:blipFill>
+              <a:blip r:embed="rId2">
+                <a:extLst>
+                  <a:ext uri="{28A0092B-C50C-407E-A947-70E740481C1C}">
+                    <a14:useLocalDpi xmlns:a14="http://schemas.microsoft.com/office/drawing/2010/main" val="0"/>
+                  </a:ext>
+                </a:extLst>
+              </a:blip>
+              <a:stretch>
+                <a:fillRect/>
+              </a:stretch>
+            </p:blipFill>
+            <p:spPr>
+              <a:xfrm>
+                <a:off x="705301" y="2052365"/>
+                <a:ext cx="5603844" cy="3090246"/>
+              </a:xfrm>
+              <a:prstGeom prst="rect">
+                <a:avLst/>
+              </a:prstGeom>
+              <a:effectLst>
+                <a:outerShdw blurRad="50800" dist="38100" dir="5400000" algn="t" rotWithShape="0">
+                  <a:prstClr val="black">
+                    <a:alpha val="40000"/>
+                  </a:prstClr>
+                </a:outerShdw>
+              </a:effectLst>
+            </p:spPr>
+          </p:pic>
+          <p:pic>
+            <p:nvPicPr>
+              <p:cNvPr id="21" name="Picture 20">
+                <a:extLst>
+                  <a:ext uri="{FF2B5EF4-FFF2-40B4-BE49-F238E27FC236}">
+                    <a16:creationId xmlns:a16="http://schemas.microsoft.com/office/drawing/2014/main" id="{E4482EDC-4E6D-46C1-B948-D663712ECACD}"/>
+                  </a:ext>
+                </a:extLst>
+              </p:cNvPr>
+              <p:cNvPicPr>
+                <a:picLocks noChangeAspect="1"/>
+              </p:cNvPicPr>
+              <p:nvPr/>
+            </p:nvPicPr>
+            <p:blipFill>
+              <a:blip r:embed="rId3">
+                <a:extLst>
+                  <a:ext uri="{28A0092B-C50C-407E-A947-70E740481C1C}">
+                    <a14:useLocalDpi xmlns:a14="http://schemas.microsoft.com/office/drawing/2010/main" val="0"/>
+                  </a:ext>
+                </a:extLst>
+              </a:blip>
+              <a:stretch>
+                <a:fillRect/>
+              </a:stretch>
+            </p:blipFill>
+            <p:spPr>
+              <a:xfrm>
+                <a:off x="1264843" y="2298120"/>
+                <a:ext cx="4484760" cy="2473126"/>
+              </a:xfrm>
+              <a:prstGeom prst="rect">
+                <a:avLst/>
+              </a:prstGeom>
+              <a:effectLst>
+                <a:outerShdw blurRad="50800" dist="38100" dir="2700000" algn="tl" rotWithShape="0">
+                  <a:schemeClr val="bg1">
+                    <a:alpha val="40000"/>
+                  </a:schemeClr>
+                </a:outerShdw>
+              </a:effectLst>
+            </p:spPr>
+          </p:pic>
+        </p:grpSp>
+      </p:grpSp>
+    </p:spTree>
+    <p:extLst>
+      <p:ext uri="{BB962C8B-B14F-4D97-AF65-F5344CB8AC3E}">
+        <p14:creationId xmlns:p14="http://schemas.microsoft.com/office/powerpoint/2010/main" val="2761051037"/>
+      </p:ext>
+    </p:extLst>
+  </p:cSld>
+  <p:clrMapOvr>
+    <a:masterClrMapping/>
+  </p:clrMapOvr>
+</p:sldLayout>
+</file>
+
+<file path=ppt/slideLayouts/slideLayout3.xml><?xml version="1.0" encoding="utf-8"?>
+<p:sldLayout xmlns:a="http://schemas.openxmlformats.org/drawingml/2006/main" xmlns:r="http://schemas.openxmlformats.org/officeDocument/2006/relationships" xmlns:p="http://schemas.openxmlformats.org/presentationml/2006/main" preserve="1" userDrawn="1">
+  <p:cSld name="Section Header">
+    <p:spTree>
+      <p:nvGrpSpPr>
+        <p:cNvPr id="1" name=""/>
+        <p:cNvGrpSpPr/>
+        <p:nvPr/>
+      </p:nvGrpSpPr>
+      <p:grpSpPr>
+        <a:xfrm>
+          <a:off x="0" y="0"/>
+          <a:ext cx="0" cy="0"/>
+          <a:chOff x="0" y="0"/>
+          <a:chExt cx="0" cy="0"/>
+        </a:xfrm>
+      </p:grpSpPr>
+      <p:sp>
+        <p:nvSpPr>
+          <p:cNvPr id="2" name="Title 1">
+            <a:extLst>
+              <a:ext uri="{FF2B5EF4-FFF2-40B4-BE49-F238E27FC236}">
+                <a16:creationId xmlns:a16="http://schemas.microsoft.com/office/drawing/2014/main" id="{AC98AB70-778D-4C38-AFFB-AA297DBCD746}"/>
+              </a:ext>
+            </a:extLst>
+          </p:cNvPr>
+          <p:cNvSpPr>
+            <a:spLocks noGrp="1"/>
+          </p:cNvSpPr>
+          <p:nvPr>
+            <p:ph type="title"/>
+          </p:nvPr>
+        </p:nvSpPr>
+        <p:spPr>
+          <a:xfrm>
+            <a:off x="831850" y="1709738"/>
+            <a:ext cx="10515600" cy="2852737"/>
+          </a:xfrm>
+        </p:spPr>
+        <p:txBody>
+          <a:bodyPr anchor="b"/>
+          <a:lstStyle>
+            <a:lvl1pPr>
+              <a:defRPr sz="6000"/>
+            </a:lvl1pPr>
+          </a:lstStyle>
+          <a:p>
+            <a:r>
+              <a:rPr lang="en-US"/>
+              <a:t>Click to edit Master title style</a:t>
+            </a:r>
+          </a:p>
+        </p:txBody>
+      </p:sp>
+      <p:sp>
+        <p:nvSpPr>
+          <p:cNvPr id="3" name="Text Placeholder 2">
+            <a:extLst>
+              <a:ext uri="{FF2B5EF4-FFF2-40B4-BE49-F238E27FC236}">
+                <a16:creationId xmlns:a16="http://schemas.microsoft.com/office/drawing/2014/main" id="{9D1E1E48-E90B-48CC-ADB4-7A4456D292A4}"/>
+              </a:ext>
+            </a:extLst>
+          </p:cNvPr>
+          <p:cNvSpPr>
+            <a:spLocks noGrp="1"/>
+          </p:cNvSpPr>
+          <p:nvPr>
+            <p:ph type="body" idx="1"/>
+          </p:nvPr>
+        </p:nvSpPr>
+        <p:spPr>
+          <a:xfrm>
+            <a:off x="831850" y="4589463"/>
+            <a:ext cx="10515600" cy="1500187"/>
+          </a:xfrm>
+        </p:spPr>
         <p:txBody>
           <a:bodyPr/>
           <a:lstStyle>
             <a:lvl1pPr marL="0" indent="0">
-              <a:buFont typeface="Wingdings" charset="2"/>
               <a:buNone/>
-              <a:defRPr>
+              <a:defRPr sz="2400">
                 <a:solidFill>
-                  <a:schemeClr val="tx2"/>
+                  <a:schemeClr val="tx1">
+                    <a:tint val="75000"/>
+                  </a:schemeClr>
                 </a:solidFill>
               </a:defRPr>
             </a:lvl1pPr>
-            <a:lvl2pPr marL="576027" indent="0">
-              <a:buFont typeface="Wingdings" charset="2"/>
+            <a:lvl2pPr marL="457200" indent="0">
               <a:buNone/>
-              <a:defRPr>
+              <a:defRPr sz="2000">
                 <a:solidFill>
-                  <a:srgbClr val="474947"/>
+                  <a:schemeClr val="tx1">
+                    <a:tint val="75000"/>
+                  </a:schemeClr>
                 </a:solidFill>
               </a:defRPr>
             </a:lvl2pPr>
-            <a:lvl3pPr marL="1152053" indent="0">
-              <a:buFont typeface="Wingdings" charset="2"/>
+            <a:lvl3pPr marL="914400" indent="0">
               <a:buNone/>
-              <a:defRPr>
+              <a:defRPr sz="1800">
                 <a:solidFill>
-                  <a:srgbClr val="474947"/>
+                  <a:schemeClr val="tx1">
+                    <a:tint val="75000"/>
+                  </a:schemeClr>
                 </a:solidFill>
               </a:defRPr>
             </a:lvl3pPr>
-            <a:lvl4pPr marL="1728079" indent="0">
-              <a:buFont typeface="Wingdings" charset="2"/>
+            <a:lvl4pPr marL="1371600" indent="0">
               <a:buNone/>
-              <a:defRPr>
+              <a:defRPr sz="1600">
                 <a:solidFill>
-                  <a:srgbClr val="474947"/>
+                  <a:schemeClr val="tx1">
+                    <a:tint val="75000"/>
+                  </a:schemeClr>
                 </a:solidFill>
               </a:defRPr>
             </a:lvl4pPr>
-            <a:lvl5pPr marL="2304105" indent="0">
-              <a:buFont typeface="Wingdings" charset="2"/>
+            <a:lvl5pPr marL="1828800" indent="0">
               <a:buNone/>
-              <a:defRPr>
+              <a:defRPr sz="1600">
                 <a:solidFill>
-                  <a:srgbClr val="474947"/>
+                  <a:schemeClr val="tx1">
+                    <a:tint val="75000"/>
+                  </a:schemeClr>
                 </a:solidFill>
               </a:defRPr>
             </a:lvl5pPr>
+            <a:lvl6pPr marL="2286000" indent="0">
+              <a:buNone/>
+              <a:defRPr sz="1600">
+                <a:solidFill>
+                  <a:schemeClr val="tx1">
+                    <a:tint val="75000"/>
+                  </a:schemeClr>
+                </a:solidFill>
+              </a:defRPr>
+            </a:lvl6pPr>
+            <a:lvl7pPr marL="2743200" indent="0">
+              <a:buNone/>
+              <a:defRPr sz="1600">
+                <a:solidFill>
+                  <a:schemeClr val="tx1">
+                    <a:tint val="75000"/>
+                  </a:schemeClr>
+                </a:solidFill>
+              </a:defRPr>
+            </a:lvl7pPr>
+            <a:lvl8pPr marL="3200400" indent="0">
+              <a:buNone/>
+              <a:defRPr sz="1600">
+                <a:solidFill>
+                  <a:schemeClr val="tx1">
+                    <a:tint val="75000"/>
+                  </a:schemeClr>
+                </a:solidFill>
+              </a:defRPr>
+            </a:lvl8pPr>
+            <a:lvl9pPr marL="3657600" indent="0">
+              <a:buNone/>
+              <a:defRPr sz="1600">
+                <a:solidFill>
+                  <a:schemeClr val="tx1">
+                    <a:tint val="75000"/>
+                  </a:schemeClr>
+                </a:solidFill>
+              </a:defRPr>
+            </a:lvl9pPr>
           </a:lstStyle>
           <a:p>
             <a:pPr lvl="0"/>
             <a:r>
-              <a:rPr lang="en-US" dirty="0"/>
-              <a:t>Click to edit Master text styles</a:t>
-            </a:r>
-          </a:p>
-          <a:p>
-            <a:pPr lvl="1"/>
-            <a:r>
-              <a:rPr lang="en-US" dirty="0"/>
-              <a:t>Second level</a:t>
-            </a:r>
-          </a:p>
-          <a:p>
-            <a:pPr lvl="2"/>
-            <a:r>
-              <a:rPr lang="en-US" dirty="0"/>
-              <a:t>Third level</a:t>
-            </a:r>
-          </a:p>
-          <a:p>
-            <a:pPr lvl="3"/>
-            <a:r>
-              <a:rPr lang="en-US" dirty="0"/>
-              <a:t>Fourth level</a:t>
-            </a:r>
-          </a:p>
-          <a:p>
-            <a:pPr lvl="4"/>
-            <a:r>
-              <a:rPr lang="en-US" dirty="0"/>
-              <a:t>Fifth level</a:t>
-            </a:r>
+              <a:rPr lang="en-US"/>
+              <a:t>Edit Master text styles</a:t>
+            </a:r>
+          </a:p>
+        </p:txBody>
+      </p:sp>
+      <p:sp>
+        <p:nvSpPr>
+          <p:cNvPr id="4" name="Date Placeholder 3">
+            <a:extLst>
+              <a:ext uri="{FF2B5EF4-FFF2-40B4-BE49-F238E27FC236}">
+                <a16:creationId xmlns:a16="http://schemas.microsoft.com/office/drawing/2014/main" id="{DF107637-4C97-4DFC-A029-AE50699E47EE}"/>
+              </a:ext>
+            </a:extLst>
+          </p:cNvPr>
+          <p:cNvSpPr>
+            <a:spLocks noGrp="1"/>
+          </p:cNvSpPr>
+          <p:nvPr>
+            <p:ph type="dt" sz="half" idx="10"/>
+          </p:nvPr>
+        </p:nvSpPr>
+        <p:spPr>
+          <a:xfrm>
+            <a:off x="838200" y="6356350"/>
+            <a:ext cx="2743200" cy="365125"/>
+          </a:xfrm>
+        </p:spPr>
+        <p:txBody>
+          <a:bodyPr/>
+          <a:lstStyle/>
+          <a:p>
+            <a:fld id="{A8B89F18-586E-4B97-8EEA-25E99A190A89}" type="datetimeFigureOut">
+              <a:rPr lang="en-US" smtClean="0"/>
+              <a:t>9/20/2019</a:t>
+            </a:fld>
+            <a:endParaRPr lang="en-US"/>
+          </a:p>
+        </p:txBody>
+      </p:sp>
+      <p:sp>
+        <p:nvSpPr>
+          <p:cNvPr id="5" name="Footer Placeholder 4">
+            <a:extLst>
+              <a:ext uri="{FF2B5EF4-FFF2-40B4-BE49-F238E27FC236}">
+                <a16:creationId xmlns:a16="http://schemas.microsoft.com/office/drawing/2014/main" id="{A0B2CF88-A562-4F05-BECB-EEE320A17897}"/>
+              </a:ext>
+            </a:extLst>
+          </p:cNvPr>
+          <p:cNvSpPr>
+            <a:spLocks noGrp="1"/>
+          </p:cNvSpPr>
+          <p:nvPr>
+            <p:ph type="ftr" sz="quarter" idx="11"/>
+          </p:nvPr>
+        </p:nvSpPr>
+        <p:spPr>
+          <a:xfrm>
+            <a:off x="4038600" y="6356350"/>
+            <a:ext cx="4114800" cy="365125"/>
+          </a:xfrm>
+        </p:spPr>
+        <p:txBody>
+          <a:bodyPr/>
+          <a:lstStyle/>
+          <a:p>
+            <a:endParaRPr lang="en-US"/>
+          </a:p>
+        </p:txBody>
+      </p:sp>
+      <p:sp>
+        <p:nvSpPr>
+          <p:cNvPr id="6" name="Slide Number Placeholder 5">
+            <a:extLst>
+              <a:ext uri="{FF2B5EF4-FFF2-40B4-BE49-F238E27FC236}">
+                <a16:creationId xmlns:a16="http://schemas.microsoft.com/office/drawing/2014/main" id="{07C4FAFF-3B0C-4ED6-B0D8-848974837405}"/>
+              </a:ext>
+            </a:extLst>
+          </p:cNvPr>
+          <p:cNvSpPr>
+            <a:spLocks noGrp="1"/>
+          </p:cNvSpPr>
+          <p:nvPr>
+            <p:ph type="sldNum" sz="quarter" idx="12"/>
+          </p:nvPr>
+        </p:nvSpPr>
+        <p:spPr>
+          <a:xfrm>
+            <a:off x="8610600" y="6356350"/>
+            <a:ext cx="2743200" cy="365125"/>
+          </a:xfrm>
+        </p:spPr>
+        <p:txBody>
+          <a:bodyPr/>
+          <a:lstStyle/>
+          <a:p>
+            <a:fld id="{734DA83B-C71A-4208-9071-1761995F3B54}" type="slidenum">
+              <a:rPr lang="en-US" smtClean="0"/>
+              <a:t>‹#›</a:t>
+            </a:fld>
+            <a:endParaRPr lang="en-US"/>
+          </a:p>
+        </p:txBody>
+      </p:sp>
+      <p:sp>
+        <p:nvSpPr>
+          <p:cNvPr id="12" name="Rectangle 11">
+            <a:extLst>
+              <a:ext uri="{FF2B5EF4-FFF2-40B4-BE49-F238E27FC236}">
+                <a16:creationId xmlns:a16="http://schemas.microsoft.com/office/drawing/2014/main" id="{27BC5258-447E-4367-9DE8-EE70BF66D945}"/>
+              </a:ext>
+            </a:extLst>
+          </p:cNvPr>
+          <p:cNvSpPr/>
+          <p:nvPr userDrawn="1"/>
+        </p:nvSpPr>
+        <p:spPr>
+          <a:xfrm>
+            <a:off x="0" y="2000352"/>
+            <a:ext cx="12192001" cy="4095647"/>
+          </a:xfrm>
+          <a:prstGeom prst="rect">
+            <a:avLst/>
+          </a:prstGeom>
+          <a:solidFill>
+            <a:schemeClr val="accent1">
+              <a:lumMod val="75000"/>
+            </a:schemeClr>
+          </a:solidFill>
+          <a:ln>
+            <a:noFill/>
+          </a:ln>
+        </p:spPr>
+        <p:style>
+          <a:lnRef idx="2">
+            <a:schemeClr val="accent1">
+              <a:shade val="50000"/>
+            </a:schemeClr>
+          </a:lnRef>
+          <a:fillRef idx="1">
+            <a:schemeClr val="accent1"/>
+          </a:fillRef>
+          <a:effectRef idx="0">
+            <a:schemeClr val="accent1"/>
+          </a:effectRef>
+          <a:fontRef idx="minor">
+            <a:schemeClr val="lt1"/>
+          </a:fontRef>
+        </p:style>
+        <p:txBody>
+          <a:bodyPr rtlCol="0" anchor="ctr"/>
+          <a:lstStyle/>
+          <a:p>
+            <a:pPr algn="ctr"/>
+            <a:endParaRPr lang="en-US"/>
+          </a:p>
+        </p:txBody>
+      </p:sp>
+      <p:grpSp>
+        <p:nvGrpSpPr>
+          <p:cNvPr id="13" name="Group 12">
+            <a:extLst>
+              <a:ext uri="{FF2B5EF4-FFF2-40B4-BE49-F238E27FC236}">
+                <a16:creationId xmlns:a16="http://schemas.microsoft.com/office/drawing/2014/main" id="{B98FF68E-82E2-473E-831A-1AB5C45D9B15}"/>
+              </a:ext>
+            </a:extLst>
+          </p:cNvPr>
+          <p:cNvGrpSpPr/>
+          <p:nvPr userDrawn="1"/>
+        </p:nvGrpSpPr>
+        <p:grpSpPr>
+          <a:xfrm>
+            <a:off x="2650114" y="2314574"/>
+            <a:ext cx="6891772" cy="3800475"/>
+            <a:chOff x="705301" y="2052365"/>
+            <a:chExt cx="5603844" cy="3090246"/>
+          </a:xfrm>
+        </p:grpSpPr>
+        <p:pic>
+          <p:nvPicPr>
+            <p:cNvPr id="14" name="Picture 13">
+              <a:extLst>
+                <a:ext uri="{FF2B5EF4-FFF2-40B4-BE49-F238E27FC236}">
+                  <a16:creationId xmlns:a16="http://schemas.microsoft.com/office/drawing/2014/main" id="{62C066DC-C313-4EE1-87F8-E03000A4DA9F}"/>
+                </a:ext>
+              </a:extLst>
+            </p:cNvPr>
+            <p:cNvPicPr>
+              <a:picLocks noChangeAspect="1"/>
+            </p:cNvPicPr>
+            <p:nvPr/>
+          </p:nvPicPr>
+          <p:blipFill>
+            <a:blip r:embed="rId2">
+              <a:extLst>
+                <a:ext uri="{28A0092B-C50C-407E-A947-70E740481C1C}">
+                  <a14:useLocalDpi xmlns:a14="http://schemas.microsoft.com/office/drawing/2010/main" val="0"/>
+                </a:ext>
+              </a:extLst>
+            </a:blip>
+            <a:stretch>
+              <a:fillRect/>
+            </a:stretch>
+          </p:blipFill>
+          <p:spPr>
+            <a:xfrm>
+              <a:off x="705301" y="2052365"/>
+              <a:ext cx="5603844" cy="3090246"/>
+            </a:xfrm>
+            <a:prstGeom prst="rect">
+              <a:avLst/>
+            </a:prstGeom>
+            <a:effectLst>
+              <a:outerShdw blurRad="50800" dist="38100" dir="5400000" algn="t" rotWithShape="0">
+                <a:prstClr val="black">
+                  <a:alpha val="40000"/>
+                </a:prstClr>
+              </a:outerShdw>
+            </a:effectLst>
+          </p:spPr>
+        </p:pic>
+        <p:pic>
+          <p:nvPicPr>
+            <p:cNvPr id="15" name="Picture 14">
+              <a:extLst>
+                <a:ext uri="{FF2B5EF4-FFF2-40B4-BE49-F238E27FC236}">
+                  <a16:creationId xmlns:a16="http://schemas.microsoft.com/office/drawing/2014/main" id="{FD3C7616-A17C-40B7-83FA-E7BDDF866C97}"/>
+                </a:ext>
+              </a:extLst>
+            </p:cNvPr>
+            <p:cNvPicPr>
+              <a:picLocks noChangeAspect="1"/>
+            </p:cNvPicPr>
+            <p:nvPr/>
+          </p:nvPicPr>
+          <p:blipFill>
+            <a:blip r:embed="rId3">
+              <a:extLst>
+                <a:ext uri="{28A0092B-C50C-407E-A947-70E740481C1C}">
+                  <a14:useLocalDpi xmlns:a14="http://schemas.microsoft.com/office/drawing/2010/main" val="0"/>
+                </a:ext>
+              </a:extLst>
+            </a:blip>
+            <a:stretch>
+              <a:fillRect/>
+            </a:stretch>
+          </p:blipFill>
+          <p:spPr>
+            <a:xfrm>
+              <a:off x="1264843" y="2298120"/>
+              <a:ext cx="4484760" cy="2473126"/>
+            </a:xfrm>
+            <a:prstGeom prst="rect">
+              <a:avLst/>
+            </a:prstGeom>
+            <a:effectLst>
+              <a:outerShdw blurRad="50800" dist="38100" dir="2700000" algn="tl" rotWithShape="0">
+                <a:schemeClr val="bg1">
+                  <a:alpha val="40000"/>
+                </a:schemeClr>
+              </a:outerShdw>
+            </a:effectLst>
+          </p:spPr>
+        </p:pic>
+      </p:grpSp>
+      <p:sp>
+        <p:nvSpPr>
+          <p:cNvPr id="16" name="Subtitle 2">
+            <a:extLst>
+              <a:ext uri="{FF2B5EF4-FFF2-40B4-BE49-F238E27FC236}">
+                <a16:creationId xmlns:a16="http://schemas.microsoft.com/office/drawing/2014/main" id="{F1566320-9AD8-453A-80ED-5CDD2FCE8FAD}"/>
+              </a:ext>
+            </a:extLst>
+          </p:cNvPr>
+          <p:cNvSpPr>
+            <a:spLocks noGrp="1"/>
+          </p:cNvSpPr>
+          <p:nvPr>
+            <p:ph type="subTitle" idx="13"/>
+          </p:nvPr>
+        </p:nvSpPr>
+        <p:spPr>
+          <a:xfrm>
+            <a:off x="1009649" y="1409700"/>
+            <a:ext cx="10553699" cy="441146"/>
+          </a:xfrm>
+        </p:spPr>
+        <p:txBody>
+          <a:bodyPr/>
+          <a:lstStyle/>
+          <a:p>
+            <a:pPr algn="l"/>
+            <a:endParaRPr lang="en-US" dirty="0">
+              <a:latin typeface="Candara" panose="020E0502030303020204" pitchFamily="34" charset="0"/>
+            </a:endParaRPr>
           </a:p>
         </p:txBody>
       </p:sp>
     </p:spTree>
     <p:extLst>
       <p:ext uri="{BB962C8B-B14F-4D97-AF65-F5344CB8AC3E}">
-        <p14:creationId xmlns:p14="http://schemas.microsoft.com/office/powerpoint/2010/main" val="4065140645"/>
+        <p14:creationId xmlns:p14="http://schemas.microsoft.com/office/powerpoint/2010/main" val="526799521"/>
       </p:ext>
     </p:extLst>
   </p:cSld>
@@ -1270,6 +3091,1071 @@
 </file>
 
 <file path=ppt/slideLayouts/slideLayout4.xml><?xml version="1.0" encoding="utf-8"?>
+<p:sldLayout xmlns:a="http://schemas.openxmlformats.org/drawingml/2006/main" xmlns:r="http://schemas.openxmlformats.org/officeDocument/2006/relationships" xmlns:p="http://schemas.openxmlformats.org/presentationml/2006/main" type="twoObj" preserve="1">
+  <p:cSld name="Two Content">
+    <p:spTree>
+      <p:nvGrpSpPr>
+        <p:cNvPr id="1" name=""/>
+        <p:cNvGrpSpPr/>
+        <p:nvPr/>
+      </p:nvGrpSpPr>
+      <p:grpSpPr>
+        <a:xfrm>
+          <a:off x="0" y="0"/>
+          <a:ext cx="0" cy="0"/>
+          <a:chOff x="0" y="0"/>
+          <a:chExt cx="0" cy="0"/>
+        </a:xfrm>
+      </p:grpSpPr>
+      <p:sp>
+        <p:nvSpPr>
+          <p:cNvPr id="2" name="Title 1">
+            <a:extLst>
+              <a:ext uri="{FF2B5EF4-FFF2-40B4-BE49-F238E27FC236}">
+                <a16:creationId xmlns:a16="http://schemas.microsoft.com/office/drawing/2014/main" id="{7CA1EB98-C781-4ECC-A85F-ADEB22CA8C27}"/>
+              </a:ext>
+            </a:extLst>
+          </p:cNvPr>
+          <p:cNvSpPr>
+            <a:spLocks noGrp="1"/>
+          </p:cNvSpPr>
+          <p:nvPr>
+            <p:ph type="title"/>
+          </p:nvPr>
+        </p:nvSpPr>
+        <p:spPr/>
+        <p:txBody>
+          <a:bodyPr/>
+          <a:lstStyle/>
+          <a:p>
+            <a:r>
+              <a:rPr lang="en-US"/>
+              <a:t>Click to edit Master title style</a:t>
+            </a:r>
+          </a:p>
+        </p:txBody>
+      </p:sp>
+      <p:sp>
+        <p:nvSpPr>
+          <p:cNvPr id="3" name="Content Placeholder 2">
+            <a:extLst>
+              <a:ext uri="{FF2B5EF4-FFF2-40B4-BE49-F238E27FC236}">
+                <a16:creationId xmlns:a16="http://schemas.microsoft.com/office/drawing/2014/main" id="{2D563F44-0817-4D47-989B-721D72F13B22}"/>
+              </a:ext>
+            </a:extLst>
+          </p:cNvPr>
+          <p:cNvSpPr>
+            <a:spLocks noGrp="1"/>
+          </p:cNvSpPr>
+          <p:nvPr>
+            <p:ph sz="half" idx="1"/>
+          </p:nvPr>
+        </p:nvSpPr>
+        <p:spPr>
+          <a:xfrm>
+            <a:off x="838200" y="1825625"/>
+            <a:ext cx="5181600" cy="4351338"/>
+          </a:xfrm>
+        </p:spPr>
+        <p:txBody>
+          <a:bodyPr/>
+          <a:lstStyle/>
+          <a:p>
+            <a:pPr lvl="0"/>
+            <a:r>
+              <a:rPr lang="en-US"/>
+              <a:t>Edit Master text styles</a:t>
+            </a:r>
+          </a:p>
+          <a:p>
+            <a:pPr lvl="1"/>
+            <a:r>
+              <a:rPr lang="en-US"/>
+              <a:t>Second level</a:t>
+            </a:r>
+          </a:p>
+          <a:p>
+            <a:pPr lvl="2"/>
+            <a:r>
+              <a:rPr lang="en-US"/>
+              <a:t>Third level</a:t>
+            </a:r>
+          </a:p>
+          <a:p>
+            <a:pPr lvl="3"/>
+            <a:r>
+              <a:rPr lang="en-US"/>
+              <a:t>Fourth level</a:t>
+            </a:r>
+          </a:p>
+          <a:p>
+            <a:pPr lvl="4"/>
+            <a:r>
+              <a:rPr lang="en-US"/>
+              <a:t>Fifth level</a:t>
+            </a:r>
+          </a:p>
+        </p:txBody>
+      </p:sp>
+      <p:sp>
+        <p:nvSpPr>
+          <p:cNvPr id="4" name="Content Placeholder 3">
+            <a:extLst>
+              <a:ext uri="{FF2B5EF4-FFF2-40B4-BE49-F238E27FC236}">
+                <a16:creationId xmlns:a16="http://schemas.microsoft.com/office/drawing/2014/main" id="{3EFA1D0E-578E-4031-BA4B-B614AE22ECBA}"/>
+              </a:ext>
+            </a:extLst>
+          </p:cNvPr>
+          <p:cNvSpPr>
+            <a:spLocks noGrp="1"/>
+          </p:cNvSpPr>
+          <p:nvPr>
+            <p:ph sz="half" idx="2"/>
+          </p:nvPr>
+        </p:nvSpPr>
+        <p:spPr>
+          <a:xfrm>
+            <a:off x="6172200" y="1825625"/>
+            <a:ext cx="5181600" cy="4351338"/>
+          </a:xfrm>
+        </p:spPr>
+        <p:txBody>
+          <a:bodyPr/>
+          <a:lstStyle/>
+          <a:p>
+            <a:pPr lvl="0"/>
+            <a:r>
+              <a:rPr lang="en-US"/>
+              <a:t>Edit Master text styles</a:t>
+            </a:r>
+          </a:p>
+          <a:p>
+            <a:pPr lvl="1"/>
+            <a:r>
+              <a:rPr lang="en-US"/>
+              <a:t>Second level</a:t>
+            </a:r>
+          </a:p>
+          <a:p>
+            <a:pPr lvl="2"/>
+            <a:r>
+              <a:rPr lang="en-US"/>
+              <a:t>Third level</a:t>
+            </a:r>
+          </a:p>
+          <a:p>
+            <a:pPr lvl="3"/>
+            <a:r>
+              <a:rPr lang="en-US"/>
+              <a:t>Fourth level</a:t>
+            </a:r>
+          </a:p>
+          <a:p>
+            <a:pPr lvl="4"/>
+            <a:r>
+              <a:rPr lang="en-US"/>
+              <a:t>Fifth level</a:t>
+            </a:r>
+          </a:p>
+        </p:txBody>
+      </p:sp>
+      <p:sp>
+        <p:nvSpPr>
+          <p:cNvPr id="5" name="Date Placeholder 4">
+            <a:extLst>
+              <a:ext uri="{FF2B5EF4-FFF2-40B4-BE49-F238E27FC236}">
+                <a16:creationId xmlns:a16="http://schemas.microsoft.com/office/drawing/2014/main" id="{EED5F6AE-8C1E-4B79-B78C-3BB16F7B4C5F}"/>
+              </a:ext>
+            </a:extLst>
+          </p:cNvPr>
+          <p:cNvSpPr>
+            <a:spLocks noGrp="1"/>
+          </p:cNvSpPr>
+          <p:nvPr>
+            <p:ph type="dt" sz="half" idx="10"/>
+          </p:nvPr>
+        </p:nvSpPr>
+        <p:spPr/>
+        <p:txBody>
+          <a:bodyPr/>
+          <a:lstStyle/>
+          <a:p>
+            <a:fld id="{A8B89F18-586E-4B97-8EEA-25E99A190A89}" type="datetimeFigureOut">
+              <a:rPr lang="en-US" smtClean="0"/>
+              <a:t>9/20/2019</a:t>
+            </a:fld>
+            <a:endParaRPr lang="en-US"/>
+          </a:p>
+        </p:txBody>
+      </p:sp>
+      <p:sp>
+        <p:nvSpPr>
+          <p:cNvPr id="6" name="Footer Placeholder 5">
+            <a:extLst>
+              <a:ext uri="{FF2B5EF4-FFF2-40B4-BE49-F238E27FC236}">
+                <a16:creationId xmlns:a16="http://schemas.microsoft.com/office/drawing/2014/main" id="{35E300D3-FA5A-461B-A5C7-F45CE9584325}"/>
+              </a:ext>
+            </a:extLst>
+          </p:cNvPr>
+          <p:cNvSpPr>
+            <a:spLocks noGrp="1"/>
+          </p:cNvSpPr>
+          <p:nvPr>
+            <p:ph type="ftr" sz="quarter" idx="11"/>
+          </p:nvPr>
+        </p:nvSpPr>
+        <p:spPr/>
+        <p:txBody>
+          <a:bodyPr/>
+          <a:lstStyle/>
+          <a:p>
+            <a:endParaRPr lang="en-US"/>
+          </a:p>
+        </p:txBody>
+      </p:sp>
+      <p:sp>
+        <p:nvSpPr>
+          <p:cNvPr id="7" name="Slide Number Placeholder 6">
+            <a:extLst>
+              <a:ext uri="{FF2B5EF4-FFF2-40B4-BE49-F238E27FC236}">
+                <a16:creationId xmlns:a16="http://schemas.microsoft.com/office/drawing/2014/main" id="{28E9474D-8B5E-4F79-9B4A-48B297C6ED31}"/>
+              </a:ext>
+            </a:extLst>
+          </p:cNvPr>
+          <p:cNvSpPr>
+            <a:spLocks noGrp="1"/>
+          </p:cNvSpPr>
+          <p:nvPr>
+            <p:ph type="sldNum" sz="quarter" idx="12"/>
+          </p:nvPr>
+        </p:nvSpPr>
+        <p:spPr/>
+        <p:txBody>
+          <a:bodyPr/>
+          <a:lstStyle/>
+          <a:p>
+            <a:fld id="{734DA83B-C71A-4208-9071-1761995F3B54}" type="slidenum">
+              <a:rPr lang="en-US" smtClean="0"/>
+              <a:t>‹#›</a:t>
+            </a:fld>
+            <a:endParaRPr lang="en-US"/>
+          </a:p>
+        </p:txBody>
+      </p:sp>
+      <p:grpSp>
+        <p:nvGrpSpPr>
+          <p:cNvPr id="8" name="Group 7">
+            <a:extLst>
+              <a:ext uri="{FF2B5EF4-FFF2-40B4-BE49-F238E27FC236}">
+                <a16:creationId xmlns:a16="http://schemas.microsoft.com/office/drawing/2014/main" id="{B59B8E6D-D02E-4A54-A6B0-1965B397A6C5}"/>
+              </a:ext>
+            </a:extLst>
+          </p:cNvPr>
+          <p:cNvGrpSpPr/>
+          <p:nvPr userDrawn="1"/>
+        </p:nvGrpSpPr>
+        <p:grpSpPr>
+          <a:xfrm>
+            <a:off x="0" y="5776566"/>
+            <a:ext cx="12192001" cy="1081434"/>
+            <a:chOff x="0" y="5776566"/>
+            <a:chExt cx="12192001" cy="1081434"/>
+          </a:xfrm>
+        </p:grpSpPr>
+        <p:sp>
+          <p:nvSpPr>
+            <p:cNvPr id="9" name="Rectangle 8">
+              <a:extLst>
+                <a:ext uri="{FF2B5EF4-FFF2-40B4-BE49-F238E27FC236}">
+                  <a16:creationId xmlns:a16="http://schemas.microsoft.com/office/drawing/2014/main" id="{E98F744A-0CD9-4178-A01D-661C43A8E098}"/>
+                </a:ext>
+              </a:extLst>
+            </p:cNvPr>
+            <p:cNvSpPr/>
+            <p:nvPr/>
+          </p:nvSpPr>
+          <p:spPr>
+            <a:xfrm>
+              <a:off x="0" y="6098596"/>
+              <a:ext cx="12192001" cy="759404"/>
+            </a:xfrm>
+            <a:prstGeom prst="rect">
+              <a:avLst/>
+            </a:prstGeom>
+            <a:gradFill flip="none" rotWithShape="1">
+              <a:gsLst>
+                <a:gs pos="0">
+                  <a:schemeClr val="bg1"/>
+                </a:gs>
+                <a:gs pos="0">
+                  <a:srgbClr val="0070C0"/>
+                </a:gs>
+                <a:gs pos="90000">
+                  <a:schemeClr val="bg1"/>
+                </a:gs>
+              </a:gsLst>
+              <a:path path="circle">
+                <a:fillToRect l="100000" t="100000"/>
+              </a:path>
+              <a:tileRect r="-100000" b="-100000"/>
+            </a:gradFill>
+            <a:ln>
+              <a:noFill/>
+            </a:ln>
+          </p:spPr>
+          <p:style>
+            <a:lnRef idx="2">
+              <a:schemeClr val="accent1">
+                <a:shade val="50000"/>
+              </a:schemeClr>
+            </a:lnRef>
+            <a:fillRef idx="1">
+              <a:schemeClr val="accent1"/>
+            </a:fillRef>
+            <a:effectRef idx="0">
+              <a:schemeClr val="accent1"/>
+            </a:effectRef>
+            <a:fontRef idx="minor">
+              <a:schemeClr val="lt1"/>
+            </a:fontRef>
+          </p:style>
+          <p:txBody>
+            <a:bodyPr rtlCol="0" anchor="ctr"/>
+            <a:lstStyle/>
+            <a:p>
+              <a:pPr algn="ctr"/>
+              <a:endParaRPr lang="en-US"/>
+            </a:p>
+          </p:txBody>
+        </p:sp>
+        <p:grpSp>
+          <p:nvGrpSpPr>
+            <p:cNvPr id="10" name="Group 9">
+              <a:extLst>
+                <a:ext uri="{FF2B5EF4-FFF2-40B4-BE49-F238E27FC236}">
+                  <a16:creationId xmlns:a16="http://schemas.microsoft.com/office/drawing/2014/main" id="{AA9EBDEB-98EC-4755-8D29-2FBDBFA22EF9}"/>
+                </a:ext>
+              </a:extLst>
+            </p:cNvPr>
+            <p:cNvGrpSpPr/>
+            <p:nvPr/>
+          </p:nvGrpSpPr>
+          <p:grpSpPr>
+            <a:xfrm>
+              <a:off x="136116" y="5776566"/>
+              <a:ext cx="1766413" cy="974090"/>
+              <a:chOff x="705301" y="2052365"/>
+              <a:chExt cx="5603844" cy="3090246"/>
+            </a:xfrm>
+          </p:grpSpPr>
+          <p:pic>
+            <p:nvPicPr>
+              <p:cNvPr id="11" name="Picture 10">
+                <a:extLst>
+                  <a:ext uri="{FF2B5EF4-FFF2-40B4-BE49-F238E27FC236}">
+                    <a16:creationId xmlns:a16="http://schemas.microsoft.com/office/drawing/2014/main" id="{36C1BC84-059B-4E4D-AA31-3A366D73E49E}"/>
+                  </a:ext>
+                </a:extLst>
+              </p:cNvPr>
+              <p:cNvPicPr>
+                <a:picLocks noChangeAspect="1"/>
+              </p:cNvPicPr>
+              <p:nvPr/>
+            </p:nvPicPr>
+            <p:blipFill>
+              <a:blip r:embed="rId2">
+                <a:extLst>
+                  <a:ext uri="{28A0092B-C50C-407E-A947-70E740481C1C}">
+                    <a14:useLocalDpi xmlns:a14="http://schemas.microsoft.com/office/drawing/2010/main" val="0"/>
+                  </a:ext>
+                </a:extLst>
+              </a:blip>
+              <a:stretch>
+                <a:fillRect/>
+              </a:stretch>
+            </p:blipFill>
+            <p:spPr>
+              <a:xfrm>
+                <a:off x="705301" y="2052365"/>
+                <a:ext cx="5603844" cy="3090246"/>
+              </a:xfrm>
+              <a:prstGeom prst="rect">
+                <a:avLst/>
+              </a:prstGeom>
+              <a:effectLst>
+                <a:outerShdw blurRad="50800" dist="38100" dir="5400000" algn="t" rotWithShape="0">
+                  <a:prstClr val="black">
+                    <a:alpha val="40000"/>
+                  </a:prstClr>
+                </a:outerShdw>
+              </a:effectLst>
+            </p:spPr>
+          </p:pic>
+          <p:pic>
+            <p:nvPicPr>
+              <p:cNvPr id="12" name="Picture 11">
+                <a:extLst>
+                  <a:ext uri="{FF2B5EF4-FFF2-40B4-BE49-F238E27FC236}">
+                    <a16:creationId xmlns:a16="http://schemas.microsoft.com/office/drawing/2014/main" id="{B47D49E1-132D-46C0-B89B-913B947442B4}"/>
+                  </a:ext>
+                </a:extLst>
+              </p:cNvPr>
+              <p:cNvPicPr>
+                <a:picLocks noChangeAspect="1"/>
+              </p:cNvPicPr>
+              <p:nvPr/>
+            </p:nvPicPr>
+            <p:blipFill>
+              <a:blip r:embed="rId3">
+                <a:extLst>
+                  <a:ext uri="{28A0092B-C50C-407E-A947-70E740481C1C}">
+                    <a14:useLocalDpi xmlns:a14="http://schemas.microsoft.com/office/drawing/2010/main" val="0"/>
+                  </a:ext>
+                </a:extLst>
+              </a:blip>
+              <a:stretch>
+                <a:fillRect/>
+              </a:stretch>
+            </p:blipFill>
+            <p:spPr>
+              <a:xfrm>
+                <a:off x="1264843" y="2298120"/>
+                <a:ext cx="4484760" cy="2473126"/>
+              </a:xfrm>
+              <a:prstGeom prst="rect">
+                <a:avLst/>
+              </a:prstGeom>
+              <a:effectLst>
+                <a:outerShdw blurRad="50800" dist="38100" dir="2700000" algn="tl" rotWithShape="0">
+                  <a:schemeClr val="bg1">
+                    <a:alpha val="40000"/>
+                  </a:schemeClr>
+                </a:outerShdw>
+              </a:effectLst>
+            </p:spPr>
+          </p:pic>
+        </p:grpSp>
+      </p:grpSp>
+    </p:spTree>
+    <p:extLst>
+      <p:ext uri="{BB962C8B-B14F-4D97-AF65-F5344CB8AC3E}">
+        <p14:creationId xmlns:p14="http://schemas.microsoft.com/office/powerpoint/2010/main" val="1174701574"/>
+      </p:ext>
+    </p:extLst>
+  </p:cSld>
+  <p:clrMapOvr>
+    <a:masterClrMapping/>
+  </p:clrMapOvr>
+</p:sldLayout>
+</file>
+
+<file path=ppt/slideLayouts/slideLayout5.xml><?xml version="1.0" encoding="utf-8"?>
+<p:sldLayout xmlns:a="http://schemas.openxmlformats.org/drawingml/2006/main" xmlns:r="http://schemas.openxmlformats.org/officeDocument/2006/relationships" xmlns:p="http://schemas.openxmlformats.org/presentationml/2006/main" type="twoTxTwoObj" preserve="1">
+  <p:cSld name="Comparison">
+    <p:spTree>
+      <p:nvGrpSpPr>
+        <p:cNvPr id="1" name=""/>
+        <p:cNvGrpSpPr/>
+        <p:nvPr/>
+      </p:nvGrpSpPr>
+      <p:grpSpPr>
+        <a:xfrm>
+          <a:off x="0" y="0"/>
+          <a:ext cx="0" cy="0"/>
+          <a:chOff x="0" y="0"/>
+          <a:chExt cx="0" cy="0"/>
+        </a:xfrm>
+      </p:grpSpPr>
+      <p:sp>
+        <p:nvSpPr>
+          <p:cNvPr id="2" name="Title 1">
+            <a:extLst>
+              <a:ext uri="{FF2B5EF4-FFF2-40B4-BE49-F238E27FC236}">
+                <a16:creationId xmlns:a16="http://schemas.microsoft.com/office/drawing/2014/main" id="{795F92CE-B015-44DA-95CE-CBE302B5AFC7}"/>
+              </a:ext>
+            </a:extLst>
+          </p:cNvPr>
+          <p:cNvSpPr>
+            <a:spLocks noGrp="1"/>
+          </p:cNvSpPr>
+          <p:nvPr>
+            <p:ph type="title"/>
+          </p:nvPr>
+        </p:nvSpPr>
+        <p:spPr>
+          <a:xfrm>
+            <a:off x="839788" y="365125"/>
+            <a:ext cx="10515600" cy="1325563"/>
+          </a:xfrm>
+        </p:spPr>
+        <p:txBody>
+          <a:bodyPr/>
+          <a:lstStyle/>
+          <a:p>
+            <a:r>
+              <a:rPr lang="en-US"/>
+              <a:t>Click to edit Master title style</a:t>
+            </a:r>
+          </a:p>
+        </p:txBody>
+      </p:sp>
+      <p:sp>
+        <p:nvSpPr>
+          <p:cNvPr id="3" name="Text Placeholder 2">
+            <a:extLst>
+              <a:ext uri="{FF2B5EF4-FFF2-40B4-BE49-F238E27FC236}">
+                <a16:creationId xmlns:a16="http://schemas.microsoft.com/office/drawing/2014/main" id="{8A67F506-A8DA-4C86-A544-3DE6F8A13695}"/>
+              </a:ext>
+            </a:extLst>
+          </p:cNvPr>
+          <p:cNvSpPr>
+            <a:spLocks noGrp="1"/>
+          </p:cNvSpPr>
+          <p:nvPr>
+            <p:ph type="body" idx="1"/>
+          </p:nvPr>
+        </p:nvSpPr>
+        <p:spPr>
+          <a:xfrm>
+            <a:off x="839788" y="1681163"/>
+            <a:ext cx="5157787" cy="823912"/>
+          </a:xfrm>
+        </p:spPr>
+        <p:txBody>
+          <a:bodyPr anchor="b"/>
+          <a:lstStyle>
+            <a:lvl1pPr marL="0" indent="0">
+              <a:buNone/>
+              <a:defRPr sz="2400" b="1"/>
+            </a:lvl1pPr>
+            <a:lvl2pPr marL="457200" indent="0">
+              <a:buNone/>
+              <a:defRPr sz="2000" b="1"/>
+            </a:lvl2pPr>
+            <a:lvl3pPr marL="914400" indent="0">
+              <a:buNone/>
+              <a:defRPr sz="1800" b="1"/>
+            </a:lvl3pPr>
+            <a:lvl4pPr marL="1371600" indent="0">
+              <a:buNone/>
+              <a:defRPr sz="1600" b="1"/>
+            </a:lvl4pPr>
+            <a:lvl5pPr marL="1828800" indent="0">
+              <a:buNone/>
+              <a:defRPr sz="1600" b="1"/>
+            </a:lvl5pPr>
+            <a:lvl6pPr marL="2286000" indent="0">
+              <a:buNone/>
+              <a:defRPr sz="1600" b="1"/>
+            </a:lvl6pPr>
+            <a:lvl7pPr marL="2743200" indent="0">
+              <a:buNone/>
+              <a:defRPr sz="1600" b="1"/>
+            </a:lvl7pPr>
+            <a:lvl8pPr marL="3200400" indent="0">
+              <a:buNone/>
+              <a:defRPr sz="1600" b="1"/>
+            </a:lvl8pPr>
+            <a:lvl9pPr marL="3657600" indent="0">
+              <a:buNone/>
+              <a:defRPr sz="1600" b="1"/>
+            </a:lvl9pPr>
+          </a:lstStyle>
+          <a:p>
+            <a:pPr lvl="0"/>
+            <a:r>
+              <a:rPr lang="en-US"/>
+              <a:t>Edit Master text styles</a:t>
+            </a:r>
+          </a:p>
+        </p:txBody>
+      </p:sp>
+      <p:sp>
+        <p:nvSpPr>
+          <p:cNvPr id="4" name="Content Placeholder 3">
+            <a:extLst>
+              <a:ext uri="{FF2B5EF4-FFF2-40B4-BE49-F238E27FC236}">
+                <a16:creationId xmlns:a16="http://schemas.microsoft.com/office/drawing/2014/main" id="{AED6EA68-0452-4A44-83DE-98684E391253}"/>
+              </a:ext>
+            </a:extLst>
+          </p:cNvPr>
+          <p:cNvSpPr>
+            <a:spLocks noGrp="1"/>
+          </p:cNvSpPr>
+          <p:nvPr>
+            <p:ph sz="half" idx="2"/>
+          </p:nvPr>
+        </p:nvSpPr>
+        <p:spPr>
+          <a:xfrm>
+            <a:off x="839788" y="2505075"/>
+            <a:ext cx="5157787" cy="3684588"/>
+          </a:xfrm>
+        </p:spPr>
+        <p:txBody>
+          <a:bodyPr/>
+          <a:lstStyle/>
+          <a:p>
+            <a:pPr lvl="0"/>
+            <a:r>
+              <a:rPr lang="en-US"/>
+              <a:t>Edit Master text styles</a:t>
+            </a:r>
+          </a:p>
+          <a:p>
+            <a:pPr lvl="1"/>
+            <a:r>
+              <a:rPr lang="en-US"/>
+              <a:t>Second level</a:t>
+            </a:r>
+          </a:p>
+          <a:p>
+            <a:pPr lvl="2"/>
+            <a:r>
+              <a:rPr lang="en-US"/>
+              <a:t>Third level</a:t>
+            </a:r>
+          </a:p>
+          <a:p>
+            <a:pPr lvl="3"/>
+            <a:r>
+              <a:rPr lang="en-US"/>
+              <a:t>Fourth level</a:t>
+            </a:r>
+          </a:p>
+          <a:p>
+            <a:pPr lvl="4"/>
+            <a:r>
+              <a:rPr lang="en-US"/>
+              <a:t>Fifth level</a:t>
+            </a:r>
+          </a:p>
+        </p:txBody>
+      </p:sp>
+      <p:sp>
+        <p:nvSpPr>
+          <p:cNvPr id="5" name="Text Placeholder 4">
+            <a:extLst>
+              <a:ext uri="{FF2B5EF4-FFF2-40B4-BE49-F238E27FC236}">
+                <a16:creationId xmlns:a16="http://schemas.microsoft.com/office/drawing/2014/main" id="{8DC6B579-AEBB-4D9C-89B7-D82862A51A54}"/>
+              </a:ext>
+            </a:extLst>
+          </p:cNvPr>
+          <p:cNvSpPr>
+            <a:spLocks noGrp="1"/>
+          </p:cNvSpPr>
+          <p:nvPr>
+            <p:ph type="body" sz="quarter" idx="3"/>
+          </p:nvPr>
+        </p:nvSpPr>
+        <p:spPr>
+          <a:xfrm>
+            <a:off x="6172200" y="1681163"/>
+            <a:ext cx="5183188" cy="823912"/>
+          </a:xfrm>
+        </p:spPr>
+        <p:txBody>
+          <a:bodyPr anchor="b"/>
+          <a:lstStyle>
+            <a:lvl1pPr marL="0" indent="0">
+              <a:buNone/>
+              <a:defRPr sz="2400" b="1"/>
+            </a:lvl1pPr>
+            <a:lvl2pPr marL="457200" indent="0">
+              <a:buNone/>
+              <a:defRPr sz="2000" b="1"/>
+            </a:lvl2pPr>
+            <a:lvl3pPr marL="914400" indent="0">
+              <a:buNone/>
+              <a:defRPr sz="1800" b="1"/>
+            </a:lvl3pPr>
+            <a:lvl4pPr marL="1371600" indent="0">
+              <a:buNone/>
+              <a:defRPr sz="1600" b="1"/>
+            </a:lvl4pPr>
+            <a:lvl5pPr marL="1828800" indent="0">
+              <a:buNone/>
+              <a:defRPr sz="1600" b="1"/>
+            </a:lvl5pPr>
+            <a:lvl6pPr marL="2286000" indent="0">
+              <a:buNone/>
+              <a:defRPr sz="1600" b="1"/>
+            </a:lvl6pPr>
+            <a:lvl7pPr marL="2743200" indent="0">
+              <a:buNone/>
+              <a:defRPr sz="1600" b="1"/>
+            </a:lvl7pPr>
+            <a:lvl8pPr marL="3200400" indent="0">
+              <a:buNone/>
+              <a:defRPr sz="1600" b="1"/>
+            </a:lvl8pPr>
+            <a:lvl9pPr marL="3657600" indent="0">
+              <a:buNone/>
+              <a:defRPr sz="1600" b="1"/>
+            </a:lvl9pPr>
+          </a:lstStyle>
+          <a:p>
+            <a:pPr lvl="0"/>
+            <a:r>
+              <a:rPr lang="en-US"/>
+              <a:t>Edit Master text styles</a:t>
+            </a:r>
+          </a:p>
+        </p:txBody>
+      </p:sp>
+      <p:sp>
+        <p:nvSpPr>
+          <p:cNvPr id="6" name="Content Placeholder 5">
+            <a:extLst>
+              <a:ext uri="{FF2B5EF4-FFF2-40B4-BE49-F238E27FC236}">
+                <a16:creationId xmlns:a16="http://schemas.microsoft.com/office/drawing/2014/main" id="{F1C2B7B2-FAE5-4B76-B45C-95B38E3E455F}"/>
+              </a:ext>
+            </a:extLst>
+          </p:cNvPr>
+          <p:cNvSpPr>
+            <a:spLocks noGrp="1"/>
+          </p:cNvSpPr>
+          <p:nvPr>
+            <p:ph sz="quarter" idx="4"/>
+          </p:nvPr>
+        </p:nvSpPr>
+        <p:spPr>
+          <a:xfrm>
+            <a:off x="6172200" y="2505075"/>
+            <a:ext cx="5183188" cy="3684588"/>
+          </a:xfrm>
+        </p:spPr>
+        <p:txBody>
+          <a:bodyPr/>
+          <a:lstStyle/>
+          <a:p>
+            <a:pPr lvl="0"/>
+            <a:r>
+              <a:rPr lang="en-US"/>
+              <a:t>Edit Master text styles</a:t>
+            </a:r>
+          </a:p>
+          <a:p>
+            <a:pPr lvl="1"/>
+            <a:r>
+              <a:rPr lang="en-US"/>
+              <a:t>Second level</a:t>
+            </a:r>
+          </a:p>
+          <a:p>
+            <a:pPr lvl="2"/>
+            <a:r>
+              <a:rPr lang="en-US"/>
+              <a:t>Third level</a:t>
+            </a:r>
+          </a:p>
+          <a:p>
+            <a:pPr lvl="3"/>
+            <a:r>
+              <a:rPr lang="en-US"/>
+              <a:t>Fourth level</a:t>
+            </a:r>
+          </a:p>
+          <a:p>
+            <a:pPr lvl="4"/>
+            <a:r>
+              <a:rPr lang="en-US"/>
+              <a:t>Fifth level</a:t>
+            </a:r>
+          </a:p>
+        </p:txBody>
+      </p:sp>
+      <p:sp>
+        <p:nvSpPr>
+          <p:cNvPr id="7" name="Date Placeholder 6">
+            <a:extLst>
+              <a:ext uri="{FF2B5EF4-FFF2-40B4-BE49-F238E27FC236}">
+                <a16:creationId xmlns:a16="http://schemas.microsoft.com/office/drawing/2014/main" id="{144455E2-850C-4232-A524-4B1569D73E80}"/>
+              </a:ext>
+            </a:extLst>
+          </p:cNvPr>
+          <p:cNvSpPr>
+            <a:spLocks noGrp="1"/>
+          </p:cNvSpPr>
+          <p:nvPr>
+            <p:ph type="dt" sz="half" idx="10"/>
+          </p:nvPr>
+        </p:nvSpPr>
+        <p:spPr/>
+        <p:txBody>
+          <a:bodyPr/>
+          <a:lstStyle/>
+          <a:p>
+            <a:fld id="{A8B89F18-586E-4B97-8EEA-25E99A190A89}" type="datetimeFigureOut">
+              <a:rPr lang="en-US" smtClean="0"/>
+              <a:t>9/20/2019</a:t>
+            </a:fld>
+            <a:endParaRPr lang="en-US"/>
+          </a:p>
+        </p:txBody>
+      </p:sp>
+      <p:sp>
+        <p:nvSpPr>
+          <p:cNvPr id="8" name="Footer Placeholder 7">
+            <a:extLst>
+              <a:ext uri="{FF2B5EF4-FFF2-40B4-BE49-F238E27FC236}">
+                <a16:creationId xmlns:a16="http://schemas.microsoft.com/office/drawing/2014/main" id="{64C9CEFA-AF40-4C9F-9699-79E0572C39DC}"/>
+              </a:ext>
+            </a:extLst>
+          </p:cNvPr>
+          <p:cNvSpPr>
+            <a:spLocks noGrp="1"/>
+          </p:cNvSpPr>
+          <p:nvPr>
+            <p:ph type="ftr" sz="quarter" idx="11"/>
+          </p:nvPr>
+        </p:nvSpPr>
+        <p:spPr/>
+        <p:txBody>
+          <a:bodyPr/>
+          <a:lstStyle/>
+          <a:p>
+            <a:endParaRPr lang="en-US"/>
+          </a:p>
+        </p:txBody>
+      </p:sp>
+      <p:sp>
+        <p:nvSpPr>
+          <p:cNvPr id="9" name="Slide Number Placeholder 8">
+            <a:extLst>
+              <a:ext uri="{FF2B5EF4-FFF2-40B4-BE49-F238E27FC236}">
+                <a16:creationId xmlns:a16="http://schemas.microsoft.com/office/drawing/2014/main" id="{5594AD01-BBEC-44DA-9E06-12EAC953441D}"/>
+              </a:ext>
+            </a:extLst>
+          </p:cNvPr>
+          <p:cNvSpPr>
+            <a:spLocks noGrp="1"/>
+          </p:cNvSpPr>
+          <p:nvPr>
+            <p:ph type="sldNum" sz="quarter" idx="12"/>
+          </p:nvPr>
+        </p:nvSpPr>
+        <p:spPr/>
+        <p:txBody>
+          <a:bodyPr/>
+          <a:lstStyle/>
+          <a:p>
+            <a:fld id="{734DA83B-C71A-4208-9071-1761995F3B54}" type="slidenum">
+              <a:rPr lang="en-US" smtClean="0"/>
+              <a:t>‹#›</a:t>
+            </a:fld>
+            <a:endParaRPr lang="en-US"/>
+          </a:p>
+        </p:txBody>
+      </p:sp>
+      <p:grpSp>
+        <p:nvGrpSpPr>
+          <p:cNvPr id="10" name="Group 9">
+            <a:extLst>
+              <a:ext uri="{FF2B5EF4-FFF2-40B4-BE49-F238E27FC236}">
+                <a16:creationId xmlns:a16="http://schemas.microsoft.com/office/drawing/2014/main" id="{623E0F42-2B37-4972-9BC2-B16A65FF631A}"/>
+              </a:ext>
+            </a:extLst>
+          </p:cNvPr>
+          <p:cNvGrpSpPr/>
+          <p:nvPr userDrawn="1"/>
+        </p:nvGrpSpPr>
+        <p:grpSpPr>
+          <a:xfrm>
+            <a:off x="0" y="5776566"/>
+            <a:ext cx="12192001" cy="1081434"/>
+            <a:chOff x="0" y="5776566"/>
+            <a:chExt cx="12192001" cy="1081434"/>
+          </a:xfrm>
+        </p:grpSpPr>
+        <p:sp>
+          <p:nvSpPr>
+            <p:cNvPr id="11" name="Rectangle 10">
+              <a:extLst>
+                <a:ext uri="{FF2B5EF4-FFF2-40B4-BE49-F238E27FC236}">
+                  <a16:creationId xmlns:a16="http://schemas.microsoft.com/office/drawing/2014/main" id="{A12B1617-DF0C-4EC1-A665-1BC2B2EBFB96}"/>
+                </a:ext>
+              </a:extLst>
+            </p:cNvPr>
+            <p:cNvSpPr/>
+            <p:nvPr/>
+          </p:nvSpPr>
+          <p:spPr>
+            <a:xfrm>
+              <a:off x="0" y="6098596"/>
+              <a:ext cx="12192001" cy="759404"/>
+            </a:xfrm>
+            <a:prstGeom prst="rect">
+              <a:avLst/>
+            </a:prstGeom>
+            <a:gradFill flip="none" rotWithShape="1">
+              <a:gsLst>
+                <a:gs pos="0">
+                  <a:schemeClr val="bg1"/>
+                </a:gs>
+                <a:gs pos="0">
+                  <a:srgbClr val="0070C0"/>
+                </a:gs>
+                <a:gs pos="90000">
+                  <a:schemeClr val="bg1"/>
+                </a:gs>
+              </a:gsLst>
+              <a:path path="circle">
+                <a:fillToRect l="100000" t="100000"/>
+              </a:path>
+              <a:tileRect r="-100000" b="-100000"/>
+            </a:gradFill>
+            <a:ln>
+              <a:noFill/>
+            </a:ln>
+          </p:spPr>
+          <p:style>
+            <a:lnRef idx="2">
+              <a:schemeClr val="accent1">
+                <a:shade val="50000"/>
+              </a:schemeClr>
+            </a:lnRef>
+            <a:fillRef idx="1">
+              <a:schemeClr val="accent1"/>
+            </a:fillRef>
+            <a:effectRef idx="0">
+              <a:schemeClr val="accent1"/>
+            </a:effectRef>
+            <a:fontRef idx="minor">
+              <a:schemeClr val="lt1"/>
+            </a:fontRef>
+          </p:style>
+          <p:txBody>
+            <a:bodyPr rtlCol="0" anchor="ctr"/>
+            <a:lstStyle/>
+            <a:p>
+              <a:pPr algn="ctr"/>
+              <a:endParaRPr lang="en-US"/>
+            </a:p>
+          </p:txBody>
+        </p:sp>
+        <p:grpSp>
+          <p:nvGrpSpPr>
+            <p:cNvPr id="12" name="Group 11">
+              <a:extLst>
+                <a:ext uri="{FF2B5EF4-FFF2-40B4-BE49-F238E27FC236}">
+                  <a16:creationId xmlns:a16="http://schemas.microsoft.com/office/drawing/2014/main" id="{4DA8F3E3-3343-4CFC-94EB-314B7C696D0A}"/>
+                </a:ext>
+              </a:extLst>
+            </p:cNvPr>
+            <p:cNvGrpSpPr/>
+            <p:nvPr/>
+          </p:nvGrpSpPr>
+          <p:grpSpPr>
+            <a:xfrm>
+              <a:off x="136116" y="5776566"/>
+              <a:ext cx="1766413" cy="974090"/>
+              <a:chOff x="705301" y="2052365"/>
+              <a:chExt cx="5603844" cy="3090246"/>
+            </a:xfrm>
+          </p:grpSpPr>
+          <p:pic>
+            <p:nvPicPr>
+              <p:cNvPr id="13" name="Picture 12">
+                <a:extLst>
+                  <a:ext uri="{FF2B5EF4-FFF2-40B4-BE49-F238E27FC236}">
+                    <a16:creationId xmlns:a16="http://schemas.microsoft.com/office/drawing/2014/main" id="{C117E61D-AC5F-4391-B1D4-7706FD96635B}"/>
+                  </a:ext>
+                </a:extLst>
+              </p:cNvPr>
+              <p:cNvPicPr>
+                <a:picLocks noChangeAspect="1"/>
+              </p:cNvPicPr>
+              <p:nvPr/>
+            </p:nvPicPr>
+            <p:blipFill>
+              <a:blip r:embed="rId2">
+                <a:extLst>
+                  <a:ext uri="{28A0092B-C50C-407E-A947-70E740481C1C}">
+                    <a14:useLocalDpi xmlns:a14="http://schemas.microsoft.com/office/drawing/2010/main" val="0"/>
+                  </a:ext>
+                </a:extLst>
+              </a:blip>
+              <a:stretch>
+                <a:fillRect/>
+              </a:stretch>
+            </p:blipFill>
+            <p:spPr>
+              <a:xfrm>
+                <a:off x="705301" y="2052365"/>
+                <a:ext cx="5603844" cy="3090246"/>
+              </a:xfrm>
+              <a:prstGeom prst="rect">
+                <a:avLst/>
+              </a:prstGeom>
+              <a:effectLst>
+                <a:outerShdw blurRad="50800" dist="38100" dir="5400000" algn="t" rotWithShape="0">
+                  <a:prstClr val="black">
+                    <a:alpha val="40000"/>
+                  </a:prstClr>
+                </a:outerShdw>
+              </a:effectLst>
+            </p:spPr>
+          </p:pic>
+          <p:pic>
+            <p:nvPicPr>
+              <p:cNvPr id="14" name="Picture 13">
+                <a:extLst>
+                  <a:ext uri="{FF2B5EF4-FFF2-40B4-BE49-F238E27FC236}">
+                    <a16:creationId xmlns:a16="http://schemas.microsoft.com/office/drawing/2014/main" id="{0B862DA2-B617-4735-A124-DF4CB0482707}"/>
+                  </a:ext>
+                </a:extLst>
+              </p:cNvPr>
+              <p:cNvPicPr>
+                <a:picLocks noChangeAspect="1"/>
+              </p:cNvPicPr>
+              <p:nvPr/>
+            </p:nvPicPr>
+            <p:blipFill>
+              <a:blip r:embed="rId3">
+                <a:extLst>
+                  <a:ext uri="{28A0092B-C50C-407E-A947-70E740481C1C}">
+                    <a14:useLocalDpi xmlns:a14="http://schemas.microsoft.com/office/drawing/2010/main" val="0"/>
+                  </a:ext>
+                </a:extLst>
+              </a:blip>
+              <a:stretch>
+                <a:fillRect/>
+              </a:stretch>
+            </p:blipFill>
+            <p:spPr>
+              <a:xfrm>
+                <a:off x="1264843" y="2298120"/>
+                <a:ext cx="4484760" cy="2473126"/>
+              </a:xfrm>
+              <a:prstGeom prst="rect">
+                <a:avLst/>
+              </a:prstGeom>
+              <a:effectLst>
+                <a:outerShdw blurRad="50800" dist="38100" dir="2700000" algn="tl" rotWithShape="0">
+                  <a:schemeClr val="bg1">
+                    <a:alpha val="40000"/>
+                  </a:schemeClr>
+                </a:outerShdw>
+              </a:effectLst>
+            </p:spPr>
+          </p:pic>
+        </p:grpSp>
+      </p:grpSp>
+    </p:spTree>
+    <p:extLst>
+      <p:ext uri="{BB962C8B-B14F-4D97-AF65-F5344CB8AC3E}">
+        <p14:creationId xmlns:p14="http://schemas.microsoft.com/office/powerpoint/2010/main" val="3255616129"/>
+      </p:ext>
+    </p:extLst>
+  </p:cSld>
+  <p:clrMapOvr>
+    <a:masterClrMapping/>
+  </p:clrMapOvr>
+</p:sldLayout>
+</file>
+
+<file path=ppt/slideLayouts/slideLayout6.xml><?xml version="1.0" encoding="utf-8"?>
 <p:sldLayout xmlns:a="http://schemas.openxmlformats.org/drawingml/2006/main" xmlns:r="http://schemas.openxmlformats.org/officeDocument/2006/relationships" xmlns:p="http://schemas.openxmlformats.org/presentationml/2006/main" type="titleOnly" preserve="1">
   <p:cSld name="Title Only">
     <p:spTree>
@@ -1288,7 +4174,13 @@
       </p:grpSpPr>
       <p:sp>
         <p:nvSpPr>
-          <p:cNvPr id="2" name="Title 1"/>
+          <p:cNvPr id="2" name="Title 1">
+            <a:extLst>
+              <a:ext uri="{FF2B5EF4-FFF2-40B4-BE49-F238E27FC236}">
+                <a16:creationId xmlns:a16="http://schemas.microsoft.com/office/drawing/2014/main" id="{959F66BF-9800-4D30-B1CB-5CFB6DA7DB89}"/>
+              </a:ext>
+            </a:extLst>
+          </p:cNvPr>
           <p:cNvSpPr>
             <a:spLocks noGrp="1"/>
           </p:cNvSpPr>
@@ -1308,370 +4200,287 @@
           </a:p>
         </p:txBody>
       </p:sp>
+      <p:sp>
+        <p:nvSpPr>
+          <p:cNvPr id="3" name="Date Placeholder 2">
+            <a:extLst>
+              <a:ext uri="{FF2B5EF4-FFF2-40B4-BE49-F238E27FC236}">
+                <a16:creationId xmlns:a16="http://schemas.microsoft.com/office/drawing/2014/main" id="{738CC377-CE04-47B5-9E02-FE68E981A12C}"/>
+              </a:ext>
+            </a:extLst>
+          </p:cNvPr>
+          <p:cNvSpPr>
+            <a:spLocks noGrp="1"/>
+          </p:cNvSpPr>
+          <p:nvPr>
+            <p:ph type="dt" sz="half" idx="10"/>
+          </p:nvPr>
+        </p:nvSpPr>
+        <p:spPr/>
+        <p:txBody>
+          <a:bodyPr/>
+          <a:lstStyle/>
+          <a:p>
+            <a:fld id="{A8B89F18-586E-4B97-8EEA-25E99A190A89}" type="datetimeFigureOut">
+              <a:rPr lang="en-US" smtClean="0"/>
+              <a:t>9/20/2019</a:t>
+            </a:fld>
+            <a:endParaRPr lang="en-US"/>
+          </a:p>
+        </p:txBody>
+      </p:sp>
+      <p:sp>
+        <p:nvSpPr>
+          <p:cNvPr id="4" name="Footer Placeholder 3">
+            <a:extLst>
+              <a:ext uri="{FF2B5EF4-FFF2-40B4-BE49-F238E27FC236}">
+                <a16:creationId xmlns:a16="http://schemas.microsoft.com/office/drawing/2014/main" id="{5033F141-3B64-4A16-96AE-4666D326F09F}"/>
+              </a:ext>
+            </a:extLst>
+          </p:cNvPr>
+          <p:cNvSpPr>
+            <a:spLocks noGrp="1"/>
+          </p:cNvSpPr>
+          <p:nvPr>
+            <p:ph type="ftr" sz="quarter" idx="11"/>
+          </p:nvPr>
+        </p:nvSpPr>
+        <p:spPr/>
+        <p:txBody>
+          <a:bodyPr/>
+          <a:lstStyle/>
+          <a:p>
+            <a:endParaRPr lang="en-US"/>
+          </a:p>
+        </p:txBody>
+      </p:sp>
+      <p:sp>
+        <p:nvSpPr>
+          <p:cNvPr id="5" name="Slide Number Placeholder 4">
+            <a:extLst>
+              <a:ext uri="{FF2B5EF4-FFF2-40B4-BE49-F238E27FC236}">
+                <a16:creationId xmlns:a16="http://schemas.microsoft.com/office/drawing/2014/main" id="{910FCD43-7B66-4352-98E0-D14124E35A05}"/>
+              </a:ext>
+            </a:extLst>
+          </p:cNvPr>
+          <p:cNvSpPr>
+            <a:spLocks noGrp="1"/>
+          </p:cNvSpPr>
+          <p:nvPr>
+            <p:ph type="sldNum" sz="quarter" idx="12"/>
+          </p:nvPr>
+        </p:nvSpPr>
+        <p:spPr/>
+        <p:txBody>
+          <a:bodyPr/>
+          <a:lstStyle/>
+          <a:p>
+            <a:fld id="{734DA83B-C71A-4208-9071-1761995F3B54}" type="slidenum">
+              <a:rPr lang="en-US" smtClean="0"/>
+              <a:t>‹#›</a:t>
+            </a:fld>
+            <a:endParaRPr lang="en-US"/>
+          </a:p>
+        </p:txBody>
+      </p:sp>
+      <p:grpSp>
+        <p:nvGrpSpPr>
+          <p:cNvPr id="6" name="Group 5">
+            <a:extLst>
+              <a:ext uri="{FF2B5EF4-FFF2-40B4-BE49-F238E27FC236}">
+                <a16:creationId xmlns:a16="http://schemas.microsoft.com/office/drawing/2014/main" id="{FF79D422-689D-4E55-B5EA-8E5A5255EDC1}"/>
+              </a:ext>
+            </a:extLst>
+          </p:cNvPr>
+          <p:cNvGrpSpPr/>
+          <p:nvPr userDrawn="1"/>
+        </p:nvGrpSpPr>
+        <p:grpSpPr>
+          <a:xfrm>
+            <a:off x="0" y="5776566"/>
+            <a:ext cx="12192001" cy="1081434"/>
+            <a:chOff x="0" y="5776566"/>
+            <a:chExt cx="12192001" cy="1081434"/>
+          </a:xfrm>
+        </p:grpSpPr>
+        <p:sp>
+          <p:nvSpPr>
+            <p:cNvPr id="7" name="Rectangle 6">
+              <a:extLst>
+                <a:ext uri="{FF2B5EF4-FFF2-40B4-BE49-F238E27FC236}">
+                  <a16:creationId xmlns:a16="http://schemas.microsoft.com/office/drawing/2014/main" id="{53966F15-8002-456C-9577-6D49FC7D1CB7}"/>
+                </a:ext>
+              </a:extLst>
+            </p:cNvPr>
+            <p:cNvSpPr/>
+            <p:nvPr/>
+          </p:nvSpPr>
+          <p:spPr>
+            <a:xfrm>
+              <a:off x="0" y="6098596"/>
+              <a:ext cx="12192001" cy="759404"/>
+            </a:xfrm>
+            <a:prstGeom prst="rect">
+              <a:avLst/>
+            </a:prstGeom>
+            <a:gradFill flip="none" rotWithShape="1">
+              <a:gsLst>
+                <a:gs pos="0">
+                  <a:schemeClr val="bg1"/>
+                </a:gs>
+                <a:gs pos="0">
+                  <a:srgbClr val="0070C0"/>
+                </a:gs>
+                <a:gs pos="90000">
+                  <a:schemeClr val="bg1"/>
+                </a:gs>
+              </a:gsLst>
+              <a:path path="circle">
+                <a:fillToRect l="100000" t="100000"/>
+              </a:path>
+              <a:tileRect r="-100000" b="-100000"/>
+            </a:gradFill>
+            <a:ln>
+              <a:noFill/>
+            </a:ln>
+          </p:spPr>
+          <p:style>
+            <a:lnRef idx="2">
+              <a:schemeClr val="accent1">
+                <a:shade val="50000"/>
+              </a:schemeClr>
+            </a:lnRef>
+            <a:fillRef idx="1">
+              <a:schemeClr val="accent1"/>
+            </a:fillRef>
+            <a:effectRef idx="0">
+              <a:schemeClr val="accent1"/>
+            </a:effectRef>
+            <a:fontRef idx="minor">
+              <a:schemeClr val="lt1"/>
+            </a:fontRef>
+          </p:style>
+          <p:txBody>
+            <a:bodyPr rtlCol="0" anchor="ctr"/>
+            <a:lstStyle/>
+            <a:p>
+              <a:pPr algn="ctr"/>
+              <a:endParaRPr lang="en-US"/>
+            </a:p>
+          </p:txBody>
+        </p:sp>
+        <p:grpSp>
+          <p:nvGrpSpPr>
+            <p:cNvPr id="8" name="Group 7">
+              <a:extLst>
+                <a:ext uri="{FF2B5EF4-FFF2-40B4-BE49-F238E27FC236}">
+                  <a16:creationId xmlns:a16="http://schemas.microsoft.com/office/drawing/2014/main" id="{CDEB3100-8839-4966-97EC-7CC0A918F0A8}"/>
+                </a:ext>
+              </a:extLst>
+            </p:cNvPr>
+            <p:cNvGrpSpPr/>
+            <p:nvPr/>
+          </p:nvGrpSpPr>
+          <p:grpSpPr>
+            <a:xfrm>
+              <a:off x="136116" y="5776566"/>
+              <a:ext cx="1766413" cy="974090"/>
+              <a:chOff x="705301" y="2052365"/>
+              <a:chExt cx="5603844" cy="3090246"/>
+            </a:xfrm>
+          </p:grpSpPr>
+          <p:pic>
+            <p:nvPicPr>
+              <p:cNvPr id="9" name="Picture 8">
+                <a:extLst>
+                  <a:ext uri="{FF2B5EF4-FFF2-40B4-BE49-F238E27FC236}">
+                    <a16:creationId xmlns:a16="http://schemas.microsoft.com/office/drawing/2014/main" id="{A41E8894-14C0-4F7E-968F-C73F27DD83CA}"/>
+                  </a:ext>
+                </a:extLst>
+              </p:cNvPr>
+              <p:cNvPicPr>
+                <a:picLocks noChangeAspect="1"/>
+              </p:cNvPicPr>
+              <p:nvPr/>
+            </p:nvPicPr>
+            <p:blipFill>
+              <a:blip r:embed="rId2">
+                <a:extLst>
+                  <a:ext uri="{28A0092B-C50C-407E-A947-70E740481C1C}">
+                    <a14:useLocalDpi xmlns:a14="http://schemas.microsoft.com/office/drawing/2010/main" val="0"/>
+                  </a:ext>
+                </a:extLst>
+              </a:blip>
+              <a:stretch>
+                <a:fillRect/>
+              </a:stretch>
+            </p:blipFill>
+            <p:spPr>
+              <a:xfrm>
+                <a:off x="705301" y="2052365"/>
+                <a:ext cx="5603844" cy="3090246"/>
+              </a:xfrm>
+              <a:prstGeom prst="rect">
+                <a:avLst/>
+              </a:prstGeom>
+              <a:effectLst>
+                <a:outerShdw blurRad="50800" dist="38100" dir="5400000" algn="t" rotWithShape="0">
+                  <a:prstClr val="black">
+                    <a:alpha val="40000"/>
+                  </a:prstClr>
+                </a:outerShdw>
+              </a:effectLst>
+            </p:spPr>
+          </p:pic>
+          <p:pic>
+            <p:nvPicPr>
+              <p:cNvPr id="10" name="Picture 9">
+                <a:extLst>
+                  <a:ext uri="{FF2B5EF4-FFF2-40B4-BE49-F238E27FC236}">
+                    <a16:creationId xmlns:a16="http://schemas.microsoft.com/office/drawing/2014/main" id="{EC439C5E-7129-4704-B381-0F3A8636858D}"/>
+                  </a:ext>
+                </a:extLst>
+              </p:cNvPr>
+              <p:cNvPicPr>
+                <a:picLocks noChangeAspect="1"/>
+              </p:cNvPicPr>
+              <p:nvPr/>
+            </p:nvPicPr>
+            <p:blipFill>
+              <a:blip r:embed="rId3">
+                <a:extLst>
+                  <a:ext uri="{28A0092B-C50C-407E-A947-70E740481C1C}">
+                    <a14:useLocalDpi xmlns:a14="http://schemas.microsoft.com/office/drawing/2010/main" val="0"/>
+                  </a:ext>
+                </a:extLst>
+              </a:blip>
+              <a:stretch>
+                <a:fillRect/>
+              </a:stretch>
+            </p:blipFill>
+            <p:spPr>
+              <a:xfrm>
+                <a:off x="1264843" y="2298120"/>
+                <a:ext cx="4484760" cy="2473126"/>
+              </a:xfrm>
+              <a:prstGeom prst="rect">
+                <a:avLst/>
+              </a:prstGeom>
+              <a:effectLst>
+                <a:outerShdw blurRad="50800" dist="38100" dir="2700000" algn="tl" rotWithShape="0">
+                  <a:schemeClr val="bg1">
+                    <a:alpha val="40000"/>
+                  </a:schemeClr>
+                </a:outerShdw>
+              </a:effectLst>
+            </p:spPr>
+          </p:pic>
+        </p:grpSp>
+      </p:grpSp>
     </p:spTree>
     <p:extLst>
       <p:ext uri="{BB962C8B-B14F-4D97-AF65-F5344CB8AC3E}">
-        <p14:creationId xmlns:p14="http://schemas.microsoft.com/office/powerpoint/2010/main" val="1721537737"/>
-      </p:ext>
-    </p:extLst>
-  </p:cSld>
-  <p:clrMapOvr>
-    <a:masterClrMapping/>
-  </p:clrMapOvr>
-</p:sldLayout>
-</file>
-
-<file path=ppt/slideLayouts/slideLayout5.xml><?xml version="1.0" encoding="utf-8"?>
-<p:sldLayout xmlns:a="http://schemas.openxmlformats.org/drawingml/2006/main" xmlns:r="http://schemas.openxmlformats.org/officeDocument/2006/relationships" xmlns:p="http://schemas.openxmlformats.org/presentationml/2006/main" preserve="1" userDrawn="1">
-  <p:cSld name="Content Only">
-    <p:spTree>
-      <p:nvGrpSpPr>
-        <p:cNvPr id="1" name=""/>
-        <p:cNvGrpSpPr/>
-        <p:nvPr/>
-      </p:nvGrpSpPr>
-      <p:grpSpPr>
-        <a:xfrm>
-          <a:off x="0" y="0"/>
-          <a:ext cx="0" cy="0"/>
-          <a:chOff x="0" y="0"/>
-          <a:chExt cx="0" cy="0"/>
-        </a:xfrm>
-      </p:grpSpPr>
-      <p:sp>
-        <p:nvSpPr>
-          <p:cNvPr id="3" name="Content Placeholder 2"/>
-          <p:cNvSpPr>
-            <a:spLocks noGrp="1"/>
-          </p:cNvSpPr>
-          <p:nvPr>
-            <p:ph idx="1"/>
-          </p:nvPr>
-        </p:nvSpPr>
-        <p:spPr>
-          <a:xfrm>
-            <a:off x="360125" y="360363"/>
-            <a:ext cx="10800000" cy="5759450"/>
-          </a:xfrm>
-        </p:spPr>
-        <p:txBody>
-          <a:bodyPr/>
-          <a:lstStyle>
-            <a:lvl1pPr marL="0" indent="0">
-              <a:buFont typeface="Wingdings" charset="2"/>
-              <a:buNone/>
-              <a:defRPr>
-                <a:solidFill>
-                  <a:schemeClr val="tx2"/>
-                </a:solidFill>
-              </a:defRPr>
-            </a:lvl1pPr>
-            <a:lvl2pPr marL="576027" indent="0">
-              <a:buFont typeface="Wingdings" charset="2"/>
-              <a:buNone/>
-              <a:defRPr>
-                <a:solidFill>
-                  <a:srgbClr val="474947"/>
-                </a:solidFill>
-              </a:defRPr>
-            </a:lvl2pPr>
-            <a:lvl3pPr marL="1152053" indent="0">
-              <a:buFont typeface="Wingdings" charset="2"/>
-              <a:buNone/>
-              <a:defRPr>
-                <a:solidFill>
-                  <a:srgbClr val="474947"/>
-                </a:solidFill>
-              </a:defRPr>
-            </a:lvl3pPr>
-            <a:lvl4pPr marL="1728079" indent="0">
-              <a:buFont typeface="Wingdings" charset="2"/>
-              <a:buNone/>
-              <a:defRPr>
-                <a:solidFill>
-                  <a:srgbClr val="474947"/>
-                </a:solidFill>
-              </a:defRPr>
-            </a:lvl4pPr>
-            <a:lvl5pPr marL="2304105" indent="0">
-              <a:buFont typeface="Wingdings" charset="2"/>
-              <a:buNone/>
-              <a:defRPr>
-                <a:solidFill>
-                  <a:srgbClr val="474947"/>
-                </a:solidFill>
-              </a:defRPr>
-            </a:lvl5pPr>
-          </a:lstStyle>
-          <a:p>
-            <a:pPr lvl="0"/>
-            <a:r>
-              <a:rPr lang="en-US" dirty="0"/>
-              <a:t>Click to edit Master text styles</a:t>
-            </a:r>
-          </a:p>
-          <a:p>
-            <a:pPr lvl="1"/>
-            <a:r>
-              <a:rPr lang="en-US" dirty="0"/>
-              <a:t>Second level</a:t>
-            </a:r>
-          </a:p>
-          <a:p>
-            <a:pPr lvl="2"/>
-            <a:r>
-              <a:rPr lang="en-US" dirty="0"/>
-              <a:t>Third level</a:t>
-            </a:r>
-          </a:p>
-          <a:p>
-            <a:pPr lvl="3"/>
-            <a:r>
-              <a:rPr lang="en-US" dirty="0"/>
-              <a:t>Fourth level</a:t>
-            </a:r>
-          </a:p>
-          <a:p>
-            <a:pPr lvl="4"/>
-            <a:r>
-              <a:rPr lang="en-US" dirty="0"/>
-              <a:t>Fifth level</a:t>
-            </a:r>
-          </a:p>
-        </p:txBody>
-      </p:sp>
-    </p:spTree>
-    <p:extLst>
-      <p:ext uri="{BB962C8B-B14F-4D97-AF65-F5344CB8AC3E}">
-        <p14:creationId xmlns:p14="http://schemas.microsoft.com/office/powerpoint/2010/main" val="1890547697"/>
-      </p:ext>
-    </p:extLst>
-  </p:cSld>
-  <p:clrMapOvr>
-    <a:masterClrMapping/>
-  </p:clrMapOvr>
-</p:sldLayout>
-</file>
-
-<file path=ppt/slideLayouts/slideLayout6.xml><?xml version="1.0" encoding="utf-8"?>
-<p:sldLayout xmlns:a="http://schemas.openxmlformats.org/drawingml/2006/main" xmlns:r="http://schemas.openxmlformats.org/officeDocument/2006/relationships" xmlns:p="http://schemas.openxmlformats.org/presentationml/2006/main" type="twoObj" preserve="1">
-  <p:cSld name="Two Content">
-    <p:spTree>
-      <p:nvGrpSpPr>
-        <p:cNvPr id="1" name=""/>
-        <p:cNvGrpSpPr/>
-        <p:nvPr/>
-      </p:nvGrpSpPr>
-      <p:grpSpPr>
-        <a:xfrm>
-          <a:off x="0" y="0"/>
-          <a:ext cx="0" cy="0"/>
-          <a:chOff x="0" y="0"/>
-          <a:chExt cx="0" cy="0"/>
-        </a:xfrm>
-      </p:grpSpPr>
-      <p:sp>
-        <p:nvSpPr>
-          <p:cNvPr id="2" name="Title 1"/>
-          <p:cNvSpPr>
-            <a:spLocks noGrp="1"/>
-          </p:cNvSpPr>
-          <p:nvPr>
-            <p:ph type="title"/>
-          </p:nvPr>
-        </p:nvSpPr>
-        <p:spPr/>
-        <p:txBody>
-          <a:bodyPr/>
-          <a:lstStyle>
-            <a:lvl1pPr algn="l">
-              <a:defRPr/>
-            </a:lvl1pPr>
-          </a:lstStyle>
-          <a:p>
-            <a:r>
-              <a:rPr lang="en-US" dirty="0"/>
-              <a:t>Click to edit Master title style</a:t>
-            </a:r>
-          </a:p>
-        </p:txBody>
-      </p:sp>
-      <p:sp>
-        <p:nvSpPr>
-          <p:cNvPr id="3" name="Content Placeholder 2"/>
-          <p:cNvSpPr>
-            <a:spLocks noGrp="1"/>
-          </p:cNvSpPr>
-          <p:nvPr>
-            <p:ph sz="half" idx="1"/>
-          </p:nvPr>
-        </p:nvSpPr>
-        <p:spPr>
-          <a:xfrm>
-            <a:off x="361038" y="1439863"/>
-            <a:ext cx="5397726" cy="4679950"/>
-          </a:xfrm>
-        </p:spPr>
-        <p:txBody>
-          <a:bodyPr rIns="180000">
-            <a:normAutofit/>
-          </a:bodyPr>
-          <a:lstStyle>
-            <a:lvl1pPr>
-              <a:defRPr sz="2800"/>
-            </a:lvl1pPr>
-            <a:lvl2pPr>
-              <a:defRPr sz="2400"/>
-            </a:lvl2pPr>
-            <a:lvl3pPr>
-              <a:defRPr sz="2000"/>
-            </a:lvl3pPr>
-            <a:lvl4pPr>
-              <a:defRPr sz="1800"/>
-            </a:lvl4pPr>
-            <a:lvl5pPr>
-              <a:defRPr sz="1800"/>
-            </a:lvl5pPr>
-            <a:lvl6pPr>
-              <a:defRPr sz="2268"/>
-            </a:lvl6pPr>
-            <a:lvl7pPr>
-              <a:defRPr sz="2268"/>
-            </a:lvl7pPr>
-            <a:lvl8pPr>
-              <a:defRPr sz="2268"/>
-            </a:lvl8pPr>
-            <a:lvl9pPr>
-              <a:defRPr sz="2268"/>
-            </a:lvl9pPr>
-          </a:lstStyle>
-          <a:p>
-            <a:pPr lvl="0"/>
-            <a:r>
-              <a:rPr lang="en-US" dirty="0"/>
-              <a:t>Click to edit Master text styles</a:t>
-            </a:r>
-          </a:p>
-          <a:p>
-            <a:pPr lvl="1"/>
-            <a:r>
-              <a:rPr lang="en-US" dirty="0"/>
-              <a:t>Second level</a:t>
-            </a:r>
-          </a:p>
-          <a:p>
-            <a:pPr lvl="2"/>
-            <a:r>
-              <a:rPr lang="en-US" dirty="0"/>
-              <a:t>Third level</a:t>
-            </a:r>
-          </a:p>
-          <a:p>
-            <a:pPr lvl="3"/>
-            <a:r>
-              <a:rPr lang="en-US" dirty="0"/>
-              <a:t>Fourth level</a:t>
-            </a:r>
-          </a:p>
-          <a:p>
-            <a:pPr lvl="4"/>
-            <a:r>
-              <a:rPr lang="en-US" dirty="0"/>
-              <a:t>Fifth level</a:t>
-            </a:r>
-          </a:p>
-        </p:txBody>
-      </p:sp>
-      <p:sp>
-        <p:nvSpPr>
-          <p:cNvPr id="4" name="Content Placeholder 3"/>
-          <p:cNvSpPr>
-            <a:spLocks noGrp="1"/>
-          </p:cNvSpPr>
-          <p:nvPr>
-            <p:ph sz="half" idx="2" hasCustomPrompt="1"/>
-          </p:nvPr>
-        </p:nvSpPr>
-        <p:spPr>
-          <a:xfrm>
-            <a:off x="5761038" y="1439863"/>
-            <a:ext cx="5399087" cy="4679950"/>
-          </a:xfrm>
-        </p:spPr>
-        <p:txBody>
-          <a:bodyPr lIns="180000">
-            <a:normAutofit/>
-          </a:bodyPr>
-          <a:lstStyle>
-            <a:lvl1pPr>
-              <a:defRPr sz="2800"/>
-            </a:lvl1pPr>
-            <a:lvl2pPr>
-              <a:defRPr sz="2400"/>
-            </a:lvl2pPr>
-            <a:lvl3pPr>
-              <a:defRPr sz="2000"/>
-            </a:lvl3pPr>
-            <a:lvl4pPr>
-              <a:defRPr sz="1800"/>
-            </a:lvl4pPr>
-            <a:lvl5pPr>
-              <a:defRPr sz="1800"/>
-            </a:lvl5pPr>
-            <a:lvl6pPr>
-              <a:defRPr sz="2268"/>
-            </a:lvl6pPr>
-            <a:lvl7pPr>
-              <a:defRPr sz="2268"/>
-            </a:lvl7pPr>
-            <a:lvl8pPr>
-              <a:defRPr sz="2268"/>
-            </a:lvl8pPr>
-            <a:lvl9pPr>
-              <a:defRPr sz="2268"/>
-            </a:lvl9pPr>
-          </a:lstStyle>
-          <a:p>
-            <a:pPr lvl="0"/>
-            <a:r>
-              <a:rPr lang="en-US" dirty="0"/>
-              <a:t>Click to edit Master text styles</a:t>
-            </a:r>
-          </a:p>
-          <a:p>
-            <a:pPr lvl="1"/>
-            <a:r>
-              <a:rPr lang="en-US" dirty="0"/>
-              <a:t>Second level</a:t>
-            </a:r>
-          </a:p>
-          <a:p>
-            <a:pPr lvl="2"/>
-            <a:r>
-              <a:rPr lang="en-US" dirty="0"/>
-              <a:t>Third level</a:t>
-            </a:r>
-          </a:p>
-          <a:p>
-            <a:pPr lvl="3"/>
-            <a:r>
-              <a:rPr lang="en-US" dirty="0"/>
-              <a:t>Fourth level</a:t>
-            </a:r>
-          </a:p>
-          <a:p>
-            <a:pPr lvl="4"/>
-            <a:r>
-              <a:rPr lang="en-US" dirty="0"/>
-              <a:t>Fifth level</a:t>
-            </a:r>
-          </a:p>
-        </p:txBody>
-      </p:sp>
-    </p:spTree>
-    <p:extLst>
-      <p:ext uri="{BB962C8B-B14F-4D97-AF65-F5344CB8AC3E}">
-        <p14:creationId xmlns:p14="http://schemas.microsoft.com/office/powerpoint/2010/main" val="2062983015"/>
+        <p14:creationId xmlns:p14="http://schemas.microsoft.com/office/powerpoint/2010/main" val="710545777"/>
       </p:ext>
     </p:extLst>
   </p:cSld>
@@ -1698,10 +4507,1277 @@
           <a:chExt cx="0" cy="0"/>
         </a:xfrm>
       </p:grpSpPr>
+      <p:sp>
+        <p:nvSpPr>
+          <p:cNvPr id="2" name="Date Placeholder 1">
+            <a:extLst>
+              <a:ext uri="{FF2B5EF4-FFF2-40B4-BE49-F238E27FC236}">
+                <a16:creationId xmlns:a16="http://schemas.microsoft.com/office/drawing/2014/main" id="{9AA92E29-7716-48FC-8C08-1853C6D8DB0C}"/>
+              </a:ext>
+            </a:extLst>
+          </p:cNvPr>
+          <p:cNvSpPr>
+            <a:spLocks noGrp="1"/>
+          </p:cNvSpPr>
+          <p:nvPr>
+            <p:ph type="dt" sz="half" idx="10"/>
+          </p:nvPr>
+        </p:nvSpPr>
+        <p:spPr/>
+        <p:txBody>
+          <a:bodyPr/>
+          <a:lstStyle/>
+          <a:p>
+            <a:fld id="{A8B89F18-586E-4B97-8EEA-25E99A190A89}" type="datetimeFigureOut">
+              <a:rPr lang="en-US" smtClean="0"/>
+              <a:t>9/20/2019</a:t>
+            </a:fld>
+            <a:endParaRPr lang="en-US"/>
+          </a:p>
+        </p:txBody>
+      </p:sp>
+      <p:sp>
+        <p:nvSpPr>
+          <p:cNvPr id="3" name="Footer Placeholder 2">
+            <a:extLst>
+              <a:ext uri="{FF2B5EF4-FFF2-40B4-BE49-F238E27FC236}">
+                <a16:creationId xmlns:a16="http://schemas.microsoft.com/office/drawing/2014/main" id="{B9D6D73A-B50C-4071-9E97-EAB1330EF664}"/>
+              </a:ext>
+            </a:extLst>
+          </p:cNvPr>
+          <p:cNvSpPr>
+            <a:spLocks noGrp="1"/>
+          </p:cNvSpPr>
+          <p:nvPr>
+            <p:ph type="ftr" sz="quarter" idx="11"/>
+          </p:nvPr>
+        </p:nvSpPr>
+        <p:spPr/>
+        <p:txBody>
+          <a:bodyPr/>
+          <a:lstStyle/>
+          <a:p>
+            <a:endParaRPr lang="en-US"/>
+          </a:p>
+        </p:txBody>
+      </p:sp>
+      <p:sp>
+        <p:nvSpPr>
+          <p:cNvPr id="4" name="Slide Number Placeholder 3">
+            <a:extLst>
+              <a:ext uri="{FF2B5EF4-FFF2-40B4-BE49-F238E27FC236}">
+                <a16:creationId xmlns:a16="http://schemas.microsoft.com/office/drawing/2014/main" id="{CA8D7809-C288-43E4-A5F6-A3206DD20185}"/>
+              </a:ext>
+            </a:extLst>
+          </p:cNvPr>
+          <p:cNvSpPr>
+            <a:spLocks noGrp="1"/>
+          </p:cNvSpPr>
+          <p:nvPr>
+            <p:ph type="sldNum" sz="quarter" idx="12"/>
+          </p:nvPr>
+        </p:nvSpPr>
+        <p:spPr/>
+        <p:txBody>
+          <a:bodyPr/>
+          <a:lstStyle/>
+          <a:p>
+            <a:fld id="{734DA83B-C71A-4208-9071-1761995F3B54}" type="slidenum">
+              <a:rPr lang="en-US" smtClean="0"/>
+              <a:t>‹#›</a:t>
+            </a:fld>
+            <a:endParaRPr lang="en-US"/>
+          </a:p>
+        </p:txBody>
+      </p:sp>
+      <p:grpSp>
+        <p:nvGrpSpPr>
+          <p:cNvPr id="5" name="Group 4">
+            <a:extLst>
+              <a:ext uri="{FF2B5EF4-FFF2-40B4-BE49-F238E27FC236}">
+                <a16:creationId xmlns:a16="http://schemas.microsoft.com/office/drawing/2014/main" id="{43CA8A79-A0DD-4B8A-9ADE-F846B2619FEE}"/>
+              </a:ext>
+            </a:extLst>
+          </p:cNvPr>
+          <p:cNvGrpSpPr/>
+          <p:nvPr userDrawn="1"/>
+        </p:nvGrpSpPr>
+        <p:grpSpPr>
+          <a:xfrm>
+            <a:off x="0" y="5776566"/>
+            <a:ext cx="12192001" cy="1081434"/>
+            <a:chOff x="0" y="5776566"/>
+            <a:chExt cx="12192001" cy="1081434"/>
+          </a:xfrm>
+        </p:grpSpPr>
+        <p:sp>
+          <p:nvSpPr>
+            <p:cNvPr id="6" name="Rectangle 5">
+              <a:extLst>
+                <a:ext uri="{FF2B5EF4-FFF2-40B4-BE49-F238E27FC236}">
+                  <a16:creationId xmlns:a16="http://schemas.microsoft.com/office/drawing/2014/main" id="{D867D514-198A-4178-A7AF-22CE24DC949B}"/>
+                </a:ext>
+              </a:extLst>
+            </p:cNvPr>
+            <p:cNvSpPr/>
+            <p:nvPr/>
+          </p:nvSpPr>
+          <p:spPr>
+            <a:xfrm>
+              <a:off x="0" y="6098596"/>
+              <a:ext cx="12192001" cy="759404"/>
+            </a:xfrm>
+            <a:prstGeom prst="rect">
+              <a:avLst/>
+            </a:prstGeom>
+            <a:gradFill flip="none" rotWithShape="1">
+              <a:gsLst>
+                <a:gs pos="0">
+                  <a:schemeClr val="bg1"/>
+                </a:gs>
+                <a:gs pos="0">
+                  <a:srgbClr val="0070C0"/>
+                </a:gs>
+                <a:gs pos="90000">
+                  <a:schemeClr val="bg1"/>
+                </a:gs>
+              </a:gsLst>
+              <a:path path="circle">
+                <a:fillToRect l="100000" t="100000"/>
+              </a:path>
+              <a:tileRect r="-100000" b="-100000"/>
+            </a:gradFill>
+            <a:ln>
+              <a:noFill/>
+            </a:ln>
+          </p:spPr>
+          <p:style>
+            <a:lnRef idx="2">
+              <a:schemeClr val="accent1">
+                <a:shade val="50000"/>
+              </a:schemeClr>
+            </a:lnRef>
+            <a:fillRef idx="1">
+              <a:schemeClr val="accent1"/>
+            </a:fillRef>
+            <a:effectRef idx="0">
+              <a:schemeClr val="accent1"/>
+            </a:effectRef>
+            <a:fontRef idx="minor">
+              <a:schemeClr val="lt1"/>
+            </a:fontRef>
+          </p:style>
+          <p:txBody>
+            <a:bodyPr rtlCol="0" anchor="ctr"/>
+            <a:lstStyle/>
+            <a:p>
+              <a:pPr algn="ctr"/>
+              <a:endParaRPr lang="en-US"/>
+            </a:p>
+          </p:txBody>
+        </p:sp>
+        <p:grpSp>
+          <p:nvGrpSpPr>
+            <p:cNvPr id="7" name="Group 6">
+              <a:extLst>
+                <a:ext uri="{FF2B5EF4-FFF2-40B4-BE49-F238E27FC236}">
+                  <a16:creationId xmlns:a16="http://schemas.microsoft.com/office/drawing/2014/main" id="{8B20ED1C-80FC-4415-8C15-A2399DB33F27}"/>
+                </a:ext>
+              </a:extLst>
+            </p:cNvPr>
+            <p:cNvGrpSpPr/>
+            <p:nvPr/>
+          </p:nvGrpSpPr>
+          <p:grpSpPr>
+            <a:xfrm>
+              <a:off x="136116" y="5776566"/>
+              <a:ext cx="1766413" cy="974090"/>
+              <a:chOff x="705301" y="2052365"/>
+              <a:chExt cx="5603844" cy="3090246"/>
+            </a:xfrm>
+          </p:grpSpPr>
+          <p:pic>
+            <p:nvPicPr>
+              <p:cNvPr id="8" name="Picture 7">
+                <a:extLst>
+                  <a:ext uri="{FF2B5EF4-FFF2-40B4-BE49-F238E27FC236}">
+                    <a16:creationId xmlns:a16="http://schemas.microsoft.com/office/drawing/2014/main" id="{8D0BB832-B428-4EA3-9E0A-A3F87A175A73}"/>
+                  </a:ext>
+                </a:extLst>
+              </p:cNvPr>
+              <p:cNvPicPr>
+                <a:picLocks noChangeAspect="1"/>
+              </p:cNvPicPr>
+              <p:nvPr/>
+            </p:nvPicPr>
+            <p:blipFill>
+              <a:blip r:embed="rId2">
+                <a:extLst>
+                  <a:ext uri="{28A0092B-C50C-407E-A947-70E740481C1C}">
+                    <a14:useLocalDpi xmlns:a14="http://schemas.microsoft.com/office/drawing/2010/main" val="0"/>
+                  </a:ext>
+                </a:extLst>
+              </a:blip>
+              <a:stretch>
+                <a:fillRect/>
+              </a:stretch>
+            </p:blipFill>
+            <p:spPr>
+              <a:xfrm>
+                <a:off x="705301" y="2052365"/>
+                <a:ext cx="5603844" cy="3090246"/>
+              </a:xfrm>
+              <a:prstGeom prst="rect">
+                <a:avLst/>
+              </a:prstGeom>
+              <a:effectLst>
+                <a:outerShdw blurRad="50800" dist="38100" dir="5400000" algn="t" rotWithShape="0">
+                  <a:prstClr val="black">
+                    <a:alpha val="40000"/>
+                  </a:prstClr>
+                </a:outerShdw>
+              </a:effectLst>
+            </p:spPr>
+          </p:pic>
+          <p:pic>
+            <p:nvPicPr>
+              <p:cNvPr id="9" name="Picture 8">
+                <a:extLst>
+                  <a:ext uri="{FF2B5EF4-FFF2-40B4-BE49-F238E27FC236}">
+                    <a16:creationId xmlns:a16="http://schemas.microsoft.com/office/drawing/2014/main" id="{023AED9E-4396-44BB-82AD-41C090D9320A}"/>
+                  </a:ext>
+                </a:extLst>
+              </p:cNvPr>
+              <p:cNvPicPr>
+                <a:picLocks noChangeAspect="1"/>
+              </p:cNvPicPr>
+              <p:nvPr/>
+            </p:nvPicPr>
+            <p:blipFill>
+              <a:blip r:embed="rId3">
+                <a:extLst>
+                  <a:ext uri="{28A0092B-C50C-407E-A947-70E740481C1C}">
+                    <a14:useLocalDpi xmlns:a14="http://schemas.microsoft.com/office/drawing/2010/main" val="0"/>
+                  </a:ext>
+                </a:extLst>
+              </a:blip>
+              <a:stretch>
+                <a:fillRect/>
+              </a:stretch>
+            </p:blipFill>
+            <p:spPr>
+              <a:xfrm>
+                <a:off x="1264843" y="2298120"/>
+                <a:ext cx="4484760" cy="2473126"/>
+              </a:xfrm>
+              <a:prstGeom prst="rect">
+                <a:avLst/>
+              </a:prstGeom>
+              <a:effectLst>
+                <a:outerShdw blurRad="50800" dist="38100" dir="2700000" algn="tl" rotWithShape="0">
+                  <a:schemeClr val="bg1">
+                    <a:alpha val="40000"/>
+                  </a:schemeClr>
+                </a:outerShdw>
+              </a:effectLst>
+            </p:spPr>
+          </p:pic>
+        </p:grpSp>
+      </p:grpSp>
     </p:spTree>
     <p:extLst>
       <p:ext uri="{BB962C8B-B14F-4D97-AF65-F5344CB8AC3E}">
-        <p14:creationId xmlns:p14="http://schemas.microsoft.com/office/powerpoint/2010/main" val="4186986387"/>
+        <p14:creationId xmlns:p14="http://schemas.microsoft.com/office/powerpoint/2010/main" val="3651941495"/>
+      </p:ext>
+    </p:extLst>
+  </p:cSld>
+  <p:clrMapOvr>
+    <a:masterClrMapping/>
+  </p:clrMapOvr>
+</p:sldLayout>
+</file>
+
+<file path=ppt/slideLayouts/slideLayout8.xml><?xml version="1.0" encoding="utf-8"?>
+<p:sldLayout xmlns:a="http://schemas.openxmlformats.org/drawingml/2006/main" xmlns:r="http://schemas.openxmlformats.org/officeDocument/2006/relationships" xmlns:p="http://schemas.openxmlformats.org/presentationml/2006/main" type="objTx" preserve="1">
+  <p:cSld name="Content with Caption">
+    <p:spTree>
+      <p:nvGrpSpPr>
+        <p:cNvPr id="1" name=""/>
+        <p:cNvGrpSpPr/>
+        <p:nvPr/>
+      </p:nvGrpSpPr>
+      <p:grpSpPr>
+        <a:xfrm>
+          <a:off x="0" y="0"/>
+          <a:ext cx="0" cy="0"/>
+          <a:chOff x="0" y="0"/>
+          <a:chExt cx="0" cy="0"/>
+        </a:xfrm>
+      </p:grpSpPr>
+      <p:sp>
+        <p:nvSpPr>
+          <p:cNvPr id="2" name="Title 1">
+            <a:extLst>
+              <a:ext uri="{FF2B5EF4-FFF2-40B4-BE49-F238E27FC236}">
+                <a16:creationId xmlns:a16="http://schemas.microsoft.com/office/drawing/2014/main" id="{508FE8D4-817F-48CD-B1EB-AFDB7E525794}"/>
+              </a:ext>
+            </a:extLst>
+          </p:cNvPr>
+          <p:cNvSpPr>
+            <a:spLocks noGrp="1"/>
+          </p:cNvSpPr>
+          <p:nvPr>
+            <p:ph type="title"/>
+          </p:nvPr>
+        </p:nvSpPr>
+        <p:spPr>
+          <a:xfrm>
+            <a:off x="839788" y="457200"/>
+            <a:ext cx="3932237" cy="1600200"/>
+          </a:xfrm>
+        </p:spPr>
+        <p:txBody>
+          <a:bodyPr anchor="b"/>
+          <a:lstStyle>
+            <a:lvl1pPr>
+              <a:defRPr sz="3200"/>
+            </a:lvl1pPr>
+          </a:lstStyle>
+          <a:p>
+            <a:r>
+              <a:rPr lang="en-US"/>
+              <a:t>Click to edit Master title style</a:t>
+            </a:r>
+          </a:p>
+        </p:txBody>
+      </p:sp>
+      <p:sp>
+        <p:nvSpPr>
+          <p:cNvPr id="3" name="Content Placeholder 2">
+            <a:extLst>
+              <a:ext uri="{FF2B5EF4-FFF2-40B4-BE49-F238E27FC236}">
+                <a16:creationId xmlns:a16="http://schemas.microsoft.com/office/drawing/2014/main" id="{B0F6FE33-F70F-41E7-A3C6-8632C4D29377}"/>
+              </a:ext>
+            </a:extLst>
+          </p:cNvPr>
+          <p:cNvSpPr>
+            <a:spLocks noGrp="1"/>
+          </p:cNvSpPr>
+          <p:nvPr>
+            <p:ph idx="1"/>
+          </p:nvPr>
+        </p:nvSpPr>
+        <p:spPr>
+          <a:xfrm>
+            <a:off x="5183188" y="987425"/>
+            <a:ext cx="6172200" cy="4873625"/>
+          </a:xfrm>
+        </p:spPr>
+        <p:txBody>
+          <a:bodyPr/>
+          <a:lstStyle>
+            <a:lvl1pPr>
+              <a:defRPr sz="3200"/>
+            </a:lvl1pPr>
+            <a:lvl2pPr>
+              <a:defRPr sz="2800"/>
+            </a:lvl2pPr>
+            <a:lvl3pPr>
+              <a:defRPr sz="2400"/>
+            </a:lvl3pPr>
+            <a:lvl4pPr>
+              <a:defRPr sz="2000"/>
+            </a:lvl4pPr>
+            <a:lvl5pPr>
+              <a:defRPr sz="2000"/>
+            </a:lvl5pPr>
+            <a:lvl6pPr>
+              <a:defRPr sz="2000"/>
+            </a:lvl6pPr>
+            <a:lvl7pPr>
+              <a:defRPr sz="2000"/>
+            </a:lvl7pPr>
+            <a:lvl8pPr>
+              <a:defRPr sz="2000"/>
+            </a:lvl8pPr>
+            <a:lvl9pPr>
+              <a:defRPr sz="2000"/>
+            </a:lvl9pPr>
+          </a:lstStyle>
+          <a:p>
+            <a:pPr lvl="0"/>
+            <a:r>
+              <a:rPr lang="en-US"/>
+              <a:t>Edit Master text styles</a:t>
+            </a:r>
+          </a:p>
+          <a:p>
+            <a:pPr lvl="1"/>
+            <a:r>
+              <a:rPr lang="en-US"/>
+              <a:t>Second level</a:t>
+            </a:r>
+          </a:p>
+          <a:p>
+            <a:pPr lvl="2"/>
+            <a:r>
+              <a:rPr lang="en-US"/>
+              <a:t>Third level</a:t>
+            </a:r>
+          </a:p>
+          <a:p>
+            <a:pPr lvl="3"/>
+            <a:r>
+              <a:rPr lang="en-US"/>
+              <a:t>Fourth level</a:t>
+            </a:r>
+          </a:p>
+          <a:p>
+            <a:pPr lvl="4"/>
+            <a:r>
+              <a:rPr lang="en-US"/>
+              <a:t>Fifth level</a:t>
+            </a:r>
+          </a:p>
+        </p:txBody>
+      </p:sp>
+      <p:sp>
+        <p:nvSpPr>
+          <p:cNvPr id="4" name="Text Placeholder 3">
+            <a:extLst>
+              <a:ext uri="{FF2B5EF4-FFF2-40B4-BE49-F238E27FC236}">
+                <a16:creationId xmlns:a16="http://schemas.microsoft.com/office/drawing/2014/main" id="{F7A21AB8-60D2-4AEC-ACF0-929DAEFA7592}"/>
+              </a:ext>
+            </a:extLst>
+          </p:cNvPr>
+          <p:cNvSpPr>
+            <a:spLocks noGrp="1"/>
+          </p:cNvSpPr>
+          <p:nvPr>
+            <p:ph type="body" sz="half" idx="2"/>
+          </p:nvPr>
+        </p:nvSpPr>
+        <p:spPr>
+          <a:xfrm>
+            <a:off x="839788" y="2057400"/>
+            <a:ext cx="3932237" cy="3811588"/>
+          </a:xfrm>
+        </p:spPr>
+        <p:txBody>
+          <a:bodyPr/>
+          <a:lstStyle>
+            <a:lvl1pPr marL="0" indent="0">
+              <a:buNone/>
+              <a:defRPr sz="1600"/>
+            </a:lvl1pPr>
+            <a:lvl2pPr marL="457200" indent="0">
+              <a:buNone/>
+              <a:defRPr sz="1400"/>
+            </a:lvl2pPr>
+            <a:lvl3pPr marL="914400" indent="0">
+              <a:buNone/>
+              <a:defRPr sz="1200"/>
+            </a:lvl3pPr>
+            <a:lvl4pPr marL="1371600" indent="0">
+              <a:buNone/>
+              <a:defRPr sz="1000"/>
+            </a:lvl4pPr>
+            <a:lvl5pPr marL="1828800" indent="0">
+              <a:buNone/>
+              <a:defRPr sz="1000"/>
+            </a:lvl5pPr>
+            <a:lvl6pPr marL="2286000" indent="0">
+              <a:buNone/>
+              <a:defRPr sz="1000"/>
+            </a:lvl6pPr>
+            <a:lvl7pPr marL="2743200" indent="0">
+              <a:buNone/>
+              <a:defRPr sz="1000"/>
+            </a:lvl7pPr>
+            <a:lvl8pPr marL="3200400" indent="0">
+              <a:buNone/>
+              <a:defRPr sz="1000"/>
+            </a:lvl8pPr>
+            <a:lvl9pPr marL="3657600" indent="0">
+              <a:buNone/>
+              <a:defRPr sz="1000"/>
+            </a:lvl9pPr>
+          </a:lstStyle>
+          <a:p>
+            <a:pPr lvl="0"/>
+            <a:r>
+              <a:rPr lang="en-US"/>
+              <a:t>Edit Master text styles</a:t>
+            </a:r>
+          </a:p>
+        </p:txBody>
+      </p:sp>
+      <p:sp>
+        <p:nvSpPr>
+          <p:cNvPr id="5" name="Date Placeholder 4">
+            <a:extLst>
+              <a:ext uri="{FF2B5EF4-FFF2-40B4-BE49-F238E27FC236}">
+                <a16:creationId xmlns:a16="http://schemas.microsoft.com/office/drawing/2014/main" id="{AAB93258-5737-4D9D-8337-D1C4983DEE4D}"/>
+              </a:ext>
+            </a:extLst>
+          </p:cNvPr>
+          <p:cNvSpPr>
+            <a:spLocks noGrp="1"/>
+          </p:cNvSpPr>
+          <p:nvPr>
+            <p:ph type="dt" sz="half" idx="10"/>
+          </p:nvPr>
+        </p:nvSpPr>
+        <p:spPr/>
+        <p:txBody>
+          <a:bodyPr/>
+          <a:lstStyle/>
+          <a:p>
+            <a:fld id="{A8B89F18-586E-4B97-8EEA-25E99A190A89}" type="datetimeFigureOut">
+              <a:rPr lang="en-US" smtClean="0"/>
+              <a:t>9/20/2019</a:t>
+            </a:fld>
+            <a:endParaRPr lang="en-US"/>
+          </a:p>
+        </p:txBody>
+      </p:sp>
+      <p:sp>
+        <p:nvSpPr>
+          <p:cNvPr id="6" name="Footer Placeholder 5">
+            <a:extLst>
+              <a:ext uri="{FF2B5EF4-FFF2-40B4-BE49-F238E27FC236}">
+                <a16:creationId xmlns:a16="http://schemas.microsoft.com/office/drawing/2014/main" id="{453ED91D-1D4A-47B1-80CE-59BAA331B1C4}"/>
+              </a:ext>
+            </a:extLst>
+          </p:cNvPr>
+          <p:cNvSpPr>
+            <a:spLocks noGrp="1"/>
+          </p:cNvSpPr>
+          <p:nvPr>
+            <p:ph type="ftr" sz="quarter" idx="11"/>
+          </p:nvPr>
+        </p:nvSpPr>
+        <p:spPr/>
+        <p:txBody>
+          <a:bodyPr/>
+          <a:lstStyle/>
+          <a:p>
+            <a:endParaRPr lang="en-US"/>
+          </a:p>
+        </p:txBody>
+      </p:sp>
+      <p:sp>
+        <p:nvSpPr>
+          <p:cNvPr id="7" name="Slide Number Placeholder 6">
+            <a:extLst>
+              <a:ext uri="{FF2B5EF4-FFF2-40B4-BE49-F238E27FC236}">
+                <a16:creationId xmlns:a16="http://schemas.microsoft.com/office/drawing/2014/main" id="{8E596577-D9D0-4FEB-B1D2-85D387298194}"/>
+              </a:ext>
+            </a:extLst>
+          </p:cNvPr>
+          <p:cNvSpPr>
+            <a:spLocks noGrp="1"/>
+          </p:cNvSpPr>
+          <p:nvPr>
+            <p:ph type="sldNum" sz="quarter" idx="12"/>
+          </p:nvPr>
+        </p:nvSpPr>
+        <p:spPr/>
+        <p:txBody>
+          <a:bodyPr/>
+          <a:lstStyle/>
+          <a:p>
+            <a:fld id="{734DA83B-C71A-4208-9071-1761995F3B54}" type="slidenum">
+              <a:rPr lang="en-US" smtClean="0"/>
+              <a:t>‹#›</a:t>
+            </a:fld>
+            <a:endParaRPr lang="en-US"/>
+          </a:p>
+        </p:txBody>
+      </p:sp>
+      <p:grpSp>
+        <p:nvGrpSpPr>
+          <p:cNvPr id="8" name="Group 7">
+            <a:extLst>
+              <a:ext uri="{FF2B5EF4-FFF2-40B4-BE49-F238E27FC236}">
+                <a16:creationId xmlns:a16="http://schemas.microsoft.com/office/drawing/2014/main" id="{3A98B59B-18D3-491E-A498-9A92A04B7F9A}"/>
+              </a:ext>
+            </a:extLst>
+          </p:cNvPr>
+          <p:cNvGrpSpPr/>
+          <p:nvPr userDrawn="1"/>
+        </p:nvGrpSpPr>
+        <p:grpSpPr>
+          <a:xfrm>
+            <a:off x="0" y="5776566"/>
+            <a:ext cx="12192001" cy="1081434"/>
+            <a:chOff x="0" y="5776566"/>
+            <a:chExt cx="12192001" cy="1081434"/>
+          </a:xfrm>
+        </p:grpSpPr>
+        <p:sp>
+          <p:nvSpPr>
+            <p:cNvPr id="9" name="Rectangle 8">
+              <a:extLst>
+                <a:ext uri="{FF2B5EF4-FFF2-40B4-BE49-F238E27FC236}">
+                  <a16:creationId xmlns:a16="http://schemas.microsoft.com/office/drawing/2014/main" id="{0212025C-0679-4994-A16A-1E1F6E6109B8}"/>
+                </a:ext>
+              </a:extLst>
+            </p:cNvPr>
+            <p:cNvSpPr/>
+            <p:nvPr/>
+          </p:nvSpPr>
+          <p:spPr>
+            <a:xfrm>
+              <a:off x="0" y="6098596"/>
+              <a:ext cx="12192001" cy="759404"/>
+            </a:xfrm>
+            <a:prstGeom prst="rect">
+              <a:avLst/>
+            </a:prstGeom>
+            <a:gradFill flip="none" rotWithShape="1">
+              <a:gsLst>
+                <a:gs pos="0">
+                  <a:schemeClr val="bg1"/>
+                </a:gs>
+                <a:gs pos="0">
+                  <a:srgbClr val="0070C0"/>
+                </a:gs>
+                <a:gs pos="90000">
+                  <a:schemeClr val="bg1"/>
+                </a:gs>
+              </a:gsLst>
+              <a:path path="circle">
+                <a:fillToRect l="100000" t="100000"/>
+              </a:path>
+              <a:tileRect r="-100000" b="-100000"/>
+            </a:gradFill>
+            <a:ln>
+              <a:noFill/>
+            </a:ln>
+          </p:spPr>
+          <p:style>
+            <a:lnRef idx="2">
+              <a:schemeClr val="accent1">
+                <a:shade val="50000"/>
+              </a:schemeClr>
+            </a:lnRef>
+            <a:fillRef idx="1">
+              <a:schemeClr val="accent1"/>
+            </a:fillRef>
+            <a:effectRef idx="0">
+              <a:schemeClr val="accent1"/>
+            </a:effectRef>
+            <a:fontRef idx="minor">
+              <a:schemeClr val="lt1"/>
+            </a:fontRef>
+          </p:style>
+          <p:txBody>
+            <a:bodyPr rtlCol="0" anchor="ctr"/>
+            <a:lstStyle/>
+            <a:p>
+              <a:pPr algn="ctr"/>
+              <a:endParaRPr lang="en-US"/>
+            </a:p>
+          </p:txBody>
+        </p:sp>
+        <p:grpSp>
+          <p:nvGrpSpPr>
+            <p:cNvPr id="10" name="Group 9">
+              <a:extLst>
+                <a:ext uri="{FF2B5EF4-FFF2-40B4-BE49-F238E27FC236}">
+                  <a16:creationId xmlns:a16="http://schemas.microsoft.com/office/drawing/2014/main" id="{A8B5FA30-F5B3-4ECC-B5B6-164939C712B7}"/>
+                </a:ext>
+              </a:extLst>
+            </p:cNvPr>
+            <p:cNvGrpSpPr/>
+            <p:nvPr/>
+          </p:nvGrpSpPr>
+          <p:grpSpPr>
+            <a:xfrm>
+              <a:off x="136116" y="5776566"/>
+              <a:ext cx="1766413" cy="974090"/>
+              <a:chOff x="705301" y="2052365"/>
+              <a:chExt cx="5603844" cy="3090246"/>
+            </a:xfrm>
+          </p:grpSpPr>
+          <p:pic>
+            <p:nvPicPr>
+              <p:cNvPr id="11" name="Picture 10">
+                <a:extLst>
+                  <a:ext uri="{FF2B5EF4-FFF2-40B4-BE49-F238E27FC236}">
+                    <a16:creationId xmlns:a16="http://schemas.microsoft.com/office/drawing/2014/main" id="{E0D2184D-8269-4A62-BD60-69B6EDBE8635}"/>
+                  </a:ext>
+                </a:extLst>
+              </p:cNvPr>
+              <p:cNvPicPr>
+                <a:picLocks noChangeAspect="1"/>
+              </p:cNvPicPr>
+              <p:nvPr/>
+            </p:nvPicPr>
+            <p:blipFill>
+              <a:blip r:embed="rId2">
+                <a:extLst>
+                  <a:ext uri="{28A0092B-C50C-407E-A947-70E740481C1C}">
+                    <a14:useLocalDpi xmlns:a14="http://schemas.microsoft.com/office/drawing/2010/main" val="0"/>
+                  </a:ext>
+                </a:extLst>
+              </a:blip>
+              <a:stretch>
+                <a:fillRect/>
+              </a:stretch>
+            </p:blipFill>
+            <p:spPr>
+              <a:xfrm>
+                <a:off x="705301" y="2052365"/>
+                <a:ext cx="5603844" cy="3090246"/>
+              </a:xfrm>
+              <a:prstGeom prst="rect">
+                <a:avLst/>
+              </a:prstGeom>
+              <a:effectLst>
+                <a:outerShdw blurRad="50800" dist="38100" dir="5400000" algn="t" rotWithShape="0">
+                  <a:prstClr val="black">
+                    <a:alpha val="40000"/>
+                  </a:prstClr>
+                </a:outerShdw>
+              </a:effectLst>
+            </p:spPr>
+          </p:pic>
+          <p:pic>
+            <p:nvPicPr>
+              <p:cNvPr id="12" name="Picture 11">
+                <a:extLst>
+                  <a:ext uri="{FF2B5EF4-FFF2-40B4-BE49-F238E27FC236}">
+                    <a16:creationId xmlns:a16="http://schemas.microsoft.com/office/drawing/2014/main" id="{EDC8774D-A03D-410F-90EB-F1D27AA7CE18}"/>
+                  </a:ext>
+                </a:extLst>
+              </p:cNvPr>
+              <p:cNvPicPr>
+                <a:picLocks noChangeAspect="1"/>
+              </p:cNvPicPr>
+              <p:nvPr/>
+            </p:nvPicPr>
+            <p:blipFill>
+              <a:blip r:embed="rId3">
+                <a:extLst>
+                  <a:ext uri="{28A0092B-C50C-407E-A947-70E740481C1C}">
+                    <a14:useLocalDpi xmlns:a14="http://schemas.microsoft.com/office/drawing/2010/main" val="0"/>
+                  </a:ext>
+                </a:extLst>
+              </a:blip>
+              <a:stretch>
+                <a:fillRect/>
+              </a:stretch>
+            </p:blipFill>
+            <p:spPr>
+              <a:xfrm>
+                <a:off x="1264843" y="2298120"/>
+                <a:ext cx="4484760" cy="2473126"/>
+              </a:xfrm>
+              <a:prstGeom prst="rect">
+                <a:avLst/>
+              </a:prstGeom>
+              <a:effectLst>
+                <a:outerShdw blurRad="50800" dist="38100" dir="2700000" algn="tl" rotWithShape="0">
+                  <a:schemeClr val="bg1">
+                    <a:alpha val="40000"/>
+                  </a:schemeClr>
+                </a:outerShdw>
+              </a:effectLst>
+            </p:spPr>
+          </p:pic>
+        </p:grpSp>
+      </p:grpSp>
+    </p:spTree>
+    <p:extLst>
+      <p:ext uri="{BB962C8B-B14F-4D97-AF65-F5344CB8AC3E}">
+        <p14:creationId xmlns:p14="http://schemas.microsoft.com/office/powerpoint/2010/main" val="3558881930"/>
+      </p:ext>
+    </p:extLst>
+  </p:cSld>
+  <p:clrMapOvr>
+    <a:masterClrMapping/>
+  </p:clrMapOvr>
+</p:sldLayout>
+</file>
+
+<file path=ppt/slideLayouts/slideLayout9.xml><?xml version="1.0" encoding="utf-8"?>
+<p:sldLayout xmlns:a="http://schemas.openxmlformats.org/drawingml/2006/main" xmlns:r="http://schemas.openxmlformats.org/officeDocument/2006/relationships" xmlns:p="http://schemas.openxmlformats.org/presentationml/2006/main" type="picTx" preserve="1">
+  <p:cSld name="Picture with Caption">
+    <p:spTree>
+      <p:nvGrpSpPr>
+        <p:cNvPr id="1" name=""/>
+        <p:cNvGrpSpPr/>
+        <p:nvPr/>
+      </p:nvGrpSpPr>
+      <p:grpSpPr>
+        <a:xfrm>
+          <a:off x="0" y="0"/>
+          <a:ext cx="0" cy="0"/>
+          <a:chOff x="0" y="0"/>
+          <a:chExt cx="0" cy="0"/>
+        </a:xfrm>
+      </p:grpSpPr>
+      <p:sp>
+        <p:nvSpPr>
+          <p:cNvPr id="2" name="Title 1">
+            <a:extLst>
+              <a:ext uri="{FF2B5EF4-FFF2-40B4-BE49-F238E27FC236}">
+                <a16:creationId xmlns:a16="http://schemas.microsoft.com/office/drawing/2014/main" id="{88DA0CD0-D887-4BC2-A1F5-275928164CA3}"/>
+              </a:ext>
+            </a:extLst>
+          </p:cNvPr>
+          <p:cNvSpPr>
+            <a:spLocks noGrp="1"/>
+          </p:cNvSpPr>
+          <p:nvPr>
+            <p:ph type="title"/>
+          </p:nvPr>
+        </p:nvSpPr>
+        <p:spPr>
+          <a:xfrm>
+            <a:off x="839788" y="457200"/>
+            <a:ext cx="3932237" cy="1600200"/>
+          </a:xfrm>
+        </p:spPr>
+        <p:txBody>
+          <a:bodyPr anchor="b"/>
+          <a:lstStyle>
+            <a:lvl1pPr>
+              <a:defRPr sz="3200"/>
+            </a:lvl1pPr>
+          </a:lstStyle>
+          <a:p>
+            <a:r>
+              <a:rPr lang="en-US"/>
+              <a:t>Click to edit Master title style</a:t>
+            </a:r>
+          </a:p>
+        </p:txBody>
+      </p:sp>
+      <p:sp>
+        <p:nvSpPr>
+          <p:cNvPr id="3" name="Picture Placeholder 2">
+            <a:extLst>
+              <a:ext uri="{FF2B5EF4-FFF2-40B4-BE49-F238E27FC236}">
+                <a16:creationId xmlns:a16="http://schemas.microsoft.com/office/drawing/2014/main" id="{2CDE5C1D-EA03-4237-886C-949CEE7AE668}"/>
+              </a:ext>
+            </a:extLst>
+          </p:cNvPr>
+          <p:cNvSpPr>
+            <a:spLocks noGrp="1"/>
+          </p:cNvSpPr>
+          <p:nvPr>
+            <p:ph type="pic" idx="1"/>
+          </p:nvPr>
+        </p:nvSpPr>
+        <p:spPr>
+          <a:xfrm>
+            <a:off x="5183188" y="987425"/>
+            <a:ext cx="6172200" cy="4873625"/>
+          </a:xfrm>
+        </p:spPr>
+        <p:txBody>
+          <a:bodyPr/>
+          <a:lstStyle>
+            <a:lvl1pPr marL="0" indent="0">
+              <a:buNone/>
+              <a:defRPr sz="3200"/>
+            </a:lvl1pPr>
+            <a:lvl2pPr marL="457200" indent="0">
+              <a:buNone/>
+              <a:defRPr sz="2800"/>
+            </a:lvl2pPr>
+            <a:lvl3pPr marL="914400" indent="0">
+              <a:buNone/>
+              <a:defRPr sz="2400"/>
+            </a:lvl3pPr>
+            <a:lvl4pPr marL="1371600" indent="0">
+              <a:buNone/>
+              <a:defRPr sz="2000"/>
+            </a:lvl4pPr>
+            <a:lvl5pPr marL="1828800" indent="0">
+              <a:buNone/>
+              <a:defRPr sz="2000"/>
+            </a:lvl5pPr>
+            <a:lvl6pPr marL="2286000" indent="0">
+              <a:buNone/>
+              <a:defRPr sz="2000"/>
+            </a:lvl6pPr>
+            <a:lvl7pPr marL="2743200" indent="0">
+              <a:buNone/>
+              <a:defRPr sz="2000"/>
+            </a:lvl7pPr>
+            <a:lvl8pPr marL="3200400" indent="0">
+              <a:buNone/>
+              <a:defRPr sz="2000"/>
+            </a:lvl8pPr>
+            <a:lvl9pPr marL="3657600" indent="0">
+              <a:buNone/>
+              <a:defRPr sz="2000"/>
+            </a:lvl9pPr>
+          </a:lstStyle>
+          <a:p>
+            <a:r>
+              <a:rPr lang="en-US"/>
+              <a:t>Click icon to add picture</a:t>
+            </a:r>
+          </a:p>
+        </p:txBody>
+      </p:sp>
+      <p:sp>
+        <p:nvSpPr>
+          <p:cNvPr id="4" name="Text Placeholder 3">
+            <a:extLst>
+              <a:ext uri="{FF2B5EF4-FFF2-40B4-BE49-F238E27FC236}">
+                <a16:creationId xmlns:a16="http://schemas.microsoft.com/office/drawing/2014/main" id="{54C4E72B-5097-48C2-9CA5-9D1777F28DB5}"/>
+              </a:ext>
+            </a:extLst>
+          </p:cNvPr>
+          <p:cNvSpPr>
+            <a:spLocks noGrp="1"/>
+          </p:cNvSpPr>
+          <p:nvPr>
+            <p:ph type="body" sz="half" idx="2"/>
+          </p:nvPr>
+        </p:nvSpPr>
+        <p:spPr>
+          <a:xfrm>
+            <a:off x="839788" y="2057400"/>
+            <a:ext cx="3932237" cy="3811588"/>
+          </a:xfrm>
+        </p:spPr>
+        <p:txBody>
+          <a:bodyPr/>
+          <a:lstStyle>
+            <a:lvl1pPr marL="0" indent="0">
+              <a:buNone/>
+              <a:defRPr sz="1600"/>
+            </a:lvl1pPr>
+            <a:lvl2pPr marL="457200" indent="0">
+              <a:buNone/>
+              <a:defRPr sz="1400"/>
+            </a:lvl2pPr>
+            <a:lvl3pPr marL="914400" indent="0">
+              <a:buNone/>
+              <a:defRPr sz="1200"/>
+            </a:lvl3pPr>
+            <a:lvl4pPr marL="1371600" indent="0">
+              <a:buNone/>
+              <a:defRPr sz="1000"/>
+            </a:lvl4pPr>
+            <a:lvl5pPr marL="1828800" indent="0">
+              <a:buNone/>
+              <a:defRPr sz="1000"/>
+            </a:lvl5pPr>
+            <a:lvl6pPr marL="2286000" indent="0">
+              <a:buNone/>
+              <a:defRPr sz="1000"/>
+            </a:lvl6pPr>
+            <a:lvl7pPr marL="2743200" indent="0">
+              <a:buNone/>
+              <a:defRPr sz="1000"/>
+            </a:lvl7pPr>
+            <a:lvl8pPr marL="3200400" indent="0">
+              <a:buNone/>
+              <a:defRPr sz="1000"/>
+            </a:lvl8pPr>
+            <a:lvl9pPr marL="3657600" indent="0">
+              <a:buNone/>
+              <a:defRPr sz="1000"/>
+            </a:lvl9pPr>
+          </a:lstStyle>
+          <a:p>
+            <a:pPr lvl="0"/>
+            <a:r>
+              <a:rPr lang="en-US"/>
+              <a:t>Edit Master text styles</a:t>
+            </a:r>
+          </a:p>
+        </p:txBody>
+      </p:sp>
+      <p:sp>
+        <p:nvSpPr>
+          <p:cNvPr id="5" name="Date Placeholder 4">
+            <a:extLst>
+              <a:ext uri="{FF2B5EF4-FFF2-40B4-BE49-F238E27FC236}">
+                <a16:creationId xmlns:a16="http://schemas.microsoft.com/office/drawing/2014/main" id="{4F84D5C7-9D66-4C1E-A8BA-8FF532E5DBB7}"/>
+              </a:ext>
+            </a:extLst>
+          </p:cNvPr>
+          <p:cNvSpPr>
+            <a:spLocks noGrp="1"/>
+          </p:cNvSpPr>
+          <p:nvPr>
+            <p:ph type="dt" sz="half" idx="10"/>
+          </p:nvPr>
+        </p:nvSpPr>
+        <p:spPr/>
+        <p:txBody>
+          <a:bodyPr/>
+          <a:lstStyle/>
+          <a:p>
+            <a:fld id="{A8B89F18-586E-4B97-8EEA-25E99A190A89}" type="datetimeFigureOut">
+              <a:rPr lang="en-US" smtClean="0"/>
+              <a:t>9/20/2019</a:t>
+            </a:fld>
+            <a:endParaRPr lang="en-US"/>
+          </a:p>
+        </p:txBody>
+      </p:sp>
+      <p:sp>
+        <p:nvSpPr>
+          <p:cNvPr id="6" name="Footer Placeholder 5">
+            <a:extLst>
+              <a:ext uri="{FF2B5EF4-FFF2-40B4-BE49-F238E27FC236}">
+                <a16:creationId xmlns:a16="http://schemas.microsoft.com/office/drawing/2014/main" id="{73F58843-4054-4BFE-B199-4C84BAA4FE18}"/>
+              </a:ext>
+            </a:extLst>
+          </p:cNvPr>
+          <p:cNvSpPr>
+            <a:spLocks noGrp="1"/>
+          </p:cNvSpPr>
+          <p:nvPr>
+            <p:ph type="ftr" sz="quarter" idx="11"/>
+          </p:nvPr>
+        </p:nvSpPr>
+        <p:spPr/>
+        <p:txBody>
+          <a:bodyPr/>
+          <a:lstStyle/>
+          <a:p>
+            <a:endParaRPr lang="en-US"/>
+          </a:p>
+        </p:txBody>
+      </p:sp>
+      <p:sp>
+        <p:nvSpPr>
+          <p:cNvPr id="7" name="Slide Number Placeholder 6">
+            <a:extLst>
+              <a:ext uri="{FF2B5EF4-FFF2-40B4-BE49-F238E27FC236}">
+                <a16:creationId xmlns:a16="http://schemas.microsoft.com/office/drawing/2014/main" id="{2FC156A9-14E7-4D12-9561-F9BD770B6481}"/>
+              </a:ext>
+            </a:extLst>
+          </p:cNvPr>
+          <p:cNvSpPr>
+            <a:spLocks noGrp="1"/>
+          </p:cNvSpPr>
+          <p:nvPr>
+            <p:ph type="sldNum" sz="quarter" idx="12"/>
+          </p:nvPr>
+        </p:nvSpPr>
+        <p:spPr/>
+        <p:txBody>
+          <a:bodyPr/>
+          <a:lstStyle/>
+          <a:p>
+            <a:fld id="{734DA83B-C71A-4208-9071-1761995F3B54}" type="slidenum">
+              <a:rPr lang="en-US" smtClean="0"/>
+              <a:t>‹#›</a:t>
+            </a:fld>
+            <a:endParaRPr lang="en-US"/>
+          </a:p>
+        </p:txBody>
+      </p:sp>
+      <p:grpSp>
+        <p:nvGrpSpPr>
+          <p:cNvPr id="8" name="Group 7">
+            <a:extLst>
+              <a:ext uri="{FF2B5EF4-FFF2-40B4-BE49-F238E27FC236}">
+                <a16:creationId xmlns:a16="http://schemas.microsoft.com/office/drawing/2014/main" id="{69C4504D-9DDC-487F-8038-5E2DCBEFB007}"/>
+              </a:ext>
+            </a:extLst>
+          </p:cNvPr>
+          <p:cNvGrpSpPr/>
+          <p:nvPr userDrawn="1"/>
+        </p:nvGrpSpPr>
+        <p:grpSpPr>
+          <a:xfrm>
+            <a:off x="0" y="5776566"/>
+            <a:ext cx="12192001" cy="1081434"/>
+            <a:chOff x="0" y="5776566"/>
+            <a:chExt cx="12192001" cy="1081434"/>
+          </a:xfrm>
+        </p:grpSpPr>
+        <p:sp>
+          <p:nvSpPr>
+            <p:cNvPr id="9" name="Rectangle 8">
+              <a:extLst>
+                <a:ext uri="{FF2B5EF4-FFF2-40B4-BE49-F238E27FC236}">
+                  <a16:creationId xmlns:a16="http://schemas.microsoft.com/office/drawing/2014/main" id="{E224382B-F502-455F-86E1-7B9398F0A9F7}"/>
+                </a:ext>
+              </a:extLst>
+            </p:cNvPr>
+            <p:cNvSpPr/>
+            <p:nvPr/>
+          </p:nvSpPr>
+          <p:spPr>
+            <a:xfrm>
+              <a:off x="0" y="6098596"/>
+              <a:ext cx="12192001" cy="759404"/>
+            </a:xfrm>
+            <a:prstGeom prst="rect">
+              <a:avLst/>
+            </a:prstGeom>
+            <a:gradFill flip="none" rotWithShape="1">
+              <a:gsLst>
+                <a:gs pos="0">
+                  <a:schemeClr val="bg1"/>
+                </a:gs>
+                <a:gs pos="0">
+                  <a:srgbClr val="0070C0"/>
+                </a:gs>
+                <a:gs pos="90000">
+                  <a:schemeClr val="bg1"/>
+                </a:gs>
+              </a:gsLst>
+              <a:path path="circle">
+                <a:fillToRect l="100000" t="100000"/>
+              </a:path>
+              <a:tileRect r="-100000" b="-100000"/>
+            </a:gradFill>
+            <a:ln>
+              <a:noFill/>
+            </a:ln>
+          </p:spPr>
+          <p:style>
+            <a:lnRef idx="2">
+              <a:schemeClr val="accent1">
+                <a:shade val="50000"/>
+              </a:schemeClr>
+            </a:lnRef>
+            <a:fillRef idx="1">
+              <a:schemeClr val="accent1"/>
+            </a:fillRef>
+            <a:effectRef idx="0">
+              <a:schemeClr val="accent1"/>
+            </a:effectRef>
+            <a:fontRef idx="minor">
+              <a:schemeClr val="lt1"/>
+            </a:fontRef>
+          </p:style>
+          <p:txBody>
+            <a:bodyPr rtlCol="0" anchor="ctr"/>
+            <a:lstStyle/>
+            <a:p>
+              <a:pPr algn="ctr"/>
+              <a:endParaRPr lang="en-US"/>
+            </a:p>
+          </p:txBody>
+        </p:sp>
+        <p:grpSp>
+          <p:nvGrpSpPr>
+            <p:cNvPr id="10" name="Group 9">
+              <a:extLst>
+                <a:ext uri="{FF2B5EF4-FFF2-40B4-BE49-F238E27FC236}">
+                  <a16:creationId xmlns:a16="http://schemas.microsoft.com/office/drawing/2014/main" id="{2E1678F7-D339-4169-BCDF-F3135F40BBB0}"/>
+                </a:ext>
+              </a:extLst>
+            </p:cNvPr>
+            <p:cNvGrpSpPr/>
+            <p:nvPr/>
+          </p:nvGrpSpPr>
+          <p:grpSpPr>
+            <a:xfrm>
+              <a:off x="136116" y="5776566"/>
+              <a:ext cx="1766413" cy="974090"/>
+              <a:chOff x="705301" y="2052365"/>
+              <a:chExt cx="5603844" cy="3090246"/>
+            </a:xfrm>
+          </p:grpSpPr>
+          <p:pic>
+            <p:nvPicPr>
+              <p:cNvPr id="11" name="Picture 10">
+                <a:extLst>
+                  <a:ext uri="{FF2B5EF4-FFF2-40B4-BE49-F238E27FC236}">
+                    <a16:creationId xmlns:a16="http://schemas.microsoft.com/office/drawing/2014/main" id="{29710856-EDD0-4DE8-9140-CEA037FFE419}"/>
+                  </a:ext>
+                </a:extLst>
+              </p:cNvPr>
+              <p:cNvPicPr>
+                <a:picLocks noChangeAspect="1"/>
+              </p:cNvPicPr>
+              <p:nvPr/>
+            </p:nvPicPr>
+            <p:blipFill>
+              <a:blip r:embed="rId2">
+                <a:extLst>
+                  <a:ext uri="{28A0092B-C50C-407E-A947-70E740481C1C}">
+                    <a14:useLocalDpi xmlns:a14="http://schemas.microsoft.com/office/drawing/2010/main" val="0"/>
+                  </a:ext>
+                </a:extLst>
+              </a:blip>
+              <a:stretch>
+                <a:fillRect/>
+              </a:stretch>
+            </p:blipFill>
+            <p:spPr>
+              <a:xfrm>
+                <a:off x="705301" y="2052365"/>
+                <a:ext cx="5603844" cy="3090246"/>
+              </a:xfrm>
+              <a:prstGeom prst="rect">
+                <a:avLst/>
+              </a:prstGeom>
+              <a:effectLst>
+                <a:outerShdw blurRad="50800" dist="38100" dir="5400000" algn="t" rotWithShape="0">
+                  <a:prstClr val="black">
+                    <a:alpha val="40000"/>
+                  </a:prstClr>
+                </a:outerShdw>
+              </a:effectLst>
+            </p:spPr>
+          </p:pic>
+          <p:pic>
+            <p:nvPicPr>
+              <p:cNvPr id="12" name="Picture 11">
+                <a:extLst>
+                  <a:ext uri="{FF2B5EF4-FFF2-40B4-BE49-F238E27FC236}">
+                    <a16:creationId xmlns:a16="http://schemas.microsoft.com/office/drawing/2014/main" id="{66D782CC-EE1D-4D92-B829-82F15B6306DA}"/>
+                  </a:ext>
+                </a:extLst>
+              </p:cNvPr>
+              <p:cNvPicPr>
+                <a:picLocks noChangeAspect="1"/>
+              </p:cNvPicPr>
+              <p:nvPr/>
+            </p:nvPicPr>
+            <p:blipFill>
+              <a:blip r:embed="rId3">
+                <a:extLst>
+                  <a:ext uri="{28A0092B-C50C-407E-A947-70E740481C1C}">
+                    <a14:useLocalDpi xmlns:a14="http://schemas.microsoft.com/office/drawing/2010/main" val="0"/>
+                  </a:ext>
+                </a:extLst>
+              </a:blip>
+              <a:stretch>
+                <a:fillRect/>
+              </a:stretch>
+            </p:blipFill>
+            <p:spPr>
+              <a:xfrm>
+                <a:off x="1264843" y="2298120"/>
+                <a:ext cx="4484760" cy="2473126"/>
+              </a:xfrm>
+              <a:prstGeom prst="rect">
+                <a:avLst/>
+              </a:prstGeom>
+              <a:effectLst>
+                <a:outerShdw blurRad="50800" dist="38100" dir="2700000" algn="tl" rotWithShape="0">
+                  <a:schemeClr val="bg1">
+                    <a:alpha val="40000"/>
+                  </a:schemeClr>
+                </a:outerShdw>
+              </a:effectLst>
+            </p:spPr>
+          </p:pic>
+        </p:grpSp>
+      </p:grpSp>
+    </p:spTree>
+    <p:extLst>
+      <p:ext uri="{BB962C8B-B14F-4D97-AF65-F5344CB8AC3E}">
+        <p14:creationId xmlns:p14="http://schemas.microsoft.com/office/powerpoint/2010/main" val="2463799612"/>
       </p:ext>
     </p:extLst>
   </p:cSld>
@@ -1735,7 +5811,13 @@
       </p:grpSpPr>
       <p:sp>
         <p:nvSpPr>
-          <p:cNvPr id="2" name="Title Placeholder 1"/>
+          <p:cNvPr id="2" name="Title Placeholder 1">
+            <a:extLst>
+              <a:ext uri="{FF2B5EF4-FFF2-40B4-BE49-F238E27FC236}">
+                <a16:creationId xmlns:a16="http://schemas.microsoft.com/office/drawing/2014/main" id="{B47D7DD8-4D23-454A-B933-0935B2DBF9DE}"/>
+              </a:ext>
+            </a:extLst>
+          </p:cNvPr>
           <p:cNvSpPr>
             <a:spLocks noGrp="1"/>
           </p:cNvSpPr>
@@ -1745,21 +5827,21 @@
         </p:nvSpPr>
         <p:spPr>
           <a:xfrm>
-            <a:off x="361038" y="360363"/>
-            <a:ext cx="10800000" cy="720000"/>
+            <a:off x="838200" y="365125"/>
+            <a:ext cx="10515600" cy="1325563"/>
           </a:xfrm>
           <a:prstGeom prst="rect">
             <a:avLst/>
           </a:prstGeom>
         </p:spPr>
         <p:txBody>
-          <a:bodyPr vert="horz" lIns="0" tIns="0" rIns="0" bIns="0" rtlCol="0" anchor="ctr">
-            <a:noAutofit/>
+          <a:bodyPr vert="horz" lIns="91440" tIns="45720" rIns="91440" bIns="45720" rtlCol="0" anchor="ctr">
+            <a:normAutofit/>
           </a:bodyPr>
           <a:lstStyle/>
           <a:p>
             <a:r>
-              <a:rPr lang="en-US" dirty="0"/>
+              <a:rPr lang="en-US"/>
               <a:t>Click to edit Master title style</a:t>
             </a:r>
           </a:p>
@@ -1767,7 +5849,13 @@
       </p:sp>
       <p:sp>
         <p:nvSpPr>
-          <p:cNvPr id="3" name="Text Placeholder 2"/>
+          <p:cNvPr id="3" name="Text Placeholder 2">
+            <a:extLst>
+              <a:ext uri="{FF2B5EF4-FFF2-40B4-BE49-F238E27FC236}">
+                <a16:creationId xmlns:a16="http://schemas.microsoft.com/office/drawing/2014/main" id="{FBF16DFF-F004-431E-AFC4-618987C4E850}"/>
+              </a:ext>
+            </a:extLst>
+          </p:cNvPr>
           <p:cNvSpPr>
             <a:spLocks noGrp="1"/>
           </p:cNvSpPr>
@@ -1777,50 +5865,50 @@
         </p:nvSpPr>
         <p:spPr>
           <a:xfrm>
-            <a:off x="360125" y="1439813"/>
-            <a:ext cx="10800000" cy="4680000"/>
+            <a:off x="838200" y="1825625"/>
+            <a:ext cx="10515600" cy="4351338"/>
           </a:xfrm>
           <a:prstGeom prst="rect">
             <a:avLst/>
           </a:prstGeom>
         </p:spPr>
         <p:txBody>
-          <a:bodyPr vert="horz" lIns="0" tIns="0" rIns="0" bIns="0" rtlCol="0" anchor="t">
+          <a:bodyPr vert="horz" lIns="91440" tIns="45720" rIns="91440" bIns="45720" rtlCol="0">
             <a:normAutofit/>
           </a:bodyPr>
           <a:lstStyle/>
           <a:p>
             <a:pPr lvl="0"/>
             <a:r>
-              <a:rPr lang="en-US" dirty="0"/>
-              <a:t>Click to edit Master text styles</a:t>
+              <a:rPr lang="en-US"/>
+              <a:t>Edit Master text styles</a:t>
             </a:r>
           </a:p>
           <a:p>
             <a:pPr lvl="1"/>
             <a:r>
-              <a:rPr lang="en-US" dirty="0"/>
+              <a:rPr lang="en-US"/>
               <a:t>Second level</a:t>
             </a:r>
           </a:p>
           <a:p>
             <a:pPr lvl="2"/>
             <a:r>
-              <a:rPr lang="en-US" dirty="0"/>
+              <a:rPr lang="en-US"/>
               <a:t>Third level</a:t>
             </a:r>
           </a:p>
           <a:p>
             <a:pPr lvl="3"/>
             <a:r>
-              <a:rPr lang="en-US" dirty="0"/>
+              <a:rPr lang="en-US"/>
               <a:t>Fourth level</a:t>
             </a:r>
           </a:p>
           <a:p>
             <a:pPr lvl="4"/>
             <a:r>
-              <a:rPr lang="en-US" dirty="0"/>
+              <a:rPr lang="en-US"/>
               <a:t>Fifth level</a:t>
             </a:r>
           </a:p>
@@ -1828,114 +5916,175 @@
       </p:sp>
       <p:sp>
         <p:nvSpPr>
-          <p:cNvPr id="7" name="TextBox 6"/>
-          <p:cNvSpPr txBox="1"/>
-          <p:nvPr userDrawn="1"/>
+          <p:cNvPr id="4" name="Date Placeholder 3">
+            <a:extLst>
+              <a:ext uri="{FF2B5EF4-FFF2-40B4-BE49-F238E27FC236}">
+                <a16:creationId xmlns:a16="http://schemas.microsoft.com/office/drawing/2014/main" id="{CC41F69B-4654-462F-B497-900A8AE5B2AD}"/>
+              </a:ext>
+            </a:extLst>
+          </p:cNvPr>
+          <p:cNvSpPr>
+            <a:spLocks noGrp="1"/>
+          </p:cNvSpPr>
+          <p:nvPr>
+            <p:ph type="dt" sz="half" idx="2"/>
+          </p:nvPr>
         </p:nvSpPr>
         <p:spPr>
           <a:xfrm>
-            <a:off x="1587525" y="1153073"/>
-            <a:ext cx="184731" cy="441339"/>
+            <a:off x="838200" y="6356350"/>
+            <a:ext cx="2743200" cy="365125"/>
           </a:xfrm>
           <a:prstGeom prst="rect">
             <a:avLst/>
           </a:prstGeom>
-          <a:noFill/>
         </p:spPr>
         <p:txBody>
-          <a:bodyPr wrap="none" rtlCol="0">
-            <a:spAutoFit/>
-          </a:bodyPr>
-          <a:lstStyle/>
-          <a:p>
-            <a:endParaRPr lang="en-US" sz="2268" dirty="0"/>
+          <a:bodyPr vert="horz" lIns="91440" tIns="45720" rIns="91440" bIns="45720" rtlCol="0" anchor="ctr"/>
+          <a:lstStyle>
+            <a:lvl1pPr algn="l">
+              <a:defRPr sz="1200">
+                <a:solidFill>
+                  <a:schemeClr val="tx1">
+                    <a:tint val="75000"/>
+                  </a:schemeClr>
+                </a:solidFill>
+              </a:defRPr>
+            </a:lvl1pPr>
+          </a:lstStyle>
+          <a:p>
+            <a:fld id="{A8B89F18-586E-4B97-8EEA-25E99A190A89}" type="datetimeFigureOut">
+              <a:rPr lang="en-US" smtClean="0"/>
+              <a:t>9/20/2019</a:t>
+            </a:fld>
+            <a:endParaRPr lang="en-US"/>
           </a:p>
         </p:txBody>
       </p:sp>
-      <p:graphicFrame>
-        <p:nvGraphicFramePr>
-          <p:cNvPr id="9" name="Object 8"/>
-          <p:cNvGraphicFramePr>
-            <a:graphicFrameLocks noChangeAspect="1"/>
-          </p:cNvGraphicFramePr>
-          <p:nvPr userDrawn="1">
-            <p:extLst>
-              <p:ext uri="{D42A27DB-BD31-4B8C-83A1-F6EECF244321}">
-                <p14:modId xmlns:p14="http://schemas.microsoft.com/office/powerpoint/2010/main" val="1855242954"/>
-              </p:ext>
-            </p:extLst>
-          </p:nvPr>
-        </p:nvGraphicFramePr>
-        <p:xfrm>
-          <a:off x="10713600" y="5940175"/>
-          <a:ext cx="626616" cy="360000"/>
-        </p:xfrm>
-        <a:graphic>
-          <a:graphicData uri="http://schemas.openxmlformats.org/presentationml/2006/ole">
-            <mc:AlternateContent xmlns:mc="http://schemas.openxmlformats.org/markup-compatibility/2006">
-              <mc:Choice xmlns:v="urn:schemas-microsoft-com:vml" Requires="v">
-                <p:oleObj spid="_x0000_s1046" name="Image" r:id="rId10" imgW="2279520" imgH="1310400" progId="Photoshop.Image.18">
-                  <p:embed/>
-                </p:oleObj>
-              </mc:Choice>
-              <mc:Fallback>
-                <p:oleObj name="Image" r:id="rId10" imgW="2279520" imgH="1310400" progId="Photoshop.Image.18">
-                  <p:embed/>
-                  <p:pic>
-                    <p:nvPicPr>
-                      <p:cNvPr id="9" name="Object 8"/>
-                      <p:cNvPicPr/>
-                      <p:nvPr/>
-                    </p:nvPicPr>
-                    <p:blipFill>
-                      <a:blip r:embed="rId11"/>
-                      <a:stretch>
-                        <a:fillRect/>
-                      </a:stretch>
-                    </p:blipFill>
-                    <p:spPr>
-                      <a:xfrm>
-                        <a:off x="10713600" y="5940175"/>
-                        <a:ext cx="626616" cy="360000"/>
-                      </a:xfrm>
-                      <a:prstGeom prst="rect">
-                        <a:avLst/>
-                      </a:prstGeom>
-                    </p:spPr>
-                  </p:pic>
-                </p:oleObj>
-              </mc:Fallback>
-            </mc:AlternateContent>
-          </a:graphicData>
-        </a:graphic>
-      </p:graphicFrame>
+      <p:sp>
+        <p:nvSpPr>
+          <p:cNvPr id="5" name="Footer Placeholder 4">
+            <a:extLst>
+              <a:ext uri="{FF2B5EF4-FFF2-40B4-BE49-F238E27FC236}">
+                <a16:creationId xmlns:a16="http://schemas.microsoft.com/office/drawing/2014/main" id="{75202C0D-9C7F-412A-857B-84E528E59B2D}"/>
+              </a:ext>
+            </a:extLst>
+          </p:cNvPr>
+          <p:cNvSpPr>
+            <a:spLocks noGrp="1"/>
+          </p:cNvSpPr>
+          <p:nvPr>
+            <p:ph type="ftr" sz="quarter" idx="3"/>
+          </p:nvPr>
+        </p:nvSpPr>
+        <p:spPr>
+          <a:xfrm>
+            <a:off x="4038600" y="6356350"/>
+            <a:ext cx="4114800" cy="365125"/>
+          </a:xfrm>
+          <a:prstGeom prst="rect">
+            <a:avLst/>
+          </a:prstGeom>
+        </p:spPr>
+        <p:txBody>
+          <a:bodyPr vert="horz" lIns="91440" tIns="45720" rIns="91440" bIns="45720" rtlCol="0" anchor="ctr"/>
+          <a:lstStyle>
+            <a:lvl1pPr algn="ctr">
+              <a:defRPr sz="1200">
+                <a:solidFill>
+                  <a:schemeClr val="tx1">
+                    <a:tint val="75000"/>
+                  </a:schemeClr>
+                </a:solidFill>
+              </a:defRPr>
+            </a:lvl1pPr>
+          </a:lstStyle>
+          <a:p>
+            <a:endParaRPr lang="en-US"/>
+          </a:p>
+        </p:txBody>
+      </p:sp>
+      <p:sp>
+        <p:nvSpPr>
+          <p:cNvPr id="6" name="Slide Number Placeholder 5">
+            <a:extLst>
+              <a:ext uri="{FF2B5EF4-FFF2-40B4-BE49-F238E27FC236}">
+                <a16:creationId xmlns:a16="http://schemas.microsoft.com/office/drawing/2014/main" id="{AFDB224E-E3E8-4709-954D-A192023702F0}"/>
+              </a:ext>
+            </a:extLst>
+          </p:cNvPr>
+          <p:cNvSpPr>
+            <a:spLocks noGrp="1"/>
+          </p:cNvSpPr>
+          <p:nvPr>
+            <p:ph type="sldNum" sz="quarter" idx="4"/>
+          </p:nvPr>
+        </p:nvSpPr>
+        <p:spPr>
+          <a:xfrm>
+            <a:off x="8610600" y="6356350"/>
+            <a:ext cx="2743200" cy="365125"/>
+          </a:xfrm>
+          <a:prstGeom prst="rect">
+            <a:avLst/>
+          </a:prstGeom>
+        </p:spPr>
+        <p:txBody>
+          <a:bodyPr vert="horz" lIns="91440" tIns="45720" rIns="91440" bIns="45720" rtlCol="0" anchor="ctr"/>
+          <a:lstStyle>
+            <a:lvl1pPr algn="r">
+              <a:defRPr sz="1200">
+                <a:solidFill>
+                  <a:schemeClr val="tx1">
+                    <a:tint val="75000"/>
+                  </a:schemeClr>
+                </a:solidFill>
+              </a:defRPr>
+            </a:lvl1pPr>
+          </a:lstStyle>
+          <a:p>
+            <a:fld id="{734DA83B-C71A-4208-9071-1761995F3B54}" type="slidenum">
+              <a:rPr lang="en-US" smtClean="0"/>
+              <a:t>‹#›</a:t>
+            </a:fld>
+            <a:endParaRPr lang="en-US"/>
+          </a:p>
+        </p:txBody>
+      </p:sp>
     </p:spTree>
     <p:extLst>
       <p:ext uri="{BB962C8B-B14F-4D97-AF65-F5344CB8AC3E}">
-        <p14:creationId xmlns:p14="http://schemas.microsoft.com/office/powerpoint/2010/main" val="517766698"/>
+        <p14:creationId xmlns:p14="http://schemas.microsoft.com/office/powerpoint/2010/main" val="4102208497"/>
       </p:ext>
     </p:extLst>
   </p:cSld>
   <p:clrMap bg1="lt1" tx1="dk1" bg2="lt2" tx2="dk2" accent1="accent1" accent2="accent2" accent3="accent3" accent4="accent4" accent5="accent5" accent6="accent6" hlink="hlink" folHlink="folHlink"/>
   <p:sldLayoutIdLst>
     <p:sldLayoutId id="2147483649" r:id="rId1"/>
-    <p:sldLayoutId id="2147483651" r:id="rId2"/>
-    <p:sldLayoutId id="2147483650" r:id="rId3"/>
-    <p:sldLayoutId id="2147483654" r:id="rId4"/>
-    <p:sldLayoutId id="2147483656" r:id="rId5"/>
-    <p:sldLayoutId id="2147483652" r:id="rId6"/>
+    <p:sldLayoutId id="2147483650" r:id="rId2"/>
+    <p:sldLayoutId id="2147483651" r:id="rId3"/>
+    <p:sldLayoutId id="2147483652" r:id="rId4"/>
+    <p:sldLayoutId id="2147483653" r:id="rId5"/>
+    <p:sldLayoutId id="2147483654" r:id="rId6"/>
     <p:sldLayoutId id="2147483655" r:id="rId7"/>
+    <p:sldLayoutId id="2147483656" r:id="rId8"/>
+    <p:sldLayoutId id="2147483657" r:id="rId9"/>
+    <p:sldLayoutId id="2147483658" r:id="rId10"/>
+    <p:sldLayoutId id="2147483659" r:id="rId11"/>
   </p:sldLayoutIdLst>
   <p:txStyles>
     <p:titleStyle>
-      <a:lvl1pPr algn="l" defTabSz="576026" rtl="0" eaLnBrk="1" latinLnBrk="0" hangingPunct="1">
+      <a:lvl1pPr algn="l" defTabSz="914400" rtl="0" eaLnBrk="1" latinLnBrk="0" hangingPunct="1">
+        <a:lnSpc>
+          <a:spcPct val="90000"/>
+        </a:lnSpc>
         <a:spcBef>
           <a:spcPct val="0"/>
         </a:spcBef>
         <a:buNone/>
         <a:defRPr sz="4400" kern="1200">
           <a:solidFill>
-            <a:schemeClr val="accent1"/>
+            <a:schemeClr val="tx1"/>
           </a:solidFill>
           <a:latin typeface="+mj-lt"/>
           <a:ea typeface="+mj-ea"/>
@@ -1944,88 +6093,106 @@
       </a:lvl1pPr>
     </p:titleStyle>
     <p:bodyStyle>
-      <a:lvl1pPr marL="0" indent="0" algn="l" defTabSz="576026" rtl="0" eaLnBrk="1" latinLnBrk="0" hangingPunct="1">
+      <a:lvl1pPr marL="228600" indent="-228600" algn="l" defTabSz="914400" rtl="0" eaLnBrk="1" latinLnBrk="0" hangingPunct="1">
+        <a:lnSpc>
+          <a:spcPct val="90000"/>
+        </a:lnSpc>
         <a:spcBef>
-          <a:spcPct val="20000"/>
+          <a:spcPts val="1000"/>
         </a:spcBef>
-        <a:buFont typeface="Wingdings" charset="2"/>
-        <a:buNone/>
-        <a:defRPr sz="3600" kern="1200">
+        <a:buFont typeface="Arial" panose="020B0604020202020204" pitchFamily="34" charset="0"/>
+        <a:buChar char="•"/>
+        <a:defRPr sz="2800" kern="1200">
           <a:solidFill>
-            <a:schemeClr val="tx2"/>
+            <a:schemeClr val="tx1"/>
           </a:solidFill>
           <a:latin typeface="+mn-lt"/>
           <a:ea typeface="+mn-ea"/>
           <a:cs typeface="+mn-cs"/>
         </a:defRPr>
       </a:lvl1pPr>
-      <a:lvl2pPr marL="576027" indent="0" algn="l" defTabSz="576026" rtl="0" eaLnBrk="1" latinLnBrk="0" hangingPunct="1">
+      <a:lvl2pPr marL="685800" indent="-228600" algn="l" defTabSz="914400" rtl="0" eaLnBrk="1" latinLnBrk="0" hangingPunct="1">
+        <a:lnSpc>
+          <a:spcPct val="90000"/>
+        </a:lnSpc>
         <a:spcBef>
-          <a:spcPct val="20000"/>
+          <a:spcPts val="500"/>
         </a:spcBef>
-        <a:buFont typeface="Wingdings" charset="2"/>
-        <a:buNone/>
-        <a:defRPr sz="3200" kern="1200">
+        <a:buFont typeface="Arial" panose="020B0604020202020204" pitchFamily="34" charset="0"/>
+        <a:buChar char="•"/>
+        <a:defRPr sz="2400" kern="1200">
           <a:solidFill>
-            <a:schemeClr val="tx2"/>
+            <a:schemeClr val="tx1"/>
           </a:solidFill>
           <a:latin typeface="+mn-lt"/>
           <a:ea typeface="+mn-ea"/>
           <a:cs typeface="+mn-cs"/>
         </a:defRPr>
       </a:lvl2pPr>
-      <a:lvl3pPr marL="1152053" indent="0" algn="l" defTabSz="576026" rtl="0" eaLnBrk="1" latinLnBrk="0" hangingPunct="1">
+      <a:lvl3pPr marL="1143000" indent="-228600" algn="l" defTabSz="914400" rtl="0" eaLnBrk="1" latinLnBrk="0" hangingPunct="1">
+        <a:lnSpc>
+          <a:spcPct val="90000"/>
+        </a:lnSpc>
         <a:spcBef>
-          <a:spcPct val="20000"/>
+          <a:spcPts val="500"/>
         </a:spcBef>
-        <a:buFont typeface="Wingdings" charset="2"/>
-        <a:buNone/>
-        <a:defRPr sz="2400" kern="1200">
+        <a:buFont typeface="Arial" panose="020B0604020202020204" pitchFamily="34" charset="0"/>
+        <a:buChar char="•"/>
+        <a:defRPr sz="2000" kern="1200">
           <a:solidFill>
-            <a:schemeClr val="tx2"/>
+            <a:schemeClr val="tx1"/>
           </a:solidFill>
           <a:latin typeface="+mn-lt"/>
           <a:ea typeface="+mn-ea"/>
           <a:cs typeface="+mn-cs"/>
         </a:defRPr>
       </a:lvl3pPr>
-      <a:lvl4pPr marL="1728079" indent="0" algn="l" defTabSz="576026" rtl="0" eaLnBrk="1" latinLnBrk="0" hangingPunct="1">
+      <a:lvl4pPr marL="1600200" indent="-228600" algn="l" defTabSz="914400" rtl="0" eaLnBrk="1" latinLnBrk="0" hangingPunct="1">
+        <a:lnSpc>
+          <a:spcPct val="90000"/>
+        </a:lnSpc>
         <a:spcBef>
-          <a:spcPct val="20000"/>
+          <a:spcPts val="500"/>
         </a:spcBef>
-        <a:buFont typeface="Wingdings" charset="2"/>
-        <a:buNone/>
-        <a:defRPr sz="2400" kern="1200">
+        <a:buFont typeface="Arial" panose="020B0604020202020204" pitchFamily="34" charset="0"/>
+        <a:buChar char="•"/>
+        <a:defRPr sz="1800" kern="1200">
           <a:solidFill>
-            <a:schemeClr val="tx2"/>
+            <a:schemeClr val="tx1"/>
           </a:solidFill>
           <a:latin typeface="+mn-lt"/>
           <a:ea typeface="+mn-ea"/>
           <a:cs typeface="+mn-cs"/>
         </a:defRPr>
       </a:lvl4pPr>
-      <a:lvl5pPr marL="2304105" indent="0" algn="l" defTabSz="576026" rtl="0" eaLnBrk="1" latinLnBrk="0" hangingPunct="1">
+      <a:lvl5pPr marL="2057400" indent="-228600" algn="l" defTabSz="914400" rtl="0" eaLnBrk="1" latinLnBrk="0" hangingPunct="1">
+        <a:lnSpc>
+          <a:spcPct val="90000"/>
+        </a:lnSpc>
         <a:spcBef>
-          <a:spcPct val="20000"/>
+          <a:spcPts val="500"/>
         </a:spcBef>
-        <a:buFont typeface="Wingdings" charset="2"/>
-        <a:buNone/>
-        <a:defRPr sz="2000" kern="1200">
+        <a:buFont typeface="Arial" panose="020B0604020202020204" pitchFamily="34" charset="0"/>
+        <a:buChar char="•"/>
+        <a:defRPr sz="1800" kern="1200">
           <a:solidFill>
-            <a:schemeClr val="tx2"/>
+            <a:schemeClr val="tx1"/>
           </a:solidFill>
           <a:latin typeface="+mn-lt"/>
           <a:ea typeface="+mn-ea"/>
           <a:cs typeface="+mn-cs"/>
         </a:defRPr>
       </a:lvl5pPr>
-      <a:lvl6pPr marL="3168145" indent="-288013" algn="l" defTabSz="576026" rtl="0" eaLnBrk="1" latinLnBrk="0" hangingPunct="1">
+      <a:lvl6pPr marL="2514600" indent="-228600" algn="l" defTabSz="914400" rtl="0" eaLnBrk="1" latinLnBrk="0" hangingPunct="1">
+        <a:lnSpc>
+          <a:spcPct val="90000"/>
+        </a:lnSpc>
         <a:spcBef>
-          <a:spcPct val="20000"/>
+          <a:spcPts val="500"/>
         </a:spcBef>
-        <a:buFont typeface="Arial"/>
+        <a:buFont typeface="Arial" panose="020B0604020202020204" pitchFamily="34" charset="0"/>
         <a:buChar char="•"/>
-        <a:defRPr sz="2520" kern="1200">
+        <a:defRPr sz="1800" kern="1200">
           <a:solidFill>
             <a:schemeClr val="tx1"/>
           </a:solidFill>
@@ -2034,13 +6201,16 @@
           <a:cs typeface="+mn-cs"/>
         </a:defRPr>
       </a:lvl6pPr>
-      <a:lvl7pPr marL="3744171" indent="-288013" algn="l" defTabSz="576026" rtl="0" eaLnBrk="1" latinLnBrk="0" hangingPunct="1">
+      <a:lvl7pPr marL="2971800" indent="-228600" algn="l" defTabSz="914400" rtl="0" eaLnBrk="1" latinLnBrk="0" hangingPunct="1">
+        <a:lnSpc>
+          <a:spcPct val="90000"/>
+        </a:lnSpc>
         <a:spcBef>
-          <a:spcPct val="20000"/>
+          <a:spcPts val="500"/>
         </a:spcBef>
-        <a:buFont typeface="Arial"/>
+        <a:buFont typeface="Arial" panose="020B0604020202020204" pitchFamily="34" charset="0"/>
         <a:buChar char="•"/>
-        <a:defRPr sz="2520" kern="1200">
+        <a:defRPr sz="1800" kern="1200">
           <a:solidFill>
             <a:schemeClr val="tx1"/>
           </a:solidFill>
@@ -2049,13 +6219,16 @@
           <a:cs typeface="+mn-cs"/>
         </a:defRPr>
       </a:lvl7pPr>
-      <a:lvl8pPr marL="4320197" indent="-288013" algn="l" defTabSz="576026" rtl="0" eaLnBrk="1" latinLnBrk="0" hangingPunct="1">
+      <a:lvl8pPr marL="3429000" indent="-228600" algn="l" defTabSz="914400" rtl="0" eaLnBrk="1" latinLnBrk="0" hangingPunct="1">
+        <a:lnSpc>
+          <a:spcPct val="90000"/>
+        </a:lnSpc>
         <a:spcBef>
-          <a:spcPct val="20000"/>
+          <a:spcPts val="500"/>
         </a:spcBef>
-        <a:buFont typeface="Arial"/>
+        <a:buFont typeface="Arial" panose="020B0604020202020204" pitchFamily="34" charset="0"/>
         <a:buChar char="•"/>
-        <a:defRPr sz="2520" kern="1200">
+        <a:defRPr sz="1800" kern="1200">
           <a:solidFill>
             <a:schemeClr val="tx1"/>
           </a:solidFill>
@@ -2064,13 +6237,16 @@
           <a:cs typeface="+mn-cs"/>
         </a:defRPr>
       </a:lvl8pPr>
-      <a:lvl9pPr marL="4896223" indent="-288013" algn="l" defTabSz="576026" rtl="0" eaLnBrk="1" latinLnBrk="0" hangingPunct="1">
+      <a:lvl9pPr marL="3886200" indent="-228600" algn="l" defTabSz="914400" rtl="0" eaLnBrk="1" latinLnBrk="0" hangingPunct="1">
+        <a:lnSpc>
+          <a:spcPct val="90000"/>
+        </a:lnSpc>
         <a:spcBef>
-          <a:spcPct val="20000"/>
+          <a:spcPts val="500"/>
         </a:spcBef>
-        <a:buFont typeface="Arial"/>
+        <a:buFont typeface="Arial" panose="020B0604020202020204" pitchFamily="34" charset="0"/>
         <a:buChar char="•"/>
-        <a:defRPr sz="2520" kern="1200">
+        <a:defRPr sz="1800" kern="1200">
           <a:solidFill>
             <a:schemeClr val="tx1"/>
           </a:solidFill>
@@ -2084,8 +6260,8 @@
       <a:defPPr>
         <a:defRPr lang="en-US"/>
       </a:defPPr>
-      <a:lvl1pPr marL="0" algn="l" defTabSz="576026" rtl="0" eaLnBrk="1" latinLnBrk="0" hangingPunct="1">
-        <a:defRPr sz="2268" kern="1200">
+      <a:lvl1pPr marL="0" algn="l" defTabSz="914400" rtl="0" eaLnBrk="1" latinLnBrk="0" hangingPunct="1">
+        <a:defRPr sz="1800" kern="1200">
           <a:solidFill>
             <a:schemeClr val="tx1"/>
           </a:solidFill>
@@ -2094,8 +6270,8 @@
           <a:cs typeface="+mn-cs"/>
         </a:defRPr>
       </a:lvl1pPr>
-      <a:lvl2pPr marL="576026" algn="l" defTabSz="576026" rtl="0" eaLnBrk="1" latinLnBrk="0" hangingPunct="1">
-        <a:defRPr sz="2268" kern="1200">
+      <a:lvl2pPr marL="457200" algn="l" defTabSz="914400" rtl="0" eaLnBrk="1" latinLnBrk="0" hangingPunct="1">
+        <a:defRPr sz="1800" kern="1200">
           <a:solidFill>
             <a:schemeClr val="tx1"/>
           </a:solidFill>
@@ -2104,8 +6280,8 @@
           <a:cs typeface="+mn-cs"/>
         </a:defRPr>
       </a:lvl2pPr>
-      <a:lvl3pPr marL="1152053" algn="l" defTabSz="576026" rtl="0" eaLnBrk="1" latinLnBrk="0" hangingPunct="1">
-        <a:defRPr sz="2268" kern="1200">
+      <a:lvl3pPr marL="914400" algn="l" defTabSz="914400" rtl="0" eaLnBrk="1" latinLnBrk="0" hangingPunct="1">
+        <a:defRPr sz="1800" kern="1200">
           <a:solidFill>
             <a:schemeClr val="tx1"/>
           </a:solidFill>
@@ -2114,8 +6290,8 @@
           <a:cs typeface="+mn-cs"/>
         </a:defRPr>
       </a:lvl3pPr>
-      <a:lvl4pPr marL="1728079" algn="l" defTabSz="576026" rtl="0" eaLnBrk="1" latinLnBrk="0" hangingPunct="1">
-        <a:defRPr sz="2268" kern="1200">
+      <a:lvl4pPr marL="1371600" algn="l" defTabSz="914400" rtl="0" eaLnBrk="1" latinLnBrk="0" hangingPunct="1">
+        <a:defRPr sz="1800" kern="1200">
           <a:solidFill>
             <a:schemeClr val="tx1"/>
           </a:solidFill>
@@ -2124,8 +6300,8 @@
           <a:cs typeface="+mn-cs"/>
         </a:defRPr>
       </a:lvl4pPr>
-      <a:lvl5pPr marL="2304105" algn="l" defTabSz="576026" rtl="0" eaLnBrk="1" latinLnBrk="0" hangingPunct="1">
-        <a:defRPr sz="2268" kern="1200">
+      <a:lvl5pPr marL="1828800" algn="l" defTabSz="914400" rtl="0" eaLnBrk="1" latinLnBrk="0" hangingPunct="1">
+        <a:defRPr sz="1800" kern="1200">
           <a:solidFill>
             <a:schemeClr val="tx1"/>
           </a:solidFill>
@@ -2134,8 +6310,8 @@
           <a:cs typeface="+mn-cs"/>
         </a:defRPr>
       </a:lvl5pPr>
-      <a:lvl6pPr marL="2880131" algn="l" defTabSz="576026" rtl="0" eaLnBrk="1" latinLnBrk="0" hangingPunct="1">
-        <a:defRPr sz="2268" kern="1200">
+      <a:lvl6pPr marL="2286000" algn="l" defTabSz="914400" rtl="0" eaLnBrk="1" latinLnBrk="0" hangingPunct="1">
+        <a:defRPr sz="1800" kern="1200">
           <a:solidFill>
             <a:schemeClr val="tx1"/>
           </a:solidFill>
@@ -2144,8 +6320,8 @@
           <a:cs typeface="+mn-cs"/>
         </a:defRPr>
       </a:lvl6pPr>
-      <a:lvl7pPr marL="3456158" algn="l" defTabSz="576026" rtl="0" eaLnBrk="1" latinLnBrk="0" hangingPunct="1">
-        <a:defRPr sz="2268" kern="1200">
+      <a:lvl7pPr marL="2743200" algn="l" defTabSz="914400" rtl="0" eaLnBrk="1" latinLnBrk="0" hangingPunct="1">
+        <a:defRPr sz="1800" kern="1200">
           <a:solidFill>
             <a:schemeClr val="tx1"/>
           </a:solidFill>
@@ -2154,8 +6330,8 @@
           <a:cs typeface="+mn-cs"/>
         </a:defRPr>
       </a:lvl7pPr>
-      <a:lvl8pPr marL="4032184" algn="l" defTabSz="576026" rtl="0" eaLnBrk="1" latinLnBrk="0" hangingPunct="1">
-        <a:defRPr sz="2268" kern="1200">
+      <a:lvl8pPr marL="3200400" algn="l" defTabSz="914400" rtl="0" eaLnBrk="1" latinLnBrk="0" hangingPunct="1">
+        <a:defRPr sz="1800" kern="1200">
           <a:solidFill>
             <a:schemeClr val="tx1"/>
           </a:solidFill>
@@ -2164,8 +6340,8 @@
           <a:cs typeface="+mn-cs"/>
         </a:defRPr>
       </a:lvl8pPr>
-      <a:lvl9pPr marL="4608210" algn="l" defTabSz="576026" rtl="0" eaLnBrk="1" latinLnBrk="0" hangingPunct="1">
-        <a:defRPr sz="2268" kern="1200">
+      <a:lvl9pPr marL="3657600" algn="l" defTabSz="914400" rtl="0" eaLnBrk="1" latinLnBrk="0" hangingPunct="1">
+        <a:defRPr sz="1800" kern="1200">
           <a:solidFill>
             <a:schemeClr val="tx1"/>
           </a:solidFill>
@@ -2176,57 +6352,6 @@
       </a:lvl9pPr>
     </p:otherStyle>
   </p:txStyles>
-  <p:extLst mod="1">
-    <p:ext uri="{27BBF7A9-308A-43DC-89C8-2F10F3537804}">
-      <p15:sldGuideLst xmlns:p15="http://schemas.microsoft.com/office/powerpoint/2012/main">
-        <p15:guide id="1" orient="horz" pos="2381" userDrawn="1">
-          <p15:clr>
-            <a:srgbClr val="F26B43"/>
-          </p15:clr>
-        </p15:guide>
-        <p15:guide id="2" pos="3629" userDrawn="1">
-          <p15:clr>
-            <a:srgbClr val="F26B43"/>
-          </p15:clr>
-        </p15:guide>
-        <p15:guide id="3" pos="7030" userDrawn="1">
-          <p15:clr>
-            <a:srgbClr val="F26B43"/>
-          </p15:clr>
-        </p15:guide>
-        <p15:guide id="4" pos="227" userDrawn="1">
-          <p15:clr>
-            <a:srgbClr val="F26B43"/>
-          </p15:clr>
-        </p15:guide>
-        <p15:guide id="5" orient="horz" pos="227" userDrawn="1">
-          <p15:clr>
-            <a:srgbClr val="F26B43"/>
-          </p15:clr>
-        </p15:guide>
-        <p15:guide id="7" orient="horz" pos="680" userDrawn="1">
-          <p15:clr>
-            <a:srgbClr val="F26B43"/>
-          </p15:clr>
-        </p15:guide>
-        <p15:guide id="8" orient="horz" pos="907" userDrawn="1">
-          <p15:clr>
-            <a:srgbClr val="F26B43"/>
-          </p15:clr>
-        </p15:guide>
-        <p15:guide id="9" orient="horz" pos="3855" userDrawn="1">
-          <p15:clr>
-            <a:srgbClr val="F26B43"/>
-          </p15:clr>
-        </p15:guide>
-        <p15:guide id="10" orient="horz" pos="2041" userDrawn="1">
-          <p15:clr>
-            <a:srgbClr val="F26B43"/>
-          </p15:clr>
-        </p15:guide>
-      </p15:sldGuideLst>
-    </p:ext>
-  </p:extLst>
 </p:sldMaster>
 </file>
 
@@ -2249,10 +6374,171 @@
       </p:grpSpPr>
       <p:sp>
         <p:nvSpPr>
+          <p:cNvPr id="5" name="Rectangle 4">
+            <a:extLst>
+              <a:ext uri="{FF2B5EF4-FFF2-40B4-BE49-F238E27FC236}">
+                <a16:creationId xmlns:a16="http://schemas.microsoft.com/office/drawing/2014/main" id="{66BC37A6-A9E2-430F-B464-546F39511A47}"/>
+              </a:ext>
+            </a:extLst>
+          </p:cNvPr>
+          <p:cNvSpPr/>
+          <p:nvPr/>
+        </p:nvSpPr>
+        <p:spPr>
+          <a:xfrm>
+            <a:off x="0" y="2000352"/>
+            <a:ext cx="12192001" cy="4095647"/>
+          </a:xfrm>
+          <a:prstGeom prst="rect">
+            <a:avLst/>
+          </a:prstGeom>
+          <a:solidFill>
+            <a:schemeClr val="accent1">
+              <a:lumMod val="75000"/>
+            </a:schemeClr>
+          </a:solidFill>
+          <a:ln>
+            <a:noFill/>
+          </a:ln>
+        </p:spPr>
+        <p:style>
+          <a:lnRef idx="2">
+            <a:schemeClr val="accent1">
+              <a:shade val="50000"/>
+            </a:schemeClr>
+          </a:lnRef>
+          <a:fillRef idx="1">
+            <a:schemeClr val="accent1"/>
+          </a:fillRef>
+          <a:effectRef idx="0">
+            <a:schemeClr val="accent1"/>
+          </a:effectRef>
+          <a:fontRef idx="minor">
+            <a:schemeClr val="lt1"/>
+          </a:fontRef>
+        </p:style>
+        <p:txBody>
+          <a:bodyPr rtlCol="0" anchor="ctr"/>
+          <a:lstStyle/>
+          <a:p>
+            <a:pPr algn="ctr"/>
+            <a:endParaRPr lang="en-US"/>
+          </a:p>
+        </p:txBody>
+      </p:sp>
+      <p:grpSp>
+        <p:nvGrpSpPr>
+          <p:cNvPr id="6" name="Group 5">
+            <a:extLst>
+              <a:ext uri="{FF2B5EF4-FFF2-40B4-BE49-F238E27FC236}">
+                <a16:creationId xmlns:a16="http://schemas.microsoft.com/office/drawing/2014/main" id="{446F31B2-E486-4766-BC02-00A2EC939551}"/>
+              </a:ext>
+            </a:extLst>
+          </p:cNvPr>
+          <p:cNvGrpSpPr/>
+          <p:nvPr/>
+        </p:nvGrpSpPr>
+        <p:grpSpPr>
+          <a:xfrm>
+            <a:off x="2650114" y="2314574"/>
+            <a:ext cx="6891772" cy="3800475"/>
+            <a:chOff x="705301" y="2052365"/>
+            <a:chExt cx="5603844" cy="3090246"/>
+          </a:xfrm>
+        </p:grpSpPr>
+        <p:pic>
+          <p:nvPicPr>
+            <p:cNvPr id="7" name="Picture 6">
+              <a:extLst>
+                <a:ext uri="{FF2B5EF4-FFF2-40B4-BE49-F238E27FC236}">
+                  <a16:creationId xmlns:a16="http://schemas.microsoft.com/office/drawing/2014/main" id="{CCD50E36-125B-4889-9742-7A02261A6820}"/>
+                </a:ext>
+              </a:extLst>
+            </p:cNvPr>
+            <p:cNvPicPr>
+              <a:picLocks noChangeAspect="1"/>
+            </p:cNvPicPr>
+            <p:nvPr/>
+          </p:nvPicPr>
+          <p:blipFill>
+            <a:blip r:embed="rId2">
+              <a:extLst>
+                <a:ext uri="{28A0092B-C50C-407E-A947-70E740481C1C}">
+                  <a14:useLocalDpi xmlns:a14="http://schemas.microsoft.com/office/drawing/2010/main" val="0"/>
+                </a:ext>
+              </a:extLst>
+            </a:blip>
+            <a:stretch>
+              <a:fillRect/>
+            </a:stretch>
+          </p:blipFill>
+          <p:spPr>
+            <a:xfrm>
+              <a:off x="705301" y="2052365"/>
+              <a:ext cx="5603844" cy="3090246"/>
+            </a:xfrm>
+            <a:prstGeom prst="rect">
+              <a:avLst/>
+            </a:prstGeom>
+            <a:effectLst>
+              <a:outerShdw blurRad="50800" dist="38100" dir="5400000" algn="t" rotWithShape="0">
+                <a:prstClr val="black">
+                  <a:alpha val="40000"/>
+                </a:prstClr>
+              </a:outerShdw>
+            </a:effectLst>
+          </p:spPr>
+        </p:pic>
+        <p:pic>
+          <p:nvPicPr>
+            <p:cNvPr id="8" name="Picture 7">
+              <a:extLst>
+                <a:ext uri="{FF2B5EF4-FFF2-40B4-BE49-F238E27FC236}">
+                  <a16:creationId xmlns:a16="http://schemas.microsoft.com/office/drawing/2014/main" id="{12DA39CA-79F5-4FF0-983B-DC4190F8F32F}"/>
+                </a:ext>
+              </a:extLst>
+            </p:cNvPr>
+            <p:cNvPicPr>
+              <a:picLocks noChangeAspect="1"/>
+            </p:cNvPicPr>
+            <p:nvPr/>
+          </p:nvPicPr>
+          <p:blipFill>
+            <a:blip r:embed="rId3">
+              <a:extLst>
+                <a:ext uri="{28A0092B-C50C-407E-A947-70E740481C1C}">
+                  <a14:useLocalDpi xmlns:a14="http://schemas.microsoft.com/office/drawing/2010/main" val="0"/>
+                </a:ext>
+              </a:extLst>
+            </a:blip>
+            <a:stretch>
+              <a:fillRect/>
+            </a:stretch>
+          </p:blipFill>
+          <p:spPr>
+            <a:xfrm>
+              <a:off x="1264843" y="2298120"/>
+              <a:ext cx="4484760" cy="2473126"/>
+            </a:xfrm>
+            <a:prstGeom prst="rect">
+              <a:avLst/>
+            </a:prstGeom>
+            <a:effectLst>
+              <a:outerShdw blurRad="50800" dist="38100" dir="2700000" algn="tl" rotWithShape="0">
+                <a:schemeClr val="bg1">
+                  <a:alpha val="40000"/>
+                </a:schemeClr>
+              </a:outerShdw>
+            </a:effectLst>
+          </p:spPr>
+        </p:pic>
+      </p:grpSp>
+      <p:sp>
+        <p:nvSpPr>
           <p:cNvPr id="2" name="Title 1">
             <a:extLst>
               <a:ext uri="{FF2B5EF4-FFF2-40B4-BE49-F238E27FC236}">
-                <a16:creationId xmlns:a16="http://schemas.microsoft.com/office/drawing/2014/main" id="{173E300E-7D29-4602-BEC8-DE0049F99262}"/>
+                <a16:creationId xmlns:a16="http://schemas.microsoft.com/office/drawing/2014/main" id="{C794B1EF-931E-4417-B3C4-DC026D1A543B}"/>
               </a:ext>
             </a:extLst>
           </p:cNvPr>
@@ -2263,66 +6549,76 @@
             <p:ph type="ctrTitle"/>
           </p:nvPr>
         </p:nvSpPr>
-        <p:spPr/>
+        <p:spPr>
+          <a:xfrm>
+            <a:off x="1009650" y="295275"/>
+            <a:ext cx="10553700" cy="1114425"/>
+          </a:xfrm>
+        </p:spPr>
+        <p:txBody>
+          <a:bodyPr>
+            <a:noAutofit/>
+          </a:bodyPr>
+          <a:lstStyle/>
+          <a:p>
+            <a:pPr algn="l"/>
+            <a:r>
+              <a:rPr lang="en-US" sz="4000" dirty="0"/>
+              <a:t>Using </a:t>
+            </a:r>
+            <a:r>
+              <a:rPr lang="en-US" sz="4000" dirty="0" err="1"/>
+              <a:t>Dbatools</a:t>
+            </a:r>
+            <a:r>
+              <a:rPr lang="en-US" sz="4000" dirty="0"/>
+              <a:t> To Automate Database Migrations</a:t>
+            </a:r>
+            <a:endParaRPr lang="en-US" sz="4000" dirty="0">
+              <a:latin typeface="Candara" panose="020E0502030303020204" pitchFamily="34" charset="0"/>
+              <a:ea typeface="Arial Unicode MS" panose="020B0604020202020204" pitchFamily="34" charset="-128"/>
+              <a:cs typeface="Arial Unicode MS" panose="020B0604020202020204" pitchFamily="34" charset="-128"/>
+            </a:endParaRPr>
+          </a:p>
+        </p:txBody>
+      </p:sp>
+      <p:sp>
+        <p:nvSpPr>
+          <p:cNvPr id="3" name="Subtitle 2">
+            <a:extLst>
+              <a:ext uri="{FF2B5EF4-FFF2-40B4-BE49-F238E27FC236}">
+                <a16:creationId xmlns:a16="http://schemas.microsoft.com/office/drawing/2014/main" id="{A3180490-B370-4519-A6A4-9CF3BB0C7A52}"/>
+              </a:ext>
+            </a:extLst>
+          </p:cNvPr>
+          <p:cNvSpPr>
+            <a:spLocks noGrp="1"/>
+          </p:cNvSpPr>
+          <p:nvPr>
+            <p:ph type="subTitle" idx="1"/>
+          </p:nvPr>
+        </p:nvSpPr>
+        <p:spPr>
+          <a:xfrm>
+            <a:off x="1009649" y="1409700"/>
+            <a:ext cx="10553699" cy="441146"/>
+          </a:xfrm>
+        </p:spPr>
         <p:txBody>
           <a:bodyPr/>
           <a:lstStyle/>
           <a:p>
-            <a:r>
-              <a:rPr lang="en-US" dirty="0"/>
-              <a:t>Using </a:t>
-            </a:r>
-            <a:r>
-              <a:rPr lang="en-US" dirty="0" err="1"/>
-              <a:t>Dbatools</a:t>
-            </a:r>
-            <a:r>
-              <a:rPr lang="en-US" dirty="0"/>
-              <a:t> to Automate Database Migrations</a:t>
-            </a:r>
-          </a:p>
-        </p:txBody>
-      </p:sp>
-      <p:sp>
-        <p:nvSpPr>
-          <p:cNvPr id="3" name="Text Placeholder 2">
-            <a:extLst>
-              <a:ext uri="{FF2B5EF4-FFF2-40B4-BE49-F238E27FC236}">
-                <a16:creationId xmlns:a16="http://schemas.microsoft.com/office/drawing/2014/main" id="{4EF2CD67-7E60-478B-B8AC-77C3C8A3B962}"/>
-              </a:ext>
-            </a:extLst>
-          </p:cNvPr>
-          <p:cNvSpPr>
-            <a:spLocks noGrp="1"/>
-          </p:cNvSpPr>
-          <p:nvPr>
-            <p:ph type="body" sz="quarter" idx="10"/>
-          </p:nvPr>
-        </p:nvSpPr>
-        <p:spPr/>
-        <p:txBody>
-          <a:bodyPr/>
-          <a:lstStyle/>
-          <a:p>
-            <a:r>
-              <a:rPr lang="en-US" dirty="0"/>
-              <a:t>Joshua Corrick (@</a:t>
-            </a:r>
-            <a:r>
-              <a:rPr lang="en-US" dirty="0" err="1"/>
-              <a:t>JoshCorr</a:t>
-            </a:r>
-            <a:r>
-              <a:rPr lang="en-US" dirty="0"/>
-              <a:t>)</a:t>
-            </a:r>
+            <a:pPr algn="l"/>
+            <a:endParaRPr lang="en-US" dirty="0">
+              <a:latin typeface="Candara" panose="020E0502030303020204" pitchFamily="34" charset="0"/>
+            </a:endParaRPr>
           </a:p>
         </p:txBody>
       </p:sp>
     </p:spTree>
     <p:extLst>
       <p:ext uri="{BB962C8B-B14F-4D97-AF65-F5344CB8AC3E}">
-        <p14:creationId xmlns:p14="http://schemas.microsoft.com/office/powerpoint/2010/main" val="1968302502"/>
+        <p14:creationId xmlns:p14="http://schemas.microsoft.com/office/powerpoint/2010/main" val="3276336989"/>
       </p:ext>
     </p:extLst>
   </p:cSld>
@@ -2349,124 +6645,206 @@
           <a:chExt cx="0" cy="0"/>
         </a:xfrm>
       </p:grpSpPr>
-      <p:sp>
-        <p:nvSpPr>
-          <p:cNvPr id="2" name="Title 1">
-            <a:extLst>
-              <a:ext uri="{FF2B5EF4-FFF2-40B4-BE49-F238E27FC236}">
-                <a16:creationId xmlns:a16="http://schemas.microsoft.com/office/drawing/2014/main" id="{1AF04810-A269-4151-B371-BDBE6DF2EDC6}"/>
-              </a:ext>
-            </a:extLst>
-          </p:cNvPr>
-          <p:cNvSpPr>
-            <a:spLocks noGrp="1"/>
-          </p:cNvSpPr>
-          <p:nvPr>
-            <p:ph type="title"/>
-          </p:nvPr>
-        </p:nvSpPr>
-        <p:spPr/>
-        <p:txBody>
-          <a:bodyPr/>
-          <a:lstStyle/>
-          <a:p>
-            <a:r>
-              <a:rPr lang="en-US" dirty="0" err="1"/>
-              <a:t>whoami</a:t>
-            </a:r>
-            <a:endParaRPr lang="en-US" dirty="0"/>
-          </a:p>
-        </p:txBody>
-      </p:sp>
-      <p:sp>
-        <p:nvSpPr>
-          <p:cNvPr id="3" name="Content Placeholder 2">
-            <a:extLst>
-              <a:ext uri="{FF2B5EF4-FFF2-40B4-BE49-F238E27FC236}">
-                <a16:creationId xmlns:a16="http://schemas.microsoft.com/office/drawing/2014/main" id="{0ED70AA7-07CF-411A-8CF2-9EAEAABE0E58}"/>
-              </a:ext>
-            </a:extLst>
-          </p:cNvPr>
-          <p:cNvSpPr>
-            <a:spLocks noGrp="1"/>
-          </p:cNvSpPr>
-          <p:nvPr>
-            <p:ph sz="half" idx="1"/>
-          </p:nvPr>
-        </p:nvSpPr>
-        <p:spPr/>
-        <p:txBody>
-          <a:bodyPr>
-            <a:normAutofit/>
-          </a:bodyPr>
-          <a:lstStyle/>
-          <a:p>
-            <a:r>
-              <a:rPr lang="en-US" b="1" dirty="0"/>
-              <a:t>Joshua Corrick </a:t>
-            </a:r>
-            <a:r>
-              <a:rPr lang="en-US" dirty="0"/>
-              <a:t>(@</a:t>
-            </a:r>
-            <a:r>
-              <a:rPr lang="en-US" dirty="0" err="1"/>
-              <a:t>joshCorr</a:t>
-            </a:r>
-            <a:r>
-              <a:rPr lang="en-US" dirty="0"/>
-              <a:t>)</a:t>
-            </a:r>
-          </a:p>
-          <a:p>
-            <a:r>
-              <a:rPr lang="en-US" dirty="0"/>
-              <a:t>https://Corrick.io/blog</a:t>
-            </a:r>
-          </a:p>
-          <a:p>
-            <a:endParaRPr lang="en-US" dirty="0"/>
-          </a:p>
-          <a:p>
-            <a:r>
-              <a:rPr lang="en-US" dirty="0"/>
-              <a:t>Sr. Systems Engineer</a:t>
-            </a:r>
-          </a:p>
-          <a:p>
-            <a:r>
-              <a:rPr lang="en-US" dirty="0"/>
-              <a:t>Accidental DBA</a:t>
-            </a:r>
-          </a:p>
-          <a:p>
-            <a:r>
-              <a:rPr lang="en-US" dirty="0"/>
-              <a:t>Passionate about PowerShell</a:t>
-            </a:r>
-          </a:p>
-          <a:p>
-            <a:r>
-              <a:rPr lang="en-US" dirty="0"/>
-              <a:t>Major Contributor to </a:t>
-            </a:r>
-            <a:r>
-              <a:rPr lang="en-US" dirty="0" err="1"/>
-              <a:t>Dbatools</a:t>
-            </a:r>
-            <a:endParaRPr lang="en-US" dirty="0"/>
-          </a:p>
-          <a:p>
-            <a:endParaRPr lang="en-US" dirty="0"/>
-          </a:p>
-        </p:txBody>
-      </p:sp>
+      <p:grpSp>
+        <p:nvGrpSpPr>
+          <p:cNvPr id="10" name="Group 9">
+            <a:extLst>
+              <a:ext uri="{FF2B5EF4-FFF2-40B4-BE49-F238E27FC236}">
+                <a16:creationId xmlns:a16="http://schemas.microsoft.com/office/drawing/2014/main" id="{6D6AC5E9-D4EA-4ED0-B9FD-B9B4A54B47C9}"/>
+              </a:ext>
+            </a:extLst>
+          </p:cNvPr>
+          <p:cNvGrpSpPr/>
+          <p:nvPr/>
+        </p:nvGrpSpPr>
+        <p:grpSpPr>
+          <a:xfrm>
+            <a:off x="0" y="5776566"/>
+            <a:ext cx="12192001" cy="1081434"/>
+            <a:chOff x="0" y="5776566"/>
+            <a:chExt cx="12192001" cy="1081434"/>
+          </a:xfrm>
+        </p:grpSpPr>
+        <p:sp>
+          <p:nvSpPr>
+            <p:cNvPr id="2" name="Rectangle 1">
+              <a:extLst>
+                <a:ext uri="{FF2B5EF4-FFF2-40B4-BE49-F238E27FC236}">
+                  <a16:creationId xmlns:a16="http://schemas.microsoft.com/office/drawing/2014/main" id="{A18E372D-460F-4F58-9B1E-01822DDF4080}"/>
+                </a:ext>
+              </a:extLst>
+            </p:cNvPr>
+            <p:cNvSpPr/>
+            <p:nvPr/>
+          </p:nvSpPr>
+          <p:spPr>
+            <a:xfrm>
+              <a:off x="0" y="6098596"/>
+              <a:ext cx="12192001" cy="759404"/>
+            </a:xfrm>
+            <a:prstGeom prst="rect">
+              <a:avLst/>
+            </a:prstGeom>
+            <a:gradFill flip="none" rotWithShape="1">
+              <a:gsLst>
+                <a:gs pos="0">
+                  <a:schemeClr val="bg1"/>
+                </a:gs>
+                <a:gs pos="0">
+                  <a:srgbClr val="0070C0"/>
+                </a:gs>
+                <a:gs pos="90000">
+                  <a:schemeClr val="bg1"/>
+                </a:gs>
+              </a:gsLst>
+              <a:path path="circle">
+                <a:fillToRect l="100000" t="100000"/>
+              </a:path>
+              <a:tileRect r="-100000" b="-100000"/>
+            </a:gradFill>
+            <a:ln>
+              <a:noFill/>
+            </a:ln>
+          </p:spPr>
+          <p:style>
+            <a:lnRef idx="2">
+              <a:schemeClr val="accent1">
+                <a:shade val="50000"/>
+              </a:schemeClr>
+            </a:lnRef>
+            <a:fillRef idx="1">
+              <a:schemeClr val="accent1"/>
+            </a:fillRef>
+            <a:effectRef idx="0">
+              <a:schemeClr val="accent1"/>
+            </a:effectRef>
+            <a:fontRef idx="minor">
+              <a:schemeClr val="lt1"/>
+            </a:fontRef>
+          </p:style>
+          <p:txBody>
+            <a:bodyPr rtlCol="0" anchor="ctr"/>
+            <a:lstStyle/>
+            <a:p>
+              <a:pPr algn="ctr"/>
+              <a:endParaRPr lang="en-US"/>
+            </a:p>
+          </p:txBody>
+        </p:sp>
+        <p:grpSp>
+          <p:nvGrpSpPr>
+            <p:cNvPr id="7" name="Group 6">
+              <a:extLst>
+                <a:ext uri="{FF2B5EF4-FFF2-40B4-BE49-F238E27FC236}">
+                  <a16:creationId xmlns:a16="http://schemas.microsoft.com/office/drawing/2014/main" id="{56FEA87E-4279-4BD8-B714-F0C49A8582BB}"/>
+                </a:ext>
+              </a:extLst>
+            </p:cNvPr>
+            <p:cNvGrpSpPr/>
+            <p:nvPr/>
+          </p:nvGrpSpPr>
+          <p:grpSpPr>
+            <a:xfrm>
+              <a:off x="136116" y="5776566"/>
+              <a:ext cx="1766413" cy="974090"/>
+              <a:chOff x="705301" y="2052365"/>
+              <a:chExt cx="5603844" cy="3090246"/>
+            </a:xfrm>
+          </p:grpSpPr>
+          <p:pic>
+            <p:nvPicPr>
+              <p:cNvPr id="8" name="Picture 7">
+                <a:extLst>
+                  <a:ext uri="{FF2B5EF4-FFF2-40B4-BE49-F238E27FC236}">
+                    <a16:creationId xmlns:a16="http://schemas.microsoft.com/office/drawing/2014/main" id="{459F3D5C-B7C9-4C51-8ADA-B4574802A63C}"/>
+                  </a:ext>
+                </a:extLst>
+              </p:cNvPr>
+              <p:cNvPicPr>
+                <a:picLocks noChangeAspect="1"/>
+              </p:cNvPicPr>
+              <p:nvPr/>
+            </p:nvPicPr>
+            <p:blipFill>
+              <a:blip r:embed="rId2">
+                <a:extLst>
+                  <a:ext uri="{28A0092B-C50C-407E-A947-70E740481C1C}">
+                    <a14:useLocalDpi xmlns:a14="http://schemas.microsoft.com/office/drawing/2010/main" val="0"/>
+                  </a:ext>
+                </a:extLst>
+              </a:blip>
+              <a:stretch>
+                <a:fillRect/>
+              </a:stretch>
+            </p:blipFill>
+            <p:spPr>
+              <a:xfrm>
+                <a:off x="705301" y="2052365"/>
+                <a:ext cx="5603844" cy="3090246"/>
+              </a:xfrm>
+              <a:prstGeom prst="rect">
+                <a:avLst/>
+              </a:prstGeom>
+              <a:effectLst>
+                <a:outerShdw blurRad="50800" dist="38100" dir="5400000" algn="t" rotWithShape="0">
+                  <a:prstClr val="black">
+                    <a:alpha val="40000"/>
+                  </a:prstClr>
+                </a:outerShdw>
+              </a:effectLst>
+            </p:spPr>
+          </p:pic>
+          <p:pic>
+            <p:nvPicPr>
+              <p:cNvPr id="9" name="Picture 8">
+                <a:extLst>
+                  <a:ext uri="{FF2B5EF4-FFF2-40B4-BE49-F238E27FC236}">
+                    <a16:creationId xmlns:a16="http://schemas.microsoft.com/office/drawing/2014/main" id="{22DA66F6-432B-4CA3-9BC5-1425710C16BA}"/>
+                  </a:ext>
+                </a:extLst>
+              </p:cNvPr>
+              <p:cNvPicPr>
+                <a:picLocks noChangeAspect="1"/>
+              </p:cNvPicPr>
+              <p:nvPr/>
+            </p:nvPicPr>
+            <p:blipFill>
+              <a:blip r:embed="rId3">
+                <a:extLst>
+                  <a:ext uri="{28A0092B-C50C-407E-A947-70E740481C1C}">
+                    <a14:useLocalDpi xmlns:a14="http://schemas.microsoft.com/office/drawing/2010/main" val="0"/>
+                  </a:ext>
+                </a:extLst>
+              </a:blip>
+              <a:stretch>
+                <a:fillRect/>
+              </a:stretch>
+            </p:blipFill>
+            <p:spPr>
+              <a:xfrm>
+                <a:off x="1264843" y="2298120"/>
+                <a:ext cx="4484760" cy="2473126"/>
+              </a:xfrm>
+              <a:prstGeom prst="rect">
+                <a:avLst/>
+              </a:prstGeom>
+              <a:effectLst>
+                <a:outerShdw blurRad="50800" dist="38100" dir="2700000" algn="tl" rotWithShape="0">
+                  <a:schemeClr val="bg1">
+                    <a:alpha val="40000"/>
+                  </a:schemeClr>
+                </a:outerShdw>
+              </a:effectLst>
+            </p:spPr>
+          </p:pic>
+        </p:grpSp>
+      </p:grpSp>
       <p:pic>
         <p:nvPicPr>
-          <p:cNvPr id="9" name="Content Placeholder 8">
-            <a:extLst>
-              <a:ext uri="{FF2B5EF4-FFF2-40B4-BE49-F238E27FC236}">
-                <a16:creationId xmlns:a16="http://schemas.microsoft.com/office/drawing/2014/main" id="{EA45156B-664E-406E-97B3-C1BDAF4D109C}"/>
+          <p:cNvPr id="12" name="Content Placeholder 11" descr="A screenshot of a cell phone&#10;&#10;Description automatically generated">
+            <a:extLst>
+              <a:ext uri="{FF2B5EF4-FFF2-40B4-BE49-F238E27FC236}">
+                <a16:creationId xmlns:a16="http://schemas.microsoft.com/office/drawing/2014/main" id="{B099F1A0-CF36-41F0-B428-E25839CEBFCA}"/>
               </a:ext>
             </a:extLst>
           </p:cNvPr>
@@ -2474,26 +6852,57 @@
             <a:picLocks noGrp="1" noChangeAspect="1"/>
           </p:cNvPicPr>
           <p:nvPr>
-            <p:ph sz="half" idx="2"/>
+            <p:ph idx="1"/>
           </p:nvPr>
         </p:nvPicPr>
         <p:blipFill>
-          <a:blip r:embed="rId2"/>
+          <a:blip r:embed="rId4">
+            <a:extLst>
+              <a:ext uri="{28A0092B-C50C-407E-A947-70E740481C1C}">
+                <a14:useLocalDpi xmlns:a14="http://schemas.microsoft.com/office/drawing/2010/main" val="0"/>
+              </a:ext>
+            </a:extLst>
+          </a:blip>
           <a:stretch>
             <a:fillRect/>
           </a:stretch>
         </p:blipFill>
         <p:spPr>
           <a:xfrm>
-            <a:off x="6315159" y="1439863"/>
-            <a:ext cx="3509777" cy="3509777"/>
+            <a:off x="1166092" y="45980"/>
+            <a:ext cx="10187708" cy="5730586"/>
           </a:xfrm>
         </p:spPr>
       </p:pic>
+      <p:sp>
+        <p:nvSpPr>
+          <p:cNvPr id="14" name="Title 13">
+            <a:extLst>
+              <a:ext uri="{FF2B5EF4-FFF2-40B4-BE49-F238E27FC236}">
+                <a16:creationId xmlns:a16="http://schemas.microsoft.com/office/drawing/2014/main" id="{A453B2E6-BC1C-47A8-A041-D5A9F1A856AA}"/>
+              </a:ext>
+            </a:extLst>
+          </p:cNvPr>
+          <p:cNvSpPr>
+            <a:spLocks noGrp="1"/>
+          </p:cNvSpPr>
+          <p:nvPr>
+            <p:ph type="title"/>
+          </p:nvPr>
+        </p:nvSpPr>
+        <p:spPr/>
+        <p:txBody>
+          <a:bodyPr/>
+          <a:lstStyle/>
+          <a:p>
+            <a:endParaRPr lang="en-US" dirty="0"/>
+          </a:p>
+        </p:txBody>
+      </p:sp>
     </p:spTree>
     <p:extLst>
       <p:ext uri="{BB962C8B-B14F-4D97-AF65-F5344CB8AC3E}">
-        <p14:creationId xmlns:p14="http://schemas.microsoft.com/office/powerpoint/2010/main" val="2880307414"/>
+        <p14:creationId xmlns:p14="http://schemas.microsoft.com/office/powerpoint/2010/main" val="1065579072"/>
       </p:ext>
     </p:extLst>
   </p:cSld>
@@ -2525,7 +6934,7 @@
           <p:cNvPr id="2" name="Title 1">
             <a:extLst>
               <a:ext uri="{FF2B5EF4-FFF2-40B4-BE49-F238E27FC236}">
-                <a16:creationId xmlns:a16="http://schemas.microsoft.com/office/drawing/2014/main" id="{1A6B59CE-210D-4CCD-A27D-8E7FFB895A6B}"/>
+                <a16:creationId xmlns:a16="http://schemas.microsoft.com/office/drawing/2014/main" id="{1AF04810-A269-4151-B371-BDBE6DF2EDC6}"/>
               </a:ext>
             </a:extLst>
           </p:cNvPr>
@@ -2542,17 +6951,10 @@
           <a:lstStyle/>
           <a:p>
             <a:r>
-              <a:rPr lang="en-US" dirty="0"/>
-              <a:t>What is </a:t>
-            </a:r>
-            <a:r>
               <a:rPr lang="en-US" dirty="0" err="1"/>
-              <a:t>Dbatools</a:t>
-            </a:r>
-            <a:r>
-              <a:rPr lang="en-US" dirty="0"/>
-              <a:t>?</a:t>
-            </a:r>
+              <a:t>whoami</a:t>
+            </a:r>
+            <a:endParaRPr lang="en-US" dirty="0"/>
           </a:p>
         </p:txBody>
       </p:sp>
@@ -2561,7 +6963,7 @@
           <p:cNvPr id="3" name="Content Placeholder 2">
             <a:extLst>
               <a:ext uri="{FF2B5EF4-FFF2-40B4-BE49-F238E27FC236}">
-                <a16:creationId xmlns:a16="http://schemas.microsoft.com/office/drawing/2014/main" id="{0BACA5E0-76B5-4562-8D99-76A9116D312F}"/>
+                <a16:creationId xmlns:a16="http://schemas.microsoft.com/office/drawing/2014/main" id="{0ED70AA7-07CF-411A-8CF2-9EAEAABE0E58}"/>
               </a:ext>
             </a:extLst>
           </p:cNvPr>
@@ -2579,43 +6981,317 @@
           </a:bodyPr>
           <a:lstStyle/>
           <a:p>
-            <a:pPr marL="285750" indent="-285750">
-              <a:buFont typeface="Arial" panose="020B0604020202020204" pitchFamily="34" charset="0"/>
-              <a:buChar char="•"/>
-            </a:pPr>
+            <a:r>
+              <a:rPr lang="en-US" b="1" dirty="0"/>
+              <a:t>Joshua Corrick </a:t>
+            </a:r>
+            <a:r>
+              <a:rPr lang="en-US" dirty="0"/>
+              <a:t>(@</a:t>
+            </a:r>
+            <a:r>
+              <a:rPr lang="en-US" dirty="0" err="1"/>
+              <a:t>joshCorr</a:t>
+            </a:r>
+            <a:r>
+              <a:rPr lang="en-US" dirty="0"/>
+              <a:t>)</a:t>
+            </a:r>
+          </a:p>
+          <a:p>
+            <a:r>
+              <a:rPr lang="en-US" dirty="0"/>
+              <a:t>https://Corrick.io/blog</a:t>
+            </a:r>
+          </a:p>
+          <a:p>
+            <a:endParaRPr lang="en-US" dirty="0"/>
+          </a:p>
+          <a:p>
+            <a:r>
+              <a:rPr lang="en-US" dirty="0"/>
+              <a:t>Systems Engineer</a:t>
+            </a:r>
+          </a:p>
+          <a:p>
+            <a:r>
+              <a:rPr lang="en-US" dirty="0"/>
+              <a:t>Accidental DBA</a:t>
+            </a:r>
+          </a:p>
+          <a:p>
+            <a:r>
+              <a:rPr lang="en-US" dirty="0"/>
+              <a:t>Passionate about PowerShell</a:t>
+            </a:r>
+          </a:p>
+          <a:p>
+            <a:r>
+              <a:rPr lang="en-US" dirty="0"/>
+              <a:t>Major Contributor to </a:t>
+            </a:r>
+            <a:r>
+              <a:rPr lang="en-US" dirty="0" err="1"/>
+              <a:t>Dbatools</a:t>
+            </a:r>
+            <a:endParaRPr lang="en-US" dirty="0"/>
+          </a:p>
+          <a:p>
+            <a:endParaRPr lang="en-US" dirty="0"/>
+          </a:p>
+        </p:txBody>
+      </p:sp>
+      <p:pic>
+        <p:nvPicPr>
+          <p:cNvPr id="9" name="Content Placeholder 8">
+            <a:extLst>
+              <a:ext uri="{FF2B5EF4-FFF2-40B4-BE49-F238E27FC236}">
+                <a16:creationId xmlns:a16="http://schemas.microsoft.com/office/drawing/2014/main" id="{EA45156B-664E-406E-97B3-C1BDAF4D109C}"/>
+              </a:ext>
+            </a:extLst>
+          </p:cNvPr>
+          <p:cNvPicPr>
+            <a:picLocks noGrp="1" noChangeAspect="1"/>
+          </p:cNvPicPr>
+          <p:nvPr>
+            <p:ph sz="half" idx="2"/>
+          </p:nvPr>
+        </p:nvPicPr>
+        <p:blipFill>
+          <a:blip r:embed="rId2"/>
+          <a:stretch>
+            <a:fillRect/>
+          </a:stretch>
+        </p:blipFill>
+        <p:spPr>
+          <a:xfrm>
+            <a:off x="6683261" y="1523844"/>
+            <a:ext cx="3714357" cy="3714357"/>
+          </a:xfrm>
+        </p:spPr>
+      </p:pic>
+    </p:spTree>
+    <p:extLst>
+      <p:ext uri="{BB962C8B-B14F-4D97-AF65-F5344CB8AC3E}">
+        <p14:creationId xmlns:p14="http://schemas.microsoft.com/office/powerpoint/2010/main" val="2880307414"/>
+      </p:ext>
+    </p:extLst>
+  </p:cSld>
+  <p:clrMapOvr>
+    <a:masterClrMapping/>
+  </p:clrMapOvr>
+</p:sld>
+</file>
+
+<file path=ppt/slides/slide4.xml><?xml version="1.0" encoding="utf-8"?>
+<p:sld xmlns:a="http://schemas.openxmlformats.org/drawingml/2006/main" xmlns:r="http://schemas.openxmlformats.org/officeDocument/2006/relationships" xmlns:p="http://schemas.openxmlformats.org/presentationml/2006/main">
+  <p:cSld>
+    <p:spTree>
+      <p:nvGrpSpPr>
+        <p:cNvPr id="1" name=""/>
+        <p:cNvGrpSpPr/>
+        <p:nvPr/>
+      </p:nvGrpSpPr>
+      <p:grpSpPr>
+        <a:xfrm>
+          <a:off x="0" y="0"/>
+          <a:ext cx="0" cy="0"/>
+          <a:chOff x="0" y="0"/>
+          <a:chExt cx="0" cy="0"/>
+        </a:xfrm>
+      </p:grpSpPr>
+      <p:sp>
+        <p:nvSpPr>
+          <p:cNvPr id="2" name="Title 1">
+            <a:extLst>
+              <a:ext uri="{FF2B5EF4-FFF2-40B4-BE49-F238E27FC236}">
+                <a16:creationId xmlns:a16="http://schemas.microsoft.com/office/drawing/2014/main" id="{EBBC7C4E-D2F1-4627-915E-F8B903A5ED4A}"/>
+              </a:ext>
+            </a:extLst>
+          </p:cNvPr>
+          <p:cNvSpPr>
+            <a:spLocks noGrp="1"/>
+          </p:cNvSpPr>
+          <p:nvPr>
+            <p:ph type="title"/>
+          </p:nvPr>
+        </p:nvSpPr>
+        <p:spPr/>
+        <p:txBody>
+          <a:bodyPr/>
+          <a:lstStyle/>
+          <a:p>
+            <a:r>
+              <a:rPr lang="en-US" dirty="0"/>
+              <a:t>Who are you?</a:t>
+            </a:r>
+          </a:p>
+        </p:txBody>
+      </p:sp>
+      <p:sp>
+        <p:nvSpPr>
+          <p:cNvPr id="3" name="Content Placeholder 2">
+            <a:extLst>
+              <a:ext uri="{FF2B5EF4-FFF2-40B4-BE49-F238E27FC236}">
+                <a16:creationId xmlns:a16="http://schemas.microsoft.com/office/drawing/2014/main" id="{0EC327D7-65E9-46CB-9BF7-FDBA2E3D4EA0}"/>
+              </a:ext>
+            </a:extLst>
+          </p:cNvPr>
+          <p:cNvSpPr>
+            <a:spLocks noGrp="1"/>
+          </p:cNvSpPr>
+          <p:nvPr>
+            <p:ph sz="half" idx="1"/>
+          </p:nvPr>
+        </p:nvSpPr>
+        <p:spPr/>
+        <p:txBody>
+          <a:bodyPr/>
+          <a:lstStyle/>
+          <a:p>
+            <a:endParaRPr lang="en-US" dirty="0"/>
+          </a:p>
+        </p:txBody>
+      </p:sp>
+      <p:sp>
+        <p:nvSpPr>
+          <p:cNvPr id="4" name="Content Placeholder 3">
+            <a:extLst>
+              <a:ext uri="{FF2B5EF4-FFF2-40B4-BE49-F238E27FC236}">
+                <a16:creationId xmlns:a16="http://schemas.microsoft.com/office/drawing/2014/main" id="{D77854D3-5CA8-4DF8-9980-6B488C9E0F38}"/>
+              </a:ext>
+            </a:extLst>
+          </p:cNvPr>
+          <p:cNvSpPr>
+            <a:spLocks noGrp="1"/>
+          </p:cNvSpPr>
+          <p:nvPr>
+            <p:ph sz="half" idx="2"/>
+          </p:nvPr>
+        </p:nvSpPr>
+        <p:spPr/>
+        <p:txBody>
+          <a:bodyPr/>
+          <a:lstStyle/>
+          <a:p>
+            <a:endParaRPr lang="en-US"/>
+          </a:p>
+        </p:txBody>
+      </p:sp>
+    </p:spTree>
+    <p:extLst>
+      <p:ext uri="{BB962C8B-B14F-4D97-AF65-F5344CB8AC3E}">
+        <p14:creationId xmlns:p14="http://schemas.microsoft.com/office/powerpoint/2010/main" val="183058823"/>
+      </p:ext>
+    </p:extLst>
+  </p:cSld>
+  <p:clrMapOvr>
+    <a:masterClrMapping/>
+  </p:clrMapOvr>
+</p:sld>
+</file>
+
+<file path=ppt/slides/slide5.xml><?xml version="1.0" encoding="utf-8"?>
+<p:sld xmlns:a="http://schemas.openxmlformats.org/drawingml/2006/main" xmlns:r="http://schemas.openxmlformats.org/officeDocument/2006/relationships" xmlns:p="http://schemas.openxmlformats.org/presentationml/2006/main">
+  <p:cSld>
+    <p:spTree>
+      <p:nvGrpSpPr>
+        <p:cNvPr id="1" name=""/>
+        <p:cNvGrpSpPr/>
+        <p:nvPr/>
+      </p:nvGrpSpPr>
+      <p:grpSpPr>
+        <a:xfrm>
+          <a:off x="0" y="0"/>
+          <a:ext cx="0" cy="0"/>
+          <a:chOff x="0" y="0"/>
+          <a:chExt cx="0" cy="0"/>
+        </a:xfrm>
+      </p:grpSpPr>
+      <p:sp>
+        <p:nvSpPr>
+          <p:cNvPr id="2" name="Title 1">
+            <a:extLst>
+              <a:ext uri="{FF2B5EF4-FFF2-40B4-BE49-F238E27FC236}">
+                <a16:creationId xmlns:a16="http://schemas.microsoft.com/office/drawing/2014/main" id="{1A6B59CE-210D-4CCD-A27D-8E7FFB895A6B}"/>
+              </a:ext>
+            </a:extLst>
+          </p:cNvPr>
+          <p:cNvSpPr>
+            <a:spLocks noGrp="1"/>
+          </p:cNvSpPr>
+          <p:nvPr>
+            <p:ph type="title"/>
+          </p:nvPr>
+        </p:nvSpPr>
+        <p:spPr/>
+        <p:txBody>
+          <a:bodyPr/>
+          <a:lstStyle/>
+          <a:p>
+            <a:r>
+              <a:rPr lang="en-US" dirty="0"/>
+              <a:t>What is </a:t>
+            </a:r>
+            <a:r>
+              <a:rPr lang="en-US" dirty="0" err="1"/>
+              <a:t>Dbatools</a:t>
+            </a:r>
+            <a:r>
+              <a:rPr lang="en-US" dirty="0"/>
+              <a:t>?</a:t>
+            </a:r>
+          </a:p>
+        </p:txBody>
+      </p:sp>
+      <p:sp>
+        <p:nvSpPr>
+          <p:cNvPr id="3" name="Content Placeholder 2">
+            <a:extLst>
+              <a:ext uri="{FF2B5EF4-FFF2-40B4-BE49-F238E27FC236}">
+                <a16:creationId xmlns:a16="http://schemas.microsoft.com/office/drawing/2014/main" id="{0BACA5E0-76B5-4562-8D99-76A9116D312F}"/>
+              </a:ext>
+            </a:extLst>
+          </p:cNvPr>
+          <p:cNvSpPr>
+            <a:spLocks noGrp="1"/>
+          </p:cNvSpPr>
+          <p:nvPr>
+            <p:ph sz="half" idx="1"/>
+          </p:nvPr>
+        </p:nvSpPr>
+        <p:spPr/>
+        <p:txBody>
+          <a:bodyPr>
+            <a:normAutofit/>
+          </a:bodyPr>
+          <a:lstStyle/>
+          <a:p>
+            <a:pPr marL="302409" indent="-302409"/>
             <a:r>
               <a:rPr lang="en-US" dirty="0"/>
               <a:t>A tool set for managing MS SQL Servers</a:t>
             </a:r>
           </a:p>
           <a:p>
-            <a:pPr marL="285750" indent="-285750">
-              <a:buFont typeface="Arial" panose="020B0604020202020204" pitchFamily="34" charset="0"/>
-              <a:buChar char="•"/>
-            </a:pPr>
+            <a:pPr marL="302409" indent="-302409"/>
             <a:r>
               <a:rPr lang="en-US" dirty="0"/>
               <a:t>It is written in PowerShell and is an open sourced module</a:t>
             </a:r>
           </a:p>
           <a:p>
-            <a:pPr marL="285750" indent="-285750">
-              <a:buFont typeface="Arial" panose="020B0604020202020204" pitchFamily="34" charset="0"/>
-              <a:buChar char="•"/>
-            </a:pPr>
+            <a:pPr marL="302409" indent="-302409"/>
             <a:r>
               <a:rPr lang="en-US" dirty="0">
-                <a:hlinkClick r:id="rId2"/>
+                <a:hlinkClick r:id="rId3"/>
               </a:rPr>
               <a:t>https://Dbatools.io</a:t>
             </a:r>
             <a:endParaRPr lang="en-US" dirty="0"/>
           </a:p>
           <a:p>
-            <a:pPr marL="285750" indent="-285750">
-              <a:buFont typeface="Arial" panose="020B0604020202020204" pitchFamily="34" charset="0"/>
-              <a:buChar char="•"/>
-            </a:pPr>
+            <a:pPr marL="302409" indent="-302409"/>
             <a:r>
               <a:rPr lang="en-US" dirty="0"/>
               <a:t>Written by @cl (Chrissy </a:t>
@@ -2659,7 +7335,7 @@
           </p:nvPr>
         </p:nvPicPr>
         <p:blipFill>
-          <a:blip r:embed="rId3" cstate="print">
+          <a:blip r:embed="rId4" cstate="print">
             <a:extLst>
               <a:ext uri="{28A0092B-C50C-407E-A947-70E740481C1C}">
                 <a14:useLocalDpi xmlns:a14="http://schemas.microsoft.com/office/drawing/2010/main" val="0"/>
@@ -2672,14 +7348,48 @@
         </p:blipFill>
         <p:spPr>
           <a:xfrm>
-            <a:off x="5761038" y="1439863"/>
-            <a:ext cx="5399087" cy="4049315"/>
+            <a:off x="6096841" y="1523844"/>
+            <a:ext cx="5713792" cy="4285344"/>
           </a:xfrm>
           <a:prstGeom prst="rect">
             <a:avLst/>
           </a:prstGeom>
         </p:spPr>
       </p:pic>
+      <p:sp>
+        <p:nvSpPr>
+          <p:cNvPr id="4" name="Rectangle 3">
+            <a:extLst>
+              <a:ext uri="{FF2B5EF4-FFF2-40B4-BE49-F238E27FC236}">
+                <a16:creationId xmlns:a16="http://schemas.microsoft.com/office/drawing/2014/main" id="{17B65C95-E142-48D6-B7FC-F6CC0ADE0CB7}"/>
+              </a:ext>
+            </a:extLst>
+          </p:cNvPr>
+          <p:cNvSpPr/>
+          <p:nvPr/>
+        </p:nvSpPr>
+        <p:spPr>
+          <a:xfrm>
+            <a:off x="1636451" y="6033077"/>
+            <a:ext cx="4897514" cy="287771"/>
+          </a:xfrm>
+          <a:prstGeom prst="rect">
+            <a:avLst/>
+          </a:prstGeom>
+        </p:spPr>
+        <p:txBody>
+          <a:bodyPr wrap="square">
+            <a:spAutoFit/>
+          </a:bodyPr>
+          <a:lstStyle/>
+          <a:p>
+            <a:r>
+              <a:rPr lang="en-US" sz="1270" dirty="0"/>
+              <a:t>https://twitter.com/sqldbawithbeard/status/986235166560419841</a:t>
+            </a:r>
+          </a:p>
+        </p:txBody>
+      </p:sp>
     </p:spTree>
     <p:extLst>
       <p:ext uri="{BB962C8B-B14F-4D97-AF65-F5344CB8AC3E}">
@@ -2779,7 +7489,7 @@
 </p:sld>
 </file>
 
-<file path=ppt/slides/slide4.xml><?xml version="1.0" encoding="utf-8"?>
+<file path=ppt/slides/slide6.xml><?xml version="1.0" encoding="utf-8"?>
 <p:sld xmlns:a="http://schemas.openxmlformats.org/drawingml/2006/main" xmlns:r="http://schemas.openxmlformats.org/officeDocument/2006/relationships" xmlns:p="http://schemas.openxmlformats.org/presentationml/2006/main">
   <p:cSld>
     <p:spTree>
@@ -2848,8 +7558,8 @@
         </p:blipFill>
         <p:spPr>
           <a:xfrm>
-            <a:off x="360363" y="1856393"/>
-            <a:ext cx="5399087" cy="2767387"/>
+            <a:off x="381368" y="1964653"/>
+            <a:ext cx="5713792" cy="2928694"/>
           </a:xfrm>
         </p:spPr>
       </p:pic>
@@ -2874,20 +7584,14 @@
           <a:bodyPr/>
           <a:lstStyle/>
           <a:p>
-            <a:pPr marL="457200" indent="-457200">
-              <a:buFont typeface="Arial" panose="020B0604020202020204" pitchFamily="34" charset="0"/>
-              <a:buChar char="•"/>
-            </a:pPr>
+            <a:pPr marL="483855" indent="-483855"/>
             <a:r>
               <a:rPr lang="en-US" dirty="0"/>
               <a:t>Yup..</a:t>
             </a:r>
           </a:p>
           <a:p>
-            <a:pPr marL="457200" indent="-457200">
-              <a:buFont typeface="Arial" panose="020B0604020202020204" pitchFamily="34" charset="0"/>
-              <a:buChar char="•"/>
-            </a:pPr>
+            <a:pPr marL="483855" indent="-483855"/>
             <a:r>
               <a:rPr lang="en-US" dirty="0" err="1"/>
               <a:t>Sqlcmd</a:t>
@@ -2898,10 +7602,7 @@
             </a:r>
           </a:p>
           <a:p>
-            <a:pPr marL="457200" indent="-457200">
-              <a:buFont typeface="Arial" panose="020B0604020202020204" pitchFamily="34" charset="0"/>
-              <a:buChar char="•"/>
-            </a:pPr>
+            <a:pPr marL="483855" indent="-483855"/>
             <a:r>
               <a:rPr lang="en-US" dirty="0" err="1"/>
               <a:t>Minishell</a:t>
@@ -2912,10 +7613,7 @@
             </a:r>
           </a:p>
           <a:p>
-            <a:pPr marL="457200" indent="-457200">
-              <a:buFont typeface="Arial" panose="020B0604020202020204" pitchFamily="34" charset="0"/>
-              <a:buChar char="•"/>
-            </a:pPr>
+            <a:pPr marL="483855" indent="-483855"/>
             <a:r>
               <a:rPr lang="en-US" dirty="0" err="1"/>
               <a:t>SQLServer</a:t>
@@ -2931,20 +7629,14 @@
             <a:endParaRPr lang="en-US" dirty="0"/>
           </a:p>
           <a:p>
-            <a:pPr marL="457200" indent="-457200">
-              <a:buFont typeface="Arial" panose="020B0604020202020204" pitchFamily="34" charset="0"/>
-              <a:buChar char="•"/>
-            </a:pPr>
+            <a:pPr marL="483855" indent="-483855"/>
             <a:r>
               <a:rPr lang="en-US" dirty="0"/>
               <a:t>SMO</a:t>
             </a:r>
           </a:p>
           <a:p>
-            <a:pPr marL="457200" indent="-457200">
-              <a:buFont typeface="Arial" panose="020B0604020202020204" pitchFamily="34" charset="0"/>
-              <a:buChar char="•"/>
-            </a:pPr>
+            <a:pPr marL="483855" indent="-483855"/>
             <a:r>
               <a:rPr lang="en-US" dirty="0" err="1"/>
               <a:t>SQLServer</a:t>
@@ -2970,8 +7662,8 @@
         </p:nvSpPr>
         <p:spPr>
           <a:xfrm>
-            <a:off x="360363" y="5710219"/>
-            <a:ext cx="10491841" cy="276999"/>
+            <a:off x="1615364" y="6033077"/>
+            <a:ext cx="7013731" cy="287771"/>
           </a:xfrm>
           <a:prstGeom prst="rect">
             <a:avLst/>
@@ -2984,7 +7676,7 @@
           <a:lstStyle/>
           <a:p>
             <a:r>
-              <a:rPr lang="en-US" sz="1200" dirty="0"/>
+              <a:rPr lang="en-US" sz="1270" dirty="0"/>
               <a:t>https://github.com/ashleymcnamara/Developer-Advocate-Bit/blob/master/This_Is_Fine_Bit_Flat.png</a:t>
             </a:r>
           </a:p>
@@ -3508,7 +8200,7 @@
 </p:sld>
 </file>
 
-<file path=ppt/slides/slide5.xml><?xml version="1.0" encoding="utf-8"?>
+<file path=ppt/slides/slide7.xml><?xml version="1.0" encoding="utf-8"?>
 <p:sld xmlns:a="http://schemas.openxmlformats.org/drawingml/2006/main" xmlns:r="http://schemas.openxmlformats.org/officeDocument/2006/relationships" xmlns:p="http://schemas.openxmlformats.org/presentationml/2006/main">
   <p:cSld>
     <p:spTree>
@@ -3548,13 +8240,16 @@
           <a:p>
             <a:r>
               <a:rPr lang="en-US" dirty="0"/>
-              <a:t>Case for </a:t>
+              <a:t>What make </a:t>
             </a:r>
             <a:r>
               <a:rPr lang="en-US" dirty="0" err="1"/>
               <a:t>Dbatools</a:t>
             </a:r>
-            <a:endParaRPr lang="en-US" dirty="0"/>
+            <a:r>
+              <a:rPr lang="en-US" dirty="0"/>
+              <a:t> different?</a:t>
+            </a:r>
           </a:p>
         </p:txBody>
       </p:sp>
@@ -3574,45 +8269,67 @@
             <p:ph sz="half" idx="1"/>
           </p:nvPr>
         </p:nvSpPr>
-        <p:spPr/>
+        <p:spPr>
+          <a:xfrm>
+            <a:off x="838199" y="1825625"/>
+            <a:ext cx="6183923" cy="4351338"/>
+          </a:xfrm>
+        </p:spPr>
         <p:txBody>
-          <a:bodyPr/>
+          <a:bodyPr>
+            <a:normAutofit/>
+          </a:bodyPr>
           <a:lstStyle/>
           <a:p>
-            <a:pPr marL="457200" indent="-457200">
-              <a:buFont typeface="Arial" panose="020B0604020202020204" pitchFamily="34" charset="0"/>
-              <a:buChar char="•"/>
-            </a:pPr>
+            <a:pPr marL="362880" indent="-362880"/>
             <a:r>
               <a:rPr lang="en-US" dirty="0"/>
-              <a:t>Community built</a:t>
-            </a:r>
-          </a:p>
-          <a:p>
-            <a:pPr marL="457200" indent="-457200">
-              <a:buFont typeface="Arial" panose="020B0604020202020204" pitchFamily="34" charset="0"/>
-              <a:buChar char="•"/>
-            </a:pPr>
+              <a:t>Community built (~160 contributors)</a:t>
+            </a:r>
+          </a:p>
+          <a:p>
+            <a:pPr marL="362880" indent="-362880"/>
             <a:r>
               <a:rPr lang="en-US" dirty="0"/>
-              <a:t>Open to user review</a:t>
-            </a:r>
-          </a:p>
-          <a:p>
-            <a:pPr marL="457200" indent="-457200">
-              <a:buFont typeface="Arial" panose="020B0604020202020204" pitchFamily="34" charset="0"/>
-              <a:buChar char="•"/>
-            </a:pPr>
+              <a:t>Open to user review (on </a:t>
+            </a:r>
+            <a:r>
+              <a:rPr lang="en-US" dirty="0" err="1"/>
+              <a:t>Github</a:t>
+            </a:r>
+            <a:r>
+              <a:rPr lang="en-US" dirty="0"/>
+              <a:t>)</a:t>
+            </a:r>
+          </a:p>
+          <a:p>
+            <a:pPr marL="362880" indent="-362880"/>
+            <a:r>
+              <a:rPr lang="en-US" dirty="0"/>
+              <a:t>Code Signed (only by Chrissy)</a:t>
+            </a:r>
+          </a:p>
+          <a:p>
+            <a:pPr marL="362880" indent="-362880"/>
             <a:r>
               <a:rPr lang="en-US" dirty="0"/>
               <a:t>Codifying best practices</a:t>
             </a:r>
           </a:p>
           <a:p>
-            <a:pPr marL="457200" indent="-457200">
-              <a:buFont typeface="Arial" panose="020B0604020202020204" pitchFamily="34" charset="0"/>
-              <a:buChar char="•"/>
-            </a:pPr>
+            <a:pPr marL="362880" indent="-362880"/>
+            <a:r>
+              <a:rPr lang="en-US" dirty="0"/>
+              <a:t>Focus </a:t>
+            </a:r>
+            <a:r>
+              <a:rPr lang="en-US"/>
+              <a:t>on ease of use </a:t>
+            </a:r>
+            <a:endParaRPr lang="en-US" dirty="0"/>
+          </a:p>
+          <a:p>
+            <a:pPr marL="362880" indent="-362880"/>
             <a:r>
               <a:rPr lang="en-US" dirty="0"/>
               <a:t>Automates all the things</a:t>
@@ -3644,8 +8361,8 @@
         </p:blipFill>
         <p:spPr>
           <a:xfrm>
-            <a:off x="6450390" y="1341060"/>
-            <a:ext cx="2211609" cy="2211609"/>
+            <a:off x="6826374" y="1419282"/>
+            <a:ext cx="2340520" cy="2340520"/>
           </a:xfrm>
         </p:spPr>
       </p:pic>
@@ -3911,6 +8628,128 @@
                       </p:childTnLst>
                     </p:cTn>
                   </p:par>
+                  <p:par>
+                    <p:cTn id="23" fill="hold">
+                      <p:stCondLst>
+                        <p:cond delay="indefinite"/>
+                      </p:stCondLst>
+                      <p:childTnLst>
+                        <p:par>
+                          <p:cTn id="24" fill="hold">
+                            <p:stCondLst>
+                              <p:cond delay="0"/>
+                            </p:stCondLst>
+                            <p:childTnLst>
+                              <p:par>
+                                <p:cTn id="25" presetID="10" presetClass="entr" presetSubtype="0" fill="hold" nodeType="clickEffect">
+                                  <p:stCondLst>
+                                    <p:cond delay="0"/>
+                                  </p:stCondLst>
+                                  <p:childTnLst>
+                                    <p:set>
+                                      <p:cBhvr>
+                                        <p:cTn id="26" dur="1" fill="hold">
+                                          <p:stCondLst>
+                                            <p:cond delay="0"/>
+                                          </p:stCondLst>
+                                        </p:cTn>
+                                        <p:tgtEl>
+                                          <p:spTgt spid="3">
+                                            <p:txEl>
+                                              <p:pRg st="4" end="4"/>
+                                            </p:txEl>
+                                          </p:spTgt>
+                                        </p:tgtEl>
+                                        <p:attrNameLst>
+                                          <p:attrName>style.visibility</p:attrName>
+                                        </p:attrNameLst>
+                                      </p:cBhvr>
+                                      <p:to>
+                                        <p:strVal val="visible"/>
+                                      </p:to>
+                                    </p:set>
+                                    <p:animEffect transition="in" filter="fade">
+                                      <p:cBhvr>
+                                        <p:cTn id="27" dur="500"/>
+                                        <p:tgtEl>
+                                          <p:spTgt spid="3">
+                                            <p:txEl>
+                                              <p:pRg st="4" end="4"/>
+                                            </p:txEl>
+                                          </p:spTgt>
+                                        </p:tgtEl>
+                                      </p:cBhvr>
+                                    </p:animEffect>
+                                  </p:childTnLst>
+                                </p:cTn>
+                              </p:par>
+                            </p:childTnLst>
+                          </p:cTn>
+                        </p:par>
+                      </p:childTnLst>
+                    </p:cTn>
+                  </p:par>
+                  <p:par>
+                    <p:cTn id="28" fill="hold">
+                      <p:stCondLst>
+                        <p:cond delay="indefinite"/>
+                      </p:stCondLst>
+                      <p:childTnLst>
+                        <p:par>
+                          <p:cTn id="29" fill="hold">
+                            <p:stCondLst>
+                              <p:cond delay="0"/>
+                            </p:stCondLst>
+                            <p:childTnLst>
+                              <p:par>
+                                <p:cTn id="30" presetID="10" presetClass="entr" presetSubtype="0" fill="hold" nodeType="clickEffect">
+                                  <p:stCondLst>
+                                    <p:cond delay="0"/>
+                                  </p:stCondLst>
+                                  <p:childTnLst>
+                                    <p:set>
+                                      <p:cBhvr>
+                                        <p:cTn id="31" dur="1" fill="hold">
+                                          <p:stCondLst>
+                                            <p:cond delay="0"/>
+                                          </p:stCondLst>
+                                        </p:cTn>
+                                        <p:tgtEl>
+                                          <p:spTgt spid="3">
+                                            <p:txEl>
+                                              <p:pRg st="5" end="5"/>
+                                            </p:txEl>
+                                          </p:spTgt>
+                                        </p:tgtEl>
+                                        <p:attrNameLst>
+                                          <p:attrName>style.visibility</p:attrName>
+                                        </p:attrNameLst>
+                                      </p:cBhvr>
+                                      <p:to>
+                                        <p:strVal val="visible"/>
+                                      </p:to>
+                                    </p:set>
+                                    <p:animEffect transition="in" filter="fade">
+                                      <p:cBhvr>
+                                        <p:cTn id="32" dur="500"/>
+                                        <p:tgtEl>
+                                          <p:spTgt spid="3">
+                                            <p:txEl>
+                                              <p:pRg st="5" end="5"/>
+                                            </p:txEl>
+                                          </p:spTgt>
+                                        </p:tgtEl>
+                                      </p:cBhvr>
+                                    </p:animEffect>
+                                  </p:childTnLst>
+                                </p:cTn>
+                              </p:par>
+                            </p:childTnLst>
+                          </p:cTn>
+                        </p:par>
+                      </p:childTnLst>
+                    </p:cTn>
+                  </p:par>
                 </p:childTnLst>
               </p:cTn>
               <p:prevCondLst>
@@ -3936,7 +8775,7 @@
 </p:sld>
 </file>
 
-<file path=ppt/slides/slide6.xml><?xml version="1.0" encoding="utf-8"?>
+<file path=ppt/slides/slide8.xml><?xml version="1.0" encoding="utf-8"?>
 <p:sld xmlns:a="http://schemas.openxmlformats.org/drawingml/2006/main" xmlns:r="http://schemas.openxmlformats.org/officeDocument/2006/relationships" xmlns:p="http://schemas.openxmlformats.org/presentationml/2006/main">
   <p:cSld>
     <p:spTree>
@@ -3955,10 +8794,10 @@
       </p:grpSpPr>
       <p:sp>
         <p:nvSpPr>
-          <p:cNvPr id="2" name="Title 1">
-            <a:extLst>
-              <a:ext uri="{FF2B5EF4-FFF2-40B4-BE49-F238E27FC236}">
-                <a16:creationId xmlns:a16="http://schemas.microsoft.com/office/drawing/2014/main" id="{8E49794A-C4DE-4C36-84DF-73AF39B44BAD}"/>
+          <p:cNvPr id="5" name="Title 4">
+            <a:extLst>
+              <a:ext uri="{FF2B5EF4-FFF2-40B4-BE49-F238E27FC236}">
+                <a16:creationId xmlns:a16="http://schemas.microsoft.com/office/drawing/2014/main" id="{B5DACA65-D701-4E7F-B049-C4A676464957}"/>
               </a:ext>
             </a:extLst>
           </p:cNvPr>
@@ -3967,6 +8806,36 @@
           </p:cNvSpPr>
           <p:nvPr>
             <p:ph type="title"/>
+          </p:nvPr>
+        </p:nvSpPr>
+        <p:spPr/>
+        <p:txBody>
+          <a:bodyPr>
+            <a:normAutofit/>
+          </a:bodyPr>
+          <a:lstStyle/>
+          <a:p>
+            <a:r>
+              <a:rPr lang="en-US" dirty="0"/>
+              <a:t>Demos</a:t>
+            </a:r>
+          </a:p>
+        </p:txBody>
+      </p:sp>
+      <p:sp>
+        <p:nvSpPr>
+          <p:cNvPr id="2" name="Content Placeholder 1">
+            <a:extLst>
+              <a:ext uri="{FF2B5EF4-FFF2-40B4-BE49-F238E27FC236}">
+                <a16:creationId xmlns:a16="http://schemas.microsoft.com/office/drawing/2014/main" id="{1141F781-3BE6-4374-8AD9-5957130BC6AE}"/>
+              </a:ext>
+            </a:extLst>
+          </p:cNvPr>
+          <p:cNvSpPr>
+            <a:spLocks noGrp="1"/>
+          </p:cNvSpPr>
+          <p:nvPr>
+            <p:ph sz="half" idx="1"/>
           </p:nvPr>
         </p:nvSpPr>
         <p:spPr/>
@@ -3976,15 +8845,72 @@
           <a:p>
             <a:r>
               <a:rPr lang="en-US" dirty="0"/>
-              <a:t>Demo</a:t>
-            </a:r>
+              <a:t>Getting </a:t>
+            </a:r>
+            <a:r>
+              <a:rPr lang="en-US" dirty="0" err="1"/>
+              <a:t>Dbatools</a:t>
+            </a:r>
+            <a:endParaRPr lang="en-US" dirty="0"/>
+          </a:p>
+          <a:p>
+            <a:r>
+              <a:rPr lang="en-US" dirty="0"/>
+              <a:t>Migrate some Databases</a:t>
+            </a:r>
+          </a:p>
+          <a:p>
+            <a:r>
+              <a:rPr lang="en-US" dirty="0"/>
+              <a:t>Migrate some more Database</a:t>
+            </a:r>
+          </a:p>
+          <a:p>
+            <a:r>
+              <a:rPr lang="en-US" dirty="0"/>
+              <a:t>Talk about a bit of the internals</a:t>
+            </a:r>
+          </a:p>
+          <a:p>
+            <a:r>
+              <a:rPr lang="en-US" dirty="0"/>
+              <a:t>Some Offline Alternatives</a:t>
+            </a:r>
+          </a:p>
+          <a:p>
+            <a:endParaRPr lang="en-US" dirty="0"/>
+          </a:p>
+        </p:txBody>
+      </p:sp>
+      <p:sp>
+        <p:nvSpPr>
+          <p:cNvPr id="3" name="Content Placeholder 2">
+            <a:extLst>
+              <a:ext uri="{FF2B5EF4-FFF2-40B4-BE49-F238E27FC236}">
+                <a16:creationId xmlns:a16="http://schemas.microsoft.com/office/drawing/2014/main" id="{BE14B0C9-71DF-47C6-955C-0EF17722A942}"/>
+              </a:ext>
+            </a:extLst>
+          </p:cNvPr>
+          <p:cNvSpPr>
+            <a:spLocks noGrp="1"/>
+          </p:cNvSpPr>
+          <p:nvPr>
+            <p:ph sz="half" idx="2"/>
+          </p:nvPr>
+        </p:nvSpPr>
+        <p:spPr/>
+        <p:txBody>
+          <a:bodyPr/>
+          <a:lstStyle/>
+          <a:p>
+            <a:endParaRPr lang="en-US"/>
           </a:p>
         </p:txBody>
       </p:sp>
     </p:spTree>
     <p:extLst>
       <p:ext uri="{BB962C8B-B14F-4D97-AF65-F5344CB8AC3E}">
-        <p14:creationId xmlns:p14="http://schemas.microsoft.com/office/powerpoint/2010/main" val="651605138"/>
+        <p14:creationId xmlns:p14="http://schemas.microsoft.com/office/powerpoint/2010/main" val="3940632237"/>
       </p:ext>
     </p:extLst>
   </p:cSld>
@@ -3994,57 +8920,928 @@
 </p:sld>
 </file>
 
+<file path=ppt/slides/slide9.xml><?xml version="1.0" encoding="utf-8"?>
+<p:sld xmlns:a="http://schemas.openxmlformats.org/drawingml/2006/main" xmlns:r="http://schemas.openxmlformats.org/officeDocument/2006/relationships" xmlns:p="http://schemas.openxmlformats.org/presentationml/2006/main">
+  <p:cSld>
+    <p:spTree>
+      <p:nvGrpSpPr>
+        <p:cNvPr id="1" name=""/>
+        <p:cNvGrpSpPr/>
+        <p:nvPr/>
+      </p:nvGrpSpPr>
+      <p:grpSpPr>
+        <a:xfrm>
+          <a:off x="0" y="0"/>
+          <a:ext cx="0" cy="0"/>
+          <a:chOff x="0" y="0"/>
+          <a:chExt cx="0" cy="0"/>
+        </a:xfrm>
+      </p:grpSpPr>
+      <p:sp>
+        <p:nvSpPr>
+          <p:cNvPr id="2" name="Title 1">
+            <a:extLst>
+              <a:ext uri="{FF2B5EF4-FFF2-40B4-BE49-F238E27FC236}">
+                <a16:creationId xmlns:a16="http://schemas.microsoft.com/office/drawing/2014/main" id="{09AEEBCC-CDAF-42A7-8B6F-52761B7B7884}"/>
+              </a:ext>
+            </a:extLst>
+          </p:cNvPr>
+          <p:cNvSpPr>
+            <a:spLocks noGrp="1"/>
+          </p:cNvSpPr>
+          <p:nvPr>
+            <p:ph type="title"/>
+          </p:nvPr>
+        </p:nvSpPr>
+        <p:spPr/>
+        <p:txBody>
+          <a:bodyPr/>
+          <a:lstStyle/>
+          <a:p>
+            <a:r>
+              <a:rPr lang="en-US" dirty="0"/>
+              <a:t>Resources</a:t>
+            </a:r>
+          </a:p>
+        </p:txBody>
+      </p:sp>
+      <p:sp>
+        <p:nvSpPr>
+          <p:cNvPr id="3" name="Content Placeholder 2">
+            <a:extLst>
+              <a:ext uri="{FF2B5EF4-FFF2-40B4-BE49-F238E27FC236}">
+                <a16:creationId xmlns:a16="http://schemas.microsoft.com/office/drawing/2014/main" id="{39AA43DC-22A0-4AAD-9D1A-9515DB1EAD57}"/>
+              </a:ext>
+            </a:extLst>
+          </p:cNvPr>
+          <p:cNvSpPr>
+            <a:spLocks noGrp="1"/>
+          </p:cNvSpPr>
+          <p:nvPr>
+            <p:ph sz="half" idx="1"/>
+          </p:nvPr>
+        </p:nvSpPr>
+        <p:spPr>
+          <a:xfrm>
+            <a:off x="838200" y="1532548"/>
+            <a:ext cx="8386396" cy="4351338"/>
+          </a:xfrm>
+        </p:spPr>
+        <p:txBody>
+          <a:bodyPr>
+            <a:normAutofit/>
+          </a:bodyPr>
+          <a:lstStyle/>
+          <a:p>
+            <a:pPr marL="362880" indent="-362880"/>
+            <a:r>
+              <a:rPr lang="en-US" dirty="0"/>
+              <a:t>Dbatools.io</a:t>
+            </a:r>
+          </a:p>
+          <a:p>
+            <a:pPr marL="362880" indent="-362880"/>
+            <a:r>
+              <a:rPr lang="en-US" dirty="0"/>
+              <a:t>Dbatools.io/</a:t>
+            </a:r>
+            <a:r>
+              <a:rPr lang="en-US" dirty="0" err="1"/>
+              <a:t>Github</a:t>
+            </a:r>
+            <a:endParaRPr lang="en-US" dirty="0"/>
+          </a:p>
+          <a:p>
+            <a:pPr marL="362880" indent="-362880"/>
+            <a:r>
+              <a:rPr lang="en-US" dirty="0"/>
+              <a:t>Aka.ms/</a:t>
+            </a:r>
+            <a:r>
+              <a:rPr lang="en-US" dirty="0" err="1"/>
+              <a:t>sqlslack</a:t>
+            </a:r>
+            <a:endParaRPr lang="en-US" dirty="0"/>
+          </a:p>
+          <a:p>
+            <a:pPr marL="820080" lvl="1" indent="-362880"/>
+            <a:r>
+              <a:rPr lang="en-US" dirty="0"/>
+              <a:t>#</a:t>
+            </a:r>
+            <a:r>
+              <a:rPr lang="en-US" dirty="0" err="1"/>
+              <a:t>Dbatools</a:t>
+            </a:r>
+            <a:endParaRPr lang="en-US" dirty="0"/>
+          </a:p>
+          <a:p>
+            <a:pPr marL="820080" lvl="1" indent="-362880"/>
+            <a:r>
+              <a:rPr lang="en-US" dirty="0"/>
+              <a:t>#</a:t>
+            </a:r>
+            <a:r>
+              <a:rPr lang="en-US" dirty="0" err="1"/>
+              <a:t>Dbatools</a:t>
+            </a:r>
+            <a:r>
+              <a:rPr lang="en-US" dirty="0"/>
+              <a:t>-Dev</a:t>
+            </a:r>
+          </a:p>
+          <a:p>
+            <a:pPr marL="362880" indent="-362880"/>
+            <a:r>
+              <a:rPr lang="en-US" dirty="0"/>
+              <a:t>“</a:t>
+            </a:r>
+            <a:r>
+              <a:rPr lang="en-US" dirty="0" err="1"/>
+              <a:t>Dbatools</a:t>
+            </a:r>
+            <a:r>
+              <a:rPr lang="en-US" dirty="0"/>
+              <a:t> in a month of lunches”</a:t>
+            </a:r>
+          </a:p>
+          <a:p>
+            <a:pPr marL="820080" lvl="1" indent="-362880"/>
+            <a:r>
+              <a:rPr lang="en-US" dirty="0"/>
+              <a:t>Manning MEAP</a:t>
+            </a:r>
+          </a:p>
+          <a:p>
+            <a:pPr marL="362880" indent="-362880"/>
+            <a:r>
+              <a:rPr lang="en-US" sz="2400"/>
+              <a:t>https</a:t>
+            </a:r>
+            <a:r>
+              <a:rPr lang="en-US" sz="2400" dirty="0"/>
+              <a:t>://github.com/sqlcollaborative/community-presentations</a:t>
+            </a:r>
+          </a:p>
+        </p:txBody>
+      </p:sp>
+      <p:pic>
+        <p:nvPicPr>
+          <p:cNvPr id="5" name="Picture 4" descr="A close up of a sign&#10;&#10;Description automatically generated">
+            <a:extLst>
+              <a:ext uri="{FF2B5EF4-FFF2-40B4-BE49-F238E27FC236}">
+                <a16:creationId xmlns:a16="http://schemas.microsoft.com/office/drawing/2014/main" id="{28644433-72A7-4845-9C7A-326015BD1805}"/>
+              </a:ext>
+            </a:extLst>
+          </p:cNvPr>
+          <p:cNvPicPr>
+            <a:picLocks noChangeAspect="1"/>
+          </p:cNvPicPr>
+          <p:nvPr/>
+        </p:nvPicPr>
+        <p:blipFill>
+          <a:blip r:embed="rId3">
+            <a:extLst>
+              <a:ext uri="{28A0092B-C50C-407E-A947-70E740481C1C}">
+                <a14:useLocalDpi xmlns:a14="http://schemas.microsoft.com/office/drawing/2010/main" val="0"/>
+              </a:ext>
+            </a:extLst>
+          </a:blip>
+          <a:stretch>
+            <a:fillRect/>
+          </a:stretch>
+        </p:blipFill>
+        <p:spPr>
+          <a:xfrm>
+            <a:off x="7101702" y="974114"/>
+            <a:ext cx="3311804" cy="4162754"/>
+          </a:xfrm>
+          <a:prstGeom prst="rect">
+            <a:avLst/>
+          </a:prstGeom>
+        </p:spPr>
+      </p:pic>
+    </p:spTree>
+    <p:extLst>
+      <p:ext uri="{BB962C8B-B14F-4D97-AF65-F5344CB8AC3E}">
+        <p14:creationId xmlns:p14="http://schemas.microsoft.com/office/powerpoint/2010/main" val="4251054578"/>
+      </p:ext>
+    </p:extLst>
+  </p:cSld>
+  <p:clrMapOvr>
+    <a:masterClrMapping/>
+  </p:clrMapOvr>
+  <p:timing>
+    <p:tnLst>
+      <p:par>
+        <p:cTn id="1" dur="indefinite" restart="never" nodeType="tmRoot">
+          <p:childTnLst>
+            <p:seq concurrent="1" nextAc="seek">
+              <p:cTn id="2" dur="indefinite" nodeType="mainSeq">
+                <p:childTnLst>
+                  <p:par>
+                    <p:cTn id="3" fill="hold">
+                      <p:stCondLst>
+                        <p:cond delay="indefinite"/>
+                      </p:stCondLst>
+                      <p:childTnLst>
+                        <p:par>
+                          <p:cTn id="4" fill="hold">
+                            <p:stCondLst>
+                              <p:cond delay="0"/>
+                            </p:stCondLst>
+                            <p:childTnLst>
+                              <p:par>
+                                <p:cTn id="5" presetID="10" presetClass="entr" presetSubtype="0" fill="hold" nodeType="clickEffect">
+                                  <p:stCondLst>
+                                    <p:cond delay="0"/>
+                                  </p:stCondLst>
+                                  <p:childTnLst>
+                                    <p:set>
+                                      <p:cBhvr>
+                                        <p:cTn id="6" dur="1" fill="hold">
+                                          <p:stCondLst>
+                                            <p:cond delay="0"/>
+                                          </p:stCondLst>
+                                        </p:cTn>
+                                        <p:tgtEl>
+                                          <p:spTgt spid="3">
+                                            <p:txEl>
+                                              <p:pRg st="0" end="0"/>
+                                            </p:txEl>
+                                          </p:spTgt>
+                                        </p:tgtEl>
+                                        <p:attrNameLst>
+                                          <p:attrName>style.visibility</p:attrName>
+                                        </p:attrNameLst>
+                                      </p:cBhvr>
+                                      <p:to>
+                                        <p:strVal val="visible"/>
+                                      </p:to>
+                                    </p:set>
+                                    <p:animEffect transition="in" filter="fade">
+                                      <p:cBhvr>
+                                        <p:cTn id="7" dur="500"/>
+                                        <p:tgtEl>
+                                          <p:spTgt spid="3">
+                                            <p:txEl>
+                                              <p:pRg st="0" end="0"/>
+                                            </p:txEl>
+                                          </p:spTgt>
+                                        </p:tgtEl>
+                                      </p:cBhvr>
+                                    </p:animEffect>
+                                  </p:childTnLst>
+                                </p:cTn>
+                              </p:par>
+                            </p:childTnLst>
+                          </p:cTn>
+                        </p:par>
+                      </p:childTnLst>
+                    </p:cTn>
+                  </p:par>
+                  <p:par>
+                    <p:cTn id="8" fill="hold">
+                      <p:stCondLst>
+                        <p:cond delay="indefinite"/>
+                      </p:stCondLst>
+                      <p:childTnLst>
+                        <p:par>
+                          <p:cTn id="9" fill="hold">
+                            <p:stCondLst>
+                              <p:cond delay="0"/>
+                            </p:stCondLst>
+                            <p:childTnLst>
+                              <p:par>
+                                <p:cTn id="10" presetID="10" presetClass="entr" presetSubtype="0" fill="hold" nodeType="clickEffect">
+                                  <p:stCondLst>
+                                    <p:cond delay="0"/>
+                                  </p:stCondLst>
+                                  <p:childTnLst>
+                                    <p:set>
+                                      <p:cBhvr>
+                                        <p:cTn id="11" dur="1" fill="hold">
+                                          <p:stCondLst>
+                                            <p:cond delay="0"/>
+                                          </p:stCondLst>
+                                        </p:cTn>
+                                        <p:tgtEl>
+                                          <p:spTgt spid="3">
+                                            <p:txEl>
+                                              <p:pRg st="1" end="1"/>
+                                            </p:txEl>
+                                          </p:spTgt>
+                                        </p:tgtEl>
+                                        <p:attrNameLst>
+                                          <p:attrName>style.visibility</p:attrName>
+                                        </p:attrNameLst>
+                                      </p:cBhvr>
+                                      <p:to>
+                                        <p:strVal val="visible"/>
+                                      </p:to>
+                                    </p:set>
+                                    <p:animEffect transition="in" filter="fade">
+                                      <p:cBhvr>
+                                        <p:cTn id="12" dur="500"/>
+                                        <p:tgtEl>
+                                          <p:spTgt spid="3">
+                                            <p:txEl>
+                                              <p:pRg st="1" end="1"/>
+                                            </p:txEl>
+                                          </p:spTgt>
+                                        </p:tgtEl>
+                                      </p:cBhvr>
+                                    </p:animEffect>
+                                  </p:childTnLst>
+                                </p:cTn>
+                              </p:par>
+                            </p:childTnLst>
+                          </p:cTn>
+                        </p:par>
+                      </p:childTnLst>
+                    </p:cTn>
+                  </p:par>
+                  <p:par>
+                    <p:cTn id="13" fill="hold">
+                      <p:stCondLst>
+                        <p:cond delay="indefinite"/>
+                      </p:stCondLst>
+                      <p:childTnLst>
+                        <p:par>
+                          <p:cTn id="14" fill="hold">
+                            <p:stCondLst>
+                              <p:cond delay="0"/>
+                            </p:stCondLst>
+                            <p:childTnLst>
+                              <p:par>
+                                <p:cTn id="15" presetID="10" presetClass="entr" presetSubtype="0" fill="hold" nodeType="clickEffect">
+                                  <p:stCondLst>
+                                    <p:cond delay="0"/>
+                                  </p:stCondLst>
+                                  <p:childTnLst>
+                                    <p:set>
+                                      <p:cBhvr>
+                                        <p:cTn id="16" dur="1" fill="hold">
+                                          <p:stCondLst>
+                                            <p:cond delay="0"/>
+                                          </p:stCondLst>
+                                        </p:cTn>
+                                        <p:tgtEl>
+                                          <p:spTgt spid="3">
+                                            <p:txEl>
+                                              <p:pRg st="2" end="2"/>
+                                            </p:txEl>
+                                          </p:spTgt>
+                                        </p:tgtEl>
+                                        <p:attrNameLst>
+                                          <p:attrName>style.visibility</p:attrName>
+                                        </p:attrNameLst>
+                                      </p:cBhvr>
+                                      <p:to>
+                                        <p:strVal val="visible"/>
+                                      </p:to>
+                                    </p:set>
+                                    <p:animEffect transition="in" filter="fade">
+                                      <p:cBhvr>
+                                        <p:cTn id="17" dur="500"/>
+                                        <p:tgtEl>
+                                          <p:spTgt spid="3">
+                                            <p:txEl>
+                                              <p:pRg st="2" end="2"/>
+                                            </p:txEl>
+                                          </p:spTgt>
+                                        </p:tgtEl>
+                                      </p:cBhvr>
+                                    </p:animEffect>
+                                  </p:childTnLst>
+                                </p:cTn>
+                              </p:par>
+                            </p:childTnLst>
+                          </p:cTn>
+                        </p:par>
+                      </p:childTnLst>
+                    </p:cTn>
+                  </p:par>
+                  <p:par>
+                    <p:cTn id="18" fill="hold">
+                      <p:stCondLst>
+                        <p:cond delay="indefinite"/>
+                      </p:stCondLst>
+                      <p:childTnLst>
+                        <p:par>
+                          <p:cTn id="19" fill="hold">
+                            <p:stCondLst>
+                              <p:cond delay="0"/>
+                            </p:stCondLst>
+                            <p:childTnLst>
+                              <p:par>
+                                <p:cTn id="20" presetID="10" presetClass="entr" presetSubtype="0" fill="hold" nodeType="clickEffect">
+                                  <p:stCondLst>
+                                    <p:cond delay="0"/>
+                                  </p:stCondLst>
+                                  <p:childTnLst>
+                                    <p:set>
+                                      <p:cBhvr>
+                                        <p:cTn id="21" dur="1" fill="hold">
+                                          <p:stCondLst>
+                                            <p:cond delay="0"/>
+                                          </p:stCondLst>
+                                        </p:cTn>
+                                        <p:tgtEl>
+                                          <p:spTgt spid="3">
+                                            <p:txEl>
+                                              <p:pRg st="3" end="3"/>
+                                            </p:txEl>
+                                          </p:spTgt>
+                                        </p:tgtEl>
+                                        <p:attrNameLst>
+                                          <p:attrName>style.visibility</p:attrName>
+                                        </p:attrNameLst>
+                                      </p:cBhvr>
+                                      <p:to>
+                                        <p:strVal val="visible"/>
+                                      </p:to>
+                                    </p:set>
+                                    <p:animEffect transition="in" filter="fade">
+                                      <p:cBhvr>
+                                        <p:cTn id="22" dur="500"/>
+                                        <p:tgtEl>
+                                          <p:spTgt spid="3">
+                                            <p:txEl>
+                                              <p:pRg st="3" end="3"/>
+                                            </p:txEl>
+                                          </p:spTgt>
+                                        </p:tgtEl>
+                                      </p:cBhvr>
+                                    </p:animEffect>
+                                  </p:childTnLst>
+                                </p:cTn>
+                              </p:par>
+                            </p:childTnLst>
+                          </p:cTn>
+                        </p:par>
+                      </p:childTnLst>
+                    </p:cTn>
+                  </p:par>
+                  <p:par>
+                    <p:cTn id="23" fill="hold">
+                      <p:stCondLst>
+                        <p:cond delay="indefinite"/>
+                      </p:stCondLst>
+                      <p:childTnLst>
+                        <p:par>
+                          <p:cTn id="24" fill="hold">
+                            <p:stCondLst>
+                              <p:cond delay="0"/>
+                            </p:stCondLst>
+                            <p:childTnLst>
+                              <p:par>
+                                <p:cTn id="25" presetID="10" presetClass="entr" presetSubtype="0" fill="hold" nodeType="clickEffect">
+                                  <p:stCondLst>
+                                    <p:cond delay="0"/>
+                                  </p:stCondLst>
+                                  <p:childTnLst>
+                                    <p:set>
+                                      <p:cBhvr>
+                                        <p:cTn id="26" dur="1" fill="hold">
+                                          <p:stCondLst>
+                                            <p:cond delay="0"/>
+                                          </p:stCondLst>
+                                        </p:cTn>
+                                        <p:tgtEl>
+                                          <p:spTgt spid="3">
+                                            <p:txEl>
+                                              <p:pRg st="4" end="4"/>
+                                            </p:txEl>
+                                          </p:spTgt>
+                                        </p:tgtEl>
+                                        <p:attrNameLst>
+                                          <p:attrName>style.visibility</p:attrName>
+                                        </p:attrNameLst>
+                                      </p:cBhvr>
+                                      <p:to>
+                                        <p:strVal val="visible"/>
+                                      </p:to>
+                                    </p:set>
+                                    <p:animEffect transition="in" filter="fade">
+                                      <p:cBhvr>
+                                        <p:cTn id="27" dur="500"/>
+                                        <p:tgtEl>
+                                          <p:spTgt spid="3">
+                                            <p:txEl>
+                                              <p:pRg st="4" end="4"/>
+                                            </p:txEl>
+                                          </p:spTgt>
+                                        </p:tgtEl>
+                                      </p:cBhvr>
+                                    </p:animEffect>
+                                  </p:childTnLst>
+                                </p:cTn>
+                              </p:par>
+                            </p:childTnLst>
+                          </p:cTn>
+                        </p:par>
+                      </p:childTnLst>
+                    </p:cTn>
+                  </p:par>
+                  <p:par>
+                    <p:cTn id="28" fill="hold">
+                      <p:stCondLst>
+                        <p:cond delay="indefinite"/>
+                      </p:stCondLst>
+                      <p:childTnLst>
+                        <p:par>
+                          <p:cTn id="29" fill="hold">
+                            <p:stCondLst>
+                              <p:cond delay="0"/>
+                            </p:stCondLst>
+                            <p:childTnLst>
+                              <p:par>
+                                <p:cTn id="30" presetID="10" presetClass="entr" presetSubtype="0" fill="hold" nodeType="clickEffect">
+                                  <p:stCondLst>
+                                    <p:cond delay="0"/>
+                                  </p:stCondLst>
+                                  <p:childTnLst>
+                                    <p:set>
+                                      <p:cBhvr>
+                                        <p:cTn id="31" dur="1" fill="hold">
+                                          <p:stCondLst>
+                                            <p:cond delay="0"/>
+                                          </p:stCondLst>
+                                        </p:cTn>
+                                        <p:tgtEl>
+                                          <p:spTgt spid="3">
+                                            <p:txEl>
+                                              <p:pRg st="5" end="5"/>
+                                            </p:txEl>
+                                          </p:spTgt>
+                                        </p:tgtEl>
+                                        <p:attrNameLst>
+                                          <p:attrName>style.visibility</p:attrName>
+                                        </p:attrNameLst>
+                                      </p:cBhvr>
+                                      <p:to>
+                                        <p:strVal val="visible"/>
+                                      </p:to>
+                                    </p:set>
+                                    <p:animEffect transition="in" filter="fade">
+                                      <p:cBhvr>
+                                        <p:cTn id="32" dur="500"/>
+                                        <p:tgtEl>
+                                          <p:spTgt spid="3">
+                                            <p:txEl>
+                                              <p:pRg st="5" end="5"/>
+                                            </p:txEl>
+                                          </p:spTgt>
+                                        </p:tgtEl>
+                                      </p:cBhvr>
+                                    </p:animEffect>
+                                  </p:childTnLst>
+                                </p:cTn>
+                              </p:par>
+                            </p:childTnLst>
+                          </p:cTn>
+                        </p:par>
+                      </p:childTnLst>
+                    </p:cTn>
+                  </p:par>
+                  <p:par>
+                    <p:cTn id="33" fill="hold">
+                      <p:stCondLst>
+                        <p:cond delay="indefinite"/>
+                      </p:stCondLst>
+                      <p:childTnLst>
+                        <p:par>
+                          <p:cTn id="34" fill="hold">
+                            <p:stCondLst>
+                              <p:cond delay="0"/>
+                            </p:stCondLst>
+                            <p:childTnLst>
+                              <p:par>
+                                <p:cTn id="35" presetID="1" presetClass="entr" presetSubtype="0" fill="hold" nodeType="clickEffect">
+                                  <p:stCondLst>
+                                    <p:cond delay="0"/>
+                                  </p:stCondLst>
+                                  <p:childTnLst>
+                                    <p:set>
+                                      <p:cBhvr>
+                                        <p:cTn id="36" dur="1" fill="hold">
+                                          <p:stCondLst>
+                                            <p:cond delay="0"/>
+                                          </p:stCondLst>
+                                        </p:cTn>
+                                        <p:tgtEl>
+                                          <p:spTgt spid="5"/>
+                                        </p:tgtEl>
+                                        <p:attrNameLst>
+                                          <p:attrName>style.visibility</p:attrName>
+                                        </p:attrNameLst>
+                                      </p:cBhvr>
+                                      <p:to>
+                                        <p:strVal val="visible"/>
+                                      </p:to>
+                                    </p:set>
+                                  </p:childTnLst>
+                                </p:cTn>
+                              </p:par>
+                            </p:childTnLst>
+                          </p:cTn>
+                        </p:par>
+                      </p:childTnLst>
+                    </p:cTn>
+                  </p:par>
+                  <p:par>
+                    <p:cTn id="37" fill="hold">
+                      <p:stCondLst>
+                        <p:cond delay="indefinite"/>
+                      </p:stCondLst>
+                      <p:childTnLst>
+                        <p:par>
+                          <p:cTn id="38" fill="hold">
+                            <p:stCondLst>
+                              <p:cond delay="0"/>
+                            </p:stCondLst>
+                            <p:childTnLst>
+                              <p:par>
+                                <p:cTn id="39" presetID="10" presetClass="entr" presetSubtype="0" fill="hold" nodeType="clickEffect">
+                                  <p:stCondLst>
+                                    <p:cond delay="0"/>
+                                  </p:stCondLst>
+                                  <p:childTnLst>
+                                    <p:set>
+                                      <p:cBhvr>
+                                        <p:cTn id="40" dur="1" fill="hold">
+                                          <p:stCondLst>
+                                            <p:cond delay="0"/>
+                                          </p:stCondLst>
+                                        </p:cTn>
+                                        <p:tgtEl>
+                                          <p:spTgt spid="3">
+                                            <p:txEl>
+                                              <p:pRg st="6" end="6"/>
+                                            </p:txEl>
+                                          </p:spTgt>
+                                        </p:tgtEl>
+                                        <p:attrNameLst>
+                                          <p:attrName>style.visibility</p:attrName>
+                                        </p:attrNameLst>
+                                      </p:cBhvr>
+                                      <p:to>
+                                        <p:strVal val="visible"/>
+                                      </p:to>
+                                    </p:set>
+                                    <p:animEffect transition="in" filter="fade">
+                                      <p:cBhvr>
+                                        <p:cTn id="41" dur="500"/>
+                                        <p:tgtEl>
+                                          <p:spTgt spid="3">
+                                            <p:txEl>
+                                              <p:pRg st="6" end="6"/>
+                                            </p:txEl>
+                                          </p:spTgt>
+                                        </p:tgtEl>
+                                      </p:cBhvr>
+                                    </p:animEffect>
+                                  </p:childTnLst>
+                                </p:cTn>
+                              </p:par>
+                            </p:childTnLst>
+                          </p:cTn>
+                        </p:par>
+                      </p:childTnLst>
+                    </p:cTn>
+                  </p:par>
+                  <p:par>
+                    <p:cTn id="42" fill="hold">
+                      <p:stCondLst>
+                        <p:cond delay="indefinite"/>
+                      </p:stCondLst>
+                      <p:childTnLst>
+                        <p:par>
+                          <p:cTn id="43" fill="hold">
+                            <p:stCondLst>
+                              <p:cond delay="0"/>
+                            </p:stCondLst>
+                            <p:childTnLst>
+                              <p:par>
+                                <p:cTn id="44" presetID="10" presetClass="entr" presetSubtype="0" fill="hold" nodeType="clickEffect">
+                                  <p:stCondLst>
+                                    <p:cond delay="0"/>
+                                  </p:stCondLst>
+                                  <p:childTnLst>
+                                    <p:set>
+                                      <p:cBhvr>
+                                        <p:cTn id="45" dur="1" fill="hold">
+                                          <p:stCondLst>
+                                            <p:cond delay="0"/>
+                                          </p:stCondLst>
+                                        </p:cTn>
+                                        <p:tgtEl>
+                                          <p:spTgt spid="3">
+                                            <p:txEl>
+                                              <p:pRg st="7" end="7"/>
+                                            </p:txEl>
+                                          </p:spTgt>
+                                        </p:tgtEl>
+                                        <p:attrNameLst>
+                                          <p:attrName>style.visibility</p:attrName>
+                                        </p:attrNameLst>
+                                      </p:cBhvr>
+                                      <p:to>
+                                        <p:strVal val="visible"/>
+                                      </p:to>
+                                    </p:set>
+                                    <p:animEffect transition="in" filter="fade">
+                                      <p:cBhvr>
+                                        <p:cTn id="46" dur="500"/>
+                                        <p:tgtEl>
+                                          <p:spTgt spid="3">
+                                            <p:txEl>
+                                              <p:pRg st="7" end="7"/>
+                                            </p:txEl>
+                                          </p:spTgt>
+                                        </p:tgtEl>
+                                      </p:cBhvr>
+                                    </p:animEffect>
+                                  </p:childTnLst>
+                                </p:cTn>
+                              </p:par>
+                            </p:childTnLst>
+                          </p:cTn>
+                        </p:par>
+                      </p:childTnLst>
+                    </p:cTn>
+                  </p:par>
+                </p:childTnLst>
+              </p:cTn>
+              <p:prevCondLst>
+                <p:cond evt="onPrev" delay="0">
+                  <p:tgtEl>
+                    <p:sldTgt/>
+                  </p:tgtEl>
+                </p:cond>
+              </p:prevCondLst>
+              <p:nextCondLst>
+                <p:cond evt="onNext" delay="0">
+                  <p:tgtEl>
+                    <p:sldTgt/>
+                  </p:tgtEl>
+                </p:cond>
+              </p:nextCondLst>
+            </p:seq>
+          </p:childTnLst>
+        </p:cTn>
+      </p:par>
+    </p:tnLst>
+  </p:timing>
+</p:sld>
+</file>
+
 <file path=ppt/theme/theme1.xml><?xml version="1.0" encoding="utf-8"?>
-<a:theme xmlns:a="http://schemas.openxmlformats.org/drawingml/2006/main" name="SQLSatOslo 2016">
+<a:theme xmlns:a="http://schemas.openxmlformats.org/drawingml/2006/main" name="Office Theme">
   <a:themeElements>
-    <a:clrScheme name="PASS SQLSaturday">
+    <a:clrScheme name="Office">
       <a:dk1>
-        <a:srgbClr val="101820"/>
+        <a:sysClr val="windowText" lastClr="000000"/>
       </a:dk1>
       <a:lt1>
-        <a:srgbClr val="FFFFFF"/>
+        <a:sysClr val="window" lastClr="FFFFFF"/>
       </a:lt1>
       <a:dk2>
-        <a:srgbClr val="414A54"/>
+        <a:srgbClr val="44546A"/>
       </a:dk2>
       <a:lt2>
-        <a:srgbClr val="F2F2F2"/>
+        <a:srgbClr val="E7E6E6"/>
       </a:lt2>
       <a:accent1>
-        <a:srgbClr val="007A3E"/>
+        <a:srgbClr val="4472C4"/>
       </a:accent1>
       <a:accent2>
-        <a:srgbClr val="00BF6F"/>
+        <a:srgbClr val="ED7D31"/>
       </a:accent2>
       <a:accent3>
-        <a:srgbClr val="2DCCD3"/>
+        <a:srgbClr val="A5A5A5"/>
       </a:accent3>
       <a:accent4>
-        <a:srgbClr val="007377"/>
+        <a:srgbClr val="FFC000"/>
       </a:accent4>
       <a:accent5>
-        <a:srgbClr val="6558B1"/>
+        <a:srgbClr val="5B9BD5"/>
       </a:accent5>
       <a:accent6>
-        <a:srgbClr val="AF272F"/>
+        <a:srgbClr val="70AD47"/>
       </a:accent6>
       <a:hlink>
-        <a:srgbClr val="00BF6F"/>
+        <a:srgbClr val="0563C1"/>
       </a:hlink>
       <a:folHlink>
-        <a:srgbClr val="2DCCD3"/>
+        <a:srgbClr val="954F72"/>
       </a:folHlink>
     </a:clrScheme>
-    <a:fontScheme name="PASS SQLSaturday">
+    <a:fontScheme name="Office">
       <a:majorFont>
-        <a:latin typeface="Segoe UI"/>
+        <a:latin typeface="Calibri Light" panose="020F0302020204030204"/>
         <a:ea typeface=""/>
         <a:cs typeface=""/>
+        <a:font script="Jpan" typeface="游ゴシック Light"/>
+        <a:font script="Hang" typeface="맑은 고딕"/>
+        <a:font script="Hans" typeface="等线 Light"/>
+        <a:font script="Hant" typeface="新細明體"/>
+        <a:font script="Arab" typeface="Times New Roman"/>
+        <a:font script="Hebr" typeface="Times New Roman"/>
+        <a:font script="Thai" typeface="Angsana New"/>
+        <a:font script="Ethi" typeface="Nyala"/>
+        <a:font script="Beng" typeface="Vrinda"/>
+        <a:font script="Gujr" typeface="Shruti"/>
+        <a:font script="Khmr" typeface="MoolBoran"/>
+        <a:font script="Knda" typeface="Tunga"/>
+        <a:font script="Guru" typeface="Raavi"/>
+        <a:font script="Cans" typeface="Euphemia"/>
+        <a:font script="Cher" typeface="Plantagenet Cherokee"/>
+        <a:font script="Yiii" typeface="Microsoft Yi Baiti"/>
+        <a:font script="Tibt" typeface="Microsoft Himalaya"/>
+        <a:font script="Thaa" typeface="MV Boli"/>
+        <a:font script="Deva" typeface="Mangal"/>
+        <a:font script="Telu" typeface="Gautami"/>
+        <a:font script="Taml" typeface="Latha"/>
+        <a:font script="Syrc" typeface="Estrangelo Edessa"/>
+        <a:font script="Orya" typeface="Kalinga"/>
+        <a:font script="Mlym" typeface="Kartika"/>
+        <a:font script="Laoo" typeface="DokChampa"/>
+        <a:font script="Sinh" typeface="Iskoola Pota"/>
+        <a:font script="Mong" typeface="Mongolian Baiti"/>
+        <a:font script="Viet" typeface="Times New Roman"/>
+        <a:font script="Uigh" typeface="Microsoft Uighur"/>
+        <a:font script="Geor" typeface="Sylfaen"/>
+        <a:font script="Armn" typeface="Arial"/>
+        <a:font script="Bugi" typeface="Leelawadee UI"/>
+        <a:font script="Bopo" typeface="Microsoft JhengHei"/>
+        <a:font script="Java" typeface="Javanese Text"/>
+        <a:font script="Lisu" typeface="Segoe UI"/>
+        <a:font script="Mymr" typeface="Myanmar Text"/>
+        <a:font script="Nkoo" typeface="Ebrima"/>
+        <a:font script="Olck" typeface="Nirmala UI"/>
+        <a:font script="Osma" typeface="Ebrima"/>
+        <a:font script="Phag" typeface="Phagspa"/>
+        <a:font script="Syrn" typeface="Estrangelo Edessa"/>
+        <a:font script="Syrj" typeface="Estrangelo Edessa"/>
+        <a:font script="Syre" typeface="Estrangelo Edessa"/>
+        <a:font script="Sora" typeface="Nirmala UI"/>
+        <a:font script="Tale" typeface="Microsoft Tai Le"/>
+        <a:font script="Talu" typeface="Microsoft New Tai Lue"/>
+        <a:font script="Tfng" typeface="Ebrima"/>
       </a:majorFont>
       <a:minorFont>
-        <a:latin typeface="Segoe UI"/>
+        <a:latin typeface="Calibri" panose="020F0502020204030204"/>
         <a:ea typeface=""/>
         <a:cs typeface=""/>
+        <a:font script="Jpan" typeface="游ゴシック"/>
+        <a:font script="Hang" typeface="맑은 고딕"/>
+        <a:font script="Hans" typeface="等线"/>
+        <a:font script="Hant" typeface="新細明體"/>
+        <a:font script="Arab" typeface="Arial"/>
+        <a:font script="Hebr" typeface="Arial"/>
+        <a:font script="Thai" typeface="Cordia New"/>
+        <a:font script="Ethi" typeface="Nyala"/>
+        <a:font script="Beng" typeface="Vrinda"/>
+        <a:font script="Gujr" typeface="Shruti"/>
+        <a:font script="Khmr" typeface="DaunPenh"/>
+        <a:font script="Knda" typeface="Tunga"/>
+        <a:font script="Guru" typeface="Raavi"/>
+        <a:font script="Cans" typeface="Euphemia"/>
+        <a:font script="Cher" typeface="Plantagenet Cherokee"/>
+        <a:font script="Yiii" typeface="Microsoft Yi Baiti"/>
+        <a:font script="Tibt" typeface="Microsoft Himalaya"/>
+        <a:font script="Thaa" typeface="MV Boli"/>
+        <a:font script="Deva" typeface="Mangal"/>
+        <a:font script="Telu" typeface="Gautami"/>
+        <a:font script="Taml" typeface="Latha"/>
+        <a:font script="Syrc" typeface="Estrangelo Edessa"/>
+        <a:font script="Orya" typeface="Kalinga"/>
+        <a:font script="Mlym" typeface="Kartika"/>
+        <a:font script="Laoo" typeface="DokChampa"/>
+        <a:font script="Sinh" typeface="Iskoola Pota"/>
+        <a:font script="Mong" typeface="Mongolian Baiti"/>
+        <a:font script="Viet" typeface="Arial"/>
+        <a:font script="Uigh" typeface="Microsoft Uighur"/>
+        <a:font script="Geor" typeface="Sylfaen"/>
+        <a:font script="Armn" typeface="Arial"/>
+        <a:font script="Bugi" typeface="Leelawadee UI"/>
+        <a:font script="Bopo" typeface="Microsoft JhengHei"/>
+        <a:font script="Java" typeface="Javanese Text"/>
+        <a:font script="Lisu" typeface="Segoe UI"/>
+        <a:font script="Mymr" typeface="Myanmar Text"/>
+        <a:font script="Nkoo" typeface="Ebrima"/>
+        <a:font script="Olck" typeface="Nirmala UI"/>
+        <a:font script="Osma" typeface="Ebrima"/>
+        <a:font script="Phag" typeface="Phagspa"/>
+        <a:font script="Syrn" typeface="Estrangelo Edessa"/>
+        <a:font script="Syrj" typeface="Estrangelo Edessa"/>
+        <a:font script="Syre" typeface="Estrangelo Edessa"/>
+        <a:font script="Sora" typeface="Nirmala UI"/>
+        <a:font script="Tale" typeface="Microsoft Tai Le"/>
+        <a:font script="Talu" typeface="Microsoft New Tai Lue"/>
+        <a:font script="Tfng" typeface="Ebrima"/>
       </a:minorFont>
     </a:fontScheme>
     <a:fmtScheme name="Office">
@@ -4056,197 +9853,142 @@
           <a:gsLst>
             <a:gs pos="0">
               <a:schemeClr val="phClr">
-                <a:tint val="50000"/>
-                <a:satMod val="300000"/>
+                <a:lumMod val="110000"/>
+                <a:satMod val="105000"/>
+                <a:tint val="67000"/>
               </a:schemeClr>
             </a:gs>
-            <a:gs pos="35000">
+            <a:gs pos="50000">
               <a:schemeClr val="phClr">
-                <a:tint val="37000"/>
-                <a:satMod val="300000"/>
+                <a:lumMod val="105000"/>
+                <a:satMod val="103000"/>
+                <a:tint val="73000"/>
               </a:schemeClr>
             </a:gs>
             <a:gs pos="100000">
               <a:schemeClr val="phClr">
-                <a:tint val="15000"/>
-                <a:satMod val="350000"/>
+                <a:lumMod val="105000"/>
+                <a:satMod val="109000"/>
+                <a:tint val="81000"/>
               </a:schemeClr>
             </a:gs>
           </a:gsLst>
-          <a:lin ang="16200000" scaled="1"/>
+          <a:lin ang="5400000" scaled="0"/>
         </a:gradFill>
         <a:gradFill rotWithShape="1">
           <a:gsLst>
             <a:gs pos="0">
               <a:schemeClr val="phClr">
-                <a:tint val="100000"/>
+                <a:satMod val="103000"/>
+                <a:lumMod val="102000"/>
+                <a:tint val="94000"/>
+              </a:schemeClr>
+            </a:gs>
+            <a:gs pos="50000">
+              <a:schemeClr val="phClr">
+                <a:satMod val="110000"/>
+                <a:lumMod val="100000"/>
                 <a:shade val="100000"/>
-                <a:satMod val="130000"/>
               </a:schemeClr>
             </a:gs>
             <a:gs pos="100000">
               <a:schemeClr val="phClr">
-                <a:tint val="50000"/>
-                <a:shade val="100000"/>
-                <a:satMod val="350000"/>
+                <a:lumMod val="99000"/>
+                <a:satMod val="120000"/>
+                <a:shade val="78000"/>
               </a:schemeClr>
             </a:gs>
           </a:gsLst>
-          <a:lin ang="16200000" scaled="0"/>
+          <a:lin ang="5400000" scaled="0"/>
         </a:gradFill>
       </a:fillStyleLst>
       <a:lnStyleLst>
-        <a:ln w="9525" cap="flat" cmpd="sng" algn="ctr">
-          <a:solidFill>
-            <a:schemeClr val="phClr">
-              <a:shade val="95000"/>
-              <a:satMod val="105000"/>
-            </a:schemeClr>
-          </a:solidFill>
-          <a:prstDash val="solid"/>
-        </a:ln>
-        <a:ln w="25400" cap="flat" cmpd="sng" algn="ctr">
+        <a:ln w="6350" cap="flat" cmpd="sng" algn="ctr">
           <a:solidFill>
             <a:schemeClr val="phClr"/>
           </a:solidFill>
           <a:prstDash val="solid"/>
+          <a:miter lim="800000"/>
         </a:ln>
-        <a:ln w="38100" cap="flat" cmpd="sng" algn="ctr">
+        <a:ln w="12700" cap="flat" cmpd="sng" algn="ctr">
           <a:solidFill>
             <a:schemeClr val="phClr"/>
           </a:solidFill>
           <a:prstDash val="solid"/>
+          <a:miter lim="800000"/>
+        </a:ln>
+        <a:ln w="19050" cap="flat" cmpd="sng" algn="ctr">
+          <a:solidFill>
+            <a:schemeClr val="phClr"/>
+          </a:solidFill>
+          <a:prstDash val="solid"/>
+          <a:miter lim="800000"/>
         </a:ln>
       </a:lnStyleLst>
       <a:effectStyleLst>
         <a:effectStyle>
+          <a:effectLst/>
+        </a:effectStyle>
+        <a:effectStyle>
+          <a:effectLst/>
+        </a:effectStyle>
+        <a:effectStyle>
           <a:effectLst>
-            <a:outerShdw blurRad="40000" dist="20000" dir="5400000" rotWithShape="0">
+            <a:outerShdw blurRad="57150" dist="19050" dir="5400000" algn="ctr" rotWithShape="0">
               <a:srgbClr val="000000">
-                <a:alpha val="38000"/>
+                <a:alpha val="63000"/>
               </a:srgbClr>
             </a:outerShdw>
           </a:effectLst>
-        </a:effectStyle>
-        <a:effectStyle>
-          <a:effectLst>
-            <a:outerShdw blurRad="40000" dist="23000" dir="5400000" rotWithShape="0">
-              <a:srgbClr val="000000">
-                <a:alpha val="35000"/>
-              </a:srgbClr>
-            </a:outerShdw>
-          </a:effectLst>
-        </a:effectStyle>
-        <a:effectStyle>
-          <a:effectLst>
-            <a:outerShdw blurRad="40000" dist="23000" dir="5400000" rotWithShape="0">
-              <a:srgbClr val="000000">
-                <a:alpha val="35000"/>
-              </a:srgbClr>
-            </a:outerShdw>
-          </a:effectLst>
-          <a:scene3d>
-            <a:camera prst="orthographicFront">
-              <a:rot lat="0" lon="0" rev="0"/>
-            </a:camera>
-            <a:lightRig rig="threePt" dir="t">
-              <a:rot lat="0" lon="0" rev="1200000"/>
-            </a:lightRig>
-          </a:scene3d>
-          <a:sp3d>
-            <a:bevelT w="63500" h="25400"/>
-          </a:sp3d>
         </a:effectStyle>
       </a:effectStyleLst>
       <a:bgFillStyleLst>
         <a:solidFill>
           <a:schemeClr val="phClr"/>
         </a:solidFill>
+        <a:solidFill>
+          <a:schemeClr val="phClr">
+            <a:tint val="95000"/>
+            <a:satMod val="170000"/>
+          </a:schemeClr>
+        </a:solidFill>
         <a:gradFill rotWithShape="1">
           <a:gsLst>
             <a:gs pos="0">
               <a:schemeClr val="phClr">
-                <a:tint val="40000"/>
-                <a:satMod val="350000"/>
+                <a:tint val="93000"/>
+                <a:satMod val="150000"/>
+                <a:shade val="98000"/>
+                <a:lumMod val="102000"/>
               </a:schemeClr>
             </a:gs>
-            <a:gs pos="40000">
+            <a:gs pos="50000">
               <a:schemeClr val="phClr">
-                <a:tint val="45000"/>
-                <a:shade val="99000"/>
-                <a:satMod val="350000"/>
+                <a:tint val="98000"/>
+                <a:satMod val="130000"/>
+                <a:shade val="90000"/>
+                <a:lumMod val="103000"/>
               </a:schemeClr>
             </a:gs>
             <a:gs pos="100000">
               <a:schemeClr val="phClr">
-                <a:shade val="20000"/>
-                <a:satMod val="255000"/>
+                <a:shade val="63000"/>
+                <a:satMod val="120000"/>
               </a:schemeClr>
             </a:gs>
           </a:gsLst>
-          <a:path path="circle">
-            <a:fillToRect l="50000" t="-80000" r="50000" b="180000"/>
-          </a:path>
-        </a:gradFill>
-        <a:gradFill rotWithShape="1">
-          <a:gsLst>
-            <a:gs pos="0">
-              <a:schemeClr val="phClr">
-                <a:tint val="80000"/>
-                <a:satMod val="300000"/>
-              </a:schemeClr>
-            </a:gs>
-            <a:gs pos="100000">
-              <a:schemeClr val="phClr">
-                <a:shade val="30000"/>
-                <a:satMod val="200000"/>
-              </a:schemeClr>
-            </a:gs>
-          </a:gsLst>
-          <a:path path="circle">
-            <a:fillToRect l="50000" t="50000" r="50000" b="50000"/>
-          </a:path>
+          <a:lin ang="5400000" scaled="0"/>
         </a:gradFill>
       </a:bgFillStyleLst>
     </a:fmtScheme>
   </a:themeElements>
-  <a:objectDefaults>
-    <a:spDef>
-      <a:spPr/>
-      <a:bodyPr lIns="0" tIns="0" rIns="0" bIns="0" anchor="ctr">
-        <a:spAutoFit/>
-      </a:bodyPr>
-      <a:lstStyle>
-        <a:defPPr algn="l">
-          <a:defRPr sz="2400" dirty="0" smtClean="0">
-            <a:solidFill>
-              <a:schemeClr val="accent1"/>
-            </a:solidFill>
-          </a:defRPr>
-        </a:defPPr>
-      </a:lstStyle>
-    </a:spDef>
-    <a:lnDef>
-      <a:spPr/>
-      <a:bodyPr/>
-      <a:lstStyle/>
-      <a:style>
-        <a:lnRef idx="2">
-          <a:schemeClr val="accent1"/>
-        </a:lnRef>
-        <a:fillRef idx="0">
-          <a:schemeClr val="accent1"/>
-        </a:fillRef>
-        <a:effectRef idx="1">
-          <a:schemeClr val="accent1"/>
-        </a:effectRef>
-        <a:fontRef idx="minor">
-          <a:schemeClr val="tx1"/>
-        </a:fontRef>
-      </a:style>
-    </a:lnDef>
-  </a:objectDefaults>
+  <a:objectDefaults/>
   <a:extraClrSchemeLst/>
+  <a:extLst>
+    <a:ext uri="{05A4C25C-085E-4340-85A3-A5531E510DB2}">
+      <thm15:themeFamily xmlns:thm15="http://schemas.microsoft.com/office/thememl/2012/main" name="PSSaturday_template.potx" id="{1558A2F7-93A1-4304-84BF-EB460CFE8176}" vid="{2059604E-30DD-4E58-AC2A-4D963846C196}"/>
+    </a:ext>
+  </a:extLst>
 </a:theme>
 </file>
 
